--- a/python/source code/import/import.pptx
+++ b/python/source code/import/import.pptx
@@ -4,8 +4,15 @@
   <p:sldMasterIdLst>
     <p:sldMasterId id="2147483648" r:id="rId1"/>
   </p:sldMasterIdLst>
+  <p:notesMasterIdLst>
+    <p:notesMasterId r:id="rId7"/>
+  </p:notesMasterIdLst>
   <p:sldIdLst>
     <p:sldId id="256" r:id="rId2"/>
+    <p:sldId id="257" r:id="rId3"/>
+    <p:sldId id="258" r:id="rId4"/>
+    <p:sldId id="259" r:id="rId5"/>
+    <p:sldId id="260" r:id="rId6"/>
   </p:sldIdLst>
   <p:sldSz cx="9144000" cy="6858000" type="screen4x3"/>
   <p:notesSz cx="6858000" cy="9144000"/>
@@ -104,7 +111,628 @@
       </a:defRPr>
     </a:lvl9pPr>
   </p:defaultTextStyle>
+  <p:extLst>
+    <p:ext uri="{EFAFB233-063F-42B5-8137-9DF3F51BA10A}">
+      <p15:sldGuideLst xmlns:p15="http://schemas.microsoft.com/office/powerpoint/2012/main"/>
+    </p:ext>
+  </p:extLst>
 </p:presentation>
+</file>
+
+<file path=ppt/notesMasters/notesMaster1.xml><?xml version="1.0" encoding="utf-8"?>
+<p:notesMaster xmlns:a="http://schemas.openxmlformats.org/drawingml/2006/main" xmlns:r="http://schemas.openxmlformats.org/officeDocument/2006/relationships" xmlns:p="http://schemas.openxmlformats.org/presentationml/2006/main">
+  <p:cSld>
+    <p:bg>
+      <p:bgRef idx="1001">
+        <a:schemeClr val="bg1"/>
+      </p:bgRef>
+    </p:bg>
+    <p:spTree>
+      <p:nvGrpSpPr>
+        <p:cNvPr id="1" name=""/>
+        <p:cNvGrpSpPr/>
+        <p:nvPr/>
+      </p:nvGrpSpPr>
+      <p:grpSpPr>
+        <a:xfrm>
+          <a:off x="0" y="0"/>
+          <a:ext cx="0" cy="0"/>
+          <a:chOff x="0" y="0"/>
+          <a:chExt cx="0" cy="0"/>
+        </a:xfrm>
+      </p:grpSpPr>
+      <p:sp>
+        <p:nvSpPr>
+          <p:cNvPr id="2" name="页眉占位符 1"/>
+          <p:cNvSpPr>
+            <a:spLocks noGrp="1"/>
+          </p:cNvSpPr>
+          <p:nvPr>
+            <p:ph type="hdr" sz="quarter"/>
+          </p:nvPr>
+        </p:nvSpPr>
+        <p:spPr>
+          <a:xfrm>
+            <a:off x="0" y="0"/>
+            <a:ext cx="2971800" cy="458788"/>
+          </a:xfrm>
+          <a:prstGeom prst="rect">
+            <a:avLst/>
+          </a:prstGeom>
+        </p:spPr>
+        <p:txBody>
+          <a:bodyPr vert="horz" lIns="91440" tIns="45720" rIns="91440" bIns="45720" rtlCol="0"/>
+          <a:lstStyle>
+            <a:lvl1pPr algn="l">
+              <a:defRPr sz="1200"/>
+            </a:lvl1pPr>
+          </a:lstStyle>
+          <a:p>
+            <a:endParaRPr lang="zh-CN" altLang="en-US"/>
+          </a:p>
+        </p:txBody>
+      </p:sp>
+      <p:sp>
+        <p:nvSpPr>
+          <p:cNvPr id="3" name="日期占位符 2"/>
+          <p:cNvSpPr>
+            <a:spLocks noGrp="1"/>
+          </p:cNvSpPr>
+          <p:nvPr>
+            <p:ph type="dt" idx="1"/>
+          </p:nvPr>
+        </p:nvSpPr>
+        <p:spPr>
+          <a:xfrm>
+            <a:off x="3884613" y="0"/>
+            <a:ext cx="2971800" cy="458788"/>
+          </a:xfrm>
+          <a:prstGeom prst="rect">
+            <a:avLst/>
+          </a:prstGeom>
+        </p:spPr>
+        <p:txBody>
+          <a:bodyPr vert="horz" lIns="91440" tIns="45720" rIns="91440" bIns="45720" rtlCol="0"/>
+          <a:lstStyle>
+            <a:lvl1pPr algn="r">
+              <a:defRPr sz="1200"/>
+            </a:lvl1pPr>
+          </a:lstStyle>
+          <a:p>
+            <a:fld id="{137CE5D7-7ED0-47A4-97A4-21C1D4343DF0}" type="datetimeFigureOut">
+              <a:rPr lang="zh-CN" altLang="en-US" smtClean="0"/>
+              <a:t>2016/11/13</a:t>
+            </a:fld>
+            <a:endParaRPr lang="zh-CN" altLang="en-US"/>
+          </a:p>
+        </p:txBody>
+      </p:sp>
+      <p:sp>
+        <p:nvSpPr>
+          <p:cNvPr id="4" name="幻灯片图像占位符 3"/>
+          <p:cNvSpPr>
+            <a:spLocks noGrp="1" noRot="1" noChangeAspect="1"/>
+          </p:cNvSpPr>
+          <p:nvPr>
+            <p:ph type="sldImg" idx="2"/>
+          </p:nvPr>
+        </p:nvSpPr>
+        <p:spPr>
+          <a:xfrm>
+            <a:off x="1371600" y="1143000"/>
+            <a:ext cx="4114800" cy="3086100"/>
+          </a:xfrm>
+          <a:prstGeom prst="rect">
+            <a:avLst/>
+          </a:prstGeom>
+          <a:noFill/>
+          <a:ln w="12700">
+            <a:solidFill>
+              <a:prstClr val="black"/>
+            </a:solidFill>
+          </a:ln>
+        </p:spPr>
+        <p:txBody>
+          <a:bodyPr vert="horz" lIns="91440" tIns="45720" rIns="91440" bIns="45720" rtlCol="0" anchor="ctr"/>
+          <a:lstStyle/>
+          <a:p>
+            <a:endParaRPr lang="zh-CN" altLang="en-US"/>
+          </a:p>
+        </p:txBody>
+      </p:sp>
+      <p:sp>
+        <p:nvSpPr>
+          <p:cNvPr id="5" name="备注占位符 4"/>
+          <p:cNvSpPr>
+            <a:spLocks noGrp="1"/>
+          </p:cNvSpPr>
+          <p:nvPr>
+            <p:ph type="body" sz="quarter" idx="3"/>
+          </p:nvPr>
+        </p:nvSpPr>
+        <p:spPr>
+          <a:xfrm>
+            <a:off x="685800" y="4400550"/>
+            <a:ext cx="5486400" cy="3600450"/>
+          </a:xfrm>
+          <a:prstGeom prst="rect">
+            <a:avLst/>
+          </a:prstGeom>
+        </p:spPr>
+        <p:txBody>
+          <a:bodyPr vert="horz" lIns="91440" tIns="45720" rIns="91440" bIns="45720" rtlCol="0"/>
+          <a:lstStyle/>
+          <a:p>
+            <a:pPr lvl="0"/>
+            <a:r>
+              <a:rPr lang="zh-CN" altLang="en-US" smtClean="0"/>
+              <a:t>单击此处编辑母版文本样式</a:t>
+            </a:r>
+          </a:p>
+          <a:p>
+            <a:pPr lvl="1"/>
+            <a:r>
+              <a:rPr lang="zh-CN" altLang="en-US" smtClean="0"/>
+              <a:t>第二级</a:t>
+            </a:r>
+          </a:p>
+          <a:p>
+            <a:pPr lvl="2"/>
+            <a:r>
+              <a:rPr lang="zh-CN" altLang="en-US" smtClean="0"/>
+              <a:t>第三级</a:t>
+            </a:r>
+          </a:p>
+          <a:p>
+            <a:pPr lvl="3"/>
+            <a:r>
+              <a:rPr lang="zh-CN" altLang="en-US" smtClean="0"/>
+              <a:t>第四级</a:t>
+            </a:r>
+          </a:p>
+          <a:p>
+            <a:pPr lvl="4"/>
+            <a:r>
+              <a:rPr lang="zh-CN" altLang="en-US" smtClean="0"/>
+              <a:t>第五级</a:t>
+            </a:r>
+            <a:endParaRPr lang="zh-CN" altLang="en-US"/>
+          </a:p>
+        </p:txBody>
+      </p:sp>
+      <p:sp>
+        <p:nvSpPr>
+          <p:cNvPr id="6" name="页脚占位符 5"/>
+          <p:cNvSpPr>
+            <a:spLocks noGrp="1"/>
+          </p:cNvSpPr>
+          <p:nvPr>
+            <p:ph type="ftr" sz="quarter" idx="4"/>
+          </p:nvPr>
+        </p:nvSpPr>
+        <p:spPr>
+          <a:xfrm>
+            <a:off x="0" y="8685213"/>
+            <a:ext cx="2971800" cy="458787"/>
+          </a:xfrm>
+          <a:prstGeom prst="rect">
+            <a:avLst/>
+          </a:prstGeom>
+        </p:spPr>
+        <p:txBody>
+          <a:bodyPr vert="horz" lIns="91440" tIns="45720" rIns="91440" bIns="45720" rtlCol="0" anchor="b"/>
+          <a:lstStyle>
+            <a:lvl1pPr algn="l">
+              <a:defRPr sz="1200"/>
+            </a:lvl1pPr>
+          </a:lstStyle>
+          <a:p>
+            <a:endParaRPr lang="zh-CN" altLang="en-US"/>
+          </a:p>
+        </p:txBody>
+      </p:sp>
+      <p:sp>
+        <p:nvSpPr>
+          <p:cNvPr id="7" name="灯片编号占位符 6"/>
+          <p:cNvSpPr>
+            <a:spLocks noGrp="1"/>
+          </p:cNvSpPr>
+          <p:nvPr>
+            <p:ph type="sldNum" sz="quarter" idx="5"/>
+          </p:nvPr>
+        </p:nvSpPr>
+        <p:spPr>
+          <a:xfrm>
+            <a:off x="3884613" y="8685213"/>
+            <a:ext cx="2971800" cy="458787"/>
+          </a:xfrm>
+          <a:prstGeom prst="rect">
+            <a:avLst/>
+          </a:prstGeom>
+        </p:spPr>
+        <p:txBody>
+          <a:bodyPr vert="horz" lIns="91440" tIns="45720" rIns="91440" bIns="45720" rtlCol="0" anchor="b"/>
+          <a:lstStyle>
+            <a:lvl1pPr algn="r">
+              <a:defRPr sz="1200"/>
+            </a:lvl1pPr>
+          </a:lstStyle>
+          <a:p>
+            <a:fld id="{F91F46E5-662D-490C-B319-1285EF71F969}" type="slidenum">
+              <a:rPr lang="zh-CN" altLang="en-US" smtClean="0"/>
+              <a:t>‹#›</a:t>
+            </a:fld>
+            <a:endParaRPr lang="zh-CN" altLang="en-US"/>
+          </a:p>
+        </p:txBody>
+      </p:sp>
+    </p:spTree>
+    <p:extLst>
+      <p:ext uri="{BB962C8B-B14F-4D97-AF65-F5344CB8AC3E}">
+        <p14:creationId xmlns:p14="http://schemas.microsoft.com/office/powerpoint/2010/main" val="394188681"/>
+      </p:ext>
+    </p:extLst>
+  </p:cSld>
+  <p:clrMap bg1="lt1" tx1="dk1" bg2="lt2" tx2="dk2" accent1="accent1" accent2="accent2" accent3="accent3" accent4="accent4" accent5="accent5" accent6="accent6" hlink="hlink" folHlink="folHlink"/>
+  <p:notesStyle>
+    <a:lvl1pPr marL="0" algn="l" defTabSz="914400" rtl="0" eaLnBrk="1" latinLnBrk="0" hangingPunct="1">
+      <a:defRPr sz="1200" kern="1200">
+        <a:solidFill>
+          <a:schemeClr val="tx1"/>
+        </a:solidFill>
+        <a:latin typeface="+mn-lt"/>
+        <a:ea typeface="+mn-ea"/>
+        <a:cs typeface="+mn-cs"/>
+      </a:defRPr>
+    </a:lvl1pPr>
+    <a:lvl2pPr marL="457200" algn="l" defTabSz="914400" rtl="0" eaLnBrk="1" latinLnBrk="0" hangingPunct="1">
+      <a:defRPr sz="1200" kern="1200">
+        <a:solidFill>
+          <a:schemeClr val="tx1"/>
+        </a:solidFill>
+        <a:latin typeface="+mn-lt"/>
+        <a:ea typeface="+mn-ea"/>
+        <a:cs typeface="+mn-cs"/>
+      </a:defRPr>
+    </a:lvl2pPr>
+    <a:lvl3pPr marL="914400" algn="l" defTabSz="914400" rtl="0" eaLnBrk="1" latinLnBrk="0" hangingPunct="1">
+      <a:defRPr sz="1200" kern="1200">
+        <a:solidFill>
+          <a:schemeClr val="tx1"/>
+        </a:solidFill>
+        <a:latin typeface="+mn-lt"/>
+        <a:ea typeface="+mn-ea"/>
+        <a:cs typeface="+mn-cs"/>
+      </a:defRPr>
+    </a:lvl3pPr>
+    <a:lvl4pPr marL="1371600" algn="l" defTabSz="914400" rtl="0" eaLnBrk="1" latinLnBrk="0" hangingPunct="1">
+      <a:defRPr sz="1200" kern="1200">
+        <a:solidFill>
+          <a:schemeClr val="tx1"/>
+        </a:solidFill>
+        <a:latin typeface="+mn-lt"/>
+        <a:ea typeface="+mn-ea"/>
+        <a:cs typeface="+mn-cs"/>
+      </a:defRPr>
+    </a:lvl4pPr>
+    <a:lvl5pPr marL="1828800" algn="l" defTabSz="914400" rtl="0" eaLnBrk="1" latinLnBrk="0" hangingPunct="1">
+      <a:defRPr sz="1200" kern="1200">
+        <a:solidFill>
+          <a:schemeClr val="tx1"/>
+        </a:solidFill>
+        <a:latin typeface="+mn-lt"/>
+        <a:ea typeface="+mn-ea"/>
+        <a:cs typeface="+mn-cs"/>
+      </a:defRPr>
+    </a:lvl5pPr>
+    <a:lvl6pPr marL="2286000" algn="l" defTabSz="914400" rtl="0" eaLnBrk="1" latinLnBrk="0" hangingPunct="1">
+      <a:defRPr sz="1200" kern="1200">
+        <a:solidFill>
+          <a:schemeClr val="tx1"/>
+        </a:solidFill>
+        <a:latin typeface="+mn-lt"/>
+        <a:ea typeface="+mn-ea"/>
+        <a:cs typeface="+mn-cs"/>
+      </a:defRPr>
+    </a:lvl6pPr>
+    <a:lvl7pPr marL="2743200" algn="l" defTabSz="914400" rtl="0" eaLnBrk="1" latinLnBrk="0" hangingPunct="1">
+      <a:defRPr sz="1200" kern="1200">
+        <a:solidFill>
+          <a:schemeClr val="tx1"/>
+        </a:solidFill>
+        <a:latin typeface="+mn-lt"/>
+        <a:ea typeface="+mn-ea"/>
+        <a:cs typeface="+mn-cs"/>
+      </a:defRPr>
+    </a:lvl7pPr>
+    <a:lvl8pPr marL="3200400" algn="l" defTabSz="914400" rtl="0" eaLnBrk="1" latinLnBrk="0" hangingPunct="1">
+      <a:defRPr sz="1200" kern="1200">
+        <a:solidFill>
+          <a:schemeClr val="tx1"/>
+        </a:solidFill>
+        <a:latin typeface="+mn-lt"/>
+        <a:ea typeface="+mn-ea"/>
+        <a:cs typeface="+mn-cs"/>
+      </a:defRPr>
+    </a:lvl8pPr>
+    <a:lvl9pPr marL="3657600" algn="l" defTabSz="914400" rtl="0" eaLnBrk="1" latinLnBrk="0" hangingPunct="1">
+      <a:defRPr sz="1200" kern="1200">
+        <a:solidFill>
+          <a:schemeClr val="tx1"/>
+        </a:solidFill>
+        <a:latin typeface="+mn-lt"/>
+        <a:ea typeface="+mn-ea"/>
+        <a:cs typeface="+mn-cs"/>
+      </a:defRPr>
+    </a:lvl9pPr>
+  </p:notesStyle>
+</p:notesMaster>
+</file>
+
+<file path=ppt/notesSlides/notesSlide1.xml><?xml version="1.0" encoding="utf-8"?>
+<p:notes xmlns:a="http://schemas.openxmlformats.org/drawingml/2006/main" xmlns:r="http://schemas.openxmlformats.org/officeDocument/2006/relationships" xmlns:p="http://schemas.openxmlformats.org/presentationml/2006/main">
+  <p:cSld>
+    <p:spTree>
+      <p:nvGrpSpPr>
+        <p:cNvPr id="1" name=""/>
+        <p:cNvGrpSpPr/>
+        <p:nvPr/>
+      </p:nvGrpSpPr>
+      <p:grpSpPr>
+        <a:xfrm>
+          <a:off x="0" y="0"/>
+          <a:ext cx="0" cy="0"/>
+          <a:chOff x="0" y="0"/>
+          <a:chExt cx="0" cy="0"/>
+        </a:xfrm>
+      </p:grpSpPr>
+      <p:sp>
+        <p:nvSpPr>
+          <p:cNvPr id="2" name="幻灯片图像占位符 1"/>
+          <p:cNvSpPr>
+            <a:spLocks noGrp="1" noRot="1" noChangeAspect="1"/>
+          </p:cNvSpPr>
+          <p:nvPr>
+            <p:ph type="sldImg"/>
+          </p:nvPr>
+        </p:nvSpPr>
+        <p:spPr/>
+      </p:sp>
+      <p:sp>
+        <p:nvSpPr>
+          <p:cNvPr id="3" name="备注占位符 2"/>
+          <p:cNvSpPr>
+            <a:spLocks noGrp="1"/>
+          </p:cNvSpPr>
+          <p:nvPr>
+            <p:ph type="body" idx="1"/>
+          </p:nvPr>
+        </p:nvSpPr>
+        <p:spPr/>
+        <p:txBody>
+          <a:bodyPr/>
+          <a:lstStyle/>
+          <a:p>
+            <a:r>
+              <a:rPr lang="zh-CN" altLang="en-US" smtClean="0"/>
+              <a:t>多发点</a:t>
+            </a:r>
+            <a:endParaRPr lang="zh-CN" altLang="en-US"/>
+          </a:p>
+        </p:txBody>
+      </p:sp>
+      <p:sp>
+        <p:nvSpPr>
+          <p:cNvPr id="4" name="灯片编号占位符 3"/>
+          <p:cNvSpPr>
+            <a:spLocks noGrp="1"/>
+          </p:cNvSpPr>
+          <p:nvPr>
+            <p:ph type="sldNum" sz="quarter" idx="10"/>
+          </p:nvPr>
+        </p:nvSpPr>
+        <p:spPr/>
+        <p:txBody>
+          <a:bodyPr/>
+          <a:lstStyle/>
+          <a:p>
+            <a:fld id="{F91F46E5-662D-490C-B319-1285EF71F969}" type="slidenum">
+              <a:rPr lang="zh-CN" altLang="en-US" smtClean="0"/>
+              <a:t>3</a:t>
+            </a:fld>
+            <a:endParaRPr lang="zh-CN" altLang="en-US"/>
+          </a:p>
+        </p:txBody>
+      </p:sp>
+    </p:spTree>
+    <p:extLst>
+      <p:ext uri="{BB962C8B-B14F-4D97-AF65-F5344CB8AC3E}">
+        <p14:creationId xmlns:p14="http://schemas.microsoft.com/office/powerpoint/2010/main" val="3684651142"/>
+      </p:ext>
+    </p:extLst>
+  </p:cSld>
+  <p:clrMapOvr>
+    <a:masterClrMapping/>
+  </p:clrMapOvr>
+</p:notes>
+</file>
+
+<file path=ppt/notesSlides/notesSlide2.xml><?xml version="1.0" encoding="utf-8"?>
+<p:notes xmlns:a="http://schemas.openxmlformats.org/drawingml/2006/main" xmlns:r="http://schemas.openxmlformats.org/officeDocument/2006/relationships" xmlns:p="http://schemas.openxmlformats.org/presentationml/2006/main">
+  <p:cSld>
+    <p:spTree>
+      <p:nvGrpSpPr>
+        <p:cNvPr id="1" name=""/>
+        <p:cNvGrpSpPr/>
+        <p:nvPr/>
+      </p:nvGrpSpPr>
+      <p:grpSpPr>
+        <a:xfrm>
+          <a:off x="0" y="0"/>
+          <a:ext cx="0" cy="0"/>
+          <a:chOff x="0" y="0"/>
+          <a:chExt cx="0" cy="0"/>
+        </a:xfrm>
+      </p:grpSpPr>
+      <p:sp>
+        <p:nvSpPr>
+          <p:cNvPr id="2" name="幻灯片图像占位符 1"/>
+          <p:cNvSpPr>
+            <a:spLocks noGrp="1" noRot="1" noChangeAspect="1"/>
+          </p:cNvSpPr>
+          <p:nvPr>
+            <p:ph type="sldImg"/>
+          </p:nvPr>
+        </p:nvSpPr>
+        <p:spPr/>
+      </p:sp>
+      <p:sp>
+        <p:nvSpPr>
+          <p:cNvPr id="3" name="备注占位符 2"/>
+          <p:cNvSpPr>
+            <a:spLocks noGrp="1"/>
+          </p:cNvSpPr>
+          <p:nvPr>
+            <p:ph type="body" idx="1"/>
+          </p:nvPr>
+        </p:nvSpPr>
+        <p:spPr/>
+        <p:txBody>
+          <a:bodyPr/>
+          <a:lstStyle/>
+          <a:p>
+            <a:r>
+              <a:rPr lang="en-US" altLang="zh-CN" smtClean="0">
+                <a:hlinkClick r:id="rId3"/>
+              </a:rPr>
+              <a:t>http://tool.oschina.net/highlight</a:t>
+            </a:r>
+            <a:endParaRPr lang="zh-CN" altLang="en-US"/>
+          </a:p>
+        </p:txBody>
+      </p:sp>
+      <p:sp>
+        <p:nvSpPr>
+          <p:cNvPr id="4" name="灯片编号占位符 3"/>
+          <p:cNvSpPr>
+            <a:spLocks noGrp="1"/>
+          </p:cNvSpPr>
+          <p:nvPr>
+            <p:ph type="sldNum" sz="quarter" idx="10"/>
+          </p:nvPr>
+        </p:nvSpPr>
+        <p:spPr/>
+        <p:txBody>
+          <a:bodyPr/>
+          <a:lstStyle/>
+          <a:p>
+            <a:fld id="{F91F46E5-662D-490C-B319-1285EF71F969}" type="slidenum">
+              <a:rPr lang="zh-CN" altLang="en-US" smtClean="0"/>
+              <a:t>4</a:t>
+            </a:fld>
+            <a:endParaRPr lang="zh-CN" altLang="en-US"/>
+          </a:p>
+        </p:txBody>
+      </p:sp>
+    </p:spTree>
+    <p:extLst>
+      <p:ext uri="{BB962C8B-B14F-4D97-AF65-F5344CB8AC3E}">
+        <p14:creationId xmlns:p14="http://schemas.microsoft.com/office/powerpoint/2010/main" val="142923167"/>
+      </p:ext>
+    </p:extLst>
+  </p:cSld>
+  <p:clrMapOvr>
+    <a:masterClrMapping/>
+  </p:clrMapOvr>
+</p:notes>
+</file>
+
+<file path=ppt/notesSlides/notesSlide3.xml><?xml version="1.0" encoding="utf-8"?>
+<p:notes xmlns:a="http://schemas.openxmlformats.org/drawingml/2006/main" xmlns:r="http://schemas.openxmlformats.org/officeDocument/2006/relationships" xmlns:p="http://schemas.openxmlformats.org/presentationml/2006/main">
+  <p:cSld>
+    <p:spTree>
+      <p:nvGrpSpPr>
+        <p:cNvPr id="1" name=""/>
+        <p:cNvGrpSpPr/>
+        <p:nvPr/>
+      </p:nvGrpSpPr>
+      <p:grpSpPr>
+        <a:xfrm>
+          <a:off x="0" y="0"/>
+          <a:ext cx="0" cy="0"/>
+          <a:chOff x="0" y="0"/>
+          <a:chExt cx="0" cy="0"/>
+        </a:xfrm>
+      </p:grpSpPr>
+      <p:sp>
+        <p:nvSpPr>
+          <p:cNvPr id="2" name="幻灯片图像占位符 1"/>
+          <p:cNvSpPr>
+            <a:spLocks noGrp="1" noRot="1" noChangeAspect="1"/>
+          </p:cNvSpPr>
+          <p:nvPr>
+            <p:ph type="sldImg"/>
+          </p:nvPr>
+        </p:nvSpPr>
+        <p:spPr/>
+      </p:sp>
+      <p:sp>
+        <p:nvSpPr>
+          <p:cNvPr id="3" name="备注占位符 2"/>
+          <p:cNvSpPr>
+            <a:spLocks noGrp="1"/>
+          </p:cNvSpPr>
+          <p:nvPr>
+            <p:ph type="body" idx="1"/>
+          </p:nvPr>
+        </p:nvSpPr>
+        <p:spPr/>
+        <p:txBody>
+          <a:bodyPr/>
+          <a:lstStyle/>
+          <a:p>
+            <a:r>
+              <a:rPr lang="zh-CN" altLang="en-US" smtClean="0"/>
+              <a:t>多发点</a:t>
+            </a:r>
+            <a:endParaRPr lang="zh-CN" altLang="en-US"/>
+          </a:p>
+        </p:txBody>
+      </p:sp>
+      <p:sp>
+        <p:nvSpPr>
+          <p:cNvPr id="4" name="灯片编号占位符 3"/>
+          <p:cNvSpPr>
+            <a:spLocks noGrp="1"/>
+          </p:cNvSpPr>
+          <p:nvPr>
+            <p:ph type="sldNum" sz="quarter" idx="10"/>
+          </p:nvPr>
+        </p:nvSpPr>
+        <p:spPr/>
+        <p:txBody>
+          <a:bodyPr/>
+          <a:lstStyle/>
+          <a:p>
+            <a:fld id="{F91F46E5-662D-490C-B319-1285EF71F969}" type="slidenum">
+              <a:rPr lang="zh-CN" altLang="en-US" smtClean="0"/>
+              <a:t>5</a:t>
+            </a:fld>
+            <a:endParaRPr lang="zh-CN" altLang="en-US"/>
+          </a:p>
+        </p:txBody>
+      </p:sp>
+    </p:spTree>
+    <p:extLst>
+      <p:ext uri="{BB962C8B-B14F-4D97-AF65-F5344CB8AC3E}">
+        <p14:creationId xmlns:p14="http://schemas.microsoft.com/office/powerpoint/2010/main" val="1582753271"/>
+      </p:ext>
+    </p:extLst>
+  </p:cSld>
+  <p:clrMapOvr>
+    <a:masterClrMapping/>
+  </p:clrMapOvr>
+</p:notes>
 </file>
 
 <file path=ppt/slideLayouts/slideLayout1.xml><?xml version="1.0" encoding="utf-8"?>
@@ -238,7 +866,7 @@
           <a:p>
             <a:fld id="{E26C717F-3C9D-465A-8BFA-E9A9E7C863CF}" type="datetimeFigureOut">
               <a:rPr lang="zh-CN" altLang="en-US" smtClean="0"/>
-              <a:t>2016/10/19</a:t>
+              <a:t>2016/11/13</a:t>
             </a:fld>
             <a:endParaRPr lang="zh-CN" altLang="en-US"/>
           </a:p>
@@ -408,7 +1036,7 @@
           <a:p>
             <a:fld id="{E26C717F-3C9D-465A-8BFA-E9A9E7C863CF}" type="datetimeFigureOut">
               <a:rPr lang="zh-CN" altLang="en-US" smtClean="0"/>
-              <a:t>2016/10/19</a:t>
+              <a:t>2016/11/13</a:t>
             </a:fld>
             <a:endParaRPr lang="zh-CN" altLang="en-US"/>
           </a:p>
@@ -588,7 +1216,7 @@
           <a:p>
             <a:fld id="{E26C717F-3C9D-465A-8BFA-E9A9E7C863CF}" type="datetimeFigureOut">
               <a:rPr lang="zh-CN" altLang="en-US" smtClean="0"/>
-              <a:t>2016/10/19</a:t>
+              <a:t>2016/11/13</a:t>
             </a:fld>
             <a:endParaRPr lang="zh-CN" altLang="en-US"/>
           </a:p>
@@ -758,7 +1386,7 @@
           <a:p>
             <a:fld id="{E26C717F-3C9D-465A-8BFA-E9A9E7C863CF}" type="datetimeFigureOut">
               <a:rPr lang="zh-CN" altLang="en-US" smtClean="0"/>
-              <a:t>2016/10/19</a:t>
+              <a:t>2016/11/13</a:t>
             </a:fld>
             <a:endParaRPr lang="zh-CN" altLang="en-US"/>
           </a:p>
@@ -1004,7 +1632,7 @@
           <a:p>
             <a:fld id="{E26C717F-3C9D-465A-8BFA-E9A9E7C863CF}" type="datetimeFigureOut">
               <a:rPr lang="zh-CN" altLang="en-US" smtClean="0"/>
-              <a:t>2016/10/19</a:t>
+              <a:t>2016/11/13</a:t>
             </a:fld>
             <a:endParaRPr lang="zh-CN" altLang="en-US"/>
           </a:p>
@@ -1236,7 +1864,7 @@
           <a:p>
             <a:fld id="{E26C717F-3C9D-465A-8BFA-E9A9E7C863CF}" type="datetimeFigureOut">
               <a:rPr lang="zh-CN" altLang="en-US" smtClean="0"/>
-              <a:t>2016/10/19</a:t>
+              <a:t>2016/11/13</a:t>
             </a:fld>
             <a:endParaRPr lang="zh-CN" altLang="en-US"/>
           </a:p>
@@ -1603,7 +2231,7 @@
           <a:p>
             <a:fld id="{E26C717F-3C9D-465A-8BFA-E9A9E7C863CF}" type="datetimeFigureOut">
               <a:rPr lang="zh-CN" altLang="en-US" smtClean="0"/>
-              <a:t>2016/10/19</a:t>
+              <a:t>2016/11/13</a:t>
             </a:fld>
             <a:endParaRPr lang="zh-CN" altLang="en-US"/>
           </a:p>
@@ -1721,7 +2349,7 @@
           <a:p>
             <a:fld id="{E26C717F-3C9D-465A-8BFA-E9A9E7C863CF}" type="datetimeFigureOut">
               <a:rPr lang="zh-CN" altLang="en-US" smtClean="0"/>
-              <a:t>2016/10/19</a:t>
+              <a:t>2016/11/13</a:t>
             </a:fld>
             <a:endParaRPr lang="zh-CN" altLang="en-US"/>
           </a:p>
@@ -1816,7 +2444,7 @@
           <a:p>
             <a:fld id="{E26C717F-3C9D-465A-8BFA-E9A9E7C863CF}" type="datetimeFigureOut">
               <a:rPr lang="zh-CN" altLang="en-US" smtClean="0"/>
-              <a:t>2016/10/19</a:t>
+              <a:t>2016/11/13</a:t>
             </a:fld>
             <a:endParaRPr lang="zh-CN" altLang="en-US"/>
           </a:p>
@@ -2093,7 +2721,7 @@
           <a:p>
             <a:fld id="{E26C717F-3C9D-465A-8BFA-E9A9E7C863CF}" type="datetimeFigureOut">
               <a:rPr lang="zh-CN" altLang="en-US" smtClean="0"/>
-              <a:t>2016/10/19</a:t>
+              <a:t>2016/11/13</a:t>
             </a:fld>
             <a:endParaRPr lang="zh-CN" altLang="en-US"/>
           </a:p>
@@ -2346,7 +2974,7 @@
           <a:p>
             <a:fld id="{E26C717F-3C9D-465A-8BFA-E9A9E7C863CF}" type="datetimeFigureOut">
               <a:rPr lang="zh-CN" altLang="en-US" smtClean="0"/>
-              <a:t>2016/10/19</a:t>
+              <a:t>2016/11/13</a:t>
             </a:fld>
             <a:endParaRPr lang="zh-CN" altLang="en-US"/>
           </a:p>
@@ -2559,7 +3187,7 @@
           <a:p>
             <a:fld id="{E26C717F-3C9D-465A-8BFA-E9A9E7C863CF}" type="datetimeFigureOut">
               <a:rPr lang="zh-CN" altLang="en-US" smtClean="0"/>
-              <a:t>2016/10/18</a:t>
+              <a:t>2016/11/13</a:t>
             </a:fld>
             <a:endParaRPr lang="zh-CN" altLang="en-US"/>
           </a:p>
@@ -2984,7 +3612,15 @@
           <a:bodyPr/>
           <a:lstStyle/>
           <a:p>
-            <a:endParaRPr lang="zh-CN" altLang="en-US"/>
+            <a:r>
+              <a:rPr lang="en-US" altLang="zh-CN" b="1" smtClean="0"/>
+              <a:t>Python</a:t>
+            </a:r>
+            <a:r>
+              <a:rPr lang="zh-CN" altLang="en-US" b="1"/>
+              <a:t>模块加载机制的剖析和实践</a:t>
+            </a:r>
+            <a:endParaRPr lang="zh-CN" altLang="en-US" b="1"/>
           </a:p>
         </p:txBody>
       </p:sp>
@@ -2998,6 +3634,2741 @@
   <p:clrMapOvr>
     <a:masterClrMapping/>
   </p:clrMapOvr>
+  <p:timing>
+    <p:tnLst>
+      <p:par>
+        <p:cTn id="1" dur="indefinite" restart="never" nodeType="tmRoot"/>
+      </p:par>
+    </p:tnLst>
+  </p:timing>
+</p:sld>
+</file>
+
+<file path=ppt/slides/slide2.xml><?xml version="1.0" encoding="utf-8"?>
+<p:sld xmlns:a="http://schemas.openxmlformats.org/drawingml/2006/main" xmlns:r="http://schemas.openxmlformats.org/officeDocument/2006/relationships" xmlns:p="http://schemas.openxmlformats.org/presentationml/2006/main">
+  <p:cSld>
+    <p:spTree>
+      <p:nvGrpSpPr>
+        <p:cNvPr id="1" name=""/>
+        <p:cNvGrpSpPr/>
+        <p:nvPr/>
+      </p:nvGrpSpPr>
+      <p:grpSpPr>
+        <a:xfrm>
+          <a:off x="0" y="0"/>
+          <a:ext cx="0" cy="0"/>
+          <a:chOff x="0" y="0"/>
+          <a:chExt cx="0" cy="0"/>
+        </a:xfrm>
+      </p:grpSpPr>
+      <p:sp>
+        <p:nvSpPr>
+          <p:cNvPr id="3" name="内容占位符 2"/>
+          <p:cNvSpPr>
+            <a:spLocks noGrp="1"/>
+          </p:cNvSpPr>
+          <p:nvPr>
+            <p:ph idx="1"/>
+          </p:nvPr>
+        </p:nvSpPr>
+        <p:spPr/>
+        <p:txBody>
+          <a:bodyPr/>
+          <a:lstStyle/>
+          <a:p>
+            <a:r>
+              <a:rPr lang="zh-CN" altLang="en-US" smtClean="0"/>
+              <a:t>模块和包</a:t>
+            </a:r>
+            <a:endParaRPr lang="en-US" altLang="zh-CN" smtClean="0"/>
+          </a:p>
+          <a:p>
+            <a:r>
+              <a:rPr lang="zh-CN" altLang="en-US" smtClean="0"/>
+              <a:t>模块加载机制</a:t>
+            </a:r>
+            <a:endParaRPr lang="en-US" altLang="zh-CN" smtClean="0"/>
+          </a:p>
+          <a:p>
+            <a:r>
+              <a:rPr lang="zh-CN" altLang="en-US"/>
+              <a:t>热</a:t>
+            </a:r>
+            <a:r>
+              <a:rPr lang="zh-CN" altLang="en-US" smtClean="0"/>
+              <a:t>更新</a:t>
+            </a:r>
+            <a:endParaRPr lang="en-US" altLang="zh-CN" smtClean="0"/>
+          </a:p>
+          <a:p>
+            <a:r>
+              <a:rPr lang="zh-CN" altLang="en-US"/>
+              <a:t>实践</a:t>
+            </a:r>
+          </a:p>
+        </p:txBody>
+      </p:sp>
+    </p:spTree>
+    <p:extLst>
+      <p:ext uri="{BB962C8B-B14F-4D97-AF65-F5344CB8AC3E}">
+        <p14:creationId xmlns:p14="http://schemas.microsoft.com/office/powerpoint/2010/main" val="2746802377"/>
+      </p:ext>
+    </p:extLst>
+  </p:cSld>
+  <p:clrMapOvr>
+    <a:masterClrMapping/>
+  </p:clrMapOvr>
+  <p:timing>
+    <p:tnLst>
+      <p:par>
+        <p:cTn id="1" dur="indefinite" restart="never" nodeType="tmRoot"/>
+      </p:par>
+    </p:tnLst>
+  </p:timing>
+</p:sld>
+</file>
+
+<file path=ppt/slides/slide3.xml><?xml version="1.0" encoding="utf-8"?>
+<p:sld xmlns:a="http://schemas.openxmlformats.org/drawingml/2006/main" xmlns:r="http://schemas.openxmlformats.org/officeDocument/2006/relationships" xmlns:p="http://schemas.openxmlformats.org/presentationml/2006/main">
+  <p:cSld>
+    <p:spTree>
+      <p:nvGrpSpPr>
+        <p:cNvPr id="1" name=""/>
+        <p:cNvGrpSpPr/>
+        <p:nvPr/>
+      </p:nvGrpSpPr>
+      <p:grpSpPr>
+        <a:xfrm>
+          <a:off x="0" y="0"/>
+          <a:ext cx="0" cy="0"/>
+          <a:chOff x="0" y="0"/>
+          <a:chExt cx="0" cy="0"/>
+        </a:xfrm>
+      </p:grpSpPr>
+      <p:sp>
+        <p:nvSpPr>
+          <p:cNvPr id="4" name="矩形 3"/>
+          <p:cNvSpPr/>
+          <p:nvPr/>
+        </p:nvSpPr>
+        <p:spPr>
+          <a:xfrm>
+            <a:off x="268962" y="426319"/>
+            <a:ext cx="1107996" cy="369332"/>
+          </a:xfrm>
+          <a:prstGeom prst="rect">
+            <a:avLst/>
+          </a:prstGeom>
+        </p:spPr>
+        <p:txBody>
+          <a:bodyPr wrap="none">
+            <a:spAutoFit/>
+          </a:bodyPr>
+          <a:lstStyle/>
+          <a:p>
+            <a:r>
+              <a:rPr lang="zh-CN" altLang="en-US"/>
+              <a:t>模块和包</a:t>
+            </a:r>
+            <a:endParaRPr lang="en-US" altLang="zh-CN"/>
+          </a:p>
+        </p:txBody>
+      </p:sp>
+      <p:sp>
+        <p:nvSpPr>
+          <p:cNvPr id="5" name="矩形 4"/>
+          <p:cNvSpPr/>
+          <p:nvPr/>
+        </p:nvSpPr>
+        <p:spPr>
+          <a:xfrm>
+            <a:off x="1743265" y="5669280"/>
+            <a:ext cx="914400" cy="415637"/>
+          </a:xfrm>
+          <a:prstGeom prst="rect">
+            <a:avLst/>
+          </a:prstGeom>
+          <a:ln>
+            <a:noFill/>
+          </a:ln>
+        </p:spPr>
+        <p:style>
+          <a:lnRef idx="2">
+            <a:schemeClr val="accent1">
+              <a:shade val="50000"/>
+            </a:schemeClr>
+          </a:lnRef>
+          <a:fillRef idx="1">
+            <a:schemeClr val="accent1"/>
+          </a:fillRef>
+          <a:effectRef idx="0">
+            <a:schemeClr val="accent1"/>
+          </a:effectRef>
+          <a:fontRef idx="minor">
+            <a:schemeClr val="lt1"/>
+          </a:fontRef>
+        </p:style>
+        <p:txBody>
+          <a:bodyPr rtlCol="0" anchor="ctr"/>
+          <a:lstStyle/>
+          <a:p>
+            <a:r>
+              <a:rPr lang="en-US" altLang="zh-CN" smtClean="0"/>
+              <a:t>A=1</a:t>
+            </a:r>
+          </a:p>
+        </p:txBody>
+      </p:sp>
+      <p:sp>
+        <p:nvSpPr>
+          <p:cNvPr id="6" name="矩形 5"/>
+          <p:cNvSpPr/>
+          <p:nvPr/>
+        </p:nvSpPr>
+        <p:spPr>
+          <a:xfrm>
+            <a:off x="3703318" y="5669280"/>
+            <a:ext cx="914400" cy="415637"/>
+          </a:xfrm>
+          <a:prstGeom prst="rect">
+            <a:avLst/>
+          </a:prstGeom>
+          <a:ln>
+            <a:noFill/>
+          </a:ln>
+        </p:spPr>
+        <p:style>
+          <a:lnRef idx="2">
+            <a:schemeClr val="accent1">
+              <a:shade val="50000"/>
+            </a:schemeClr>
+          </a:lnRef>
+          <a:fillRef idx="1">
+            <a:schemeClr val="accent1"/>
+          </a:fillRef>
+          <a:effectRef idx="0">
+            <a:schemeClr val="accent1"/>
+          </a:effectRef>
+          <a:fontRef idx="minor">
+            <a:schemeClr val="lt1"/>
+          </a:fontRef>
+        </p:style>
+        <p:txBody>
+          <a:bodyPr rtlCol="0" anchor="ctr"/>
+          <a:lstStyle/>
+          <a:p>
+            <a:r>
+              <a:rPr lang="en-US" altLang="zh-CN" smtClean="0"/>
+              <a:t>def F</a:t>
+            </a:r>
+          </a:p>
+        </p:txBody>
+      </p:sp>
+      <p:sp>
+        <p:nvSpPr>
+          <p:cNvPr id="7" name="椭圆 6"/>
+          <p:cNvSpPr/>
+          <p:nvPr/>
+        </p:nvSpPr>
+        <p:spPr>
+          <a:xfrm>
+            <a:off x="4811592" y="2103122"/>
+            <a:ext cx="1986742" cy="914400"/>
+          </a:xfrm>
+          <a:prstGeom prst="ellipse">
+            <a:avLst/>
+          </a:prstGeom>
+          <a:ln>
+            <a:noFill/>
+          </a:ln>
+        </p:spPr>
+        <p:style>
+          <a:lnRef idx="2">
+            <a:schemeClr val="accent1">
+              <a:shade val="50000"/>
+            </a:schemeClr>
+          </a:lnRef>
+          <a:fillRef idx="1">
+            <a:schemeClr val="accent1"/>
+          </a:fillRef>
+          <a:effectRef idx="0">
+            <a:schemeClr val="accent1"/>
+          </a:effectRef>
+          <a:fontRef idx="minor">
+            <a:schemeClr val="lt1"/>
+          </a:fontRef>
+        </p:style>
+        <p:txBody>
+          <a:bodyPr rtlCol="0" anchor="ctr"/>
+          <a:lstStyle/>
+          <a:p>
+            <a:pPr algn="ctr"/>
+            <a:r>
+              <a:rPr lang="en-US" altLang="zh-CN" smtClean="0"/>
+              <a:t>package</a:t>
+            </a:r>
+          </a:p>
+        </p:txBody>
+      </p:sp>
+      <p:sp>
+        <p:nvSpPr>
+          <p:cNvPr id="10" name="圆角矩形 9"/>
+          <p:cNvSpPr/>
+          <p:nvPr/>
+        </p:nvSpPr>
+        <p:spPr>
+          <a:xfrm>
+            <a:off x="3596456" y="3884122"/>
+            <a:ext cx="1103188" cy="610986"/>
+          </a:xfrm>
+          <a:prstGeom prst="roundRect">
+            <a:avLst/>
+          </a:prstGeom>
+          <a:ln>
+            <a:noFill/>
+          </a:ln>
+        </p:spPr>
+        <p:style>
+          <a:lnRef idx="2">
+            <a:schemeClr val="accent1">
+              <a:shade val="50000"/>
+            </a:schemeClr>
+          </a:lnRef>
+          <a:fillRef idx="1">
+            <a:schemeClr val="accent1"/>
+          </a:fillRef>
+          <a:effectRef idx="0">
+            <a:schemeClr val="accent1"/>
+          </a:effectRef>
+          <a:fontRef idx="minor">
+            <a:schemeClr val="lt1"/>
+          </a:fontRef>
+        </p:style>
+        <p:txBody>
+          <a:bodyPr rtlCol="0" anchor="ctr"/>
+          <a:lstStyle/>
+          <a:p>
+            <a:pPr algn="ctr"/>
+            <a:r>
+              <a:rPr lang="en-US" altLang="zh-CN"/>
+              <a:t>mod_a</a:t>
+            </a:r>
+            <a:endParaRPr lang="zh-CN" altLang="en-US"/>
+          </a:p>
+        </p:txBody>
+      </p:sp>
+      <p:sp>
+        <p:nvSpPr>
+          <p:cNvPr id="12" name="圆角矩形 11"/>
+          <p:cNvSpPr/>
+          <p:nvPr/>
+        </p:nvSpPr>
+        <p:spPr>
+          <a:xfrm>
+            <a:off x="6910281" y="3884122"/>
+            <a:ext cx="1103188" cy="610986"/>
+          </a:xfrm>
+          <a:prstGeom prst="roundRect">
+            <a:avLst/>
+          </a:prstGeom>
+          <a:ln>
+            <a:noFill/>
+          </a:ln>
+        </p:spPr>
+        <p:style>
+          <a:lnRef idx="2">
+            <a:schemeClr val="accent1">
+              <a:shade val="50000"/>
+            </a:schemeClr>
+          </a:lnRef>
+          <a:fillRef idx="1">
+            <a:schemeClr val="accent1"/>
+          </a:fillRef>
+          <a:effectRef idx="0">
+            <a:schemeClr val="accent1"/>
+          </a:effectRef>
+          <a:fontRef idx="minor">
+            <a:schemeClr val="lt1"/>
+          </a:fontRef>
+        </p:style>
+        <p:txBody>
+          <a:bodyPr rtlCol="0" anchor="ctr"/>
+          <a:lstStyle/>
+          <a:p>
+            <a:pPr algn="ctr"/>
+            <a:r>
+              <a:rPr lang="en-US" altLang="zh-CN"/>
+              <a:t>mod_b</a:t>
+            </a:r>
+            <a:endParaRPr lang="zh-CN" altLang="en-US"/>
+          </a:p>
+        </p:txBody>
+      </p:sp>
+      <p:sp>
+        <p:nvSpPr>
+          <p:cNvPr id="13" name="矩形 12"/>
+          <p:cNvSpPr/>
+          <p:nvPr/>
+        </p:nvSpPr>
+        <p:spPr>
+          <a:xfrm>
+            <a:off x="5663371" y="5669280"/>
+            <a:ext cx="914400" cy="415637"/>
+          </a:xfrm>
+          <a:prstGeom prst="rect">
+            <a:avLst/>
+          </a:prstGeom>
+          <a:ln>
+            <a:noFill/>
+          </a:ln>
+        </p:spPr>
+        <p:style>
+          <a:lnRef idx="2">
+            <a:schemeClr val="accent1">
+              <a:shade val="50000"/>
+            </a:schemeClr>
+          </a:lnRef>
+          <a:fillRef idx="1">
+            <a:schemeClr val="accent1"/>
+          </a:fillRef>
+          <a:effectRef idx="0">
+            <a:schemeClr val="accent1"/>
+          </a:effectRef>
+          <a:fontRef idx="minor">
+            <a:schemeClr val="lt1"/>
+          </a:fontRef>
+        </p:style>
+        <p:txBody>
+          <a:bodyPr rtlCol="0" anchor="ctr"/>
+          <a:lstStyle/>
+          <a:p>
+            <a:r>
+              <a:rPr lang="en-US" altLang="zh-CN" smtClean="0"/>
+              <a:t>class C</a:t>
+            </a:r>
+          </a:p>
+        </p:txBody>
+      </p:sp>
+      <p:cxnSp>
+        <p:nvCxnSpPr>
+          <p:cNvPr id="15" name="直接箭头连接符 14"/>
+          <p:cNvCxnSpPr>
+            <a:endCxn id="5" idx="0"/>
+          </p:cNvCxnSpPr>
+          <p:nvPr/>
+        </p:nvCxnSpPr>
+        <p:spPr>
+          <a:xfrm flipH="1">
+            <a:off x="2200465" y="4495109"/>
+            <a:ext cx="1947585" cy="1174171"/>
+          </a:xfrm>
+          <a:prstGeom prst="straightConnector1">
+            <a:avLst/>
+          </a:prstGeom>
+          <a:ln>
+            <a:tailEnd type="triangle"/>
+          </a:ln>
+        </p:spPr>
+        <p:style>
+          <a:lnRef idx="1">
+            <a:schemeClr val="accent1"/>
+          </a:lnRef>
+          <a:fillRef idx="0">
+            <a:schemeClr val="accent1"/>
+          </a:fillRef>
+          <a:effectRef idx="0">
+            <a:schemeClr val="accent1"/>
+          </a:effectRef>
+          <a:fontRef idx="minor">
+            <a:schemeClr val="tx1"/>
+          </a:fontRef>
+        </p:style>
+      </p:cxnSp>
+      <p:cxnSp>
+        <p:nvCxnSpPr>
+          <p:cNvPr id="23" name="直接箭头连接符 22"/>
+          <p:cNvCxnSpPr>
+            <a:stCxn id="10" idx="2"/>
+          </p:cNvCxnSpPr>
+          <p:nvPr/>
+        </p:nvCxnSpPr>
+        <p:spPr>
+          <a:xfrm>
+            <a:off x="4148050" y="4495108"/>
+            <a:ext cx="1" cy="1185600"/>
+          </a:xfrm>
+          <a:prstGeom prst="straightConnector1">
+            <a:avLst/>
+          </a:prstGeom>
+          <a:ln>
+            <a:tailEnd type="triangle"/>
+          </a:ln>
+        </p:spPr>
+        <p:style>
+          <a:lnRef idx="1">
+            <a:schemeClr val="accent1"/>
+          </a:lnRef>
+          <a:fillRef idx="0">
+            <a:schemeClr val="accent1"/>
+          </a:fillRef>
+          <a:effectRef idx="0">
+            <a:schemeClr val="accent1"/>
+          </a:effectRef>
+          <a:fontRef idx="minor">
+            <a:schemeClr val="tx1"/>
+          </a:fontRef>
+        </p:style>
+      </p:cxnSp>
+      <p:cxnSp>
+        <p:nvCxnSpPr>
+          <p:cNvPr id="25" name="直接箭头连接符 24"/>
+          <p:cNvCxnSpPr>
+            <a:stCxn id="10" idx="2"/>
+          </p:cNvCxnSpPr>
+          <p:nvPr/>
+        </p:nvCxnSpPr>
+        <p:spPr>
+          <a:xfrm>
+            <a:off x="4148050" y="4495108"/>
+            <a:ext cx="1994508" cy="1185600"/>
+          </a:xfrm>
+          <a:prstGeom prst="straightConnector1">
+            <a:avLst/>
+          </a:prstGeom>
+          <a:ln>
+            <a:tailEnd type="triangle"/>
+          </a:ln>
+        </p:spPr>
+        <p:style>
+          <a:lnRef idx="1">
+            <a:schemeClr val="accent1"/>
+          </a:lnRef>
+          <a:fillRef idx="0">
+            <a:schemeClr val="accent1"/>
+          </a:fillRef>
+          <a:effectRef idx="0">
+            <a:schemeClr val="accent1"/>
+          </a:effectRef>
+          <a:fontRef idx="minor">
+            <a:schemeClr val="tx1"/>
+          </a:fontRef>
+        </p:style>
+      </p:cxnSp>
+      <p:cxnSp>
+        <p:nvCxnSpPr>
+          <p:cNvPr id="27" name="直接箭头连接符 26"/>
+          <p:cNvCxnSpPr>
+            <a:stCxn id="7" idx="4"/>
+          </p:cNvCxnSpPr>
+          <p:nvPr/>
+        </p:nvCxnSpPr>
+        <p:spPr>
+          <a:xfrm flipH="1">
+            <a:off x="4148051" y="3017522"/>
+            <a:ext cx="1656912" cy="855172"/>
+          </a:xfrm>
+          <a:prstGeom prst="straightConnector1">
+            <a:avLst/>
+          </a:prstGeom>
+          <a:ln>
+            <a:tailEnd type="triangle"/>
+          </a:ln>
+        </p:spPr>
+        <p:style>
+          <a:lnRef idx="1">
+            <a:schemeClr val="accent1"/>
+          </a:lnRef>
+          <a:fillRef idx="0">
+            <a:schemeClr val="accent1"/>
+          </a:fillRef>
+          <a:effectRef idx="0">
+            <a:schemeClr val="accent1"/>
+          </a:effectRef>
+          <a:fontRef idx="minor">
+            <a:schemeClr val="tx1"/>
+          </a:fontRef>
+        </p:style>
+      </p:cxnSp>
+      <p:cxnSp>
+        <p:nvCxnSpPr>
+          <p:cNvPr id="29" name="直接箭头连接符 28"/>
+          <p:cNvCxnSpPr>
+            <a:stCxn id="7" idx="4"/>
+          </p:cNvCxnSpPr>
+          <p:nvPr/>
+        </p:nvCxnSpPr>
+        <p:spPr>
+          <a:xfrm>
+            <a:off x="5804963" y="3017522"/>
+            <a:ext cx="1656912" cy="866600"/>
+          </a:xfrm>
+          <a:prstGeom prst="straightConnector1">
+            <a:avLst/>
+          </a:prstGeom>
+          <a:ln>
+            <a:tailEnd type="triangle"/>
+          </a:ln>
+        </p:spPr>
+        <p:style>
+          <a:lnRef idx="1">
+            <a:schemeClr val="accent1"/>
+          </a:lnRef>
+          <a:fillRef idx="0">
+            <a:schemeClr val="accent1"/>
+          </a:fillRef>
+          <a:effectRef idx="0">
+            <a:schemeClr val="accent1"/>
+          </a:effectRef>
+          <a:fontRef idx="minor">
+            <a:schemeClr val="tx1"/>
+          </a:fontRef>
+        </p:style>
+      </p:cxnSp>
+      <p:sp>
+        <p:nvSpPr>
+          <p:cNvPr id="31" name="矩形 30"/>
+          <p:cNvSpPr/>
+          <p:nvPr/>
+        </p:nvSpPr>
+        <p:spPr>
+          <a:xfrm>
+            <a:off x="268962" y="1401679"/>
+            <a:ext cx="2031325" cy="369332"/>
+          </a:xfrm>
+          <a:prstGeom prst="rect">
+            <a:avLst/>
+          </a:prstGeom>
+        </p:spPr>
+        <p:txBody>
+          <a:bodyPr wrap="none">
+            <a:spAutoFit/>
+          </a:bodyPr>
+          <a:lstStyle/>
+          <a:p>
+            <a:r>
+              <a:rPr lang="zh-CN" altLang="en-US" smtClean="0"/>
+              <a:t>模块组织代码片段</a:t>
+            </a:r>
+            <a:endParaRPr lang="en-US" altLang="zh-CN"/>
+          </a:p>
+        </p:txBody>
+      </p:sp>
+      <p:sp>
+        <p:nvSpPr>
+          <p:cNvPr id="32" name="矩形 31"/>
+          <p:cNvSpPr/>
+          <p:nvPr/>
+        </p:nvSpPr>
+        <p:spPr>
+          <a:xfrm>
+            <a:off x="268962" y="2007707"/>
+            <a:ext cx="1338828" cy="369332"/>
+          </a:xfrm>
+          <a:prstGeom prst="rect">
+            <a:avLst/>
+          </a:prstGeom>
+        </p:spPr>
+        <p:txBody>
+          <a:bodyPr wrap="none">
+            <a:spAutoFit/>
+          </a:bodyPr>
+          <a:lstStyle/>
+          <a:p>
+            <a:r>
+              <a:rPr lang="zh-CN" altLang="en-US" smtClean="0"/>
+              <a:t>包组织模块</a:t>
+            </a:r>
+            <a:endParaRPr lang="en-US" altLang="zh-CN"/>
+          </a:p>
+        </p:txBody>
+      </p:sp>
+    </p:spTree>
+    <p:extLst>
+      <p:ext uri="{BB962C8B-B14F-4D97-AF65-F5344CB8AC3E}">
+        <p14:creationId xmlns:p14="http://schemas.microsoft.com/office/powerpoint/2010/main" val="1416451546"/>
+      </p:ext>
+    </p:extLst>
+  </p:cSld>
+  <p:clrMapOvr>
+    <a:masterClrMapping/>
+  </p:clrMapOvr>
+  <p:timing>
+    <p:tnLst>
+      <p:par>
+        <p:cTn id="1" dur="indefinite" restart="never" nodeType="tmRoot"/>
+      </p:par>
+    </p:tnLst>
+  </p:timing>
+</p:sld>
+</file>
+
+<file path=ppt/slides/slide4.xml><?xml version="1.0" encoding="utf-8"?>
+<p:sld xmlns:a="http://schemas.openxmlformats.org/drawingml/2006/main" xmlns:r="http://schemas.openxmlformats.org/officeDocument/2006/relationships" xmlns:p="http://schemas.openxmlformats.org/presentationml/2006/main">
+  <p:cSld>
+    <p:bg>
+      <p:bgPr>
+        <a:noFill/>
+        <a:effectLst/>
+      </p:bgPr>
+    </p:bg>
+    <p:spTree>
+      <p:nvGrpSpPr>
+        <p:cNvPr id="1" name=""/>
+        <p:cNvGrpSpPr/>
+        <p:nvPr/>
+      </p:nvGrpSpPr>
+      <p:grpSpPr>
+        <a:xfrm>
+          <a:off x="0" y="0"/>
+          <a:ext cx="0" cy="0"/>
+          <a:chOff x="0" y="0"/>
+          <a:chExt cx="0" cy="0"/>
+        </a:xfrm>
+      </p:grpSpPr>
+      <p:sp>
+        <p:nvSpPr>
+          <p:cNvPr id="4" name="矩形 3"/>
+          <p:cNvSpPr/>
+          <p:nvPr/>
+        </p:nvSpPr>
+        <p:spPr>
+          <a:xfrm>
+            <a:off x="268962" y="426319"/>
+            <a:ext cx="1569660" cy="369332"/>
+          </a:xfrm>
+          <a:prstGeom prst="rect">
+            <a:avLst/>
+          </a:prstGeom>
+        </p:spPr>
+        <p:txBody>
+          <a:bodyPr wrap="none">
+            <a:spAutoFit/>
+          </a:bodyPr>
+          <a:lstStyle/>
+          <a:p>
+            <a:r>
+              <a:rPr lang="zh-CN" altLang="en-US" smtClean="0"/>
+              <a:t>模块加载过程</a:t>
+            </a:r>
+            <a:endParaRPr lang="en-US" altLang="zh-CN"/>
+          </a:p>
+        </p:txBody>
+      </p:sp>
+      <p:sp>
+        <p:nvSpPr>
+          <p:cNvPr id="2" name="Rectangle 2"/>
+          <p:cNvSpPr>
+            <a:spLocks noChangeArrowheads="1"/>
+          </p:cNvSpPr>
+          <p:nvPr/>
+        </p:nvSpPr>
+        <p:spPr bwMode="auto">
+          <a:xfrm>
+            <a:off x="507078" y="1398301"/>
+            <a:ext cx="5345083" cy="1107996"/>
+          </a:xfrm>
+          <a:prstGeom prst="rect">
+            <a:avLst/>
+          </a:prstGeom>
+          <a:noFill/>
+          <a:ln>
+            <a:noFill/>
+          </a:ln>
+          <a:effectLst/>
+          <a:extLst>
+            <a:ext uri="{909E8E84-426E-40DD-AFC4-6F175D3DCCD1}">
+              <a14:hiddenFill xmlns:a14="http://schemas.microsoft.com/office/drawing/2010/main">
+                <a:solidFill>
+                  <a:schemeClr val="accent1"/>
+                </a:solidFill>
+              </a14:hiddenFill>
+            </a:ext>
+            <a:ext uri="{91240B29-F687-4F45-9708-019B960494DF}">
+              <a14:hiddenLine xmlns:a14="http://schemas.microsoft.com/office/drawing/2010/main" w="9525">
+                <a:solidFill>
+                  <a:schemeClr val="tx1"/>
+                </a:solidFill>
+                <a:miter lim="800000"/>
+                <a:headEnd/>
+                <a:tailEnd/>
+              </a14:hiddenLine>
+            </a:ext>
+            <a:ext uri="{AF507438-7753-43E0-B8FC-AC1667EBCBE1}">
+              <a14:hiddenEffects xmlns:a14="http://schemas.microsoft.com/office/drawing/2010/main">
+                <a:effectLst>
+                  <a:outerShdw dist="35921" dir="2700000" algn="ctr" rotWithShape="0">
+                    <a:schemeClr val="bg2"/>
+                  </a:outerShdw>
+                </a:effectLst>
+              </a14:hiddenEffects>
+            </a:ext>
+          </a:extLst>
+        </p:spPr>
+        <p:txBody>
+          <a:bodyPr vert="horz" wrap="square" lIns="0" tIns="0" rIns="0" bIns="0" numCol="1" anchor="ctr" anchorCtr="0" compatLnSpc="1">
+            <a:prstTxWarp prst="textNoShape">
+              <a:avLst/>
+            </a:prstTxWarp>
+            <a:spAutoFit/>
+          </a:bodyPr>
+          <a:lstStyle>
+            <a:lvl1pPr eaLnBrk="0" fontAlgn="base" hangingPunct="0">
+              <a:spcBef>
+                <a:spcPct val="0"/>
+              </a:spcBef>
+              <a:spcAft>
+                <a:spcPct val="0"/>
+              </a:spcAft>
+              <a:defRPr>
+                <a:solidFill>
+                  <a:schemeClr val="tx1"/>
+                </a:solidFill>
+                <a:latin typeface="Arial" panose="020B0604020202020204" pitchFamily="34" charset="0"/>
+              </a:defRPr>
+            </a:lvl1pPr>
+            <a:lvl2pPr eaLnBrk="0" fontAlgn="base" hangingPunct="0">
+              <a:spcBef>
+                <a:spcPct val="0"/>
+              </a:spcBef>
+              <a:spcAft>
+                <a:spcPct val="0"/>
+              </a:spcAft>
+              <a:defRPr>
+                <a:solidFill>
+                  <a:schemeClr val="tx1"/>
+                </a:solidFill>
+                <a:latin typeface="Arial" panose="020B0604020202020204" pitchFamily="34" charset="0"/>
+              </a:defRPr>
+            </a:lvl2pPr>
+            <a:lvl3pPr eaLnBrk="0" fontAlgn="base" hangingPunct="0">
+              <a:spcBef>
+                <a:spcPct val="0"/>
+              </a:spcBef>
+              <a:spcAft>
+                <a:spcPct val="0"/>
+              </a:spcAft>
+              <a:defRPr>
+                <a:solidFill>
+                  <a:schemeClr val="tx1"/>
+                </a:solidFill>
+                <a:latin typeface="Arial" panose="020B0604020202020204" pitchFamily="34" charset="0"/>
+              </a:defRPr>
+            </a:lvl3pPr>
+            <a:lvl4pPr eaLnBrk="0" fontAlgn="base" hangingPunct="0">
+              <a:spcBef>
+                <a:spcPct val="0"/>
+              </a:spcBef>
+              <a:spcAft>
+                <a:spcPct val="0"/>
+              </a:spcAft>
+              <a:defRPr>
+                <a:solidFill>
+                  <a:schemeClr val="tx1"/>
+                </a:solidFill>
+                <a:latin typeface="Arial" panose="020B0604020202020204" pitchFamily="34" charset="0"/>
+              </a:defRPr>
+            </a:lvl4pPr>
+            <a:lvl5pPr eaLnBrk="0" fontAlgn="base" hangingPunct="0">
+              <a:spcBef>
+                <a:spcPct val="0"/>
+              </a:spcBef>
+              <a:spcAft>
+                <a:spcPct val="0"/>
+              </a:spcAft>
+              <a:defRPr>
+                <a:solidFill>
+                  <a:schemeClr val="tx1"/>
+                </a:solidFill>
+                <a:latin typeface="Arial" panose="020B0604020202020204" pitchFamily="34" charset="0"/>
+              </a:defRPr>
+            </a:lvl5pPr>
+            <a:lvl6pPr eaLnBrk="0" fontAlgn="base" hangingPunct="0">
+              <a:spcBef>
+                <a:spcPct val="0"/>
+              </a:spcBef>
+              <a:spcAft>
+                <a:spcPct val="0"/>
+              </a:spcAft>
+              <a:defRPr>
+                <a:solidFill>
+                  <a:schemeClr val="tx1"/>
+                </a:solidFill>
+                <a:latin typeface="Arial" panose="020B0604020202020204" pitchFamily="34" charset="0"/>
+              </a:defRPr>
+            </a:lvl6pPr>
+            <a:lvl7pPr eaLnBrk="0" fontAlgn="base" hangingPunct="0">
+              <a:spcBef>
+                <a:spcPct val="0"/>
+              </a:spcBef>
+              <a:spcAft>
+                <a:spcPct val="0"/>
+              </a:spcAft>
+              <a:defRPr>
+                <a:solidFill>
+                  <a:schemeClr val="tx1"/>
+                </a:solidFill>
+                <a:latin typeface="Arial" panose="020B0604020202020204" pitchFamily="34" charset="0"/>
+              </a:defRPr>
+            </a:lvl7pPr>
+            <a:lvl8pPr eaLnBrk="0" fontAlgn="base" hangingPunct="0">
+              <a:spcBef>
+                <a:spcPct val="0"/>
+              </a:spcBef>
+              <a:spcAft>
+                <a:spcPct val="0"/>
+              </a:spcAft>
+              <a:defRPr>
+                <a:solidFill>
+                  <a:schemeClr val="tx1"/>
+                </a:solidFill>
+                <a:latin typeface="Arial" panose="020B0604020202020204" pitchFamily="34" charset="0"/>
+              </a:defRPr>
+            </a:lvl8pPr>
+            <a:lvl9pPr eaLnBrk="0" fontAlgn="base" hangingPunct="0">
+              <a:spcBef>
+                <a:spcPct val="0"/>
+              </a:spcBef>
+              <a:spcAft>
+                <a:spcPct val="0"/>
+              </a:spcAft>
+              <a:defRPr>
+                <a:solidFill>
+                  <a:schemeClr val="tx1"/>
+                </a:solidFill>
+                <a:latin typeface="Arial" panose="020B0604020202020204" pitchFamily="34" charset="0"/>
+              </a:defRPr>
+            </a:lvl9pPr>
+          </a:lstStyle>
+          <a:p>
+            <a:pPr marL="0" marR="0" lvl="0" indent="0" algn="l" defTabSz="914400" rtl="0" eaLnBrk="0" fontAlgn="base" latinLnBrk="0" hangingPunct="0">
+              <a:lnSpc>
+                <a:spcPct val="100000"/>
+              </a:lnSpc>
+              <a:spcBef>
+                <a:spcPct val="0"/>
+              </a:spcBef>
+              <a:spcAft>
+                <a:spcPct val="0"/>
+              </a:spcAft>
+              <a:buClrTx/>
+              <a:buSzTx/>
+              <a:buFontTx/>
+              <a:buNone/>
+              <a:tabLst/>
+            </a:pPr>
+            <a:r>
+              <a:rPr lang="en-US" altLang="zh-CN" smtClean="0"/>
+              <a:t>player</a:t>
+            </a:r>
+            <a:r>
+              <a:rPr kumimoji="0" lang="en-US" altLang="zh-CN" b="0" i="0" u="none" strike="noStrike" cap="none" normalizeH="0" baseline="0" smtClean="0">
+                <a:ln>
+                  <a:noFill/>
+                </a:ln>
+                <a:solidFill>
+                  <a:schemeClr val="tx1"/>
+                </a:solidFill>
+                <a:effectLst/>
+              </a:rPr>
+              <a:t>/</a:t>
+            </a:r>
+          </a:p>
+          <a:p>
+            <a:pPr marL="0" marR="0" lvl="0" indent="0" algn="l" defTabSz="914400" rtl="0" eaLnBrk="0" fontAlgn="base" latinLnBrk="0" hangingPunct="0">
+              <a:lnSpc>
+                <a:spcPct val="100000"/>
+              </a:lnSpc>
+              <a:spcBef>
+                <a:spcPct val="0"/>
+              </a:spcBef>
+              <a:spcAft>
+                <a:spcPct val="0"/>
+              </a:spcAft>
+              <a:buClrTx/>
+              <a:buSzTx/>
+              <a:buFontTx/>
+              <a:buNone/>
+              <a:tabLst/>
+            </a:pPr>
+            <a:r>
+              <a:rPr lang="en-US" altLang="zh-CN"/>
+              <a:t> </a:t>
+            </a:r>
+            <a:r>
+              <a:rPr lang="en-US" altLang="zh-CN" smtClean="0"/>
+              <a:t>   __init__.py</a:t>
+            </a:r>
+            <a:endParaRPr kumimoji="0" lang="en-US" altLang="zh-CN" b="0" i="0" u="none" strike="noStrike" cap="none" normalizeH="0" baseline="0" smtClean="0">
+              <a:ln>
+                <a:noFill/>
+              </a:ln>
+              <a:solidFill>
+                <a:schemeClr val="tx1"/>
+              </a:solidFill>
+              <a:effectLst/>
+            </a:endParaRPr>
+          </a:p>
+          <a:p>
+            <a:pPr marL="0" marR="0" lvl="0" indent="0" algn="l" defTabSz="914400" rtl="0" eaLnBrk="0" fontAlgn="base" latinLnBrk="0" hangingPunct="0">
+              <a:lnSpc>
+                <a:spcPct val="100000"/>
+              </a:lnSpc>
+              <a:spcBef>
+                <a:spcPct val="0"/>
+              </a:spcBef>
+              <a:spcAft>
+                <a:spcPct val="0"/>
+              </a:spcAft>
+              <a:buClrTx/>
+              <a:buSzTx/>
+              <a:buFontTx/>
+              <a:buNone/>
+              <a:tabLst/>
+            </a:pPr>
+            <a:r>
+              <a:rPr lang="en-US" altLang="zh-CN"/>
+              <a:t> </a:t>
+            </a:r>
+            <a:r>
+              <a:rPr lang="en-US" altLang="zh-CN" smtClean="0"/>
+              <a:t>   objects.py</a:t>
+            </a:r>
+          </a:p>
+          <a:p>
+            <a:pPr marL="0" marR="0" lvl="0" indent="0" algn="l" defTabSz="914400" rtl="0" eaLnBrk="0" fontAlgn="base" latinLnBrk="0" hangingPunct="0">
+              <a:lnSpc>
+                <a:spcPct val="100000"/>
+              </a:lnSpc>
+              <a:spcBef>
+                <a:spcPct val="0"/>
+              </a:spcBef>
+              <a:spcAft>
+                <a:spcPct val="0"/>
+              </a:spcAft>
+              <a:buClrTx/>
+              <a:buSzTx/>
+              <a:buFontTx/>
+              <a:buNone/>
+              <a:tabLst/>
+            </a:pPr>
+            <a:r>
+              <a:rPr lang="en-US" altLang="zh-CN"/>
+              <a:t> </a:t>
+            </a:r>
+            <a:r>
+              <a:rPr lang="en-US" altLang="zh-CN" smtClean="0"/>
+              <a:t>   net.py</a:t>
+            </a:r>
+          </a:p>
+        </p:txBody>
+      </p:sp>
+      <p:sp>
+        <p:nvSpPr>
+          <p:cNvPr id="18" name="Rectangle 2"/>
+          <p:cNvSpPr>
+            <a:spLocks noChangeArrowheads="1"/>
+          </p:cNvSpPr>
+          <p:nvPr/>
+        </p:nvSpPr>
+        <p:spPr bwMode="auto">
+          <a:xfrm>
+            <a:off x="507077" y="3173649"/>
+            <a:ext cx="5345083" cy="553998"/>
+          </a:xfrm>
+          <a:prstGeom prst="rect">
+            <a:avLst/>
+          </a:prstGeom>
+          <a:noFill/>
+          <a:ln>
+            <a:noFill/>
+          </a:ln>
+          <a:effectLst/>
+          <a:extLst>
+            <a:ext uri="{909E8E84-426E-40DD-AFC4-6F175D3DCCD1}">
+              <a14:hiddenFill xmlns:a14="http://schemas.microsoft.com/office/drawing/2010/main">
+                <a:solidFill>
+                  <a:schemeClr val="accent1"/>
+                </a:solidFill>
+              </a14:hiddenFill>
+            </a:ext>
+            <a:ext uri="{91240B29-F687-4F45-9708-019B960494DF}">
+              <a14:hiddenLine xmlns:a14="http://schemas.microsoft.com/office/drawing/2010/main" w="9525">
+                <a:solidFill>
+                  <a:schemeClr val="tx1"/>
+                </a:solidFill>
+                <a:miter lim="800000"/>
+                <a:headEnd/>
+                <a:tailEnd/>
+              </a14:hiddenLine>
+            </a:ext>
+            <a:ext uri="{AF507438-7753-43E0-B8FC-AC1667EBCBE1}">
+              <a14:hiddenEffects xmlns:a14="http://schemas.microsoft.com/office/drawing/2010/main">
+                <a:effectLst>
+                  <a:outerShdw dist="35921" dir="2700000" algn="ctr" rotWithShape="0">
+                    <a:schemeClr val="bg2"/>
+                  </a:outerShdw>
+                </a:effectLst>
+              </a14:hiddenEffects>
+            </a:ext>
+          </a:extLst>
+        </p:spPr>
+        <p:txBody>
+          <a:bodyPr vert="horz" wrap="square" lIns="0" tIns="0" rIns="0" bIns="0" numCol="1" anchor="ctr" anchorCtr="0" compatLnSpc="1">
+            <a:prstTxWarp prst="textNoShape">
+              <a:avLst/>
+            </a:prstTxWarp>
+            <a:spAutoFit/>
+          </a:bodyPr>
+          <a:lstStyle>
+            <a:lvl1pPr eaLnBrk="0" fontAlgn="base" hangingPunct="0">
+              <a:spcBef>
+                <a:spcPct val="0"/>
+              </a:spcBef>
+              <a:spcAft>
+                <a:spcPct val="0"/>
+              </a:spcAft>
+              <a:defRPr>
+                <a:solidFill>
+                  <a:schemeClr val="tx1"/>
+                </a:solidFill>
+                <a:latin typeface="Arial" panose="020B0604020202020204" pitchFamily="34" charset="0"/>
+              </a:defRPr>
+            </a:lvl1pPr>
+            <a:lvl2pPr eaLnBrk="0" fontAlgn="base" hangingPunct="0">
+              <a:spcBef>
+                <a:spcPct val="0"/>
+              </a:spcBef>
+              <a:spcAft>
+                <a:spcPct val="0"/>
+              </a:spcAft>
+              <a:defRPr>
+                <a:solidFill>
+                  <a:schemeClr val="tx1"/>
+                </a:solidFill>
+                <a:latin typeface="Arial" panose="020B0604020202020204" pitchFamily="34" charset="0"/>
+              </a:defRPr>
+            </a:lvl2pPr>
+            <a:lvl3pPr eaLnBrk="0" fontAlgn="base" hangingPunct="0">
+              <a:spcBef>
+                <a:spcPct val="0"/>
+              </a:spcBef>
+              <a:spcAft>
+                <a:spcPct val="0"/>
+              </a:spcAft>
+              <a:defRPr>
+                <a:solidFill>
+                  <a:schemeClr val="tx1"/>
+                </a:solidFill>
+                <a:latin typeface="Arial" panose="020B0604020202020204" pitchFamily="34" charset="0"/>
+              </a:defRPr>
+            </a:lvl3pPr>
+            <a:lvl4pPr eaLnBrk="0" fontAlgn="base" hangingPunct="0">
+              <a:spcBef>
+                <a:spcPct val="0"/>
+              </a:spcBef>
+              <a:spcAft>
+                <a:spcPct val="0"/>
+              </a:spcAft>
+              <a:defRPr>
+                <a:solidFill>
+                  <a:schemeClr val="tx1"/>
+                </a:solidFill>
+                <a:latin typeface="Arial" panose="020B0604020202020204" pitchFamily="34" charset="0"/>
+              </a:defRPr>
+            </a:lvl4pPr>
+            <a:lvl5pPr eaLnBrk="0" fontAlgn="base" hangingPunct="0">
+              <a:spcBef>
+                <a:spcPct val="0"/>
+              </a:spcBef>
+              <a:spcAft>
+                <a:spcPct val="0"/>
+              </a:spcAft>
+              <a:defRPr>
+                <a:solidFill>
+                  <a:schemeClr val="tx1"/>
+                </a:solidFill>
+                <a:latin typeface="Arial" panose="020B0604020202020204" pitchFamily="34" charset="0"/>
+              </a:defRPr>
+            </a:lvl5pPr>
+            <a:lvl6pPr eaLnBrk="0" fontAlgn="base" hangingPunct="0">
+              <a:spcBef>
+                <a:spcPct val="0"/>
+              </a:spcBef>
+              <a:spcAft>
+                <a:spcPct val="0"/>
+              </a:spcAft>
+              <a:defRPr>
+                <a:solidFill>
+                  <a:schemeClr val="tx1"/>
+                </a:solidFill>
+                <a:latin typeface="Arial" panose="020B0604020202020204" pitchFamily="34" charset="0"/>
+              </a:defRPr>
+            </a:lvl6pPr>
+            <a:lvl7pPr eaLnBrk="0" fontAlgn="base" hangingPunct="0">
+              <a:spcBef>
+                <a:spcPct val="0"/>
+              </a:spcBef>
+              <a:spcAft>
+                <a:spcPct val="0"/>
+              </a:spcAft>
+              <a:defRPr>
+                <a:solidFill>
+                  <a:schemeClr val="tx1"/>
+                </a:solidFill>
+                <a:latin typeface="Arial" panose="020B0604020202020204" pitchFamily="34" charset="0"/>
+              </a:defRPr>
+            </a:lvl7pPr>
+            <a:lvl8pPr eaLnBrk="0" fontAlgn="base" hangingPunct="0">
+              <a:spcBef>
+                <a:spcPct val="0"/>
+              </a:spcBef>
+              <a:spcAft>
+                <a:spcPct val="0"/>
+              </a:spcAft>
+              <a:defRPr>
+                <a:solidFill>
+                  <a:schemeClr val="tx1"/>
+                </a:solidFill>
+                <a:latin typeface="Arial" panose="020B0604020202020204" pitchFamily="34" charset="0"/>
+              </a:defRPr>
+            </a:lvl8pPr>
+            <a:lvl9pPr eaLnBrk="0" fontAlgn="base" hangingPunct="0">
+              <a:spcBef>
+                <a:spcPct val="0"/>
+              </a:spcBef>
+              <a:spcAft>
+                <a:spcPct val="0"/>
+              </a:spcAft>
+              <a:defRPr>
+                <a:solidFill>
+                  <a:schemeClr val="tx1"/>
+                </a:solidFill>
+                <a:latin typeface="Arial" panose="020B0604020202020204" pitchFamily="34" charset="0"/>
+              </a:defRPr>
+            </a:lvl9pPr>
+          </a:lstStyle>
+          <a:p>
+            <a:pPr marL="0" marR="0" lvl="0" indent="0" algn="l" defTabSz="914400" rtl="0" eaLnBrk="0" fontAlgn="base" latinLnBrk="0" hangingPunct="0">
+              <a:lnSpc>
+                <a:spcPct val="100000"/>
+              </a:lnSpc>
+              <a:spcBef>
+                <a:spcPct val="0"/>
+              </a:spcBef>
+              <a:spcAft>
+                <a:spcPct val="0"/>
+              </a:spcAft>
+              <a:buClrTx/>
+              <a:buSzTx/>
+              <a:buFontTx/>
+              <a:buNone/>
+              <a:tabLst/>
+            </a:pPr>
+            <a:r>
+              <a:rPr lang="en-US" altLang="zh-CN" smtClean="0"/>
+              <a:t>objects.py</a:t>
+            </a:r>
+          </a:p>
+          <a:p>
+            <a:pPr marL="0" marR="0" lvl="0" indent="0" algn="l" defTabSz="914400" rtl="0" eaLnBrk="0" fontAlgn="base" latinLnBrk="0" hangingPunct="0">
+              <a:lnSpc>
+                <a:spcPct val="100000"/>
+              </a:lnSpc>
+              <a:spcBef>
+                <a:spcPct val="0"/>
+              </a:spcBef>
+              <a:spcAft>
+                <a:spcPct val="0"/>
+              </a:spcAft>
+              <a:buClrTx/>
+              <a:buSzTx/>
+              <a:buFontTx/>
+              <a:buNone/>
+              <a:tabLst/>
+            </a:pPr>
+            <a:r>
+              <a:rPr lang="en-US" altLang="zh-CN"/>
+              <a:t> </a:t>
+            </a:r>
+            <a:r>
+              <a:rPr lang="en-US" altLang="zh-CN" smtClean="0"/>
+              <a:t>   import net</a:t>
+            </a:r>
+          </a:p>
+        </p:txBody>
+      </p:sp>
+      <p:sp>
+        <p:nvSpPr>
+          <p:cNvPr id="9" name="Rectangle 5"/>
+          <p:cNvSpPr>
+            <a:spLocks noChangeArrowheads="1"/>
+          </p:cNvSpPr>
+          <p:nvPr/>
+        </p:nvSpPr>
+        <p:spPr bwMode="auto">
+          <a:xfrm>
+            <a:off x="4975012" y="3589147"/>
+            <a:ext cx="2680221" cy="2462213"/>
+          </a:xfrm>
+          <a:prstGeom prst="rect">
+            <a:avLst/>
+          </a:prstGeom>
+          <a:noFill/>
+          <a:ln>
+            <a:noFill/>
+          </a:ln>
+          <a:effectLst/>
+          <a:extLst>
+            <a:ext uri="{909E8E84-426E-40DD-AFC4-6F175D3DCCD1}">
+              <a14:hiddenFill xmlns:a14="http://schemas.microsoft.com/office/drawing/2010/main">
+                <a:solidFill>
+                  <a:schemeClr val="accent1"/>
+                </a:solidFill>
+              </a14:hiddenFill>
+            </a:ext>
+            <a:ext uri="{91240B29-F687-4F45-9708-019B960494DF}">
+              <a14:hiddenLine xmlns:a14="http://schemas.microsoft.com/office/drawing/2010/main" w="9525">
+                <a:solidFill>
+                  <a:schemeClr val="tx1"/>
+                </a:solidFill>
+                <a:miter lim="800000"/>
+                <a:headEnd/>
+                <a:tailEnd/>
+              </a14:hiddenLine>
+            </a:ext>
+            <a:ext uri="{AF507438-7753-43E0-B8FC-AC1667EBCBE1}">
+              <a14:hiddenEffects xmlns:a14="http://schemas.microsoft.com/office/drawing/2010/main">
+                <a:effectLst>
+                  <a:outerShdw dist="35921" dir="2700000" algn="ctr" rotWithShape="0">
+                    <a:schemeClr val="bg2"/>
+                  </a:outerShdw>
+                </a:effectLst>
+              </a14:hiddenEffects>
+            </a:ext>
+          </a:extLst>
+        </p:spPr>
+        <p:txBody>
+          <a:bodyPr vert="horz" wrap="none" lIns="0" tIns="0" rIns="0" bIns="0" numCol="1" anchor="ctr" anchorCtr="0" compatLnSpc="1">
+            <a:prstTxWarp prst="textNoShape">
+              <a:avLst/>
+            </a:prstTxWarp>
+            <a:spAutoFit/>
+          </a:bodyPr>
+          <a:lstStyle>
+            <a:lvl1pPr eaLnBrk="0" fontAlgn="base" hangingPunct="0">
+              <a:spcBef>
+                <a:spcPct val="0"/>
+              </a:spcBef>
+              <a:spcAft>
+                <a:spcPct val="0"/>
+              </a:spcAft>
+              <a:defRPr>
+                <a:solidFill>
+                  <a:schemeClr val="tx1"/>
+                </a:solidFill>
+                <a:latin typeface="Arial" panose="020B0604020202020204" pitchFamily="34" charset="0"/>
+              </a:defRPr>
+            </a:lvl1pPr>
+            <a:lvl2pPr eaLnBrk="0" fontAlgn="base" hangingPunct="0">
+              <a:spcBef>
+                <a:spcPct val="0"/>
+              </a:spcBef>
+              <a:spcAft>
+                <a:spcPct val="0"/>
+              </a:spcAft>
+              <a:defRPr>
+                <a:solidFill>
+                  <a:schemeClr val="tx1"/>
+                </a:solidFill>
+                <a:latin typeface="Arial" panose="020B0604020202020204" pitchFamily="34" charset="0"/>
+              </a:defRPr>
+            </a:lvl2pPr>
+            <a:lvl3pPr eaLnBrk="0" fontAlgn="base" hangingPunct="0">
+              <a:spcBef>
+                <a:spcPct val="0"/>
+              </a:spcBef>
+              <a:spcAft>
+                <a:spcPct val="0"/>
+              </a:spcAft>
+              <a:defRPr>
+                <a:solidFill>
+                  <a:schemeClr val="tx1"/>
+                </a:solidFill>
+                <a:latin typeface="Arial" panose="020B0604020202020204" pitchFamily="34" charset="0"/>
+              </a:defRPr>
+            </a:lvl3pPr>
+            <a:lvl4pPr eaLnBrk="0" fontAlgn="base" hangingPunct="0">
+              <a:spcBef>
+                <a:spcPct val="0"/>
+              </a:spcBef>
+              <a:spcAft>
+                <a:spcPct val="0"/>
+              </a:spcAft>
+              <a:defRPr>
+                <a:solidFill>
+                  <a:schemeClr val="tx1"/>
+                </a:solidFill>
+                <a:latin typeface="Arial" panose="020B0604020202020204" pitchFamily="34" charset="0"/>
+              </a:defRPr>
+            </a:lvl4pPr>
+            <a:lvl5pPr eaLnBrk="0" fontAlgn="base" hangingPunct="0">
+              <a:spcBef>
+                <a:spcPct val="0"/>
+              </a:spcBef>
+              <a:spcAft>
+                <a:spcPct val="0"/>
+              </a:spcAft>
+              <a:defRPr>
+                <a:solidFill>
+                  <a:schemeClr val="tx1"/>
+                </a:solidFill>
+                <a:latin typeface="Arial" panose="020B0604020202020204" pitchFamily="34" charset="0"/>
+              </a:defRPr>
+            </a:lvl5pPr>
+            <a:lvl6pPr eaLnBrk="0" fontAlgn="base" hangingPunct="0">
+              <a:spcBef>
+                <a:spcPct val="0"/>
+              </a:spcBef>
+              <a:spcAft>
+                <a:spcPct val="0"/>
+              </a:spcAft>
+              <a:defRPr>
+                <a:solidFill>
+                  <a:schemeClr val="tx1"/>
+                </a:solidFill>
+                <a:latin typeface="Arial" panose="020B0604020202020204" pitchFamily="34" charset="0"/>
+              </a:defRPr>
+            </a:lvl6pPr>
+            <a:lvl7pPr eaLnBrk="0" fontAlgn="base" hangingPunct="0">
+              <a:spcBef>
+                <a:spcPct val="0"/>
+              </a:spcBef>
+              <a:spcAft>
+                <a:spcPct val="0"/>
+              </a:spcAft>
+              <a:defRPr>
+                <a:solidFill>
+                  <a:schemeClr val="tx1"/>
+                </a:solidFill>
+                <a:latin typeface="Arial" panose="020B0604020202020204" pitchFamily="34" charset="0"/>
+              </a:defRPr>
+            </a:lvl7pPr>
+            <a:lvl8pPr eaLnBrk="0" fontAlgn="base" hangingPunct="0">
+              <a:spcBef>
+                <a:spcPct val="0"/>
+              </a:spcBef>
+              <a:spcAft>
+                <a:spcPct val="0"/>
+              </a:spcAft>
+              <a:defRPr>
+                <a:solidFill>
+                  <a:schemeClr val="tx1"/>
+                </a:solidFill>
+                <a:latin typeface="Arial" panose="020B0604020202020204" pitchFamily="34" charset="0"/>
+              </a:defRPr>
+            </a:lvl8pPr>
+            <a:lvl9pPr eaLnBrk="0" fontAlgn="base" hangingPunct="0">
+              <a:spcBef>
+                <a:spcPct val="0"/>
+              </a:spcBef>
+              <a:spcAft>
+                <a:spcPct val="0"/>
+              </a:spcAft>
+              <a:defRPr>
+                <a:solidFill>
+                  <a:schemeClr val="tx1"/>
+                </a:solidFill>
+                <a:latin typeface="Arial" panose="020B0604020202020204" pitchFamily="34" charset="0"/>
+              </a:defRPr>
+            </a:lvl9pPr>
+          </a:lstStyle>
+          <a:p>
+            <a:pPr marL="0" marR="0" lvl="0" indent="0" algn="l" defTabSz="914400" rtl="0" eaLnBrk="0" fontAlgn="base" latinLnBrk="0" hangingPunct="0">
+              <a:lnSpc>
+                <a:spcPct val="100000"/>
+              </a:lnSpc>
+              <a:spcBef>
+                <a:spcPct val="0"/>
+              </a:spcBef>
+              <a:spcAft>
+                <a:spcPct val="0"/>
+              </a:spcAft>
+              <a:buClrTx/>
+              <a:buSzTx/>
+              <a:buFontTx/>
+              <a:buNone/>
+              <a:tabLst/>
+            </a:pPr>
+            <a:r>
+              <a:rPr lang="en-US" altLang="zh-CN" sz="2000" smtClean="0">
+                <a:solidFill>
+                  <a:srgbClr val="000000"/>
+                </a:solidFill>
+                <a:latin typeface="Consolas" panose="020B0609020204030204" pitchFamily="49" charset="0"/>
+              </a:rPr>
+              <a:t>INT_SIZE</a:t>
+            </a:r>
+            <a:r>
+              <a:rPr kumimoji="0" lang="zh-CN" altLang="zh-CN" sz="2000" b="1" i="0" u="none" strike="noStrike" cap="none" normalizeH="0" baseline="0" smtClean="0">
+                <a:ln>
+                  <a:noFill/>
+                </a:ln>
+                <a:solidFill>
+                  <a:srgbClr val="7F0055"/>
+                </a:solidFill>
+                <a:effectLst/>
+                <a:latin typeface="Consolas" panose="020B0609020204030204" pitchFamily="49" charset="0"/>
+              </a:rPr>
+              <a:t>=</a:t>
+            </a:r>
+            <a:r>
+              <a:rPr lang="en-US" altLang="zh-CN" sz="2000" smtClean="0">
+                <a:solidFill>
+                  <a:srgbClr val="009900"/>
+                </a:solidFill>
+                <a:latin typeface="Consolas" panose="020B0609020204030204" pitchFamily="49" charset="0"/>
+              </a:rPr>
+              <a:t>4</a:t>
+            </a:r>
+            <a:endParaRPr kumimoji="0" lang="zh-CN" altLang="zh-CN" sz="2000" b="0" i="0" u="none" strike="noStrike" cap="none" normalizeH="0" baseline="0" smtClean="0">
+              <a:ln>
+                <a:noFill/>
+              </a:ln>
+              <a:solidFill>
+                <a:schemeClr val="tx1"/>
+              </a:solidFill>
+              <a:effectLst/>
+            </a:endParaRPr>
+          </a:p>
+          <a:p>
+            <a:pPr marL="0" marR="0" lvl="0" indent="0" algn="l" defTabSz="914400" rtl="0" eaLnBrk="0" fontAlgn="base" latinLnBrk="0" hangingPunct="0">
+              <a:lnSpc>
+                <a:spcPct val="100000"/>
+              </a:lnSpc>
+              <a:spcBef>
+                <a:spcPct val="0"/>
+              </a:spcBef>
+              <a:spcAft>
+                <a:spcPct val="0"/>
+              </a:spcAft>
+              <a:buClrTx/>
+              <a:buSzTx/>
+              <a:buFontTx/>
+              <a:buNone/>
+              <a:tabLst/>
+            </a:pPr>
+            <a:r>
+              <a:rPr kumimoji="0" lang="zh-CN" altLang="zh-CN" sz="2000" b="0" i="0" u="none" strike="noStrike" cap="none" normalizeH="0" baseline="0" smtClean="0">
+                <a:ln>
+                  <a:noFill/>
+                </a:ln>
+                <a:solidFill>
+                  <a:srgbClr val="333333"/>
+                </a:solidFill>
+                <a:effectLst/>
+                <a:latin typeface="Consolas" panose="020B0609020204030204" pitchFamily="49" charset="0"/>
+              </a:rPr>
+              <a:t> </a:t>
+            </a:r>
+            <a:endParaRPr kumimoji="0" lang="zh-CN" altLang="zh-CN" sz="2000" b="0" i="0" u="none" strike="noStrike" cap="none" normalizeH="0" baseline="0" smtClean="0">
+              <a:ln>
+                <a:noFill/>
+              </a:ln>
+              <a:solidFill>
+                <a:schemeClr val="tx1"/>
+              </a:solidFill>
+              <a:effectLst/>
+            </a:endParaRPr>
+          </a:p>
+          <a:p>
+            <a:pPr marL="0" marR="0" lvl="0" indent="0" algn="l" defTabSz="914400" rtl="0" eaLnBrk="0" fontAlgn="base" latinLnBrk="0" hangingPunct="0">
+              <a:lnSpc>
+                <a:spcPct val="100000"/>
+              </a:lnSpc>
+              <a:spcBef>
+                <a:spcPct val="0"/>
+              </a:spcBef>
+              <a:spcAft>
+                <a:spcPct val="0"/>
+              </a:spcAft>
+              <a:buClrTx/>
+              <a:buSzTx/>
+              <a:buFontTx/>
+              <a:buNone/>
+              <a:tabLst/>
+            </a:pPr>
+            <a:r>
+              <a:rPr kumimoji="0" lang="zh-CN" altLang="zh-CN" sz="2000" b="1" i="0" u="none" strike="noStrike" cap="none" normalizeH="0" baseline="0" smtClean="0">
+                <a:ln>
+                  <a:noFill/>
+                </a:ln>
+                <a:solidFill>
+                  <a:srgbClr val="7F0055"/>
+                </a:solidFill>
+                <a:effectLst/>
+                <a:latin typeface="Consolas" panose="020B0609020204030204" pitchFamily="49" charset="0"/>
+              </a:rPr>
+              <a:t>def</a:t>
+            </a:r>
+            <a:r>
+              <a:rPr kumimoji="0" lang="zh-CN" altLang="zh-CN" sz="2000" b="0" i="0" u="none" strike="noStrike" cap="none" normalizeH="0" baseline="0" smtClean="0">
+                <a:ln>
+                  <a:noFill/>
+                </a:ln>
+                <a:solidFill>
+                  <a:srgbClr val="333333"/>
+                </a:solidFill>
+                <a:effectLst/>
+                <a:latin typeface="Consolas" panose="020B0609020204030204" pitchFamily="49" charset="0"/>
+              </a:rPr>
+              <a:t> </a:t>
+            </a:r>
+            <a:r>
+              <a:rPr lang="en-US" altLang="zh-CN" sz="2000" smtClean="0">
+                <a:solidFill>
+                  <a:srgbClr val="000000"/>
+                </a:solidFill>
+                <a:latin typeface="Consolas" panose="020B0609020204030204" pitchFamily="49" charset="0"/>
+              </a:rPr>
+              <a:t>Send</a:t>
+            </a:r>
+            <a:r>
+              <a:rPr kumimoji="0" lang="zh-CN" altLang="zh-CN" sz="2000" b="0" i="0" u="none" strike="noStrike" cap="none" normalizeH="0" baseline="0" smtClean="0">
+                <a:ln>
+                  <a:noFill/>
+                </a:ln>
+                <a:solidFill>
+                  <a:srgbClr val="000000"/>
+                </a:solidFill>
+                <a:effectLst/>
+                <a:latin typeface="Consolas" panose="020B0609020204030204" pitchFamily="49" charset="0"/>
+              </a:rPr>
+              <a:t>()</a:t>
+            </a:r>
+            <a:r>
+              <a:rPr kumimoji="0" lang="zh-CN" altLang="zh-CN" sz="2000" b="0" i="0" u="none" strike="noStrike" cap="none" normalizeH="0" baseline="0" smtClean="0">
+                <a:ln>
+                  <a:noFill/>
+                </a:ln>
+                <a:solidFill>
+                  <a:srgbClr val="000000"/>
+                </a:solidFill>
+                <a:effectLst/>
+                <a:latin typeface="Consolas" panose="020B0609020204030204" pitchFamily="49" charset="0"/>
+              </a:rPr>
+              <a:t>:</a:t>
+            </a:r>
+            <a:endParaRPr kumimoji="0" lang="zh-CN" altLang="zh-CN" sz="2000" b="0" i="0" u="none" strike="noStrike" cap="none" normalizeH="0" baseline="0" smtClean="0">
+              <a:ln>
+                <a:noFill/>
+              </a:ln>
+              <a:solidFill>
+                <a:schemeClr val="tx1"/>
+              </a:solidFill>
+              <a:effectLst/>
+            </a:endParaRPr>
+          </a:p>
+          <a:p>
+            <a:pPr lvl="0"/>
+            <a:r>
+              <a:rPr kumimoji="0" lang="zh-CN" altLang="zh-CN" sz="2000" b="0" i="0" u="none" strike="noStrike" cap="none" normalizeH="0" baseline="0" smtClean="0">
+                <a:ln>
+                  <a:noFill/>
+                </a:ln>
+                <a:solidFill>
+                  <a:srgbClr val="DD1144"/>
+                </a:solidFill>
+                <a:effectLst/>
+                <a:latin typeface="Consolas" panose="020B0609020204030204" pitchFamily="49" charset="0"/>
+              </a:rPr>
+              <a:t>  </a:t>
+            </a:r>
+            <a:r>
+              <a:rPr kumimoji="0" lang="zh-CN" altLang="zh-CN" sz="2000" b="0" i="0" u="none" strike="noStrike" cap="none" normalizeH="0" baseline="0" smtClean="0">
+                <a:ln>
+                  <a:noFill/>
+                </a:ln>
+                <a:solidFill>
+                  <a:srgbClr val="DD1144"/>
+                </a:solidFill>
+                <a:effectLst/>
+                <a:latin typeface="Consolas" panose="020B0609020204030204" pitchFamily="49" charset="0"/>
+              </a:rPr>
+              <a:t> </a:t>
+            </a:r>
+            <a:r>
+              <a:rPr lang="en-US" altLang="zh-CN" sz="2000">
+                <a:solidFill>
+                  <a:srgbClr val="DD1144"/>
+                </a:solidFill>
+                <a:latin typeface="Consolas" panose="020B0609020204030204" pitchFamily="49" charset="0"/>
+              </a:rPr>
+              <a:t> </a:t>
+            </a:r>
+            <a:r>
+              <a:rPr lang="en-US" altLang="zh-CN" sz="2000" b="1">
+                <a:solidFill>
+                  <a:srgbClr val="7F0055"/>
+                </a:solidFill>
+                <a:latin typeface="Consolas" panose="020B0609020204030204" pitchFamily="49" charset="0"/>
+              </a:rPr>
+              <a:t>pass</a:t>
+            </a:r>
+            <a:endParaRPr kumimoji="0" lang="zh-CN" altLang="zh-CN" sz="2000" b="0" i="0" u="none" strike="noStrike" cap="none" normalizeH="0" baseline="0" smtClean="0">
+              <a:ln>
+                <a:noFill/>
+              </a:ln>
+              <a:solidFill>
+                <a:schemeClr val="tx1"/>
+              </a:solidFill>
+              <a:effectLst/>
+            </a:endParaRPr>
+          </a:p>
+          <a:p>
+            <a:pPr marL="0" marR="0" lvl="0" indent="0" algn="l" defTabSz="914400" rtl="0" eaLnBrk="0" fontAlgn="base" latinLnBrk="0" hangingPunct="0">
+              <a:lnSpc>
+                <a:spcPct val="100000"/>
+              </a:lnSpc>
+              <a:spcBef>
+                <a:spcPct val="0"/>
+              </a:spcBef>
+              <a:spcAft>
+                <a:spcPct val="0"/>
+              </a:spcAft>
+              <a:buClrTx/>
+              <a:buSzTx/>
+              <a:buFontTx/>
+              <a:buNone/>
+              <a:tabLst/>
+            </a:pPr>
+            <a:r>
+              <a:rPr kumimoji="0" lang="zh-CN" altLang="zh-CN" sz="2000" b="0" i="0" u="none" strike="noStrike" cap="none" normalizeH="0" baseline="0" smtClean="0">
+                <a:ln>
+                  <a:noFill/>
+                </a:ln>
+                <a:solidFill>
+                  <a:srgbClr val="333333"/>
+                </a:solidFill>
+                <a:effectLst/>
+                <a:latin typeface="Consolas" panose="020B0609020204030204" pitchFamily="49" charset="0"/>
+              </a:rPr>
+              <a:t> </a:t>
+            </a:r>
+            <a:endParaRPr kumimoji="0" lang="zh-CN" altLang="zh-CN" sz="2000" b="0" i="0" u="none" strike="noStrike" cap="none" normalizeH="0" baseline="0" smtClean="0">
+              <a:ln>
+                <a:noFill/>
+              </a:ln>
+              <a:solidFill>
+                <a:schemeClr val="tx1"/>
+              </a:solidFill>
+              <a:effectLst/>
+            </a:endParaRPr>
+          </a:p>
+          <a:p>
+            <a:pPr marL="0" marR="0" lvl="0" indent="0" algn="l" defTabSz="914400" rtl="0" eaLnBrk="0" fontAlgn="base" latinLnBrk="0" hangingPunct="0">
+              <a:lnSpc>
+                <a:spcPct val="100000"/>
+              </a:lnSpc>
+              <a:spcBef>
+                <a:spcPct val="0"/>
+              </a:spcBef>
+              <a:spcAft>
+                <a:spcPct val="0"/>
+              </a:spcAft>
+              <a:buClrTx/>
+              <a:buSzTx/>
+              <a:buFontTx/>
+              <a:buNone/>
+              <a:tabLst/>
+            </a:pPr>
+            <a:r>
+              <a:rPr kumimoji="0" lang="zh-CN" altLang="zh-CN" sz="2000" b="1" i="0" u="none" strike="noStrike" cap="none" normalizeH="0" baseline="0" smtClean="0">
+                <a:ln>
+                  <a:noFill/>
+                </a:ln>
+                <a:solidFill>
+                  <a:srgbClr val="7F0055"/>
+                </a:solidFill>
+                <a:effectLst/>
+                <a:latin typeface="Consolas" panose="020B0609020204030204" pitchFamily="49" charset="0"/>
+              </a:rPr>
+              <a:t>class</a:t>
+            </a:r>
+            <a:r>
+              <a:rPr kumimoji="0" lang="zh-CN" altLang="zh-CN" sz="2000" b="0" i="0" u="none" strike="noStrike" cap="none" normalizeH="0" baseline="0" smtClean="0">
+                <a:ln>
+                  <a:noFill/>
+                </a:ln>
+                <a:solidFill>
+                  <a:srgbClr val="333333"/>
+                </a:solidFill>
+                <a:effectLst/>
+                <a:latin typeface="Consolas" panose="020B0609020204030204" pitchFamily="49" charset="0"/>
+              </a:rPr>
+              <a:t> </a:t>
+            </a:r>
+            <a:r>
+              <a:rPr lang="en-US" altLang="zh-CN" sz="2000" smtClean="0">
+                <a:solidFill>
+                  <a:srgbClr val="000000"/>
+                </a:solidFill>
+                <a:latin typeface="Consolas" panose="020B0609020204030204" pitchFamily="49" charset="0"/>
+              </a:rPr>
+              <a:t>CNet</a:t>
+            </a:r>
+            <a:r>
+              <a:rPr kumimoji="0" lang="zh-CN" altLang="zh-CN" sz="2000" b="0" i="0" u="none" strike="noStrike" cap="none" normalizeH="0" baseline="0" smtClean="0">
+                <a:ln>
+                  <a:noFill/>
+                </a:ln>
+                <a:solidFill>
+                  <a:srgbClr val="000000"/>
+                </a:solidFill>
+                <a:effectLst/>
+                <a:latin typeface="Consolas" panose="020B0609020204030204" pitchFamily="49" charset="0"/>
+              </a:rPr>
+              <a:t>(</a:t>
+            </a:r>
+            <a:r>
+              <a:rPr kumimoji="0" lang="zh-CN" altLang="zh-CN" sz="2000" b="0" i="0" u="none" strike="noStrike" cap="none" normalizeH="0" baseline="0" smtClean="0">
+                <a:ln>
+                  <a:noFill/>
+                </a:ln>
+                <a:solidFill>
+                  <a:srgbClr val="FF1493"/>
+                </a:solidFill>
+                <a:effectLst/>
+                <a:latin typeface="Consolas" panose="020B0609020204030204" pitchFamily="49" charset="0"/>
+              </a:rPr>
+              <a:t>object</a:t>
+            </a:r>
+            <a:r>
+              <a:rPr kumimoji="0" lang="zh-CN" altLang="zh-CN" sz="2000" b="0" i="0" u="none" strike="noStrike" cap="none" normalizeH="0" baseline="0" smtClean="0">
+                <a:ln>
+                  <a:noFill/>
+                </a:ln>
+                <a:solidFill>
+                  <a:srgbClr val="000000"/>
+                </a:solidFill>
+                <a:effectLst/>
+                <a:latin typeface="Consolas" panose="020B0609020204030204" pitchFamily="49" charset="0"/>
+              </a:rPr>
+              <a:t>):</a:t>
+            </a:r>
+            <a:endParaRPr kumimoji="0" lang="zh-CN" altLang="zh-CN" sz="2000" b="0" i="0" u="none" strike="noStrike" cap="none" normalizeH="0" baseline="0" smtClean="0">
+              <a:ln>
+                <a:noFill/>
+              </a:ln>
+              <a:solidFill>
+                <a:schemeClr val="tx1"/>
+              </a:solidFill>
+              <a:effectLst/>
+            </a:endParaRPr>
+          </a:p>
+          <a:p>
+            <a:pPr marL="0" marR="0" lvl="0" indent="0" algn="l" defTabSz="914400" rtl="0" eaLnBrk="0" fontAlgn="base" latinLnBrk="0" hangingPunct="0">
+              <a:lnSpc>
+                <a:spcPct val="100000"/>
+              </a:lnSpc>
+              <a:spcBef>
+                <a:spcPct val="0"/>
+              </a:spcBef>
+              <a:spcAft>
+                <a:spcPct val="0"/>
+              </a:spcAft>
+              <a:buClrTx/>
+              <a:buSzTx/>
+              <a:buFontTx/>
+              <a:buNone/>
+              <a:tabLst/>
+            </a:pPr>
+            <a:r>
+              <a:rPr kumimoji="0" lang="zh-CN" altLang="zh-CN" sz="2000" b="0" i="0" u="none" strike="noStrike" cap="none" normalizeH="0" baseline="0" smtClean="0">
+                <a:ln>
+                  <a:noFill/>
+                </a:ln>
+                <a:solidFill>
+                  <a:srgbClr val="DD1144"/>
+                </a:solidFill>
+                <a:effectLst/>
+                <a:latin typeface="Consolas" panose="020B0609020204030204" pitchFamily="49" charset="0"/>
+              </a:rPr>
+              <a:t>    </a:t>
+            </a:r>
+            <a:r>
+              <a:rPr kumimoji="0" lang="zh-CN" altLang="zh-CN" sz="2000" b="1" i="0" u="none" strike="noStrike" cap="none" normalizeH="0" baseline="0" smtClean="0">
+                <a:ln>
+                  <a:noFill/>
+                </a:ln>
+                <a:solidFill>
+                  <a:srgbClr val="7F0055"/>
+                </a:solidFill>
+                <a:effectLst/>
+                <a:latin typeface="Consolas" panose="020B0609020204030204" pitchFamily="49" charset="0"/>
+              </a:rPr>
+              <a:t>def</a:t>
+            </a:r>
+            <a:r>
+              <a:rPr kumimoji="0" lang="zh-CN" altLang="zh-CN" sz="2000" b="0" i="0" u="none" strike="noStrike" cap="none" normalizeH="0" baseline="0" smtClean="0">
+                <a:ln>
+                  <a:noFill/>
+                </a:ln>
+                <a:solidFill>
+                  <a:srgbClr val="333333"/>
+                </a:solidFill>
+                <a:effectLst/>
+                <a:latin typeface="Consolas" panose="020B0609020204030204" pitchFamily="49" charset="0"/>
+              </a:rPr>
+              <a:t> </a:t>
+            </a:r>
+            <a:r>
+              <a:rPr lang="en-US" altLang="zh-CN" sz="2000" smtClean="0">
+                <a:solidFill>
+                  <a:srgbClr val="000000"/>
+                </a:solidFill>
+                <a:latin typeface="Consolas" panose="020B0609020204030204" pitchFamily="49" charset="0"/>
+              </a:rPr>
+              <a:t>Send</a:t>
+            </a:r>
+            <a:r>
+              <a:rPr kumimoji="0" lang="zh-CN" altLang="zh-CN" sz="2000" b="0" i="0" u="none" strike="noStrike" cap="none" normalizeH="0" baseline="0" smtClean="0">
+                <a:ln>
+                  <a:noFill/>
+                </a:ln>
+                <a:solidFill>
+                  <a:srgbClr val="000000"/>
+                </a:solidFill>
+                <a:effectLst/>
+                <a:latin typeface="Consolas" panose="020B0609020204030204" pitchFamily="49" charset="0"/>
+              </a:rPr>
+              <a:t>(</a:t>
+            </a:r>
+            <a:r>
+              <a:rPr kumimoji="0" lang="zh-CN" altLang="zh-CN" sz="2000" b="0" i="0" u="none" strike="noStrike" cap="none" normalizeH="0" baseline="0" smtClean="0">
+                <a:ln>
+                  <a:noFill/>
+                </a:ln>
+                <a:solidFill>
+                  <a:srgbClr val="808080"/>
+                </a:solidFill>
+                <a:effectLst/>
+                <a:latin typeface="Consolas" panose="020B0609020204030204" pitchFamily="49" charset="0"/>
+              </a:rPr>
+              <a:t>self</a:t>
+            </a:r>
+            <a:r>
+              <a:rPr kumimoji="0" lang="zh-CN" altLang="zh-CN" sz="2000" b="0" i="0" u="none" strike="noStrike" cap="none" normalizeH="0" baseline="0" smtClean="0">
+                <a:ln>
+                  <a:noFill/>
+                </a:ln>
+                <a:solidFill>
+                  <a:srgbClr val="000000"/>
+                </a:solidFill>
+                <a:effectLst/>
+                <a:latin typeface="Consolas" panose="020B0609020204030204" pitchFamily="49" charset="0"/>
+              </a:rPr>
+              <a:t>):</a:t>
+            </a:r>
+            <a:endParaRPr kumimoji="0" lang="zh-CN" altLang="zh-CN" sz="2000" b="0" i="0" u="none" strike="noStrike" cap="none" normalizeH="0" baseline="0" smtClean="0">
+              <a:ln>
+                <a:noFill/>
+              </a:ln>
+              <a:solidFill>
+                <a:schemeClr val="tx1"/>
+              </a:solidFill>
+              <a:effectLst/>
+            </a:endParaRPr>
+          </a:p>
+          <a:p>
+            <a:pPr marL="0" marR="0" lvl="0" indent="0" algn="l" defTabSz="914400" rtl="0" eaLnBrk="0" fontAlgn="base" latinLnBrk="0" hangingPunct="0">
+              <a:lnSpc>
+                <a:spcPct val="100000"/>
+              </a:lnSpc>
+              <a:spcBef>
+                <a:spcPct val="0"/>
+              </a:spcBef>
+              <a:spcAft>
+                <a:spcPct val="0"/>
+              </a:spcAft>
+              <a:buClrTx/>
+              <a:buSzTx/>
+              <a:buFontTx/>
+              <a:buNone/>
+              <a:tabLst/>
+            </a:pPr>
+            <a:r>
+              <a:rPr kumimoji="0" lang="zh-CN" altLang="zh-CN" sz="2000" b="0" i="0" u="none" strike="noStrike" cap="none" normalizeH="0" baseline="0" smtClean="0">
+                <a:ln>
+                  <a:noFill/>
+                </a:ln>
+                <a:solidFill>
+                  <a:srgbClr val="DD1144"/>
+                </a:solidFill>
+                <a:effectLst/>
+                <a:latin typeface="Consolas" panose="020B0609020204030204" pitchFamily="49" charset="0"/>
+              </a:rPr>
+              <a:t>        </a:t>
+            </a:r>
+            <a:r>
+              <a:rPr kumimoji="0" lang="zh-CN" altLang="zh-CN" sz="2000" b="0" i="0" u="none" strike="noStrike" cap="none" normalizeH="0" baseline="0" smtClean="0">
+                <a:ln>
+                  <a:noFill/>
+                </a:ln>
+                <a:solidFill>
+                  <a:srgbClr val="DD1144"/>
+                </a:solidFill>
+                <a:effectLst/>
+                <a:latin typeface="Consolas" panose="020B0609020204030204" pitchFamily="49" charset="0"/>
+              </a:rPr>
+              <a:t> </a:t>
+            </a:r>
+            <a:r>
+              <a:rPr lang="en-US" altLang="zh-CN" sz="2000" b="1" smtClean="0">
+                <a:solidFill>
+                  <a:srgbClr val="7F0055"/>
+                </a:solidFill>
+                <a:latin typeface="Consolas" panose="020B0609020204030204" pitchFamily="49" charset="0"/>
+              </a:rPr>
+              <a:t>pass</a:t>
+            </a:r>
+            <a:endParaRPr kumimoji="0" lang="zh-CN" altLang="zh-CN" sz="2000" b="0" i="0" u="none" strike="noStrike" cap="none" normalizeH="0" baseline="0" smtClean="0">
+              <a:ln>
+                <a:noFill/>
+              </a:ln>
+              <a:solidFill>
+                <a:schemeClr val="tx1"/>
+              </a:solidFill>
+              <a:effectLst/>
+            </a:endParaRPr>
+          </a:p>
+        </p:txBody>
+      </p:sp>
+    </p:spTree>
+    <p:extLst>
+      <p:ext uri="{BB962C8B-B14F-4D97-AF65-F5344CB8AC3E}">
+        <p14:creationId xmlns:p14="http://schemas.microsoft.com/office/powerpoint/2010/main" val="1061507845"/>
+      </p:ext>
+    </p:extLst>
+  </p:cSld>
+  <p:clrMapOvr>
+    <a:masterClrMapping/>
+  </p:clrMapOvr>
+  <p:timing>
+    <p:tnLst>
+      <p:par>
+        <p:cTn id="1" dur="indefinite" restart="never" nodeType="tmRoot"/>
+      </p:par>
+    </p:tnLst>
+  </p:timing>
+</p:sld>
+</file>
+
+<file path=ppt/slides/slide5.xml><?xml version="1.0" encoding="utf-8"?>
+<p:sld xmlns:a="http://schemas.openxmlformats.org/drawingml/2006/main" xmlns:r="http://schemas.openxmlformats.org/officeDocument/2006/relationships" xmlns:p="http://schemas.openxmlformats.org/presentationml/2006/main">
+  <p:cSld>
+    <p:spTree>
+      <p:nvGrpSpPr>
+        <p:cNvPr id="1" name=""/>
+        <p:cNvGrpSpPr/>
+        <p:nvPr/>
+      </p:nvGrpSpPr>
+      <p:grpSpPr>
+        <a:xfrm>
+          <a:off x="0" y="0"/>
+          <a:ext cx="0" cy="0"/>
+          <a:chOff x="0" y="0"/>
+          <a:chExt cx="0" cy="0"/>
+        </a:xfrm>
+      </p:grpSpPr>
+      <p:sp>
+        <p:nvSpPr>
+          <p:cNvPr id="3" name="流程图: 可选过程 2"/>
+          <p:cNvSpPr/>
+          <p:nvPr/>
+        </p:nvSpPr>
+        <p:spPr>
+          <a:xfrm>
+            <a:off x="631767" y="3017521"/>
+            <a:ext cx="1487978" cy="479644"/>
+          </a:xfrm>
+          <a:prstGeom prst="flowChartAlternateProcess">
+            <a:avLst/>
+          </a:prstGeom>
+        </p:spPr>
+        <p:style>
+          <a:lnRef idx="2">
+            <a:schemeClr val="accent1">
+              <a:shade val="50000"/>
+            </a:schemeClr>
+          </a:lnRef>
+          <a:fillRef idx="1">
+            <a:schemeClr val="accent1"/>
+          </a:fillRef>
+          <a:effectRef idx="0">
+            <a:schemeClr val="accent1"/>
+          </a:effectRef>
+          <a:fontRef idx="minor">
+            <a:schemeClr val="lt1"/>
+          </a:fontRef>
+        </p:style>
+        <p:txBody>
+          <a:bodyPr rtlCol="0" anchor="ctr"/>
+          <a:lstStyle/>
+          <a:p>
+            <a:pPr algn="ctr"/>
+            <a:r>
+              <a:rPr lang="en-US" altLang="zh-CN" b="1" smtClean="0"/>
+              <a:t>__import</a:t>
+            </a:r>
+            <a:r>
+              <a:rPr lang="en-US" altLang="zh-CN" b="1"/>
+              <a:t>__</a:t>
+            </a:r>
+            <a:endParaRPr lang="zh-CN" altLang="en-US" b="1"/>
+          </a:p>
+        </p:txBody>
+      </p:sp>
+      <p:sp>
+        <p:nvSpPr>
+          <p:cNvPr id="10" name="流程图: 可选过程 9"/>
+          <p:cNvSpPr/>
+          <p:nvPr/>
+        </p:nvSpPr>
+        <p:spPr>
+          <a:xfrm>
+            <a:off x="3682539" y="731522"/>
+            <a:ext cx="1487978" cy="479644"/>
+          </a:xfrm>
+          <a:prstGeom prst="flowChartAlternateProcess">
+            <a:avLst/>
+          </a:prstGeom>
+        </p:spPr>
+        <p:style>
+          <a:lnRef idx="2">
+            <a:schemeClr val="accent1">
+              <a:shade val="50000"/>
+            </a:schemeClr>
+          </a:lnRef>
+          <a:fillRef idx="1">
+            <a:schemeClr val="accent1"/>
+          </a:fillRef>
+          <a:effectRef idx="0">
+            <a:schemeClr val="accent1"/>
+          </a:effectRef>
+          <a:fontRef idx="minor">
+            <a:schemeClr val="lt1"/>
+          </a:fontRef>
+        </p:style>
+        <p:txBody>
+          <a:bodyPr rtlCol="0" anchor="ctr"/>
+          <a:lstStyle/>
+          <a:p>
+            <a:pPr algn="ctr"/>
+            <a:r>
+              <a:rPr lang="en-US" altLang="zh-CN" b="1" smtClean="0"/>
+              <a:t>package</a:t>
+            </a:r>
+            <a:endParaRPr lang="zh-CN" altLang="en-US" b="1"/>
+          </a:p>
+        </p:txBody>
+      </p:sp>
+      <p:sp>
+        <p:nvSpPr>
+          <p:cNvPr id="11" name="Rectangle 2"/>
+          <p:cNvSpPr>
+            <a:spLocks noChangeArrowheads="1"/>
+          </p:cNvSpPr>
+          <p:nvPr/>
+        </p:nvSpPr>
+        <p:spPr bwMode="auto">
+          <a:xfrm>
+            <a:off x="498764" y="851038"/>
+            <a:ext cx="5345083" cy="553998"/>
+          </a:xfrm>
+          <a:prstGeom prst="rect">
+            <a:avLst/>
+          </a:prstGeom>
+          <a:noFill/>
+          <a:ln>
+            <a:noFill/>
+          </a:ln>
+          <a:effectLst/>
+          <a:extLst>
+            <a:ext uri="{909E8E84-426E-40DD-AFC4-6F175D3DCCD1}">
+              <a14:hiddenFill xmlns:a14="http://schemas.microsoft.com/office/drawing/2010/main">
+                <a:solidFill>
+                  <a:schemeClr val="accent1"/>
+                </a:solidFill>
+              </a14:hiddenFill>
+            </a:ext>
+            <a:ext uri="{91240B29-F687-4F45-9708-019B960494DF}">
+              <a14:hiddenLine xmlns:a14="http://schemas.microsoft.com/office/drawing/2010/main" w="9525">
+                <a:solidFill>
+                  <a:schemeClr val="tx1"/>
+                </a:solidFill>
+                <a:miter lim="800000"/>
+                <a:headEnd/>
+                <a:tailEnd/>
+              </a14:hiddenLine>
+            </a:ext>
+            <a:ext uri="{AF507438-7753-43E0-B8FC-AC1667EBCBE1}">
+              <a14:hiddenEffects xmlns:a14="http://schemas.microsoft.com/office/drawing/2010/main">
+                <a:effectLst>
+                  <a:outerShdw dist="35921" dir="2700000" algn="ctr" rotWithShape="0">
+                    <a:schemeClr val="bg2"/>
+                  </a:outerShdw>
+                </a:effectLst>
+              </a14:hiddenEffects>
+            </a:ext>
+          </a:extLst>
+        </p:spPr>
+        <p:txBody>
+          <a:bodyPr vert="horz" wrap="square" lIns="0" tIns="0" rIns="0" bIns="0" numCol="1" anchor="ctr" anchorCtr="0" compatLnSpc="1">
+            <a:prstTxWarp prst="textNoShape">
+              <a:avLst/>
+            </a:prstTxWarp>
+            <a:spAutoFit/>
+          </a:bodyPr>
+          <a:lstStyle>
+            <a:lvl1pPr eaLnBrk="0" fontAlgn="base" hangingPunct="0">
+              <a:spcBef>
+                <a:spcPct val="0"/>
+              </a:spcBef>
+              <a:spcAft>
+                <a:spcPct val="0"/>
+              </a:spcAft>
+              <a:defRPr>
+                <a:solidFill>
+                  <a:schemeClr val="tx1"/>
+                </a:solidFill>
+                <a:latin typeface="Arial" panose="020B0604020202020204" pitchFamily="34" charset="0"/>
+              </a:defRPr>
+            </a:lvl1pPr>
+            <a:lvl2pPr eaLnBrk="0" fontAlgn="base" hangingPunct="0">
+              <a:spcBef>
+                <a:spcPct val="0"/>
+              </a:spcBef>
+              <a:spcAft>
+                <a:spcPct val="0"/>
+              </a:spcAft>
+              <a:defRPr>
+                <a:solidFill>
+                  <a:schemeClr val="tx1"/>
+                </a:solidFill>
+                <a:latin typeface="Arial" panose="020B0604020202020204" pitchFamily="34" charset="0"/>
+              </a:defRPr>
+            </a:lvl2pPr>
+            <a:lvl3pPr eaLnBrk="0" fontAlgn="base" hangingPunct="0">
+              <a:spcBef>
+                <a:spcPct val="0"/>
+              </a:spcBef>
+              <a:spcAft>
+                <a:spcPct val="0"/>
+              </a:spcAft>
+              <a:defRPr>
+                <a:solidFill>
+                  <a:schemeClr val="tx1"/>
+                </a:solidFill>
+                <a:latin typeface="Arial" panose="020B0604020202020204" pitchFamily="34" charset="0"/>
+              </a:defRPr>
+            </a:lvl3pPr>
+            <a:lvl4pPr eaLnBrk="0" fontAlgn="base" hangingPunct="0">
+              <a:spcBef>
+                <a:spcPct val="0"/>
+              </a:spcBef>
+              <a:spcAft>
+                <a:spcPct val="0"/>
+              </a:spcAft>
+              <a:defRPr>
+                <a:solidFill>
+                  <a:schemeClr val="tx1"/>
+                </a:solidFill>
+                <a:latin typeface="Arial" panose="020B0604020202020204" pitchFamily="34" charset="0"/>
+              </a:defRPr>
+            </a:lvl4pPr>
+            <a:lvl5pPr eaLnBrk="0" fontAlgn="base" hangingPunct="0">
+              <a:spcBef>
+                <a:spcPct val="0"/>
+              </a:spcBef>
+              <a:spcAft>
+                <a:spcPct val="0"/>
+              </a:spcAft>
+              <a:defRPr>
+                <a:solidFill>
+                  <a:schemeClr val="tx1"/>
+                </a:solidFill>
+                <a:latin typeface="Arial" panose="020B0604020202020204" pitchFamily="34" charset="0"/>
+              </a:defRPr>
+            </a:lvl5pPr>
+            <a:lvl6pPr eaLnBrk="0" fontAlgn="base" hangingPunct="0">
+              <a:spcBef>
+                <a:spcPct val="0"/>
+              </a:spcBef>
+              <a:spcAft>
+                <a:spcPct val="0"/>
+              </a:spcAft>
+              <a:defRPr>
+                <a:solidFill>
+                  <a:schemeClr val="tx1"/>
+                </a:solidFill>
+                <a:latin typeface="Arial" panose="020B0604020202020204" pitchFamily="34" charset="0"/>
+              </a:defRPr>
+            </a:lvl6pPr>
+            <a:lvl7pPr eaLnBrk="0" fontAlgn="base" hangingPunct="0">
+              <a:spcBef>
+                <a:spcPct val="0"/>
+              </a:spcBef>
+              <a:spcAft>
+                <a:spcPct val="0"/>
+              </a:spcAft>
+              <a:defRPr>
+                <a:solidFill>
+                  <a:schemeClr val="tx1"/>
+                </a:solidFill>
+                <a:latin typeface="Arial" panose="020B0604020202020204" pitchFamily="34" charset="0"/>
+              </a:defRPr>
+            </a:lvl7pPr>
+            <a:lvl8pPr eaLnBrk="0" fontAlgn="base" hangingPunct="0">
+              <a:spcBef>
+                <a:spcPct val="0"/>
+              </a:spcBef>
+              <a:spcAft>
+                <a:spcPct val="0"/>
+              </a:spcAft>
+              <a:defRPr>
+                <a:solidFill>
+                  <a:schemeClr val="tx1"/>
+                </a:solidFill>
+                <a:latin typeface="Arial" panose="020B0604020202020204" pitchFamily="34" charset="0"/>
+              </a:defRPr>
+            </a:lvl8pPr>
+            <a:lvl9pPr eaLnBrk="0" fontAlgn="base" hangingPunct="0">
+              <a:spcBef>
+                <a:spcPct val="0"/>
+              </a:spcBef>
+              <a:spcAft>
+                <a:spcPct val="0"/>
+              </a:spcAft>
+              <a:defRPr>
+                <a:solidFill>
+                  <a:schemeClr val="tx1"/>
+                </a:solidFill>
+                <a:latin typeface="Arial" panose="020B0604020202020204" pitchFamily="34" charset="0"/>
+              </a:defRPr>
+            </a:lvl9pPr>
+          </a:lstStyle>
+          <a:p>
+            <a:pPr marL="0" marR="0" lvl="0" indent="0" algn="l" defTabSz="914400" rtl="0" eaLnBrk="0" fontAlgn="base" latinLnBrk="0" hangingPunct="0">
+              <a:lnSpc>
+                <a:spcPct val="100000"/>
+              </a:lnSpc>
+              <a:spcBef>
+                <a:spcPct val="0"/>
+              </a:spcBef>
+              <a:spcAft>
+                <a:spcPct val="0"/>
+              </a:spcAft>
+              <a:buClrTx/>
+              <a:buSzTx/>
+              <a:buFontTx/>
+              <a:buNone/>
+              <a:tabLst/>
+            </a:pPr>
+            <a:r>
+              <a:rPr lang="en-US" altLang="zh-CN" b="1" smtClean="0"/>
+              <a:t>objects.py</a:t>
+            </a:r>
+          </a:p>
+          <a:p>
+            <a:pPr marL="0" marR="0" lvl="0" indent="0" algn="l" defTabSz="914400" rtl="0" eaLnBrk="0" fontAlgn="base" latinLnBrk="0" hangingPunct="0">
+              <a:lnSpc>
+                <a:spcPct val="100000"/>
+              </a:lnSpc>
+              <a:spcBef>
+                <a:spcPct val="0"/>
+              </a:spcBef>
+              <a:spcAft>
+                <a:spcPct val="0"/>
+              </a:spcAft>
+              <a:buClrTx/>
+              <a:buSzTx/>
+              <a:buFontTx/>
+              <a:buNone/>
+              <a:tabLst/>
+            </a:pPr>
+            <a:r>
+              <a:rPr lang="en-US" altLang="zh-CN" b="1"/>
+              <a:t> </a:t>
+            </a:r>
+            <a:r>
+              <a:rPr lang="en-US" altLang="zh-CN" b="1" smtClean="0"/>
+              <a:t>   import net</a:t>
+            </a:r>
+          </a:p>
+        </p:txBody>
+      </p:sp>
+      <p:sp>
+        <p:nvSpPr>
+          <p:cNvPr id="12" name="流程图: 可选过程 11"/>
+          <p:cNvSpPr/>
+          <p:nvPr/>
+        </p:nvSpPr>
+        <p:spPr>
+          <a:xfrm>
+            <a:off x="3682539" y="1971456"/>
+            <a:ext cx="1487978" cy="479644"/>
+          </a:xfrm>
+          <a:prstGeom prst="flowChartAlternateProcess">
+            <a:avLst/>
+          </a:prstGeom>
+        </p:spPr>
+        <p:style>
+          <a:lnRef idx="2">
+            <a:schemeClr val="accent1">
+              <a:shade val="50000"/>
+            </a:schemeClr>
+          </a:lnRef>
+          <a:fillRef idx="1">
+            <a:schemeClr val="accent1"/>
+          </a:fillRef>
+          <a:effectRef idx="0">
+            <a:schemeClr val="accent1"/>
+          </a:effectRef>
+          <a:fontRef idx="minor">
+            <a:schemeClr val="lt1"/>
+          </a:fontRef>
+        </p:style>
+        <p:txBody>
+          <a:bodyPr rtlCol="0" anchor="ctr"/>
+          <a:lstStyle/>
+          <a:p>
+            <a:pPr algn="ctr"/>
+            <a:r>
+              <a:rPr lang="en-US" altLang="zh-CN" b="1" smtClean="0"/>
+              <a:t>net</a:t>
+            </a:r>
+            <a:endParaRPr lang="zh-CN" altLang="en-US" b="1"/>
+          </a:p>
+        </p:txBody>
+      </p:sp>
+      <p:sp>
+        <p:nvSpPr>
+          <p:cNvPr id="5" name="云形 4"/>
+          <p:cNvSpPr/>
+          <p:nvPr/>
+        </p:nvSpPr>
+        <p:spPr>
+          <a:xfrm>
+            <a:off x="7331824" y="213637"/>
+            <a:ext cx="1695798" cy="914400"/>
+          </a:xfrm>
+          <a:prstGeom prst="cloud">
+            <a:avLst/>
+          </a:prstGeom>
+        </p:spPr>
+        <p:style>
+          <a:lnRef idx="2">
+            <a:schemeClr val="accent1">
+              <a:shade val="50000"/>
+            </a:schemeClr>
+          </a:lnRef>
+          <a:fillRef idx="1">
+            <a:schemeClr val="accent1"/>
+          </a:fillRef>
+          <a:effectRef idx="0">
+            <a:schemeClr val="accent1"/>
+          </a:effectRef>
+          <a:fontRef idx="minor">
+            <a:schemeClr val="lt1"/>
+          </a:fontRef>
+        </p:style>
+        <p:txBody>
+          <a:bodyPr rtlCol="0" anchor="ctr"/>
+          <a:lstStyle/>
+          <a:p>
+            <a:pPr algn="ctr"/>
+            <a:r>
+              <a:rPr lang="en-US" altLang="zh-CN" smtClean="0"/>
+              <a:t>player</a:t>
+            </a:r>
+            <a:endParaRPr lang="zh-CN" altLang="en-US"/>
+          </a:p>
+        </p:txBody>
+      </p:sp>
+      <p:cxnSp>
+        <p:nvCxnSpPr>
+          <p:cNvPr id="13" name="直接箭头连接符 12"/>
+          <p:cNvCxnSpPr>
+            <a:stCxn id="10" idx="3"/>
+            <a:endCxn id="5" idx="2"/>
+          </p:cNvCxnSpPr>
+          <p:nvPr/>
+        </p:nvCxnSpPr>
+        <p:spPr>
+          <a:xfrm flipV="1">
+            <a:off x="5170517" y="670837"/>
+            <a:ext cx="2166567" cy="300507"/>
+          </a:xfrm>
+          <a:prstGeom prst="straightConnector1">
+            <a:avLst/>
+          </a:prstGeom>
+          <a:ln>
+            <a:prstDash val="dash"/>
+            <a:tailEnd type="triangle"/>
+          </a:ln>
+        </p:spPr>
+        <p:style>
+          <a:lnRef idx="1">
+            <a:schemeClr val="accent1"/>
+          </a:lnRef>
+          <a:fillRef idx="0">
+            <a:schemeClr val="accent1"/>
+          </a:fillRef>
+          <a:effectRef idx="0">
+            <a:schemeClr val="accent1"/>
+          </a:effectRef>
+          <a:fontRef idx="minor">
+            <a:schemeClr val="tx1"/>
+          </a:fontRef>
+        </p:style>
+      </p:cxnSp>
+      <p:cxnSp>
+        <p:nvCxnSpPr>
+          <p:cNvPr id="15" name="直接箭头连接符 14"/>
+          <p:cNvCxnSpPr>
+            <a:stCxn id="5" idx="1"/>
+            <a:endCxn id="12" idx="3"/>
+          </p:cNvCxnSpPr>
+          <p:nvPr/>
+        </p:nvCxnSpPr>
+        <p:spPr>
+          <a:xfrm flipH="1">
+            <a:off x="5170517" y="1127063"/>
+            <a:ext cx="3009206" cy="1084215"/>
+          </a:xfrm>
+          <a:prstGeom prst="straightConnector1">
+            <a:avLst/>
+          </a:prstGeom>
+          <a:ln>
+            <a:prstDash val="dash"/>
+            <a:tailEnd type="triangle"/>
+          </a:ln>
+        </p:spPr>
+        <p:style>
+          <a:lnRef idx="1">
+            <a:schemeClr val="accent1"/>
+          </a:lnRef>
+          <a:fillRef idx="0">
+            <a:schemeClr val="accent1"/>
+          </a:fillRef>
+          <a:effectRef idx="0">
+            <a:schemeClr val="accent1"/>
+          </a:effectRef>
+          <a:fontRef idx="minor">
+            <a:schemeClr val="tx1"/>
+          </a:fontRef>
+        </p:style>
+      </p:cxnSp>
+      <p:cxnSp>
+        <p:nvCxnSpPr>
+          <p:cNvPr id="19" name="直接箭头连接符 18"/>
+          <p:cNvCxnSpPr>
+            <a:stCxn id="10" idx="2"/>
+            <a:endCxn id="12" idx="0"/>
+          </p:cNvCxnSpPr>
+          <p:nvPr/>
+        </p:nvCxnSpPr>
+        <p:spPr>
+          <a:xfrm>
+            <a:off x="4426528" y="1211166"/>
+            <a:ext cx="0" cy="760290"/>
+          </a:xfrm>
+          <a:prstGeom prst="straightConnector1">
+            <a:avLst/>
+          </a:prstGeom>
+          <a:ln>
+            <a:tailEnd type="triangle"/>
+          </a:ln>
+        </p:spPr>
+        <p:style>
+          <a:lnRef idx="1">
+            <a:schemeClr val="accent1"/>
+          </a:lnRef>
+          <a:fillRef idx="0">
+            <a:schemeClr val="accent1"/>
+          </a:fillRef>
+          <a:effectRef idx="0">
+            <a:schemeClr val="accent1"/>
+          </a:effectRef>
+          <a:fontRef idx="minor">
+            <a:schemeClr val="tx1"/>
+          </a:fontRef>
+        </p:style>
+      </p:cxnSp>
+      <p:cxnSp>
+        <p:nvCxnSpPr>
+          <p:cNvPr id="22" name="直接箭头连接符 21"/>
+          <p:cNvCxnSpPr>
+            <a:endCxn id="10" idx="1"/>
+          </p:cNvCxnSpPr>
+          <p:nvPr/>
+        </p:nvCxnSpPr>
+        <p:spPr>
+          <a:xfrm flipV="1">
+            <a:off x="2119745" y="971344"/>
+            <a:ext cx="1562794" cy="2384505"/>
+          </a:xfrm>
+          <a:prstGeom prst="straightConnector1">
+            <a:avLst/>
+          </a:prstGeom>
+          <a:ln>
+            <a:tailEnd type="triangle"/>
+          </a:ln>
+        </p:spPr>
+        <p:style>
+          <a:lnRef idx="1">
+            <a:schemeClr val="accent1"/>
+          </a:lnRef>
+          <a:fillRef idx="0">
+            <a:schemeClr val="accent1"/>
+          </a:fillRef>
+          <a:effectRef idx="0">
+            <a:schemeClr val="accent1"/>
+          </a:effectRef>
+          <a:fontRef idx="minor">
+            <a:schemeClr val="tx1"/>
+          </a:fontRef>
+        </p:style>
+      </p:cxnSp>
+      <p:sp>
+        <p:nvSpPr>
+          <p:cNvPr id="29" name="流程图: 可选过程 28"/>
+          <p:cNvSpPr/>
+          <p:nvPr/>
+        </p:nvSpPr>
+        <p:spPr>
+          <a:xfrm>
+            <a:off x="3682539" y="3083355"/>
+            <a:ext cx="1487978" cy="479644"/>
+          </a:xfrm>
+          <a:prstGeom prst="flowChartAlternateProcess">
+            <a:avLst/>
+          </a:prstGeom>
+        </p:spPr>
+        <p:style>
+          <a:lnRef idx="2">
+            <a:schemeClr val="accent1">
+              <a:shade val="50000"/>
+            </a:schemeClr>
+          </a:lnRef>
+          <a:fillRef idx="1">
+            <a:schemeClr val="accent1"/>
+          </a:fillRef>
+          <a:effectRef idx="0">
+            <a:schemeClr val="accent1"/>
+          </a:effectRef>
+          <a:fontRef idx="minor">
+            <a:schemeClr val="lt1"/>
+          </a:fontRef>
+        </p:style>
+        <p:txBody>
+          <a:bodyPr rtlCol="0" anchor="ctr"/>
+          <a:lstStyle/>
+          <a:p>
+            <a:pPr algn="ctr"/>
+            <a:r>
+              <a:rPr lang="en-US" altLang="zh-CN" b="1"/>
+              <a:t>find_module</a:t>
+            </a:r>
+            <a:endParaRPr lang="zh-CN" altLang="en-US" b="1"/>
+          </a:p>
+        </p:txBody>
+      </p:sp>
+      <p:sp>
+        <p:nvSpPr>
+          <p:cNvPr id="30" name="文本框 29"/>
+          <p:cNvSpPr txBox="1"/>
+          <p:nvPr/>
+        </p:nvSpPr>
+        <p:spPr>
+          <a:xfrm>
+            <a:off x="5506458" y="1515438"/>
+            <a:ext cx="1916807" cy="369332"/>
+          </a:xfrm>
+          <a:prstGeom prst="rect">
+            <a:avLst/>
+          </a:prstGeom>
+          <a:noFill/>
+        </p:spPr>
+        <p:txBody>
+          <a:bodyPr wrap="none" rtlCol="0">
+            <a:spAutoFit/>
+          </a:bodyPr>
+          <a:lstStyle/>
+          <a:p>
+            <a:r>
+              <a:rPr lang="en-US" altLang="zh-CN" smtClean="0"/>
+              <a:t>player</a:t>
+            </a:r>
+            <a:r>
+              <a:rPr lang="zh-CN" altLang="en-US" smtClean="0"/>
+              <a:t>目录中去找</a:t>
+            </a:r>
+            <a:endParaRPr lang="zh-CN" altLang="en-US"/>
+          </a:p>
+        </p:txBody>
+      </p:sp>
+      <p:sp>
+        <p:nvSpPr>
+          <p:cNvPr id="31" name="文本框 30"/>
+          <p:cNvSpPr txBox="1"/>
+          <p:nvPr/>
+        </p:nvSpPr>
+        <p:spPr>
+          <a:xfrm>
+            <a:off x="4810757" y="537652"/>
+            <a:ext cx="2247731" cy="369332"/>
+          </a:xfrm>
+          <a:prstGeom prst="rect">
+            <a:avLst/>
+          </a:prstGeom>
+          <a:noFill/>
+        </p:spPr>
+        <p:txBody>
+          <a:bodyPr wrap="none" rtlCol="0">
+            <a:spAutoFit/>
+          </a:bodyPr>
+          <a:lstStyle/>
+          <a:p>
+            <a:r>
+              <a:rPr lang="en-US" altLang="zh-CN" smtClean="0"/>
+              <a:t>objects</a:t>
+            </a:r>
+            <a:r>
+              <a:rPr lang="zh-CN" altLang="en-US" smtClean="0"/>
+              <a:t>当前在哪个包</a:t>
+            </a:r>
+            <a:endParaRPr lang="zh-CN" altLang="en-US"/>
+          </a:p>
+        </p:txBody>
+      </p:sp>
+    </p:spTree>
+    <p:extLst>
+      <p:ext uri="{BB962C8B-B14F-4D97-AF65-F5344CB8AC3E}">
+        <p14:creationId xmlns:p14="http://schemas.microsoft.com/office/powerpoint/2010/main" val="512041764"/>
+      </p:ext>
+    </p:extLst>
+  </p:cSld>
+  <p:clrMapOvr>
+    <a:masterClrMapping/>
+  </p:clrMapOvr>
+  <p:timing>
+    <p:tnLst>
+      <p:par>
+        <p:cTn id="1" dur="indefinite" restart="never" nodeType="tmRoot"/>
+      </p:par>
+    </p:tnLst>
+  </p:timing>
 </p:sld>
 </file>
 
@@ -3260,4 +6631,265 @@
     </a:ext>
   </a:extLst>
 </a:theme>
+</file>
+
+<file path=ppt/theme/theme2.xml><?xml version="1.0" encoding="utf-8"?>
+<a:theme xmlns:a="http://schemas.openxmlformats.org/drawingml/2006/main" name="Office 主题">
+  <a:themeElements>
+    <a:clrScheme name="Office">
+      <a:dk1>
+        <a:sysClr val="windowText" lastClr="000000"/>
+      </a:dk1>
+      <a:lt1>
+        <a:sysClr val="window" lastClr="FFFFFF"/>
+      </a:lt1>
+      <a:dk2>
+        <a:srgbClr val="44546A"/>
+      </a:dk2>
+      <a:lt2>
+        <a:srgbClr val="E7E6E6"/>
+      </a:lt2>
+      <a:accent1>
+        <a:srgbClr val="5B9BD5"/>
+      </a:accent1>
+      <a:accent2>
+        <a:srgbClr val="ED7D31"/>
+      </a:accent2>
+      <a:accent3>
+        <a:srgbClr val="A5A5A5"/>
+      </a:accent3>
+      <a:accent4>
+        <a:srgbClr val="FFC000"/>
+      </a:accent4>
+      <a:accent5>
+        <a:srgbClr val="4472C4"/>
+      </a:accent5>
+      <a:accent6>
+        <a:srgbClr val="70AD47"/>
+      </a:accent6>
+      <a:hlink>
+        <a:srgbClr val="0563C1"/>
+      </a:hlink>
+      <a:folHlink>
+        <a:srgbClr val="954F72"/>
+      </a:folHlink>
+    </a:clrScheme>
+    <a:fontScheme name="Office">
+      <a:majorFont>
+        <a:latin typeface="Calibri Light" panose="020F0302020204030204"/>
+        <a:ea typeface=""/>
+        <a:cs typeface=""/>
+        <a:font script="Jpan" typeface="ＭＳ Ｐゴシック"/>
+        <a:font script="Hang" typeface="맑은 고딕"/>
+        <a:font script="Hans" typeface="宋体"/>
+        <a:font script="Hant" typeface="新細明體"/>
+        <a:font script="Arab" typeface="Times New Roman"/>
+        <a:font script="Hebr" typeface="Times New Roman"/>
+        <a:font script="Thai" typeface="Angsana New"/>
+        <a:font script="Ethi" typeface="Nyala"/>
+        <a:font script="Beng" typeface="Vrinda"/>
+        <a:font script="Gujr" typeface="Shruti"/>
+        <a:font script="Khmr" typeface="MoolBoran"/>
+        <a:font script="Knda" typeface="Tunga"/>
+        <a:font script="Guru" typeface="Raavi"/>
+        <a:font script="Cans" typeface="Euphemia"/>
+        <a:font script="Cher" typeface="Plantagenet Cherokee"/>
+        <a:font script="Yiii" typeface="Microsoft Yi Baiti"/>
+        <a:font script="Tibt" typeface="Microsoft Himalaya"/>
+        <a:font script="Thaa" typeface="MV Boli"/>
+        <a:font script="Deva" typeface="Mangal"/>
+        <a:font script="Telu" typeface="Gautami"/>
+        <a:font script="Taml" typeface="Latha"/>
+        <a:font script="Syrc" typeface="Estrangelo Edessa"/>
+        <a:font script="Orya" typeface="Kalinga"/>
+        <a:font script="Mlym" typeface="Kartika"/>
+        <a:font script="Laoo" typeface="DokChampa"/>
+        <a:font script="Sinh" typeface="Iskoola Pota"/>
+        <a:font script="Mong" typeface="Mongolian Baiti"/>
+        <a:font script="Viet" typeface="Times New Roman"/>
+        <a:font script="Uigh" typeface="Microsoft Uighur"/>
+        <a:font script="Geor" typeface="Sylfaen"/>
+      </a:majorFont>
+      <a:minorFont>
+        <a:latin typeface="Calibri" panose="020F0502020204030204"/>
+        <a:ea typeface=""/>
+        <a:cs typeface=""/>
+        <a:font script="Jpan" typeface="ＭＳ Ｐゴシック"/>
+        <a:font script="Hang" typeface="맑은 고딕"/>
+        <a:font script="Hans" typeface="宋体"/>
+        <a:font script="Hant" typeface="新細明體"/>
+        <a:font script="Arab" typeface="Arial"/>
+        <a:font script="Hebr" typeface="Arial"/>
+        <a:font script="Thai" typeface="Cordia New"/>
+        <a:font script="Ethi" typeface="Nyala"/>
+        <a:font script="Beng" typeface="Vrinda"/>
+        <a:font script="Gujr" typeface="Shruti"/>
+        <a:font script="Khmr" typeface="DaunPenh"/>
+        <a:font script="Knda" typeface="Tunga"/>
+        <a:font script="Guru" typeface="Raavi"/>
+        <a:font script="Cans" typeface="Euphemia"/>
+        <a:font script="Cher" typeface="Plantagenet Cherokee"/>
+        <a:font script="Yiii" typeface="Microsoft Yi Baiti"/>
+        <a:font script="Tibt" typeface="Microsoft Himalaya"/>
+        <a:font script="Thaa" typeface="MV Boli"/>
+        <a:font script="Deva" typeface="Mangal"/>
+        <a:font script="Telu" typeface="Gautami"/>
+        <a:font script="Taml" typeface="Latha"/>
+        <a:font script="Syrc" typeface="Estrangelo Edessa"/>
+        <a:font script="Orya" typeface="Kalinga"/>
+        <a:font script="Mlym" typeface="Kartika"/>
+        <a:font script="Laoo" typeface="DokChampa"/>
+        <a:font script="Sinh" typeface="Iskoola Pota"/>
+        <a:font script="Mong" typeface="Mongolian Baiti"/>
+        <a:font script="Viet" typeface="Arial"/>
+        <a:font script="Uigh" typeface="Microsoft Uighur"/>
+        <a:font script="Geor" typeface="Sylfaen"/>
+      </a:minorFont>
+    </a:fontScheme>
+    <a:fmtScheme name="Office">
+      <a:fillStyleLst>
+        <a:solidFill>
+          <a:schemeClr val="phClr"/>
+        </a:solidFill>
+        <a:gradFill rotWithShape="1">
+          <a:gsLst>
+            <a:gs pos="0">
+              <a:schemeClr val="phClr">
+                <a:lumMod val="110000"/>
+                <a:satMod val="105000"/>
+                <a:tint val="67000"/>
+              </a:schemeClr>
+            </a:gs>
+            <a:gs pos="50000">
+              <a:schemeClr val="phClr">
+                <a:lumMod val="105000"/>
+                <a:satMod val="103000"/>
+                <a:tint val="73000"/>
+              </a:schemeClr>
+            </a:gs>
+            <a:gs pos="100000">
+              <a:schemeClr val="phClr">
+                <a:lumMod val="105000"/>
+                <a:satMod val="109000"/>
+                <a:tint val="81000"/>
+              </a:schemeClr>
+            </a:gs>
+          </a:gsLst>
+          <a:lin ang="5400000" scaled="0"/>
+        </a:gradFill>
+        <a:gradFill rotWithShape="1">
+          <a:gsLst>
+            <a:gs pos="0">
+              <a:schemeClr val="phClr">
+                <a:satMod val="103000"/>
+                <a:lumMod val="102000"/>
+                <a:tint val="94000"/>
+              </a:schemeClr>
+            </a:gs>
+            <a:gs pos="50000">
+              <a:schemeClr val="phClr">
+                <a:satMod val="110000"/>
+                <a:lumMod val="100000"/>
+                <a:shade val="100000"/>
+              </a:schemeClr>
+            </a:gs>
+            <a:gs pos="100000">
+              <a:schemeClr val="phClr">
+                <a:lumMod val="99000"/>
+                <a:satMod val="120000"/>
+                <a:shade val="78000"/>
+              </a:schemeClr>
+            </a:gs>
+          </a:gsLst>
+          <a:lin ang="5400000" scaled="0"/>
+        </a:gradFill>
+      </a:fillStyleLst>
+      <a:lnStyleLst>
+        <a:ln w="6350" cap="flat" cmpd="sng" algn="ctr">
+          <a:solidFill>
+            <a:schemeClr val="phClr"/>
+          </a:solidFill>
+          <a:prstDash val="solid"/>
+          <a:miter lim="800000"/>
+        </a:ln>
+        <a:ln w="12700" cap="flat" cmpd="sng" algn="ctr">
+          <a:solidFill>
+            <a:schemeClr val="phClr"/>
+          </a:solidFill>
+          <a:prstDash val="solid"/>
+          <a:miter lim="800000"/>
+        </a:ln>
+        <a:ln w="19050" cap="flat" cmpd="sng" algn="ctr">
+          <a:solidFill>
+            <a:schemeClr val="phClr"/>
+          </a:solidFill>
+          <a:prstDash val="solid"/>
+          <a:miter lim="800000"/>
+        </a:ln>
+      </a:lnStyleLst>
+      <a:effectStyleLst>
+        <a:effectStyle>
+          <a:effectLst/>
+        </a:effectStyle>
+        <a:effectStyle>
+          <a:effectLst/>
+        </a:effectStyle>
+        <a:effectStyle>
+          <a:effectLst>
+            <a:outerShdw blurRad="57150" dist="19050" dir="5400000" algn="ctr" rotWithShape="0">
+              <a:srgbClr val="000000">
+                <a:alpha val="63000"/>
+              </a:srgbClr>
+            </a:outerShdw>
+          </a:effectLst>
+        </a:effectStyle>
+      </a:effectStyleLst>
+      <a:bgFillStyleLst>
+        <a:solidFill>
+          <a:schemeClr val="phClr"/>
+        </a:solidFill>
+        <a:solidFill>
+          <a:schemeClr val="phClr">
+            <a:tint val="95000"/>
+            <a:satMod val="170000"/>
+          </a:schemeClr>
+        </a:solidFill>
+        <a:gradFill rotWithShape="1">
+          <a:gsLst>
+            <a:gs pos="0">
+              <a:schemeClr val="phClr">
+                <a:tint val="93000"/>
+                <a:satMod val="150000"/>
+                <a:shade val="98000"/>
+                <a:lumMod val="102000"/>
+              </a:schemeClr>
+            </a:gs>
+            <a:gs pos="50000">
+              <a:schemeClr val="phClr">
+                <a:tint val="98000"/>
+                <a:satMod val="130000"/>
+                <a:shade val="90000"/>
+                <a:lumMod val="103000"/>
+              </a:schemeClr>
+            </a:gs>
+            <a:gs pos="100000">
+              <a:schemeClr val="phClr">
+                <a:shade val="63000"/>
+                <a:satMod val="120000"/>
+              </a:schemeClr>
+            </a:gs>
+          </a:gsLst>
+          <a:lin ang="5400000" scaled="0"/>
+        </a:gradFill>
+      </a:bgFillStyleLst>
+    </a:fmtScheme>
+  </a:themeElements>
+  <a:objectDefaults/>
+  <a:extraClrSchemeLst/>
+  <a:extLst>
+    <a:ext uri="{05A4C25C-085E-4340-85A3-A5531E510DB2}">
+      <thm15:themeFamily xmlns:thm15="http://schemas.microsoft.com/office/thememl/2012/main" name="Office Theme" id="{62F939B6-93AF-4DB8-9C6B-D6C7DFDC589F}" vid="{4A3C46E8-61CC-4603-A589-7422A47A8E4A}"/>
+    </a:ext>
+  </a:extLst>
+</a:theme>
 </file>
--- a/python/source code/import/import.pptx
+++ b/python/source code/import/import.pptx
@@ -5,7 +5,7 @@
     <p:sldMasterId id="2147483648" r:id="rId1"/>
   </p:sldMasterIdLst>
   <p:notesMasterIdLst>
-    <p:notesMasterId r:id="rId7"/>
+    <p:notesMasterId r:id="rId11"/>
   </p:notesMasterIdLst>
   <p:sldIdLst>
     <p:sldId id="256" r:id="rId2"/>
@@ -13,6 +13,10 @@
     <p:sldId id="258" r:id="rId4"/>
     <p:sldId id="259" r:id="rId5"/>
     <p:sldId id="260" r:id="rId6"/>
+    <p:sldId id="261" r:id="rId7"/>
+    <p:sldId id="262" r:id="rId8"/>
+    <p:sldId id="263" r:id="rId9"/>
+    <p:sldId id="264" r:id="rId10"/>
   </p:sldIdLst>
   <p:sldSz cx="9144000" cy="6858000" type="screen4x3"/>
   <p:notesSz cx="6858000" cy="9144000"/>
@@ -201,7 +205,7 @@
           <a:p>
             <a:fld id="{137CE5D7-7ED0-47A4-97A4-21C1D4343DF0}" type="datetimeFigureOut">
               <a:rPr lang="zh-CN" altLang="en-US" smtClean="0"/>
-              <a:t>2016/11/13</a:t>
+              <a:t>2016/11/14</a:t>
             </a:fld>
             <a:endParaRPr lang="zh-CN" altLang="en-US"/>
           </a:p>
@@ -735,6 +739,358 @@
 </p:notes>
 </file>
 
+<file path=ppt/notesSlides/notesSlide4.xml><?xml version="1.0" encoding="utf-8"?>
+<p:notes xmlns:a="http://schemas.openxmlformats.org/drawingml/2006/main" xmlns:r="http://schemas.openxmlformats.org/officeDocument/2006/relationships" xmlns:p="http://schemas.openxmlformats.org/presentationml/2006/main">
+  <p:cSld>
+    <p:spTree>
+      <p:nvGrpSpPr>
+        <p:cNvPr id="1" name=""/>
+        <p:cNvGrpSpPr/>
+        <p:nvPr/>
+      </p:nvGrpSpPr>
+      <p:grpSpPr>
+        <a:xfrm>
+          <a:off x="0" y="0"/>
+          <a:ext cx="0" cy="0"/>
+          <a:chOff x="0" y="0"/>
+          <a:chExt cx="0" cy="0"/>
+        </a:xfrm>
+      </p:grpSpPr>
+      <p:sp>
+        <p:nvSpPr>
+          <p:cNvPr id="2" name="幻灯片图像占位符 1"/>
+          <p:cNvSpPr>
+            <a:spLocks noGrp="1" noRot="1" noChangeAspect="1"/>
+          </p:cNvSpPr>
+          <p:nvPr>
+            <p:ph type="sldImg"/>
+          </p:nvPr>
+        </p:nvSpPr>
+        <p:spPr/>
+      </p:sp>
+      <p:sp>
+        <p:nvSpPr>
+          <p:cNvPr id="3" name="备注占位符 2"/>
+          <p:cNvSpPr>
+            <a:spLocks noGrp="1"/>
+          </p:cNvSpPr>
+          <p:nvPr>
+            <p:ph type="body" idx="1"/>
+          </p:nvPr>
+        </p:nvSpPr>
+        <p:spPr/>
+        <p:txBody>
+          <a:bodyPr/>
+          <a:lstStyle/>
+          <a:p>
+            <a:r>
+              <a:rPr lang="zh-CN" altLang="en-US" smtClean="0"/>
+              <a:t>多发点</a:t>
+            </a:r>
+            <a:endParaRPr lang="zh-CN" altLang="en-US"/>
+          </a:p>
+        </p:txBody>
+      </p:sp>
+      <p:sp>
+        <p:nvSpPr>
+          <p:cNvPr id="4" name="灯片编号占位符 3"/>
+          <p:cNvSpPr>
+            <a:spLocks noGrp="1"/>
+          </p:cNvSpPr>
+          <p:nvPr>
+            <p:ph type="sldNum" sz="quarter" idx="10"/>
+          </p:nvPr>
+        </p:nvSpPr>
+        <p:spPr/>
+        <p:txBody>
+          <a:bodyPr/>
+          <a:lstStyle/>
+          <a:p>
+            <a:fld id="{F91F46E5-662D-490C-B319-1285EF71F969}" type="slidenum">
+              <a:rPr lang="zh-CN" altLang="en-US" smtClean="0"/>
+              <a:t>6</a:t>
+            </a:fld>
+            <a:endParaRPr lang="zh-CN" altLang="en-US"/>
+          </a:p>
+        </p:txBody>
+      </p:sp>
+    </p:spTree>
+    <p:extLst>
+      <p:ext uri="{BB962C8B-B14F-4D97-AF65-F5344CB8AC3E}">
+        <p14:creationId xmlns:p14="http://schemas.microsoft.com/office/powerpoint/2010/main" val="1971289296"/>
+      </p:ext>
+    </p:extLst>
+  </p:cSld>
+  <p:clrMapOvr>
+    <a:masterClrMapping/>
+  </p:clrMapOvr>
+</p:notes>
+</file>
+
+<file path=ppt/notesSlides/notesSlide5.xml><?xml version="1.0" encoding="utf-8"?>
+<p:notes xmlns:a="http://schemas.openxmlformats.org/drawingml/2006/main" xmlns:r="http://schemas.openxmlformats.org/officeDocument/2006/relationships" xmlns:p="http://schemas.openxmlformats.org/presentationml/2006/main">
+  <p:cSld>
+    <p:spTree>
+      <p:nvGrpSpPr>
+        <p:cNvPr id="1" name=""/>
+        <p:cNvGrpSpPr/>
+        <p:nvPr/>
+      </p:nvGrpSpPr>
+      <p:grpSpPr>
+        <a:xfrm>
+          <a:off x="0" y="0"/>
+          <a:ext cx="0" cy="0"/>
+          <a:chOff x="0" y="0"/>
+          <a:chExt cx="0" cy="0"/>
+        </a:xfrm>
+      </p:grpSpPr>
+      <p:sp>
+        <p:nvSpPr>
+          <p:cNvPr id="2" name="幻灯片图像占位符 1"/>
+          <p:cNvSpPr>
+            <a:spLocks noGrp="1" noRot="1" noChangeAspect="1"/>
+          </p:cNvSpPr>
+          <p:nvPr>
+            <p:ph type="sldImg"/>
+          </p:nvPr>
+        </p:nvSpPr>
+        <p:spPr/>
+      </p:sp>
+      <p:sp>
+        <p:nvSpPr>
+          <p:cNvPr id="3" name="备注占位符 2"/>
+          <p:cNvSpPr>
+            <a:spLocks noGrp="1"/>
+          </p:cNvSpPr>
+          <p:nvPr>
+            <p:ph type="body" idx="1"/>
+          </p:nvPr>
+        </p:nvSpPr>
+        <p:spPr/>
+        <p:txBody>
+          <a:bodyPr/>
+          <a:lstStyle/>
+          <a:p>
+            <a:r>
+              <a:rPr lang="zh-CN" altLang="en-US" smtClean="0"/>
+              <a:t>多发点</a:t>
+            </a:r>
+            <a:endParaRPr lang="zh-CN" altLang="en-US"/>
+          </a:p>
+        </p:txBody>
+      </p:sp>
+      <p:sp>
+        <p:nvSpPr>
+          <p:cNvPr id="4" name="灯片编号占位符 3"/>
+          <p:cNvSpPr>
+            <a:spLocks noGrp="1"/>
+          </p:cNvSpPr>
+          <p:nvPr>
+            <p:ph type="sldNum" sz="quarter" idx="10"/>
+          </p:nvPr>
+        </p:nvSpPr>
+        <p:spPr/>
+        <p:txBody>
+          <a:bodyPr/>
+          <a:lstStyle/>
+          <a:p>
+            <a:fld id="{F91F46E5-662D-490C-B319-1285EF71F969}" type="slidenum">
+              <a:rPr lang="zh-CN" altLang="en-US" smtClean="0"/>
+              <a:t>7</a:t>
+            </a:fld>
+            <a:endParaRPr lang="zh-CN" altLang="en-US"/>
+          </a:p>
+        </p:txBody>
+      </p:sp>
+    </p:spTree>
+    <p:extLst>
+      <p:ext uri="{BB962C8B-B14F-4D97-AF65-F5344CB8AC3E}">
+        <p14:creationId xmlns:p14="http://schemas.microsoft.com/office/powerpoint/2010/main" val="3211354665"/>
+      </p:ext>
+    </p:extLst>
+  </p:cSld>
+  <p:clrMapOvr>
+    <a:masterClrMapping/>
+  </p:clrMapOvr>
+</p:notes>
+</file>
+
+<file path=ppt/notesSlides/notesSlide6.xml><?xml version="1.0" encoding="utf-8"?>
+<p:notes xmlns:a="http://schemas.openxmlformats.org/drawingml/2006/main" xmlns:r="http://schemas.openxmlformats.org/officeDocument/2006/relationships" xmlns:p="http://schemas.openxmlformats.org/presentationml/2006/main">
+  <p:cSld>
+    <p:spTree>
+      <p:nvGrpSpPr>
+        <p:cNvPr id="1" name=""/>
+        <p:cNvGrpSpPr/>
+        <p:nvPr/>
+      </p:nvGrpSpPr>
+      <p:grpSpPr>
+        <a:xfrm>
+          <a:off x="0" y="0"/>
+          <a:ext cx="0" cy="0"/>
+          <a:chOff x="0" y="0"/>
+          <a:chExt cx="0" cy="0"/>
+        </a:xfrm>
+      </p:grpSpPr>
+      <p:sp>
+        <p:nvSpPr>
+          <p:cNvPr id="2" name="幻灯片图像占位符 1"/>
+          <p:cNvSpPr>
+            <a:spLocks noGrp="1" noRot="1" noChangeAspect="1"/>
+          </p:cNvSpPr>
+          <p:nvPr>
+            <p:ph type="sldImg"/>
+          </p:nvPr>
+        </p:nvSpPr>
+        <p:spPr/>
+      </p:sp>
+      <p:sp>
+        <p:nvSpPr>
+          <p:cNvPr id="3" name="备注占位符 2"/>
+          <p:cNvSpPr>
+            <a:spLocks noGrp="1"/>
+          </p:cNvSpPr>
+          <p:nvPr>
+            <p:ph type="body" idx="1"/>
+          </p:nvPr>
+        </p:nvSpPr>
+        <p:spPr/>
+        <p:txBody>
+          <a:bodyPr/>
+          <a:lstStyle/>
+          <a:p>
+            <a:r>
+              <a:rPr lang="zh-CN" altLang="en-US" smtClean="0"/>
+              <a:t>多发点</a:t>
+            </a:r>
+            <a:endParaRPr lang="zh-CN" altLang="en-US"/>
+          </a:p>
+        </p:txBody>
+      </p:sp>
+      <p:sp>
+        <p:nvSpPr>
+          <p:cNvPr id="4" name="灯片编号占位符 3"/>
+          <p:cNvSpPr>
+            <a:spLocks noGrp="1"/>
+          </p:cNvSpPr>
+          <p:nvPr>
+            <p:ph type="sldNum" sz="quarter" idx="10"/>
+          </p:nvPr>
+        </p:nvSpPr>
+        <p:spPr/>
+        <p:txBody>
+          <a:bodyPr/>
+          <a:lstStyle/>
+          <a:p>
+            <a:fld id="{F91F46E5-662D-490C-B319-1285EF71F969}" type="slidenum">
+              <a:rPr lang="zh-CN" altLang="en-US" smtClean="0"/>
+              <a:t>8</a:t>
+            </a:fld>
+            <a:endParaRPr lang="zh-CN" altLang="en-US"/>
+          </a:p>
+        </p:txBody>
+      </p:sp>
+    </p:spTree>
+    <p:extLst>
+      <p:ext uri="{BB962C8B-B14F-4D97-AF65-F5344CB8AC3E}">
+        <p14:creationId xmlns:p14="http://schemas.microsoft.com/office/powerpoint/2010/main" val="1827935578"/>
+      </p:ext>
+    </p:extLst>
+  </p:cSld>
+  <p:clrMapOvr>
+    <a:masterClrMapping/>
+  </p:clrMapOvr>
+</p:notes>
+</file>
+
+<file path=ppt/notesSlides/notesSlide7.xml><?xml version="1.0" encoding="utf-8"?>
+<p:notes xmlns:a="http://schemas.openxmlformats.org/drawingml/2006/main" xmlns:r="http://schemas.openxmlformats.org/officeDocument/2006/relationships" xmlns:p="http://schemas.openxmlformats.org/presentationml/2006/main">
+  <p:cSld>
+    <p:spTree>
+      <p:nvGrpSpPr>
+        <p:cNvPr id="1" name=""/>
+        <p:cNvGrpSpPr/>
+        <p:nvPr/>
+      </p:nvGrpSpPr>
+      <p:grpSpPr>
+        <a:xfrm>
+          <a:off x="0" y="0"/>
+          <a:ext cx="0" cy="0"/>
+          <a:chOff x="0" y="0"/>
+          <a:chExt cx="0" cy="0"/>
+        </a:xfrm>
+      </p:grpSpPr>
+      <p:sp>
+        <p:nvSpPr>
+          <p:cNvPr id="2" name="幻灯片图像占位符 1"/>
+          <p:cNvSpPr>
+            <a:spLocks noGrp="1" noRot="1" noChangeAspect="1"/>
+          </p:cNvSpPr>
+          <p:nvPr>
+            <p:ph type="sldImg"/>
+          </p:nvPr>
+        </p:nvSpPr>
+        <p:spPr/>
+      </p:sp>
+      <p:sp>
+        <p:nvSpPr>
+          <p:cNvPr id="3" name="备注占位符 2"/>
+          <p:cNvSpPr>
+            <a:spLocks noGrp="1"/>
+          </p:cNvSpPr>
+          <p:nvPr>
+            <p:ph type="body" idx="1"/>
+          </p:nvPr>
+        </p:nvSpPr>
+        <p:spPr/>
+        <p:txBody>
+          <a:bodyPr/>
+          <a:lstStyle/>
+          <a:p>
+            <a:r>
+              <a:rPr lang="zh-CN" altLang="en-US" smtClean="0"/>
+              <a:t>多发点</a:t>
+            </a:r>
+            <a:endParaRPr lang="zh-CN" altLang="en-US"/>
+          </a:p>
+        </p:txBody>
+      </p:sp>
+      <p:sp>
+        <p:nvSpPr>
+          <p:cNvPr id="4" name="灯片编号占位符 3"/>
+          <p:cNvSpPr>
+            <a:spLocks noGrp="1"/>
+          </p:cNvSpPr>
+          <p:nvPr>
+            <p:ph type="sldNum" sz="quarter" idx="10"/>
+          </p:nvPr>
+        </p:nvSpPr>
+        <p:spPr/>
+        <p:txBody>
+          <a:bodyPr/>
+          <a:lstStyle/>
+          <a:p>
+            <a:fld id="{F91F46E5-662D-490C-B319-1285EF71F969}" type="slidenum">
+              <a:rPr lang="zh-CN" altLang="en-US" smtClean="0"/>
+              <a:t>9</a:t>
+            </a:fld>
+            <a:endParaRPr lang="zh-CN" altLang="en-US"/>
+          </a:p>
+        </p:txBody>
+      </p:sp>
+    </p:spTree>
+    <p:extLst>
+      <p:ext uri="{BB962C8B-B14F-4D97-AF65-F5344CB8AC3E}">
+        <p14:creationId xmlns:p14="http://schemas.microsoft.com/office/powerpoint/2010/main" val="953382004"/>
+      </p:ext>
+    </p:extLst>
+  </p:cSld>
+  <p:clrMapOvr>
+    <a:masterClrMapping/>
+  </p:clrMapOvr>
+</p:notes>
+</file>
+
 <file path=ppt/slideLayouts/slideLayout1.xml><?xml version="1.0" encoding="utf-8"?>
 <p:sldLayout xmlns:a="http://schemas.openxmlformats.org/drawingml/2006/main" xmlns:r="http://schemas.openxmlformats.org/officeDocument/2006/relationships" xmlns:p="http://schemas.openxmlformats.org/presentationml/2006/main" type="title" preserve="1">
   <p:cSld name="标题幻灯片">
@@ -866,7 +1222,7 @@
           <a:p>
             <a:fld id="{E26C717F-3C9D-465A-8BFA-E9A9E7C863CF}" type="datetimeFigureOut">
               <a:rPr lang="zh-CN" altLang="en-US" smtClean="0"/>
-              <a:t>2016/11/13</a:t>
+              <a:t>2016/11/14</a:t>
             </a:fld>
             <a:endParaRPr lang="zh-CN" altLang="en-US"/>
           </a:p>
@@ -1036,7 +1392,7 @@
           <a:p>
             <a:fld id="{E26C717F-3C9D-465A-8BFA-E9A9E7C863CF}" type="datetimeFigureOut">
               <a:rPr lang="zh-CN" altLang="en-US" smtClean="0"/>
-              <a:t>2016/11/13</a:t>
+              <a:t>2016/11/14</a:t>
             </a:fld>
             <a:endParaRPr lang="zh-CN" altLang="en-US"/>
           </a:p>
@@ -1216,7 +1572,7 @@
           <a:p>
             <a:fld id="{E26C717F-3C9D-465A-8BFA-E9A9E7C863CF}" type="datetimeFigureOut">
               <a:rPr lang="zh-CN" altLang="en-US" smtClean="0"/>
-              <a:t>2016/11/13</a:t>
+              <a:t>2016/11/14</a:t>
             </a:fld>
             <a:endParaRPr lang="zh-CN" altLang="en-US"/>
           </a:p>
@@ -1386,7 +1742,7 @@
           <a:p>
             <a:fld id="{E26C717F-3C9D-465A-8BFA-E9A9E7C863CF}" type="datetimeFigureOut">
               <a:rPr lang="zh-CN" altLang="en-US" smtClean="0"/>
-              <a:t>2016/11/13</a:t>
+              <a:t>2016/11/14</a:t>
             </a:fld>
             <a:endParaRPr lang="zh-CN" altLang="en-US"/>
           </a:p>
@@ -1632,7 +1988,7 @@
           <a:p>
             <a:fld id="{E26C717F-3C9D-465A-8BFA-E9A9E7C863CF}" type="datetimeFigureOut">
               <a:rPr lang="zh-CN" altLang="en-US" smtClean="0"/>
-              <a:t>2016/11/13</a:t>
+              <a:t>2016/11/14</a:t>
             </a:fld>
             <a:endParaRPr lang="zh-CN" altLang="en-US"/>
           </a:p>
@@ -1864,7 +2220,7 @@
           <a:p>
             <a:fld id="{E26C717F-3C9D-465A-8BFA-E9A9E7C863CF}" type="datetimeFigureOut">
               <a:rPr lang="zh-CN" altLang="en-US" smtClean="0"/>
-              <a:t>2016/11/13</a:t>
+              <a:t>2016/11/14</a:t>
             </a:fld>
             <a:endParaRPr lang="zh-CN" altLang="en-US"/>
           </a:p>
@@ -2231,7 +2587,7 @@
           <a:p>
             <a:fld id="{E26C717F-3C9D-465A-8BFA-E9A9E7C863CF}" type="datetimeFigureOut">
               <a:rPr lang="zh-CN" altLang="en-US" smtClean="0"/>
-              <a:t>2016/11/13</a:t>
+              <a:t>2016/11/14</a:t>
             </a:fld>
             <a:endParaRPr lang="zh-CN" altLang="en-US"/>
           </a:p>
@@ -2349,7 +2705,7 @@
           <a:p>
             <a:fld id="{E26C717F-3C9D-465A-8BFA-E9A9E7C863CF}" type="datetimeFigureOut">
               <a:rPr lang="zh-CN" altLang="en-US" smtClean="0"/>
-              <a:t>2016/11/13</a:t>
+              <a:t>2016/11/14</a:t>
             </a:fld>
             <a:endParaRPr lang="zh-CN" altLang="en-US"/>
           </a:p>
@@ -2444,7 +2800,7 @@
           <a:p>
             <a:fld id="{E26C717F-3C9D-465A-8BFA-E9A9E7C863CF}" type="datetimeFigureOut">
               <a:rPr lang="zh-CN" altLang="en-US" smtClean="0"/>
-              <a:t>2016/11/13</a:t>
+              <a:t>2016/11/14</a:t>
             </a:fld>
             <a:endParaRPr lang="zh-CN" altLang="en-US"/>
           </a:p>
@@ -2721,7 +3077,7 @@
           <a:p>
             <a:fld id="{E26C717F-3C9D-465A-8BFA-E9A9E7C863CF}" type="datetimeFigureOut">
               <a:rPr lang="zh-CN" altLang="en-US" smtClean="0"/>
-              <a:t>2016/11/13</a:t>
+              <a:t>2016/11/14</a:t>
             </a:fld>
             <a:endParaRPr lang="zh-CN" altLang="en-US"/>
           </a:p>
@@ -2974,7 +3330,7 @@
           <a:p>
             <a:fld id="{E26C717F-3C9D-465A-8BFA-E9A9E7C863CF}" type="datetimeFigureOut">
               <a:rPr lang="zh-CN" altLang="en-US" smtClean="0"/>
-              <a:t>2016/11/13</a:t>
+              <a:t>2016/11/14</a:t>
             </a:fld>
             <a:endParaRPr lang="zh-CN" altLang="en-US"/>
           </a:p>
@@ -3187,7 +3543,7 @@
           <a:p>
             <a:fld id="{E26C717F-3C9D-465A-8BFA-E9A9E7C863CF}" type="datetimeFigureOut">
               <a:rPr lang="zh-CN" altLang="en-US" smtClean="0"/>
-              <a:t>2016/11/13</a:t>
+              <a:t>2016/11/14</a:t>
             </a:fld>
             <a:endParaRPr lang="zh-CN" altLang="en-US"/>
           </a:p>
@@ -3620,7 +3976,6 @@
               <a:rPr lang="zh-CN" altLang="en-US" b="1"/>
               <a:t>模块加载机制的剖析和实践</a:t>
             </a:r>
-            <a:endParaRPr lang="zh-CN" altLang="en-US" b="1"/>
           </a:p>
         </p:txBody>
       </p:sp>
@@ -5243,20 +5598,7 @@
                 <a:effectLst/>
                 <a:latin typeface="Consolas" panose="020B0609020204030204" pitchFamily="49" charset="0"/>
               </a:rPr>
-              <a:t>()</a:t>
-            </a:r>
-            <a:r>
-              <a:rPr kumimoji="0" lang="zh-CN" altLang="zh-CN" sz="2000" b="0" i="0" u="none" strike="noStrike" cap="none" normalizeH="0" baseline="0" smtClean="0">
-                <a:ln>
-                  <a:noFill/>
-                </a:ln>
-                <a:solidFill>
-                  <a:srgbClr val="000000"/>
-                </a:solidFill>
-                <a:effectLst/>
-                <a:latin typeface="Consolas" panose="020B0609020204030204" pitchFamily="49" charset="0"/>
-              </a:rPr>
-              <a:t>:</a:t>
+              <a:t>():</a:t>
             </a:r>
             <a:endParaRPr kumimoji="0" lang="zh-CN" altLang="zh-CN" sz="2000" b="0" i="0" u="none" strike="noStrike" cap="none" normalizeH="0" baseline="0" smtClean="0">
               <a:ln>
@@ -5281,20 +5623,7 @@
                 <a:effectLst/>
                 <a:latin typeface="Consolas" panose="020B0609020204030204" pitchFamily="49" charset="0"/>
               </a:rPr>
-              <a:t>  </a:t>
-            </a:r>
-            <a:r>
-              <a:rPr kumimoji="0" lang="zh-CN" altLang="zh-CN" sz="2000" b="0" i="0" u="none" strike="noStrike" cap="none" normalizeH="0" baseline="0" smtClean="0">
-                <a:ln>
-                  <a:noFill/>
-                </a:ln>
-                <a:solidFill>
-                  <a:srgbClr val="DD1144"/>
-                </a:solidFill>
-                <a:effectLst/>
-                <a:latin typeface="Consolas" panose="020B0609020204030204" pitchFamily="49" charset="0"/>
-              </a:rPr>
-              <a:t> </a:t>
+              <a:t>   </a:t>
             </a:r>
             <a:r>
               <a:rPr lang="en-US" altLang="zh-CN" sz="2000">
@@ -5607,20 +5936,7 @@
                 <a:effectLst/>
                 <a:latin typeface="Consolas" panose="020B0609020204030204" pitchFamily="49" charset="0"/>
               </a:rPr>
-              <a:t>        </a:t>
-            </a:r>
-            <a:r>
-              <a:rPr kumimoji="0" lang="zh-CN" altLang="zh-CN" sz="2000" b="0" i="0" u="none" strike="noStrike" cap="none" normalizeH="0" baseline="0" smtClean="0">
-                <a:ln>
-                  <a:noFill/>
-                </a:ln>
-                <a:solidFill>
-                  <a:srgbClr val="DD1144"/>
-                </a:solidFill>
-                <a:effectLst/>
-                <a:latin typeface="Consolas" panose="020B0609020204030204" pitchFamily="49" charset="0"/>
-              </a:rPr>
-              <a:t> </a:t>
+              <a:t>         </a:t>
             </a:r>
             <a:r>
               <a:rPr lang="en-US" altLang="zh-CN" sz="2000" b="1" smtClean="0">
@@ -6356,6 +6672,2066 @@
     <p:extLst>
       <p:ext uri="{BB962C8B-B14F-4D97-AF65-F5344CB8AC3E}">
         <p14:creationId xmlns:p14="http://schemas.microsoft.com/office/powerpoint/2010/main" val="512041764"/>
+      </p:ext>
+    </p:extLst>
+  </p:cSld>
+  <p:clrMapOvr>
+    <a:masterClrMapping/>
+  </p:clrMapOvr>
+  <p:timing>
+    <p:tnLst>
+      <p:par>
+        <p:cTn id="1" dur="indefinite" restart="never" nodeType="tmRoot"/>
+      </p:par>
+    </p:tnLst>
+  </p:timing>
+</p:sld>
+</file>
+
+<file path=ppt/slides/slide6.xml><?xml version="1.0" encoding="utf-8"?>
+<p:sld xmlns:a="http://schemas.openxmlformats.org/drawingml/2006/main" xmlns:r="http://schemas.openxmlformats.org/officeDocument/2006/relationships" xmlns:p="http://schemas.openxmlformats.org/presentationml/2006/main">
+  <p:cSld>
+    <p:spTree>
+      <p:nvGrpSpPr>
+        <p:cNvPr id="1" name=""/>
+        <p:cNvGrpSpPr/>
+        <p:nvPr/>
+      </p:nvGrpSpPr>
+      <p:grpSpPr>
+        <a:xfrm>
+          <a:off x="0" y="0"/>
+          <a:ext cx="0" cy="0"/>
+          <a:chOff x="0" y="0"/>
+          <a:chExt cx="0" cy="0"/>
+        </a:xfrm>
+      </p:grpSpPr>
+      <p:sp>
+        <p:nvSpPr>
+          <p:cNvPr id="29" name="流程图: 可选过程 28"/>
+          <p:cNvSpPr/>
+          <p:nvPr/>
+        </p:nvSpPr>
+        <p:spPr>
+          <a:xfrm>
+            <a:off x="860470" y="179133"/>
+            <a:ext cx="1487978" cy="479644"/>
+          </a:xfrm>
+          <a:prstGeom prst="flowChartAlternateProcess">
+            <a:avLst/>
+          </a:prstGeom>
+        </p:spPr>
+        <p:style>
+          <a:lnRef idx="2">
+            <a:schemeClr val="accent1">
+              <a:shade val="50000"/>
+            </a:schemeClr>
+          </a:lnRef>
+          <a:fillRef idx="1">
+            <a:schemeClr val="accent1"/>
+          </a:fillRef>
+          <a:effectRef idx="0">
+            <a:schemeClr val="accent1"/>
+          </a:effectRef>
+          <a:fontRef idx="minor">
+            <a:schemeClr val="lt1"/>
+          </a:fontRef>
+        </p:style>
+        <p:txBody>
+          <a:bodyPr rtlCol="0" anchor="ctr"/>
+          <a:lstStyle/>
+          <a:p>
+            <a:pPr algn="ctr"/>
+            <a:r>
+              <a:rPr lang="en-US" altLang="zh-CN" b="1"/>
+              <a:t>find_module</a:t>
+            </a:r>
+            <a:endParaRPr lang="zh-CN" altLang="en-US" b="1"/>
+          </a:p>
+        </p:txBody>
+      </p:sp>
+      <p:sp>
+        <p:nvSpPr>
+          <p:cNvPr id="25" name="流程图: 可选过程 24"/>
+          <p:cNvSpPr/>
+          <p:nvPr/>
+        </p:nvSpPr>
+        <p:spPr>
+          <a:xfrm>
+            <a:off x="765129" y="2139658"/>
+            <a:ext cx="1678659" cy="479644"/>
+          </a:xfrm>
+          <a:prstGeom prst="flowChartAlternateProcess">
+            <a:avLst/>
+          </a:prstGeom>
+        </p:spPr>
+        <p:style>
+          <a:lnRef idx="2">
+            <a:schemeClr val="accent1">
+              <a:shade val="50000"/>
+            </a:schemeClr>
+          </a:lnRef>
+          <a:fillRef idx="1">
+            <a:schemeClr val="accent1"/>
+          </a:fillRef>
+          <a:effectRef idx="0">
+            <a:schemeClr val="accent1"/>
+          </a:effectRef>
+          <a:fontRef idx="minor">
+            <a:schemeClr val="lt1"/>
+          </a:fontRef>
+        </p:style>
+        <p:txBody>
+          <a:bodyPr rtlCol="0" anchor="ctr"/>
+          <a:lstStyle/>
+          <a:p>
+            <a:pPr algn="ctr"/>
+            <a:r>
+              <a:rPr lang="en-US" altLang="zh-CN" b="1"/>
+              <a:t>sys. meta_path</a:t>
+            </a:r>
+            <a:endParaRPr lang="zh-CN" altLang="en-US" b="1"/>
+          </a:p>
+        </p:txBody>
+      </p:sp>
+      <p:sp>
+        <p:nvSpPr>
+          <p:cNvPr id="6" name="矩形 5"/>
+          <p:cNvSpPr/>
+          <p:nvPr/>
+        </p:nvSpPr>
+        <p:spPr>
+          <a:xfrm>
+            <a:off x="3732414" y="1507527"/>
+            <a:ext cx="4572000" cy="3693319"/>
+          </a:xfrm>
+          <a:prstGeom prst="rect">
+            <a:avLst/>
+          </a:prstGeom>
+        </p:spPr>
+        <p:txBody>
+          <a:bodyPr>
+            <a:spAutoFit/>
+          </a:bodyPr>
+          <a:lstStyle/>
+          <a:p>
+            <a:r>
+              <a:rPr lang="zh-CN" altLang="en-US"/>
+              <a:t>class CFinder:</a:t>
+            </a:r>
+          </a:p>
+          <a:p>
+            <a:r>
+              <a:rPr lang="zh-CN" altLang="en-US"/>
+              <a:t>	def find_module(self,fullname,path=None):</a:t>
+            </a:r>
+          </a:p>
+          <a:p>
+            <a:r>
+              <a:rPr lang="zh-CN" altLang="en-US"/>
+              <a:t>		if fullname=="xxx":</a:t>
+            </a:r>
+          </a:p>
+          <a:p>
+            <a:r>
+              <a:rPr lang="zh-CN" altLang="en-US"/>
+              <a:t>			return self</a:t>
+            </a:r>
+          </a:p>
+          <a:p>
+            <a:r>
+              <a:rPr lang="zh-CN" altLang="en-US"/>
+              <a:t>	def load_module(self,fullname):</a:t>
+            </a:r>
+          </a:p>
+          <a:p>
+            <a:r>
+              <a:rPr lang="zh-CN" altLang="en-US"/>
+              <a:t>		import sys</a:t>
+            </a:r>
+          </a:p>
+          <a:p>
+            <a:r>
+              <a:rPr lang="zh-CN" altLang="en-US"/>
+              <a:t>		return sys</a:t>
+            </a:r>
+          </a:p>
+          <a:p>
+            <a:r>
+              <a:rPr lang="zh-CN" altLang="en-US"/>
+              <a:t>	</a:t>
+            </a:r>
+          </a:p>
+          <a:p>
+            <a:r>
+              <a:rPr lang="zh-CN" altLang="en-US"/>
+              <a:t>sys.meta_path.append(CFinder())</a:t>
+            </a:r>
+          </a:p>
+          <a:p>
+            <a:r>
+              <a:rPr lang="zh-CN" altLang="en-US"/>
+              <a:t>import xxx</a:t>
+            </a:r>
+          </a:p>
+          <a:p>
+            <a:r>
+              <a:rPr lang="zh-CN" altLang="en-US"/>
+              <a:t>xxx</a:t>
+            </a:r>
+          </a:p>
+          <a:p>
+            <a:r>
+              <a:rPr lang="zh-CN" altLang="en-US"/>
+              <a:t>&lt;module 'sys' (built-in)&gt;</a:t>
+            </a:r>
+          </a:p>
+        </p:txBody>
+      </p:sp>
+    </p:spTree>
+    <p:extLst>
+      <p:ext uri="{BB962C8B-B14F-4D97-AF65-F5344CB8AC3E}">
+        <p14:creationId xmlns:p14="http://schemas.microsoft.com/office/powerpoint/2010/main" val="853786558"/>
+      </p:ext>
+    </p:extLst>
+  </p:cSld>
+  <p:clrMapOvr>
+    <a:masterClrMapping/>
+  </p:clrMapOvr>
+  <p:timing>
+    <p:tnLst>
+      <p:par>
+        <p:cTn id="1" dur="indefinite" restart="never" nodeType="tmRoot"/>
+      </p:par>
+    </p:tnLst>
+  </p:timing>
+</p:sld>
+</file>
+
+<file path=ppt/slides/slide7.xml><?xml version="1.0" encoding="utf-8"?>
+<p:sld xmlns:a="http://schemas.openxmlformats.org/drawingml/2006/main" xmlns:r="http://schemas.openxmlformats.org/officeDocument/2006/relationships" xmlns:p="http://schemas.openxmlformats.org/presentationml/2006/main">
+  <p:cSld>
+    <p:spTree>
+      <p:nvGrpSpPr>
+        <p:cNvPr id="1" name=""/>
+        <p:cNvGrpSpPr/>
+        <p:nvPr/>
+      </p:nvGrpSpPr>
+      <p:grpSpPr>
+        <a:xfrm>
+          <a:off x="0" y="0"/>
+          <a:ext cx="0" cy="0"/>
+          <a:chOff x="0" y="0"/>
+          <a:chExt cx="0" cy="0"/>
+        </a:xfrm>
+      </p:grpSpPr>
+      <p:sp>
+        <p:nvSpPr>
+          <p:cNvPr id="29" name="流程图: 可选过程 28"/>
+          <p:cNvSpPr/>
+          <p:nvPr/>
+        </p:nvSpPr>
+        <p:spPr>
+          <a:xfrm>
+            <a:off x="860470" y="179133"/>
+            <a:ext cx="1487978" cy="479644"/>
+          </a:xfrm>
+          <a:prstGeom prst="flowChartAlternateProcess">
+            <a:avLst/>
+          </a:prstGeom>
+        </p:spPr>
+        <p:style>
+          <a:lnRef idx="2">
+            <a:schemeClr val="accent1">
+              <a:shade val="50000"/>
+            </a:schemeClr>
+          </a:lnRef>
+          <a:fillRef idx="1">
+            <a:schemeClr val="accent1"/>
+          </a:fillRef>
+          <a:effectRef idx="0">
+            <a:schemeClr val="accent1"/>
+          </a:effectRef>
+          <a:fontRef idx="minor">
+            <a:schemeClr val="lt1"/>
+          </a:fontRef>
+        </p:style>
+        <p:txBody>
+          <a:bodyPr rtlCol="0" anchor="ctr"/>
+          <a:lstStyle/>
+          <a:p>
+            <a:pPr algn="ctr"/>
+            <a:r>
+              <a:rPr lang="en-US" altLang="zh-CN" b="1"/>
+              <a:t>find_module</a:t>
+            </a:r>
+            <a:endParaRPr lang="zh-CN" altLang="en-US" b="1"/>
+          </a:p>
+        </p:txBody>
+      </p:sp>
+      <p:sp>
+        <p:nvSpPr>
+          <p:cNvPr id="2" name="流程图: 决策 1"/>
+          <p:cNvSpPr/>
+          <p:nvPr/>
+        </p:nvSpPr>
+        <p:spPr>
+          <a:xfrm>
+            <a:off x="794789" y="683174"/>
+            <a:ext cx="1236753" cy="612648"/>
+          </a:xfrm>
+          <a:prstGeom prst="flowChartDecision">
+            <a:avLst/>
+          </a:prstGeom>
+        </p:spPr>
+        <p:style>
+          <a:lnRef idx="2">
+            <a:schemeClr val="accent1">
+              <a:shade val="50000"/>
+            </a:schemeClr>
+          </a:lnRef>
+          <a:fillRef idx="1">
+            <a:schemeClr val="accent1"/>
+          </a:fillRef>
+          <a:effectRef idx="0">
+            <a:schemeClr val="accent1"/>
+          </a:effectRef>
+          <a:fontRef idx="minor">
+            <a:schemeClr val="lt1"/>
+          </a:fontRef>
+        </p:style>
+        <p:txBody>
+          <a:bodyPr rtlCol="0" anchor="ctr"/>
+          <a:lstStyle/>
+          <a:p>
+            <a:pPr algn="ctr"/>
+            <a:r>
+              <a:rPr lang="en-US" altLang="zh-CN" smtClean="0"/>
+              <a:t>path</a:t>
+            </a:r>
+            <a:endParaRPr lang="zh-CN" altLang="en-US"/>
+          </a:p>
+        </p:txBody>
+      </p:sp>
+      <p:sp>
+        <p:nvSpPr>
+          <p:cNvPr id="17" name="流程图: 决策 16"/>
+          <p:cNvSpPr/>
+          <p:nvPr/>
+        </p:nvSpPr>
+        <p:spPr>
+          <a:xfrm>
+            <a:off x="4376242" y="1673922"/>
+            <a:ext cx="1601530" cy="612648"/>
+          </a:xfrm>
+          <a:prstGeom prst="flowChartDecision">
+            <a:avLst/>
+          </a:prstGeom>
+        </p:spPr>
+        <p:style>
+          <a:lnRef idx="2">
+            <a:schemeClr val="accent1">
+              <a:shade val="50000"/>
+            </a:schemeClr>
+          </a:lnRef>
+          <a:fillRef idx="1">
+            <a:schemeClr val="accent1"/>
+          </a:fillRef>
+          <a:effectRef idx="0">
+            <a:schemeClr val="accent1"/>
+          </a:effectRef>
+          <a:fontRef idx="minor">
+            <a:schemeClr val="lt1"/>
+          </a:fontRef>
+        </p:style>
+        <p:txBody>
+          <a:bodyPr rtlCol="0" anchor="ctr"/>
+          <a:lstStyle/>
+          <a:p>
+            <a:pPr algn="ctr"/>
+            <a:r>
+              <a:rPr lang="en-US" altLang="zh-CN"/>
+              <a:t>builtin</a:t>
+            </a:r>
+            <a:endParaRPr lang="zh-CN" altLang="en-US"/>
+          </a:p>
+        </p:txBody>
+      </p:sp>
+      <p:sp>
+        <p:nvSpPr>
+          <p:cNvPr id="4" name="流程图: 终止 3"/>
+          <p:cNvSpPr/>
+          <p:nvPr/>
+        </p:nvSpPr>
+        <p:spPr>
+          <a:xfrm>
+            <a:off x="6611855" y="2488703"/>
+            <a:ext cx="914400" cy="301752"/>
+          </a:xfrm>
+          <a:prstGeom prst="flowChartTerminator">
+            <a:avLst/>
+          </a:prstGeom>
+        </p:spPr>
+        <p:style>
+          <a:lnRef idx="2">
+            <a:schemeClr val="accent1">
+              <a:shade val="50000"/>
+            </a:schemeClr>
+          </a:lnRef>
+          <a:fillRef idx="1">
+            <a:schemeClr val="accent1"/>
+          </a:fillRef>
+          <a:effectRef idx="0">
+            <a:schemeClr val="accent1"/>
+          </a:effectRef>
+          <a:fontRef idx="minor">
+            <a:schemeClr val="lt1"/>
+          </a:fontRef>
+        </p:style>
+        <p:txBody>
+          <a:bodyPr rtlCol="0" anchor="ctr"/>
+          <a:lstStyle/>
+          <a:p>
+            <a:pPr algn="ctr"/>
+            <a:r>
+              <a:rPr lang="en-US" altLang="zh-CN" smtClean="0"/>
+              <a:t>return</a:t>
+            </a:r>
+            <a:endParaRPr lang="zh-CN" altLang="en-US"/>
+          </a:p>
+        </p:txBody>
+      </p:sp>
+      <p:sp>
+        <p:nvSpPr>
+          <p:cNvPr id="18" name="流程图: 决策 17"/>
+          <p:cNvSpPr/>
+          <p:nvPr/>
+        </p:nvSpPr>
+        <p:spPr>
+          <a:xfrm>
+            <a:off x="4376242" y="3209524"/>
+            <a:ext cx="1601530" cy="612648"/>
+          </a:xfrm>
+          <a:prstGeom prst="flowChartDecision">
+            <a:avLst/>
+          </a:prstGeom>
+        </p:spPr>
+        <p:style>
+          <a:lnRef idx="2">
+            <a:schemeClr val="accent1">
+              <a:shade val="50000"/>
+            </a:schemeClr>
+          </a:lnRef>
+          <a:fillRef idx="1">
+            <a:schemeClr val="accent1"/>
+          </a:fillRef>
+          <a:effectRef idx="0">
+            <a:schemeClr val="accent1"/>
+          </a:effectRef>
+          <a:fontRef idx="minor">
+            <a:schemeClr val="lt1"/>
+          </a:fontRef>
+        </p:style>
+        <p:txBody>
+          <a:bodyPr rtlCol="0" anchor="ctr"/>
+          <a:lstStyle/>
+          <a:p>
+            <a:pPr algn="ctr"/>
+            <a:r>
+              <a:rPr lang="en-US" altLang="zh-CN"/>
+              <a:t>frozen</a:t>
+            </a:r>
+            <a:endParaRPr lang="zh-CN" altLang="en-US"/>
+          </a:p>
+        </p:txBody>
+      </p:sp>
+      <p:sp>
+        <p:nvSpPr>
+          <p:cNvPr id="20" name="流程图: 终止 19"/>
+          <p:cNvSpPr/>
+          <p:nvPr/>
+        </p:nvSpPr>
+        <p:spPr>
+          <a:xfrm>
+            <a:off x="6611855" y="4143306"/>
+            <a:ext cx="914400" cy="301752"/>
+          </a:xfrm>
+          <a:prstGeom prst="flowChartTerminator">
+            <a:avLst/>
+          </a:prstGeom>
+        </p:spPr>
+        <p:style>
+          <a:lnRef idx="2">
+            <a:schemeClr val="accent1">
+              <a:shade val="50000"/>
+            </a:schemeClr>
+          </a:lnRef>
+          <a:fillRef idx="1">
+            <a:schemeClr val="accent1"/>
+          </a:fillRef>
+          <a:effectRef idx="0">
+            <a:schemeClr val="accent1"/>
+          </a:effectRef>
+          <a:fontRef idx="minor">
+            <a:schemeClr val="lt1"/>
+          </a:fontRef>
+        </p:style>
+        <p:txBody>
+          <a:bodyPr rtlCol="0" anchor="ctr"/>
+          <a:lstStyle/>
+          <a:p>
+            <a:pPr algn="ctr"/>
+            <a:r>
+              <a:rPr lang="en-US" altLang="zh-CN" smtClean="0"/>
+              <a:t>return</a:t>
+            </a:r>
+            <a:endParaRPr lang="zh-CN" altLang="en-US"/>
+          </a:p>
+        </p:txBody>
+      </p:sp>
+      <p:sp>
+        <p:nvSpPr>
+          <p:cNvPr id="23" name="流程图: 可选过程 22"/>
+          <p:cNvSpPr/>
+          <p:nvPr/>
+        </p:nvSpPr>
+        <p:spPr>
+          <a:xfrm>
+            <a:off x="3263669" y="4294182"/>
+            <a:ext cx="1487978" cy="479644"/>
+          </a:xfrm>
+          <a:prstGeom prst="flowChartAlternateProcess">
+            <a:avLst/>
+          </a:prstGeom>
+        </p:spPr>
+        <p:style>
+          <a:lnRef idx="2">
+            <a:schemeClr val="accent1">
+              <a:shade val="50000"/>
+            </a:schemeClr>
+          </a:lnRef>
+          <a:fillRef idx="1">
+            <a:schemeClr val="accent1"/>
+          </a:fillRef>
+          <a:effectRef idx="0">
+            <a:schemeClr val="accent1"/>
+          </a:effectRef>
+          <a:fontRef idx="minor">
+            <a:schemeClr val="lt1"/>
+          </a:fontRef>
+        </p:style>
+        <p:txBody>
+          <a:bodyPr rtlCol="0" anchor="ctr"/>
+          <a:lstStyle/>
+          <a:p>
+            <a:pPr algn="ctr"/>
+            <a:r>
+              <a:rPr lang="en-US" altLang="zh-CN" b="1" smtClean="0"/>
+              <a:t>sys.path</a:t>
+            </a:r>
+            <a:endParaRPr lang="zh-CN" altLang="en-US" b="1"/>
+          </a:p>
+        </p:txBody>
+      </p:sp>
+      <p:cxnSp>
+        <p:nvCxnSpPr>
+          <p:cNvPr id="5" name="肘形连接符 4"/>
+          <p:cNvCxnSpPr>
+            <a:stCxn id="17" idx="1"/>
+            <a:endCxn id="23" idx="0"/>
+          </p:cNvCxnSpPr>
+          <p:nvPr/>
+        </p:nvCxnSpPr>
+        <p:spPr>
+          <a:xfrm rot="10800000" flipV="1">
+            <a:off x="4007658" y="1980246"/>
+            <a:ext cx="368584" cy="2313936"/>
+          </a:xfrm>
+          <a:prstGeom prst="bentConnector2">
+            <a:avLst/>
+          </a:prstGeom>
+          <a:ln>
+            <a:tailEnd type="triangle"/>
+          </a:ln>
+        </p:spPr>
+        <p:style>
+          <a:lnRef idx="1">
+            <a:schemeClr val="accent1"/>
+          </a:lnRef>
+          <a:fillRef idx="0">
+            <a:schemeClr val="accent1"/>
+          </a:fillRef>
+          <a:effectRef idx="0">
+            <a:schemeClr val="accent1"/>
+          </a:effectRef>
+          <a:fontRef idx="minor">
+            <a:schemeClr val="tx1"/>
+          </a:fontRef>
+        </p:style>
+      </p:cxnSp>
+      <p:cxnSp>
+        <p:nvCxnSpPr>
+          <p:cNvPr id="19" name="肘形连接符 18"/>
+          <p:cNvCxnSpPr>
+            <a:stCxn id="2" idx="3"/>
+            <a:endCxn id="17" idx="0"/>
+          </p:cNvCxnSpPr>
+          <p:nvPr/>
+        </p:nvCxnSpPr>
+        <p:spPr>
+          <a:xfrm>
+            <a:off x="2031542" y="989498"/>
+            <a:ext cx="3145465" cy="684424"/>
+          </a:xfrm>
+          <a:prstGeom prst="bentConnector2">
+            <a:avLst/>
+          </a:prstGeom>
+          <a:ln>
+            <a:tailEnd type="triangle"/>
+          </a:ln>
+        </p:spPr>
+        <p:style>
+          <a:lnRef idx="1">
+            <a:schemeClr val="accent1"/>
+          </a:lnRef>
+          <a:fillRef idx="0">
+            <a:schemeClr val="accent1"/>
+          </a:fillRef>
+          <a:effectRef idx="0">
+            <a:schemeClr val="accent1"/>
+          </a:effectRef>
+          <a:fontRef idx="minor">
+            <a:schemeClr val="tx1"/>
+          </a:fontRef>
+        </p:style>
+      </p:cxnSp>
+      <p:cxnSp>
+        <p:nvCxnSpPr>
+          <p:cNvPr id="21" name="肘形连接符 20"/>
+          <p:cNvCxnSpPr>
+            <a:stCxn id="17" idx="2"/>
+            <a:endCxn id="18" idx="0"/>
+          </p:cNvCxnSpPr>
+          <p:nvPr/>
+        </p:nvCxnSpPr>
+        <p:spPr>
+          <a:xfrm rot="5400000">
+            <a:off x="4715530" y="2748047"/>
+            <a:ext cx="922954" cy="12700"/>
+          </a:xfrm>
+          <a:prstGeom prst="bentConnector3">
+            <a:avLst>
+              <a:gd name="adj1" fmla="val 50000"/>
+            </a:avLst>
+          </a:prstGeom>
+          <a:ln>
+            <a:tailEnd type="triangle"/>
+          </a:ln>
+        </p:spPr>
+        <p:style>
+          <a:lnRef idx="1">
+            <a:schemeClr val="accent1"/>
+          </a:lnRef>
+          <a:fillRef idx="0">
+            <a:schemeClr val="accent1"/>
+          </a:fillRef>
+          <a:effectRef idx="0">
+            <a:schemeClr val="accent1"/>
+          </a:effectRef>
+          <a:fontRef idx="minor">
+            <a:schemeClr val="tx1"/>
+          </a:fontRef>
+        </p:style>
+      </p:cxnSp>
+      <p:cxnSp>
+        <p:nvCxnSpPr>
+          <p:cNvPr id="30" name="肘形连接符 29"/>
+          <p:cNvCxnSpPr>
+            <a:stCxn id="18" idx="3"/>
+            <a:endCxn id="20" idx="0"/>
+          </p:cNvCxnSpPr>
+          <p:nvPr/>
+        </p:nvCxnSpPr>
+        <p:spPr>
+          <a:xfrm>
+            <a:off x="5977772" y="3515848"/>
+            <a:ext cx="1091283" cy="627458"/>
+          </a:xfrm>
+          <a:prstGeom prst="bentConnector2">
+            <a:avLst/>
+          </a:prstGeom>
+          <a:ln>
+            <a:tailEnd type="triangle"/>
+          </a:ln>
+        </p:spPr>
+        <p:style>
+          <a:lnRef idx="1">
+            <a:schemeClr val="accent1"/>
+          </a:lnRef>
+          <a:fillRef idx="0">
+            <a:schemeClr val="accent1"/>
+          </a:fillRef>
+          <a:effectRef idx="0">
+            <a:schemeClr val="accent1"/>
+          </a:effectRef>
+          <a:fontRef idx="minor">
+            <a:schemeClr val="tx1"/>
+          </a:fontRef>
+        </p:style>
+      </p:cxnSp>
+      <p:cxnSp>
+        <p:nvCxnSpPr>
+          <p:cNvPr id="31" name="肘形连接符 30"/>
+          <p:cNvCxnSpPr>
+            <a:stCxn id="2" idx="1"/>
+            <a:endCxn id="52" idx="0"/>
+          </p:cNvCxnSpPr>
+          <p:nvPr/>
+        </p:nvCxnSpPr>
+        <p:spPr>
+          <a:xfrm rot="10800000" flipH="1" flipV="1">
+            <a:off x="794788" y="989498"/>
+            <a:ext cx="1470431" cy="4618096"/>
+          </a:xfrm>
+          <a:prstGeom prst="bentConnector4">
+            <a:avLst>
+              <a:gd name="adj1" fmla="val -15546"/>
+              <a:gd name="adj2" fmla="val 53317"/>
+            </a:avLst>
+          </a:prstGeom>
+          <a:ln>
+            <a:tailEnd type="triangle"/>
+          </a:ln>
+        </p:spPr>
+        <p:style>
+          <a:lnRef idx="1">
+            <a:schemeClr val="accent1"/>
+          </a:lnRef>
+          <a:fillRef idx="0">
+            <a:schemeClr val="accent1"/>
+          </a:fillRef>
+          <a:effectRef idx="0">
+            <a:schemeClr val="accent1"/>
+          </a:effectRef>
+          <a:fontRef idx="minor">
+            <a:schemeClr val="tx1"/>
+          </a:fontRef>
+        </p:style>
+      </p:cxnSp>
+      <p:cxnSp>
+        <p:nvCxnSpPr>
+          <p:cNvPr id="35" name="肘形连接符 34"/>
+          <p:cNvCxnSpPr>
+            <a:stCxn id="18" idx="1"/>
+            <a:endCxn id="23" idx="0"/>
+          </p:cNvCxnSpPr>
+          <p:nvPr/>
+        </p:nvCxnSpPr>
+        <p:spPr>
+          <a:xfrm rot="10800000" flipV="1">
+            <a:off x="4007658" y="3515848"/>
+            <a:ext cx="368584" cy="778334"/>
+          </a:xfrm>
+          <a:prstGeom prst="bentConnector2">
+            <a:avLst/>
+          </a:prstGeom>
+          <a:ln>
+            <a:tailEnd type="triangle"/>
+          </a:ln>
+        </p:spPr>
+        <p:style>
+          <a:lnRef idx="1">
+            <a:schemeClr val="accent1"/>
+          </a:lnRef>
+          <a:fillRef idx="0">
+            <a:schemeClr val="accent1"/>
+          </a:fillRef>
+          <a:effectRef idx="0">
+            <a:schemeClr val="accent1"/>
+          </a:effectRef>
+          <a:fontRef idx="minor">
+            <a:schemeClr val="tx1"/>
+          </a:fontRef>
+        </p:style>
+      </p:cxnSp>
+      <p:sp>
+        <p:nvSpPr>
+          <p:cNvPr id="52" name="流程图: 可选过程 51"/>
+          <p:cNvSpPr/>
+          <p:nvPr/>
+        </p:nvSpPr>
+        <p:spPr>
+          <a:xfrm>
+            <a:off x="1521231" y="5607594"/>
+            <a:ext cx="1487978" cy="479644"/>
+          </a:xfrm>
+          <a:prstGeom prst="flowChartAlternateProcess">
+            <a:avLst/>
+          </a:prstGeom>
+        </p:spPr>
+        <p:style>
+          <a:lnRef idx="2">
+            <a:schemeClr val="accent1">
+              <a:shade val="50000"/>
+            </a:schemeClr>
+          </a:lnRef>
+          <a:fillRef idx="1">
+            <a:schemeClr val="accent1"/>
+          </a:fillRef>
+          <a:effectRef idx="0">
+            <a:schemeClr val="accent1"/>
+          </a:effectRef>
+          <a:fontRef idx="minor">
+            <a:schemeClr val="lt1"/>
+          </a:fontRef>
+        </p:style>
+        <p:txBody>
+          <a:bodyPr rtlCol="0" anchor="ctr"/>
+          <a:lstStyle/>
+          <a:p>
+            <a:pPr algn="ctr"/>
+            <a:r>
+              <a:rPr lang="en-US" altLang="zh-CN" b="1" smtClean="0"/>
+              <a:t>path…</a:t>
+            </a:r>
+          </a:p>
+        </p:txBody>
+      </p:sp>
+      <p:cxnSp>
+        <p:nvCxnSpPr>
+          <p:cNvPr id="55" name="肘形连接符 54"/>
+          <p:cNvCxnSpPr>
+            <a:stCxn id="23" idx="2"/>
+            <a:endCxn id="52" idx="0"/>
+          </p:cNvCxnSpPr>
+          <p:nvPr/>
+        </p:nvCxnSpPr>
+        <p:spPr>
+          <a:xfrm rot="5400000">
+            <a:off x="2719555" y="4319491"/>
+            <a:ext cx="833768" cy="1742438"/>
+          </a:xfrm>
+          <a:prstGeom prst="bentConnector3">
+            <a:avLst>
+              <a:gd name="adj1" fmla="val 50000"/>
+            </a:avLst>
+          </a:prstGeom>
+          <a:ln>
+            <a:tailEnd type="triangle"/>
+          </a:ln>
+        </p:spPr>
+        <p:style>
+          <a:lnRef idx="1">
+            <a:schemeClr val="accent1"/>
+          </a:lnRef>
+          <a:fillRef idx="0">
+            <a:schemeClr val="accent1"/>
+          </a:fillRef>
+          <a:effectRef idx="0">
+            <a:schemeClr val="accent1"/>
+          </a:effectRef>
+          <a:fontRef idx="minor">
+            <a:schemeClr val="tx1"/>
+          </a:fontRef>
+        </p:style>
+      </p:cxnSp>
+      <p:cxnSp>
+        <p:nvCxnSpPr>
+          <p:cNvPr id="63" name="肘形连接符 62"/>
+          <p:cNvCxnSpPr>
+            <a:endCxn id="4" idx="0"/>
+          </p:cNvCxnSpPr>
+          <p:nvPr/>
+        </p:nvCxnSpPr>
+        <p:spPr>
+          <a:xfrm>
+            <a:off x="5941622" y="1979191"/>
+            <a:ext cx="1127433" cy="509512"/>
+          </a:xfrm>
+          <a:prstGeom prst="bentConnector2">
+            <a:avLst/>
+          </a:prstGeom>
+          <a:ln>
+            <a:tailEnd type="triangle"/>
+          </a:ln>
+        </p:spPr>
+        <p:style>
+          <a:lnRef idx="1">
+            <a:schemeClr val="accent1"/>
+          </a:lnRef>
+          <a:fillRef idx="0">
+            <a:schemeClr val="accent1"/>
+          </a:fillRef>
+          <a:effectRef idx="0">
+            <a:schemeClr val="accent1"/>
+          </a:effectRef>
+          <a:fontRef idx="minor">
+            <a:schemeClr val="tx1"/>
+          </a:fontRef>
+        </p:style>
+      </p:cxnSp>
+    </p:spTree>
+    <p:extLst>
+      <p:ext uri="{BB962C8B-B14F-4D97-AF65-F5344CB8AC3E}">
+        <p14:creationId xmlns:p14="http://schemas.microsoft.com/office/powerpoint/2010/main" val="576511135"/>
+      </p:ext>
+    </p:extLst>
+  </p:cSld>
+  <p:clrMapOvr>
+    <a:masterClrMapping/>
+  </p:clrMapOvr>
+  <p:timing>
+    <p:tnLst>
+      <p:par>
+        <p:cTn id="1" dur="indefinite" restart="never" nodeType="tmRoot"/>
+      </p:par>
+    </p:tnLst>
+  </p:timing>
+</p:sld>
+</file>
+
+<file path=ppt/slides/slide8.xml><?xml version="1.0" encoding="utf-8"?>
+<p:sld xmlns:a="http://schemas.openxmlformats.org/drawingml/2006/main" xmlns:r="http://schemas.openxmlformats.org/officeDocument/2006/relationships" xmlns:p="http://schemas.openxmlformats.org/presentationml/2006/main">
+  <p:cSld>
+    <p:spTree>
+      <p:nvGrpSpPr>
+        <p:cNvPr id="1" name=""/>
+        <p:cNvGrpSpPr/>
+        <p:nvPr/>
+      </p:nvGrpSpPr>
+      <p:grpSpPr>
+        <a:xfrm>
+          <a:off x="0" y="0"/>
+          <a:ext cx="0" cy="0"/>
+          <a:chOff x="0" y="0"/>
+          <a:chExt cx="0" cy="0"/>
+        </a:xfrm>
+      </p:grpSpPr>
+      <p:sp>
+        <p:nvSpPr>
+          <p:cNvPr id="29" name="流程图: 可选过程 28"/>
+          <p:cNvSpPr/>
+          <p:nvPr/>
+        </p:nvSpPr>
+        <p:spPr>
+          <a:xfrm>
+            <a:off x="860470" y="179133"/>
+            <a:ext cx="1487978" cy="479644"/>
+          </a:xfrm>
+          <a:prstGeom prst="flowChartAlternateProcess">
+            <a:avLst/>
+          </a:prstGeom>
+        </p:spPr>
+        <p:style>
+          <a:lnRef idx="2">
+            <a:schemeClr val="accent1">
+              <a:shade val="50000"/>
+            </a:schemeClr>
+          </a:lnRef>
+          <a:fillRef idx="1">
+            <a:schemeClr val="accent1"/>
+          </a:fillRef>
+          <a:effectRef idx="0">
+            <a:schemeClr val="accent1"/>
+          </a:effectRef>
+          <a:fontRef idx="minor">
+            <a:schemeClr val="lt1"/>
+          </a:fontRef>
+        </p:style>
+        <p:txBody>
+          <a:bodyPr rtlCol="0" anchor="ctr"/>
+          <a:lstStyle/>
+          <a:p>
+            <a:pPr algn="ctr"/>
+            <a:r>
+              <a:rPr lang="en-US" altLang="zh-CN" b="1"/>
+              <a:t>find_module</a:t>
+            </a:r>
+            <a:endParaRPr lang="zh-CN" altLang="en-US" b="1"/>
+          </a:p>
+        </p:txBody>
+      </p:sp>
+      <p:sp>
+        <p:nvSpPr>
+          <p:cNvPr id="25" name="流程图: 可选过程 24"/>
+          <p:cNvSpPr/>
+          <p:nvPr/>
+        </p:nvSpPr>
+        <p:spPr>
+          <a:xfrm>
+            <a:off x="2955277" y="2149031"/>
+            <a:ext cx="1750238" cy="479644"/>
+          </a:xfrm>
+          <a:prstGeom prst="flowChartAlternateProcess">
+            <a:avLst/>
+          </a:prstGeom>
+        </p:spPr>
+        <p:style>
+          <a:lnRef idx="2">
+            <a:schemeClr val="accent1">
+              <a:shade val="50000"/>
+            </a:schemeClr>
+          </a:lnRef>
+          <a:fillRef idx="1">
+            <a:schemeClr val="accent1"/>
+          </a:fillRef>
+          <a:effectRef idx="0">
+            <a:schemeClr val="accent1"/>
+          </a:effectRef>
+          <a:fontRef idx="minor">
+            <a:schemeClr val="lt1"/>
+          </a:fontRef>
+        </p:style>
+        <p:txBody>
+          <a:bodyPr rtlCol="0" anchor="ctr"/>
+          <a:lstStyle/>
+          <a:p>
+            <a:pPr algn="ctr"/>
+            <a:r>
+              <a:rPr lang="en-US" altLang="zh-CN" b="1"/>
+              <a:t>sys. path_hooks</a:t>
+            </a:r>
+            <a:endParaRPr lang="zh-CN" altLang="en-US" b="1"/>
+          </a:p>
+        </p:txBody>
+      </p:sp>
+      <p:sp>
+        <p:nvSpPr>
+          <p:cNvPr id="33" name="流程图: 可选过程 32"/>
+          <p:cNvSpPr/>
+          <p:nvPr/>
+        </p:nvSpPr>
+        <p:spPr>
+          <a:xfrm>
+            <a:off x="2955277" y="3227678"/>
+            <a:ext cx="1798785" cy="479644"/>
+          </a:xfrm>
+          <a:prstGeom prst="flowChartAlternateProcess">
+            <a:avLst/>
+          </a:prstGeom>
+        </p:spPr>
+        <p:style>
+          <a:lnRef idx="2">
+            <a:schemeClr val="accent1">
+              <a:shade val="50000"/>
+            </a:schemeClr>
+          </a:lnRef>
+          <a:fillRef idx="1">
+            <a:schemeClr val="accent1"/>
+          </a:fillRef>
+          <a:effectRef idx="0">
+            <a:schemeClr val="accent1"/>
+          </a:effectRef>
+          <a:fontRef idx="minor">
+            <a:schemeClr val="lt1"/>
+          </a:fontRef>
+        </p:style>
+        <p:txBody>
+          <a:bodyPr rtlCol="0" anchor="ctr"/>
+          <a:lstStyle/>
+          <a:p>
+            <a:pPr algn="ctr"/>
+            <a:r>
+              <a:rPr lang="en-US" altLang="zh-CN" b="1" smtClean="0"/>
+              <a:t>dir</a:t>
+            </a:r>
+          </a:p>
+        </p:txBody>
+      </p:sp>
+      <p:sp>
+        <p:nvSpPr>
+          <p:cNvPr id="36" name="流程图: 可选过程 35"/>
+          <p:cNvSpPr/>
+          <p:nvPr/>
+        </p:nvSpPr>
+        <p:spPr>
+          <a:xfrm>
+            <a:off x="2955277" y="4316979"/>
+            <a:ext cx="1798785" cy="479644"/>
+          </a:xfrm>
+          <a:prstGeom prst="flowChartAlternateProcess">
+            <a:avLst/>
+          </a:prstGeom>
+        </p:spPr>
+        <p:style>
+          <a:lnRef idx="2">
+            <a:schemeClr val="accent1">
+              <a:shade val="50000"/>
+            </a:schemeClr>
+          </a:lnRef>
+          <a:fillRef idx="1">
+            <a:schemeClr val="accent1"/>
+          </a:fillRef>
+          <a:effectRef idx="0">
+            <a:schemeClr val="accent1"/>
+          </a:effectRef>
+          <a:fontRef idx="minor">
+            <a:schemeClr val="lt1"/>
+          </a:fontRef>
+        </p:style>
+        <p:txBody>
+          <a:bodyPr rtlCol="0" anchor="ctr"/>
+          <a:lstStyle/>
+          <a:p>
+            <a:pPr algn="ctr"/>
+            <a:r>
+              <a:rPr lang="en-US" altLang="zh-CN" b="1" smtClean="0"/>
+              <a:t>file</a:t>
+            </a:r>
+            <a:endParaRPr lang="zh-CN" altLang="en-US" b="1"/>
+          </a:p>
+        </p:txBody>
+      </p:sp>
+      <p:sp>
+        <p:nvSpPr>
+          <p:cNvPr id="16" name="流程图: 决策 15"/>
+          <p:cNvSpPr/>
+          <p:nvPr/>
+        </p:nvSpPr>
+        <p:spPr>
+          <a:xfrm>
+            <a:off x="2955277" y="1026026"/>
+            <a:ext cx="1601530" cy="612648"/>
+          </a:xfrm>
+          <a:prstGeom prst="flowChartDecision">
+            <a:avLst/>
+          </a:prstGeom>
+        </p:spPr>
+        <p:style>
+          <a:lnRef idx="2">
+            <a:schemeClr val="accent1">
+              <a:shade val="50000"/>
+            </a:schemeClr>
+          </a:lnRef>
+          <a:fillRef idx="1">
+            <a:schemeClr val="accent1"/>
+          </a:fillRef>
+          <a:effectRef idx="0">
+            <a:schemeClr val="accent1"/>
+          </a:effectRef>
+          <a:fontRef idx="minor">
+            <a:schemeClr val="lt1"/>
+          </a:fontRef>
+        </p:style>
+        <p:txBody>
+          <a:bodyPr rtlCol="0" anchor="ctr"/>
+          <a:lstStyle/>
+          <a:p>
+            <a:pPr algn="ctr"/>
+            <a:r>
+              <a:rPr lang="en-US" altLang="zh-CN" smtClean="0"/>
+              <a:t>path</a:t>
+            </a:r>
+            <a:endParaRPr lang="zh-CN" altLang="en-US"/>
+          </a:p>
+        </p:txBody>
+      </p:sp>
+      <p:cxnSp>
+        <p:nvCxnSpPr>
+          <p:cNvPr id="5" name="直接箭头连接符 4"/>
+          <p:cNvCxnSpPr>
+            <a:stCxn id="16" idx="2"/>
+            <a:endCxn id="25" idx="0"/>
+          </p:cNvCxnSpPr>
+          <p:nvPr/>
+        </p:nvCxnSpPr>
+        <p:spPr>
+          <a:xfrm>
+            <a:off x="3756042" y="1638674"/>
+            <a:ext cx="74354" cy="510357"/>
+          </a:xfrm>
+          <a:prstGeom prst="straightConnector1">
+            <a:avLst/>
+          </a:prstGeom>
+          <a:ln>
+            <a:tailEnd type="triangle"/>
+          </a:ln>
+        </p:spPr>
+        <p:style>
+          <a:lnRef idx="1">
+            <a:schemeClr val="accent1"/>
+          </a:lnRef>
+          <a:fillRef idx="0">
+            <a:schemeClr val="accent1"/>
+          </a:fillRef>
+          <a:effectRef idx="0">
+            <a:schemeClr val="accent1"/>
+          </a:effectRef>
+          <a:fontRef idx="minor">
+            <a:schemeClr val="tx1"/>
+          </a:fontRef>
+        </p:style>
+      </p:cxnSp>
+      <p:cxnSp>
+        <p:nvCxnSpPr>
+          <p:cNvPr id="19" name="直接箭头连接符 18"/>
+          <p:cNvCxnSpPr>
+            <a:stCxn id="25" idx="2"/>
+            <a:endCxn id="33" idx="0"/>
+          </p:cNvCxnSpPr>
+          <p:nvPr/>
+        </p:nvCxnSpPr>
+        <p:spPr>
+          <a:xfrm>
+            <a:off x="3830396" y="2628675"/>
+            <a:ext cx="24274" cy="599003"/>
+          </a:xfrm>
+          <a:prstGeom prst="straightConnector1">
+            <a:avLst/>
+          </a:prstGeom>
+          <a:ln>
+            <a:tailEnd type="triangle"/>
+          </a:ln>
+        </p:spPr>
+        <p:style>
+          <a:lnRef idx="1">
+            <a:schemeClr val="accent1"/>
+          </a:lnRef>
+          <a:fillRef idx="0">
+            <a:schemeClr val="accent1"/>
+          </a:fillRef>
+          <a:effectRef idx="0">
+            <a:schemeClr val="accent1"/>
+          </a:effectRef>
+          <a:fontRef idx="minor">
+            <a:schemeClr val="tx1"/>
+          </a:fontRef>
+        </p:style>
+      </p:cxnSp>
+      <p:cxnSp>
+        <p:nvCxnSpPr>
+          <p:cNvPr id="22" name="直接箭头连接符 21"/>
+          <p:cNvCxnSpPr>
+            <a:stCxn id="33" idx="2"/>
+            <a:endCxn id="36" idx="0"/>
+          </p:cNvCxnSpPr>
+          <p:nvPr/>
+        </p:nvCxnSpPr>
+        <p:spPr>
+          <a:xfrm>
+            <a:off x="3854670" y="3707322"/>
+            <a:ext cx="0" cy="609657"/>
+          </a:xfrm>
+          <a:prstGeom prst="straightConnector1">
+            <a:avLst/>
+          </a:prstGeom>
+          <a:ln>
+            <a:tailEnd type="triangle"/>
+          </a:ln>
+        </p:spPr>
+        <p:style>
+          <a:lnRef idx="1">
+            <a:schemeClr val="accent1"/>
+          </a:lnRef>
+          <a:fillRef idx="0">
+            <a:schemeClr val="accent1"/>
+          </a:fillRef>
+          <a:effectRef idx="0">
+            <a:schemeClr val="accent1"/>
+          </a:effectRef>
+          <a:fontRef idx="minor">
+            <a:schemeClr val="tx1"/>
+          </a:fontRef>
+        </p:style>
+      </p:cxnSp>
+      <p:sp>
+        <p:nvSpPr>
+          <p:cNvPr id="12" name="云形 11"/>
+          <p:cNvSpPr/>
+          <p:nvPr/>
+        </p:nvSpPr>
+        <p:spPr>
+          <a:xfrm>
+            <a:off x="6168043" y="3010300"/>
+            <a:ext cx="2510443" cy="914400"/>
+          </a:xfrm>
+          <a:prstGeom prst="cloud">
+            <a:avLst/>
+          </a:prstGeom>
+        </p:spPr>
+        <p:style>
+          <a:lnRef idx="2">
+            <a:schemeClr val="accent1">
+              <a:shade val="50000"/>
+            </a:schemeClr>
+          </a:lnRef>
+          <a:fillRef idx="1">
+            <a:schemeClr val="accent1"/>
+          </a:fillRef>
+          <a:effectRef idx="0">
+            <a:schemeClr val="accent1"/>
+          </a:effectRef>
+          <a:fontRef idx="minor">
+            <a:schemeClr val="lt1"/>
+          </a:fontRef>
+        </p:style>
+        <p:txBody>
+          <a:bodyPr rtlCol="0" anchor="ctr"/>
+          <a:lstStyle/>
+          <a:p>
+            <a:pPr algn="ctr"/>
+            <a:r>
+              <a:rPr lang="en-US" altLang="zh-CN" b="1"/>
+              <a:t>__init__</a:t>
+            </a:r>
+          </a:p>
+        </p:txBody>
+      </p:sp>
+      <p:sp>
+        <p:nvSpPr>
+          <p:cNvPr id="30" name="云形 29"/>
+          <p:cNvSpPr/>
+          <p:nvPr/>
+        </p:nvSpPr>
+        <p:spPr>
+          <a:xfrm>
+            <a:off x="6350923" y="4339423"/>
+            <a:ext cx="2992581" cy="914400"/>
+          </a:xfrm>
+          <a:prstGeom prst="cloud">
+            <a:avLst/>
+          </a:prstGeom>
+        </p:spPr>
+        <p:style>
+          <a:lnRef idx="2">
+            <a:schemeClr val="accent1">
+              <a:shade val="50000"/>
+            </a:schemeClr>
+          </a:lnRef>
+          <a:fillRef idx="1">
+            <a:schemeClr val="accent1"/>
+          </a:fillRef>
+          <a:effectRef idx="0">
+            <a:schemeClr val="accent1"/>
+          </a:effectRef>
+          <a:fontRef idx="minor">
+            <a:schemeClr val="lt1"/>
+          </a:fontRef>
+        </p:style>
+        <p:txBody>
+          <a:bodyPr rtlCol="0" anchor="ctr"/>
+          <a:lstStyle/>
+          <a:p>
+            <a:pPr algn="ctr"/>
+            <a:r>
+              <a:rPr lang="en-US" altLang="zh-CN"/>
+              <a:t>pyd,pyw,py,pyc</a:t>
+            </a:r>
+            <a:endParaRPr lang="zh-CN" altLang="en-US" b="1"/>
+          </a:p>
+        </p:txBody>
+      </p:sp>
+      <p:cxnSp>
+        <p:nvCxnSpPr>
+          <p:cNvPr id="24" name="肘形连接符 23"/>
+          <p:cNvCxnSpPr>
+            <a:stCxn id="36" idx="2"/>
+            <a:endCxn id="16" idx="1"/>
+          </p:cNvCxnSpPr>
+          <p:nvPr/>
+        </p:nvCxnSpPr>
+        <p:spPr>
+          <a:xfrm rot="5400000" flipH="1">
+            <a:off x="1672837" y="2614791"/>
+            <a:ext cx="3464273" cy="899393"/>
+          </a:xfrm>
+          <a:prstGeom prst="bentConnector4">
+            <a:avLst>
+              <a:gd name="adj1" fmla="val -6599"/>
+              <a:gd name="adj2" fmla="val 264980"/>
+            </a:avLst>
+          </a:prstGeom>
+          <a:ln>
+            <a:tailEnd type="triangle"/>
+          </a:ln>
+        </p:spPr>
+        <p:style>
+          <a:lnRef idx="1">
+            <a:schemeClr val="accent1"/>
+          </a:lnRef>
+          <a:fillRef idx="0">
+            <a:schemeClr val="accent1"/>
+          </a:fillRef>
+          <a:effectRef idx="0">
+            <a:schemeClr val="accent1"/>
+          </a:effectRef>
+          <a:fontRef idx="minor">
+            <a:schemeClr val="tx1"/>
+          </a:fontRef>
+        </p:style>
+      </p:cxnSp>
+    </p:spTree>
+    <p:extLst>
+      <p:ext uri="{BB962C8B-B14F-4D97-AF65-F5344CB8AC3E}">
+        <p14:creationId xmlns:p14="http://schemas.microsoft.com/office/powerpoint/2010/main" val="218432207"/>
+      </p:ext>
+    </p:extLst>
+  </p:cSld>
+  <p:clrMapOvr>
+    <a:masterClrMapping/>
+  </p:clrMapOvr>
+  <p:timing>
+    <p:tnLst>
+      <p:par>
+        <p:cTn id="1" dur="indefinite" restart="never" nodeType="tmRoot"/>
+      </p:par>
+    </p:tnLst>
+  </p:timing>
+</p:sld>
+</file>
+
+<file path=ppt/slides/slide9.xml><?xml version="1.0" encoding="utf-8"?>
+<p:sld xmlns:a="http://schemas.openxmlformats.org/drawingml/2006/main" xmlns:r="http://schemas.openxmlformats.org/officeDocument/2006/relationships" xmlns:p="http://schemas.openxmlformats.org/presentationml/2006/main">
+  <p:cSld>
+    <p:spTree>
+      <p:nvGrpSpPr>
+        <p:cNvPr id="1" name=""/>
+        <p:cNvGrpSpPr/>
+        <p:nvPr/>
+      </p:nvGrpSpPr>
+      <p:grpSpPr>
+        <a:xfrm>
+          <a:off x="0" y="0"/>
+          <a:ext cx="0" cy="0"/>
+          <a:chOff x="0" y="0"/>
+          <a:chExt cx="0" cy="0"/>
+        </a:xfrm>
+      </p:grpSpPr>
+      <p:sp>
+        <p:nvSpPr>
+          <p:cNvPr id="29" name="流程图: 可选过程 28"/>
+          <p:cNvSpPr/>
+          <p:nvPr/>
+        </p:nvSpPr>
+        <p:spPr>
+          <a:xfrm>
+            <a:off x="860470" y="179133"/>
+            <a:ext cx="1487978" cy="479644"/>
+          </a:xfrm>
+          <a:prstGeom prst="flowChartAlternateProcess">
+            <a:avLst/>
+          </a:prstGeom>
+        </p:spPr>
+        <p:style>
+          <a:lnRef idx="2">
+            <a:schemeClr val="accent1">
+              <a:shade val="50000"/>
+            </a:schemeClr>
+          </a:lnRef>
+          <a:fillRef idx="1">
+            <a:schemeClr val="accent1"/>
+          </a:fillRef>
+          <a:effectRef idx="0">
+            <a:schemeClr val="accent1"/>
+          </a:effectRef>
+          <a:fontRef idx="minor">
+            <a:schemeClr val="lt1"/>
+          </a:fontRef>
+        </p:style>
+        <p:txBody>
+          <a:bodyPr rtlCol="0" anchor="ctr"/>
+          <a:lstStyle/>
+          <a:p>
+            <a:pPr algn="ctr"/>
+            <a:r>
+              <a:rPr lang="en-US" altLang="zh-CN" b="1"/>
+              <a:t>find_module</a:t>
+            </a:r>
+            <a:endParaRPr lang="zh-CN" altLang="en-US" b="1"/>
+          </a:p>
+        </p:txBody>
+      </p:sp>
+      <p:sp>
+        <p:nvSpPr>
+          <p:cNvPr id="2" name="流程图: 决策 1"/>
+          <p:cNvSpPr/>
+          <p:nvPr/>
+        </p:nvSpPr>
+        <p:spPr>
+          <a:xfrm>
+            <a:off x="1057561" y="1340585"/>
+            <a:ext cx="1236753" cy="612648"/>
+          </a:xfrm>
+          <a:prstGeom prst="flowChartDecision">
+            <a:avLst/>
+          </a:prstGeom>
+        </p:spPr>
+        <p:style>
+          <a:lnRef idx="2">
+            <a:schemeClr val="accent1">
+              <a:shade val="50000"/>
+            </a:schemeClr>
+          </a:lnRef>
+          <a:fillRef idx="1">
+            <a:schemeClr val="accent1"/>
+          </a:fillRef>
+          <a:effectRef idx="0">
+            <a:schemeClr val="accent1"/>
+          </a:effectRef>
+          <a:fontRef idx="minor">
+            <a:schemeClr val="lt1"/>
+          </a:fontRef>
+        </p:style>
+        <p:txBody>
+          <a:bodyPr rtlCol="0" anchor="ctr"/>
+          <a:lstStyle/>
+          <a:p>
+            <a:pPr algn="ctr"/>
+            <a:r>
+              <a:rPr lang="en-US" altLang="zh-CN" smtClean="0"/>
+              <a:t>path</a:t>
+            </a:r>
+            <a:endParaRPr lang="zh-CN" altLang="en-US"/>
+          </a:p>
+        </p:txBody>
+      </p:sp>
+      <p:sp>
+        <p:nvSpPr>
+          <p:cNvPr id="17" name="流程图: 决策 16"/>
+          <p:cNvSpPr/>
+          <p:nvPr/>
+        </p:nvSpPr>
+        <p:spPr>
+          <a:xfrm>
+            <a:off x="2622257" y="1902657"/>
+            <a:ext cx="1601530" cy="612648"/>
+          </a:xfrm>
+          <a:prstGeom prst="flowChartDecision">
+            <a:avLst/>
+          </a:prstGeom>
+        </p:spPr>
+        <p:style>
+          <a:lnRef idx="2">
+            <a:schemeClr val="accent1">
+              <a:shade val="50000"/>
+            </a:schemeClr>
+          </a:lnRef>
+          <a:fillRef idx="1">
+            <a:schemeClr val="accent1"/>
+          </a:fillRef>
+          <a:effectRef idx="0">
+            <a:schemeClr val="accent1"/>
+          </a:effectRef>
+          <a:fontRef idx="minor">
+            <a:schemeClr val="lt1"/>
+          </a:fontRef>
+        </p:style>
+        <p:txBody>
+          <a:bodyPr rtlCol="0" anchor="ctr"/>
+          <a:lstStyle/>
+          <a:p>
+            <a:pPr algn="ctr"/>
+            <a:r>
+              <a:rPr lang="en-US" altLang="zh-CN"/>
+              <a:t>builtin</a:t>
+            </a:r>
+            <a:endParaRPr lang="zh-CN" altLang="en-US"/>
+          </a:p>
+        </p:txBody>
+      </p:sp>
+      <p:sp>
+        <p:nvSpPr>
+          <p:cNvPr id="4" name="流程图: 终止 3"/>
+          <p:cNvSpPr/>
+          <p:nvPr/>
+        </p:nvSpPr>
+        <p:spPr>
+          <a:xfrm>
+            <a:off x="4043222" y="2669193"/>
+            <a:ext cx="914400" cy="301752"/>
+          </a:xfrm>
+          <a:prstGeom prst="flowChartTerminator">
+            <a:avLst/>
+          </a:prstGeom>
+        </p:spPr>
+        <p:style>
+          <a:lnRef idx="2">
+            <a:schemeClr val="accent1">
+              <a:shade val="50000"/>
+            </a:schemeClr>
+          </a:lnRef>
+          <a:fillRef idx="1">
+            <a:schemeClr val="accent1"/>
+          </a:fillRef>
+          <a:effectRef idx="0">
+            <a:schemeClr val="accent1"/>
+          </a:effectRef>
+          <a:fontRef idx="minor">
+            <a:schemeClr val="lt1"/>
+          </a:fontRef>
+        </p:style>
+        <p:txBody>
+          <a:bodyPr rtlCol="0" anchor="ctr"/>
+          <a:lstStyle/>
+          <a:p>
+            <a:pPr algn="ctr"/>
+            <a:r>
+              <a:rPr lang="en-US" altLang="zh-CN" smtClean="0"/>
+              <a:t>return</a:t>
+            </a:r>
+            <a:endParaRPr lang="zh-CN" altLang="en-US"/>
+          </a:p>
+        </p:txBody>
+      </p:sp>
+      <p:sp>
+        <p:nvSpPr>
+          <p:cNvPr id="18" name="流程图: 决策 17"/>
+          <p:cNvSpPr/>
+          <p:nvPr/>
+        </p:nvSpPr>
+        <p:spPr>
+          <a:xfrm>
+            <a:off x="2566382" y="3094674"/>
+            <a:ext cx="1601530" cy="612648"/>
+          </a:xfrm>
+          <a:prstGeom prst="flowChartDecision">
+            <a:avLst/>
+          </a:prstGeom>
+        </p:spPr>
+        <p:style>
+          <a:lnRef idx="2">
+            <a:schemeClr val="accent1">
+              <a:shade val="50000"/>
+            </a:schemeClr>
+          </a:lnRef>
+          <a:fillRef idx="1">
+            <a:schemeClr val="accent1"/>
+          </a:fillRef>
+          <a:effectRef idx="0">
+            <a:schemeClr val="accent1"/>
+          </a:effectRef>
+          <a:fontRef idx="minor">
+            <a:schemeClr val="lt1"/>
+          </a:fontRef>
+        </p:style>
+        <p:txBody>
+          <a:bodyPr rtlCol="0" anchor="ctr"/>
+          <a:lstStyle/>
+          <a:p>
+            <a:pPr algn="ctr"/>
+            <a:r>
+              <a:rPr lang="en-US" altLang="zh-CN"/>
+              <a:t>frozen</a:t>
+            </a:r>
+            <a:endParaRPr lang="zh-CN" altLang="en-US"/>
+          </a:p>
+        </p:txBody>
+      </p:sp>
+      <p:sp>
+        <p:nvSpPr>
+          <p:cNvPr id="20" name="流程图: 终止 19"/>
+          <p:cNvSpPr/>
+          <p:nvPr/>
+        </p:nvSpPr>
+        <p:spPr>
+          <a:xfrm>
+            <a:off x="4167912" y="3984939"/>
+            <a:ext cx="914400" cy="301752"/>
+          </a:xfrm>
+          <a:prstGeom prst="flowChartTerminator">
+            <a:avLst/>
+          </a:prstGeom>
+        </p:spPr>
+        <p:style>
+          <a:lnRef idx="2">
+            <a:schemeClr val="accent1">
+              <a:shade val="50000"/>
+            </a:schemeClr>
+          </a:lnRef>
+          <a:fillRef idx="1">
+            <a:schemeClr val="accent1"/>
+          </a:fillRef>
+          <a:effectRef idx="0">
+            <a:schemeClr val="accent1"/>
+          </a:effectRef>
+          <a:fontRef idx="minor">
+            <a:schemeClr val="lt1"/>
+          </a:fontRef>
+        </p:style>
+        <p:txBody>
+          <a:bodyPr rtlCol="0" anchor="ctr"/>
+          <a:lstStyle/>
+          <a:p>
+            <a:pPr algn="ctr"/>
+            <a:r>
+              <a:rPr lang="en-US" altLang="zh-CN" smtClean="0"/>
+              <a:t>return</a:t>
+            </a:r>
+            <a:endParaRPr lang="zh-CN" altLang="en-US"/>
+          </a:p>
+        </p:txBody>
+      </p:sp>
+      <p:sp>
+        <p:nvSpPr>
+          <p:cNvPr id="23" name="流程图: 可选过程 22"/>
+          <p:cNvSpPr/>
+          <p:nvPr/>
+        </p:nvSpPr>
+        <p:spPr>
+          <a:xfrm>
+            <a:off x="2046837" y="3984939"/>
+            <a:ext cx="1487978" cy="479644"/>
+          </a:xfrm>
+          <a:prstGeom prst="flowChartAlternateProcess">
+            <a:avLst/>
+          </a:prstGeom>
+        </p:spPr>
+        <p:style>
+          <a:lnRef idx="2">
+            <a:schemeClr val="accent1">
+              <a:shade val="50000"/>
+            </a:schemeClr>
+          </a:lnRef>
+          <a:fillRef idx="1">
+            <a:schemeClr val="accent1"/>
+          </a:fillRef>
+          <a:effectRef idx="0">
+            <a:schemeClr val="accent1"/>
+          </a:effectRef>
+          <a:fontRef idx="minor">
+            <a:schemeClr val="lt1"/>
+          </a:fontRef>
+        </p:style>
+        <p:txBody>
+          <a:bodyPr rtlCol="0" anchor="ctr"/>
+          <a:lstStyle/>
+          <a:p>
+            <a:pPr algn="ctr"/>
+            <a:r>
+              <a:rPr lang="en-US" altLang="zh-CN" b="1" smtClean="0"/>
+              <a:t>sys.path</a:t>
+            </a:r>
+            <a:endParaRPr lang="zh-CN" altLang="en-US" b="1"/>
+          </a:p>
+        </p:txBody>
+      </p:sp>
+      <p:sp>
+        <p:nvSpPr>
+          <p:cNvPr id="25" name="流程图: 可选过程 24"/>
+          <p:cNvSpPr/>
+          <p:nvPr/>
+        </p:nvSpPr>
+        <p:spPr>
+          <a:xfrm>
+            <a:off x="2622257" y="768058"/>
+            <a:ext cx="1678659" cy="479644"/>
+          </a:xfrm>
+          <a:prstGeom prst="flowChartAlternateProcess">
+            <a:avLst/>
+          </a:prstGeom>
+        </p:spPr>
+        <p:style>
+          <a:lnRef idx="2">
+            <a:schemeClr val="accent1">
+              <a:shade val="50000"/>
+            </a:schemeClr>
+          </a:lnRef>
+          <a:fillRef idx="1">
+            <a:schemeClr val="accent1"/>
+          </a:fillRef>
+          <a:effectRef idx="0">
+            <a:schemeClr val="accent1"/>
+          </a:effectRef>
+          <a:fontRef idx="minor">
+            <a:schemeClr val="lt1"/>
+          </a:fontRef>
+        </p:style>
+        <p:txBody>
+          <a:bodyPr rtlCol="0" anchor="ctr"/>
+          <a:lstStyle/>
+          <a:p>
+            <a:pPr algn="ctr"/>
+            <a:r>
+              <a:rPr lang="en-US" altLang="zh-CN" b="1"/>
+              <a:t>sys. meta_path</a:t>
+            </a:r>
+            <a:endParaRPr lang="zh-CN" altLang="en-US" b="1"/>
+          </a:p>
+        </p:txBody>
+      </p:sp>
+      <p:sp>
+        <p:nvSpPr>
+          <p:cNvPr id="26" name="流程图: 可选过程 25"/>
+          <p:cNvSpPr/>
+          <p:nvPr/>
+        </p:nvSpPr>
+        <p:spPr>
+          <a:xfrm>
+            <a:off x="860470" y="5090163"/>
+            <a:ext cx="1761787" cy="479644"/>
+          </a:xfrm>
+          <a:prstGeom prst="flowChartAlternateProcess">
+            <a:avLst/>
+          </a:prstGeom>
+        </p:spPr>
+        <p:style>
+          <a:lnRef idx="2">
+            <a:schemeClr val="accent1">
+              <a:shade val="50000"/>
+            </a:schemeClr>
+          </a:lnRef>
+          <a:fillRef idx="1">
+            <a:schemeClr val="accent1"/>
+          </a:fillRef>
+          <a:effectRef idx="0">
+            <a:schemeClr val="accent1"/>
+          </a:effectRef>
+          <a:fontRef idx="minor">
+            <a:schemeClr val="lt1"/>
+          </a:fontRef>
+        </p:style>
+        <p:txBody>
+          <a:bodyPr rtlCol="0" anchor="ctr"/>
+          <a:lstStyle/>
+          <a:p>
+            <a:pPr algn="ctr"/>
+            <a:r>
+              <a:rPr lang="en-US" altLang="zh-CN" b="1"/>
+              <a:t>sys</a:t>
+            </a:r>
+            <a:r>
+              <a:rPr lang="en-US" altLang="zh-CN" b="1"/>
+              <a:t>. </a:t>
+            </a:r>
+            <a:r>
+              <a:rPr lang="en-US" altLang="zh-CN" b="1" smtClean="0"/>
+              <a:t>path_hooks</a:t>
+            </a:r>
+            <a:endParaRPr lang="zh-CN" altLang="en-US" b="1"/>
+          </a:p>
+        </p:txBody>
+      </p:sp>
+      <p:sp>
+        <p:nvSpPr>
+          <p:cNvPr id="27" name="流程图: 可选过程 26"/>
+          <p:cNvSpPr/>
+          <p:nvPr/>
+        </p:nvSpPr>
+        <p:spPr>
+          <a:xfrm>
+            <a:off x="2955277" y="5074650"/>
+            <a:ext cx="2708927" cy="479644"/>
+          </a:xfrm>
+          <a:prstGeom prst="flowChartAlternateProcess">
+            <a:avLst/>
+          </a:prstGeom>
+        </p:spPr>
+        <p:style>
+          <a:lnRef idx="2">
+            <a:schemeClr val="accent1">
+              <a:shade val="50000"/>
+            </a:schemeClr>
+          </a:lnRef>
+          <a:fillRef idx="1">
+            <a:schemeClr val="accent1"/>
+          </a:fillRef>
+          <a:effectRef idx="0">
+            <a:schemeClr val="accent1"/>
+          </a:effectRef>
+          <a:fontRef idx="minor">
+            <a:schemeClr val="lt1"/>
+          </a:fontRef>
+        </p:style>
+        <p:txBody>
+          <a:bodyPr rtlCol="0" anchor="ctr"/>
+          <a:lstStyle/>
+          <a:p>
+            <a:pPr algn="ctr"/>
+            <a:r>
+              <a:rPr lang="en-US" altLang="zh-CN" b="1"/>
+              <a:t>sys</a:t>
+            </a:r>
+            <a:r>
+              <a:rPr lang="en-US" altLang="zh-CN" b="1"/>
+              <a:t>. </a:t>
+            </a:r>
+            <a:r>
+              <a:rPr lang="en-US" altLang="zh-CN" b="1"/>
+              <a:t>path_importer_cache</a:t>
+            </a:r>
+            <a:endParaRPr lang="zh-CN" altLang="en-US" b="1"/>
+          </a:p>
+        </p:txBody>
+      </p:sp>
+      <p:sp>
+        <p:nvSpPr>
+          <p:cNvPr id="28" name="流程图: 可选过程 27"/>
+          <p:cNvSpPr/>
+          <p:nvPr/>
+        </p:nvSpPr>
+        <p:spPr>
+          <a:xfrm>
+            <a:off x="2294314" y="5788801"/>
+            <a:ext cx="1487978" cy="479644"/>
+          </a:xfrm>
+          <a:prstGeom prst="flowChartAlternateProcess">
+            <a:avLst/>
+          </a:prstGeom>
+        </p:spPr>
+        <p:style>
+          <a:lnRef idx="2">
+            <a:schemeClr val="accent1">
+              <a:shade val="50000"/>
+            </a:schemeClr>
+          </a:lnRef>
+          <a:fillRef idx="1">
+            <a:schemeClr val="accent1"/>
+          </a:fillRef>
+          <a:effectRef idx="0">
+            <a:schemeClr val="accent1"/>
+          </a:effectRef>
+          <a:fontRef idx="minor">
+            <a:schemeClr val="lt1"/>
+          </a:fontRef>
+        </p:style>
+        <p:txBody>
+          <a:bodyPr rtlCol="0" anchor="ctr"/>
+          <a:lstStyle/>
+          <a:p>
+            <a:pPr algn="ctr"/>
+            <a:r>
+              <a:rPr lang="en-US" altLang="zh-CN" b="1"/>
+              <a:t>find_module</a:t>
+            </a:r>
+            <a:endParaRPr lang="zh-CN" altLang="en-US" b="1"/>
+          </a:p>
+        </p:txBody>
+      </p:sp>
+      <p:sp>
+        <p:nvSpPr>
+          <p:cNvPr id="33" name="流程图: 可选过程 32"/>
+          <p:cNvSpPr/>
+          <p:nvPr/>
+        </p:nvSpPr>
+        <p:spPr>
+          <a:xfrm>
+            <a:off x="248052" y="6378356"/>
+            <a:ext cx="1798785" cy="479644"/>
+          </a:xfrm>
+          <a:prstGeom prst="flowChartAlternateProcess">
+            <a:avLst/>
+          </a:prstGeom>
+        </p:spPr>
+        <p:style>
+          <a:lnRef idx="2">
+            <a:schemeClr val="accent1">
+              <a:shade val="50000"/>
+            </a:schemeClr>
+          </a:lnRef>
+          <a:fillRef idx="1">
+            <a:schemeClr val="accent1"/>
+          </a:fillRef>
+          <a:effectRef idx="0">
+            <a:schemeClr val="accent1"/>
+          </a:effectRef>
+          <a:fontRef idx="minor">
+            <a:schemeClr val="lt1"/>
+          </a:fontRef>
+        </p:style>
+        <p:txBody>
+          <a:bodyPr rtlCol="0" anchor="ctr"/>
+          <a:lstStyle/>
+          <a:p>
+            <a:pPr algn="ctr"/>
+            <a:r>
+              <a:rPr lang="en-US" altLang="zh-CN" b="1"/>
+              <a:t>PKG_DIRECTORY</a:t>
+            </a:r>
+            <a:endParaRPr lang="zh-CN" altLang="en-US" b="1"/>
+          </a:p>
+        </p:txBody>
+      </p:sp>
+      <p:sp>
+        <p:nvSpPr>
+          <p:cNvPr id="34" name="流程图: 可选过程 33"/>
+          <p:cNvSpPr/>
+          <p:nvPr/>
+        </p:nvSpPr>
+        <p:spPr>
+          <a:xfrm>
+            <a:off x="6876938" y="4621463"/>
+            <a:ext cx="1798785" cy="479644"/>
+          </a:xfrm>
+          <a:prstGeom prst="flowChartAlternateProcess">
+            <a:avLst/>
+          </a:prstGeom>
+        </p:spPr>
+        <p:style>
+          <a:lnRef idx="2">
+            <a:schemeClr val="accent1">
+              <a:shade val="50000"/>
+            </a:schemeClr>
+          </a:lnRef>
+          <a:fillRef idx="1">
+            <a:schemeClr val="accent1"/>
+          </a:fillRef>
+          <a:effectRef idx="0">
+            <a:schemeClr val="accent1"/>
+          </a:effectRef>
+          <a:fontRef idx="minor">
+            <a:schemeClr val="lt1"/>
+          </a:fontRef>
+        </p:style>
+        <p:txBody>
+          <a:bodyPr rtlCol="0" anchor="ctr"/>
+          <a:lstStyle/>
+          <a:p>
+            <a:pPr algn="ctr"/>
+            <a:r>
+              <a:rPr lang="en-US" altLang="zh-CN" b="1"/>
+              <a:t>PKG_DIRECTORY</a:t>
+            </a:r>
+            <a:endParaRPr lang="zh-CN" altLang="en-US" b="1"/>
+          </a:p>
+        </p:txBody>
+      </p:sp>
+      <p:sp>
+        <p:nvSpPr>
+          <p:cNvPr id="36" name="流程图: 可选过程 35"/>
+          <p:cNvSpPr/>
+          <p:nvPr/>
+        </p:nvSpPr>
+        <p:spPr>
+          <a:xfrm>
+            <a:off x="6544429" y="3227678"/>
+            <a:ext cx="1798785" cy="479644"/>
+          </a:xfrm>
+          <a:prstGeom prst="flowChartAlternateProcess">
+            <a:avLst/>
+          </a:prstGeom>
+        </p:spPr>
+        <p:style>
+          <a:lnRef idx="2">
+            <a:schemeClr val="accent1">
+              <a:shade val="50000"/>
+            </a:schemeClr>
+          </a:lnRef>
+          <a:fillRef idx="1">
+            <a:schemeClr val="accent1"/>
+          </a:fillRef>
+          <a:effectRef idx="0">
+            <a:schemeClr val="accent1"/>
+          </a:effectRef>
+          <a:fontRef idx="minor">
+            <a:schemeClr val="lt1"/>
+          </a:fontRef>
+        </p:style>
+        <p:txBody>
+          <a:bodyPr rtlCol="0" anchor="ctr"/>
+          <a:lstStyle/>
+          <a:p>
+            <a:pPr algn="ctr"/>
+            <a:r>
+              <a:rPr lang="en-US" altLang="zh-CN" smtClean="0"/>
+              <a:t>pyd,pyw,py,pyc</a:t>
+            </a:r>
+            <a:endParaRPr lang="zh-CN" altLang="en-US" b="1"/>
+          </a:p>
+        </p:txBody>
+      </p:sp>
+    </p:spTree>
+    <p:extLst>
+      <p:ext uri="{BB962C8B-B14F-4D97-AF65-F5344CB8AC3E}">
+        <p14:creationId xmlns:p14="http://schemas.microsoft.com/office/powerpoint/2010/main" val="3486187261"/>
       </p:ext>
     </p:extLst>
   </p:cSld>

--- a/python/source code/import/import.pptx
+++ b/python/source code/import/import.pptx
@@ -5,7 +5,7 @@
     <p:sldMasterId id="2147483648" r:id="rId1"/>
   </p:sldMasterIdLst>
   <p:notesMasterIdLst>
-    <p:notesMasterId r:id="rId11"/>
+    <p:notesMasterId r:id="rId18"/>
   </p:notesMasterIdLst>
   <p:sldIdLst>
     <p:sldId id="256" r:id="rId2"/>
@@ -17,6 +17,13 @@
     <p:sldId id="262" r:id="rId8"/>
     <p:sldId id="263" r:id="rId9"/>
     <p:sldId id="264" r:id="rId10"/>
+    <p:sldId id="265" r:id="rId11"/>
+    <p:sldId id="271" r:id="rId12"/>
+    <p:sldId id="266" r:id="rId13"/>
+    <p:sldId id="267" r:id="rId14"/>
+    <p:sldId id="268" r:id="rId15"/>
+    <p:sldId id="270" r:id="rId16"/>
+    <p:sldId id="269" r:id="rId17"/>
   </p:sldIdLst>
   <p:sldSz cx="9144000" cy="6858000" type="screen4x3"/>
   <p:notesSz cx="6858000" cy="9144000"/>
@@ -205,7 +212,7 @@
           <a:p>
             <a:fld id="{137CE5D7-7ED0-47A4-97A4-21C1D4343DF0}" type="datetimeFigureOut">
               <a:rPr lang="zh-CN" altLang="en-US" smtClean="0"/>
-              <a:t>2016/11/14</a:t>
+              <a:t>2016/11/15</a:t>
             </a:fld>
             <a:endParaRPr lang="zh-CN" altLang="en-US"/>
           </a:p>
@@ -561,6 +568,358 @@
 </p:notes>
 </file>
 
+<file path=ppt/notesSlides/notesSlide10.xml><?xml version="1.0" encoding="utf-8"?>
+<p:notes xmlns:a="http://schemas.openxmlformats.org/drawingml/2006/main" xmlns:r="http://schemas.openxmlformats.org/officeDocument/2006/relationships" xmlns:p="http://schemas.openxmlformats.org/presentationml/2006/main">
+  <p:cSld>
+    <p:spTree>
+      <p:nvGrpSpPr>
+        <p:cNvPr id="1" name=""/>
+        <p:cNvGrpSpPr/>
+        <p:nvPr/>
+      </p:nvGrpSpPr>
+      <p:grpSpPr>
+        <a:xfrm>
+          <a:off x="0" y="0"/>
+          <a:ext cx="0" cy="0"/>
+          <a:chOff x="0" y="0"/>
+          <a:chExt cx="0" cy="0"/>
+        </a:xfrm>
+      </p:grpSpPr>
+      <p:sp>
+        <p:nvSpPr>
+          <p:cNvPr id="2" name="幻灯片图像占位符 1"/>
+          <p:cNvSpPr>
+            <a:spLocks noGrp="1" noRot="1" noChangeAspect="1"/>
+          </p:cNvSpPr>
+          <p:nvPr>
+            <p:ph type="sldImg"/>
+          </p:nvPr>
+        </p:nvSpPr>
+        <p:spPr/>
+      </p:sp>
+      <p:sp>
+        <p:nvSpPr>
+          <p:cNvPr id="3" name="备注占位符 2"/>
+          <p:cNvSpPr>
+            <a:spLocks noGrp="1"/>
+          </p:cNvSpPr>
+          <p:nvPr>
+            <p:ph type="body" idx="1"/>
+          </p:nvPr>
+        </p:nvSpPr>
+        <p:spPr/>
+        <p:txBody>
+          <a:bodyPr/>
+          <a:lstStyle/>
+          <a:p>
+            <a:r>
+              <a:rPr lang="zh-CN" altLang="en-US" smtClean="0"/>
+              <a:t>多发点</a:t>
+            </a:r>
+            <a:endParaRPr lang="zh-CN" altLang="en-US"/>
+          </a:p>
+        </p:txBody>
+      </p:sp>
+      <p:sp>
+        <p:nvSpPr>
+          <p:cNvPr id="4" name="灯片编号占位符 3"/>
+          <p:cNvSpPr>
+            <a:spLocks noGrp="1"/>
+          </p:cNvSpPr>
+          <p:nvPr>
+            <p:ph type="sldNum" sz="quarter" idx="10"/>
+          </p:nvPr>
+        </p:nvSpPr>
+        <p:spPr/>
+        <p:txBody>
+          <a:bodyPr/>
+          <a:lstStyle/>
+          <a:p>
+            <a:fld id="{F91F46E5-662D-490C-B319-1285EF71F969}" type="slidenum">
+              <a:rPr lang="zh-CN" altLang="en-US" smtClean="0"/>
+              <a:t>12</a:t>
+            </a:fld>
+            <a:endParaRPr lang="zh-CN" altLang="en-US"/>
+          </a:p>
+        </p:txBody>
+      </p:sp>
+    </p:spTree>
+    <p:extLst>
+      <p:ext uri="{BB962C8B-B14F-4D97-AF65-F5344CB8AC3E}">
+        <p14:creationId xmlns:p14="http://schemas.microsoft.com/office/powerpoint/2010/main" val="1398922481"/>
+      </p:ext>
+    </p:extLst>
+  </p:cSld>
+  <p:clrMapOvr>
+    <a:masterClrMapping/>
+  </p:clrMapOvr>
+</p:notes>
+</file>
+
+<file path=ppt/notesSlides/notesSlide11.xml><?xml version="1.0" encoding="utf-8"?>
+<p:notes xmlns:a="http://schemas.openxmlformats.org/drawingml/2006/main" xmlns:r="http://schemas.openxmlformats.org/officeDocument/2006/relationships" xmlns:p="http://schemas.openxmlformats.org/presentationml/2006/main">
+  <p:cSld>
+    <p:spTree>
+      <p:nvGrpSpPr>
+        <p:cNvPr id="1" name=""/>
+        <p:cNvGrpSpPr/>
+        <p:nvPr/>
+      </p:nvGrpSpPr>
+      <p:grpSpPr>
+        <a:xfrm>
+          <a:off x="0" y="0"/>
+          <a:ext cx="0" cy="0"/>
+          <a:chOff x="0" y="0"/>
+          <a:chExt cx="0" cy="0"/>
+        </a:xfrm>
+      </p:grpSpPr>
+      <p:sp>
+        <p:nvSpPr>
+          <p:cNvPr id="2" name="幻灯片图像占位符 1"/>
+          <p:cNvSpPr>
+            <a:spLocks noGrp="1" noRot="1" noChangeAspect="1"/>
+          </p:cNvSpPr>
+          <p:nvPr>
+            <p:ph type="sldImg"/>
+          </p:nvPr>
+        </p:nvSpPr>
+        <p:spPr/>
+      </p:sp>
+      <p:sp>
+        <p:nvSpPr>
+          <p:cNvPr id="3" name="备注占位符 2"/>
+          <p:cNvSpPr>
+            <a:spLocks noGrp="1"/>
+          </p:cNvSpPr>
+          <p:nvPr>
+            <p:ph type="body" idx="1"/>
+          </p:nvPr>
+        </p:nvSpPr>
+        <p:spPr/>
+        <p:txBody>
+          <a:bodyPr/>
+          <a:lstStyle/>
+          <a:p>
+            <a:r>
+              <a:rPr lang="zh-CN" altLang="en-US" smtClean="0"/>
+              <a:t>多发点</a:t>
+            </a:r>
+            <a:endParaRPr lang="zh-CN" altLang="en-US"/>
+          </a:p>
+        </p:txBody>
+      </p:sp>
+      <p:sp>
+        <p:nvSpPr>
+          <p:cNvPr id="4" name="灯片编号占位符 3"/>
+          <p:cNvSpPr>
+            <a:spLocks noGrp="1"/>
+          </p:cNvSpPr>
+          <p:nvPr>
+            <p:ph type="sldNum" sz="quarter" idx="10"/>
+          </p:nvPr>
+        </p:nvSpPr>
+        <p:spPr/>
+        <p:txBody>
+          <a:bodyPr/>
+          <a:lstStyle/>
+          <a:p>
+            <a:fld id="{F91F46E5-662D-490C-B319-1285EF71F969}" type="slidenum">
+              <a:rPr lang="zh-CN" altLang="en-US" smtClean="0"/>
+              <a:t>13</a:t>
+            </a:fld>
+            <a:endParaRPr lang="zh-CN" altLang="en-US"/>
+          </a:p>
+        </p:txBody>
+      </p:sp>
+    </p:spTree>
+    <p:extLst>
+      <p:ext uri="{BB962C8B-B14F-4D97-AF65-F5344CB8AC3E}">
+        <p14:creationId xmlns:p14="http://schemas.microsoft.com/office/powerpoint/2010/main" val="1725357011"/>
+      </p:ext>
+    </p:extLst>
+  </p:cSld>
+  <p:clrMapOvr>
+    <a:masterClrMapping/>
+  </p:clrMapOvr>
+</p:notes>
+</file>
+
+<file path=ppt/notesSlides/notesSlide12.xml><?xml version="1.0" encoding="utf-8"?>
+<p:notes xmlns:a="http://schemas.openxmlformats.org/drawingml/2006/main" xmlns:r="http://schemas.openxmlformats.org/officeDocument/2006/relationships" xmlns:p="http://schemas.openxmlformats.org/presentationml/2006/main">
+  <p:cSld>
+    <p:spTree>
+      <p:nvGrpSpPr>
+        <p:cNvPr id="1" name=""/>
+        <p:cNvGrpSpPr/>
+        <p:nvPr/>
+      </p:nvGrpSpPr>
+      <p:grpSpPr>
+        <a:xfrm>
+          <a:off x="0" y="0"/>
+          <a:ext cx="0" cy="0"/>
+          <a:chOff x="0" y="0"/>
+          <a:chExt cx="0" cy="0"/>
+        </a:xfrm>
+      </p:grpSpPr>
+      <p:sp>
+        <p:nvSpPr>
+          <p:cNvPr id="2" name="幻灯片图像占位符 1"/>
+          <p:cNvSpPr>
+            <a:spLocks noGrp="1" noRot="1" noChangeAspect="1"/>
+          </p:cNvSpPr>
+          <p:nvPr>
+            <p:ph type="sldImg"/>
+          </p:nvPr>
+        </p:nvSpPr>
+        <p:spPr/>
+      </p:sp>
+      <p:sp>
+        <p:nvSpPr>
+          <p:cNvPr id="3" name="备注占位符 2"/>
+          <p:cNvSpPr>
+            <a:spLocks noGrp="1"/>
+          </p:cNvSpPr>
+          <p:nvPr>
+            <p:ph type="body" idx="1"/>
+          </p:nvPr>
+        </p:nvSpPr>
+        <p:spPr/>
+        <p:txBody>
+          <a:bodyPr/>
+          <a:lstStyle/>
+          <a:p>
+            <a:r>
+              <a:rPr lang="zh-CN" altLang="en-US" smtClean="0"/>
+              <a:t>多发点</a:t>
+            </a:r>
+            <a:endParaRPr lang="zh-CN" altLang="en-US"/>
+          </a:p>
+        </p:txBody>
+      </p:sp>
+      <p:sp>
+        <p:nvSpPr>
+          <p:cNvPr id="4" name="灯片编号占位符 3"/>
+          <p:cNvSpPr>
+            <a:spLocks noGrp="1"/>
+          </p:cNvSpPr>
+          <p:nvPr>
+            <p:ph type="sldNum" sz="quarter" idx="10"/>
+          </p:nvPr>
+        </p:nvSpPr>
+        <p:spPr/>
+        <p:txBody>
+          <a:bodyPr/>
+          <a:lstStyle/>
+          <a:p>
+            <a:fld id="{F91F46E5-662D-490C-B319-1285EF71F969}" type="slidenum">
+              <a:rPr lang="zh-CN" altLang="en-US" smtClean="0"/>
+              <a:t>14</a:t>
+            </a:fld>
+            <a:endParaRPr lang="zh-CN" altLang="en-US"/>
+          </a:p>
+        </p:txBody>
+      </p:sp>
+    </p:spTree>
+    <p:extLst>
+      <p:ext uri="{BB962C8B-B14F-4D97-AF65-F5344CB8AC3E}">
+        <p14:creationId xmlns:p14="http://schemas.microsoft.com/office/powerpoint/2010/main" val="1976693893"/>
+      </p:ext>
+    </p:extLst>
+  </p:cSld>
+  <p:clrMapOvr>
+    <a:masterClrMapping/>
+  </p:clrMapOvr>
+</p:notes>
+</file>
+
+<file path=ppt/notesSlides/notesSlide13.xml><?xml version="1.0" encoding="utf-8"?>
+<p:notes xmlns:a="http://schemas.openxmlformats.org/drawingml/2006/main" xmlns:r="http://schemas.openxmlformats.org/officeDocument/2006/relationships" xmlns:p="http://schemas.openxmlformats.org/presentationml/2006/main">
+  <p:cSld>
+    <p:spTree>
+      <p:nvGrpSpPr>
+        <p:cNvPr id="1" name=""/>
+        <p:cNvGrpSpPr/>
+        <p:nvPr/>
+      </p:nvGrpSpPr>
+      <p:grpSpPr>
+        <a:xfrm>
+          <a:off x="0" y="0"/>
+          <a:ext cx="0" cy="0"/>
+          <a:chOff x="0" y="0"/>
+          <a:chExt cx="0" cy="0"/>
+        </a:xfrm>
+      </p:grpSpPr>
+      <p:sp>
+        <p:nvSpPr>
+          <p:cNvPr id="2" name="幻灯片图像占位符 1"/>
+          <p:cNvSpPr>
+            <a:spLocks noGrp="1" noRot="1" noChangeAspect="1"/>
+          </p:cNvSpPr>
+          <p:nvPr>
+            <p:ph type="sldImg"/>
+          </p:nvPr>
+        </p:nvSpPr>
+        <p:spPr/>
+      </p:sp>
+      <p:sp>
+        <p:nvSpPr>
+          <p:cNvPr id="3" name="备注占位符 2"/>
+          <p:cNvSpPr>
+            <a:spLocks noGrp="1"/>
+          </p:cNvSpPr>
+          <p:nvPr>
+            <p:ph type="body" idx="1"/>
+          </p:nvPr>
+        </p:nvSpPr>
+        <p:spPr/>
+        <p:txBody>
+          <a:bodyPr/>
+          <a:lstStyle/>
+          <a:p>
+            <a:r>
+              <a:rPr lang="zh-CN" altLang="en-US" smtClean="0"/>
+              <a:t>多发点</a:t>
+            </a:r>
+            <a:endParaRPr lang="zh-CN" altLang="en-US"/>
+          </a:p>
+        </p:txBody>
+      </p:sp>
+      <p:sp>
+        <p:nvSpPr>
+          <p:cNvPr id="4" name="灯片编号占位符 3"/>
+          <p:cNvSpPr>
+            <a:spLocks noGrp="1"/>
+          </p:cNvSpPr>
+          <p:nvPr>
+            <p:ph type="sldNum" sz="quarter" idx="10"/>
+          </p:nvPr>
+        </p:nvSpPr>
+        <p:spPr/>
+        <p:txBody>
+          <a:bodyPr/>
+          <a:lstStyle/>
+          <a:p>
+            <a:fld id="{F91F46E5-662D-490C-B319-1285EF71F969}" type="slidenum">
+              <a:rPr lang="zh-CN" altLang="en-US" smtClean="0"/>
+              <a:t>15</a:t>
+            </a:fld>
+            <a:endParaRPr lang="zh-CN" altLang="en-US"/>
+          </a:p>
+        </p:txBody>
+      </p:sp>
+    </p:spTree>
+    <p:extLst>
+      <p:ext uri="{BB962C8B-B14F-4D97-AF65-F5344CB8AC3E}">
+        <p14:creationId xmlns:p14="http://schemas.microsoft.com/office/powerpoint/2010/main" val="4096770836"/>
+      </p:ext>
+    </p:extLst>
+  </p:cSld>
+  <p:clrMapOvr>
+    <a:masterClrMapping/>
+  </p:clrMapOvr>
+</p:notes>
+</file>
+
 <file path=ppt/notesSlides/notesSlide2.xml><?xml version="1.0" encoding="utf-8"?>
 <p:notes xmlns:a="http://schemas.openxmlformats.org/drawingml/2006/main" xmlns:r="http://schemas.openxmlformats.org/officeDocument/2006/relationships" xmlns:p="http://schemas.openxmlformats.org/presentationml/2006/main">
   <p:cSld>
@@ -1082,6 +1441,182 @@
     <p:extLst>
       <p:ext uri="{BB962C8B-B14F-4D97-AF65-F5344CB8AC3E}">
         <p14:creationId xmlns:p14="http://schemas.microsoft.com/office/powerpoint/2010/main" val="953382004"/>
+      </p:ext>
+    </p:extLst>
+  </p:cSld>
+  <p:clrMapOvr>
+    <a:masterClrMapping/>
+  </p:clrMapOvr>
+</p:notes>
+</file>
+
+<file path=ppt/notesSlides/notesSlide8.xml><?xml version="1.0" encoding="utf-8"?>
+<p:notes xmlns:a="http://schemas.openxmlformats.org/drawingml/2006/main" xmlns:r="http://schemas.openxmlformats.org/officeDocument/2006/relationships" xmlns:p="http://schemas.openxmlformats.org/presentationml/2006/main">
+  <p:cSld>
+    <p:spTree>
+      <p:nvGrpSpPr>
+        <p:cNvPr id="1" name=""/>
+        <p:cNvGrpSpPr/>
+        <p:nvPr/>
+      </p:nvGrpSpPr>
+      <p:grpSpPr>
+        <a:xfrm>
+          <a:off x="0" y="0"/>
+          <a:ext cx="0" cy="0"/>
+          <a:chOff x="0" y="0"/>
+          <a:chExt cx="0" cy="0"/>
+        </a:xfrm>
+      </p:grpSpPr>
+      <p:sp>
+        <p:nvSpPr>
+          <p:cNvPr id="2" name="幻灯片图像占位符 1"/>
+          <p:cNvSpPr>
+            <a:spLocks noGrp="1" noRot="1" noChangeAspect="1"/>
+          </p:cNvSpPr>
+          <p:nvPr>
+            <p:ph type="sldImg"/>
+          </p:nvPr>
+        </p:nvSpPr>
+        <p:spPr/>
+      </p:sp>
+      <p:sp>
+        <p:nvSpPr>
+          <p:cNvPr id="3" name="备注占位符 2"/>
+          <p:cNvSpPr>
+            <a:spLocks noGrp="1"/>
+          </p:cNvSpPr>
+          <p:nvPr>
+            <p:ph type="body" idx="1"/>
+          </p:nvPr>
+        </p:nvSpPr>
+        <p:spPr/>
+        <p:txBody>
+          <a:bodyPr/>
+          <a:lstStyle/>
+          <a:p>
+            <a:r>
+              <a:rPr lang="zh-CN" altLang="en-US" smtClean="0"/>
+              <a:t>多发点</a:t>
+            </a:r>
+            <a:endParaRPr lang="zh-CN" altLang="en-US"/>
+          </a:p>
+        </p:txBody>
+      </p:sp>
+      <p:sp>
+        <p:nvSpPr>
+          <p:cNvPr id="4" name="灯片编号占位符 3"/>
+          <p:cNvSpPr>
+            <a:spLocks noGrp="1"/>
+          </p:cNvSpPr>
+          <p:nvPr>
+            <p:ph type="sldNum" sz="quarter" idx="10"/>
+          </p:nvPr>
+        </p:nvSpPr>
+        <p:spPr/>
+        <p:txBody>
+          <a:bodyPr/>
+          <a:lstStyle/>
+          <a:p>
+            <a:fld id="{F91F46E5-662D-490C-B319-1285EF71F969}" type="slidenum">
+              <a:rPr lang="zh-CN" altLang="en-US" smtClean="0"/>
+              <a:t>10</a:t>
+            </a:fld>
+            <a:endParaRPr lang="zh-CN" altLang="en-US"/>
+          </a:p>
+        </p:txBody>
+      </p:sp>
+    </p:spTree>
+    <p:extLst>
+      <p:ext uri="{BB962C8B-B14F-4D97-AF65-F5344CB8AC3E}">
+        <p14:creationId xmlns:p14="http://schemas.microsoft.com/office/powerpoint/2010/main" val="3137796104"/>
+      </p:ext>
+    </p:extLst>
+  </p:cSld>
+  <p:clrMapOvr>
+    <a:masterClrMapping/>
+  </p:clrMapOvr>
+</p:notes>
+</file>
+
+<file path=ppt/notesSlides/notesSlide9.xml><?xml version="1.0" encoding="utf-8"?>
+<p:notes xmlns:a="http://schemas.openxmlformats.org/drawingml/2006/main" xmlns:r="http://schemas.openxmlformats.org/officeDocument/2006/relationships" xmlns:p="http://schemas.openxmlformats.org/presentationml/2006/main">
+  <p:cSld>
+    <p:spTree>
+      <p:nvGrpSpPr>
+        <p:cNvPr id="1" name=""/>
+        <p:cNvGrpSpPr/>
+        <p:nvPr/>
+      </p:nvGrpSpPr>
+      <p:grpSpPr>
+        <a:xfrm>
+          <a:off x="0" y="0"/>
+          <a:ext cx="0" cy="0"/>
+          <a:chOff x="0" y="0"/>
+          <a:chExt cx="0" cy="0"/>
+        </a:xfrm>
+      </p:grpSpPr>
+      <p:sp>
+        <p:nvSpPr>
+          <p:cNvPr id="2" name="幻灯片图像占位符 1"/>
+          <p:cNvSpPr>
+            <a:spLocks noGrp="1" noRot="1" noChangeAspect="1"/>
+          </p:cNvSpPr>
+          <p:nvPr>
+            <p:ph type="sldImg"/>
+          </p:nvPr>
+        </p:nvSpPr>
+        <p:spPr/>
+      </p:sp>
+      <p:sp>
+        <p:nvSpPr>
+          <p:cNvPr id="3" name="备注占位符 2"/>
+          <p:cNvSpPr>
+            <a:spLocks noGrp="1"/>
+          </p:cNvSpPr>
+          <p:nvPr>
+            <p:ph type="body" idx="1"/>
+          </p:nvPr>
+        </p:nvSpPr>
+        <p:spPr/>
+        <p:txBody>
+          <a:bodyPr/>
+          <a:lstStyle/>
+          <a:p>
+            <a:r>
+              <a:rPr lang="zh-CN" altLang="en-US" smtClean="0"/>
+              <a:t>多发点</a:t>
+            </a:r>
+            <a:endParaRPr lang="zh-CN" altLang="en-US"/>
+          </a:p>
+        </p:txBody>
+      </p:sp>
+      <p:sp>
+        <p:nvSpPr>
+          <p:cNvPr id="4" name="灯片编号占位符 3"/>
+          <p:cNvSpPr>
+            <a:spLocks noGrp="1"/>
+          </p:cNvSpPr>
+          <p:nvPr>
+            <p:ph type="sldNum" sz="quarter" idx="10"/>
+          </p:nvPr>
+        </p:nvSpPr>
+        <p:spPr/>
+        <p:txBody>
+          <a:bodyPr/>
+          <a:lstStyle/>
+          <a:p>
+            <a:fld id="{F91F46E5-662D-490C-B319-1285EF71F969}" type="slidenum">
+              <a:rPr lang="zh-CN" altLang="en-US" smtClean="0"/>
+              <a:t>11</a:t>
+            </a:fld>
+            <a:endParaRPr lang="zh-CN" altLang="en-US"/>
+          </a:p>
+        </p:txBody>
+      </p:sp>
+    </p:spTree>
+    <p:extLst>
+      <p:ext uri="{BB962C8B-B14F-4D97-AF65-F5344CB8AC3E}">
+        <p14:creationId xmlns:p14="http://schemas.microsoft.com/office/powerpoint/2010/main" val="1964142014"/>
       </p:ext>
     </p:extLst>
   </p:cSld>
@@ -1222,7 +1757,7 @@
           <a:p>
             <a:fld id="{E26C717F-3C9D-465A-8BFA-E9A9E7C863CF}" type="datetimeFigureOut">
               <a:rPr lang="zh-CN" altLang="en-US" smtClean="0"/>
-              <a:t>2016/11/14</a:t>
+              <a:t>2016/11/15</a:t>
             </a:fld>
             <a:endParaRPr lang="zh-CN" altLang="en-US"/>
           </a:p>
@@ -1392,7 +1927,7 @@
           <a:p>
             <a:fld id="{E26C717F-3C9D-465A-8BFA-E9A9E7C863CF}" type="datetimeFigureOut">
               <a:rPr lang="zh-CN" altLang="en-US" smtClean="0"/>
-              <a:t>2016/11/14</a:t>
+              <a:t>2016/11/15</a:t>
             </a:fld>
             <a:endParaRPr lang="zh-CN" altLang="en-US"/>
           </a:p>
@@ -1572,7 +2107,7 @@
           <a:p>
             <a:fld id="{E26C717F-3C9D-465A-8BFA-E9A9E7C863CF}" type="datetimeFigureOut">
               <a:rPr lang="zh-CN" altLang="en-US" smtClean="0"/>
-              <a:t>2016/11/14</a:t>
+              <a:t>2016/11/15</a:t>
             </a:fld>
             <a:endParaRPr lang="zh-CN" altLang="en-US"/>
           </a:p>
@@ -1742,7 +2277,7 @@
           <a:p>
             <a:fld id="{E26C717F-3C9D-465A-8BFA-E9A9E7C863CF}" type="datetimeFigureOut">
               <a:rPr lang="zh-CN" altLang="en-US" smtClean="0"/>
-              <a:t>2016/11/14</a:t>
+              <a:t>2016/11/15</a:t>
             </a:fld>
             <a:endParaRPr lang="zh-CN" altLang="en-US"/>
           </a:p>
@@ -1988,7 +2523,7 @@
           <a:p>
             <a:fld id="{E26C717F-3C9D-465A-8BFA-E9A9E7C863CF}" type="datetimeFigureOut">
               <a:rPr lang="zh-CN" altLang="en-US" smtClean="0"/>
-              <a:t>2016/11/14</a:t>
+              <a:t>2016/11/15</a:t>
             </a:fld>
             <a:endParaRPr lang="zh-CN" altLang="en-US"/>
           </a:p>
@@ -2220,7 +2755,7 @@
           <a:p>
             <a:fld id="{E26C717F-3C9D-465A-8BFA-E9A9E7C863CF}" type="datetimeFigureOut">
               <a:rPr lang="zh-CN" altLang="en-US" smtClean="0"/>
-              <a:t>2016/11/14</a:t>
+              <a:t>2016/11/15</a:t>
             </a:fld>
             <a:endParaRPr lang="zh-CN" altLang="en-US"/>
           </a:p>
@@ -2587,7 +3122,7 @@
           <a:p>
             <a:fld id="{E26C717F-3C9D-465A-8BFA-E9A9E7C863CF}" type="datetimeFigureOut">
               <a:rPr lang="zh-CN" altLang="en-US" smtClean="0"/>
-              <a:t>2016/11/14</a:t>
+              <a:t>2016/11/15</a:t>
             </a:fld>
             <a:endParaRPr lang="zh-CN" altLang="en-US"/>
           </a:p>
@@ -2705,7 +3240,7 @@
           <a:p>
             <a:fld id="{E26C717F-3C9D-465A-8BFA-E9A9E7C863CF}" type="datetimeFigureOut">
               <a:rPr lang="zh-CN" altLang="en-US" smtClean="0"/>
-              <a:t>2016/11/14</a:t>
+              <a:t>2016/11/15</a:t>
             </a:fld>
             <a:endParaRPr lang="zh-CN" altLang="en-US"/>
           </a:p>
@@ -2800,7 +3335,7 @@
           <a:p>
             <a:fld id="{E26C717F-3C9D-465A-8BFA-E9A9E7C863CF}" type="datetimeFigureOut">
               <a:rPr lang="zh-CN" altLang="en-US" smtClean="0"/>
-              <a:t>2016/11/14</a:t>
+              <a:t>2016/11/15</a:t>
             </a:fld>
             <a:endParaRPr lang="zh-CN" altLang="en-US"/>
           </a:p>
@@ -3077,7 +3612,7 @@
           <a:p>
             <a:fld id="{E26C717F-3C9D-465A-8BFA-E9A9E7C863CF}" type="datetimeFigureOut">
               <a:rPr lang="zh-CN" altLang="en-US" smtClean="0"/>
-              <a:t>2016/11/14</a:t>
+              <a:t>2016/11/15</a:t>
             </a:fld>
             <a:endParaRPr lang="zh-CN" altLang="en-US"/>
           </a:p>
@@ -3330,7 +3865,7 @@
           <a:p>
             <a:fld id="{E26C717F-3C9D-465A-8BFA-E9A9E7C863CF}" type="datetimeFigureOut">
               <a:rPr lang="zh-CN" altLang="en-US" smtClean="0"/>
-              <a:t>2016/11/14</a:t>
+              <a:t>2016/11/15</a:t>
             </a:fld>
             <a:endParaRPr lang="zh-CN" altLang="en-US"/>
           </a:p>
@@ -3543,7 +4078,7 @@
           <a:p>
             <a:fld id="{E26C717F-3C9D-465A-8BFA-E9A9E7C863CF}" type="datetimeFigureOut">
               <a:rPr lang="zh-CN" altLang="en-US" smtClean="0"/>
-              <a:t>2016/11/14</a:t>
+              <a:t>2016/11/15</a:t>
             </a:fld>
             <a:endParaRPr lang="zh-CN" altLang="en-US"/>
           </a:p>
@@ -3999,6 +4534,1373 @@
 </p:sld>
 </file>
 
+<file path=ppt/slides/slide10.xml><?xml version="1.0" encoding="utf-8"?>
+<p:sld xmlns:a="http://schemas.openxmlformats.org/drawingml/2006/main" xmlns:r="http://schemas.openxmlformats.org/officeDocument/2006/relationships" xmlns:p="http://schemas.openxmlformats.org/presentationml/2006/main">
+  <p:cSld>
+    <p:spTree>
+      <p:nvGrpSpPr>
+        <p:cNvPr id="1" name=""/>
+        <p:cNvGrpSpPr/>
+        <p:nvPr/>
+      </p:nvGrpSpPr>
+      <p:grpSpPr>
+        <a:xfrm>
+          <a:off x="0" y="0"/>
+          <a:ext cx="0" cy="0"/>
+          <a:chOff x="0" y="0"/>
+          <a:chExt cx="0" cy="0"/>
+        </a:xfrm>
+      </p:grpSpPr>
+      <p:sp>
+        <p:nvSpPr>
+          <p:cNvPr id="29" name="流程图: 可选过程 28"/>
+          <p:cNvSpPr/>
+          <p:nvPr/>
+        </p:nvSpPr>
+        <p:spPr>
+          <a:xfrm>
+            <a:off x="403454" y="179133"/>
+            <a:ext cx="1566661" cy="479644"/>
+          </a:xfrm>
+          <a:prstGeom prst="flowChartAlternateProcess">
+            <a:avLst/>
+          </a:prstGeom>
+        </p:spPr>
+        <p:style>
+          <a:lnRef idx="2">
+            <a:schemeClr val="accent1">
+              <a:shade val="50000"/>
+            </a:schemeClr>
+          </a:lnRef>
+          <a:fillRef idx="1">
+            <a:schemeClr val="accent1"/>
+          </a:fillRef>
+          <a:effectRef idx="0">
+            <a:schemeClr val="accent1"/>
+          </a:effectRef>
+          <a:fontRef idx="minor">
+            <a:schemeClr val="lt1"/>
+          </a:fontRef>
+        </p:style>
+        <p:txBody>
+          <a:bodyPr rtlCol="0" anchor="ctr"/>
+          <a:lstStyle/>
+          <a:p>
+            <a:pPr algn="ctr"/>
+            <a:r>
+              <a:rPr lang="en-US" altLang="zh-CN" b="1"/>
+              <a:t>PyCodeObject</a:t>
+            </a:r>
+            <a:endParaRPr lang="zh-CN" altLang="en-US" b="1"/>
+          </a:p>
+        </p:txBody>
+      </p:sp>
+      <p:sp>
+        <p:nvSpPr>
+          <p:cNvPr id="11" name="流程图: 可选过程 10"/>
+          <p:cNvSpPr/>
+          <p:nvPr/>
+        </p:nvSpPr>
+        <p:spPr>
+          <a:xfrm>
+            <a:off x="403454" y="988239"/>
+            <a:ext cx="1566661" cy="479644"/>
+          </a:xfrm>
+          <a:prstGeom prst="flowChartAlternateProcess">
+            <a:avLst/>
+          </a:prstGeom>
+        </p:spPr>
+        <p:style>
+          <a:lnRef idx="2">
+            <a:schemeClr val="accent1">
+              <a:shade val="50000"/>
+            </a:schemeClr>
+          </a:lnRef>
+          <a:fillRef idx="1">
+            <a:schemeClr val="accent1"/>
+          </a:fillRef>
+          <a:effectRef idx="0">
+            <a:schemeClr val="accent1"/>
+          </a:effectRef>
+          <a:fontRef idx="minor">
+            <a:schemeClr val="lt1"/>
+          </a:fontRef>
+        </p:style>
+        <p:txBody>
+          <a:bodyPr rtlCol="0" anchor="ctr"/>
+          <a:lstStyle/>
+          <a:p>
+            <a:pPr algn="ctr"/>
+            <a:r>
+              <a:rPr lang="en-US" altLang="zh-CN" b="1" smtClean="0"/>
+              <a:t>co_code</a:t>
+            </a:r>
+            <a:endParaRPr lang="zh-CN" altLang="en-US" b="1"/>
+          </a:p>
+        </p:txBody>
+      </p:sp>
+      <p:sp>
+        <p:nvSpPr>
+          <p:cNvPr id="13" name="流程图: 可选过程 12"/>
+          <p:cNvSpPr/>
+          <p:nvPr/>
+        </p:nvSpPr>
+        <p:spPr>
+          <a:xfrm>
+            <a:off x="3238094" y="988239"/>
+            <a:ext cx="2630691" cy="479644"/>
+          </a:xfrm>
+          <a:prstGeom prst="flowChartAlternateProcess">
+            <a:avLst/>
+          </a:prstGeom>
+        </p:spPr>
+        <p:style>
+          <a:lnRef idx="2">
+            <a:schemeClr val="accent1">
+              <a:shade val="50000"/>
+            </a:schemeClr>
+          </a:lnRef>
+          <a:fillRef idx="1">
+            <a:schemeClr val="accent1"/>
+          </a:fillRef>
+          <a:effectRef idx="0">
+            <a:schemeClr val="accent1"/>
+          </a:effectRef>
+          <a:fontRef idx="minor">
+            <a:schemeClr val="lt1"/>
+          </a:fontRef>
+        </p:style>
+        <p:txBody>
+          <a:bodyPr rtlCol="0" anchor="ctr"/>
+          <a:lstStyle/>
+          <a:p>
+            <a:pPr algn="ctr"/>
+            <a:r>
+              <a:rPr lang="en-US" altLang="zh-CN" b="1" smtClean="0"/>
+              <a:t>sys.modules[name]=mod</a:t>
+            </a:r>
+            <a:endParaRPr lang="zh-CN" altLang="en-US" b="1"/>
+          </a:p>
+        </p:txBody>
+      </p:sp>
+      <p:sp>
+        <p:nvSpPr>
+          <p:cNvPr id="14" name="流程图: 可选过程 13"/>
+          <p:cNvSpPr/>
+          <p:nvPr/>
+        </p:nvSpPr>
+        <p:spPr>
+          <a:xfrm>
+            <a:off x="3861548" y="1910951"/>
+            <a:ext cx="1566661" cy="479644"/>
+          </a:xfrm>
+          <a:prstGeom prst="flowChartAlternateProcess">
+            <a:avLst/>
+          </a:prstGeom>
+        </p:spPr>
+        <p:style>
+          <a:lnRef idx="2">
+            <a:schemeClr val="accent1">
+              <a:shade val="50000"/>
+            </a:schemeClr>
+          </a:lnRef>
+          <a:fillRef idx="1">
+            <a:schemeClr val="accent1"/>
+          </a:fillRef>
+          <a:effectRef idx="0">
+            <a:schemeClr val="accent1"/>
+          </a:effectRef>
+          <a:fontRef idx="minor">
+            <a:schemeClr val="lt1"/>
+          </a:fontRef>
+        </p:style>
+        <p:txBody>
+          <a:bodyPr rtlCol="0" anchor="ctr"/>
+          <a:lstStyle/>
+          <a:p>
+            <a:pPr algn="ctr"/>
+            <a:r>
+              <a:rPr lang="en-US" altLang="zh-CN" b="1" smtClean="0"/>
+              <a:t>exe co_code</a:t>
+            </a:r>
+            <a:endParaRPr lang="zh-CN" altLang="en-US" b="1"/>
+          </a:p>
+        </p:txBody>
+      </p:sp>
+      <p:sp>
+        <p:nvSpPr>
+          <p:cNvPr id="15" name="流程图: 可选过程 14"/>
+          <p:cNvSpPr/>
+          <p:nvPr/>
+        </p:nvSpPr>
+        <p:spPr>
+          <a:xfrm>
+            <a:off x="3861547" y="2799435"/>
+            <a:ext cx="1566661" cy="479644"/>
+          </a:xfrm>
+          <a:prstGeom prst="flowChartAlternateProcess">
+            <a:avLst/>
+          </a:prstGeom>
+        </p:spPr>
+        <p:style>
+          <a:lnRef idx="2">
+            <a:schemeClr val="accent1">
+              <a:shade val="50000"/>
+            </a:schemeClr>
+          </a:lnRef>
+          <a:fillRef idx="1">
+            <a:schemeClr val="accent1"/>
+          </a:fillRef>
+          <a:effectRef idx="0">
+            <a:schemeClr val="accent1"/>
+          </a:effectRef>
+          <a:fontRef idx="minor">
+            <a:schemeClr val="lt1"/>
+          </a:fontRef>
+        </p:style>
+        <p:txBody>
+          <a:bodyPr rtlCol="0" anchor="ctr"/>
+          <a:lstStyle/>
+          <a:p>
+            <a:pPr algn="ctr"/>
+            <a:r>
+              <a:rPr lang="en-US" altLang="zh-CN" b="1"/>
+              <a:t>mod. md_dict</a:t>
+            </a:r>
+            <a:endParaRPr lang="zh-CN" altLang="en-US" b="1"/>
+          </a:p>
+        </p:txBody>
+      </p:sp>
+    </p:spTree>
+    <p:extLst>
+      <p:ext uri="{BB962C8B-B14F-4D97-AF65-F5344CB8AC3E}">
+        <p14:creationId xmlns:p14="http://schemas.microsoft.com/office/powerpoint/2010/main" val="1243705041"/>
+      </p:ext>
+    </p:extLst>
+  </p:cSld>
+  <p:clrMapOvr>
+    <a:masterClrMapping/>
+  </p:clrMapOvr>
+  <p:timing>
+    <p:tnLst>
+      <p:par>
+        <p:cTn id="1" dur="indefinite" restart="never" nodeType="tmRoot"/>
+      </p:par>
+    </p:tnLst>
+  </p:timing>
+</p:sld>
+</file>
+
+<file path=ppt/slides/slide11.xml><?xml version="1.0" encoding="utf-8"?>
+<p:sld xmlns:a="http://schemas.openxmlformats.org/drawingml/2006/main" xmlns:r="http://schemas.openxmlformats.org/officeDocument/2006/relationships" xmlns:p="http://schemas.openxmlformats.org/presentationml/2006/main">
+  <p:cSld>
+    <p:spTree>
+      <p:nvGrpSpPr>
+        <p:cNvPr id="1" name=""/>
+        <p:cNvGrpSpPr/>
+        <p:nvPr/>
+      </p:nvGrpSpPr>
+      <p:grpSpPr>
+        <a:xfrm>
+          <a:off x="0" y="0"/>
+          <a:ext cx="0" cy="0"/>
+          <a:chOff x="0" y="0"/>
+          <a:chExt cx="0" cy="0"/>
+        </a:xfrm>
+      </p:grpSpPr>
+      <p:sp>
+        <p:nvSpPr>
+          <p:cNvPr id="2" name="矩形 1"/>
+          <p:cNvSpPr/>
+          <p:nvPr/>
+        </p:nvSpPr>
+        <p:spPr>
+          <a:xfrm>
+            <a:off x="806334" y="783905"/>
+            <a:ext cx="4572000" cy="1200329"/>
+          </a:xfrm>
+          <a:prstGeom prst="rect">
+            <a:avLst/>
+          </a:prstGeom>
+        </p:spPr>
+        <p:txBody>
+          <a:bodyPr>
+            <a:spAutoFit/>
+          </a:bodyPr>
+          <a:lstStyle/>
+          <a:p>
+            <a:r>
+              <a:rPr lang="zh-CN" altLang="en-US"/>
+              <a:t>typedef struct {</a:t>
+            </a:r>
+          </a:p>
+          <a:p>
+            <a:r>
+              <a:rPr lang="zh-CN" altLang="en-US"/>
+              <a:t>    PyObject_HEAD</a:t>
+            </a:r>
+          </a:p>
+          <a:p>
+            <a:r>
+              <a:rPr lang="zh-CN" altLang="en-US"/>
+              <a:t>    PyObject *md_dict;</a:t>
+            </a:r>
+          </a:p>
+          <a:p>
+            <a:r>
+              <a:rPr lang="zh-CN" altLang="en-US"/>
+              <a:t>} PyModuleObject;</a:t>
+            </a:r>
+          </a:p>
+        </p:txBody>
+      </p:sp>
+    </p:spTree>
+    <p:extLst>
+      <p:ext uri="{BB962C8B-B14F-4D97-AF65-F5344CB8AC3E}">
+        <p14:creationId xmlns:p14="http://schemas.microsoft.com/office/powerpoint/2010/main" val="4277693035"/>
+      </p:ext>
+    </p:extLst>
+  </p:cSld>
+  <p:clrMapOvr>
+    <a:masterClrMapping/>
+  </p:clrMapOvr>
+  <p:timing>
+    <p:tnLst>
+      <p:par>
+        <p:cTn id="1" dur="indefinite" restart="never" nodeType="tmRoot"/>
+      </p:par>
+    </p:tnLst>
+  </p:timing>
+</p:sld>
+</file>
+
+<file path=ppt/slides/slide12.xml><?xml version="1.0" encoding="utf-8"?>
+<p:sld xmlns:a="http://schemas.openxmlformats.org/drawingml/2006/main" xmlns:r="http://schemas.openxmlformats.org/officeDocument/2006/relationships" xmlns:p="http://schemas.openxmlformats.org/presentationml/2006/main">
+  <p:cSld>
+    <p:spTree>
+      <p:nvGrpSpPr>
+        <p:cNvPr id="1" name=""/>
+        <p:cNvGrpSpPr/>
+        <p:nvPr/>
+      </p:nvGrpSpPr>
+      <p:grpSpPr>
+        <a:xfrm>
+          <a:off x="0" y="0"/>
+          <a:ext cx="0" cy="0"/>
+          <a:chOff x="0" y="0"/>
+          <a:chExt cx="0" cy="0"/>
+        </a:xfrm>
+      </p:grpSpPr>
+      <p:sp>
+        <p:nvSpPr>
+          <p:cNvPr id="2" name="矩形 1"/>
+          <p:cNvSpPr/>
+          <p:nvPr/>
+        </p:nvSpPr>
+        <p:spPr>
+          <a:xfrm>
+            <a:off x="124691" y="472849"/>
+            <a:ext cx="4572000" cy="369332"/>
+          </a:xfrm>
+          <a:prstGeom prst="rect">
+            <a:avLst/>
+          </a:prstGeom>
+        </p:spPr>
+        <p:txBody>
+          <a:bodyPr>
+            <a:spAutoFit/>
+          </a:bodyPr>
+          <a:lstStyle/>
+          <a:p>
+            <a:r>
+              <a:rPr lang="zh-CN" altLang="en-US"/>
+              <a:t>INT_</a:t>
+            </a:r>
+            <a:r>
+              <a:rPr lang="zh-CN" altLang="en-US"/>
+              <a:t>SIZE</a:t>
+            </a:r>
+            <a:r>
+              <a:rPr lang="zh-CN" altLang="en-US" smtClean="0"/>
+              <a:t>=</a:t>
+            </a:r>
+            <a:r>
+              <a:rPr lang="en-US" altLang="zh-CN"/>
+              <a:t>4</a:t>
+            </a:r>
+            <a:endParaRPr lang="zh-CN" altLang="en-US"/>
+          </a:p>
+        </p:txBody>
+      </p:sp>
+      <p:sp>
+        <p:nvSpPr>
+          <p:cNvPr id="4" name="矩形 3"/>
+          <p:cNvSpPr/>
+          <p:nvPr/>
+        </p:nvSpPr>
+        <p:spPr>
+          <a:xfrm>
+            <a:off x="199505" y="1102467"/>
+            <a:ext cx="4572000" cy="646331"/>
+          </a:xfrm>
+          <a:prstGeom prst="rect">
+            <a:avLst/>
+          </a:prstGeom>
+        </p:spPr>
+        <p:txBody>
+          <a:bodyPr>
+            <a:spAutoFit/>
+          </a:bodyPr>
+          <a:lstStyle/>
+          <a:p>
+            <a:r>
+              <a:rPr lang="zh-CN" altLang="en-US" smtClean="0"/>
+              <a:t>LOAD</a:t>
+            </a:r>
+            <a:r>
+              <a:rPr lang="zh-CN" altLang="en-US"/>
+              <a:t>_CONST               0 (</a:t>
+            </a:r>
+            <a:r>
+              <a:rPr lang="zh-CN" altLang="en-US"/>
+              <a:t>4</a:t>
+            </a:r>
+            <a:r>
+              <a:rPr lang="zh-CN" altLang="en-US" smtClean="0"/>
+              <a:t>)</a:t>
+            </a:r>
+            <a:endParaRPr lang="en-US" altLang="zh-CN" smtClean="0"/>
+          </a:p>
+          <a:p>
+            <a:r>
+              <a:rPr lang="zh-CN" altLang="en-US" smtClean="0"/>
+              <a:t>STORE</a:t>
+            </a:r>
+            <a:r>
+              <a:rPr lang="zh-CN" altLang="en-US"/>
+              <a:t>_NAME               0 (INT_SIZE)</a:t>
+            </a:r>
+          </a:p>
+        </p:txBody>
+      </p:sp>
+      <p:sp>
+        <p:nvSpPr>
+          <p:cNvPr id="5" name="矩形 4"/>
+          <p:cNvSpPr/>
+          <p:nvPr/>
+        </p:nvSpPr>
+        <p:spPr>
+          <a:xfrm>
+            <a:off x="4696691" y="1379466"/>
+            <a:ext cx="2369559" cy="369332"/>
+          </a:xfrm>
+          <a:prstGeom prst="rect">
+            <a:avLst/>
+          </a:prstGeom>
+        </p:spPr>
+        <p:txBody>
+          <a:bodyPr wrap="none">
+            <a:spAutoFit/>
+          </a:bodyPr>
+          <a:lstStyle/>
+          <a:p>
+            <a:pPr algn="ctr"/>
+            <a:r>
+              <a:rPr lang="en-US" altLang="zh-CN" b="1" smtClean="0"/>
+              <a:t>md_dict[“</a:t>
+            </a:r>
+            <a:r>
+              <a:rPr lang="zh-CN" altLang="en-US"/>
+              <a:t>INT_SIZE</a:t>
+            </a:r>
+            <a:r>
+              <a:rPr lang="en-US" altLang="zh-CN" b="1" smtClean="0"/>
+              <a:t>”]=4</a:t>
+            </a:r>
+            <a:endParaRPr lang="zh-CN" altLang="en-US" b="1"/>
+          </a:p>
+        </p:txBody>
+      </p:sp>
+    </p:spTree>
+    <p:extLst>
+      <p:ext uri="{BB962C8B-B14F-4D97-AF65-F5344CB8AC3E}">
+        <p14:creationId xmlns:p14="http://schemas.microsoft.com/office/powerpoint/2010/main" val="91003756"/>
+      </p:ext>
+    </p:extLst>
+  </p:cSld>
+  <p:clrMapOvr>
+    <a:masterClrMapping/>
+  </p:clrMapOvr>
+  <p:timing>
+    <p:tnLst>
+      <p:par>
+        <p:cTn id="1" dur="indefinite" restart="never" nodeType="tmRoot"/>
+      </p:par>
+    </p:tnLst>
+  </p:timing>
+</p:sld>
+</file>
+
+<file path=ppt/slides/slide13.xml><?xml version="1.0" encoding="utf-8"?>
+<p:sld xmlns:a="http://schemas.openxmlformats.org/drawingml/2006/main" xmlns:r="http://schemas.openxmlformats.org/officeDocument/2006/relationships" xmlns:p="http://schemas.openxmlformats.org/presentationml/2006/main">
+  <p:cSld>
+    <p:spTree>
+      <p:nvGrpSpPr>
+        <p:cNvPr id="1" name=""/>
+        <p:cNvGrpSpPr/>
+        <p:nvPr/>
+      </p:nvGrpSpPr>
+      <p:grpSpPr>
+        <a:xfrm>
+          <a:off x="0" y="0"/>
+          <a:ext cx="0" cy="0"/>
+          <a:chOff x="0" y="0"/>
+          <a:chExt cx="0" cy="0"/>
+        </a:xfrm>
+      </p:grpSpPr>
+      <p:sp>
+        <p:nvSpPr>
+          <p:cNvPr id="2" name="矩形 1"/>
+          <p:cNvSpPr/>
+          <p:nvPr/>
+        </p:nvSpPr>
+        <p:spPr>
+          <a:xfrm>
+            <a:off x="99753" y="406347"/>
+            <a:ext cx="4572000" cy="646331"/>
+          </a:xfrm>
+          <a:prstGeom prst="rect">
+            <a:avLst/>
+          </a:prstGeom>
+        </p:spPr>
+        <p:txBody>
+          <a:bodyPr>
+            <a:spAutoFit/>
+          </a:bodyPr>
+          <a:lstStyle/>
+          <a:p>
+            <a:r>
+              <a:rPr lang="zh-CN" altLang="en-US" smtClean="0"/>
+              <a:t>def </a:t>
+            </a:r>
+            <a:r>
+              <a:rPr lang="zh-CN" altLang="en-US"/>
+              <a:t>Send():</a:t>
+            </a:r>
+          </a:p>
+          <a:p>
+            <a:r>
+              <a:rPr lang="zh-CN" altLang="en-US"/>
+              <a:t>    print "</a:t>
+            </a:r>
+            <a:r>
+              <a:rPr lang="zh-CN" altLang="en-US"/>
+              <a:t>Send</a:t>
+            </a:r>
+            <a:r>
+              <a:rPr lang="zh-CN" altLang="en-US" smtClean="0"/>
+              <a:t>"</a:t>
+            </a:r>
+            <a:endParaRPr lang="zh-CN" altLang="en-US"/>
+          </a:p>
+        </p:txBody>
+      </p:sp>
+      <p:sp>
+        <p:nvSpPr>
+          <p:cNvPr id="3" name="矩形 2"/>
+          <p:cNvSpPr/>
+          <p:nvPr/>
+        </p:nvSpPr>
+        <p:spPr>
+          <a:xfrm>
+            <a:off x="16625" y="2037472"/>
+            <a:ext cx="9310255" cy="923330"/>
+          </a:xfrm>
+          <a:prstGeom prst="rect">
+            <a:avLst/>
+          </a:prstGeom>
+        </p:spPr>
+        <p:txBody>
+          <a:bodyPr wrap="square">
+            <a:spAutoFit/>
+          </a:bodyPr>
+          <a:lstStyle/>
+          <a:p>
+            <a:r>
+              <a:rPr lang="zh-CN" altLang="en-US" smtClean="0"/>
+              <a:t>LOAD</a:t>
+            </a:r>
+            <a:r>
+              <a:rPr lang="zh-CN" altLang="en-US"/>
+              <a:t>_CONST               1 (&lt;code object Send at 00000000025FEB30, file "net.py", line 3&gt;)</a:t>
+            </a:r>
+          </a:p>
+          <a:p>
+            <a:r>
+              <a:rPr lang="zh-CN" altLang="en-US" smtClean="0"/>
+              <a:t>MAKE</a:t>
+            </a:r>
+            <a:r>
+              <a:rPr lang="zh-CN" altLang="en-US"/>
+              <a:t>_</a:t>
+            </a:r>
+            <a:r>
+              <a:rPr lang="zh-CN" altLang="en-US"/>
+              <a:t>FUNCTION        </a:t>
+            </a:r>
+            <a:r>
+              <a:rPr lang="zh-CN" altLang="en-US" smtClean="0"/>
+              <a:t>0</a:t>
+            </a:r>
+            <a:endParaRPr lang="zh-CN" altLang="en-US"/>
+          </a:p>
+          <a:p>
+            <a:r>
+              <a:rPr lang="zh-CN" altLang="en-US" smtClean="0"/>
+              <a:t>STORE</a:t>
+            </a:r>
+            <a:r>
+              <a:rPr lang="zh-CN" altLang="en-US"/>
+              <a:t>_NAME               1 (Send)</a:t>
+            </a:r>
+          </a:p>
+        </p:txBody>
+      </p:sp>
+      <p:sp>
+        <p:nvSpPr>
+          <p:cNvPr id="4" name="矩形 3"/>
+          <p:cNvSpPr/>
+          <p:nvPr/>
+        </p:nvSpPr>
+        <p:spPr>
+          <a:xfrm>
+            <a:off x="0" y="1631665"/>
+            <a:ext cx="1211742" cy="369332"/>
+          </a:xfrm>
+          <a:prstGeom prst="rect">
+            <a:avLst/>
+          </a:prstGeom>
+        </p:spPr>
+        <p:txBody>
+          <a:bodyPr wrap="none">
+            <a:spAutoFit/>
+          </a:bodyPr>
+          <a:lstStyle/>
+          <a:p>
+            <a:r>
+              <a:rPr lang="zh-CN" altLang="en-US"/>
+              <a:t>def Send():</a:t>
+            </a:r>
+            <a:endParaRPr lang="zh-CN" altLang="en-US"/>
+          </a:p>
+        </p:txBody>
+      </p:sp>
+      <p:sp>
+        <p:nvSpPr>
+          <p:cNvPr id="5" name="矩形 4"/>
+          <p:cNvSpPr/>
+          <p:nvPr/>
+        </p:nvSpPr>
+        <p:spPr>
+          <a:xfrm>
+            <a:off x="402382" y="3171979"/>
+            <a:ext cx="1339919" cy="369332"/>
+          </a:xfrm>
+          <a:prstGeom prst="rect">
+            <a:avLst/>
+          </a:prstGeom>
+        </p:spPr>
+        <p:txBody>
+          <a:bodyPr wrap="none">
+            <a:spAutoFit/>
+          </a:bodyPr>
+          <a:lstStyle/>
+          <a:p>
+            <a:r>
+              <a:rPr lang="zh-CN" altLang="en-US"/>
+              <a:t>print "Send"</a:t>
+            </a:r>
+            <a:endParaRPr lang="zh-CN" altLang="en-US"/>
+          </a:p>
+        </p:txBody>
+      </p:sp>
+      <p:sp>
+        <p:nvSpPr>
+          <p:cNvPr id="6" name="矩形 5"/>
+          <p:cNvSpPr/>
+          <p:nvPr/>
+        </p:nvSpPr>
+        <p:spPr>
+          <a:xfrm>
+            <a:off x="402382" y="3549579"/>
+            <a:ext cx="4572000" cy="1477328"/>
+          </a:xfrm>
+          <a:prstGeom prst="rect">
+            <a:avLst/>
+          </a:prstGeom>
+        </p:spPr>
+        <p:txBody>
+          <a:bodyPr>
+            <a:spAutoFit/>
+          </a:bodyPr>
+          <a:lstStyle/>
+          <a:p>
+            <a:r>
+              <a:rPr lang="zh-CN" altLang="en-US" smtClean="0"/>
+              <a:t>LOAD</a:t>
+            </a:r>
+            <a:r>
+              <a:rPr lang="zh-CN" altLang="en-US"/>
+              <a:t>_CONST               1 ('Send')</a:t>
+            </a:r>
+          </a:p>
+          <a:p>
+            <a:r>
+              <a:rPr lang="zh-CN" altLang="en-US" smtClean="0"/>
+              <a:t>PRINT</a:t>
+            </a:r>
+            <a:r>
+              <a:rPr lang="zh-CN" altLang="en-US"/>
+              <a:t>_ITEM          </a:t>
+            </a:r>
+          </a:p>
+          <a:p>
+            <a:r>
+              <a:rPr lang="zh-CN" altLang="en-US" smtClean="0"/>
+              <a:t>PRINT</a:t>
+            </a:r>
+            <a:r>
+              <a:rPr lang="zh-CN" altLang="en-US"/>
+              <a:t>_NEWLINE       </a:t>
+            </a:r>
+          </a:p>
+          <a:p>
+            <a:r>
+              <a:rPr lang="zh-CN" altLang="en-US" smtClean="0"/>
+              <a:t>LOAD</a:t>
+            </a:r>
+            <a:r>
+              <a:rPr lang="zh-CN" altLang="en-US"/>
+              <a:t>_CONST               0 (None)</a:t>
+            </a:r>
+          </a:p>
+          <a:p>
+            <a:r>
+              <a:rPr lang="zh-CN" altLang="en-US" smtClean="0"/>
+              <a:t>RETURN</a:t>
+            </a:r>
+            <a:r>
+              <a:rPr lang="zh-CN" altLang="en-US"/>
+              <a:t>_VALUE        </a:t>
+            </a:r>
+          </a:p>
+        </p:txBody>
+      </p:sp>
+      <p:sp>
+        <p:nvSpPr>
+          <p:cNvPr id="7" name="矩形 6"/>
+          <p:cNvSpPr/>
+          <p:nvPr/>
+        </p:nvSpPr>
+        <p:spPr>
+          <a:xfrm>
+            <a:off x="3553924" y="2627945"/>
+            <a:ext cx="3648820" cy="369332"/>
+          </a:xfrm>
+          <a:prstGeom prst="rect">
+            <a:avLst/>
+          </a:prstGeom>
+        </p:spPr>
+        <p:txBody>
+          <a:bodyPr wrap="none">
+            <a:spAutoFit/>
+          </a:bodyPr>
+          <a:lstStyle/>
+          <a:p>
+            <a:pPr algn="ctr"/>
+            <a:r>
+              <a:rPr lang="en-US" altLang="zh-CN" b="1"/>
+              <a:t>md_dict</a:t>
+            </a:r>
+            <a:r>
+              <a:rPr lang="en-US" altLang="zh-CN" b="1" smtClean="0"/>
+              <a:t>[“</a:t>
+            </a:r>
+            <a:r>
+              <a:rPr lang="zh-CN" altLang="en-US"/>
+              <a:t>Send</a:t>
+            </a:r>
+            <a:r>
+              <a:rPr lang="en-US" altLang="zh-CN" b="1"/>
+              <a:t>”]= PyFunctionObject</a:t>
+            </a:r>
+            <a:endParaRPr lang="zh-CN" altLang="en-US" b="1"/>
+          </a:p>
+        </p:txBody>
+      </p:sp>
+    </p:spTree>
+    <p:extLst>
+      <p:ext uri="{BB962C8B-B14F-4D97-AF65-F5344CB8AC3E}">
+        <p14:creationId xmlns:p14="http://schemas.microsoft.com/office/powerpoint/2010/main" val="1919364272"/>
+      </p:ext>
+    </p:extLst>
+  </p:cSld>
+  <p:clrMapOvr>
+    <a:masterClrMapping/>
+  </p:clrMapOvr>
+  <p:timing>
+    <p:tnLst>
+      <p:par>
+        <p:cTn id="1" dur="indefinite" restart="never" nodeType="tmRoot"/>
+      </p:par>
+    </p:tnLst>
+  </p:timing>
+</p:sld>
+</file>
+
+<file path=ppt/slides/slide14.xml><?xml version="1.0" encoding="utf-8"?>
+<p:sld xmlns:a="http://schemas.openxmlformats.org/drawingml/2006/main" xmlns:r="http://schemas.openxmlformats.org/officeDocument/2006/relationships" xmlns:p="http://schemas.openxmlformats.org/presentationml/2006/main">
+  <p:cSld>
+    <p:spTree>
+      <p:nvGrpSpPr>
+        <p:cNvPr id="1" name=""/>
+        <p:cNvGrpSpPr/>
+        <p:nvPr/>
+      </p:nvGrpSpPr>
+      <p:grpSpPr>
+        <a:xfrm>
+          <a:off x="0" y="0"/>
+          <a:ext cx="0" cy="0"/>
+          <a:chOff x="0" y="0"/>
+          <a:chExt cx="0" cy="0"/>
+        </a:xfrm>
+      </p:grpSpPr>
+      <p:sp>
+        <p:nvSpPr>
+          <p:cNvPr id="2" name="矩形 1"/>
+          <p:cNvSpPr/>
+          <p:nvPr/>
+        </p:nvSpPr>
+        <p:spPr>
+          <a:xfrm>
+            <a:off x="99753" y="406347"/>
+            <a:ext cx="4572000" cy="923330"/>
+          </a:xfrm>
+          <a:prstGeom prst="rect">
+            <a:avLst/>
+          </a:prstGeom>
+        </p:spPr>
+        <p:txBody>
+          <a:bodyPr>
+            <a:spAutoFit/>
+          </a:bodyPr>
+          <a:lstStyle/>
+          <a:p>
+            <a:r>
+              <a:rPr lang="zh-CN" altLang="en-US" smtClean="0"/>
+              <a:t>class </a:t>
+            </a:r>
+            <a:r>
+              <a:rPr lang="zh-CN" altLang="en-US"/>
+              <a:t>CNet(object):</a:t>
+            </a:r>
+          </a:p>
+          <a:p>
+            <a:r>
+              <a:rPr lang="zh-CN" altLang="en-US"/>
+              <a:t>    def Send(self):</a:t>
+            </a:r>
+          </a:p>
+          <a:p>
+            <a:r>
+              <a:rPr lang="zh-CN" altLang="en-US"/>
+              <a:t>        print "Send"</a:t>
+            </a:r>
+          </a:p>
+        </p:txBody>
+      </p:sp>
+      <p:sp>
+        <p:nvSpPr>
+          <p:cNvPr id="3" name="矩形 2"/>
+          <p:cNvSpPr/>
+          <p:nvPr/>
+        </p:nvSpPr>
+        <p:spPr>
+          <a:xfrm>
+            <a:off x="-69189" y="1731417"/>
+            <a:ext cx="1933927" cy="369332"/>
+          </a:xfrm>
+          <a:prstGeom prst="rect">
+            <a:avLst/>
+          </a:prstGeom>
+        </p:spPr>
+        <p:txBody>
+          <a:bodyPr wrap="none">
+            <a:spAutoFit/>
+          </a:bodyPr>
+          <a:lstStyle/>
+          <a:p>
+            <a:r>
+              <a:rPr lang="zh-CN" altLang="en-US"/>
+              <a:t>class CNet(object):</a:t>
+            </a:r>
+            <a:endParaRPr lang="zh-CN" altLang="en-US"/>
+          </a:p>
+        </p:txBody>
+      </p:sp>
+      <p:sp>
+        <p:nvSpPr>
+          <p:cNvPr id="4" name="矩形 3"/>
+          <p:cNvSpPr/>
+          <p:nvPr/>
+        </p:nvSpPr>
+        <p:spPr>
+          <a:xfrm>
+            <a:off x="-69189" y="2100749"/>
+            <a:ext cx="8672862" cy="2308324"/>
+          </a:xfrm>
+          <a:prstGeom prst="rect">
+            <a:avLst/>
+          </a:prstGeom>
+        </p:spPr>
+        <p:txBody>
+          <a:bodyPr wrap="square">
+            <a:spAutoFit/>
+          </a:bodyPr>
+          <a:lstStyle/>
+          <a:p>
+            <a:r>
+              <a:rPr lang="zh-CN" altLang="en-US" smtClean="0"/>
+              <a:t>LOAD</a:t>
+            </a:r>
+            <a:r>
+              <a:rPr lang="zh-CN" altLang="en-US"/>
+              <a:t>_</a:t>
+            </a:r>
+            <a:r>
+              <a:rPr lang="zh-CN" altLang="en-US"/>
+              <a:t>CONST              </a:t>
+            </a:r>
+            <a:r>
+              <a:rPr lang="zh-CN" altLang="en-US" smtClean="0"/>
+              <a:t>2 </a:t>
+            </a:r>
+            <a:r>
+              <a:rPr lang="zh-CN" altLang="en-US"/>
+              <a:t>('CNet')</a:t>
+            </a:r>
+          </a:p>
+          <a:p>
+            <a:r>
+              <a:rPr lang="zh-CN" altLang="en-US" smtClean="0"/>
+              <a:t>LOAD</a:t>
+            </a:r>
+            <a:r>
+              <a:rPr lang="zh-CN" altLang="en-US"/>
+              <a:t>_</a:t>
+            </a:r>
+            <a:r>
+              <a:rPr lang="zh-CN" altLang="en-US"/>
+              <a:t>NAME               </a:t>
+            </a:r>
+            <a:r>
+              <a:rPr lang="zh-CN" altLang="en-US" smtClean="0"/>
+              <a:t>2 </a:t>
+            </a:r>
+            <a:r>
+              <a:rPr lang="zh-CN" altLang="en-US"/>
+              <a:t>(object)</a:t>
+            </a:r>
+          </a:p>
+          <a:p>
+            <a:r>
+              <a:rPr lang="zh-CN" altLang="en-US" smtClean="0"/>
+              <a:t>BUILD</a:t>
+            </a:r>
+            <a:r>
+              <a:rPr lang="zh-CN" altLang="en-US"/>
+              <a:t>_TUPLE              1</a:t>
+            </a:r>
+          </a:p>
+          <a:p>
+            <a:r>
+              <a:rPr lang="zh-CN" altLang="en-US" smtClean="0"/>
+              <a:t>LOAD</a:t>
+            </a:r>
+            <a:r>
+              <a:rPr lang="zh-CN" altLang="en-US"/>
+              <a:t>_</a:t>
+            </a:r>
+            <a:r>
+              <a:rPr lang="zh-CN" altLang="en-US"/>
+              <a:t>CONST              </a:t>
+            </a:r>
+            <a:r>
+              <a:rPr lang="zh-CN" altLang="en-US" smtClean="0"/>
+              <a:t>3 </a:t>
+            </a:r>
+            <a:r>
+              <a:rPr lang="zh-CN" altLang="en-US"/>
+              <a:t>(&lt;code object CNet at 00000000029D1030, file "net.py", line 5&gt;)</a:t>
+            </a:r>
+          </a:p>
+          <a:p>
+            <a:r>
+              <a:rPr lang="zh-CN" altLang="en-US" smtClean="0"/>
+              <a:t>MAKE</a:t>
+            </a:r>
+            <a:r>
+              <a:rPr lang="zh-CN" altLang="en-US"/>
+              <a:t>_</a:t>
+            </a:r>
+            <a:r>
+              <a:rPr lang="zh-CN" altLang="en-US"/>
+              <a:t>FUNCTION       </a:t>
+            </a:r>
+            <a:r>
+              <a:rPr lang="zh-CN" altLang="en-US" smtClean="0"/>
+              <a:t>0</a:t>
+            </a:r>
+            <a:endParaRPr lang="zh-CN" altLang="en-US"/>
+          </a:p>
+          <a:p>
+            <a:r>
+              <a:rPr lang="zh-CN" altLang="en-US" smtClean="0"/>
+              <a:t>CALL</a:t>
+            </a:r>
+            <a:r>
+              <a:rPr lang="zh-CN" altLang="en-US"/>
+              <a:t>_</a:t>
+            </a:r>
+            <a:r>
+              <a:rPr lang="zh-CN" altLang="en-US"/>
+              <a:t>FUNCTION         </a:t>
+            </a:r>
+            <a:r>
+              <a:rPr lang="zh-CN" altLang="en-US" smtClean="0"/>
+              <a:t>0</a:t>
+            </a:r>
+            <a:endParaRPr lang="zh-CN" altLang="en-US"/>
+          </a:p>
+          <a:p>
+            <a:r>
+              <a:rPr lang="zh-CN" altLang="en-US" smtClean="0"/>
+              <a:t>BUILD</a:t>
+            </a:r>
+            <a:r>
+              <a:rPr lang="zh-CN" altLang="en-US"/>
+              <a:t>_CLASS         </a:t>
+            </a:r>
+          </a:p>
+          <a:p>
+            <a:r>
+              <a:rPr lang="zh-CN" altLang="en-US" smtClean="0"/>
+              <a:t>STORE</a:t>
+            </a:r>
+            <a:r>
+              <a:rPr lang="zh-CN" altLang="en-US"/>
+              <a:t>_</a:t>
+            </a:r>
+            <a:r>
+              <a:rPr lang="zh-CN" altLang="en-US"/>
+              <a:t>NAME              </a:t>
+            </a:r>
+            <a:r>
+              <a:rPr lang="zh-CN" altLang="en-US" smtClean="0"/>
+              <a:t>3 </a:t>
+            </a:r>
+            <a:r>
+              <a:rPr lang="zh-CN" altLang="en-US"/>
+              <a:t>(</a:t>
+            </a:r>
+            <a:r>
+              <a:rPr lang="zh-CN" altLang="en-US"/>
+              <a:t>CNet</a:t>
+            </a:r>
+            <a:r>
+              <a:rPr lang="zh-CN" altLang="en-US" smtClean="0"/>
+              <a:t>)</a:t>
+            </a:r>
+            <a:endParaRPr lang="zh-CN" altLang="en-US"/>
+          </a:p>
+        </p:txBody>
+      </p:sp>
+    </p:spTree>
+    <p:extLst>
+      <p:ext uri="{BB962C8B-B14F-4D97-AF65-F5344CB8AC3E}">
+        <p14:creationId xmlns:p14="http://schemas.microsoft.com/office/powerpoint/2010/main" val="3946360125"/>
+      </p:ext>
+    </p:extLst>
+  </p:cSld>
+  <p:clrMapOvr>
+    <a:masterClrMapping/>
+  </p:clrMapOvr>
+  <p:timing>
+    <p:tnLst>
+      <p:par>
+        <p:cTn id="1" dur="indefinite" restart="never" nodeType="tmRoot"/>
+      </p:par>
+    </p:tnLst>
+  </p:timing>
+</p:sld>
+</file>
+
+<file path=ppt/slides/slide15.xml><?xml version="1.0" encoding="utf-8"?>
+<p:sld xmlns:a="http://schemas.openxmlformats.org/drawingml/2006/main" xmlns:r="http://schemas.openxmlformats.org/officeDocument/2006/relationships" xmlns:p="http://schemas.openxmlformats.org/presentationml/2006/main">
+  <p:cSld>
+    <p:spTree>
+      <p:nvGrpSpPr>
+        <p:cNvPr id="1" name=""/>
+        <p:cNvGrpSpPr/>
+        <p:nvPr/>
+      </p:nvGrpSpPr>
+      <p:grpSpPr>
+        <a:xfrm>
+          <a:off x="0" y="0"/>
+          <a:ext cx="0" cy="0"/>
+          <a:chOff x="0" y="0"/>
+          <a:chExt cx="0" cy="0"/>
+        </a:xfrm>
+      </p:grpSpPr>
+      <p:sp>
+        <p:nvSpPr>
+          <p:cNvPr id="2" name="矩形 1"/>
+          <p:cNvSpPr/>
+          <p:nvPr/>
+        </p:nvSpPr>
+        <p:spPr>
+          <a:xfrm>
+            <a:off x="99753" y="406347"/>
+            <a:ext cx="4572000" cy="923330"/>
+          </a:xfrm>
+          <a:prstGeom prst="rect">
+            <a:avLst/>
+          </a:prstGeom>
+        </p:spPr>
+        <p:txBody>
+          <a:bodyPr>
+            <a:spAutoFit/>
+          </a:bodyPr>
+          <a:lstStyle/>
+          <a:p>
+            <a:r>
+              <a:rPr lang="en-US" altLang="zh-CN" smtClean="0"/>
+              <a:t>m_IntSize=4</a:t>
+            </a:r>
+            <a:endParaRPr lang="en-US" altLang="zh-CN"/>
+          </a:p>
+          <a:p>
+            <a:r>
+              <a:rPr lang="en-US" altLang="zh-CN"/>
+              <a:t>    def Send(self):</a:t>
+            </a:r>
+          </a:p>
+          <a:p>
+            <a:r>
+              <a:rPr lang="en-US" altLang="zh-CN"/>
+              <a:t>        print "Send"</a:t>
+            </a:r>
+          </a:p>
+        </p:txBody>
+      </p:sp>
+      <p:sp>
+        <p:nvSpPr>
+          <p:cNvPr id="5" name="矩形 4"/>
+          <p:cNvSpPr/>
+          <p:nvPr/>
+        </p:nvSpPr>
+        <p:spPr>
+          <a:xfrm>
+            <a:off x="498764" y="1756908"/>
+            <a:ext cx="9376756" cy="3139321"/>
+          </a:xfrm>
+          <a:prstGeom prst="rect">
+            <a:avLst/>
+          </a:prstGeom>
+        </p:spPr>
+        <p:txBody>
+          <a:bodyPr wrap="square">
+            <a:spAutoFit/>
+          </a:bodyPr>
+          <a:lstStyle/>
+          <a:p>
+            <a:r>
+              <a:rPr lang="zh-CN" altLang="en-US" smtClean="0"/>
+              <a:t>LOAD</a:t>
+            </a:r>
+            <a:r>
+              <a:rPr lang="zh-CN" altLang="en-US"/>
+              <a:t>_NAME                0 (__name__)</a:t>
+            </a:r>
+          </a:p>
+          <a:p>
+            <a:r>
+              <a:rPr lang="zh-CN" altLang="en-US" smtClean="0"/>
+              <a:t>STORE</a:t>
+            </a:r>
+            <a:r>
+              <a:rPr lang="zh-CN" altLang="en-US"/>
+              <a:t>_NAME               1 (__module__)</a:t>
+            </a:r>
+          </a:p>
+          <a:p>
+            <a:endParaRPr lang="en-US" altLang="zh-CN"/>
+          </a:p>
+          <a:p>
+            <a:r>
+              <a:rPr lang="zh-CN" altLang="en-US" smtClean="0"/>
+              <a:t>LOAD</a:t>
+            </a:r>
+            <a:r>
+              <a:rPr lang="zh-CN" altLang="en-US"/>
+              <a:t>_CONST               0 (4)</a:t>
+            </a:r>
+          </a:p>
+          <a:p>
+            <a:r>
+              <a:rPr lang="zh-CN" altLang="en-US" smtClean="0"/>
+              <a:t>STORE</a:t>
+            </a:r>
+            <a:r>
+              <a:rPr lang="zh-CN" altLang="en-US"/>
+              <a:t>_NAME               2 (m_IntSize)</a:t>
+            </a:r>
+          </a:p>
+          <a:p>
+            <a:endParaRPr lang="zh-CN" altLang="en-US"/>
+          </a:p>
+          <a:p>
+            <a:r>
+              <a:rPr lang="zh-CN" altLang="en-US" smtClean="0"/>
+              <a:t>LOAD</a:t>
+            </a:r>
+            <a:r>
+              <a:rPr lang="zh-CN" altLang="en-US"/>
+              <a:t>_CONST               1 (&lt;code object Send at 0000000002A105B0, file "net.py", line 7&gt;)</a:t>
+            </a:r>
+          </a:p>
+          <a:p>
+            <a:r>
+              <a:rPr lang="zh-CN" altLang="en-US" smtClean="0"/>
+              <a:t>MAKE_FUNCTION            0</a:t>
+            </a:r>
+          </a:p>
+          <a:p>
+            <a:r>
+              <a:rPr lang="zh-CN" altLang="en-US" smtClean="0"/>
+              <a:t>STORE_NAME               3 (Send)</a:t>
+            </a:r>
+          </a:p>
+          <a:p>
+            <a:r>
+              <a:rPr lang="zh-CN" altLang="en-US" smtClean="0"/>
+              <a:t>LOAD</a:t>
+            </a:r>
+            <a:r>
+              <a:rPr lang="zh-CN" altLang="en-US"/>
+              <a:t>_LOCALS         </a:t>
+            </a:r>
+          </a:p>
+          <a:p>
+            <a:r>
+              <a:rPr lang="zh-CN" altLang="en-US" smtClean="0"/>
+              <a:t>RETURN</a:t>
+            </a:r>
+            <a:r>
+              <a:rPr lang="zh-CN" altLang="en-US"/>
+              <a:t>_VALUE        </a:t>
+            </a:r>
+          </a:p>
+        </p:txBody>
+      </p:sp>
+    </p:spTree>
+    <p:extLst>
+      <p:ext uri="{BB962C8B-B14F-4D97-AF65-F5344CB8AC3E}">
+        <p14:creationId xmlns:p14="http://schemas.microsoft.com/office/powerpoint/2010/main" val="3198667389"/>
+      </p:ext>
+    </p:extLst>
+  </p:cSld>
+  <p:clrMapOvr>
+    <a:masterClrMapping/>
+  </p:clrMapOvr>
+  <p:timing>
+    <p:tnLst>
+      <p:par>
+        <p:cTn id="1" dur="indefinite" restart="never" nodeType="tmRoot"/>
+      </p:par>
+    </p:tnLst>
+  </p:timing>
+</p:sld>
+</file>
+
+<file path=ppt/slides/slide16.xml><?xml version="1.0" encoding="utf-8"?>
+<p:sld xmlns:a="http://schemas.openxmlformats.org/drawingml/2006/main" xmlns:r="http://schemas.openxmlformats.org/officeDocument/2006/relationships" xmlns:p="http://schemas.openxmlformats.org/presentationml/2006/main">
+  <p:cSld>
+    <p:spTree>
+      <p:nvGrpSpPr>
+        <p:cNvPr id="1" name=""/>
+        <p:cNvGrpSpPr/>
+        <p:nvPr/>
+      </p:nvGrpSpPr>
+      <p:grpSpPr>
+        <a:xfrm>
+          <a:off x="0" y="0"/>
+          <a:ext cx="0" cy="0"/>
+          <a:chOff x="0" y="0"/>
+          <a:chExt cx="0" cy="0"/>
+        </a:xfrm>
+      </p:grpSpPr>
+      <p:sp>
+        <p:nvSpPr>
+          <p:cNvPr id="2" name="标题 1"/>
+          <p:cNvSpPr>
+            <a:spLocks noGrp="1"/>
+          </p:cNvSpPr>
+          <p:nvPr>
+            <p:ph type="title"/>
+          </p:nvPr>
+        </p:nvSpPr>
+        <p:spPr/>
+        <p:txBody>
+          <a:bodyPr/>
+          <a:lstStyle/>
+          <a:p>
+            <a:endParaRPr lang="zh-CN" altLang="en-US"/>
+          </a:p>
+        </p:txBody>
+      </p:sp>
+      <p:sp>
+        <p:nvSpPr>
+          <p:cNvPr id="3" name="内容占位符 2"/>
+          <p:cNvSpPr>
+            <a:spLocks noGrp="1"/>
+          </p:cNvSpPr>
+          <p:nvPr>
+            <p:ph idx="1"/>
+          </p:nvPr>
+        </p:nvSpPr>
+        <p:spPr/>
+        <p:txBody>
+          <a:bodyPr/>
+          <a:lstStyle/>
+          <a:p>
+            <a:endParaRPr lang="zh-CN" altLang="en-US"/>
+          </a:p>
+        </p:txBody>
+      </p:sp>
+    </p:spTree>
+    <p:extLst>
+      <p:ext uri="{BB962C8B-B14F-4D97-AF65-F5344CB8AC3E}">
+        <p14:creationId xmlns:p14="http://schemas.microsoft.com/office/powerpoint/2010/main" val="2712918692"/>
+      </p:ext>
+    </p:extLst>
+  </p:cSld>
+  <p:clrMapOvr>
+    <a:masterClrMapping/>
+  </p:clrMapOvr>
+</p:sld>
+</file>
+
 <file path=ppt/slides/slide2.xml><?xml version="1.0" encoding="utf-8"?>
 <p:sld xmlns:a="http://schemas.openxmlformats.org/drawingml/2006/main" xmlns:r="http://schemas.openxmlformats.org/officeDocument/2006/relationships" xmlns:p="http://schemas.openxmlformats.org/presentationml/2006/main">
   <p:cSld>
@@ -5262,8 +7164,8 @@
         </p:nvSpPr>
         <p:spPr bwMode="auto">
           <a:xfrm>
-            <a:off x="4975012" y="3589147"/>
-            <a:ext cx="2680221" cy="2462213"/>
+            <a:off x="4975012" y="3743035"/>
+            <a:ext cx="2680221" cy="2154436"/>
           </a:xfrm>
           <a:prstGeom prst="rect">
             <a:avLst/>
@@ -5513,6 +7415,19 @@
               <a:tabLst/>
             </a:pPr>
             <a:r>
+              <a:rPr kumimoji="0" lang="zh-CN" altLang="zh-CN" sz="2000" b="1" i="0" u="none" strike="noStrike" cap="none" normalizeH="0" baseline="0" smtClean="0">
+                <a:ln>
+                  <a:noFill/>
+                </a:ln>
+                <a:solidFill>
+                  <a:srgbClr val="7F0055"/>
+                </a:solidFill>
+                <a:effectLst/>
+                <a:latin typeface="Consolas" panose="020B0609020204030204" pitchFamily="49" charset="0"/>
+              </a:rPr>
+              <a:t>def</a:t>
+            </a:r>
+            <a:r>
               <a:rPr kumimoji="0" lang="zh-CN" altLang="zh-CN" sz="2000" b="0" i="0" u="none" strike="noStrike" cap="none" normalizeH="0" baseline="0" smtClean="0">
                 <a:ln>
                   <a:noFill/>
@@ -5524,6 +7439,71 @@
                 <a:latin typeface="Consolas" panose="020B0609020204030204" pitchFamily="49" charset="0"/>
               </a:rPr>
               <a:t> </a:t>
+            </a:r>
+            <a:r>
+              <a:rPr lang="en-US" altLang="zh-CN" sz="2000" smtClean="0">
+                <a:solidFill>
+                  <a:srgbClr val="000000"/>
+                </a:solidFill>
+                <a:latin typeface="Consolas" panose="020B0609020204030204" pitchFamily="49" charset="0"/>
+              </a:rPr>
+              <a:t>Send</a:t>
+            </a:r>
+            <a:r>
+              <a:rPr kumimoji="0" lang="zh-CN" altLang="zh-CN" sz="2000" b="0" i="0" u="none" strike="noStrike" cap="none" normalizeH="0" baseline="0" smtClean="0">
+                <a:ln>
+                  <a:noFill/>
+                </a:ln>
+                <a:solidFill>
+                  <a:srgbClr val="000000"/>
+                </a:solidFill>
+                <a:effectLst/>
+                <a:latin typeface="Consolas" panose="020B0609020204030204" pitchFamily="49" charset="0"/>
+              </a:rPr>
+              <a:t>():</a:t>
+            </a:r>
+            <a:endParaRPr kumimoji="0" lang="zh-CN" altLang="zh-CN" sz="2000" b="0" i="0" u="none" strike="noStrike" cap="none" normalizeH="0" baseline="0" smtClean="0">
+              <a:ln>
+                <a:noFill/>
+              </a:ln>
+              <a:solidFill>
+                <a:schemeClr val="tx1"/>
+              </a:solidFill>
+              <a:effectLst/>
+            </a:endParaRPr>
+          </a:p>
+          <a:p>
+            <a:pPr lvl="0"/>
+            <a:r>
+              <a:rPr kumimoji="0" lang="zh-CN" altLang="zh-CN" sz="2000" b="0" i="0" u="none" strike="noStrike" cap="none" normalizeH="0" baseline="0" smtClean="0">
+                <a:ln>
+                  <a:noFill/>
+                </a:ln>
+                <a:solidFill>
+                  <a:srgbClr val="DD1144"/>
+                </a:solidFill>
+                <a:effectLst/>
+                <a:latin typeface="Consolas" panose="020B0609020204030204" pitchFamily="49" charset="0"/>
+              </a:rPr>
+              <a:t>   </a:t>
+            </a:r>
+            <a:r>
+              <a:rPr lang="en-US" altLang="zh-CN" sz="2000">
+                <a:solidFill>
+                  <a:srgbClr val="DD1144"/>
+                </a:solidFill>
+                <a:latin typeface="Consolas" panose="020B0609020204030204" pitchFamily="49" charset="0"/>
+              </a:rPr>
+              <a:t> </a:t>
+            </a:r>
+            <a:r>
+              <a:rPr lang="en-US" altLang="zh-CN" sz="2000" b="1" smtClean="0">
+                <a:solidFill>
+                  <a:srgbClr val="7F0055"/>
+                </a:solidFill>
+                <a:latin typeface="Consolas" panose="020B0609020204030204" pitchFamily="49" charset="0"/>
+              </a:rPr>
+              <a:t>pass</a:t>
             </a:r>
             <a:endParaRPr kumimoji="0" lang="zh-CN" altLang="zh-CN" sz="2000" b="0" i="0" u="none" strike="noStrike" cap="none" normalizeH="0" baseline="0" smtClean="0">
               <a:ln>
@@ -5563,7 +7543,7 @@
                 <a:effectLst/>
                 <a:latin typeface="Consolas" panose="020B0609020204030204" pitchFamily="49" charset="0"/>
               </a:rPr>
-              <a:t>def</a:t>
+              <a:t>class</a:t>
             </a:r>
             <a:r>
               <a:rPr kumimoji="0" lang="zh-CN" altLang="zh-CN" sz="2000" b="0" i="0" u="none" strike="noStrike" cap="none" normalizeH="0" baseline="0" smtClean="0">
@@ -5585,7 +7565,7 @@
                 </a:solidFill>
                 <a:latin typeface="Consolas" panose="020B0609020204030204" pitchFamily="49" charset="0"/>
               </a:rPr>
-              <a:t>Send</a:t>
+              <a:t>CNet</a:t>
             </a:r>
             <a:r>
               <a:rPr kumimoji="0" lang="zh-CN" altLang="zh-CN" sz="2000" b="0" i="0" u="none" strike="noStrike" cap="none" normalizeH="0" baseline="0" smtClean="0">
@@ -5598,50 +7578,33 @@
                 <a:effectLst/>
                 <a:latin typeface="Consolas" panose="020B0609020204030204" pitchFamily="49" charset="0"/>
               </a:rPr>
-              <a:t>():</a:t>
-            </a:r>
-            <a:endParaRPr kumimoji="0" lang="zh-CN" altLang="zh-CN" sz="2000" b="0" i="0" u="none" strike="noStrike" cap="none" normalizeH="0" baseline="0" smtClean="0">
-              <a:ln>
-                <a:noFill/>
-              </a:ln>
-              <a:solidFill>
-                <a:schemeClr val="tx1"/>
-              </a:solidFill>
-              <a:effectLst/>
-            </a:endParaRPr>
-          </a:p>
-          <a:p>
-            <a:pPr lvl="0"/>
+              <a:t>(</a:t>
+            </a:r>
             <a:r>
               <a:rPr kumimoji="0" lang="zh-CN" altLang="zh-CN" sz="2000" b="0" i="0" u="none" strike="noStrike" cap="none" normalizeH="0" baseline="0" smtClean="0">
                 <a:ln>
                   <a:noFill/>
                 </a:ln>
                 <a:solidFill>
-                  <a:srgbClr val="DD1144"/>
+                  <a:srgbClr val="FF1493"/>
                 </a:solidFill>
                 <a:effectLst/>
                 <a:latin typeface="Consolas" panose="020B0609020204030204" pitchFamily="49" charset="0"/>
               </a:rPr>
-              <a:t>   </a:t>
-            </a:r>
-            <a:r>
-              <a:rPr lang="en-US" altLang="zh-CN" sz="2000">
+              <a:t>object</a:t>
+            </a:r>
+            <a:r>
+              <a:rPr kumimoji="0" lang="zh-CN" altLang="zh-CN" sz="2000" b="0" i="0" u="none" strike="noStrike" cap="none" normalizeH="0" baseline="0" smtClean="0">
+                <a:ln>
+                  <a:noFill/>
+                </a:ln>
                 <a:solidFill>
-                  <a:srgbClr val="DD1144"/>
+                  <a:srgbClr val="000000"/>
                 </a:solidFill>
+                <a:effectLst/>
                 <a:latin typeface="Consolas" panose="020B0609020204030204" pitchFamily="49" charset="0"/>
               </a:rPr>
-              <a:t> </a:t>
-            </a:r>
-            <a:r>
-              <a:rPr lang="en-US" altLang="zh-CN" sz="2000" b="1">
-                <a:solidFill>
-                  <a:srgbClr val="7F0055"/>
-                </a:solidFill>
-                <a:latin typeface="Consolas" panose="020B0609020204030204" pitchFamily="49" charset="0"/>
-              </a:rPr>
-              <a:t>pass</a:t>
+              <a:t>):</a:t>
             </a:r>
             <a:endParaRPr kumimoji="0" lang="zh-CN" altLang="zh-CN" sz="2000" b="0" i="0" u="none" strike="noStrike" cap="none" normalizeH="0" baseline="0" smtClean="0">
               <a:ln>
@@ -5676,12 +7639,86 @@
                   <a:noFill/>
                 </a:ln>
                 <a:solidFill>
+                  <a:srgbClr val="DD1144"/>
+                </a:solidFill>
+                <a:effectLst/>
+                <a:latin typeface="Consolas" panose="020B0609020204030204" pitchFamily="49" charset="0"/>
+              </a:rPr>
+              <a:t>    </a:t>
+            </a:r>
+            <a:r>
+              <a:rPr kumimoji="0" lang="zh-CN" altLang="zh-CN" sz="2000" b="1" i="0" u="none" strike="noStrike" cap="none" normalizeH="0" baseline="0" smtClean="0">
+                <a:ln>
+                  <a:noFill/>
+                </a:ln>
+                <a:solidFill>
+                  <a:srgbClr val="7F0055"/>
+                </a:solidFill>
+                <a:effectLst/>
+                <a:latin typeface="Consolas" panose="020B0609020204030204" pitchFamily="49" charset="0"/>
+              </a:rPr>
+              <a:t>def</a:t>
+            </a:r>
+            <a:r>
+              <a:rPr kumimoji="0" lang="zh-CN" altLang="zh-CN" sz="2000" b="0" i="0" u="none" strike="noStrike" cap="none" normalizeH="0" baseline="0" smtClean="0">
+                <a:ln>
+                  <a:noFill/>
+                </a:ln>
+                <a:solidFill>
                   <a:srgbClr val="333333"/>
                 </a:solidFill>
                 <a:effectLst/>
                 <a:latin typeface="Consolas" panose="020B0609020204030204" pitchFamily="49" charset="0"/>
               </a:rPr>
               <a:t> </a:t>
+            </a:r>
+            <a:r>
+              <a:rPr lang="en-US" altLang="zh-CN" sz="2000" smtClean="0">
+                <a:solidFill>
+                  <a:srgbClr val="000000"/>
+                </a:solidFill>
+                <a:latin typeface="Consolas" panose="020B0609020204030204" pitchFamily="49" charset="0"/>
+              </a:rPr>
+              <a:t>Send</a:t>
+            </a:r>
+            <a:r>
+              <a:rPr kumimoji="0" lang="zh-CN" altLang="zh-CN" sz="2000" b="0" i="0" u="none" strike="noStrike" cap="none" normalizeH="0" baseline="0" smtClean="0">
+                <a:ln>
+                  <a:noFill/>
+                </a:ln>
+                <a:solidFill>
+                  <a:srgbClr val="000000"/>
+                </a:solidFill>
+                <a:effectLst/>
+                <a:latin typeface="Consolas" panose="020B0609020204030204" pitchFamily="49" charset="0"/>
+              </a:rPr>
+              <a:t>(</a:t>
+            </a:r>
+            <a:r>
+              <a:rPr kumimoji="0" lang="zh-CN" altLang="zh-CN" sz="2000" b="0" i="0" u="none" strike="noStrike" cap="none" normalizeH="0" baseline="0" smtClean="0">
+                <a:ln>
+                  <a:noFill/>
+                </a:ln>
+                <a:solidFill>
+                  <a:srgbClr val="808080"/>
+                </a:solidFill>
+                <a:effectLst/>
+                <a:latin typeface="Consolas" panose="020B0609020204030204" pitchFamily="49" charset="0"/>
+              </a:rPr>
+              <a:t>self</a:t>
+            </a:r>
+            <a:r>
+              <a:rPr kumimoji="0" lang="zh-CN" altLang="zh-CN" sz="2000" b="0" i="0" u="none" strike="noStrike" cap="none" normalizeH="0" baseline="0" smtClean="0">
+                <a:ln>
+                  <a:noFill/>
+                </a:ln>
+                <a:solidFill>
+                  <a:srgbClr val="000000"/>
+                </a:solidFill>
+                <a:effectLst/>
+                <a:latin typeface="Consolas" panose="020B0609020204030204" pitchFamily="49" charset="0"/>
+              </a:rPr>
+              <a:t>):</a:t>
             </a:r>
             <a:endParaRPr kumimoji="0" lang="zh-CN" altLang="zh-CN" sz="2000" b="0" i="0" u="none" strike="noStrike" cap="none" normalizeH="0" baseline="0" smtClean="0">
               <a:ln>
@@ -5711,221 +7748,6 @@
               <a:tabLst/>
             </a:pPr>
             <a:r>
-              <a:rPr kumimoji="0" lang="zh-CN" altLang="zh-CN" sz="2000" b="1" i="0" u="none" strike="noStrike" cap="none" normalizeH="0" baseline="0" smtClean="0">
-                <a:ln>
-                  <a:noFill/>
-                </a:ln>
-                <a:solidFill>
-                  <a:srgbClr val="7F0055"/>
-                </a:solidFill>
-                <a:effectLst/>
-                <a:latin typeface="Consolas" panose="020B0609020204030204" pitchFamily="49" charset="0"/>
-              </a:rPr>
-              <a:t>class</a:t>
-            </a:r>
-            <a:r>
-              <a:rPr kumimoji="0" lang="zh-CN" altLang="zh-CN" sz="2000" b="0" i="0" u="none" strike="noStrike" cap="none" normalizeH="0" baseline="0" smtClean="0">
-                <a:ln>
-                  <a:noFill/>
-                </a:ln>
-                <a:solidFill>
-                  <a:srgbClr val="333333"/>
-                </a:solidFill>
-                <a:effectLst/>
-                <a:latin typeface="Consolas" panose="020B0609020204030204" pitchFamily="49" charset="0"/>
-              </a:rPr>
-              <a:t> </a:t>
-            </a:r>
-            <a:r>
-              <a:rPr lang="en-US" altLang="zh-CN" sz="2000" smtClean="0">
-                <a:solidFill>
-                  <a:srgbClr val="000000"/>
-                </a:solidFill>
-                <a:latin typeface="Consolas" panose="020B0609020204030204" pitchFamily="49" charset="0"/>
-              </a:rPr>
-              <a:t>CNet</a:t>
-            </a:r>
-            <a:r>
-              <a:rPr kumimoji="0" lang="zh-CN" altLang="zh-CN" sz="2000" b="0" i="0" u="none" strike="noStrike" cap="none" normalizeH="0" baseline="0" smtClean="0">
-                <a:ln>
-                  <a:noFill/>
-                </a:ln>
-                <a:solidFill>
-                  <a:srgbClr val="000000"/>
-                </a:solidFill>
-                <a:effectLst/>
-                <a:latin typeface="Consolas" panose="020B0609020204030204" pitchFamily="49" charset="0"/>
-              </a:rPr>
-              <a:t>(</a:t>
-            </a:r>
-            <a:r>
-              <a:rPr kumimoji="0" lang="zh-CN" altLang="zh-CN" sz="2000" b="0" i="0" u="none" strike="noStrike" cap="none" normalizeH="0" baseline="0" smtClean="0">
-                <a:ln>
-                  <a:noFill/>
-                </a:ln>
-                <a:solidFill>
-                  <a:srgbClr val="FF1493"/>
-                </a:solidFill>
-                <a:effectLst/>
-                <a:latin typeface="Consolas" panose="020B0609020204030204" pitchFamily="49" charset="0"/>
-              </a:rPr>
-              <a:t>object</a:t>
-            </a:r>
-            <a:r>
-              <a:rPr kumimoji="0" lang="zh-CN" altLang="zh-CN" sz="2000" b="0" i="0" u="none" strike="noStrike" cap="none" normalizeH="0" baseline="0" smtClean="0">
-                <a:ln>
-                  <a:noFill/>
-                </a:ln>
-                <a:solidFill>
-                  <a:srgbClr val="000000"/>
-                </a:solidFill>
-                <a:effectLst/>
-                <a:latin typeface="Consolas" panose="020B0609020204030204" pitchFamily="49" charset="0"/>
-              </a:rPr>
-              <a:t>):</a:t>
-            </a:r>
-            <a:endParaRPr kumimoji="0" lang="zh-CN" altLang="zh-CN" sz="2000" b="0" i="0" u="none" strike="noStrike" cap="none" normalizeH="0" baseline="0" smtClean="0">
-              <a:ln>
-                <a:noFill/>
-              </a:ln>
-              <a:solidFill>
-                <a:schemeClr val="tx1"/>
-              </a:solidFill>
-              <a:effectLst/>
-            </a:endParaRPr>
-          </a:p>
-          <a:p>
-            <a:pPr marL="0" marR="0" lvl="0" indent="0" algn="l" defTabSz="914400" rtl="0" eaLnBrk="0" fontAlgn="base" latinLnBrk="0" hangingPunct="0">
-              <a:lnSpc>
-                <a:spcPct val="100000"/>
-              </a:lnSpc>
-              <a:spcBef>
-                <a:spcPct val="0"/>
-              </a:spcBef>
-              <a:spcAft>
-                <a:spcPct val="0"/>
-              </a:spcAft>
-              <a:buClrTx/>
-              <a:buSzTx/>
-              <a:buFontTx/>
-              <a:buNone/>
-              <a:tabLst/>
-            </a:pPr>
-            <a:r>
-              <a:rPr kumimoji="0" lang="zh-CN" altLang="zh-CN" sz="2000" b="0" i="0" u="none" strike="noStrike" cap="none" normalizeH="0" baseline="0" smtClean="0">
-                <a:ln>
-                  <a:noFill/>
-                </a:ln>
-                <a:solidFill>
-                  <a:srgbClr val="DD1144"/>
-                </a:solidFill>
-                <a:effectLst/>
-                <a:latin typeface="Consolas" panose="020B0609020204030204" pitchFamily="49" charset="0"/>
-              </a:rPr>
-              <a:t>    </a:t>
-            </a:r>
-            <a:r>
-              <a:rPr kumimoji="0" lang="zh-CN" altLang="zh-CN" sz="2000" b="1" i="0" u="none" strike="noStrike" cap="none" normalizeH="0" baseline="0" smtClean="0">
-                <a:ln>
-                  <a:noFill/>
-                </a:ln>
-                <a:solidFill>
-                  <a:srgbClr val="7F0055"/>
-                </a:solidFill>
-                <a:effectLst/>
-                <a:latin typeface="Consolas" panose="020B0609020204030204" pitchFamily="49" charset="0"/>
-              </a:rPr>
-              <a:t>def</a:t>
-            </a:r>
-            <a:r>
-              <a:rPr kumimoji="0" lang="zh-CN" altLang="zh-CN" sz="2000" b="0" i="0" u="none" strike="noStrike" cap="none" normalizeH="0" baseline="0" smtClean="0">
-                <a:ln>
-                  <a:noFill/>
-                </a:ln>
-                <a:solidFill>
-                  <a:srgbClr val="333333"/>
-                </a:solidFill>
-                <a:effectLst/>
-                <a:latin typeface="Consolas" panose="020B0609020204030204" pitchFamily="49" charset="0"/>
-              </a:rPr>
-              <a:t> </a:t>
-            </a:r>
-            <a:r>
-              <a:rPr lang="en-US" altLang="zh-CN" sz="2000" smtClean="0">
-                <a:solidFill>
-                  <a:srgbClr val="000000"/>
-                </a:solidFill>
-                <a:latin typeface="Consolas" panose="020B0609020204030204" pitchFamily="49" charset="0"/>
-              </a:rPr>
-              <a:t>Send</a:t>
-            </a:r>
-            <a:r>
-              <a:rPr kumimoji="0" lang="zh-CN" altLang="zh-CN" sz="2000" b="0" i="0" u="none" strike="noStrike" cap="none" normalizeH="0" baseline="0" smtClean="0">
-                <a:ln>
-                  <a:noFill/>
-                </a:ln>
-                <a:solidFill>
-                  <a:srgbClr val="000000"/>
-                </a:solidFill>
-                <a:effectLst/>
-                <a:latin typeface="Consolas" panose="020B0609020204030204" pitchFamily="49" charset="0"/>
-              </a:rPr>
-              <a:t>(</a:t>
-            </a:r>
-            <a:r>
-              <a:rPr kumimoji="0" lang="zh-CN" altLang="zh-CN" sz="2000" b="0" i="0" u="none" strike="noStrike" cap="none" normalizeH="0" baseline="0" smtClean="0">
-                <a:ln>
-                  <a:noFill/>
-                </a:ln>
-                <a:solidFill>
-                  <a:srgbClr val="808080"/>
-                </a:solidFill>
-                <a:effectLst/>
-                <a:latin typeface="Consolas" panose="020B0609020204030204" pitchFamily="49" charset="0"/>
-              </a:rPr>
-              <a:t>self</a:t>
-            </a:r>
-            <a:r>
-              <a:rPr kumimoji="0" lang="zh-CN" altLang="zh-CN" sz="2000" b="0" i="0" u="none" strike="noStrike" cap="none" normalizeH="0" baseline="0" smtClean="0">
-                <a:ln>
-                  <a:noFill/>
-                </a:ln>
-                <a:solidFill>
-                  <a:srgbClr val="000000"/>
-                </a:solidFill>
-                <a:effectLst/>
-                <a:latin typeface="Consolas" panose="020B0609020204030204" pitchFamily="49" charset="0"/>
-              </a:rPr>
-              <a:t>):</a:t>
-            </a:r>
-            <a:endParaRPr kumimoji="0" lang="zh-CN" altLang="zh-CN" sz="2000" b="0" i="0" u="none" strike="noStrike" cap="none" normalizeH="0" baseline="0" smtClean="0">
-              <a:ln>
-                <a:noFill/>
-              </a:ln>
-              <a:solidFill>
-                <a:schemeClr val="tx1"/>
-              </a:solidFill>
-              <a:effectLst/>
-            </a:endParaRPr>
-          </a:p>
-          <a:p>
-            <a:pPr marL="0" marR="0" lvl="0" indent="0" algn="l" defTabSz="914400" rtl="0" eaLnBrk="0" fontAlgn="base" latinLnBrk="0" hangingPunct="0">
-              <a:lnSpc>
-                <a:spcPct val="100000"/>
-              </a:lnSpc>
-              <a:spcBef>
-                <a:spcPct val="0"/>
-              </a:spcBef>
-              <a:spcAft>
-                <a:spcPct val="0"/>
-              </a:spcAft>
-              <a:buClrTx/>
-              <a:buSzTx/>
-              <a:buFontTx/>
-              <a:buNone/>
-              <a:tabLst/>
-            </a:pPr>
-            <a:r>
               <a:rPr kumimoji="0" lang="zh-CN" altLang="zh-CN" sz="2000" b="0" i="0" u="none" strike="noStrike" cap="none" normalizeH="0" baseline="0" smtClean="0">
                 <a:ln>
                   <a:noFill/>
@@ -5946,6 +7768,31 @@
                 <a:latin typeface="Consolas" panose="020B0609020204030204" pitchFamily="49" charset="0"/>
               </a:rPr>
               <a:t>pass</a:t>
+            </a:r>
+          </a:p>
+          <a:p>
+            <a:pPr lvl="0"/>
+            <a:r>
+              <a:rPr kumimoji="0" lang="en-US" altLang="zh-CN" sz="2000" b="1" i="0" u="none" strike="noStrike" cap="none" normalizeH="0" baseline="0" smtClean="0">
+                <a:ln>
+                  <a:noFill/>
+                </a:ln>
+                <a:solidFill>
+                  <a:srgbClr val="7F0055"/>
+                </a:solidFill>
+                <a:effectLst/>
+                <a:latin typeface="Consolas" panose="020B0609020204030204" pitchFamily="49" charset="0"/>
+              </a:rPr>
+              <a:t>print </a:t>
+            </a:r>
+            <a:r>
+              <a:rPr lang="en-US" altLang="zh-CN" sz="2000">
+                <a:solidFill>
+                  <a:srgbClr val="000000"/>
+                </a:solidFill>
+                <a:latin typeface="Consolas" panose="020B0609020204030204" pitchFamily="49" charset="0"/>
+              </a:rPr>
+              <a:t>INT_SIZE</a:t>
             </a:r>
             <a:endParaRPr kumimoji="0" lang="zh-CN" altLang="zh-CN" sz="2000" b="0" i="0" u="none" strike="noStrike" cap="none" normalizeH="0" baseline="0" smtClean="0">
               <a:ln>
@@ -8014,7 +9861,7 @@
             <a:pPr algn="ctr"/>
             <a:r>
               <a:rPr lang="en-US" altLang="zh-CN"/>
-              <a:t>pyd,pyw,py,pyc</a:t>
+              <a:t>pyd, py, pyw,pyc</a:t>
             </a:r>
             <a:endParaRPr lang="zh-CN" altLang="en-US" b="1"/>
           </a:p>
@@ -8104,7 +9951,7 @@
         </p:nvSpPr>
         <p:spPr>
           <a:xfrm>
-            <a:off x="860470" y="179133"/>
+            <a:off x="403455" y="179133"/>
             <a:ext cx="1487978" cy="479644"/>
           </a:xfrm>
           <a:prstGeom prst="flowChartAlternateProcess">
@@ -8133,8 +9980,12 @@
           <a:p>
             <a:pPr algn="ctr"/>
             <a:r>
-              <a:rPr lang="en-US" altLang="zh-CN" b="1"/>
-              <a:t>find_module</a:t>
+              <a:rPr lang="en-US" altLang="zh-CN" b="1" smtClean="0"/>
+              <a:t>load</a:t>
+            </a:r>
+            <a:r>
+              <a:rPr lang="en-US" altLang="zh-CN" b="1" smtClean="0"/>
+              <a:t>_module</a:t>
             </a:r>
             <a:endParaRPr lang="zh-CN" altLang="en-US" b="1"/>
           </a:p>
@@ -8142,14 +9993,14 @@
       </p:sp>
       <p:sp>
         <p:nvSpPr>
-          <p:cNvPr id="2" name="流程图: 决策 1"/>
+          <p:cNvPr id="17" name="流程图: 决策 16"/>
           <p:cNvSpPr/>
           <p:nvPr/>
         </p:nvSpPr>
         <p:spPr>
           <a:xfrm>
-            <a:off x="1057561" y="1340585"/>
-            <a:ext cx="1236753" cy="612648"/>
+            <a:off x="2622257" y="1902657"/>
+            <a:ext cx="1601530" cy="612648"/>
           </a:xfrm>
           <a:prstGeom prst="flowChartDecision">
             <a:avLst/>
@@ -8178,21 +10029,20 @@
             <a:pPr algn="ctr"/>
             <a:r>
               <a:rPr lang="en-US" altLang="zh-CN" smtClean="0"/>
-              <a:t>path</a:t>
-            </a:r>
-            <a:endParaRPr lang="zh-CN" altLang="en-US"/>
-          </a:p>
-        </p:txBody>
-      </p:sp>
-      <p:sp>
-        <p:nvSpPr>
-          <p:cNvPr id="17" name="流程图: 决策 16"/>
+              <a:t>pyc</a:t>
+            </a:r>
+          </a:p>
+        </p:txBody>
+      </p:sp>
+      <p:sp>
+        <p:nvSpPr>
+          <p:cNvPr id="18" name="流程图: 决策 17"/>
           <p:cNvSpPr/>
           <p:nvPr/>
         </p:nvSpPr>
         <p:spPr>
           <a:xfrm>
-            <a:off x="2622257" y="1902657"/>
+            <a:off x="4309740" y="2615030"/>
             <a:ext cx="1601530" cy="612648"/>
           </a:xfrm>
           <a:prstGeom prst="flowChartDecision">
@@ -8222,24 +10072,24 @@
             <a:pPr algn="ctr"/>
             <a:r>
               <a:rPr lang="en-US" altLang="zh-CN"/>
-              <a:t>builtin</a:t>
-            </a:r>
-            <a:endParaRPr lang="zh-CN" altLang="en-US"/>
-          </a:p>
-        </p:txBody>
-      </p:sp>
-      <p:sp>
-        <p:nvSpPr>
-          <p:cNvPr id="4" name="流程图: 终止 3"/>
+              <a:t>mtime</a:t>
+            </a:r>
+            <a:endParaRPr lang="zh-CN" altLang="en-US"/>
+          </a:p>
+        </p:txBody>
+      </p:sp>
+      <p:sp>
+        <p:nvSpPr>
+          <p:cNvPr id="23" name="流程图: 可选过程 22"/>
           <p:cNvSpPr/>
           <p:nvPr/>
         </p:nvSpPr>
         <p:spPr>
           <a:xfrm>
-            <a:off x="4043222" y="2669193"/>
-            <a:ext cx="914400" cy="301752"/>
-          </a:xfrm>
-          <a:prstGeom prst="flowChartTerminator">
+            <a:off x="4433017" y="3640842"/>
+            <a:ext cx="2524735" cy="479644"/>
+          </a:xfrm>
+          <a:prstGeom prst="flowChartAlternateProcess">
             <a:avLst/>
           </a:prstGeom>
         </p:spPr>
@@ -8265,25 +10115,25 @@
           <a:p>
             <a:pPr algn="ctr"/>
             <a:r>
-              <a:rPr lang="en-US" altLang="zh-CN" smtClean="0"/>
-              <a:t>return</a:t>
-            </a:r>
-            <a:endParaRPr lang="zh-CN" altLang="en-US"/>
-          </a:p>
-        </p:txBody>
-      </p:sp>
-      <p:sp>
-        <p:nvSpPr>
-          <p:cNvPr id="18" name="流程图: 决策 17"/>
+              <a:rPr lang="en-US" altLang="zh-CN" b="1" smtClean="0"/>
+              <a:t>read_compiled_module</a:t>
+            </a:r>
+            <a:endParaRPr lang="zh-CN" altLang="en-US" b="1"/>
+          </a:p>
+        </p:txBody>
+      </p:sp>
+      <p:sp>
+        <p:nvSpPr>
+          <p:cNvPr id="25" name="流程图: 可选过程 24"/>
           <p:cNvSpPr/>
           <p:nvPr/>
         </p:nvSpPr>
         <p:spPr>
           <a:xfrm>
-            <a:off x="2566382" y="3094674"/>
-            <a:ext cx="1601530" cy="612648"/>
-          </a:xfrm>
-          <a:prstGeom prst="flowChartDecision">
+            <a:off x="2622257" y="768058"/>
+            <a:ext cx="1678659" cy="479644"/>
+          </a:xfrm>
+          <a:prstGeom prst="flowChartAlternateProcess">
             <a:avLst/>
           </a:prstGeom>
         </p:spPr>
@@ -8309,25 +10159,25 @@
           <a:p>
             <a:pPr algn="ctr"/>
             <a:r>
-              <a:rPr lang="en-US" altLang="zh-CN"/>
-              <a:t>frozen</a:t>
-            </a:r>
-            <a:endParaRPr lang="zh-CN" altLang="en-US"/>
-          </a:p>
-        </p:txBody>
-      </p:sp>
-      <p:sp>
-        <p:nvSpPr>
-          <p:cNvPr id="20" name="流程图: 终止 19"/>
+              <a:rPr lang="en-US" altLang="zh-CN" b="1" smtClean="0"/>
+              <a:t>py</a:t>
+            </a:r>
+            <a:endParaRPr lang="zh-CN" altLang="en-US" b="1"/>
+          </a:p>
+        </p:txBody>
+      </p:sp>
+      <p:sp>
+        <p:nvSpPr>
+          <p:cNvPr id="26" name="流程图: 可选过程 25"/>
           <p:cNvSpPr/>
           <p:nvPr/>
         </p:nvSpPr>
         <p:spPr>
           <a:xfrm>
-            <a:off x="4167912" y="3984939"/>
-            <a:ext cx="914400" cy="301752"/>
-          </a:xfrm>
-          <a:prstGeom prst="flowChartTerminator">
+            <a:off x="1147444" y="3561910"/>
+            <a:ext cx="2352214" cy="479644"/>
+          </a:xfrm>
+          <a:prstGeom prst="flowChartAlternateProcess">
             <a:avLst/>
           </a:prstGeom>
         </p:spPr>
@@ -8353,22 +10203,22 @@
           <a:p>
             <a:pPr algn="ctr"/>
             <a:r>
-              <a:rPr lang="en-US" altLang="zh-CN" smtClean="0"/>
-              <a:t>return</a:t>
-            </a:r>
-            <a:endParaRPr lang="zh-CN" altLang="en-US"/>
-          </a:p>
-        </p:txBody>
-      </p:sp>
-      <p:sp>
-        <p:nvSpPr>
-          <p:cNvPr id="23" name="流程图: 可选过程 22"/>
+              <a:rPr lang="en-US" altLang="zh-CN" b="1"/>
+              <a:t>parse_source_module</a:t>
+            </a:r>
+            <a:endParaRPr lang="zh-CN" altLang="en-US" b="1"/>
+          </a:p>
+        </p:txBody>
+      </p:sp>
+      <p:sp>
+        <p:nvSpPr>
+          <p:cNvPr id="28" name="流程图: 可选过程 27"/>
           <p:cNvSpPr/>
           <p:nvPr/>
         </p:nvSpPr>
         <p:spPr>
           <a:xfrm>
-            <a:off x="2046837" y="3984939"/>
+            <a:off x="1421253" y="4700190"/>
             <a:ext cx="1487978" cy="479644"/>
           </a:xfrm>
           <a:prstGeom prst="flowChartAlternateProcess">
@@ -8398,22 +10248,21 @@
             <a:pPr algn="ctr"/>
             <a:r>
               <a:rPr lang="en-US" altLang="zh-CN" b="1" smtClean="0"/>
-              <a:t>sys.path</a:t>
-            </a:r>
-            <a:endParaRPr lang="zh-CN" altLang="en-US" b="1"/>
-          </a:p>
-        </p:txBody>
-      </p:sp>
-      <p:sp>
-        <p:nvSpPr>
-          <p:cNvPr id="25" name="流程图: 可选过程 24"/>
+              <a:t>AST</a:t>
+            </a:r>
+          </a:p>
+        </p:txBody>
+      </p:sp>
+      <p:sp>
+        <p:nvSpPr>
+          <p:cNvPr id="33" name="流程图: 可选过程 32"/>
           <p:cNvSpPr/>
           <p:nvPr/>
         </p:nvSpPr>
         <p:spPr>
           <a:xfrm>
-            <a:off x="2622257" y="768058"/>
-            <a:ext cx="1678659" cy="479644"/>
+            <a:off x="3401523" y="6130811"/>
+            <a:ext cx="1798785" cy="479644"/>
           </a:xfrm>
           <a:prstGeom prst="flowChartAlternateProcess">
             <a:avLst/>
@@ -8442,7 +10291,7 @@
             <a:pPr algn="ctr"/>
             <a:r>
               <a:rPr lang="en-US" altLang="zh-CN" b="1"/>
-              <a:t>sys. meta_path</a:t>
+              <a:t>PyCodeObject</a:t>
             </a:r>
             <a:endParaRPr lang="zh-CN" altLang="en-US" b="1"/>
           </a:p>
@@ -8450,14 +10299,14 @@
       </p:sp>
       <p:sp>
         <p:nvSpPr>
-          <p:cNvPr id="26" name="流程图: 可选过程 25"/>
+          <p:cNvPr id="19" name="流程图: 可选过程 18"/>
           <p:cNvSpPr/>
           <p:nvPr/>
         </p:nvSpPr>
         <p:spPr>
           <a:xfrm>
-            <a:off x="860470" y="5090163"/>
-            <a:ext cx="1761787" cy="479644"/>
+            <a:off x="846856" y="5548979"/>
+            <a:ext cx="2577987" cy="479644"/>
           </a:xfrm>
           <a:prstGeom prst="flowChartAlternateProcess">
             <a:avLst/>
@@ -8486,243 +10335,7 @@
             <a:pPr algn="ctr"/>
             <a:r>
               <a:rPr lang="en-US" altLang="zh-CN" b="1"/>
-              <a:t>sys</a:t>
-            </a:r>
-            <a:r>
-              <a:rPr lang="en-US" altLang="zh-CN" b="1"/>
-              <a:t>. </a:t>
-            </a:r>
-            <a:r>
-              <a:rPr lang="en-US" altLang="zh-CN" b="1" smtClean="0"/>
-              <a:t>path_hooks</a:t>
-            </a:r>
-            <a:endParaRPr lang="zh-CN" altLang="en-US" b="1"/>
-          </a:p>
-        </p:txBody>
-      </p:sp>
-      <p:sp>
-        <p:nvSpPr>
-          <p:cNvPr id="27" name="流程图: 可选过程 26"/>
-          <p:cNvSpPr/>
-          <p:nvPr/>
-        </p:nvSpPr>
-        <p:spPr>
-          <a:xfrm>
-            <a:off x="2955277" y="5074650"/>
-            <a:ext cx="2708927" cy="479644"/>
-          </a:xfrm>
-          <a:prstGeom prst="flowChartAlternateProcess">
-            <a:avLst/>
-          </a:prstGeom>
-        </p:spPr>
-        <p:style>
-          <a:lnRef idx="2">
-            <a:schemeClr val="accent1">
-              <a:shade val="50000"/>
-            </a:schemeClr>
-          </a:lnRef>
-          <a:fillRef idx="1">
-            <a:schemeClr val="accent1"/>
-          </a:fillRef>
-          <a:effectRef idx="0">
-            <a:schemeClr val="accent1"/>
-          </a:effectRef>
-          <a:fontRef idx="minor">
-            <a:schemeClr val="lt1"/>
-          </a:fontRef>
-        </p:style>
-        <p:txBody>
-          <a:bodyPr rtlCol="0" anchor="ctr"/>
-          <a:lstStyle/>
-          <a:p>
-            <a:pPr algn="ctr"/>
-            <a:r>
-              <a:rPr lang="en-US" altLang="zh-CN" b="1"/>
-              <a:t>sys</a:t>
-            </a:r>
-            <a:r>
-              <a:rPr lang="en-US" altLang="zh-CN" b="1"/>
-              <a:t>. </a:t>
-            </a:r>
-            <a:r>
-              <a:rPr lang="en-US" altLang="zh-CN" b="1"/>
-              <a:t>path_importer_cache</a:t>
-            </a:r>
-            <a:endParaRPr lang="zh-CN" altLang="en-US" b="1"/>
-          </a:p>
-        </p:txBody>
-      </p:sp>
-      <p:sp>
-        <p:nvSpPr>
-          <p:cNvPr id="28" name="流程图: 可选过程 27"/>
-          <p:cNvSpPr/>
-          <p:nvPr/>
-        </p:nvSpPr>
-        <p:spPr>
-          <a:xfrm>
-            <a:off x="2294314" y="5788801"/>
-            <a:ext cx="1487978" cy="479644"/>
-          </a:xfrm>
-          <a:prstGeom prst="flowChartAlternateProcess">
-            <a:avLst/>
-          </a:prstGeom>
-        </p:spPr>
-        <p:style>
-          <a:lnRef idx="2">
-            <a:schemeClr val="accent1">
-              <a:shade val="50000"/>
-            </a:schemeClr>
-          </a:lnRef>
-          <a:fillRef idx="1">
-            <a:schemeClr val="accent1"/>
-          </a:fillRef>
-          <a:effectRef idx="0">
-            <a:schemeClr val="accent1"/>
-          </a:effectRef>
-          <a:fontRef idx="minor">
-            <a:schemeClr val="lt1"/>
-          </a:fontRef>
-        </p:style>
-        <p:txBody>
-          <a:bodyPr rtlCol="0" anchor="ctr"/>
-          <a:lstStyle/>
-          <a:p>
-            <a:pPr algn="ctr"/>
-            <a:r>
-              <a:rPr lang="en-US" altLang="zh-CN" b="1"/>
-              <a:t>find_module</a:t>
-            </a:r>
-            <a:endParaRPr lang="zh-CN" altLang="en-US" b="1"/>
-          </a:p>
-        </p:txBody>
-      </p:sp>
-      <p:sp>
-        <p:nvSpPr>
-          <p:cNvPr id="33" name="流程图: 可选过程 32"/>
-          <p:cNvSpPr/>
-          <p:nvPr/>
-        </p:nvSpPr>
-        <p:spPr>
-          <a:xfrm>
-            <a:off x="248052" y="6378356"/>
-            <a:ext cx="1798785" cy="479644"/>
-          </a:xfrm>
-          <a:prstGeom prst="flowChartAlternateProcess">
-            <a:avLst/>
-          </a:prstGeom>
-        </p:spPr>
-        <p:style>
-          <a:lnRef idx="2">
-            <a:schemeClr val="accent1">
-              <a:shade val="50000"/>
-            </a:schemeClr>
-          </a:lnRef>
-          <a:fillRef idx="1">
-            <a:schemeClr val="accent1"/>
-          </a:fillRef>
-          <a:effectRef idx="0">
-            <a:schemeClr val="accent1"/>
-          </a:effectRef>
-          <a:fontRef idx="minor">
-            <a:schemeClr val="lt1"/>
-          </a:fontRef>
-        </p:style>
-        <p:txBody>
-          <a:bodyPr rtlCol="0" anchor="ctr"/>
-          <a:lstStyle/>
-          <a:p>
-            <a:pPr algn="ctr"/>
-            <a:r>
-              <a:rPr lang="en-US" altLang="zh-CN" b="1"/>
-              <a:t>PKG_DIRECTORY</a:t>
-            </a:r>
-            <a:endParaRPr lang="zh-CN" altLang="en-US" b="1"/>
-          </a:p>
-        </p:txBody>
-      </p:sp>
-      <p:sp>
-        <p:nvSpPr>
-          <p:cNvPr id="34" name="流程图: 可选过程 33"/>
-          <p:cNvSpPr/>
-          <p:nvPr/>
-        </p:nvSpPr>
-        <p:spPr>
-          <a:xfrm>
-            <a:off x="6876938" y="4621463"/>
-            <a:ext cx="1798785" cy="479644"/>
-          </a:xfrm>
-          <a:prstGeom prst="flowChartAlternateProcess">
-            <a:avLst/>
-          </a:prstGeom>
-        </p:spPr>
-        <p:style>
-          <a:lnRef idx="2">
-            <a:schemeClr val="accent1">
-              <a:shade val="50000"/>
-            </a:schemeClr>
-          </a:lnRef>
-          <a:fillRef idx="1">
-            <a:schemeClr val="accent1"/>
-          </a:fillRef>
-          <a:effectRef idx="0">
-            <a:schemeClr val="accent1"/>
-          </a:effectRef>
-          <a:fontRef idx="minor">
-            <a:schemeClr val="lt1"/>
-          </a:fontRef>
-        </p:style>
-        <p:txBody>
-          <a:bodyPr rtlCol="0" anchor="ctr"/>
-          <a:lstStyle/>
-          <a:p>
-            <a:pPr algn="ctr"/>
-            <a:r>
-              <a:rPr lang="en-US" altLang="zh-CN" b="1"/>
-              <a:t>PKG_DIRECTORY</a:t>
-            </a:r>
-            <a:endParaRPr lang="zh-CN" altLang="en-US" b="1"/>
-          </a:p>
-        </p:txBody>
-      </p:sp>
-      <p:sp>
-        <p:nvSpPr>
-          <p:cNvPr id="36" name="流程图: 可选过程 35"/>
-          <p:cNvSpPr/>
-          <p:nvPr/>
-        </p:nvSpPr>
-        <p:spPr>
-          <a:xfrm>
-            <a:off x="6544429" y="3227678"/>
-            <a:ext cx="1798785" cy="479644"/>
-          </a:xfrm>
-          <a:prstGeom prst="flowChartAlternateProcess">
-            <a:avLst/>
-          </a:prstGeom>
-        </p:spPr>
-        <p:style>
-          <a:lnRef idx="2">
-            <a:schemeClr val="accent1">
-              <a:shade val="50000"/>
-            </a:schemeClr>
-          </a:lnRef>
-          <a:fillRef idx="1">
-            <a:schemeClr val="accent1"/>
-          </a:fillRef>
-          <a:effectRef idx="0">
-            <a:schemeClr val="accent1"/>
-          </a:effectRef>
-          <a:fontRef idx="minor">
-            <a:schemeClr val="lt1"/>
-          </a:fontRef>
-        </p:style>
-        <p:txBody>
-          <a:bodyPr rtlCol="0" anchor="ctr"/>
-          <a:lstStyle/>
-          <a:p>
-            <a:pPr algn="ctr"/>
-            <a:r>
-              <a:rPr lang="en-US" altLang="zh-CN" smtClean="0"/>
-              <a:t>pyd,pyw,py,pyc</a:t>
+              <a:t>write_compiled_module</a:t>
             </a:r>
             <a:endParaRPr lang="zh-CN" altLang="en-US" b="1"/>
           </a:p>

--- a/python/source code/import/import.pptx
+++ b/python/source code/import/import.pptx
@@ -5,7 +5,7 @@
     <p:sldMasterId id="2147483648" r:id="rId1"/>
   </p:sldMasterIdLst>
   <p:notesMasterIdLst>
-    <p:notesMasterId r:id="rId18"/>
+    <p:notesMasterId r:id="rId22"/>
   </p:notesMasterIdLst>
   <p:sldIdLst>
     <p:sldId id="256" r:id="rId2"/>
@@ -23,7 +23,11 @@
     <p:sldId id="267" r:id="rId14"/>
     <p:sldId id="268" r:id="rId15"/>
     <p:sldId id="270" r:id="rId16"/>
-    <p:sldId id="269" r:id="rId17"/>
+    <p:sldId id="275" r:id="rId17"/>
+    <p:sldId id="273" r:id="rId18"/>
+    <p:sldId id="274" r:id="rId19"/>
+    <p:sldId id="272" r:id="rId20"/>
+    <p:sldId id="276" r:id="rId21"/>
   </p:sldIdLst>
   <p:sldSz cx="9144000" cy="6858000" type="screen4x3"/>
   <p:notesSz cx="6858000" cy="9144000"/>
@@ -212,7 +216,7 @@
           <a:p>
             <a:fld id="{137CE5D7-7ED0-47A4-97A4-21C1D4343DF0}" type="datetimeFigureOut">
               <a:rPr lang="zh-CN" altLang="en-US" smtClean="0"/>
-              <a:t>2016/11/15</a:t>
+              <a:t>2016/11/17</a:t>
             </a:fld>
             <a:endParaRPr lang="zh-CN" altLang="en-US"/>
           </a:p>
@@ -920,6 +924,446 @@
 </p:notes>
 </file>
 
+<file path=ppt/notesSlides/notesSlide14.xml><?xml version="1.0" encoding="utf-8"?>
+<p:notes xmlns:a="http://schemas.openxmlformats.org/drawingml/2006/main" xmlns:r="http://schemas.openxmlformats.org/officeDocument/2006/relationships" xmlns:p="http://schemas.openxmlformats.org/presentationml/2006/main">
+  <p:cSld>
+    <p:spTree>
+      <p:nvGrpSpPr>
+        <p:cNvPr id="1" name=""/>
+        <p:cNvGrpSpPr/>
+        <p:nvPr/>
+      </p:nvGrpSpPr>
+      <p:grpSpPr>
+        <a:xfrm>
+          <a:off x="0" y="0"/>
+          <a:ext cx="0" cy="0"/>
+          <a:chOff x="0" y="0"/>
+          <a:chExt cx="0" cy="0"/>
+        </a:xfrm>
+      </p:grpSpPr>
+      <p:sp>
+        <p:nvSpPr>
+          <p:cNvPr id="2" name="幻灯片图像占位符 1"/>
+          <p:cNvSpPr>
+            <a:spLocks noGrp="1" noRot="1" noChangeAspect="1"/>
+          </p:cNvSpPr>
+          <p:nvPr>
+            <p:ph type="sldImg"/>
+          </p:nvPr>
+        </p:nvSpPr>
+        <p:spPr/>
+      </p:sp>
+      <p:sp>
+        <p:nvSpPr>
+          <p:cNvPr id="3" name="备注占位符 2"/>
+          <p:cNvSpPr>
+            <a:spLocks noGrp="1"/>
+          </p:cNvSpPr>
+          <p:nvPr>
+            <p:ph type="body" idx="1"/>
+          </p:nvPr>
+        </p:nvSpPr>
+        <p:spPr/>
+        <p:txBody>
+          <a:bodyPr/>
+          <a:lstStyle/>
+          <a:p>
+            <a:r>
+              <a:rPr lang="zh-CN" altLang="en-US" smtClean="0"/>
+              <a:t>多发点</a:t>
+            </a:r>
+            <a:endParaRPr lang="zh-CN" altLang="en-US"/>
+          </a:p>
+        </p:txBody>
+      </p:sp>
+      <p:sp>
+        <p:nvSpPr>
+          <p:cNvPr id="4" name="灯片编号占位符 3"/>
+          <p:cNvSpPr>
+            <a:spLocks noGrp="1"/>
+          </p:cNvSpPr>
+          <p:nvPr>
+            <p:ph type="sldNum" sz="quarter" idx="10"/>
+          </p:nvPr>
+        </p:nvSpPr>
+        <p:spPr/>
+        <p:txBody>
+          <a:bodyPr/>
+          <a:lstStyle/>
+          <a:p>
+            <a:fld id="{F91F46E5-662D-490C-B319-1285EF71F969}" type="slidenum">
+              <a:rPr lang="zh-CN" altLang="en-US" smtClean="0"/>
+              <a:t>16</a:t>
+            </a:fld>
+            <a:endParaRPr lang="zh-CN" altLang="en-US"/>
+          </a:p>
+        </p:txBody>
+      </p:sp>
+    </p:spTree>
+    <p:extLst>
+      <p:ext uri="{BB962C8B-B14F-4D97-AF65-F5344CB8AC3E}">
+        <p14:creationId xmlns:p14="http://schemas.microsoft.com/office/powerpoint/2010/main" val="1349912146"/>
+      </p:ext>
+    </p:extLst>
+  </p:cSld>
+  <p:clrMapOvr>
+    <a:masterClrMapping/>
+  </p:clrMapOvr>
+</p:notes>
+</file>
+
+<file path=ppt/notesSlides/notesSlide15.xml><?xml version="1.0" encoding="utf-8"?>
+<p:notes xmlns:a="http://schemas.openxmlformats.org/drawingml/2006/main" xmlns:r="http://schemas.openxmlformats.org/officeDocument/2006/relationships" xmlns:p="http://schemas.openxmlformats.org/presentationml/2006/main">
+  <p:cSld>
+    <p:spTree>
+      <p:nvGrpSpPr>
+        <p:cNvPr id="1" name=""/>
+        <p:cNvGrpSpPr/>
+        <p:nvPr/>
+      </p:nvGrpSpPr>
+      <p:grpSpPr>
+        <a:xfrm>
+          <a:off x="0" y="0"/>
+          <a:ext cx="0" cy="0"/>
+          <a:chOff x="0" y="0"/>
+          <a:chExt cx="0" cy="0"/>
+        </a:xfrm>
+      </p:grpSpPr>
+      <p:sp>
+        <p:nvSpPr>
+          <p:cNvPr id="2" name="幻灯片图像占位符 1"/>
+          <p:cNvSpPr>
+            <a:spLocks noGrp="1" noRot="1" noChangeAspect="1"/>
+          </p:cNvSpPr>
+          <p:nvPr>
+            <p:ph type="sldImg"/>
+          </p:nvPr>
+        </p:nvSpPr>
+        <p:spPr/>
+      </p:sp>
+      <p:sp>
+        <p:nvSpPr>
+          <p:cNvPr id="3" name="备注占位符 2"/>
+          <p:cNvSpPr>
+            <a:spLocks noGrp="1"/>
+          </p:cNvSpPr>
+          <p:nvPr>
+            <p:ph type="body" idx="1"/>
+          </p:nvPr>
+        </p:nvSpPr>
+        <p:spPr/>
+        <p:txBody>
+          <a:bodyPr/>
+          <a:lstStyle/>
+          <a:p>
+            <a:r>
+              <a:rPr lang="zh-CN" altLang="en-US" smtClean="0"/>
+              <a:t>多发点</a:t>
+            </a:r>
+            <a:endParaRPr lang="zh-CN" altLang="en-US"/>
+          </a:p>
+        </p:txBody>
+      </p:sp>
+      <p:sp>
+        <p:nvSpPr>
+          <p:cNvPr id="4" name="灯片编号占位符 3"/>
+          <p:cNvSpPr>
+            <a:spLocks noGrp="1"/>
+          </p:cNvSpPr>
+          <p:nvPr>
+            <p:ph type="sldNum" sz="quarter" idx="10"/>
+          </p:nvPr>
+        </p:nvSpPr>
+        <p:spPr/>
+        <p:txBody>
+          <a:bodyPr/>
+          <a:lstStyle/>
+          <a:p>
+            <a:fld id="{F91F46E5-662D-490C-B319-1285EF71F969}" type="slidenum">
+              <a:rPr lang="zh-CN" altLang="en-US" smtClean="0"/>
+              <a:t>17</a:t>
+            </a:fld>
+            <a:endParaRPr lang="zh-CN" altLang="en-US"/>
+          </a:p>
+        </p:txBody>
+      </p:sp>
+    </p:spTree>
+    <p:extLst>
+      <p:ext uri="{BB962C8B-B14F-4D97-AF65-F5344CB8AC3E}">
+        <p14:creationId xmlns:p14="http://schemas.microsoft.com/office/powerpoint/2010/main" val="425774752"/>
+      </p:ext>
+    </p:extLst>
+  </p:cSld>
+  <p:clrMapOvr>
+    <a:masterClrMapping/>
+  </p:clrMapOvr>
+</p:notes>
+</file>
+
+<file path=ppt/notesSlides/notesSlide16.xml><?xml version="1.0" encoding="utf-8"?>
+<p:notes xmlns:a="http://schemas.openxmlformats.org/drawingml/2006/main" xmlns:r="http://schemas.openxmlformats.org/officeDocument/2006/relationships" xmlns:p="http://schemas.openxmlformats.org/presentationml/2006/main">
+  <p:cSld>
+    <p:spTree>
+      <p:nvGrpSpPr>
+        <p:cNvPr id="1" name=""/>
+        <p:cNvGrpSpPr/>
+        <p:nvPr/>
+      </p:nvGrpSpPr>
+      <p:grpSpPr>
+        <a:xfrm>
+          <a:off x="0" y="0"/>
+          <a:ext cx="0" cy="0"/>
+          <a:chOff x="0" y="0"/>
+          <a:chExt cx="0" cy="0"/>
+        </a:xfrm>
+      </p:grpSpPr>
+      <p:sp>
+        <p:nvSpPr>
+          <p:cNvPr id="2" name="幻灯片图像占位符 1"/>
+          <p:cNvSpPr>
+            <a:spLocks noGrp="1" noRot="1" noChangeAspect="1"/>
+          </p:cNvSpPr>
+          <p:nvPr>
+            <p:ph type="sldImg"/>
+          </p:nvPr>
+        </p:nvSpPr>
+        <p:spPr/>
+      </p:sp>
+      <p:sp>
+        <p:nvSpPr>
+          <p:cNvPr id="3" name="备注占位符 2"/>
+          <p:cNvSpPr>
+            <a:spLocks noGrp="1"/>
+          </p:cNvSpPr>
+          <p:nvPr>
+            <p:ph type="body" idx="1"/>
+          </p:nvPr>
+        </p:nvSpPr>
+        <p:spPr/>
+        <p:txBody>
+          <a:bodyPr/>
+          <a:lstStyle/>
+          <a:p>
+            <a:r>
+              <a:rPr lang="zh-CN" altLang="en-US" smtClean="0"/>
+              <a:t>多发点</a:t>
+            </a:r>
+            <a:endParaRPr lang="zh-CN" altLang="en-US"/>
+          </a:p>
+        </p:txBody>
+      </p:sp>
+      <p:sp>
+        <p:nvSpPr>
+          <p:cNvPr id="4" name="灯片编号占位符 3"/>
+          <p:cNvSpPr>
+            <a:spLocks noGrp="1"/>
+          </p:cNvSpPr>
+          <p:nvPr>
+            <p:ph type="sldNum" sz="quarter" idx="10"/>
+          </p:nvPr>
+        </p:nvSpPr>
+        <p:spPr/>
+        <p:txBody>
+          <a:bodyPr/>
+          <a:lstStyle/>
+          <a:p>
+            <a:fld id="{F91F46E5-662D-490C-B319-1285EF71F969}" type="slidenum">
+              <a:rPr lang="zh-CN" altLang="en-US" smtClean="0"/>
+              <a:t>18</a:t>
+            </a:fld>
+            <a:endParaRPr lang="zh-CN" altLang="en-US"/>
+          </a:p>
+        </p:txBody>
+      </p:sp>
+    </p:spTree>
+    <p:extLst>
+      <p:ext uri="{BB962C8B-B14F-4D97-AF65-F5344CB8AC3E}">
+        <p14:creationId xmlns:p14="http://schemas.microsoft.com/office/powerpoint/2010/main" val="1759690720"/>
+      </p:ext>
+    </p:extLst>
+  </p:cSld>
+  <p:clrMapOvr>
+    <a:masterClrMapping/>
+  </p:clrMapOvr>
+</p:notes>
+</file>
+
+<file path=ppt/notesSlides/notesSlide17.xml><?xml version="1.0" encoding="utf-8"?>
+<p:notes xmlns:a="http://schemas.openxmlformats.org/drawingml/2006/main" xmlns:r="http://schemas.openxmlformats.org/officeDocument/2006/relationships" xmlns:p="http://schemas.openxmlformats.org/presentationml/2006/main">
+  <p:cSld>
+    <p:spTree>
+      <p:nvGrpSpPr>
+        <p:cNvPr id="1" name=""/>
+        <p:cNvGrpSpPr/>
+        <p:nvPr/>
+      </p:nvGrpSpPr>
+      <p:grpSpPr>
+        <a:xfrm>
+          <a:off x="0" y="0"/>
+          <a:ext cx="0" cy="0"/>
+          <a:chOff x="0" y="0"/>
+          <a:chExt cx="0" cy="0"/>
+        </a:xfrm>
+      </p:grpSpPr>
+      <p:sp>
+        <p:nvSpPr>
+          <p:cNvPr id="2" name="幻灯片图像占位符 1"/>
+          <p:cNvSpPr>
+            <a:spLocks noGrp="1" noRot="1" noChangeAspect="1"/>
+          </p:cNvSpPr>
+          <p:nvPr>
+            <p:ph type="sldImg"/>
+          </p:nvPr>
+        </p:nvSpPr>
+        <p:spPr/>
+      </p:sp>
+      <p:sp>
+        <p:nvSpPr>
+          <p:cNvPr id="3" name="备注占位符 2"/>
+          <p:cNvSpPr>
+            <a:spLocks noGrp="1"/>
+          </p:cNvSpPr>
+          <p:nvPr>
+            <p:ph type="body" idx="1"/>
+          </p:nvPr>
+        </p:nvSpPr>
+        <p:spPr/>
+        <p:txBody>
+          <a:bodyPr/>
+          <a:lstStyle/>
+          <a:p>
+            <a:r>
+              <a:rPr lang="zh-CN" altLang="en-US" smtClean="0"/>
+              <a:t>多发点</a:t>
+            </a:r>
+            <a:endParaRPr lang="zh-CN" altLang="en-US"/>
+          </a:p>
+        </p:txBody>
+      </p:sp>
+      <p:sp>
+        <p:nvSpPr>
+          <p:cNvPr id="4" name="灯片编号占位符 3"/>
+          <p:cNvSpPr>
+            <a:spLocks noGrp="1"/>
+          </p:cNvSpPr>
+          <p:nvPr>
+            <p:ph type="sldNum" sz="quarter" idx="10"/>
+          </p:nvPr>
+        </p:nvSpPr>
+        <p:spPr/>
+        <p:txBody>
+          <a:bodyPr/>
+          <a:lstStyle/>
+          <a:p>
+            <a:fld id="{F91F46E5-662D-490C-B319-1285EF71F969}" type="slidenum">
+              <a:rPr lang="zh-CN" altLang="en-US" smtClean="0"/>
+              <a:t>19</a:t>
+            </a:fld>
+            <a:endParaRPr lang="zh-CN" altLang="en-US"/>
+          </a:p>
+        </p:txBody>
+      </p:sp>
+    </p:spTree>
+    <p:extLst>
+      <p:ext uri="{BB962C8B-B14F-4D97-AF65-F5344CB8AC3E}">
+        <p14:creationId xmlns:p14="http://schemas.microsoft.com/office/powerpoint/2010/main" val="4241520077"/>
+      </p:ext>
+    </p:extLst>
+  </p:cSld>
+  <p:clrMapOvr>
+    <a:masterClrMapping/>
+  </p:clrMapOvr>
+</p:notes>
+</file>
+
+<file path=ppt/notesSlides/notesSlide18.xml><?xml version="1.0" encoding="utf-8"?>
+<p:notes xmlns:a="http://schemas.openxmlformats.org/drawingml/2006/main" xmlns:r="http://schemas.openxmlformats.org/officeDocument/2006/relationships" xmlns:p="http://schemas.openxmlformats.org/presentationml/2006/main">
+  <p:cSld>
+    <p:spTree>
+      <p:nvGrpSpPr>
+        <p:cNvPr id="1" name=""/>
+        <p:cNvGrpSpPr/>
+        <p:nvPr/>
+      </p:nvGrpSpPr>
+      <p:grpSpPr>
+        <a:xfrm>
+          <a:off x="0" y="0"/>
+          <a:ext cx="0" cy="0"/>
+          <a:chOff x="0" y="0"/>
+          <a:chExt cx="0" cy="0"/>
+        </a:xfrm>
+      </p:grpSpPr>
+      <p:sp>
+        <p:nvSpPr>
+          <p:cNvPr id="2" name="幻灯片图像占位符 1"/>
+          <p:cNvSpPr>
+            <a:spLocks noGrp="1" noRot="1" noChangeAspect="1"/>
+          </p:cNvSpPr>
+          <p:nvPr>
+            <p:ph type="sldImg"/>
+          </p:nvPr>
+        </p:nvSpPr>
+        <p:spPr/>
+      </p:sp>
+      <p:sp>
+        <p:nvSpPr>
+          <p:cNvPr id="3" name="备注占位符 2"/>
+          <p:cNvSpPr>
+            <a:spLocks noGrp="1"/>
+          </p:cNvSpPr>
+          <p:nvPr>
+            <p:ph type="body" idx="1"/>
+          </p:nvPr>
+        </p:nvSpPr>
+        <p:spPr/>
+        <p:txBody>
+          <a:bodyPr/>
+          <a:lstStyle/>
+          <a:p>
+            <a:r>
+              <a:rPr lang="zh-CN" altLang="en-US" smtClean="0"/>
+              <a:t>多发点</a:t>
+            </a:r>
+            <a:endParaRPr lang="zh-CN" altLang="en-US"/>
+          </a:p>
+        </p:txBody>
+      </p:sp>
+      <p:sp>
+        <p:nvSpPr>
+          <p:cNvPr id="4" name="灯片编号占位符 3"/>
+          <p:cNvSpPr>
+            <a:spLocks noGrp="1"/>
+          </p:cNvSpPr>
+          <p:nvPr>
+            <p:ph type="sldNum" sz="quarter" idx="10"/>
+          </p:nvPr>
+        </p:nvSpPr>
+        <p:spPr/>
+        <p:txBody>
+          <a:bodyPr/>
+          <a:lstStyle/>
+          <a:p>
+            <a:fld id="{F91F46E5-662D-490C-B319-1285EF71F969}" type="slidenum">
+              <a:rPr lang="zh-CN" altLang="en-US" smtClean="0"/>
+              <a:t>20</a:t>
+            </a:fld>
+            <a:endParaRPr lang="zh-CN" altLang="en-US"/>
+          </a:p>
+        </p:txBody>
+      </p:sp>
+    </p:spTree>
+    <p:extLst>
+      <p:ext uri="{BB962C8B-B14F-4D97-AF65-F5344CB8AC3E}">
+        <p14:creationId xmlns:p14="http://schemas.microsoft.com/office/powerpoint/2010/main" val="1927755974"/>
+      </p:ext>
+    </p:extLst>
+  </p:cSld>
+  <p:clrMapOvr>
+    <a:masterClrMapping/>
+  </p:clrMapOvr>
+</p:notes>
+</file>
+
 <file path=ppt/notesSlides/notesSlide2.xml><?xml version="1.0" encoding="utf-8"?>
 <p:notes xmlns:a="http://schemas.openxmlformats.org/drawingml/2006/main" xmlns:r="http://schemas.openxmlformats.org/officeDocument/2006/relationships" xmlns:p="http://schemas.openxmlformats.org/presentationml/2006/main">
   <p:cSld>
@@ -1757,7 +2201,7 @@
           <a:p>
             <a:fld id="{E26C717F-3C9D-465A-8BFA-E9A9E7C863CF}" type="datetimeFigureOut">
               <a:rPr lang="zh-CN" altLang="en-US" smtClean="0"/>
-              <a:t>2016/11/15</a:t>
+              <a:t>2016/11/17</a:t>
             </a:fld>
             <a:endParaRPr lang="zh-CN" altLang="en-US"/>
           </a:p>
@@ -1927,7 +2371,7 @@
           <a:p>
             <a:fld id="{E26C717F-3C9D-465A-8BFA-E9A9E7C863CF}" type="datetimeFigureOut">
               <a:rPr lang="zh-CN" altLang="en-US" smtClean="0"/>
-              <a:t>2016/11/15</a:t>
+              <a:t>2016/11/17</a:t>
             </a:fld>
             <a:endParaRPr lang="zh-CN" altLang="en-US"/>
           </a:p>
@@ -2107,7 +2551,7 @@
           <a:p>
             <a:fld id="{E26C717F-3C9D-465A-8BFA-E9A9E7C863CF}" type="datetimeFigureOut">
               <a:rPr lang="zh-CN" altLang="en-US" smtClean="0"/>
-              <a:t>2016/11/15</a:t>
+              <a:t>2016/11/17</a:t>
             </a:fld>
             <a:endParaRPr lang="zh-CN" altLang="en-US"/>
           </a:p>
@@ -2277,7 +2721,7 @@
           <a:p>
             <a:fld id="{E26C717F-3C9D-465A-8BFA-E9A9E7C863CF}" type="datetimeFigureOut">
               <a:rPr lang="zh-CN" altLang="en-US" smtClean="0"/>
-              <a:t>2016/11/15</a:t>
+              <a:t>2016/11/17</a:t>
             </a:fld>
             <a:endParaRPr lang="zh-CN" altLang="en-US"/>
           </a:p>
@@ -2523,7 +2967,7 @@
           <a:p>
             <a:fld id="{E26C717F-3C9D-465A-8BFA-E9A9E7C863CF}" type="datetimeFigureOut">
               <a:rPr lang="zh-CN" altLang="en-US" smtClean="0"/>
-              <a:t>2016/11/15</a:t>
+              <a:t>2016/11/17</a:t>
             </a:fld>
             <a:endParaRPr lang="zh-CN" altLang="en-US"/>
           </a:p>
@@ -2755,7 +3199,7 @@
           <a:p>
             <a:fld id="{E26C717F-3C9D-465A-8BFA-E9A9E7C863CF}" type="datetimeFigureOut">
               <a:rPr lang="zh-CN" altLang="en-US" smtClean="0"/>
-              <a:t>2016/11/15</a:t>
+              <a:t>2016/11/17</a:t>
             </a:fld>
             <a:endParaRPr lang="zh-CN" altLang="en-US"/>
           </a:p>
@@ -3122,7 +3566,7 @@
           <a:p>
             <a:fld id="{E26C717F-3C9D-465A-8BFA-E9A9E7C863CF}" type="datetimeFigureOut">
               <a:rPr lang="zh-CN" altLang="en-US" smtClean="0"/>
-              <a:t>2016/11/15</a:t>
+              <a:t>2016/11/17</a:t>
             </a:fld>
             <a:endParaRPr lang="zh-CN" altLang="en-US"/>
           </a:p>
@@ -3240,7 +3684,7 @@
           <a:p>
             <a:fld id="{E26C717F-3C9D-465A-8BFA-E9A9E7C863CF}" type="datetimeFigureOut">
               <a:rPr lang="zh-CN" altLang="en-US" smtClean="0"/>
-              <a:t>2016/11/15</a:t>
+              <a:t>2016/11/17</a:t>
             </a:fld>
             <a:endParaRPr lang="zh-CN" altLang="en-US"/>
           </a:p>
@@ -3335,7 +3779,7 @@
           <a:p>
             <a:fld id="{E26C717F-3C9D-465A-8BFA-E9A9E7C863CF}" type="datetimeFigureOut">
               <a:rPr lang="zh-CN" altLang="en-US" smtClean="0"/>
-              <a:t>2016/11/15</a:t>
+              <a:t>2016/11/17</a:t>
             </a:fld>
             <a:endParaRPr lang="zh-CN" altLang="en-US"/>
           </a:p>
@@ -3612,7 +4056,7 @@
           <a:p>
             <a:fld id="{E26C717F-3C9D-465A-8BFA-E9A9E7C863CF}" type="datetimeFigureOut">
               <a:rPr lang="zh-CN" altLang="en-US" smtClean="0"/>
-              <a:t>2016/11/15</a:t>
+              <a:t>2016/11/17</a:t>
             </a:fld>
             <a:endParaRPr lang="zh-CN" altLang="en-US"/>
           </a:p>
@@ -3865,7 +4309,7 @@
           <a:p>
             <a:fld id="{E26C717F-3C9D-465A-8BFA-E9A9E7C863CF}" type="datetimeFigureOut">
               <a:rPr lang="zh-CN" altLang="en-US" smtClean="0"/>
-              <a:t>2016/11/15</a:t>
+              <a:t>2016/11/17</a:t>
             </a:fld>
             <a:endParaRPr lang="zh-CN" altLang="en-US"/>
           </a:p>
@@ -4078,7 +4522,7 @@
           <a:p>
             <a:fld id="{E26C717F-3C9D-465A-8BFA-E9A9E7C863CF}" type="datetimeFigureOut">
               <a:rPr lang="zh-CN" altLang="en-US" smtClean="0"/>
-              <a:t>2016/11/15</a:t>
+              <a:t>2016/11/17</a:t>
             </a:fld>
             <a:endParaRPr lang="zh-CN" altLang="en-US"/>
           </a:p>
@@ -4914,11 +5358,7 @@
           <a:p>
             <a:r>
               <a:rPr lang="zh-CN" altLang="en-US"/>
-              <a:t>INT_</a:t>
-            </a:r>
-            <a:r>
-              <a:rPr lang="zh-CN" altLang="en-US"/>
-              <a:t>SIZE</a:t>
+              <a:t>INT_SIZE</a:t>
             </a:r>
             <a:r>
               <a:rPr lang="zh-CN" altLang="en-US" smtClean="0"/>
@@ -4959,11 +5399,7 @@
             </a:r>
             <a:r>
               <a:rPr lang="zh-CN" altLang="en-US"/>
-              <a:t>_CONST               0 (</a:t>
-            </a:r>
-            <a:r>
-              <a:rPr lang="zh-CN" altLang="en-US"/>
-              <a:t>4</a:t>
+              <a:t>_CONST               0 (4</a:t>
             </a:r>
             <a:r>
               <a:rPr lang="zh-CN" altLang="en-US" smtClean="0"/>
@@ -5091,11 +5527,7 @@
           <a:p>
             <a:r>
               <a:rPr lang="zh-CN" altLang="en-US"/>
-              <a:t>    print "</a:t>
-            </a:r>
-            <a:r>
-              <a:rPr lang="zh-CN" altLang="en-US"/>
-              <a:t>Send</a:t>
+              <a:t>    print "Send</a:t>
             </a:r>
             <a:r>
               <a:rPr lang="zh-CN" altLang="en-US" smtClean="0"/>
@@ -5142,11 +5574,7 @@
             </a:r>
             <a:r>
               <a:rPr lang="zh-CN" altLang="en-US"/>
-              <a:t>_</a:t>
-            </a:r>
-            <a:r>
-              <a:rPr lang="zh-CN" altLang="en-US"/>
-              <a:t>FUNCTION        </a:t>
+              <a:t>_FUNCTION        </a:t>
             </a:r>
             <a:r>
               <a:rPr lang="zh-CN" altLang="en-US" smtClean="0"/>
@@ -5191,7 +5619,6 @@
               <a:rPr lang="zh-CN" altLang="en-US"/>
               <a:t>def Send():</a:t>
             </a:r>
-            <a:endParaRPr lang="zh-CN" altLang="en-US"/>
           </a:p>
         </p:txBody>
       </p:sp>
@@ -5220,7 +5647,6 @@
               <a:rPr lang="zh-CN" altLang="en-US"/>
               <a:t>print "Send"</a:t>
             </a:r>
-            <a:endParaRPr lang="zh-CN" altLang="en-US"/>
           </a:p>
         </p:txBody>
       </p:sp>
@@ -5444,7 +5870,6 @@
               <a:rPr lang="zh-CN" altLang="en-US"/>
               <a:t>class CNet(object):</a:t>
             </a:r>
-            <a:endParaRPr lang="zh-CN" altLang="en-US"/>
           </a:p>
         </p:txBody>
       </p:sp>
@@ -5475,11 +5900,7 @@
             </a:r>
             <a:r>
               <a:rPr lang="zh-CN" altLang="en-US"/>
-              <a:t>_</a:t>
-            </a:r>
-            <a:r>
-              <a:rPr lang="zh-CN" altLang="en-US"/>
-              <a:t>CONST              </a:t>
+              <a:t>_CONST              </a:t>
             </a:r>
             <a:r>
               <a:rPr lang="zh-CN" altLang="en-US" smtClean="0"/>
@@ -5497,11 +5918,7 @@
             </a:r>
             <a:r>
               <a:rPr lang="zh-CN" altLang="en-US"/>
-              <a:t>_</a:t>
-            </a:r>
-            <a:r>
-              <a:rPr lang="zh-CN" altLang="en-US"/>
-              <a:t>NAME               </a:t>
+              <a:t>_NAME               </a:t>
             </a:r>
             <a:r>
               <a:rPr lang="zh-CN" altLang="en-US" smtClean="0"/>
@@ -5529,11 +5946,7 @@
             </a:r>
             <a:r>
               <a:rPr lang="zh-CN" altLang="en-US"/>
-              <a:t>_</a:t>
-            </a:r>
-            <a:r>
-              <a:rPr lang="zh-CN" altLang="en-US"/>
-              <a:t>CONST              </a:t>
+              <a:t>_CONST              </a:t>
             </a:r>
             <a:r>
               <a:rPr lang="zh-CN" altLang="en-US" smtClean="0"/>
@@ -5551,30 +5964,22 @@
             </a:r>
             <a:r>
               <a:rPr lang="zh-CN" altLang="en-US"/>
-              <a:t>_</a:t>
+              <a:t>_FUNCTION       </a:t>
+            </a:r>
+            <a:r>
+              <a:rPr lang="zh-CN" altLang="en-US" smtClean="0"/>
+              <a:t>0</a:t>
+            </a:r>
+            <a:endParaRPr lang="zh-CN" altLang="en-US"/>
+          </a:p>
+          <a:p>
+            <a:r>
+              <a:rPr lang="zh-CN" altLang="en-US" smtClean="0"/>
+              <a:t>CALL</a:t>
             </a:r>
             <a:r>
               <a:rPr lang="zh-CN" altLang="en-US"/>
-              <a:t>FUNCTION       </a:t>
-            </a:r>
-            <a:r>
-              <a:rPr lang="zh-CN" altLang="en-US" smtClean="0"/>
-              <a:t>0</a:t>
-            </a:r>
-            <a:endParaRPr lang="zh-CN" altLang="en-US"/>
-          </a:p>
-          <a:p>
-            <a:r>
-              <a:rPr lang="zh-CN" altLang="en-US" smtClean="0"/>
-              <a:t>CALL</a:t>
-            </a:r>
-            <a:r>
-              <a:rPr lang="zh-CN" altLang="en-US"/>
-              <a:t>_</a:t>
-            </a:r>
-            <a:r>
-              <a:rPr lang="zh-CN" altLang="en-US"/>
-              <a:t>FUNCTION         </a:t>
+              <a:t>_FUNCTION         </a:t>
             </a:r>
             <a:r>
               <a:rPr lang="zh-CN" altLang="en-US" smtClean="0"/>
@@ -5599,23 +6004,15 @@
             </a:r>
             <a:r>
               <a:rPr lang="zh-CN" altLang="en-US"/>
-              <a:t>_</a:t>
+              <a:t>_NAME              </a:t>
+            </a:r>
+            <a:r>
+              <a:rPr lang="zh-CN" altLang="en-US" smtClean="0"/>
+              <a:t>3 </a:t>
             </a:r>
             <a:r>
               <a:rPr lang="zh-CN" altLang="en-US"/>
-              <a:t>NAME              </a:t>
-            </a:r>
-            <a:r>
-              <a:rPr lang="zh-CN" altLang="en-US" smtClean="0"/>
-              <a:t>3 </a:t>
-            </a:r>
-            <a:r>
-              <a:rPr lang="zh-CN" altLang="en-US"/>
-              <a:t>(</a:t>
-            </a:r>
-            <a:r>
-              <a:rPr lang="zh-CN" altLang="en-US"/>
-              <a:t>CNet</a:t>
+              <a:t>(CNet</a:t>
             </a:r>
             <a:r>
               <a:rPr lang="zh-CN" altLang="en-US" smtClean="0"/>
@@ -5852,38 +6249,75 @@
       </p:grpSpPr>
       <p:sp>
         <p:nvSpPr>
-          <p:cNvPr id="2" name="标题 1"/>
-          <p:cNvSpPr>
-            <a:spLocks noGrp="1"/>
-          </p:cNvSpPr>
-          <p:nvPr>
-            <p:ph type="title"/>
-          </p:nvPr>
-        </p:nvSpPr>
-        <p:spPr/>
-        <p:txBody>
-          <a:bodyPr/>
-          <a:lstStyle/>
-          <a:p>
-            <a:endParaRPr lang="zh-CN" altLang="en-US"/>
-          </a:p>
-        </p:txBody>
-      </p:sp>
-      <p:sp>
-        <p:nvSpPr>
-          <p:cNvPr id="3" name="内容占位符 2"/>
-          <p:cNvSpPr>
-            <a:spLocks noGrp="1"/>
-          </p:cNvSpPr>
-          <p:nvPr>
-            <p:ph idx="1"/>
-          </p:nvPr>
-        </p:nvSpPr>
-        <p:spPr/>
-        <p:txBody>
-          <a:bodyPr/>
-          <a:lstStyle/>
-          <a:p>
+          <p:cNvPr id="4" name="流程图: 可选过程 3"/>
+          <p:cNvSpPr/>
+          <p:nvPr/>
+        </p:nvSpPr>
+        <p:spPr>
+          <a:xfrm>
+            <a:off x="403454" y="179133"/>
+            <a:ext cx="1749541" cy="479644"/>
+          </a:xfrm>
+          <a:prstGeom prst="flowChartAlternateProcess">
+            <a:avLst/>
+          </a:prstGeom>
+        </p:spPr>
+        <p:style>
+          <a:lnRef idx="2">
+            <a:schemeClr val="accent1">
+              <a:shade val="50000"/>
+            </a:schemeClr>
+          </a:lnRef>
+          <a:fillRef idx="1">
+            <a:schemeClr val="accent1"/>
+          </a:fillRef>
+          <a:effectRef idx="0">
+            <a:schemeClr val="accent1"/>
+          </a:effectRef>
+          <a:fontRef idx="minor">
+            <a:schemeClr val="lt1"/>
+          </a:fontRef>
+        </p:style>
+        <p:txBody>
+          <a:bodyPr rtlCol="0" anchor="ctr"/>
+          <a:lstStyle/>
+          <a:p>
+            <a:pPr algn="ctr"/>
+            <a:r>
+              <a:rPr lang="en-US" altLang="zh-CN"/>
+              <a:t>add_submodule</a:t>
+            </a:r>
+            <a:endParaRPr lang="zh-CN" altLang="en-US" b="1"/>
+          </a:p>
+        </p:txBody>
+      </p:sp>
+      <p:sp>
+        <p:nvSpPr>
+          <p:cNvPr id="3" name="矩形 2"/>
+          <p:cNvSpPr/>
+          <p:nvPr/>
+        </p:nvSpPr>
+        <p:spPr>
+          <a:xfrm>
+            <a:off x="403454" y="1457098"/>
+            <a:ext cx="4003532" cy="369332"/>
+          </a:xfrm>
+          <a:prstGeom prst="rect">
+            <a:avLst/>
+          </a:prstGeom>
+        </p:spPr>
+        <p:txBody>
+          <a:bodyPr wrap="none">
+            <a:spAutoFit/>
+          </a:bodyPr>
+          <a:lstStyle/>
+          <a:p>
+            <a:r>
+              <a:rPr lang="en-US" altLang="zh-CN">
+                <a:latin typeface="Open Sans" panose="020B0606030504020204" pitchFamily="34" charset="0"/>
+              </a:rPr>
+              <a:t>mod.md_dict['submode']=submode</a:t>
+            </a:r>
             <a:endParaRPr lang="zh-CN" altLang="en-US"/>
           </a:p>
         </p:txBody>
@@ -5891,13 +6325,910 @@
     </p:spTree>
     <p:extLst>
       <p:ext uri="{BB962C8B-B14F-4D97-AF65-F5344CB8AC3E}">
-        <p14:creationId xmlns:p14="http://schemas.microsoft.com/office/powerpoint/2010/main" val="2712918692"/>
+        <p14:creationId xmlns:p14="http://schemas.microsoft.com/office/powerpoint/2010/main" val="1656137275"/>
       </p:ext>
     </p:extLst>
   </p:cSld>
   <p:clrMapOvr>
     <a:masterClrMapping/>
   </p:clrMapOvr>
+  <p:timing>
+    <p:tnLst>
+      <p:par>
+        <p:cTn id="1" dur="indefinite" restart="never" nodeType="tmRoot"/>
+      </p:par>
+    </p:tnLst>
+  </p:timing>
+</p:sld>
+</file>
+
+<file path=ppt/slides/slide17.xml><?xml version="1.0" encoding="utf-8"?>
+<p:sld xmlns:a="http://schemas.openxmlformats.org/drawingml/2006/main" xmlns:r="http://schemas.openxmlformats.org/officeDocument/2006/relationships" xmlns:p="http://schemas.openxmlformats.org/presentationml/2006/main">
+  <p:cSld>
+    <p:spTree>
+      <p:nvGrpSpPr>
+        <p:cNvPr id="1" name=""/>
+        <p:cNvGrpSpPr/>
+        <p:nvPr/>
+      </p:nvGrpSpPr>
+      <p:grpSpPr>
+        <a:xfrm>
+          <a:off x="0" y="0"/>
+          <a:ext cx="0" cy="0"/>
+          <a:chOff x="0" y="0"/>
+          <a:chExt cx="0" cy="0"/>
+        </a:xfrm>
+      </p:grpSpPr>
+      <p:sp>
+        <p:nvSpPr>
+          <p:cNvPr id="2" name="矩形 1"/>
+          <p:cNvSpPr/>
+          <p:nvPr/>
+        </p:nvSpPr>
+        <p:spPr>
+          <a:xfrm>
+            <a:off x="99753" y="406347"/>
+            <a:ext cx="5735782" cy="369332"/>
+          </a:xfrm>
+          <a:prstGeom prst="rect">
+            <a:avLst/>
+          </a:prstGeom>
+        </p:spPr>
+        <p:txBody>
+          <a:bodyPr wrap="square">
+            <a:spAutoFit/>
+          </a:bodyPr>
+          <a:lstStyle/>
+          <a:p>
+            <a:r>
+              <a:rPr lang="en-US" altLang="zh-CN"/>
+              <a:t>__import__(name[, globals[, locals[, fromlist[, level]]]])</a:t>
+            </a:r>
+            <a:endParaRPr lang="en-US" altLang="zh-CN"/>
+          </a:p>
+        </p:txBody>
+      </p:sp>
+      <p:sp>
+        <p:nvSpPr>
+          <p:cNvPr id="6" name="矩形 5"/>
+          <p:cNvSpPr/>
+          <p:nvPr/>
+        </p:nvSpPr>
+        <p:spPr>
+          <a:xfrm>
+            <a:off x="0" y="1115699"/>
+            <a:ext cx="5735782" cy="369332"/>
+          </a:xfrm>
+          <a:prstGeom prst="rect">
+            <a:avLst/>
+          </a:prstGeom>
+        </p:spPr>
+        <p:txBody>
+          <a:bodyPr wrap="square">
+            <a:spAutoFit/>
+          </a:bodyPr>
+          <a:lstStyle/>
+          <a:p>
+            <a:r>
+              <a:rPr lang="en-US" altLang="zh-CN" smtClean="0"/>
+              <a:t>import a</a:t>
+            </a:r>
+            <a:endParaRPr lang="en-US" altLang="zh-CN"/>
+          </a:p>
+        </p:txBody>
+      </p:sp>
+      <p:sp>
+        <p:nvSpPr>
+          <p:cNvPr id="7" name="矩形 6"/>
+          <p:cNvSpPr/>
+          <p:nvPr/>
+        </p:nvSpPr>
+        <p:spPr>
+          <a:xfrm>
+            <a:off x="0" y="1640385"/>
+            <a:ext cx="5735782" cy="369332"/>
+          </a:xfrm>
+          <a:prstGeom prst="rect">
+            <a:avLst/>
+          </a:prstGeom>
+        </p:spPr>
+        <p:txBody>
+          <a:bodyPr wrap="square">
+            <a:spAutoFit/>
+          </a:bodyPr>
+          <a:lstStyle/>
+          <a:p>
+            <a:r>
+              <a:rPr lang="en-US" altLang="zh-CN"/>
+              <a:t>__</a:t>
+            </a:r>
+            <a:r>
+              <a:rPr lang="en-US" altLang="zh-CN"/>
+              <a:t>import</a:t>
+            </a:r>
+            <a:r>
+              <a:rPr lang="en-US" altLang="zh-CN" smtClean="0"/>
+              <a:t>__(“a”,globals(),locals(),None,-1)      a=moda</a:t>
+            </a:r>
+            <a:endParaRPr lang="en-US" altLang="zh-CN"/>
+          </a:p>
+        </p:txBody>
+      </p:sp>
+      <p:sp>
+        <p:nvSpPr>
+          <p:cNvPr id="8" name="矩形 7"/>
+          <p:cNvSpPr/>
+          <p:nvPr/>
+        </p:nvSpPr>
+        <p:spPr>
+          <a:xfrm>
+            <a:off x="0" y="2465132"/>
+            <a:ext cx="5735782" cy="369332"/>
+          </a:xfrm>
+          <a:prstGeom prst="rect">
+            <a:avLst/>
+          </a:prstGeom>
+        </p:spPr>
+        <p:txBody>
+          <a:bodyPr wrap="square">
+            <a:spAutoFit/>
+          </a:bodyPr>
+          <a:lstStyle/>
+          <a:p>
+            <a:r>
+              <a:rPr lang="en-US" altLang="zh-CN" smtClean="0"/>
+              <a:t>import a.b.c</a:t>
+            </a:r>
+            <a:endParaRPr lang="en-US" altLang="zh-CN"/>
+          </a:p>
+        </p:txBody>
+      </p:sp>
+      <p:sp>
+        <p:nvSpPr>
+          <p:cNvPr id="9" name="矩形 8"/>
+          <p:cNvSpPr/>
+          <p:nvPr/>
+        </p:nvSpPr>
+        <p:spPr>
+          <a:xfrm>
+            <a:off x="0" y="2989818"/>
+            <a:ext cx="5735782" cy="369332"/>
+          </a:xfrm>
+          <a:prstGeom prst="rect">
+            <a:avLst/>
+          </a:prstGeom>
+        </p:spPr>
+        <p:txBody>
+          <a:bodyPr wrap="square">
+            <a:spAutoFit/>
+          </a:bodyPr>
+          <a:lstStyle/>
+          <a:p>
+            <a:r>
+              <a:rPr lang="en-US" altLang="zh-CN"/>
+              <a:t>__</a:t>
+            </a:r>
+            <a:r>
+              <a:rPr lang="en-US" altLang="zh-CN"/>
+              <a:t>import</a:t>
+            </a:r>
+            <a:r>
+              <a:rPr lang="en-US" altLang="zh-CN" smtClean="0"/>
+              <a:t>__(“a.b.c”,globals(),locals(),None,-1)  a=moda</a:t>
+            </a:r>
+            <a:endParaRPr lang="en-US" altLang="zh-CN"/>
+          </a:p>
+        </p:txBody>
+      </p:sp>
+      <p:sp>
+        <p:nvSpPr>
+          <p:cNvPr id="10" name="矩形 9"/>
+          <p:cNvSpPr/>
+          <p:nvPr/>
+        </p:nvSpPr>
+        <p:spPr>
+          <a:xfrm>
+            <a:off x="99753" y="3864442"/>
+            <a:ext cx="5735782" cy="369332"/>
+          </a:xfrm>
+          <a:prstGeom prst="rect">
+            <a:avLst/>
+          </a:prstGeom>
+        </p:spPr>
+        <p:txBody>
+          <a:bodyPr wrap="square">
+            <a:spAutoFit/>
+          </a:bodyPr>
+          <a:lstStyle/>
+          <a:p>
+            <a:r>
+              <a:rPr lang="en-US" altLang="zh-CN"/>
+              <a:t>from a.b import c</a:t>
+            </a:r>
+            <a:endParaRPr lang="en-US" altLang="zh-CN"/>
+          </a:p>
+        </p:txBody>
+      </p:sp>
+      <p:sp>
+        <p:nvSpPr>
+          <p:cNvPr id="11" name="矩形 10"/>
+          <p:cNvSpPr/>
+          <p:nvPr/>
+        </p:nvSpPr>
+        <p:spPr>
+          <a:xfrm>
+            <a:off x="99753" y="4389128"/>
+            <a:ext cx="5735782" cy="369332"/>
+          </a:xfrm>
+          <a:prstGeom prst="rect">
+            <a:avLst/>
+          </a:prstGeom>
+        </p:spPr>
+        <p:txBody>
+          <a:bodyPr wrap="square">
+            <a:spAutoFit/>
+          </a:bodyPr>
+          <a:lstStyle/>
+          <a:p>
+            <a:r>
+              <a:rPr lang="en-US" altLang="zh-CN"/>
+              <a:t>__</a:t>
+            </a:r>
+            <a:r>
+              <a:rPr lang="en-US" altLang="zh-CN"/>
+              <a:t>import</a:t>
+            </a:r>
+            <a:r>
+              <a:rPr lang="en-US" altLang="zh-CN" smtClean="0"/>
+              <a:t>__(“a.b”,globals(),locals(),[‘c’],-1)	c=a.b.c</a:t>
+            </a:r>
+            <a:endParaRPr lang="en-US" altLang="zh-CN"/>
+          </a:p>
+        </p:txBody>
+      </p:sp>
+      <p:sp>
+        <p:nvSpPr>
+          <p:cNvPr id="12" name="矩形 11"/>
+          <p:cNvSpPr/>
+          <p:nvPr/>
+        </p:nvSpPr>
+        <p:spPr>
+          <a:xfrm>
+            <a:off x="0" y="5369229"/>
+            <a:ext cx="5735782" cy="369332"/>
+          </a:xfrm>
+          <a:prstGeom prst="rect">
+            <a:avLst/>
+          </a:prstGeom>
+        </p:spPr>
+        <p:txBody>
+          <a:bodyPr wrap="square">
+            <a:spAutoFit/>
+          </a:bodyPr>
+          <a:lstStyle/>
+          <a:p>
+            <a:r>
+              <a:rPr lang="en-US" altLang="zh-CN"/>
+              <a:t>from a.b import c as x</a:t>
+            </a:r>
+            <a:endParaRPr lang="en-US" altLang="zh-CN"/>
+          </a:p>
+        </p:txBody>
+      </p:sp>
+      <p:sp>
+        <p:nvSpPr>
+          <p:cNvPr id="13" name="矩形 12"/>
+          <p:cNvSpPr/>
+          <p:nvPr/>
+        </p:nvSpPr>
+        <p:spPr>
+          <a:xfrm>
+            <a:off x="0" y="5893915"/>
+            <a:ext cx="5735782" cy="369332"/>
+          </a:xfrm>
+          <a:prstGeom prst="rect">
+            <a:avLst/>
+          </a:prstGeom>
+        </p:spPr>
+        <p:txBody>
+          <a:bodyPr wrap="square">
+            <a:spAutoFit/>
+          </a:bodyPr>
+          <a:lstStyle/>
+          <a:p>
+            <a:r>
+              <a:rPr lang="en-US" altLang="zh-CN"/>
+              <a:t>__</a:t>
+            </a:r>
+            <a:r>
+              <a:rPr lang="en-US" altLang="zh-CN"/>
+              <a:t>import</a:t>
+            </a:r>
+            <a:r>
+              <a:rPr lang="en-US" altLang="zh-CN" smtClean="0"/>
+              <a:t>__(“a.b”,globals(),locals(),[‘c’],-1)	x=a.b.c</a:t>
+            </a:r>
+            <a:endParaRPr lang="en-US" altLang="zh-CN"/>
+          </a:p>
+        </p:txBody>
+      </p:sp>
+    </p:spTree>
+    <p:extLst>
+      <p:ext uri="{BB962C8B-B14F-4D97-AF65-F5344CB8AC3E}">
+        <p14:creationId xmlns:p14="http://schemas.microsoft.com/office/powerpoint/2010/main" val="3639017009"/>
+      </p:ext>
+    </p:extLst>
+  </p:cSld>
+  <p:clrMapOvr>
+    <a:masterClrMapping/>
+  </p:clrMapOvr>
+  <p:timing>
+    <p:tnLst>
+      <p:par>
+        <p:cTn id="1" dur="indefinite" restart="never" nodeType="tmRoot"/>
+      </p:par>
+    </p:tnLst>
+  </p:timing>
+</p:sld>
+</file>
+
+<file path=ppt/slides/slide18.xml><?xml version="1.0" encoding="utf-8"?>
+<p:sld xmlns:a="http://schemas.openxmlformats.org/drawingml/2006/main" xmlns:r="http://schemas.openxmlformats.org/officeDocument/2006/relationships" xmlns:p="http://schemas.openxmlformats.org/presentationml/2006/main">
+  <p:cSld>
+    <p:spTree>
+      <p:nvGrpSpPr>
+        <p:cNvPr id="1" name=""/>
+        <p:cNvGrpSpPr/>
+        <p:nvPr/>
+      </p:nvGrpSpPr>
+      <p:grpSpPr>
+        <a:xfrm>
+          <a:off x="0" y="0"/>
+          <a:ext cx="0" cy="0"/>
+          <a:chOff x="0" y="0"/>
+          <a:chExt cx="0" cy="0"/>
+        </a:xfrm>
+      </p:grpSpPr>
+      <p:sp>
+        <p:nvSpPr>
+          <p:cNvPr id="12" name="矩形 11"/>
+          <p:cNvSpPr/>
+          <p:nvPr/>
+        </p:nvSpPr>
+        <p:spPr>
+          <a:xfrm>
+            <a:off x="0" y="315091"/>
+            <a:ext cx="5735782" cy="369332"/>
+          </a:xfrm>
+          <a:prstGeom prst="rect">
+            <a:avLst/>
+          </a:prstGeom>
+        </p:spPr>
+        <p:txBody>
+          <a:bodyPr wrap="square">
+            <a:spAutoFit/>
+          </a:bodyPr>
+          <a:lstStyle/>
+          <a:p>
+            <a:r>
+              <a:rPr lang="en-US" altLang="zh-CN"/>
+              <a:t>from </a:t>
+            </a:r>
+            <a:r>
+              <a:rPr lang="en-US" altLang="zh-CN" smtClean="0"/>
+              <a:t>a </a:t>
+            </a:r>
+            <a:r>
+              <a:rPr lang="en-US" altLang="zh-CN"/>
+              <a:t>import </a:t>
+            </a:r>
+            <a:r>
+              <a:rPr lang="en-US" altLang="zh-CN"/>
+              <a:t>*</a:t>
+            </a:r>
+            <a:endParaRPr lang="en-US" altLang="zh-CN"/>
+          </a:p>
+        </p:txBody>
+      </p:sp>
+      <p:sp>
+        <p:nvSpPr>
+          <p:cNvPr id="13" name="矩形 12"/>
+          <p:cNvSpPr/>
+          <p:nvPr/>
+        </p:nvSpPr>
+        <p:spPr>
+          <a:xfrm>
+            <a:off x="0" y="839777"/>
+            <a:ext cx="5735782" cy="369332"/>
+          </a:xfrm>
+          <a:prstGeom prst="rect">
+            <a:avLst/>
+          </a:prstGeom>
+        </p:spPr>
+        <p:txBody>
+          <a:bodyPr wrap="square">
+            <a:spAutoFit/>
+          </a:bodyPr>
+          <a:lstStyle/>
+          <a:p>
+            <a:r>
+              <a:rPr lang="en-US" altLang="zh-CN"/>
+              <a:t>__</a:t>
+            </a:r>
+            <a:r>
+              <a:rPr lang="en-US" altLang="zh-CN"/>
+              <a:t>import</a:t>
+            </a:r>
+            <a:r>
+              <a:rPr lang="en-US" altLang="zh-CN"/>
+              <a:t>__(“a”,globals(),locals(),[‘*’],-1) __all__</a:t>
+            </a:r>
+            <a:endParaRPr lang="en-US" altLang="zh-CN"/>
+          </a:p>
+        </p:txBody>
+      </p:sp>
+      <p:sp>
+        <p:nvSpPr>
+          <p:cNvPr id="14" name="矩形 13"/>
+          <p:cNvSpPr/>
+          <p:nvPr/>
+        </p:nvSpPr>
+        <p:spPr>
+          <a:xfrm>
+            <a:off x="0" y="2454233"/>
+            <a:ext cx="5735782" cy="369332"/>
+          </a:xfrm>
+          <a:prstGeom prst="rect">
+            <a:avLst/>
+          </a:prstGeom>
+        </p:spPr>
+        <p:txBody>
+          <a:bodyPr wrap="square">
+            <a:spAutoFit/>
+          </a:bodyPr>
+          <a:lstStyle/>
+          <a:p>
+            <a:r>
+              <a:rPr lang="en-US" altLang="zh-CN"/>
+              <a:t>from ..a import b</a:t>
+            </a:r>
+            <a:endParaRPr lang="en-US" altLang="zh-CN"/>
+          </a:p>
+        </p:txBody>
+      </p:sp>
+      <p:sp>
+        <p:nvSpPr>
+          <p:cNvPr id="15" name="矩形 14"/>
+          <p:cNvSpPr/>
+          <p:nvPr/>
+        </p:nvSpPr>
+        <p:spPr>
+          <a:xfrm>
+            <a:off x="0" y="2978919"/>
+            <a:ext cx="5735782" cy="369332"/>
+          </a:xfrm>
+          <a:prstGeom prst="rect">
+            <a:avLst/>
+          </a:prstGeom>
+        </p:spPr>
+        <p:txBody>
+          <a:bodyPr wrap="square">
+            <a:spAutoFit/>
+          </a:bodyPr>
+          <a:lstStyle/>
+          <a:p>
+            <a:r>
+              <a:rPr lang="en-US" altLang="zh-CN"/>
+              <a:t>__</a:t>
+            </a:r>
+            <a:r>
+              <a:rPr lang="en-US" altLang="zh-CN"/>
+              <a:t>import</a:t>
+            </a:r>
+            <a:r>
+              <a:rPr lang="en-US" altLang="zh-CN" smtClean="0"/>
+              <a:t>__(“a”,globals(),locals(),[‘b’],2)</a:t>
+            </a:r>
+            <a:endParaRPr lang="en-US" altLang="zh-CN"/>
+          </a:p>
+        </p:txBody>
+      </p:sp>
+    </p:spTree>
+    <p:extLst>
+      <p:ext uri="{BB962C8B-B14F-4D97-AF65-F5344CB8AC3E}">
+        <p14:creationId xmlns:p14="http://schemas.microsoft.com/office/powerpoint/2010/main" val="2688928861"/>
+      </p:ext>
+    </p:extLst>
+  </p:cSld>
+  <p:clrMapOvr>
+    <a:masterClrMapping/>
+  </p:clrMapOvr>
+  <p:timing>
+    <p:tnLst>
+      <p:par>
+        <p:cTn id="1" dur="indefinite" restart="never" nodeType="tmRoot"/>
+      </p:par>
+    </p:tnLst>
+  </p:timing>
+</p:sld>
+</file>
+
+<file path=ppt/slides/slide19.xml><?xml version="1.0" encoding="utf-8"?>
+<p:sld xmlns:a="http://schemas.openxmlformats.org/drawingml/2006/main" xmlns:r="http://schemas.openxmlformats.org/officeDocument/2006/relationships" xmlns:p="http://schemas.openxmlformats.org/presentationml/2006/main">
+  <p:cSld>
+    <p:spTree>
+      <p:nvGrpSpPr>
+        <p:cNvPr id="1" name=""/>
+        <p:cNvGrpSpPr/>
+        <p:nvPr/>
+      </p:nvGrpSpPr>
+      <p:grpSpPr>
+        <a:xfrm>
+          <a:off x="0" y="0"/>
+          <a:ext cx="0" cy="0"/>
+          <a:chOff x="0" y="0"/>
+          <a:chExt cx="0" cy="0"/>
+        </a:xfrm>
+      </p:grpSpPr>
+      <p:sp>
+        <p:nvSpPr>
+          <p:cNvPr id="3" name="矩形 2"/>
+          <p:cNvSpPr/>
+          <p:nvPr/>
+        </p:nvSpPr>
+        <p:spPr>
+          <a:xfrm>
+            <a:off x="268000" y="260065"/>
+            <a:ext cx="877163" cy="369332"/>
+          </a:xfrm>
+          <a:prstGeom prst="rect">
+            <a:avLst/>
+          </a:prstGeom>
+        </p:spPr>
+        <p:txBody>
+          <a:bodyPr wrap="none">
+            <a:spAutoFit/>
+          </a:bodyPr>
+          <a:lstStyle/>
+          <a:p>
+            <a:r>
+              <a:rPr lang="zh-CN" altLang="en-US"/>
+              <a:t>热更新</a:t>
+            </a:r>
+            <a:endParaRPr lang="en-US" altLang="zh-CN"/>
+          </a:p>
+        </p:txBody>
+      </p:sp>
+      <p:sp>
+        <p:nvSpPr>
+          <p:cNvPr id="4" name="矩形 3"/>
+          <p:cNvSpPr/>
+          <p:nvPr/>
+        </p:nvSpPr>
+        <p:spPr>
+          <a:xfrm>
+            <a:off x="412426" y="999898"/>
+            <a:ext cx="870944" cy="369332"/>
+          </a:xfrm>
+          <a:prstGeom prst="rect">
+            <a:avLst/>
+          </a:prstGeom>
+        </p:spPr>
+        <p:txBody>
+          <a:bodyPr wrap="none">
+            <a:spAutoFit/>
+          </a:bodyPr>
+          <a:lstStyle/>
+          <a:p>
+            <a:r>
+              <a:rPr lang="en-US" altLang="zh-CN">
+                <a:latin typeface="Open Sans" panose="020B0606030504020204" pitchFamily="34" charset="0"/>
+              </a:rPr>
+              <a:t>reload</a:t>
+            </a:r>
+            <a:endParaRPr lang="zh-CN" altLang="en-US"/>
+          </a:p>
+        </p:txBody>
+      </p:sp>
+      <p:sp>
+        <p:nvSpPr>
+          <p:cNvPr id="6" name="流程图: 可选过程 5"/>
+          <p:cNvSpPr/>
+          <p:nvPr/>
+        </p:nvSpPr>
+        <p:spPr>
+          <a:xfrm>
+            <a:off x="594647" y="2124311"/>
+            <a:ext cx="1749541" cy="479644"/>
+          </a:xfrm>
+          <a:prstGeom prst="flowChartAlternateProcess">
+            <a:avLst/>
+          </a:prstGeom>
+        </p:spPr>
+        <p:style>
+          <a:lnRef idx="2">
+            <a:schemeClr val="accent1">
+              <a:shade val="50000"/>
+            </a:schemeClr>
+          </a:lnRef>
+          <a:fillRef idx="1">
+            <a:schemeClr val="accent1"/>
+          </a:fillRef>
+          <a:effectRef idx="0">
+            <a:schemeClr val="accent1"/>
+          </a:effectRef>
+          <a:fontRef idx="minor">
+            <a:schemeClr val="lt1"/>
+          </a:fontRef>
+        </p:style>
+        <p:txBody>
+          <a:bodyPr rtlCol="0" anchor="ctr"/>
+          <a:lstStyle/>
+          <a:p>
+            <a:pPr algn="ctr"/>
+            <a:r>
+              <a:rPr lang="en-US" altLang="zh-CN"/>
+              <a:t>sys.modules</a:t>
+            </a:r>
+            <a:endParaRPr lang="zh-CN" altLang="en-US" b="1"/>
+          </a:p>
+        </p:txBody>
+      </p:sp>
+      <p:sp>
+        <p:nvSpPr>
+          <p:cNvPr id="7" name="流程图: 可选过程 6"/>
+          <p:cNvSpPr/>
+          <p:nvPr/>
+        </p:nvSpPr>
+        <p:spPr>
+          <a:xfrm>
+            <a:off x="594647" y="3038711"/>
+            <a:ext cx="1749541" cy="479644"/>
+          </a:xfrm>
+          <a:prstGeom prst="flowChartAlternateProcess">
+            <a:avLst/>
+          </a:prstGeom>
+        </p:spPr>
+        <p:style>
+          <a:lnRef idx="2">
+            <a:schemeClr val="accent1">
+              <a:shade val="50000"/>
+            </a:schemeClr>
+          </a:lnRef>
+          <a:fillRef idx="1">
+            <a:schemeClr val="accent1"/>
+          </a:fillRef>
+          <a:effectRef idx="0">
+            <a:schemeClr val="accent1"/>
+          </a:effectRef>
+          <a:fontRef idx="minor">
+            <a:schemeClr val="lt1"/>
+          </a:fontRef>
+        </p:style>
+        <p:txBody>
+          <a:bodyPr rtlCol="0" anchor="ctr"/>
+          <a:lstStyle/>
+          <a:p>
+            <a:pPr algn="ctr"/>
+            <a:r>
+              <a:rPr lang="en-US" altLang="zh-CN"/>
+              <a:t>find_module</a:t>
+            </a:r>
+            <a:endParaRPr lang="zh-CN" altLang="en-US" b="1"/>
+          </a:p>
+        </p:txBody>
+      </p:sp>
+      <p:sp>
+        <p:nvSpPr>
+          <p:cNvPr id="8" name="流程图: 可选过程 7"/>
+          <p:cNvSpPr/>
+          <p:nvPr/>
+        </p:nvSpPr>
+        <p:spPr>
+          <a:xfrm>
+            <a:off x="594646" y="4202492"/>
+            <a:ext cx="1749541" cy="479644"/>
+          </a:xfrm>
+          <a:prstGeom prst="flowChartAlternateProcess">
+            <a:avLst/>
+          </a:prstGeom>
+        </p:spPr>
+        <p:style>
+          <a:lnRef idx="2">
+            <a:schemeClr val="accent1">
+              <a:shade val="50000"/>
+            </a:schemeClr>
+          </a:lnRef>
+          <a:fillRef idx="1">
+            <a:schemeClr val="accent1"/>
+          </a:fillRef>
+          <a:effectRef idx="0">
+            <a:schemeClr val="accent1"/>
+          </a:effectRef>
+          <a:fontRef idx="minor">
+            <a:schemeClr val="lt1"/>
+          </a:fontRef>
+        </p:style>
+        <p:txBody>
+          <a:bodyPr rtlCol="0" anchor="ctr"/>
+          <a:lstStyle/>
+          <a:p>
+            <a:pPr algn="ctr"/>
+            <a:r>
+              <a:rPr lang="en-US" altLang="zh-CN"/>
+              <a:t>load_module</a:t>
+            </a:r>
+            <a:endParaRPr lang="zh-CN" altLang="en-US" b="1"/>
+          </a:p>
+        </p:txBody>
+      </p:sp>
+      <p:sp>
+        <p:nvSpPr>
+          <p:cNvPr id="9" name="矩形 8"/>
+          <p:cNvSpPr/>
+          <p:nvPr/>
+        </p:nvSpPr>
+        <p:spPr>
+          <a:xfrm>
+            <a:off x="3275214" y="769065"/>
+            <a:ext cx="4572000" cy="1200329"/>
+          </a:xfrm>
+          <a:prstGeom prst="rect">
+            <a:avLst/>
+          </a:prstGeom>
+        </p:spPr>
+        <p:txBody>
+          <a:bodyPr>
+            <a:spAutoFit/>
+          </a:bodyPr>
+          <a:lstStyle/>
+          <a:p>
+            <a:r>
+              <a:rPr lang="zh-CN" altLang="en-US"/>
+              <a:t>typedef struct {</a:t>
+            </a:r>
+          </a:p>
+          <a:p>
+            <a:r>
+              <a:rPr lang="zh-CN" altLang="en-US"/>
+              <a:t>    PyObject_HEAD</a:t>
+            </a:r>
+          </a:p>
+          <a:p>
+            <a:r>
+              <a:rPr lang="zh-CN" altLang="en-US"/>
+              <a:t>    PyObject *md_dict;</a:t>
+            </a:r>
+          </a:p>
+          <a:p>
+            <a:r>
+              <a:rPr lang="zh-CN" altLang="en-US"/>
+              <a:t>} PyModuleObject</a:t>
+            </a:r>
+            <a:r>
+              <a:rPr lang="zh-CN" altLang="en-US" smtClean="0"/>
+              <a:t>;</a:t>
+            </a:r>
+            <a:endParaRPr lang="zh-CN" altLang="en-US"/>
+          </a:p>
+        </p:txBody>
+      </p:sp>
+      <p:sp>
+        <p:nvSpPr>
+          <p:cNvPr id="10" name="矩形 9"/>
+          <p:cNvSpPr/>
+          <p:nvPr/>
+        </p:nvSpPr>
+        <p:spPr>
+          <a:xfrm>
+            <a:off x="3275214" y="3002163"/>
+            <a:ext cx="4572000" cy="923330"/>
+          </a:xfrm>
+          <a:prstGeom prst="rect">
+            <a:avLst/>
+          </a:prstGeom>
+        </p:spPr>
+        <p:txBody>
+          <a:bodyPr>
+            <a:spAutoFit/>
+          </a:bodyPr>
+          <a:lstStyle/>
+          <a:p>
+            <a:r>
+              <a:rPr lang="en-US" altLang="zh-CN" smtClean="0"/>
+              <a:t>load</a:t>
+            </a:r>
+            <a:r>
+              <a:rPr lang="zh-CN" altLang="en-US" smtClean="0"/>
+              <a:t>就是填充字典的过过程</a:t>
+            </a:r>
+            <a:endParaRPr lang="en-US" altLang="zh-CN" smtClean="0"/>
+          </a:p>
+          <a:p>
+            <a:r>
+              <a:rPr lang="en-US" altLang="zh-CN" smtClean="0"/>
+              <a:t>reload</a:t>
+            </a:r>
+            <a:r>
+              <a:rPr lang="zh-CN" altLang="en-US" smtClean="0"/>
+              <a:t>时</a:t>
+            </a:r>
+            <a:r>
+              <a:rPr lang="en-US" altLang="zh-CN" smtClean="0"/>
+              <a:t>mod</a:t>
+            </a:r>
+            <a:r>
+              <a:rPr lang="zh-CN" altLang="en-US" smtClean="0"/>
+              <a:t>存在，就直接用旧的字典</a:t>
+            </a:r>
+            <a:endParaRPr lang="en-US" altLang="zh-CN" smtClean="0"/>
+          </a:p>
+          <a:p>
+            <a:r>
+              <a:rPr lang="zh-CN" altLang="en-US" smtClean="0"/>
+              <a:t>所以理论上是不会删的</a:t>
+            </a:r>
+            <a:endParaRPr lang="zh-CN" altLang="en-US"/>
+          </a:p>
+        </p:txBody>
+      </p:sp>
+      <p:sp>
+        <p:nvSpPr>
+          <p:cNvPr id="13" name="矩形 12"/>
+          <p:cNvSpPr/>
+          <p:nvPr/>
+        </p:nvSpPr>
+        <p:spPr>
+          <a:xfrm>
+            <a:off x="1145163" y="160693"/>
+            <a:ext cx="4572000" cy="923330"/>
+          </a:xfrm>
+          <a:prstGeom prst="rect">
+            <a:avLst/>
+          </a:prstGeom>
+        </p:spPr>
+        <p:txBody>
+          <a:bodyPr>
+            <a:spAutoFit/>
+          </a:bodyPr>
+          <a:lstStyle/>
+          <a:p>
+            <a:r>
+              <a:rPr lang="zh-CN" altLang="en-US"/>
+              <a:t>避免重启</a:t>
+            </a:r>
+          </a:p>
+          <a:p>
+            <a:r>
+              <a:rPr lang="zh-CN" altLang="en-US"/>
+              <a:t>开发期，提升效率</a:t>
+            </a:r>
+          </a:p>
+          <a:p>
+            <a:r>
+              <a:rPr lang="zh-CN" altLang="en-US"/>
+              <a:t>运维期，减少损失</a:t>
+            </a:r>
+          </a:p>
+        </p:txBody>
+      </p:sp>
+    </p:spTree>
+    <p:extLst>
+      <p:ext uri="{BB962C8B-B14F-4D97-AF65-F5344CB8AC3E}">
+        <p14:creationId xmlns:p14="http://schemas.microsoft.com/office/powerpoint/2010/main" val="369192659"/>
+      </p:ext>
+    </p:extLst>
+  </p:cSld>
+  <p:clrMapOvr>
+    <a:masterClrMapping/>
+  </p:clrMapOvr>
+  <p:timing>
+    <p:tnLst>
+      <p:par>
+        <p:cTn id="1" dur="indefinite" restart="never" nodeType="tmRoot"/>
+      </p:par>
+    </p:tnLst>
+  </p:timing>
 </p:sld>
 </file>
 
@@ -5969,6 +7300,128 @@
     <p:extLst>
       <p:ext uri="{BB962C8B-B14F-4D97-AF65-F5344CB8AC3E}">
         <p14:creationId xmlns:p14="http://schemas.microsoft.com/office/powerpoint/2010/main" val="2746802377"/>
+      </p:ext>
+    </p:extLst>
+  </p:cSld>
+  <p:clrMapOvr>
+    <a:masterClrMapping/>
+  </p:clrMapOvr>
+  <p:timing>
+    <p:tnLst>
+      <p:par>
+        <p:cTn id="1" dur="indefinite" restart="never" nodeType="tmRoot"/>
+      </p:par>
+    </p:tnLst>
+  </p:timing>
+</p:sld>
+</file>
+
+<file path=ppt/slides/slide20.xml><?xml version="1.0" encoding="utf-8"?>
+<p:sld xmlns:a="http://schemas.openxmlformats.org/drawingml/2006/main" xmlns:r="http://schemas.openxmlformats.org/officeDocument/2006/relationships" xmlns:p="http://schemas.openxmlformats.org/presentationml/2006/main">
+  <p:cSld>
+    <p:spTree>
+      <p:nvGrpSpPr>
+        <p:cNvPr id="1" name=""/>
+        <p:cNvGrpSpPr/>
+        <p:nvPr/>
+      </p:nvGrpSpPr>
+      <p:grpSpPr>
+        <a:xfrm>
+          <a:off x="0" y="0"/>
+          <a:ext cx="0" cy="0"/>
+          <a:chOff x="0" y="0"/>
+          <a:chExt cx="0" cy="0"/>
+        </a:xfrm>
+      </p:grpSpPr>
+      <p:sp>
+        <p:nvSpPr>
+          <p:cNvPr id="3" name="矩形 2"/>
+          <p:cNvSpPr/>
+          <p:nvPr/>
+        </p:nvSpPr>
+        <p:spPr>
+          <a:xfrm>
+            <a:off x="268000" y="260065"/>
+            <a:ext cx="19555033" cy="2031325"/>
+          </a:xfrm>
+          <a:prstGeom prst="rect">
+            <a:avLst/>
+          </a:prstGeom>
+        </p:spPr>
+        <p:txBody>
+          <a:bodyPr wrap="none">
+            <a:spAutoFit/>
+          </a:bodyPr>
+          <a:lstStyle/>
+          <a:p>
+            <a:r>
+              <a:rPr lang="zh-CN" altLang="en-US" smtClean="0"/>
+              <a:t>问题</a:t>
+            </a:r>
+            <a:endParaRPr lang="en-US" altLang="zh-CN" smtClean="0"/>
+          </a:p>
+          <a:p>
+            <a:r>
+              <a:rPr lang="zh-CN" altLang="en-US" smtClean="0"/>
+              <a:t>新创建的实例是没问题的</a:t>
+            </a:r>
+            <a:endParaRPr lang="en-US" altLang="zh-CN" smtClean="0"/>
+          </a:p>
+          <a:p>
+            <a:r>
+              <a:rPr lang="zh-CN" altLang="en-US"/>
+              <a:t>让已经</a:t>
+            </a:r>
+            <a:r>
+              <a:rPr lang="zh-CN" altLang="en-US"/>
+              <a:t>创建</a:t>
+            </a:r>
+            <a:r>
+              <a:rPr lang="zh-CN" altLang="en-US" smtClean="0"/>
+              <a:t>的实例能够</a:t>
+            </a:r>
+            <a:r>
+              <a:rPr lang="zh-CN" altLang="en-US"/>
+              <a:t>执行更新以后</a:t>
+            </a:r>
+            <a:r>
+              <a:rPr lang="zh-CN" altLang="en-US"/>
+              <a:t>的</a:t>
+            </a:r>
+            <a:r>
+              <a:rPr lang="zh-CN" altLang="en-US" smtClean="0"/>
+              <a:t>代码</a:t>
+            </a:r>
+            <a:endParaRPr lang="en-US" altLang="zh-CN" smtClean="0"/>
+          </a:p>
+          <a:p>
+            <a:endParaRPr lang="en-US" altLang="zh-CN"/>
+          </a:p>
+          <a:p>
+            <a:endParaRPr lang="en-US" altLang="zh-CN" smtClean="0"/>
+          </a:p>
+          <a:p>
+            <a:r>
+              <a:rPr lang="zh-CN" altLang="en-US" smtClean="0"/>
+              <a:t>看现在的实现，看网上实现</a:t>
+            </a:r>
+            <a:endParaRPr lang="en-US" altLang="zh-CN" smtClean="0"/>
+          </a:p>
+          <a:p>
+            <a:r>
+              <a:rPr lang="en-US" altLang="zh-CN">
+                <a:hlinkClick r:id="rId3"/>
+              </a:rPr>
+              <a:t>http://blog.soliloquize.org/2016/10/23/Python%E4%BB%A3%E7%A0%81%E7%83%AD%E6%9B%B4%E6%96%B0%E5%AE%9E%E7%8E%B0/?hmsr=toutiao.io&amp;utm_medium=toutiao.io&amp;utm_source=toutiao.io</a:t>
+            </a:r>
+            <a:endParaRPr lang="en-US" altLang="zh-CN" smtClean="0"/>
+          </a:p>
+        </p:txBody>
+      </p:sp>
+    </p:spTree>
+    <p:extLst>
+      <p:ext uri="{BB962C8B-B14F-4D97-AF65-F5344CB8AC3E}">
+        <p14:creationId xmlns:p14="http://schemas.microsoft.com/office/powerpoint/2010/main" val="1502603314"/>
       </p:ext>
     </p:extLst>
   </p:cSld>
@@ -9981,11 +11434,7 @@
             <a:pPr algn="ctr"/>
             <a:r>
               <a:rPr lang="en-US" altLang="zh-CN" b="1" smtClean="0"/>
-              <a:t>load</a:t>
-            </a:r>
-            <a:r>
-              <a:rPr lang="en-US" altLang="zh-CN" b="1" smtClean="0"/>
-              <a:t>_module</a:t>
+              <a:t>load_module</a:t>
             </a:r>
             <a:endParaRPr lang="zh-CN" altLang="en-US" b="1"/>
           </a:p>

--- a/python/source code/import/import.pptx
+++ b/python/source code/import/import.pptx
@@ -5,29 +5,33 @@
     <p:sldMasterId id="2147483648" r:id="rId1"/>
   </p:sldMasterIdLst>
   <p:notesMasterIdLst>
-    <p:notesMasterId r:id="rId22"/>
+    <p:notesMasterId r:id="rId26"/>
   </p:notesMasterIdLst>
   <p:sldIdLst>
     <p:sldId id="256" r:id="rId2"/>
     <p:sldId id="257" r:id="rId3"/>
-    <p:sldId id="258" r:id="rId4"/>
-    <p:sldId id="259" r:id="rId5"/>
-    <p:sldId id="260" r:id="rId6"/>
-    <p:sldId id="261" r:id="rId7"/>
-    <p:sldId id="262" r:id="rId8"/>
-    <p:sldId id="263" r:id="rId9"/>
-    <p:sldId id="264" r:id="rId10"/>
-    <p:sldId id="265" r:id="rId11"/>
-    <p:sldId id="271" r:id="rId12"/>
-    <p:sldId id="266" r:id="rId13"/>
-    <p:sldId id="267" r:id="rId14"/>
-    <p:sldId id="268" r:id="rId15"/>
-    <p:sldId id="270" r:id="rId16"/>
-    <p:sldId id="275" r:id="rId17"/>
-    <p:sldId id="273" r:id="rId18"/>
-    <p:sldId id="274" r:id="rId19"/>
-    <p:sldId id="272" r:id="rId20"/>
-    <p:sldId id="276" r:id="rId21"/>
+    <p:sldId id="280" r:id="rId4"/>
+    <p:sldId id="258" r:id="rId5"/>
+    <p:sldId id="279" r:id="rId6"/>
+    <p:sldId id="259" r:id="rId7"/>
+    <p:sldId id="260" r:id="rId8"/>
+    <p:sldId id="261" r:id="rId9"/>
+    <p:sldId id="262" r:id="rId10"/>
+    <p:sldId id="263" r:id="rId11"/>
+    <p:sldId id="264" r:id="rId12"/>
+    <p:sldId id="265" r:id="rId13"/>
+    <p:sldId id="271" r:id="rId14"/>
+    <p:sldId id="266" r:id="rId15"/>
+    <p:sldId id="267" r:id="rId16"/>
+    <p:sldId id="268" r:id="rId17"/>
+    <p:sldId id="270" r:id="rId18"/>
+    <p:sldId id="275" r:id="rId19"/>
+    <p:sldId id="273" r:id="rId20"/>
+    <p:sldId id="274" r:id="rId21"/>
+    <p:sldId id="272" r:id="rId22"/>
+    <p:sldId id="276" r:id="rId23"/>
+    <p:sldId id="277" r:id="rId24"/>
+    <p:sldId id="278" r:id="rId25"/>
   </p:sldIdLst>
   <p:sldSz cx="9144000" cy="6858000" type="screen4x3"/>
   <p:notesSz cx="6858000" cy="9144000"/>
@@ -216,7 +220,7 @@
           <a:p>
             <a:fld id="{137CE5D7-7ED0-47A4-97A4-21C1D4343DF0}" type="datetimeFigureOut">
               <a:rPr lang="zh-CN" altLang="en-US" smtClean="0"/>
-              <a:t>2016/11/17</a:t>
+              <a:t>2016/11/19</a:t>
             </a:fld>
             <a:endParaRPr lang="zh-CN" altLang="en-US"/>
           </a:p>
@@ -553,7 +557,7 @@
           <a:p>
             <a:fld id="{F91F46E5-662D-490C-B319-1285EF71F969}" type="slidenum">
               <a:rPr lang="zh-CN" altLang="en-US" smtClean="0"/>
-              <a:t>3</a:t>
+              <a:t>4</a:t>
             </a:fld>
             <a:endParaRPr lang="zh-CN" altLang="en-US"/>
           </a:p>
@@ -641,7 +645,7 @@
           <a:p>
             <a:fld id="{F91F46E5-662D-490C-B319-1285EF71F969}" type="slidenum">
               <a:rPr lang="zh-CN" altLang="en-US" smtClean="0"/>
-              <a:t>12</a:t>
+              <a:t>13</a:t>
             </a:fld>
             <a:endParaRPr lang="zh-CN" altLang="en-US"/>
           </a:p>
@@ -650,7 +654,7 @@
     </p:spTree>
     <p:extLst>
       <p:ext uri="{BB962C8B-B14F-4D97-AF65-F5344CB8AC3E}">
-        <p14:creationId xmlns:p14="http://schemas.microsoft.com/office/powerpoint/2010/main" val="1398922481"/>
+        <p14:creationId xmlns:p14="http://schemas.microsoft.com/office/powerpoint/2010/main" val="1964142014"/>
       </p:ext>
     </p:extLst>
   </p:cSld>
@@ -729,7 +733,7 @@
           <a:p>
             <a:fld id="{F91F46E5-662D-490C-B319-1285EF71F969}" type="slidenum">
               <a:rPr lang="zh-CN" altLang="en-US" smtClean="0"/>
-              <a:t>13</a:t>
+              <a:t>14</a:t>
             </a:fld>
             <a:endParaRPr lang="zh-CN" altLang="en-US"/>
           </a:p>
@@ -738,7 +742,7 @@
     </p:spTree>
     <p:extLst>
       <p:ext uri="{BB962C8B-B14F-4D97-AF65-F5344CB8AC3E}">
-        <p14:creationId xmlns:p14="http://schemas.microsoft.com/office/powerpoint/2010/main" val="1725357011"/>
+        <p14:creationId xmlns:p14="http://schemas.microsoft.com/office/powerpoint/2010/main" val="1398922481"/>
       </p:ext>
     </p:extLst>
   </p:cSld>
@@ -817,7 +821,7 @@
           <a:p>
             <a:fld id="{F91F46E5-662D-490C-B319-1285EF71F969}" type="slidenum">
               <a:rPr lang="zh-CN" altLang="en-US" smtClean="0"/>
-              <a:t>14</a:t>
+              <a:t>15</a:t>
             </a:fld>
             <a:endParaRPr lang="zh-CN" altLang="en-US"/>
           </a:p>
@@ -826,7 +830,7 @@
     </p:spTree>
     <p:extLst>
       <p:ext uri="{BB962C8B-B14F-4D97-AF65-F5344CB8AC3E}">
-        <p14:creationId xmlns:p14="http://schemas.microsoft.com/office/powerpoint/2010/main" val="1976693893"/>
+        <p14:creationId xmlns:p14="http://schemas.microsoft.com/office/powerpoint/2010/main" val="1725357011"/>
       </p:ext>
     </p:extLst>
   </p:cSld>
@@ -905,7 +909,7 @@
           <a:p>
             <a:fld id="{F91F46E5-662D-490C-B319-1285EF71F969}" type="slidenum">
               <a:rPr lang="zh-CN" altLang="en-US" smtClean="0"/>
-              <a:t>15</a:t>
+              <a:t>16</a:t>
             </a:fld>
             <a:endParaRPr lang="zh-CN" altLang="en-US"/>
           </a:p>
@@ -914,7 +918,7 @@
     </p:spTree>
     <p:extLst>
       <p:ext uri="{BB962C8B-B14F-4D97-AF65-F5344CB8AC3E}">
-        <p14:creationId xmlns:p14="http://schemas.microsoft.com/office/powerpoint/2010/main" val="4096770836"/>
+        <p14:creationId xmlns:p14="http://schemas.microsoft.com/office/powerpoint/2010/main" val="1976693893"/>
       </p:ext>
     </p:extLst>
   </p:cSld>
@@ -993,7 +997,7 @@
           <a:p>
             <a:fld id="{F91F46E5-662D-490C-B319-1285EF71F969}" type="slidenum">
               <a:rPr lang="zh-CN" altLang="en-US" smtClean="0"/>
-              <a:t>16</a:t>
+              <a:t>17</a:t>
             </a:fld>
             <a:endParaRPr lang="zh-CN" altLang="en-US"/>
           </a:p>
@@ -1002,7 +1006,7 @@
     </p:spTree>
     <p:extLst>
       <p:ext uri="{BB962C8B-B14F-4D97-AF65-F5344CB8AC3E}">
-        <p14:creationId xmlns:p14="http://schemas.microsoft.com/office/powerpoint/2010/main" val="1349912146"/>
+        <p14:creationId xmlns:p14="http://schemas.microsoft.com/office/powerpoint/2010/main" val="4096770836"/>
       </p:ext>
     </p:extLst>
   </p:cSld>
@@ -1081,7 +1085,7 @@
           <a:p>
             <a:fld id="{F91F46E5-662D-490C-B319-1285EF71F969}" type="slidenum">
               <a:rPr lang="zh-CN" altLang="en-US" smtClean="0"/>
-              <a:t>17</a:t>
+              <a:t>18</a:t>
             </a:fld>
             <a:endParaRPr lang="zh-CN" altLang="en-US"/>
           </a:p>
@@ -1090,7 +1094,7 @@
     </p:spTree>
     <p:extLst>
       <p:ext uri="{BB962C8B-B14F-4D97-AF65-F5344CB8AC3E}">
-        <p14:creationId xmlns:p14="http://schemas.microsoft.com/office/powerpoint/2010/main" val="425774752"/>
+        <p14:creationId xmlns:p14="http://schemas.microsoft.com/office/powerpoint/2010/main" val="1349912146"/>
       </p:ext>
     </p:extLst>
   </p:cSld>
@@ -1169,7 +1173,7 @@
           <a:p>
             <a:fld id="{F91F46E5-662D-490C-B319-1285EF71F969}" type="slidenum">
               <a:rPr lang="zh-CN" altLang="en-US" smtClean="0"/>
-              <a:t>18</a:t>
+              <a:t>19</a:t>
             </a:fld>
             <a:endParaRPr lang="zh-CN" altLang="en-US"/>
           </a:p>
@@ -1178,7 +1182,7 @@
     </p:spTree>
     <p:extLst>
       <p:ext uri="{BB962C8B-B14F-4D97-AF65-F5344CB8AC3E}">
-        <p14:creationId xmlns:p14="http://schemas.microsoft.com/office/powerpoint/2010/main" val="1759690720"/>
+        <p14:creationId xmlns:p14="http://schemas.microsoft.com/office/powerpoint/2010/main" val="425774752"/>
       </p:ext>
     </p:extLst>
   </p:cSld>
@@ -1257,7 +1261,7 @@
           <a:p>
             <a:fld id="{F91F46E5-662D-490C-B319-1285EF71F969}" type="slidenum">
               <a:rPr lang="zh-CN" altLang="en-US" smtClean="0"/>
-              <a:t>19</a:t>
+              <a:t>20</a:t>
             </a:fld>
             <a:endParaRPr lang="zh-CN" altLang="en-US"/>
           </a:p>
@@ -1266,7 +1270,7 @@
     </p:spTree>
     <p:extLst>
       <p:ext uri="{BB962C8B-B14F-4D97-AF65-F5344CB8AC3E}">
-        <p14:creationId xmlns:p14="http://schemas.microsoft.com/office/powerpoint/2010/main" val="4241520077"/>
+        <p14:creationId xmlns:p14="http://schemas.microsoft.com/office/powerpoint/2010/main" val="1759690720"/>
       </p:ext>
     </p:extLst>
   </p:cSld>
@@ -1345,7 +1349,95 @@
           <a:p>
             <a:fld id="{F91F46E5-662D-490C-B319-1285EF71F969}" type="slidenum">
               <a:rPr lang="zh-CN" altLang="en-US" smtClean="0"/>
-              <a:t>20</a:t>
+              <a:t>21</a:t>
+            </a:fld>
+            <a:endParaRPr lang="zh-CN" altLang="en-US"/>
+          </a:p>
+        </p:txBody>
+      </p:sp>
+    </p:spTree>
+    <p:extLst>
+      <p:ext uri="{BB962C8B-B14F-4D97-AF65-F5344CB8AC3E}">
+        <p14:creationId xmlns:p14="http://schemas.microsoft.com/office/powerpoint/2010/main" val="4241520077"/>
+      </p:ext>
+    </p:extLst>
+  </p:cSld>
+  <p:clrMapOvr>
+    <a:masterClrMapping/>
+  </p:clrMapOvr>
+</p:notes>
+</file>
+
+<file path=ppt/notesSlides/notesSlide19.xml><?xml version="1.0" encoding="utf-8"?>
+<p:notes xmlns:a="http://schemas.openxmlformats.org/drawingml/2006/main" xmlns:r="http://schemas.openxmlformats.org/officeDocument/2006/relationships" xmlns:p="http://schemas.openxmlformats.org/presentationml/2006/main">
+  <p:cSld>
+    <p:spTree>
+      <p:nvGrpSpPr>
+        <p:cNvPr id="1" name=""/>
+        <p:cNvGrpSpPr/>
+        <p:nvPr/>
+      </p:nvGrpSpPr>
+      <p:grpSpPr>
+        <a:xfrm>
+          <a:off x="0" y="0"/>
+          <a:ext cx="0" cy="0"/>
+          <a:chOff x="0" y="0"/>
+          <a:chExt cx="0" cy="0"/>
+        </a:xfrm>
+      </p:grpSpPr>
+      <p:sp>
+        <p:nvSpPr>
+          <p:cNvPr id="2" name="幻灯片图像占位符 1"/>
+          <p:cNvSpPr>
+            <a:spLocks noGrp="1" noRot="1" noChangeAspect="1"/>
+          </p:cNvSpPr>
+          <p:nvPr>
+            <p:ph type="sldImg"/>
+          </p:nvPr>
+        </p:nvSpPr>
+        <p:spPr/>
+      </p:sp>
+      <p:sp>
+        <p:nvSpPr>
+          <p:cNvPr id="3" name="备注占位符 2"/>
+          <p:cNvSpPr>
+            <a:spLocks noGrp="1"/>
+          </p:cNvSpPr>
+          <p:nvPr>
+            <p:ph type="body" idx="1"/>
+          </p:nvPr>
+        </p:nvSpPr>
+        <p:spPr/>
+        <p:txBody>
+          <a:bodyPr/>
+          <a:lstStyle/>
+          <a:p>
+            <a:r>
+              <a:rPr lang="zh-CN" altLang="en-US" smtClean="0"/>
+              <a:t>多发点</a:t>
+            </a:r>
+            <a:endParaRPr lang="zh-CN" altLang="en-US"/>
+          </a:p>
+        </p:txBody>
+      </p:sp>
+      <p:sp>
+        <p:nvSpPr>
+          <p:cNvPr id="4" name="灯片编号占位符 3"/>
+          <p:cNvSpPr>
+            <a:spLocks noGrp="1"/>
+          </p:cNvSpPr>
+          <p:nvPr>
+            <p:ph type="sldNum" sz="quarter" idx="10"/>
+          </p:nvPr>
+        </p:nvSpPr>
+        <p:spPr/>
+        <p:txBody>
+          <a:bodyPr/>
+          <a:lstStyle/>
+          <a:p>
+            <a:fld id="{F91F46E5-662D-490C-B319-1285EF71F969}" type="slidenum">
+              <a:rPr lang="zh-CN" altLang="en-US" smtClean="0"/>
+              <a:t>22</a:t>
             </a:fld>
             <a:endParaRPr lang="zh-CN" altLang="en-US"/>
           </a:p>
@@ -1409,10 +1501,8 @@
           <a:lstStyle/>
           <a:p>
             <a:r>
-              <a:rPr lang="en-US" altLang="zh-CN" smtClean="0">
-                <a:hlinkClick r:id="rId3"/>
-              </a:rPr>
-              <a:t>http://tool.oschina.net/highlight</a:t>
+              <a:rPr lang="zh-CN" altLang="en-US" smtClean="0"/>
+              <a:t>多发点</a:t>
             </a:r>
             <a:endParaRPr lang="zh-CN" altLang="en-US"/>
           </a:p>
@@ -1435,7 +1525,7 @@
           <a:p>
             <a:fld id="{F91F46E5-662D-490C-B319-1285EF71F969}" type="slidenum">
               <a:rPr lang="zh-CN" altLang="en-US" smtClean="0"/>
-              <a:t>4</a:t>
+              <a:t>5</a:t>
             </a:fld>
             <a:endParaRPr lang="zh-CN" altLang="en-US"/>
           </a:p>
@@ -1444,7 +1534,183 @@
     </p:spTree>
     <p:extLst>
       <p:ext uri="{BB962C8B-B14F-4D97-AF65-F5344CB8AC3E}">
-        <p14:creationId xmlns:p14="http://schemas.microsoft.com/office/powerpoint/2010/main" val="142923167"/>
+        <p14:creationId xmlns:p14="http://schemas.microsoft.com/office/powerpoint/2010/main" val="2852988515"/>
+      </p:ext>
+    </p:extLst>
+  </p:cSld>
+  <p:clrMapOvr>
+    <a:masterClrMapping/>
+  </p:clrMapOvr>
+</p:notes>
+</file>
+
+<file path=ppt/notesSlides/notesSlide20.xml><?xml version="1.0" encoding="utf-8"?>
+<p:notes xmlns:a="http://schemas.openxmlformats.org/drawingml/2006/main" xmlns:r="http://schemas.openxmlformats.org/officeDocument/2006/relationships" xmlns:p="http://schemas.openxmlformats.org/presentationml/2006/main">
+  <p:cSld>
+    <p:spTree>
+      <p:nvGrpSpPr>
+        <p:cNvPr id="1" name=""/>
+        <p:cNvGrpSpPr/>
+        <p:nvPr/>
+      </p:nvGrpSpPr>
+      <p:grpSpPr>
+        <a:xfrm>
+          <a:off x="0" y="0"/>
+          <a:ext cx="0" cy="0"/>
+          <a:chOff x="0" y="0"/>
+          <a:chExt cx="0" cy="0"/>
+        </a:xfrm>
+      </p:grpSpPr>
+      <p:sp>
+        <p:nvSpPr>
+          <p:cNvPr id="2" name="幻灯片图像占位符 1"/>
+          <p:cNvSpPr>
+            <a:spLocks noGrp="1" noRot="1" noChangeAspect="1"/>
+          </p:cNvSpPr>
+          <p:nvPr>
+            <p:ph type="sldImg"/>
+          </p:nvPr>
+        </p:nvSpPr>
+        <p:spPr/>
+      </p:sp>
+      <p:sp>
+        <p:nvSpPr>
+          <p:cNvPr id="3" name="备注占位符 2"/>
+          <p:cNvSpPr>
+            <a:spLocks noGrp="1"/>
+          </p:cNvSpPr>
+          <p:nvPr>
+            <p:ph type="body" idx="1"/>
+          </p:nvPr>
+        </p:nvSpPr>
+        <p:spPr/>
+        <p:txBody>
+          <a:bodyPr/>
+          <a:lstStyle/>
+          <a:p>
+            <a:r>
+              <a:rPr lang="zh-CN" altLang="en-US" smtClean="0"/>
+              <a:t>多发点</a:t>
+            </a:r>
+            <a:endParaRPr lang="zh-CN" altLang="en-US"/>
+          </a:p>
+        </p:txBody>
+      </p:sp>
+      <p:sp>
+        <p:nvSpPr>
+          <p:cNvPr id="4" name="灯片编号占位符 3"/>
+          <p:cNvSpPr>
+            <a:spLocks noGrp="1"/>
+          </p:cNvSpPr>
+          <p:nvPr>
+            <p:ph type="sldNum" sz="quarter" idx="10"/>
+          </p:nvPr>
+        </p:nvSpPr>
+        <p:spPr/>
+        <p:txBody>
+          <a:bodyPr/>
+          <a:lstStyle/>
+          <a:p>
+            <a:fld id="{F91F46E5-662D-490C-B319-1285EF71F969}" type="slidenum">
+              <a:rPr lang="zh-CN" altLang="en-US" smtClean="0"/>
+              <a:t>23</a:t>
+            </a:fld>
+            <a:endParaRPr lang="zh-CN" altLang="en-US"/>
+          </a:p>
+        </p:txBody>
+      </p:sp>
+    </p:spTree>
+    <p:extLst>
+      <p:ext uri="{BB962C8B-B14F-4D97-AF65-F5344CB8AC3E}">
+        <p14:creationId xmlns:p14="http://schemas.microsoft.com/office/powerpoint/2010/main" val="2883339731"/>
+      </p:ext>
+    </p:extLst>
+  </p:cSld>
+  <p:clrMapOvr>
+    <a:masterClrMapping/>
+  </p:clrMapOvr>
+</p:notes>
+</file>
+
+<file path=ppt/notesSlides/notesSlide21.xml><?xml version="1.0" encoding="utf-8"?>
+<p:notes xmlns:a="http://schemas.openxmlformats.org/drawingml/2006/main" xmlns:r="http://schemas.openxmlformats.org/officeDocument/2006/relationships" xmlns:p="http://schemas.openxmlformats.org/presentationml/2006/main">
+  <p:cSld>
+    <p:spTree>
+      <p:nvGrpSpPr>
+        <p:cNvPr id="1" name=""/>
+        <p:cNvGrpSpPr/>
+        <p:nvPr/>
+      </p:nvGrpSpPr>
+      <p:grpSpPr>
+        <a:xfrm>
+          <a:off x="0" y="0"/>
+          <a:ext cx="0" cy="0"/>
+          <a:chOff x="0" y="0"/>
+          <a:chExt cx="0" cy="0"/>
+        </a:xfrm>
+      </p:grpSpPr>
+      <p:sp>
+        <p:nvSpPr>
+          <p:cNvPr id="2" name="幻灯片图像占位符 1"/>
+          <p:cNvSpPr>
+            <a:spLocks noGrp="1" noRot="1" noChangeAspect="1"/>
+          </p:cNvSpPr>
+          <p:nvPr>
+            <p:ph type="sldImg"/>
+          </p:nvPr>
+        </p:nvSpPr>
+        <p:spPr/>
+      </p:sp>
+      <p:sp>
+        <p:nvSpPr>
+          <p:cNvPr id="3" name="备注占位符 2"/>
+          <p:cNvSpPr>
+            <a:spLocks noGrp="1"/>
+          </p:cNvSpPr>
+          <p:nvPr>
+            <p:ph type="body" idx="1"/>
+          </p:nvPr>
+        </p:nvSpPr>
+        <p:spPr/>
+        <p:txBody>
+          <a:bodyPr/>
+          <a:lstStyle/>
+          <a:p>
+            <a:r>
+              <a:rPr lang="zh-CN" altLang="en-US" smtClean="0"/>
+              <a:t>多发点</a:t>
+            </a:r>
+            <a:endParaRPr lang="zh-CN" altLang="en-US"/>
+          </a:p>
+        </p:txBody>
+      </p:sp>
+      <p:sp>
+        <p:nvSpPr>
+          <p:cNvPr id="4" name="灯片编号占位符 3"/>
+          <p:cNvSpPr>
+            <a:spLocks noGrp="1"/>
+          </p:cNvSpPr>
+          <p:nvPr>
+            <p:ph type="sldNum" sz="quarter" idx="10"/>
+          </p:nvPr>
+        </p:nvSpPr>
+        <p:spPr/>
+        <p:txBody>
+          <a:bodyPr/>
+          <a:lstStyle/>
+          <a:p>
+            <a:fld id="{F91F46E5-662D-490C-B319-1285EF71F969}" type="slidenum">
+              <a:rPr lang="zh-CN" altLang="en-US" smtClean="0"/>
+              <a:t>24</a:t>
+            </a:fld>
+            <a:endParaRPr lang="zh-CN" altLang="en-US"/>
+          </a:p>
+        </p:txBody>
+      </p:sp>
+    </p:spTree>
+    <p:extLst>
+      <p:ext uri="{BB962C8B-B14F-4D97-AF65-F5344CB8AC3E}">
+        <p14:creationId xmlns:p14="http://schemas.microsoft.com/office/powerpoint/2010/main" val="1609003846"/>
       </p:ext>
     </p:extLst>
   </p:cSld>
@@ -1499,8 +1765,10 @@
           <a:lstStyle/>
           <a:p>
             <a:r>
-              <a:rPr lang="zh-CN" altLang="en-US" smtClean="0"/>
-              <a:t>多发点</a:t>
+              <a:rPr lang="en-US" altLang="zh-CN" smtClean="0">
+                <a:hlinkClick r:id="rId3"/>
+              </a:rPr>
+              <a:t>http://tool.oschina.net/highlight</a:t>
             </a:r>
             <a:endParaRPr lang="zh-CN" altLang="en-US"/>
           </a:p>
@@ -1523,7 +1791,7 @@
           <a:p>
             <a:fld id="{F91F46E5-662D-490C-B319-1285EF71F969}" type="slidenum">
               <a:rPr lang="zh-CN" altLang="en-US" smtClean="0"/>
-              <a:t>5</a:t>
+              <a:t>6</a:t>
             </a:fld>
             <a:endParaRPr lang="zh-CN" altLang="en-US"/>
           </a:p>
@@ -1532,7 +1800,7 @@
     </p:spTree>
     <p:extLst>
       <p:ext uri="{BB962C8B-B14F-4D97-AF65-F5344CB8AC3E}">
-        <p14:creationId xmlns:p14="http://schemas.microsoft.com/office/powerpoint/2010/main" val="1582753271"/>
+        <p14:creationId xmlns:p14="http://schemas.microsoft.com/office/powerpoint/2010/main" val="142923167"/>
       </p:ext>
     </p:extLst>
   </p:cSld>
@@ -1611,7 +1879,7 @@
           <a:p>
             <a:fld id="{F91F46E5-662D-490C-B319-1285EF71F969}" type="slidenum">
               <a:rPr lang="zh-CN" altLang="en-US" smtClean="0"/>
-              <a:t>6</a:t>
+              <a:t>7</a:t>
             </a:fld>
             <a:endParaRPr lang="zh-CN" altLang="en-US"/>
           </a:p>
@@ -1620,7 +1888,7 @@
     </p:spTree>
     <p:extLst>
       <p:ext uri="{BB962C8B-B14F-4D97-AF65-F5344CB8AC3E}">
-        <p14:creationId xmlns:p14="http://schemas.microsoft.com/office/powerpoint/2010/main" val="1971289296"/>
+        <p14:creationId xmlns:p14="http://schemas.microsoft.com/office/powerpoint/2010/main" val="1582753271"/>
       </p:ext>
     </p:extLst>
   </p:cSld>
@@ -1699,7 +1967,7 @@
           <a:p>
             <a:fld id="{F91F46E5-662D-490C-B319-1285EF71F969}" type="slidenum">
               <a:rPr lang="zh-CN" altLang="en-US" smtClean="0"/>
-              <a:t>7</a:t>
+              <a:t>8</a:t>
             </a:fld>
             <a:endParaRPr lang="zh-CN" altLang="en-US"/>
           </a:p>
@@ -1708,7 +1976,7 @@
     </p:spTree>
     <p:extLst>
       <p:ext uri="{BB962C8B-B14F-4D97-AF65-F5344CB8AC3E}">
-        <p14:creationId xmlns:p14="http://schemas.microsoft.com/office/powerpoint/2010/main" val="3211354665"/>
+        <p14:creationId xmlns:p14="http://schemas.microsoft.com/office/powerpoint/2010/main" val="1971289296"/>
       </p:ext>
     </p:extLst>
   </p:cSld>
@@ -1787,7 +2055,7 @@
           <a:p>
             <a:fld id="{F91F46E5-662D-490C-B319-1285EF71F969}" type="slidenum">
               <a:rPr lang="zh-CN" altLang="en-US" smtClean="0"/>
-              <a:t>8</a:t>
+              <a:t>9</a:t>
             </a:fld>
             <a:endParaRPr lang="zh-CN" altLang="en-US"/>
           </a:p>
@@ -1796,7 +2064,7 @@
     </p:spTree>
     <p:extLst>
       <p:ext uri="{BB962C8B-B14F-4D97-AF65-F5344CB8AC3E}">
-        <p14:creationId xmlns:p14="http://schemas.microsoft.com/office/powerpoint/2010/main" val="1827935578"/>
+        <p14:creationId xmlns:p14="http://schemas.microsoft.com/office/powerpoint/2010/main" val="3211354665"/>
       </p:ext>
     </p:extLst>
   </p:cSld>
@@ -1875,7 +2143,7 @@
           <a:p>
             <a:fld id="{F91F46E5-662D-490C-B319-1285EF71F969}" type="slidenum">
               <a:rPr lang="zh-CN" altLang="en-US" smtClean="0"/>
-              <a:t>9</a:t>
+              <a:t>10</a:t>
             </a:fld>
             <a:endParaRPr lang="zh-CN" altLang="en-US"/>
           </a:p>
@@ -1884,7 +2152,7 @@
     </p:spTree>
     <p:extLst>
       <p:ext uri="{BB962C8B-B14F-4D97-AF65-F5344CB8AC3E}">
-        <p14:creationId xmlns:p14="http://schemas.microsoft.com/office/powerpoint/2010/main" val="953382004"/>
+        <p14:creationId xmlns:p14="http://schemas.microsoft.com/office/powerpoint/2010/main" val="1827935578"/>
       </p:ext>
     </p:extLst>
   </p:cSld>
@@ -1963,7 +2231,7 @@
           <a:p>
             <a:fld id="{F91F46E5-662D-490C-B319-1285EF71F969}" type="slidenum">
               <a:rPr lang="zh-CN" altLang="en-US" smtClean="0"/>
-              <a:t>10</a:t>
+              <a:t>11</a:t>
             </a:fld>
             <a:endParaRPr lang="zh-CN" altLang="en-US"/>
           </a:p>
@@ -1972,7 +2240,7 @@
     </p:spTree>
     <p:extLst>
       <p:ext uri="{BB962C8B-B14F-4D97-AF65-F5344CB8AC3E}">
-        <p14:creationId xmlns:p14="http://schemas.microsoft.com/office/powerpoint/2010/main" val="3137796104"/>
+        <p14:creationId xmlns:p14="http://schemas.microsoft.com/office/powerpoint/2010/main" val="953382004"/>
       </p:ext>
     </p:extLst>
   </p:cSld>
@@ -2051,7 +2319,7 @@
           <a:p>
             <a:fld id="{F91F46E5-662D-490C-B319-1285EF71F969}" type="slidenum">
               <a:rPr lang="zh-CN" altLang="en-US" smtClean="0"/>
-              <a:t>11</a:t>
+              <a:t>12</a:t>
             </a:fld>
             <a:endParaRPr lang="zh-CN" altLang="en-US"/>
           </a:p>
@@ -2060,7 +2328,7 @@
     </p:spTree>
     <p:extLst>
       <p:ext uri="{BB962C8B-B14F-4D97-AF65-F5344CB8AC3E}">
-        <p14:creationId xmlns:p14="http://schemas.microsoft.com/office/powerpoint/2010/main" val="1964142014"/>
+        <p14:creationId xmlns:p14="http://schemas.microsoft.com/office/powerpoint/2010/main" val="3137796104"/>
       </p:ext>
     </p:extLst>
   </p:cSld>
@@ -2201,7 +2469,7 @@
           <a:p>
             <a:fld id="{E26C717F-3C9D-465A-8BFA-E9A9E7C863CF}" type="datetimeFigureOut">
               <a:rPr lang="zh-CN" altLang="en-US" smtClean="0"/>
-              <a:t>2016/11/17</a:t>
+              <a:t>2016/11/19</a:t>
             </a:fld>
             <a:endParaRPr lang="zh-CN" altLang="en-US"/>
           </a:p>
@@ -2371,7 +2639,7 @@
           <a:p>
             <a:fld id="{E26C717F-3C9D-465A-8BFA-E9A9E7C863CF}" type="datetimeFigureOut">
               <a:rPr lang="zh-CN" altLang="en-US" smtClean="0"/>
-              <a:t>2016/11/17</a:t>
+              <a:t>2016/11/19</a:t>
             </a:fld>
             <a:endParaRPr lang="zh-CN" altLang="en-US"/>
           </a:p>
@@ -2551,7 +2819,7 @@
           <a:p>
             <a:fld id="{E26C717F-3C9D-465A-8BFA-E9A9E7C863CF}" type="datetimeFigureOut">
               <a:rPr lang="zh-CN" altLang="en-US" smtClean="0"/>
-              <a:t>2016/11/17</a:t>
+              <a:t>2016/11/19</a:t>
             </a:fld>
             <a:endParaRPr lang="zh-CN" altLang="en-US"/>
           </a:p>
@@ -2721,7 +2989,7 @@
           <a:p>
             <a:fld id="{E26C717F-3C9D-465A-8BFA-E9A9E7C863CF}" type="datetimeFigureOut">
               <a:rPr lang="zh-CN" altLang="en-US" smtClean="0"/>
-              <a:t>2016/11/17</a:t>
+              <a:t>2016/11/19</a:t>
             </a:fld>
             <a:endParaRPr lang="zh-CN" altLang="en-US"/>
           </a:p>
@@ -2967,7 +3235,7 @@
           <a:p>
             <a:fld id="{E26C717F-3C9D-465A-8BFA-E9A9E7C863CF}" type="datetimeFigureOut">
               <a:rPr lang="zh-CN" altLang="en-US" smtClean="0"/>
-              <a:t>2016/11/17</a:t>
+              <a:t>2016/11/19</a:t>
             </a:fld>
             <a:endParaRPr lang="zh-CN" altLang="en-US"/>
           </a:p>
@@ -3199,7 +3467,7 @@
           <a:p>
             <a:fld id="{E26C717F-3C9D-465A-8BFA-E9A9E7C863CF}" type="datetimeFigureOut">
               <a:rPr lang="zh-CN" altLang="en-US" smtClean="0"/>
-              <a:t>2016/11/17</a:t>
+              <a:t>2016/11/19</a:t>
             </a:fld>
             <a:endParaRPr lang="zh-CN" altLang="en-US"/>
           </a:p>
@@ -3566,7 +3834,7 @@
           <a:p>
             <a:fld id="{E26C717F-3C9D-465A-8BFA-E9A9E7C863CF}" type="datetimeFigureOut">
               <a:rPr lang="zh-CN" altLang="en-US" smtClean="0"/>
-              <a:t>2016/11/17</a:t>
+              <a:t>2016/11/19</a:t>
             </a:fld>
             <a:endParaRPr lang="zh-CN" altLang="en-US"/>
           </a:p>
@@ -3684,7 +3952,7 @@
           <a:p>
             <a:fld id="{E26C717F-3C9D-465A-8BFA-E9A9E7C863CF}" type="datetimeFigureOut">
               <a:rPr lang="zh-CN" altLang="en-US" smtClean="0"/>
-              <a:t>2016/11/17</a:t>
+              <a:t>2016/11/19</a:t>
             </a:fld>
             <a:endParaRPr lang="zh-CN" altLang="en-US"/>
           </a:p>
@@ -3779,7 +4047,7 @@
           <a:p>
             <a:fld id="{E26C717F-3C9D-465A-8BFA-E9A9E7C863CF}" type="datetimeFigureOut">
               <a:rPr lang="zh-CN" altLang="en-US" smtClean="0"/>
-              <a:t>2016/11/17</a:t>
+              <a:t>2016/11/19</a:t>
             </a:fld>
             <a:endParaRPr lang="zh-CN" altLang="en-US"/>
           </a:p>
@@ -4056,7 +4324,7 @@
           <a:p>
             <a:fld id="{E26C717F-3C9D-465A-8BFA-E9A9E7C863CF}" type="datetimeFigureOut">
               <a:rPr lang="zh-CN" altLang="en-US" smtClean="0"/>
-              <a:t>2016/11/17</a:t>
+              <a:t>2016/11/19</a:t>
             </a:fld>
             <a:endParaRPr lang="zh-CN" altLang="en-US"/>
           </a:p>
@@ -4309,7 +4577,7 @@
           <a:p>
             <a:fld id="{E26C717F-3C9D-465A-8BFA-E9A9E7C863CF}" type="datetimeFigureOut">
               <a:rPr lang="zh-CN" altLang="en-US" smtClean="0"/>
-              <a:t>2016/11/17</a:t>
+              <a:t>2016/11/19</a:t>
             </a:fld>
             <a:endParaRPr lang="zh-CN" altLang="en-US"/>
           </a:p>
@@ -4522,7 +4790,7 @@
           <a:p>
             <a:fld id="{E26C717F-3C9D-465A-8BFA-E9A9E7C863CF}" type="datetimeFigureOut">
               <a:rPr lang="zh-CN" altLang="en-US" smtClean="0"/>
-              <a:t>2016/11/17</a:t>
+              <a:t>2016/11/19</a:t>
             </a:fld>
             <a:endParaRPr lang="zh-CN" altLang="en-US"/>
           </a:p>
@@ -5003,8 +5271,8 @@
         </p:nvSpPr>
         <p:spPr>
           <a:xfrm>
-            <a:off x="403454" y="179133"/>
-            <a:ext cx="1566661" cy="479644"/>
+            <a:off x="860470" y="179133"/>
+            <a:ext cx="1487978" cy="479644"/>
           </a:xfrm>
           <a:prstGeom prst="flowChartAlternateProcess">
             <a:avLst/>
@@ -5033,7 +5301,7 @@
             <a:pPr algn="ctr"/>
             <a:r>
               <a:rPr lang="en-US" altLang="zh-CN" b="1"/>
-              <a:t>PyCodeObject</a:t>
+              <a:t>find_module</a:t>
             </a:r>
             <a:endParaRPr lang="zh-CN" altLang="en-US" b="1"/>
           </a:p>
@@ -5041,14 +5309,14 @@
       </p:sp>
       <p:sp>
         <p:nvSpPr>
-          <p:cNvPr id="11" name="流程图: 可选过程 10"/>
+          <p:cNvPr id="25" name="流程图: 可选过程 24"/>
           <p:cNvSpPr/>
           <p:nvPr/>
         </p:nvSpPr>
         <p:spPr>
           <a:xfrm>
-            <a:off x="403454" y="988239"/>
-            <a:ext cx="1566661" cy="479644"/>
+            <a:off x="2955277" y="2149031"/>
+            <a:ext cx="1750238" cy="479644"/>
           </a:xfrm>
           <a:prstGeom prst="flowChartAlternateProcess">
             <a:avLst/>
@@ -5076,8 +5344,8 @@
           <a:p>
             <a:pPr algn="ctr"/>
             <a:r>
-              <a:rPr lang="en-US" altLang="zh-CN" b="1" smtClean="0"/>
-              <a:t>co_code</a:t>
+              <a:rPr lang="en-US" altLang="zh-CN" b="1"/>
+              <a:t>sys. path_hooks</a:t>
             </a:r>
             <a:endParaRPr lang="zh-CN" altLang="en-US" b="1"/>
           </a:p>
@@ -5085,14 +5353,14 @@
       </p:sp>
       <p:sp>
         <p:nvSpPr>
-          <p:cNvPr id="13" name="流程图: 可选过程 12"/>
+          <p:cNvPr id="33" name="流程图: 可选过程 32"/>
           <p:cNvSpPr/>
           <p:nvPr/>
         </p:nvSpPr>
         <p:spPr>
           <a:xfrm>
-            <a:off x="3238094" y="988239"/>
-            <a:ext cx="2630691" cy="479644"/>
+            <a:off x="2955277" y="3227678"/>
+            <a:ext cx="1798785" cy="479644"/>
           </a:xfrm>
           <a:prstGeom prst="flowChartAlternateProcess">
             <a:avLst/>
@@ -5121,22 +5389,21 @@
             <a:pPr algn="ctr"/>
             <a:r>
               <a:rPr lang="en-US" altLang="zh-CN" b="1" smtClean="0"/>
-              <a:t>sys.modules[name]=mod</a:t>
-            </a:r>
-            <a:endParaRPr lang="zh-CN" altLang="en-US" b="1"/>
-          </a:p>
-        </p:txBody>
-      </p:sp>
-      <p:sp>
-        <p:nvSpPr>
-          <p:cNvPr id="14" name="流程图: 可选过程 13"/>
+              <a:t>dir</a:t>
+            </a:r>
+          </a:p>
+        </p:txBody>
+      </p:sp>
+      <p:sp>
+        <p:nvSpPr>
+          <p:cNvPr id="36" name="流程图: 可选过程 35"/>
           <p:cNvSpPr/>
           <p:nvPr/>
         </p:nvSpPr>
         <p:spPr>
           <a:xfrm>
-            <a:off x="3861548" y="1910951"/>
-            <a:ext cx="1566661" cy="479644"/>
+            <a:off x="2955277" y="4316979"/>
+            <a:ext cx="1798785" cy="479644"/>
           </a:xfrm>
           <a:prstGeom prst="flowChartAlternateProcess">
             <a:avLst/>
@@ -5165,7 +5432,7 @@
             <a:pPr algn="ctr"/>
             <a:r>
               <a:rPr lang="en-US" altLang="zh-CN" b="1" smtClean="0"/>
-              <a:t>exe co_code</a:t>
+              <a:t>file</a:t>
             </a:r>
             <a:endParaRPr lang="zh-CN" altLang="en-US" b="1"/>
           </a:p>
@@ -5173,16 +5440,16 @@
       </p:sp>
       <p:sp>
         <p:nvSpPr>
-          <p:cNvPr id="15" name="流程图: 可选过程 14"/>
+          <p:cNvPr id="16" name="流程图: 决策 15"/>
           <p:cNvSpPr/>
           <p:nvPr/>
         </p:nvSpPr>
         <p:spPr>
           <a:xfrm>
-            <a:off x="3861547" y="2799435"/>
-            <a:ext cx="1566661" cy="479644"/>
-          </a:xfrm>
-          <a:prstGeom prst="flowChartAlternateProcess">
+            <a:off x="2955277" y="1026026"/>
+            <a:ext cx="1601530" cy="612648"/>
+          </a:xfrm>
+          <a:prstGeom prst="flowChartDecision">
             <a:avLst/>
           </a:prstGeom>
         </p:spPr>
@@ -5208,17 +5475,251 @@
           <a:p>
             <a:pPr algn="ctr"/>
             <a:r>
+              <a:rPr lang="en-US" altLang="zh-CN" smtClean="0"/>
+              <a:t>path</a:t>
+            </a:r>
+            <a:endParaRPr lang="zh-CN" altLang="en-US"/>
+          </a:p>
+        </p:txBody>
+      </p:sp>
+      <p:cxnSp>
+        <p:nvCxnSpPr>
+          <p:cNvPr id="5" name="直接箭头连接符 4"/>
+          <p:cNvCxnSpPr>
+            <a:stCxn id="16" idx="2"/>
+            <a:endCxn id="25" idx="0"/>
+          </p:cNvCxnSpPr>
+          <p:nvPr/>
+        </p:nvCxnSpPr>
+        <p:spPr>
+          <a:xfrm>
+            <a:off x="3756042" y="1638674"/>
+            <a:ext cx="74354" cy="510357"/>
+          </a:xfrm>
+          <a:prstGeom prst="straightConnector1">
+            <a:avLst/>
+          </a:prstGeom>
+          <a:ln>
+            <a:tailEnd type="triangle"/>
+          </a:ln>
+        </p:spPr>
+        <p:style>
+          <a:lnRef idx="1">
+            <a:schemeClr val="accent1"/>
+          </a:lnRef>
+          <a:fillRef idx="0">
+            <a:schemeClr val="accent1"/>
+          </a:fillRef>
+          <a:effectRef idx="0">
+            <a:schemeClr val="accent1"/>
+          </a:effectRef>
+          <a:fontRef idx="minor">
+            <a:schemeClr val="tx1"/>
+          </a:fontRef>
+        </p:style>
+      </p:cxnSp>
+      <p:cxnSp>
+        <p:nvCxnSpPr>
+          <p:cNvPr id="19" name="直接箭头连接符 18"/>
+          <p:cNvCxnSpPr>
+            <a:stCxn id="25" idx="2"/>
+            <a:endCxn id="33" idx="0"/>
+          </p:cNvCxnSpPr>
+          <p:nvPr/>
+        </p:nvCxnSpPr>
+        <p:spPr>
+          <a:xfrm>
+            <a:off x="3830396" y="2628675"/>
+            <a:ext cx="24274" cy="599003"/>
+          </a:xfrm>
+          <a:prstGeom prst="straightConnector1">
+            <a:avLst/>
+          </a:prstGeom>
+          <a:ln>
+            <a:tailEnd type="triangle"/>
+          </a:ln>
+        </p:spPr>
+        <p:style>
+          <a:lnRef idx="1">
+            <a:schemeClr val="accent1"/>
+          </a:lnRef>
+          <a:fillRef idx="0">
+            <a:schemeClr val="accent1"/>
+          </a:fillRef>
+          <a:effectRef idx="0">
+            <a:schemeClr val="accent1"/>
+          </a:effectRef>
+          <a:fontRef idx="minor">
+            <a:schemeClr val="tx1"/>
+          </a:fontRef>
+        </p:style>
+      </p:cxnSp>
+      <p:cxnSp>
+        <p:nvCxnSpPr>
+          <p:cNvPr id="22" name="直接箭头连接符 21"/>
+          <p:cNvCxnSpPr>
+            <a:stCxn id="33" idx="2"/>
+            <a:endCxn id="36" idx="0"/>
+          </p:cNvCxnSpPr>
+          <p:nvPr/>
+        </p:nvCxnSpPr>
+        <p:spPr>
+          <a:xfrm>
+            <a:off x="3854670" y="3707322"/>
+            <a:ext cx="0" cy="609657"/>
+          </a:xfrm>
+          <a:prstGeom prst="straightConnector1">
+            <a:avLst/>
+          </a:prstGeom>
+          <a:ln>
+            <a:tailEnd type="triangle"/>
+          </a:ln>
+        </p:spPr>
+        <p:style>
+          <a:lnRef idx="1">
+            <a:schemeClr val="accent1"/>
+          </a:lnRef>
+          <a:fillRef idx="0">
+            <a:schemeClr val="accent1"/>
+          </a:fillRef>
+          <a:effectRef idx="0">
+            <a:schemeClr val="accent1"/>
+          </a:effectRef>
+          <a:fontRef idx="minor">
+            <a:schemeClr val="tx1"/>
+          </a:fontRef>
+        </p:style>
+      </p:cxnSp>
+      <p:sp>
+        <p:nvSpPr>
+          <p:cNvPr id="12" name="云形 11"/>
+          <p:cNvSpPr/>
+          <p:nvPr/>
+        </p:nvSpPr>
+        <p:spPr>
+          <a:xfrm>
+            <a:off x="6168043" y="3010300"/>
+            <a:ext cx="2510443" cy="914400"/>
+          </a:xfrm>
+          <a:prstGeom prst="cloud">
+            <a:avLst/>
+          </a:prstGeom>
+        </p:spPr>
+        <p:style>
+          <a:lnRef idx="2">
+            <a:schemeClr val="accent1">
+              <a:shade val="50000"/>
+            </a:schemeClr>
+          </a:lnRef>
+          <a:fillRef idx="1">
+            <a:schemeClr val="accent1"/>
+          </a:fillRef>
+          <a:effectRef idx="0">
+            <a:schemeClr val="accent1"/>
+          </a:effectRef>
+          <a:fontRef idx="minor">
+            <a:schemeClr val="lt1"/>
+          </a:fontRef>
+        </p:style>
+        <p:txBody>
+          <a:bodyPr rtlCol="0" anchor="ctr"/>
+          <a:lstStyle/>
+          <a:p>
+            <a:pPr algn="ctr"/>
+            <a:r>
               <a:rPr lang="en-US" altLang="zh-CN" b="1"/>
-              <a:t>mod. md_dict</a:t>
+              <a:t>__init__</a:t>
+            </a:r>
+          </a:p>
+        </p:txBody>
+      </p:sp>
+      <p:sp>
+        <p:nvSpPr>
+          <p:cNvPr id="30" name="云形 29"/>
+          <p:cNvSpPr/>
+          <p:nvPr/>
+        </p:nvSpPr>
+        <p:spPr>
+          <a:xfrm>
+            <a:off x="6350923" y="4339423"/>
+            <a:ext cx="2992581" cy="914400"/>
+          </a:xfrm>
+          <a:prstGeom prst="cloud">
+            <a:avLst/>
+          </a:prstGeom>
+        </p:spPr>
+        <p:style>
+          <a:lnRef idx="2">
+            <a:schemeClr val="accent1">
+              <a:shade val="50000"/>
+            </a:schemeClr>
+          </a:lnRef>
+          <a:fillRef idx="1">
+            <a:schemeClr val="accent1"/>
+          </a:fillRef>
+          <a:effectRef idx="0">
+            <a:schemeClr val="accent1"/>
+          </a:effectRef>
+          <a:fontRef idx="minor">
+            <a:schemeClr val="lt1"/>
+          </a:fontRef>
+        </p:style>
+        <p:txBody>
+          <a:bodyPr rtlCol="0" anchor="ctr"/>
+          <a:lstStyle/>
+          <a:p>
+            <a:pPr algn="ctr"/>
+            <a:r>
+              <a:rPr lang="en-US" altLang="zh-CN"/>
+              <a:t>pyd, py, pyw,pyc</a:t>
             </a:r>
             <a:endParaRPr lang="zh-CN" altLang="en-US" b="1"/>
           </a:p>
         </p:txBody>
       </p:sp>
+      <p:cxnSp>
+        <p:nvCxnSpPr>
+          <p:cNvPr id="24" name="肘形连接符 23"/>
+          <p:cNvCxnSpPr>
+            <a:stCxn id="36" idx="2"/>
+            <a:endCxn id="16" idx="1"/>
+          </p:cNvCxnSpPr>
+          <p:nvPr/>
+        </p:nvCxnSpPr>
+        <p:spPr>
+          <a:xfrm rot="5400000" flipH="1">
+            <a:off x="1672837" y="2614791"/>
+            <a:ext cx="3464273" cy="899393"/>
+          </a:xfrm>
+          <a:prstGeom prst="bentConnector4">
+            <a:avLst>
+              <a:gd name="adj1" fmla="val -6599"/>
+              <a:gd name="adj2" fmla="val 264980"/>
+            </a:avLst>
+          </a:prstGeom>
+          <a:ln>
+            <a:tailEnd type="triangle"/>
+          </a:ln>
+        </p:spPr>
+        <p:style>
+          <a:lnRef idx="1">
+            <a:schemeClr val="accent1"/>
+          </a:lnRef>
+          <a:fillRef idx="0">
+            <a:schemeClr val="accent1"/>
+          </a:fillRef>
+          <a:effectRef idx="0">
+            <a:schemeClr val="accent1"/>
+          </a:effectRef>
+          <a:fontRef idx="minor">
+            <a:schemeClr val="tx1"/>
+          </a:fontRef>
+        </p:style>
+      </p:cxnSp>
     </p:spTree>
     <p:extLst>
       <p:ext uri="{BB962C8B-B14F-4D97-AF65-F5344CB8AC3E}">
-        <p14:creationId xmlns:p14="http://schemas.microsoft.com/office/powerpoint/2010/main" val="1243705041"/>
+        <p14:creationId xmlns:p14="http://schemas.microsoft.com/office/powerpoint/2010/main" val="218432207"/>
       </p:ext>
     </p:extLst>
   </p:cSld>
@@ -5254,54 +5755,402 @@
       </p:grpSpPr>
       <p:sp>
         <p:nvSpPr>
-          <p:cNvPr id="2" name="矩形 1"/>
+          <p:cNvPr id="29" name="流程图: 可选过程 28"/>
           <p:cNvSpPr/>
           <p:nvPr/>
         </p:nvSpPr>
         <p:spPr>
           <a:xfrm>
-            <a:off x="806334" y="783905"/>
-            <a:ext cx="4572000" cy="1200329"/>
-          </a:xfrm>
-          <a:prstGeom prst="rect">
-            <a:avLst/>
-          </a:prstGeom>
-        </p:spPr>
-        <p:txBody>
-          <a:bodyPr>
-            <a:spAutoFit/>
-          </a:bodyPr>
-          <a:lstStyle/>
-          <a:p>
-            <a:r>
-              <a:rPr lang="zh-CN" altLang="en-US"/>
-              <a:t>typedef struct {</a:t>
-            </a:r>
-          </a:p>
-          <a:p>
-            <a:r>
-              <a:rPr lang="zh-CN" altLang="en-US"/>
-              <a:t>    PyObject_HEAD</a:t>
-            </a:r>
-          </a:p>
-          <a:p>
-            <a:r>
-              <a:rPr lang="zh-CN" altLang="en-US"/>
-              <a:t>    PyObject *md_dict;</a:t>
-            </a:r>
-          </a:p>
-          <a:p>
-            <a:r>
-              <a:rPr lang="zh-CN" altLang="en-US"/>
-              <a:t>} PyModuleObject;</a:t>
-            </a:r>
+            <a:off x="403455" y="179133"/>
+            <a:ext cx="1487978" cy="479644"/>
+          </a:xfrm>
+          <a:prstGeom prst="flowChartAlternateProcess">
+            <a:avLst/>
+          </a:prstGeom>
+        </p:spPr>
+        <p:style>
+          <a:lnRef idx="2">
+            <a:schemeClr val="accent1">
+              <a:shade val="50000"/>
+            </a:schemeClr>
+          </a:lnRef>
+          <a:fillRef idx="1">
+            <a:schemeClr val="accent1"/>
+          </a:fillRef>
+          <a:effectRef idx="0">
+            <a:schemeClr val="accent1"/>
+          </a:effectRef>
+          <a:fontRef idx="minor">
+            <a:schemeClr val="lt1"/>
+          </a:fontRef>
+        </p:style>
+        <p:txBody>
+          <a:bodyPr rtlCol="0" anchor="ctr"/>
+          <a:lstStyle/>
+          <a:p>
+            <a:pPr algn="ctr"/>
+            <a:r>
+              <a:rPr lang="en-US" altLang="zh-CN" b="1" smtClean="0"/>
+              <a:t>load_module</a:t>
+            </a:r>
+            <a:endParaRPr lang="zh-CN" altLang="en-US" b="1"/>
+          </a:p>
+        </p:txBody>
+      </p:sp>
+      <p:sp>
+        <p:nvSpPr>
+          <p:cNvPr id="17" name="流程图: 决策 16"/>
+          <p:cNvSpPr/>
+          <p:nvPr/>
+        </p:nvSpPr>
+        <p:spPr>
+          <a:xfrm>
+            <a:off x="2622257" y="1902657"/>
+            <a:ext cx="1601530" cy="612648"/>
+          </a:xfrm>
+          <a:prstGeom prst="flowChartDecision">
+            <a:avLst/>
+          </a:prstGeom>
+        </p:spPr>
+        <p:style>
+          <a:lnRef idx="2">
+            <a:schemeClr val="accent1">
+              <a:shade val="50000"/>
+            </a:schemeClr>
+          </a:lnRef>
+          <a:fillRef idx="1">
+            <a:schemeClr val="accent1"/>
+          </a:fillRef>
+          <a:effectRef idx="0">
+            <a:schemeClr val="accent1"/>
+          </a:effectRef>
+          <a:fontRef idx="minor">
+            <a:schemeClr val="lt1"/>
+          </a:fontRef>
+        </p:style>
+        <p:txBody>
+          <a:bodyPr rtlCol="0" anchor="ctr"/>
+          <a:lstStyle/>
+          <a:p>
+            <a:pPr algn="ctr"/>
+            <a:r>
+              <a:rPr lang="en-US" altLang="zh-CN" smtClean="0"/>
+              <a:t>pyc</a:t>
+            </a:r>
+          </a:p>
+        </p:txBody>
+      </p:sp>
+      <p:sp>
+        <p:nvSpPr>
+          <p:cNvPr id="18" name="流程图: 决策 17"/>
+          <p:cNvSpPr/>
+          <p:nvPr/>
+        </p:nvSpPr>
+        <p:spPr>
+          <a:xfrm>
+            <a:off x="4309740" y="2615030"/>
+            <a:ext cx="1601530" cy="612648"/>
+          </a:xfrm>
+          <a:prstGeom prst="flowChartDecision">
+            <a:avLst/>
+          </a:prstGeom>
+        </p:spPr>
+        <p:style>
+          <a:lnRef idx="2">
+            <a:schemeClr val="accent1">
+              <a:shade val="50000"/>
+            </a:schemeClr>
+          </a:lnRef>
+          <a:fillRef idx="1">
+            <a:schemeClr val="accent1"/>
+          </a:fillRef>
+          <a:effectRef idx="0">
+            <a:schemeClr val="accent1"/>
+          </a:effectRef>
+          <a:fontRef idx="minor">
+            <a:schemeClr val="lt1"/>
+          </a:fontRef>
+        </p:style>
+        <p:txBody>
+          <a:bodyPr rtlCol="0" anchor="ctr"/>
+          <a:lstStyle/>
+          <a:p>
+            <a:pPr algn="ctr"/>
+            <a:r>
+              <a:rPr lang="en-US" altLang="zh-CN"/>
+              <a:t>mtime</a:t>
+            </a:r>
+            <a:endParaRPr lang="zh-CN" altLang="en-US"/>
+          </a:p>
+        </p:txBody>
+      </p:sp>
+      <p:sp>
+        <p:nvSpPr>
+          <p:cNvPr id="23" name="流程图: 可选过程 22"/>
+          <p:cNvSpPr/>
+          <p:nvPr/>
+        </p:nvSpPr>
+        <p:spPr>
+          <a:xfrm>
+            <a:off x="4433017" y="3640842"/>
+            <a:ext cx="2524735" cy="479644"/>
+          </a:xfrm>
+          <a:prstGeom prst="flowChartAlternateProcess">
+            <a:avLst/>
+          </a:prstGeom>
+        </p:spPr>
+        <p:style>
+          <a:lnRef idx="2">
+            <a:schemeClr val="accent1">
+              <a:shade val="50000"/>
+            </a:schemeClr>
+          </a:lnRef>
+          <a:fillRef idx="1">
+            <a:schemeClr val="accent1"/>
+          </a:fillRef>
+          <a:effectRef idx="0">
+            <a:schemeClr val="accent1"/>
+          </a:effectRef>
+          <a:fontRef idx="minor">
+            <a:schemeClr val="lt1"/>
+          </a:fontRef>
+        </p:style>
+        <p:txBody>
+          <a:bodyPr rtlCol="0" anchor="ctr"/>
+          <a:lstStyle/>
+          <a:p>
+            <a:pPr algn="ctr"/>
+            <a:r>
+              <a:rPr lang="en-US" altLang="zh-CN" b="1" smtClean="0"/>
+              <a:t>read_compiled_module</a:t>
+            </a:r>
+            <a:endParaRPr lang="zh-CN" altLang="en-US" b="1"/>
+          </a:p>
+        </p:txBody>
+      </p:sp>
+      <p:sp>
+        <p:nvSpPr>
+          <p:cNvPr id="25" name="流程图: 可选过程 24"/>
+          <p:cNvSpPr/>
+          <p:nvPr/>
+        </p:nvSpPr>
+        <p:spPr>
+          <a:xfrm>
+            <a:off x="2622257" y="768058"/>
+            <a:ext cx="1678659" cy="479644"/>
+          </a:xfrm>
+          <a:prstGeom prst="flowChartAlternateProcess">
+            <a:avLst/>
+          </a:prstGeom>
+        </p:spPr>
+        <p:style>
+          <a:lnRef idx="2">
+            <a:schemeClr val="accent1">
+              <a:shade val="50000"/>
+            </a:schemeClr>
+          </a:lnRef>
+          <a:fillRef idx="1">
+            <a:schemeClr val="accent1"/>
+          </a:fillRef>
+          <a:effectRef idx="0">
+            <a:schemeClr val="accent1"/>
+          </a:effectRef>
+          <a:fontRef idx="minor">
+            <a:schemeClr val="lt1"/>
+          </a:fontRef>
+        </p:style>
+        <p:txBody>
+          <a:bodyPr rtlCol="0" anchor="ctr"/>
+          <a:lstStyle/>
+          <a:p>
+            <a:pPr algn="ctr"/>
+            <a:r>
+              <a:rPr lang="en-US" altLang="zh-CN" b="1" smtClean="0"/>
+              <a:t>py</a:t>
+            </a:r>
+            <a:endParaRPr lang="zh-CN" altLang="en-US" b="1"/>
+          </a:p>
+        </p:txBody>
+      </p:sp>
+      <p:sp>
+        <p:nvSpPr>
+          <p:cNvPr id="26" name="流程图: 可选过程 25"/>
+          <p:cNvSpPr/>
+          <p:nvPr/>
+        </p:nvSpPr>
+        <p:spPr>
+          <a:xfrm>
+            <a:off x="1147444" y="3561910"/>
+            <a:ext cx="2352214" cy="479644"/>
+          </a:xfrm>
+          <a:prstGeom prst="flowChartAlternateProcess">
+            <a:avLst/>
+          </a:prstGeom>
+        </p:spPr>
+        <p:style>
+          <a:lnRef idx="2">
+            <a:schemeClr val="accent1">
+              <a:shade val="50000"/>
+            </a:schemeClr>
+          </a:lnRef>
+          <a:fillRef idx="1">
+            <a:schemeClr val="accent1"/>
+          </a:fillRef>
+          <a:effectRef idx="0">
+            <a:schemeClr val="accent1"/>
+          </a:effectRef>
+          <a:fontRef idx="minor">
+            <a:schemeClr val="lt1"/>
+          </a:fontRef>
+        </p:style>
+        <p:txBody>
+          <a:bodyPr rtlCol="0" anchor="ctr"/>
+          <a:lstStyle/>
+          <a:p>
+            <a:pPr algn="ctr"/>
+            <a:r>
+              <a:rPr lang="en-US" altLang="zh-CN" b="1"/>
+              <a:t>parse_source_module</a:t>
+            </a:r>
+            <a:endParaRPr lang="zh-CN" altLang="en-US" b="1"/>
+          </a:p>
+        </p:txBody>
+      </p:sp>
+      <p:sp>
+        <p:nvSpPr>
+          <p:cNvPr id="28" name="流程图: 可选过程 27"/>
+          <p:cNvSpPr/>
+          <p:nvPr/>
+        </p:nvSpPr>
+        <p:spPr>
+          <a:xfrm>
+            <a:off x="1421253" y="4700190"/>
+            <a:ext cx="1487978" cy="479644"/>
+          </a:xfrm>
+          <a:prstGeom prst="flowChartAlternateProcess">
+            <a:avLst/>
+          </a:prstGeom>
+        </p:spPr>
+        <p:style>
+          <a:lnRef idx="2">
+            <a:schemeClr val="accent1">
+              <a:shade val="50000"/>
+            </a:schemeClr>
+          </a:lnRef>
+          <a:fillRef idx="1">
+            <a:schemeClr val="accent1"/>
+          </a:fillRef>
+          <a:effectRef idx="0">
+            <a:schemeClr val="accent1"/>
+          </a:effectRef>
+          <a:fontRef idx="minor">
+            <a:schemeClr val="lt1"/>
+          </a:fontRef>
+        </p:style>
+        <p:txBody>
+          <a:bodyPr rtlCol="0" anchor="ctr"/>
+          <a:lstStyle/>
+          <a:p>
+            <a:pPr algn="ctr"/>
+            <a:r>
+              <a:rPr lang="en-US" altLang="zh-CN" b="1" smtClean="0"/>
+              <a:t>AST</a:t>
+            </a:r>
+          </a:p>
+        </p:txBody>
+      </p:sp>
+      <p:sp>
+        <p:nvSpPr>
+          <p:cNvPr id="33" name="流程图: 可选过程 32"/>
+          <p:cNvSpPr/>
+          <p:nvPr/>
+        </p:nvSpPr>
+        <p:spPr>
+          <a:xfrm>
+            <a:off x="3401523" y="6130811"/>
+            <a:ext cx="1798785" cy="479644"/>
+          </a:xfrm>
+          <a:prstGeom prst="flowChartAlternateProcess">
+            <a:avLst/>
+          </a:prstGeom>
+        </p:spPr>
+        <p:style>
+          <a:lnRef idx="2">
+            <a:schemeClr val="accent1">
+              <a:shade val="50000"/>
+            </a:schemeClr>
+          </a:lnRef>
+          <a:fillRef idx="1">
+            <a:schemeClr val="accent1"/>
+          </a:fillRef>
+          <a:effectRef idx="0">
+            <a:schemeClr val="accent1"/>
+          </a:effectRef>
+          <a:fontRef idx="minor">
+            <a:schemeClr val="lt1"/>
+          </a:fontRef>
+        </p:style>
+        <p:txBody>
+          <a:bodyPr rtlCol="0" anchor="ctr"/>
+          <a:lstStyle/>
+          <a:p>
+            <a:pPr algn="ctr"/>
+            <a:r>
+              <a:rPr lang="en-US" altLang="zh-CN" b="1"/>
+              <a:t>PyCodeObject</a:t>
+            </a:r>
+            <a:endParaRPr lang="zh-CN" altLang="en-US" b="1"/>
+          </a:p>
+        </p:txBody>
+      </p:sp>
+      <p:sp>
+        <p:nvSpPr>
+          <p:cNvPr id="19" name="流程图: 可选过程 18"/>
+          <p:cNvSpPr/>
+          <p:nvPr/>
+        </p:nvSpPr>
+        <p:spPr>
+          <a:xfrm>
+            <a:off x="846856" y="5548979"/>
+            <a:ext cx="2577987" cy="479644"/>
+          </a:xfrm>
+          <a:prstGeom prst="flowChartAlternateProcess">
+            <a:avLst/>
+          </a:prstGeom>
+        </p:spPr>
+        <p:style>
+          <a:lnRef idx="2">
+            <a:schemeClr val="accent1">
+              <a:shade val="50000"/>
+            </a:schemeClr>
+          </a:lnRef>
+          <a:fillRef idx="1">
+            <a:schemeClr val="accent1"/>
+          </a:fillRef>
+          <a:effectRef idx="0">
+            <a:schemeClr val="accent1"/>
+          </a:effectRef>
+          <a:fontRef idx="minor">
+            <a:schemeClr val="lt1"/>
+          </a:fontRef>
+        </p:style>
+        <p:txBody>
+          <a:bodyPr rtlCol="0" anchor="ctr"/>
+          <a:lstStyle/>
+          <a:p>
+            <a:pPr algn="ctr"/>
+            <a:r>
+              <a:rPr lang="en-US" altLang="zh-CN" b="1"/>
+              <a:t>write_compiled_module</a:t>
+            </a:r>
+            <a:endParaRPr lang="zh-CN" altLang="en-US" b="1"/>
           </a:p>
         </p:txBody>
       </p:sp>
     </p:spTree>
     <p:extLst>
       <p:ext uri="{BB962C8B-B14F-4D97-AF65-F5344CB8AC3E}">
-        <p14:creationId xmlns:p14="http://schemas.microsoft.com/office/powerpoint/2010/main" val="4277693035"/>
+        <p14:creationId xmlns:p14="http://schemas.microsoft.com/office/powerpoint/2010/main" val="3486187261"/>
       </p:ext>
     </p:extLst>
   </p:cSld>
@@ -5337,121 +6186,219 @@
       </p:grpSpPr>
       <p:sp>
         <p:nvSpPr>
-          <p:cNvPr id="2" name="矩形 1"/>
+          <p:cNvPr id="29" name="流程图: 可选过程 28"/>
           <p:cNvSpPr/>
           <p:nvPr/>
         </p:nvSpPr>
         <p:spPr>
           <a:xfrm>
-            <a:off x="124691" y="472849"/>
-            <a:ext cx="4572000" cy="369332"/>
-          </a:xfrm>
-          <a:prstGeom prst="rect">
-            <a:avLst/>
-          </a:prstGeom>
-        </p:spPr>
-        <p:txBody>
-          <a:bodyPr>
-            <a:spAutoFit/>
-          </a:bodyPr>
-          <a:lstStyle/>
-          <a:p>
-            <a:r>
-              <a:rPr lang="zh-CN" altLang="en-US"/>
-              <a:t>INT_SIZE</a:t>
-            </a:r>
-            <a:r>
-              <a:rPr lang="zh-CN" altLang="en-US" smtClean="0"/>
-              <a:t>=</a:t>
-            </a:r>
-            <a:r>
-              <a:rPr lang="en-US" altLang="zh-CN"/>
-              <a:t>4</a:t>
-            </a:r>
-            <a:endParaRPr lang="zh-CN" altLang="en-US"/>
-          </a:p>
-        </p:txBody>
-      </p:sp>
-      <p:sp>
-        <p:nvSpPr>
-          <p:cNvPr id="4" name="矩形 3"/>
+            <a:off x="403454" y="179133"/>
+            <a:ext cx="1566661" cy="479644"/>
+          </a:xfrm>
+          <a:prstGeom prst="flowChartAlternateProcess">
+            <a:avLst/>
+          </a:prstGeom>
+        </p:spPr>
+        <p:style>
+          <a:lnRef idx="2">
+            <a:schemeClr val="accent1">
+              <a:shade val="50000"/>
+            </a:schemeClr>
+          </a:lnRef>
+          <a:fillRef idx="1">
+            <a:schemeClr val="accent1"/>
+          </a:fillRef>
+          <a:effectRef idx="0">
+            <a:schemeClr val="accent1"/>
+          </a:effectRef>
+          <a:fontRef idx="minor">
+            <a:schemeClr val="lt1"/>
+          </a:fontRef>
+        </p:style>
+        <p:txBody>
+          <a:bodyPr rtlCol="0" anchor="ctr"/>
+          <a:lstStyle/>
+          <a:p>
+            <a:pPr algn="ctr"/>
+            <a:r>
+              <a:rPr lang="en-US" altLang="zh-CN" b="1"/>
+              <a:t>PyCodeObject</a:t>
+            </a:r>
+            <a:endParaRPr lang="zh-CN" altLang="en-US" b="1"/>
+          </a:p>
+        </p:txBody>
+      </p:sp>
+      <p:sp>
+        <p:nvSpPr>
+          <p:cNvPr id="11" name="流程图: 可选过程 10"/>
           <p:cNvSpPr/>
           <p:nvPr/>
         </p:nvSpPr>
         <p:spPr>
           <a:xfrm>
-            <a:off x="199505" y="1102467"/>
-            <a:ext cx="4572000" cy="646331"/>
-          </a:xfrm>
-          <a:prstGeom prst="rect">
-            <a:avLst/>
-          </a:prstGeom>
-        </p:spPr>
-        <p:txBody>
-          <a:bodyPr>
-            <a:spAutoFit/>
-          </a:bodyPr>
-          <a:lstStyle/>
-          <a:p>
-            <a:r>
-              <a:rPr lang="zh-CN" altLang="en-US" smtClean="0"/>
-              <a:t>LOAD</a:t>
-            </a:r>
-            <a:r>
-              <a:rPr lang="zh-CN" altLang="en-US"/>
-              <a:t>_CONST               0 (4</a:t>
-            </a:r>
-            <a:r>
-              <a:rPr lang="zh-CN" altLang="en-US" smtClean="0"/>
-              <a:t>)</a:t>
-            </a:r>
-            <a:endParaRPr lang="en-US" altLang="zh-CN" smtClean="0"/>
-          </a:p>
-          <a:p>
-            <a:r>
-              <a:rPr lang="zh-CN" altLang="en-US" smtClean="0"/>
-              <a:t>STORE</a:t>
-            </a:r>
-            <a:r>
-              <a:rPr lang="zh-CN" altLang="en-US"/>
-              <a:t>_NAME               0 (INT_SIZE)</a:t>
-            </a:r>
-          </a:p>
-        </p:txBody>
-      </p:sp>
-      <p:sp>
-        <p:nvSpPr>
-          <p:cNvPr id="5" name="矩形 4"/>
+            <a:off x="403454" y="988239"/>
+            <a:ext cx="1566661" cy="479644"/>
+          </a:xfrm>
+          <a:prstGeom prst="flowChartAlternateProcess">
+            <a:avLst/>
+          </a:prstGeom>
+        </p:spPr>
+        <p:style>
+          <a:lnRef idx="2">
+            <a:schemeClr val="accent1">
+              <a:shade val="50000"/>
+            </a:schemeClr>
+          </a:lnRef>
+          <a:fillRef idx="1">
+            <a:schemeClr val="accent1"/>
+          </a:fillRef>
+          <a:effectRef idx="0">
+            <a:schemeClr val="accent1"/>
+          </a:effectRef>
+          <a:fontRef idx="minor">
+            <a:schemeClr val="lt1"/>
+          </a:fontRef>
+        </p:style>
+        <p:txBody>
+          <a:bodyPr rtlCol="0" anchor="ctr"/>
+          <a:lstStyle/>
+          <a:p>
+            <a:pPr algn="ctr"/>
+            <a:r>
+              <a:rPr lang="en-US" altLang="zh-CN" b="1" smtClean="0"/>
+              <a:t>co_code</a:t>
+            </a:r>
+            <a:endParaRPr lang="zh-CN" altLang="en-US" b="1"/>
+          </a:p>
+        </p:txBody>
+      </p:sp>
+      <p:sp>
+        <p:nvSpPr>
+          <p:cNvPr id="13" name="流程图: 可选过程 12"/>
           <p:cNvSpPr/>
           <p:nvPr/>
         </p:nvSpPr>
         <p:spPr>
           <a:xfrm>
-            <a:off x="4696691" y="1379466"/>
-            <a:ext cx="2369559" cy="369332"/>
-          </a:xfrm>
-          <a:prstGeom prst="rect">
-            <a:avLst/>
-          </a:prstGeom>
-        </p:spPr>
-        <p:txBody>
-          <a:bodyPr wrap="none">
-            <a:spAutoFit/>
-          </a:bodyPr>
+            <a:off x="3238094" y="988239"/>
+            <a:ext cx="2630691" cy="479644"/>
+          </a:xfrm>
+          <a:prstGeom prst="flowChartAlternateProcess">
+            <a:avLst/>
+          </a:prstGeom>
+        </p:spPr>
+        <p:style>
+          <a:lnRef idx="2">
+            <a:schemeClr val="accent1">
+              <a:shade val="50000"/>
+            </a:schemeClr>
+          </a:lnRef>
+          <a:fillRef idx="1">
+            <a:schemeClr val="accent1"/>
+          </a:fillRef>
+          <a:effectRef idx="0">
+            <a:schemeClr val="accent1"/>
+          </a:effectRef>
+          <a:fontRef idx="minor">
+            <a:schemeClr val="lt1"/>
+          </a:fontRef>
+        </p:style>
+        <p:txBody>
+          <a:bodyPr rtlCol="0" anchor="ctr"/>
           <a:lstStyle/>
           <a:p>
             <a:pPr algn="ctr"/>
             <a:r>
               <a:rPr lang="en-US" altLang="zh-CN" b="1" smtClean="0"/>
-              <a:t>md_dict[“</a:t>
-            </a:r>
-            <a:r>
-              <a:rPr lang="zh-CN" altLang="en-US"/>
-              <a:t>INT_SIZE</a:t>
-            </a:r>
+              <a:t>sys.modules[name]=mod</a:t>
+            </a:r>
+            <a:endParaRPr lang="zh-CN" altLang="en-US" b="1"/>
+          </a:p>
+        </p:txBody>
+      </p:sp>
+      <p:sp>
+        <p:nvSpPr>
+          <p:cNvPr id="14" name="流程图: 可选过程 13"/>
+          <p:cNvSpPr/>
+          <p:nvPr/>
+        </p:nvSpPr>
+        <p:spPr>
+          <a:xfrm>
+            <a:off x="3861548" y="1910951"/>
+            <a:ext cx="1566661" cy="479644"/>
+          </a:xfrm>
+          <a:prstGeom prst="flowChartAlternateProcess">
+            <a:avLst/>
+          </a:prstGeom>
+        </p:spPr>
+        <p:style>
+          <a:lnRef idx="2">
+            <a:schemeClr val="accent1">
+              <a:shade val="50000"/>
+            </a:schemeClr>
+          </a:lnRef>
+          <a:fillRef idx="1">
+            <a:schemeClr val="accent1"/>
+          </a:fillRef>
+          <a:effectRef idx="0">
+            <a:schemeClr val="accent1"/>
+          </a:effectRef>
+          <a:fontRef idx="minor">
+            <a:schemeClr val="lt1"/>
+          </a:fontRef>
+        </p:style>
+        <p:txBody>
+          <a:bodyPr rtlCol="0" anchor="ctr"/>
+          <a:lstStyle/>
+          <a:p>
+            <a:pPr algn="ctr"/>
             <a:r>
               <a:rPr lang="en-US" altLang="zh-CN" b="1" smtClean="0"/>
-              <a:t>”]=4</a:t>
+              <a:t>exe co_code</a:t>
+            </a:r>
+            <a:endParaRPr lang="zh-CN" altLang="en-US" b="1"/>
+          </a:p>
+        </p:txBody>
+      </p:sp>
+      <p:sp>
+        <p:nvSpPr>
+          <p:cNvPr id="15" name="流程图: 可选过程 14"/>
+          <p:cNvSpPr/>
+          <p:nvPr/>
+        </p:nvSpPr>
+        <p:spPr>
+          <a:xfrm>
+            <a:off x="3861547" y="2799435"/>
+            <a:ext cx="1566661" cy="479644"/>
+          </a:xfrm>
+          <a:prstGeom prst="flowChartAlternateProcess">
+            <a:avLst/>
+          </a:prstGeom>
+        </p:spPr>
+        <p:style>
+          <a:lnRef idx="2">
+            <a:schemeClr val="accent1">
+              <a:shade val="50000"/>
+            </a:schemeClr>
+          </a:lnRef>
+          <a:fillRef idx="1">
+            <a:schemeClr val="accent1"/>
+          </a:fillRef>
+          <a:effectRef idx="0">
+            <a:schemeClr val="accent1"/>
+          </a:effectRef>
+          <a:fontRef idx="minor">
+            <a:schemeClr val="lt1"/>
+          </a:fontRef>
+        </p:style>
+        <p:txBody>
+          <a:bodyPr rtlCol="0" anchor="ctr"/>
+          <a:lstStyle/>
+          <a:p>
+            <a:pPr algn="ctr"/>
+            <a:r>
+              <a:rPr lang="en-US" altLang="zh-CN" b="1"/>
+              <a:t>mod. md_dict</a:t>
             </a:r>
             <a:endParaRPr lang="zh-CN" altLang="en-US" b="1"/>
           </a:p>
@@ -5460,7 +6407,7 @@
     </p:spTree>
     <p:extLst>
       <p:ext uri="{BB962C8B-B14F-4D97-AF65-F5344CB8AC3E}">
-        <p14:creationId xmlns:p14="http://schemas.microsoft.com/office/powerpoint/2010/main" val="91003756"/>
+        <p14:creationId xmlns:p14="http://schemas.microsoft.com/office/powerpoint/2010/main" val="1243705041"/>
       </p:ext>
     </p:extLst>
   </p:cSld>
@@ -5502,8 +6449,8 @@
         </p:nvSpPr>
         <p:spPr>
           <a:xfrm>
-            <a:off x="99753" y="406347"/>
-            <a:ext cx="4572000" cy="646331"/>
+            <a:off x="806334" y="783905"/>
+            <a:ext cx="4572000" cy="1200329"/>
           </a:xfrm>
           <a:prstGeom prst="rect">
             <a:avLst/>
@@ -5516,258 +6463,34 @@
           <a:lstStyle/>
           <a:p>
             <a:r>
-              <a:rPr lang="zh-CN" altLang="en-US" smtClean="0"/>
-              <a:t>def </a:t>
-            </a:r>
-            <a:r>
               <a:rPr lang="zh-CN" altLang="en-US"/>
-              <a:t>Send():</a:t>
+              <a:t>typedef struct {</a:t>
             </a:r>
           </a:p>
           <a:p>
             <a:r>
               <a:rPr lang="zh-CN" altLang="en-US"/>
-              <a:t>    print "Send</a:t>
-            </a:r>
-            <a:r>
-              <a:rPr lang="zh-CN" altLang="en-US" smtClean="0"/>
-              <a:t>"</a:t>
-            </a:r>
-            <a:endParaRPr lang="zh-CN" altLang="en-US"/>
-          </a:p>
-        </p:txBody>
-      </p:sp>
-      <p:sp>
-        <p:nvSpPr>
-          <p:cNvPr id="3" name="矩形 2"/>
-          <p:cNvSpPr/>
-          <p:nvPr/>
-        </p:nvSpPr>
-        <p:spPr>
-          <a:xfrm>
-            <a:off x="16625" y="2037472"/>
-            <a:ext cx="9310255" cy="923330"/>
-          </a:xfrm>
-          <a:prstGeom prst="rect">
-            <a:avLst/>
-          </a:prstGeom>
-        </p:spPr>
-        <p:txBody>
-          <a:bodyPr wrap="square">
-            <a:spAutoFit/>
-          </a:bodyPr>
-          <a:lstStyle/>
-          <a:p>
-            <a:r>
-              <a:rPr lang="zh-CN" altLang="en-US" smtClean="0"/>
-              <a:t>LOAD</a:t>
-            </a:r>
+              <a:t>    PyObject_HEAD</a:t>
+            </a:r>
+          </a:p>
+          <a:p>
             <a:r>
               <a:rPr lang="zh-CN" altLang="en-US"/>
-              <a:t>_CONST               1 (&lt;code object Send at 00000000025FEB30, file "net.py", line 3&gt;)</a:t>
-            </a:r>
-          </a:p>
-          <a:p>
-            <a:r>
-              <a:rPr lang="zh-CN" altLang="en-US" smtClean="0"/>
-              <a:t>MAKE</a:t>
-            </a:r>
+              <a:t>    PyObject *md_dict;</a:t>
+            </a:r>
+          </a:p>
+          <a:p>
             <a:r>
               <a:rPr lang="zh-CN" altLang="en-US"/>
-              <a:t>_FUNCTION        </a:t>
-            </a:r>
-            <a:r>
-              <a:rPr lang="zh-CN" altLang="en-US" smtClean="0"/>
-              <a:t>0</a:t>
-            </a:r>
-            <a:endParaRPr lang="zh-CN" altLang="en-US"/>
-          </a:p>
-          <a:p>
-            <a:r>
-              <a:rPr lang="zh-CN" altLang="en-US" smtClean="0"/>
-              <a:t>STORE</a:t>
-            </a:r>
-            <a:r>
-              <a:rPr lang="zh-CN" altLang="en-US"/>
-              <a:t>_NAME               1 (Send)</a:t>
-            </a:r>
-          </a:p>
-        </p:txBody>
-      </p:sp>
-      <p:sp>
-        <p:nvSpPr>
-          <p:cNvPr id="4" name="矩形 3"/>
-          <p:cNvSpPr/>
-          <p:nvPr/>
-        </p:nvSpPr>
-        <p:spPr>
-          <a:xfrm>
-            <a:off x="0" y="1631665"/>
-            <a:ext cx="1211742" cy="369332"/>
-          </a:xfrm>
-          <a:prstGeom prst="rect">
-            <a:avLst/>
-          </a:prstGeom>
-        </p:spPr>
-        <p:txBody>
-          <a:bodyPr wrap="none">
-            <a:spAutoFit/>
-          </a:bodyPr>
-          <a:lstStyle/>
-          <a:p>
-            <a:r>
-              <a:rPr lang="zh-CN" altLang="en-US"/>
-              <a:t>def Send():</a:t>
-            </a:r>
-          </a:p>
-        </p:txBody>
-      </p:sp>
-      <p:sp>
-        <p:nvSpPr>
-          <p:cNvPr id="5" name="矩形 4"/>
-          <p:cNvSpPr/>
-          <p:nvPr/>
-        </p:nvSpPr>
-        <p:spPr>
-          <a:xfrm>
-            <a:off x="402382" y="3171979"/>
-            <a:ext cx="1339919" cy="369332"/>
-          </a:xfrm>
-          <a:prstGeom prst="rect">
-            <a:avLst/>
-          </a:prstGeom>
-        </p:spPr>
-        <p:txBody>
-          <a:bodyPr wrap="none">
-            <a:spAutoFit/>
-          </a:bodyPr>
-          <a:lstStyle/>
-          <a:p>
-            <a:r>
-              <a:rPr lang="zh-CN" altLang="en-US"/>
-              <a:t>print "Send"</a:t>
-            </a:r>
-          </a:p>
-        </p:txBody>
-      </p:sp>
-      <p:sp>
-        <p:nvSpPr>
-          <p:cNvPr id="6" name="矩形 5"/>
-          <p:cNvSpPr/>
-          <p:nvPr/>
-        </p:nvSpPr>
-        <p:spPr>
-          <a:xfrm>
-            <a:off x="402382" y="3549579"/>
-            <a:ext cx="4572000" cy="1477328"/>
-          </a:xfrm>
-          <a:prstGeom prst="rect">
-            <a:avLst/>
-          </a:prstGeom>
-        </p:spPr>
-        <p:txBody>
-          <a:bodyPr>
-            <a:spAutoFit/>
-          </a:bodyPr>
-          <a:lstStyle/>
-          <a:p>
-            <a:r>
-              <a:rPr lang="zh-CN" altLang="en-US" smtClean="0"/>
-              <a:t>LOAD</a:t>
-            </a:r>
-            <a:r>
-              <a:rPr lang="zh-CN" altLang="en-US"/>
-              <a:t>_CONST               1 ('Send')</a:t>
-            </a:r>
-          </a:p>
-          <a:p>
-            <a:r>
-              <a:rPr lang="zh-CN" altLang="en-US" smtClean="0"/>
-              <a:t>PRINT</a:t>
-            </a:r>
-            <a:r>
-              <a:rPr lang="zh-CN" altLang="en-US"/>
-              <a:t>_ITEM          </a:t>
-            </a:r>
-          </a:p>
-          <a:p>
-            <a:r>
-              <a:rPr lang="zh-CN" altLang="en-US" smtClean="0"/>
-              <a:t>PRINT</a:t>
-            </a:r>
-            <a:r>
-              <a:rPr lang="zh-CN" altLang="en-US"/>
-              <a:t>_NEWLINE       </a:t>
-            </a:r>
-          </a:p>
-          <a:p>
-            <a:r>
-              <a:rPr lang="zh-CN" altLang="en-US" smtClean="0"/>
-              <a:t>LOAD</a:t>
-            </a:r>
-            <a:r>
-              <a:rPr lang="zh-CN" altLang="en-US"/>
-              <a:t>_CONST               0 (None)</a:t>
-            </a:r>
-          </a:p>
-          <a:p>
-            <a:r>
-              <a:rPr lang="zh-CN" altLang="en-US" smtClean="0"/>
-              <a:t>RETURN</a:t>
-            </a:r>
-            <a:r>
-              <a:rPr lang="zh-CN" altLang="en-US"/>
-              <a:t>_VALUE        </a:t>
-            </a:r>
-          </a:p>
-        </p:txBody>
-      </p:sp>
-      <p:sp>
-        <p:nvSpPr>
-          <p:cNvPr id="7" name="矩形 6"/>
-          <p:cNvSpPr/>
-          <p:nvPr/>
-        </p:nvSpPr>
-        <p:spPr>
-          <a:xfrm>
-            <a:off x="3553924" y="2627945"/>
-            <a:ext cx="3648820" cy="369332"/>
-          </a:xfrm>
-          <a:prstGeom prst="rect">
-            <a:avLst/>
-          </a:prstGeom>
-        </p:spPr>
-        <p:txBody>
-          <a:bodyPr wrap="none">
-            <a:spAutoFit/>
-          </a:bodyPr>
-          <a:lstStyle/>
-          <a:p>
-            <a:pPr algn="ctr"/>
-            <a:r>
-              <a:rPr lang="en-US" altLang="zh-CN" b="1"/>
-              <a:t>md_dict</a:t>
-            </a:r>
-            <a:r>
-              <a:rPr lang="en-US" altLang="zh-CN" b="1" smtClean="0"/>
-              <a:t>[“</a:t>
-            </a:r>
-            <a:r>
-              <a:rPr lang="zh-CN" altLang="en-US"/>
-              <a:t>Send</a:t>
-            </a:r>
-            <a:r>
-              <a:rPr lang="en-US" altLang="zh-CN" b="1"/>
-              <a:t>”]= PyFunctionObject</a:t>
-            </a:r>
-            <a:endParaRPr lang="zh-CN" altLang="en-US" b="1"/>
+              <a:t>} PyModuleObject;</a:t>
+            </a:r>
           </a:p>
         </p:txBody>
       </p:sp>
     </p:spTree>
     <p:extLst>
       <p:ext uri="{BB962C8B-B14F-4D97-AF65-F5344CB8AC3E}">
-        <p14:creationId xmlns:p14="http://schemas.microsoft.com/office/powerpoint/2010/main" val="1919364272"/>
+        <p14:creationId xmlns:p14="http://schemas.microsoft.com/office/powerpoint/2010/main" val="4277693035"/>
       </p:ext>
     </p:extLst>
   </p:cSld>
@@ -5809,8 +6532,8 @@
         </p:nvSpPr>
         <p:spPr>
           <a:xfrm>
-            <a:off x="99753" y="406347"/>
-            <a:ext cx="4572000" cy="923330"/>
+            <a:off x="124691" y="472849"/>
+            <a:ext cx="4572000" cy="369332"/>
           </a:xfrm>
           <a:prstGeom prst="rect">
             <a:avLst/>
@@ -5823,38 +6546,78 @@
           <a:lstStyle/>
           <a:p>
             <a:r>
-              <a:rPr lang="zh-CN" altLang="en-US" smtClean="0"/>
-              <a:t>class </a:t>
-            </a:r>
-            <a:r>
               <a:rPr lang="zh-CN" altLang="en-US"/>
-              <a:t>CNet(object):</a:t>
-            </a:r>
-          </a:p>
-          <a:p>
-            <a:r>
-              <a:rPr lang="zh-CN" altLang="en-US"/>
-              <a:t>    def Send(self):</a:t>
-            </a:r>
-          </a:p>
-          <a:p>
-            <a:r>
-              <a:rPr lang="zh-CN" altLang="en-US"/>
-              <a:t>        print "Send"</a:t>
-            </a:r>
-          </a:p>
-        </p:txBody>
-      </p:sp>
-      <p:sp>
-        <p:nvSpPr>
-          <p:cNvPr id="3" name="矩形 2"/>
+              <a:t>INT_SIZE</a:t>
+            </a:r>
+            <a:r>
+              <a:rPr lang="zh-CN" altLang="en-US" smtClean="0"/>
+              <a:t>=</a:t>
+            </a:r>
+            <a:r>
+              <a:rPr lang="en-US" altLang="zh-CN"/>
+              <a:t>4</a:t>
+            </a:r>
+            <a:endParaRPr lang="zh-CN" altLang="en-US"/>
+          </a:p>
+        </p:txBody>
+      </p:sp>
+      <p:sp>
+        <p:nvSpPr>
+          <p:cNvPr id="4" name="矩形 3"/>
           <p:cNvSpPr/>
           <p:nvPr/>
         </p:nvSpPr>
         <p:spPr>
           <a:xfrm>
-            <a:off x="-69189" y="1731417"/>
-            <a:ext cx="1933927" cy="369332"/>
+            <a:off x="199505" y="1102467"/>
+            <a:ext cx="4572000" cy="646331"/>
+          </a:xfrm>
+          <a:prstGeom prst="rect">
+            <a:avLst/>
+          </a:prstGeom>
+        </p:spPr>
+        <p:txBody>
+          <a:bodyPr>
+            <a:spAutoFit/>
+          </a:bodyPr>
+          <a:lstStyle/>
+          <a:p>
+            <a:r>
+              <a:rPr lang="zh-CN" altLang="en-US" smtClean="0"/>
+              <a:t>LOAD</a:t>
+            </a:r>
+            <a:r>
+              <a:rPr lang="zh-CN" altLang="en-US"/>
+              <a:t>_CONST               0 (4</a:t>
+            </a:r>
+            <a:r>
+              <a:rPr lang="zh-CN" altLang="en-US" smtClean="0"/>
+              <a:t>)</a:t>
+            </a:r>
+            <a:endParaRPr lang="en-US" altLang="zh-CN" smtClean="0"/>
+          </a:p>
+          <a:p>
+            <a:r>
+              <a:rPr lang="zh-CN" altLang="en-US" smtClean="0"/>
+              <a:t>STORE</a:t>
+            </a:r>
+            <a:r>
+              <a:rPr lang="zh-CN" altLang="en-US"/>
+              <a:t>_NAME               0 (INT_SIZE)</a:t>
+            </a:r>
+          </a:p>
+        </p:txBody>
+      </p:sp>
+      <p:sp>
+        <p:nvSpPr>
+          <p:cNvPr id="5" name="矩形 4"/>
+          <p:cNvSpPr/>
+          <p:nvPr/>
+        </p:nvSpPr>
+        <p:spPr>
+          <a:xfrm>
+            <a:off x="4696691" y="1379466"/>
+            <a:ext cx="2369559" cy="369332"/>
           </a:xfrm>
           <a:prstGeom prst="rect">
             <a:avLst/>
@@ -5866,166 +6629,27 @@
           </a:bodyPr>
           <a:lstStyle/>
           <a:p>
+            <a:pPr algn="ctr"/>
+            <a:r>
+              <a:rPr lang="en-US" altLang="zh-CN" b="1" smtClean="0"/>
+              <a:t>md_dict[“</a:t>
+            </a:r>
             <a:r>
               <a:rPr lang="zh-CN" altLang="en-US"/>
-              <a:t>class CNet(object):</a:t>
-            </a:r>
-          </a:p>
-        </p:txBody>
-      </p:sp>
-      <p:sp>
-        <p:nvSpPr>
-          <p:cNvPr id="4" name="矩形 3"/>
-          <p:cNvSpPr/>
-          <p:nvPr/>
-        </p:nvSpPr>
-        <p:spPr>
-          <a:xfrm>
-            <a:off x="-69189" y="2100749"/>
-            <a:ext cx="8672862" cy="2308324"/>
-          </a:xfrm>
-          <a:prstGeom prst="rect">
-            <a:avLst/>
-          </a:prstGeom>
-        </p:spPr>
-        <p:txBody>
-          <a:bodyPr wrap="square">
-            <a:spAutoFit/>
-          </a:bodyPr>
-          <a:lstStyle/>
-          <a:p>
-            <a:r>
-              <a:rPr lang="zh-CN" altLang="en-US" smtClean="0"/>
-              <a:t>LOAD</a:t>
-            </a:r>
-            <a:r>
-              <a:rPr lang="zh-CN" altLang="en-US"/>
-              <a:t>_CONST              </a:t>
-            </a:r>
-            <a:r>
-              <a:rPr lang="zh-CN" altLang="en-US" smtClean="0"/>
-              <a:t>2 </a:t>
-            </a:r>
-            <a:r>
-              <a:rPr lang="zh-CN" altLang="en-US"/>
-              <a:t>('CNet')</a:t>
-            </a:r>
-          </a:p>
-          <a:p>
-            <a:r>
-              <a:rPr lang="zh-CN" altLang="en-US" smtClean="0"/>
-              <a:t>LOAD</a:t>
-            </a:r>
-            <a:r>
-              <a:rPr lang="zh-CN" altLang="en-US"/>
-              <a:t>_NAME               </a:t>
-            </a:r>
-            <a:r>
-              <a:rPr lang="zh-CN" altLang="en-US" smtClean="0"/>
-              <a:t>2 </a:t>
-            </a:r>
-            <a:r>
-              <a:rPr lang="zh-CN" altLang="en-US"/>
-              <a:t>(object)</a:t>
-            </a:r>
-          </a:p>
-          <a:p>
-            <a:r>
-              <a:rPr lang="zh-CN" altLang="en-US" smtClean="0"/>
-              <a:t>BUILD</a:t>
-            </a:r>
-            <a:r>
-              <a:rPr lang="zh-CN" altLang="en-US"/>
-              <a:t>_TUPLE              1</a:t>
-            </a:r>
-          </a:p>
-          <a:p>
-            <a:r>
-              <a:rPr lang="zh-CN" altLang="en-US" smtClean="0"/>
-              <a:t>LOAD</a:t>
-            </a:r>
-            <a:r>
-              <a:rPr lang="zh-CN" altLang="en-US"/>
-              <a:t>_CONST              </a:t>
-            </a:r>
-            <a:r>
-              <a:rPr lang="zh-CN" altLang="en-US" smtClean="0"/>
-              <a:t>3 </a:t>
-            </a:r>
-            <a:r>
-              <a:rPr lang="zh-CN" altLang="en-US"/>
-              <a:t>(&lt;code object CNet at 00000000029D1030, file "net.py", line 5&gt;)</a:t>
-            </a:r>
-          </a:p>
-          <a:p>
-            <a:r>
-              <a:rPr lang="zh-CN" altLang="en-US" smtClean="0"/>
-              <a:t>MAKE</a:t>
-            </a:r>
-            <a:r>
-              <a:rPr lang="zh-CN" altLang="en-US"/>
-              <a:t>_FUNCTION       </a:t>
-            </a:r>
-            <a:r>
-              <a:rPr lang="zh-CN" altLang="en-US" smtClean="0"/>
-              <a:t>0</a:t>
-            </a:r>
-            <a:endParaRPr lang="zh-CN" altLang="en-US"/>
-          </a:p>
-          <a:p>
-            <a:r>
-              <a:rPr lang="zh-CN" altLang="en-US" smtClean="0"/>
-              <a:t>CALL</a:t>
-            </a:r>
-            <a:r>
-              <a:rPr lang="zh-CN" altLang="en-US"/>
-              <a:t>_FUNCTION         </a:t>
-            </a:r>
-            <a:r>
-              <a:rPr lang="zh-CN" altLang="en-US" smtClean="0"/>
-              <a:t>0</a:t>
-            </a:r>
-            <a:endParaRPr lang="zh-CN" altLang="en-US"/>
-          </a:p>
-          <a:p>
-            <a:r>
-              <a:rPr lang="zh-CN" altLang="en-US" smtClean="0"/>
-              <a:t>BUILD</a:t>
-            </a:r>
-            <a:r>
-              <a:rPr lang="zh-CN" altLang="en-US"/>
-              <a:t>_CLASS         </a:t>
-            </a:r>
-          </a:p>
-          <a:p>
-            <a:r>
-              <a:rPr lang="zh-CN" altLang="en-US" smtClean="0"/>
-              <a:t>STORE</a:t>
-            </a:r>
-            <a:r>
-              <a:rPr lang="zh-CN" altLang="en-US"/>
-              <a:t>_NAME              </a:t>
-            </a:r>
-            <a:r>
-              <a:rPr lang="zh-CN" altLang="en-US" smtClean="0"/>
-              <a:t>3 </a:t>
-            </a:r>
-            <a:r>
-              <a:rPr lang="zh-CN" altLang="en-US"/>
-              <a:t>(CNet</a:t>
-            </a:r>
-            <a:r>
-              <a:rPr lang="zh-CN" altLang="en-US" smtClean="0"/>
-              <a:t>)</a:t>
-            </a:r>
-            <a:endParaRPr lang="zh-CN" altLang="en-US"/>
+              <a:t>INT_SIZE</a:t>
+            </a:r>
+            <a:r>
+              <a:rPr lang="en-US" altLang="zh-CN" b="1" smtClean="0"/>
+              <a:t>”]=4</a:t>
+            </a:r>
+            <a:endParaRPr lang="zh-CN" altLang="en-US" b="1"/>
           </a:p>
         </p:txBody>
       </p:sp>
     </p:spTree>
     <p:extLst>
       <p:ext uri="{BB962C8B-B14F-4D97-AF65-F5344CB8AC3E}">
-        <p14:creationId xmlns:p14="http://schemas.microsoft.com/office/powerpoint/2010/main" val="3946360125"/>
+        <p14:creationId xmlns:p14="http://schemas.microsoft.com/office/powerpoint/2010/main" val="91003756"/>
       </p:ext>
     </p:extLst>
   </p:cSld>
@@ -6068,7 +6692,7 @@
         <p:spPr>
           <a:xfrm>
             <a:off x="99753" y="406347"/>
-            <a:ext cx="4572000" cy="923330"/>
+            <a:ext cx="4572000" cy="646331"/>
           </a:xfrm>
           <a:prstGeom prst="rect">
             <a:avLst/>
@@ -6081,21 +6705,108 @@
           <a:lstStyle/>
           <a:p>
             <a:r>
-              <a:rPr lang="en-US" altLang="zh-CN" smtClean="0"/>
-              <a:t>m_IntSize=4</a:t>
-            </a:r>
-            <a:endParaRPr lang="en-US" altLang="zh-CN"/>
-          </a:p>
-          <a:p>
-            <a:r>
-              <a:rPr lang="en-US" altLang="zh-CN"/>
-              <a:t>    def Send(self):</a:t>
-            </a:r>
-          </a:p>
-          <a:p>
-            <a:r>
-              <a:rPr lang="en-US" altLang="zh-CN"/>
-              <a:t>        print "Send"</a:t>
+              <a:rPr lang="zh-CN" altLang="en-US" smtClean="0"/>
+              <a:t>def </a:t>
+            </a:r>
+            <a:r>
+              <a:rPr lang="zh-CN" altLang="en-US"/>
+              <a:t>Send():</a:t>
+            </a:r>
+          </a:p>
+          <a:p>
+            <a:r>
+              <a:rPr lang="zh-CN" altLang="en-US"/>
+              <a:t>    print "Send</a:t>
+            </a:r>
+            <a:r>
+              <a:rPr lang="zh-CN" altLang="en-US" smtClean="0"/>
+              <a:t>"</a:t>
+            </a:r>
+            <a:endParaRPr lang="zh-CN" altLang="en-US"/>
+          </a:p>
+        </p:txBody>
+      </p:sp>
+      <p:sp>
+        <p:nvSpPr>
+          <p:cNvPr id="3" name="矩形 2"/>
+          <p:cNvSpPr/>
+          <p:nvPr/>
+        </p:nvSpPr>
+        <p:spPr>
+          <a:xfrm>
+            <a:off x="16625" y="2037472"/>
+            <a:ext cx="9310255" cy="923330"/>
+          </a:xfrm>
+          <a:prstGeom prst="rect">
+            <a:avLst/>
+          </a:prstGeom>
+        </p:spPr>
+        <p:txBody>
+          <a:bodyPr wrap="square">
+            <a:spAutoFit/>
+          </a:bodyPr>
+          <a:lstStyle/>
+          <a:p>
+            <a:r>
+              <a:rPr lang="zh-CN" altLang="en-US" smtClean="0"/>
+              <a:t>LOAD</a:t>
+            </a:r>
+            <a:r>
+              <a:rPr lang="zh-CN" altLang="en-US"/>
+              <a:t>_CONST               1 (&lt;code object Send at 00000000025FEB30, file "net.py", line 3&gt;)</a:t>
+            </a:r>
+          </a:p>
+          <a:p>
+            <a:r>
+              <a:rPr lang="zh-CN" altLang="en-US" smtClean="0"/>
+              <a:t>MAKE</a:t>
+            </a:r>
+            <a:r>
+              <a:rPr lang="zh-CN" altLang="en-US"/>
+              <a:t>_FUNCTION        </a:t>
+            </a:r>
+            <a:r>
+              <a:rPr lang="zh-CN" altLang="en-US" smtClean="0"/>
+              <a:t>0</a:t>
+            </a:r>
+            <a:endParaRPr lang="zh-CN" altLang="en-US"/>
+          </a:p>
+          <a:p>
+            <a:r>
+              <a:rPr lang="zh-CN" altLang="en-US" smtClean="0"/>
+              <a:t>STORE</a:t>
+            </a:r>
+            <a:r>
+              <a:rPr lang="zh-CN" altLang="en-US"/>
+              <a:t>_NAME               1 (Send)</a:t>
+            </a:r>
+          </a:p>
+        </p:txBody>
+      </p:sp>
+      <p:sp>
+        <p:nvSpPr>
+          <p:cNvPr id="4" name="矩形 3"/>
+          <p:cNvSpPr/>
+          <p:nvPr/>
+        </p:nvSpPr>
+        <p:spPr>
+          <a:xfrm>
+            <a:off x="0" y="1631665"/>
+            <a:ext cx="1211742" cy="369332"/>
+          </a:xfrm>
+          <a:prstGeom prst="rect">
+            <a:avLst/>
+          </a:prstGeom>
+        </p:spPr>
+        <p:txBody>
+          <a:bodyPr wrap="none">
+            <a:spAutoFit/>
+          </a:bodyPr>
+          <a:lstStyle/>
+          <a:p>
+            <a:r>
+              <a:rPr lang="zh-CN" altLang="en-US"/>
+              <a:t>def Send():</a:t>
             </a:r>
           </a:p>
         </p:txBody>
@@ -6108,40 +6819,75 @@
         </p:nvSpPr>
         <p:spPr>
           <a:xfrm>
-            <a:off x="498764" y="1756908"/>
-            <a:ext cx="9376756" cy="3139321"/>
+            <a:off x="402382" y="3171979"/>
+            <a:ext cx="1339919" cy="369332"/>
           </a:xfrm>
           <a:prstGeom prst="rect">
             <a:avLst/>
           </a:prstGeom>
         </p:spPr>
         <p:txBody>
-          <a:bodyPr wrap="square">
+          <a:bodyPr wrap="none">
             <a:spAutoFit/>
           </a:bodyPr>
           <a:lstStyle/>
           <a:p>
             <a:r>
+              <a:rPr lang="zh-CN" altLang="en-US"/>
+              <a:t>print "Send"</a:t>
+            </a:r>
+          </a:p>
+        </p:txBody>
+      </p:sp>
+      <p:sp>
+        <p:nvSpPr>
+          <p:cNvPr id="6" name="矩形 5"/>
+          <p:cNvSpPr/>
+          <p:nvPr/>
+        </p:nvSpPr>
+        <p:spPr>
+          <a:xfrm>
+            <a:off x="402382" y="3549579"/>
+            <a:ext cx="4572000" cy="1477328"/>
+          </a:xfrm>
+          <a:prstGeom prst="rect">
+            <a:avLst/>
+          </a:prstGeom>
+        </p:spPr>
+        <p:txBody>
+          <a:bodyPr>
+            <a:spAutoFit/>
+          </a:bodyPr>
+          <a:lstStyle/>
+          <a:p>
+            <a:r>
               <a:rPr lang="zh-CN" altLang="en-US" smtClean="0"/>
               <a:t>LOAD</a:t>
             </a:r>
             <a:r>
               <a:rPr lang="zh-CN" altLang="en-US"/>
-              <a:t>_NAME                0 (__name__)</a:t>
-            </a:r>
-          </a:p>
-          <a:p>
-            <a:r>
-              <a:rPr lang="zh-CN" altLang="en-US" smtClean="0"/>
-              <a:t>STORE</a:t>
+              <a:t>_CONST               1 ('Send')</a:t>
+            </a:r>
+          </a:p>
+          <a:p>
+            <a:r>
+              <a:rPr lang="zh-CN" altLang="en-US" smtClean="0"/>
+              <a:t>PRINT</a:t>
             </a:r>
             <a:r>
               <a:rPr lang="zh-CN" altLang="en-US"/>
-              <a:t>_NAME               1 (__module__)</a:t>
-            </a:r>
-          </a:p>
-          <a:p>
-            <a:endParaRPr lang="en-US" altLang="zh-CN"/>
+              <a:t>_ITEM          </a:t>
+            </a:r>
+          </a:p>
+          <a:p>
+            <a:r>
+              <a:rPr lang="zh-CN" altLang="en-US" smtClean="0"/>
+              <a:t>PRINT</a:t>
+            </a:r>
+            <a:r>
+              <a:rPr lang="zh-CN" altLang="en-US"/>
+              <a:t>_NEWLINE       </a:t>
+            </a:r>
           </a:p>
           <a:p>
             <a:r>
@@ -6150,52 +6896,7 @@
             </a:r>
             <a:r>
               <a:rPr lang="zh-CN" altLang="en-US"/>
-              <a:t>_CONST               0 (4)</a:t>
-            </a:r>
-          </a:p>
-          <a:p>
-            <a:r>
-              <a:rPr lang="zh-CN" altLang="en-US" smtClean="0"/>
-              <a:t>STORE</a:t>
-            </a:r>
-            <a:r>
-              <a:rPr lang="zh-CN" altLang="en-US"/>
-              <a:t>_NAME               2 (m_IntSize)</a:t>
-            </a:r>
-          </a:p>
-          <a:p>
-            <a:endParaRPr lang="zh-CN" altLang="en-US"/>
-          </a:p>
-          <a:p>
-            <a:r>
-              <a:rPr lang="zh-CN" altLang="en-US" smtClean="0"/>
-              <a:t>LOAD</a:t>
-            </a:r>
-            <a:r>
-              <a:rPr lang="zh-CN" altLang="en-US"/>
-              <a:t>_CONST               1 (&lt;code object Send at 0000000002A105B0, file "net.py", line 7&gt;)</a:t>
-            </a:r>
-          </a:p>
-          <a:p>
-            <a:r>
-              <a:rPr lang="zh-CN" altLang="en-US" smtClean="0"/>
-              <a:t>MAKE_FUNCTION            0</a:t>
-            </a:r>
-          </a:p>
-          <a:p>
-            <a:r>
-              <a:rPr lang="zh-CN" altLang="en-US" smtClean="0"/>
-              <a:t>STORE_NAME               3 (Send)</a:t>
-            </a:r>
-          </a:p>
-          <a:p>
-            <a:r>
-              <a:rPr lang="zh-CN" altLang="en-US" smtClean="0"/>
-              <a:t>LOAD</a:t>
-            </a:r>
-            <a:r>
-              <a:rPr lang="zh-CN" altLang="en-US"/>
-              <a:t>_LOCALS         </a:t>
+              <a:t>_CONST               0 (None)</a:t>
             </a:r>
           </a:p>
           <a:p>
@@ -6207,13 +6908,55 @@
               <a:rPr lang="zh-CN" altLang="en-US"/>
               <a:t>_VALUE        </a:t>
             </a:r>
+          </a:p>
+        </p:txBody>
+      </p:sp>
+      <p:sp>
+        <p:nvSpPr>
+          <p:cNvPr id="7" name="矩形 6"/>
+          <p:cNvSpPr/>
+          <p:nvPr/>
+        </p:nvSpPr>
+        <p:spPr>
+          <a:xfrm>
+            <a:off x="3553924" y="2627945"/>
+            <a:ext cx="3648820" cy="369332"/>
+          </a:xfrm>
+          <a:prstGeom prst="rect">
+            <a:avLst/>
+          </a:prstGeom>
+        </p:spPr>
+        <p:txBody>
+          <a:bodyPr wrap="none">
+            <a:spAutoFit/>
+          </a:bodyPr>
+          <a:lstStyle/>
+          <a:p>
+            <a:pPr algn="ctr"/>
+            <a:r>
+              <a:rPr lang="en-US" altLang="zh-CN" b="1"/>
+              <a:t>md_dict</a:t>
+            </a:r>
+            <a:r>
+              <a:rPr lang="en-US" altLang="zh-CN" b="1" smtClean="0"/>
+              <a:t>[“</a:t>
+            </a:r>
+            <a:r>
+              <a:rPr lang="zh-CN" altLang="en-US"/>
+              <a:t>Send</a:t>
+            </a:r>
+            <a:r>
+              <a:rPr lang="en-US" altLang="zh-CN" b="1"/>
+              <a:t>”]= PyFunctionObject</a:t>
+            </a:r>
+            <a:endParaRPr lang="zh-CN" altLang="en-US" b="1"/>
           </a:p>
         </p:txBody>
       </p:sp>
     </p:spTree>
     <p:extLst>
       <p:ext uri="{BB962C8B-B14F-4D97-AF65-F5344CB8AC3E}">
-        <p14:creationId xmlns:p14="http://schemas.microsoft.com/office/powerpoint/2010/main" val="3198667389"/>
+        <p14:creationId xmlns:p14="http://schemas.microsoft.com/office/powerpoint/2010/main" val="1919364272"/>
       </p:ext>
     </p:extLst>
   </p:cSld>
@@ -6249,45 +6992,45 @@
       </p:grpSpPr>
       <p:sp>
         <p:nvSpPr>
-          <p:cNvPr id="4" name="流程图: 可选过程 3"/>
+          <p:cNvPr id="2" name="矩形 1"/>
           <p:cNvSpPr/>
           <p:nvPr/>
         </p:nvSpPr>
         <p:spPr>
           <a:xfrm>
-            <a:off x="403454" y="179133"/>
-            <a:ext cx="1749541" cy="479644"/>
-          </a:xfrm>
-          <a:prstGeom prst="flowChartAlternateProcess">
-            <a:avLst/>
-          </a:prstGeom>
-        </p:spPr>
-        <p:style>
-          <a:lnRef idx="2">
-            <a:schemeClr val="accent1">
-              <a:shade val="50000"/>
-            </a:schemeClr>
-          </a:lnRef>
-          <a:fillRef idx="1">
-            <a:schemeClr val="accent1"/>
-          </a:fillRef>
-          <a:effectRef idx="0">
-            <a:schemeClr val="accent1"/>
-          </a:effectRef>
-          <a:fontRef idx="minor">
-            <a:schemeClr val="lt1"/>
-          </a:fontRef>
-        </p:style>
-        <p:txBody>
-          <a:bodyPr rtlCol="0" anchor="ctr"/>
-          <a:lstStyle/>
-          <a:p>
-            <a:pPr algn="ctr"/>
-            <a:r>
-              <a:rPr lang="en-US" altLang="zh-CN"/>
-              <a:t>add_submodule</a:t>
-            </a:r>
-            <a:endParaRPr lang="zh-CN" altLang="en-US" b="1"/>
+            <a:off x="99753" y="406347"/>
+            <a:ext cx="4572000" cy="923330"/>
+          </a:xfrm>
+          <a:prstGeom prst="rect">
+            <a:avLst/>
+          </a:prstGeom>
+        </p:spPr>
+        <p:txBody>
+          <a:bodyPr>
+            <a:spAutoFit/>
+          </a:bodyPr>
+          <a:lstStyle/>
+          <a:p>
+            <a:r>
+              <a:rPr lang="zh-CN" altLang="en-US" smtClean="0"/>
+              <a:t>class </a:t>
+            </a:r>
+            <a:r>
+              <a:rPr lang="zh-CN" altLang="en-US"/>
+              <a:t>CNet(object):</a:t>
+            </a:r>
+          </a:p>
+          <a:p>
+            <a:r>
+              <a:rPr lang="zh-CN" altLang="en-US"/>
+              <a:t>    def Send(self):</a:t>
+            </a:r>
+          </a:p>
+          <a:p>
+            <a:r>
+              <a:rPr lang="zh-CN" altLang="en-US"/>
+              <a:t>        print "Send"</a:t>
+            </a:r>
           </a:p>
         </p:txBody>
       </p:sp>
@@ -6299,8 +7042,8 @@
         </p:nvSpPr>
         <p:spPr>
           <a:xfrm>
-            <a:off x="403454" y="1457098"/>
-            <a:ext cx="4003532" cy="369332"/>
+            <a:off x="-69189" y="1731417"/>
+            <a:ext cx="1933927" cy="369332"/>
           </a:xfrm>
           <a:prstGeom prst="rect">
             <a:avLst/>
@@ -6313,10 +7056,156 @@
           <a:lstStyle/>
           <a:p>
             <a:r>
-              <a:rPr lang="en-US" altLang="zh-CN">
-                <a:latin typeface="Open Sans" panose="020B0606030504020204" pitchFamily="34" charset="0"/>
-              </a:rPr>
-              <a:t>mod.md_dict['submode']=submode</a:t>
+              <a:rPr lang="zh-CN" altLang="en-US"/>
+              <a:t>class CNet(object):</a:t>
+            </a:r>
+          </a:p>
+        </p:txBody>
+      </p:sp>
+      <p:sp>
+        <p:nvSpPr>
+          <p:cNvPr id="4" name="矩形 3"/>
+          <p:cNvSpPr/>
+          <p:nvPr/>
+        </p:nvSpPr>
+        <p:spPr>
+          <a:xfrm>
+            <a:off x="-69189" y="2100749"/>
+            <a:ext cx="8672862" cy="2308324"/>
+          </a:xfrm>
+          <a:prstGeom prst="rect">
+            <a:avLst/>
+          </a:prstGeom>
+        </p:spPr>
+        <p:txBody>
+          <a:bodyPr wrap="square">
+            <a:spAutoFit/>
+          </a:bodyPr>
+          <a:lstStyle/>
+          <a:p>
+            <a:r>
+              <a:rPr lang="zh-CN" altLang="en-US" smtClean="0"/>
+              <a:t>LOAD</a:t>
+            </a:r>
+            <a:r>
+              <a:rPr lang="zh-CN" altLang="en-US"/>
+              <a:t>_CONST              </a:t>
+            </a:r>
+            <a:r>
+              <a:rPr lang="zh-CN" altLang="en-US" smtClean="0"/>
+              <a:t>2 </a:t>
+            </a:r>
+            <a:r>
+              <a:rPr lang="zh-CN" altLang="en-US"/>
+              <a:t>('CNet')</a:t>
+            </a:r>
+          </a:p>
+          <a:p>
+            <a:r>
+              <a:rPr lang="zh-CN" altLang="en-US" smtClean="0"/>
+              <a:t>LOAD</a:t>
+            </a:r>
+            <a:r>
+              <a:rPr lang="zh-CN" altLang="en-US"/>
+              <a:t>_NAME               </a:t>
+            </a:r>
+            <a:r>
+              <a:rPr lang="zh-CN" altLang="en-US" smtClean="0"/>
+              <a:t>2 </a:t>
+            </a:r>
+            <a:r>
+              <a:rPr lang="zh-CN" altLang="en-US"/>
+              <a:t>(object)</a:t>
+            </a:r>
+          </a:p>
+          <a:p>
+            <a:r>
+              <a:rPr lang="zh-CN" altLang="en-US" smtClean="0"/>
+              <a:t>BUILD</a:t>
+            </a:r>
+            <a:r>
+              <a:rPr lang="zh-CN" altLang="en-US"/>
+              <a:t>_TUPLE              1</a:t>
+            </a:r>
+          </a:p>
+          <a:p>
+            <a:r>
+              <a:rPr lang="zh-CN" altLang="en-US" smtClean="0"/>
+              <a:t>LOAD</a:t>
+            </a:r>
+            <a:r>
+              <a:rPr lang="zh-CN" altLang="en-US"/>
+              <a:t>_CONST              </a:t>
+            </a:r>
+            <a:r>
+              <a:rPr lang="zh-CN" altLang="en-US" smtClean="0"/>
+              <a:t>3 </a:t>
+            </a:r>
+            <a:r>
+              <a:rPr lang="zh-CN" altLang="en-US"/>
+              <a:t>(&lt;code object CNet at 00000000029D1030, file "net.py", line 5&gt;)</a:t>
+            </a:r>
+          </a:p>
+          <a:p>
+            <a:r>
+              <a:rPr lang="zh-CN" altLang="en-US" smtClean="0"/>
+              <a:t>MAKE</a:t>
+            </a:r>
+            <a:r>
+              <a:rPr lang="zh-CN" altLang="en-US"/>
+              <a:t>_FUNCTION       </a:t>
+            </a:r>
+            <a:r>
+              <a:rPr lang="zh-CN" altLang="en-US" smtClean="0"/>
+              <a:t>0</a:t>
+            </a:r>
+            <a:endParaRPr lang="zh-CN" altLang="en-US"/>
+          </a:p>
+          <a:p>
+            <a:r>
+              <a:rPr lang="zh-CN" altLang="en-US" smtClean="0"/>
+              <a:t>CALL</a:t>
+            </a:r>
+            <a:r>
+              <a:rPr lang="zh-CN" altLang="en-US"/>
+              <a:t>_FUNCTION         </a:t>
+            </a:r>
+            <a:r>
+              <a:rPr lang="zh-CN" altLang="en-US" smtClean="0"/>
+              <a:t>0</a:t>
+            </a:r>
+            <a:endParaRPr lang="zh-CN" altLang="en-US"/>
+          </a:p>
+          <a:p>
+            <a:r>
+              <a:rPr lang="zh-CN" altLang="en-US" smtClean="0"/>
+              <a:t>BUILD</a:t>
+            </a:r>
+            <a:r>
+              <a:rPr lang="zh-CN" altLang="en-US"/>
+              <a:t>_CLASS         </a:t>
+            </a:r>
+          </a:p>
+          <a:p>
+            <a:r>
+              <a:rPr lang="zh-CN" altLang="en-US" smtClean="0"/>
+              <a:t>STORE</a:t>
+            </a:r>
+            <a:r>
+              <a:rPr lang="zh-CN" altLang="en-US"/>
+              <a:t>_NAME              </a:t>
+            </a:r>
+            <a:r>
+              <a:rPr lang="zh-CN" altLang="en-US" smtClean="0"/>
+              <a:t>3 </a:t>
+            </a:r>
+            <a:r>
+              <a:rPr lang="zh-CN" altLang="en-US"/>
+              <a:t>(CNet</a:t>
+            </a:r>
+            <a:r>
+              <a:rPr lang="zh-CN" altLang="en-US" smtClean="0"/>
+              <a:t>)</a:t>
             </a:r>
             <a:endParaRPr lang="zh-CN" altLang="en-US"/>
           </a:p>
@@ -6325,7 +7214,7 @@
     </p:spTree>
     <p:extLst>
       <p:ext uri="{BB962C8B-B14F-4D97-AF65-F5344CB8AC3E}">
-        <p14:creationId xmlns:p14="http://schemas.microsoft.com/office/powerpoint/2010/main" val="1656137275"/>
+        <p14:creationId xmlns:p14="http://schemas.microsoft.com/office/powerpoint/2010/main" val="3946360125"/>
       </p:ext>
     </p:extLst>
   </p:cSld>
@@ -6368,7 +7257,48 @@
         <p:spPr>
           <a:xfrm>
             <a:off x="99753" y="406347"/>
-            <a:ext cx="5735782" cy="369332"/>
+            <a:ext cx="4572000" cy="923330"/>
+          </a:xfrm>
+          <a:prstGeom prst="rect">
+            <a:avLst/>
+          </a:prstGeom>
+        </p:spPr>
+        <p:txBody>
+          <a:bodyPr>
+            <a:spAutoFit/>
+          </a:bodyPr>
+          <a:lstStyle/>
+          <a:p>
+            <a:r>
+              <a:rPr lang="en-US" altLang="zh-CN" smtClean="0"/>
+              <a:t>m_IntSize=4</a:t>
+            </a:r>
+            <a:endParaRPr lang="en-US" altLang="zh-CN"/>
+          </a:p>
+          <a:p>
+            <a:r>
+              <a:rPr lang="en-US" altLang="zh-CN"/>
+              <a:t>    def Send(self):</a:t>
+            </a:r>
+          </a:p>
+          <a:p>
+            <a:r>
+              <a:rPr lang="en-US" altLang="zh-CN"/>
+              <a:t>        print "Send"</a:t>
+            </a:r>
+          </a:p>
+        </p:txBody>
+      </p:sp>
+      <p:sp>
+        <p:nvSpPr>
+          <p:cNvPr id="5" name="矩形 4"/>
+          <p:cNvSpPr/>
+          <p:nvPr/>
+        </p:nvSpPr>
+        <p:spPr>
+          <a:xfrm>
+            <a:off x="498764" y="1756908"/>
+            <a:ext cx="9376756" cy="3139321"/>
           </a:xfrm>
           <a:prstGeom prst="rect">
             <a:avLst/>
@@ -6381,281 +7311,98 @@
           <a:lstStyle/>
           <a:p>
             <a:r>
-              <a:rPr lang="en-US" altLang="zh-CN"/>
-              <a:t>__import__(name[, globals[, locals[, fromlist[, level]]]])</a:t>
-            </a:r>
+              <a:rPr lang="zh-CN" altLang="en-US" smtClean="0"/>
+              <a:t>LOAD</a:t>
+            </a:r>
+            <a:r>
+              <a:rPr lang="zh-CN" altLang="en-US"/>
+              <a:t>_NAME                0 (__name__)</a:t>
+            </a:r>
+          </a:p>
+          <a:p>
+            <a:r>
+              <a:rPr lang="zh-CN" altLang="en-US" smtClean="0"/>
+              <a:t>STORE</a:t>
+            </a:r>
+            <a:r>
+              <a:rPr lang="zh-CN" altLang="en-US"/>
+              <a:t>_NAME               1 (__module__)</a:t>
+            </a:r>
+          </a:p>
+          <a:p>
             <a:endParaRPr lang="en-US" altLang="zh-CN"/>
           </a:p>
-        </p:txBody>
-      </p:sp>
-      <p:sp>
-        <p:nvSpPr>
-          <p:cNvPr id="6" name="矩形 5"/>
-          <p:cNvSpPr/>
-          <p:nvPr/>
-        </p:nvSpPr>
-        <p:spPr>
-          <a:xfrm>
-            <a:off x="0" y="1115699"/>
-            <a:ext cx="5735782" cy="369332"/>
-          </a:xfrm>
-          <a:prstGeom prst="rect">
-            <a:avLst/>
-          </a:prstGeom>
-        </p:spPr>
-        <p:txBody>
-          <a:bodyPr wrap="square">
-            <a:spAutoFit/>
-          </a:bodyPr>
-          <a:lstStyle/>
-          <a:p>
-            <a:r>
-              <a:rPr lang="en-US" altLang="zh-CN" smtClean="0"/>
-              <a:t>import a</a:t>
-            </a:r>
-            <a:endParaRPr lang="en-US" altLang="zh-CN"/>
-          </a:p>
-        </p:txBody>
-      </p:sp>
-      <p:sp>
-        <p:nvSpPr>
-          <p:cNvPr id="7" name="矩形 6"/>
-          <p:cNvSpPr/>
-          <p:nvPr/>
-        </p:nvSpPr>
-        <p:spPr>
-          <a:xfrm>
-            <a:off x="0" y="1640385"/>
-            <a:ext cx="5735782" cy="369332"/>
-          </a:xfrm>
-          <a:prstGeom prst="rect">
-            <a:avLst/>
-          </a:prstGeom>
-        </p:spPr>
-        <p:txBody>
-          <a:bodyPr wrap="square">
-            <a:spAutoFit/>
-          </a:bodyPr>
-          <a:lstStyle/>
-          <a:p>
-            <a:r>
-              <a:rPr lang="en-US" altLang="zh-CN"/>
-              <a:t>__</a:t>
-            </a:r>
-            <a:r>
-              <a:rPr lang="en-US" altLang="zh-CN"/>
-              <a:t>import</a:t>
-            </a:r>
-            <a:r>
-              <a:rPr lang="en-US" altLang="zh-CN" smtClean="0"/>
-              <a:t>__(“a”,globals(),locals(),None,-1)      a=moda</a:t>
-            </a:r>
-            <a:endParaRPr lang="en-US" altLang="zh-CN"/>
-          </a:p>
-        </p:txBody>
-      </p:sp>
-      <p:sp>
-        <p:nvSpPr>
-          <p:cNvPr id="8" name="矩形 7"/>
-          <p:cNvSpPr/>
-          <p:nvPr/>
-        </p:nvSpPr>
-        <p:spPr>
-          <a:xfrm>
-            <a:off x="0" y="2465132"/>
-            <a:ext cx="5735782" cy="369332"/>
-          </a:xfrm>
-          <a:prstGeom prst="rect">
-            <a:avLst/>
-          </a:prstGeom>
-        </p:spPr>
-        <p:txBody>
-          <a:bodyPr wrap="square">
-            <a:spAutoFit/>
-          </a:bodyPr>
-          <a:lstStyle/>
-          <a:p>
-            <a:r>
-              <a:rPr lang="en-US" altLang="zh-CN" smtClean="0"/>
-              <a:t>import a.b.c</a:t>
-            </a:r>
-            <a:endParaRPr lang="en-US" altLang="zh-CN"/>
-          </a:p>
-        </p:txBody>
-      </p:sp>
-      <p:sp>
-        <p:nvSpPr>
-          <p:cNvPr id="9" name="矩形 8"/>
-          <p:cNvSpPr/>
-          <p:nvPr/>
-        </p:nvSpPr>
-        <p:spPr>
-          <a:xfrm>
-            <a:off x="0" y="2989818"/>
-            <a:ext cx="5735782" cy="369332"/>
-          </a:xfrm>
-          <a:prstGeom prst="rect">
-            <a:avLst/>
-          </a:prstGeom>
-        </p:spPr>
-        <p:txBody>
-          <a:bodyPr wrap="square">
-            <a:spAutoFit/>
-          </a:bodyPr>
-          <a:lstStyle/>
-          <a:p>
-            <a:r>
-              <a:rPr lang="en-US" altLang="zh-CN"/>
-              <a:t>__</a:t>
-            </a:r>
-            <a:r>
-              <a:rPr lang="en-US" altLang="zh-CN"/>
-              <a:t>import</a:t>
-            </a:r>
-            <a:r>
-              <a:rPr lang="en-US" altLang="zh-CN" smtClean="0"/>
-              <a:t>__(“a.b.c”,globals(),locals(),None,-1)  a=moda</a:t>
-            </a:r>
-            <a:endParaRPr lang="en-US" altLang="zh-CN"/>
-          </a:p>
-        </p:txBody>
-      </p:sp>
-      <p:sp>
-        <p:nvSpPr>
-          <p:cNvPr id="10" name="矩形 9"/>
-          <p:cNvSpPr/>
-          <p:nvPr/>
-        </p:nvSpPr>
-        <p:spPr>
-          <a:xfrm>
-            <a:off x="99753" y="3864442"/>
-            <a:ext cx="5735782" cy="369332"/>
-          </a:xfrm>
-          <a:prstGeom prst="rect">
-            <a:avLst/>
-          </a:prstGeom>
-        </p:spPr>
-        <p:txBody>
-          <a:bodyPr wrap="square">
-            <a:spAutoFit/>
-          </a:bodyPr>
-          <a:lstStyle/>
-          <a:p>
-            <a:r>
-              <a:rPr lang="en-US" altLang="zh-CN"/>
-              <a:t>from a.b import c</a:t>
-            </a:r>
-            <a:endParaRPr lang="en-US" altLang="zh-CN"/>
-          </a:p>
-        </p:txBody>
-      </p:sp>
-      <p:sp>
-        <p:nvSpPr>
-          <p:cNvPr id="11" name="矩形 10"/>
-          <p:cNvSpPr/>
-          <p:nvPr/>
-        </p:nvSpPr>
-        <p:spPr>
-          <a:xfrm>
-            <a:off x="99753" y="4389128"/>
-            <a:ext cx="5735782" cy="369332"/>
-          </a:xfrm>
-          <a:prstGeom prst="rect">
-            <a:avLst/>
-          </a:prstGeom>
-        </p:spPr>
-        <p:txBody>
-          <a:bodyPr wrap="square">
-            <a:spAutoFit/>
-          </a:bodyPr>
-          <a:lstStyle/>
-          <a:p>
-            <a:r>
-              <a:rPr lang="en-US" altLang="zh-CN"/>
-              <a:t>__</a:t>
-            </a:r>
-            <a:r>
-              <a:rPr lang="en-US" altLang="zh-CN"/>
-              <a:t>import</a:t>
-            </a:r>
-            <a:r>
-              <a:rPr lang="en-US" altLang="zh-CN" smtClean="0"/>
-              <a:t>__(“a.b”,globals(),locals(),[‘c’],-1)	c=a.b.c</a:t>
-            </a:r>
-            <a:endParaRPr lang="en-US" altLang="zh-CN"/>
-          </a:p>
-        </p:txBody>
-      </p:sp>
-      <p:sp>
-        <p:nvSpPr>
-          <p:cNvPr id="12" name="矩形 11"/>
-          <p:cNvSpPr/>
-          <p:nvPr/>
-        </p:nvSpPr>
-        <p:spPr>
-          <a:xfrm>
-            <a:off x="0" y="5369229"/>
-            <a:ext cx="5735782" cy="369332"/>
-          </a:xfrm>
-          <a:prstGeom prst="rect">
-            <a:avLst/>
-          </a:prstGeom>
-        </p:spPr>
-        <p:txBody>
-          <a:bodyPr wrap="square">
-            <a:spAutoFit/>
-          </a:bodyPr>
-          <a:lstStyle/>
-          <a:p>
-            <a:r>
-              <a:rPr lang="en-US" altLang="zh-CN"/>
-              <a:t>from a.b import c as x</a:t>
-            </a:r>
-            <a:endParaRPr lang="en-US" altLang="zh-CN"/>
-          </a:p>
-        </p:txBody>
-      </p:sp>
-      <p:sp>
-        <p:nvSpPr>
-          <p:cNvPr id="13" name="矩形 12"/>
-          <p:cNvSpPr/>
-          <p:nvPr/>
-        </p:nvSpPr>
-        <p:spPr>
-          <a:xfrm>
-            <a:off x="0" y="5893915"/>
-            <a:ext cx="5735782" cy="369332"/>
-          </a:xfrm>
-          <a:prstGeom prst="rect">
-            <a:avLst/>
-          </a:prstGeom>
-        </p:spPr>
-        <p:txBody>
-          <a:bodyPr wrap="square">
-            <a:spAutoFit/>
-          </a:bodyPr>
-          <a:lstStyle/>
-          <a:p>
-            <a:r>
-              <a:rPr lang="en-US" altLang="zh-CN"/>
-              <a:t>__</a:t>
-            </a:r>
-            <a:r>
-              <a:rPr lang="en-US" altLang="zh-CN"/>
-              <a:t>import</a:t>
-            </a:r>
-            <a:r>
-              <a:rPr lang="en-US" altLang="zh-CN" smtClean="0"/>
-              <a:t>__(“a.b”,globals(),locals(),[‘c’],-1)	x=a.b.c</a:t>
-            </a:r>
-            <a:endParaRPr lang="en-US" altLang="zh-CN"/>
+          <a:p>
+            <a:r>
+              <a:rPr lang="zh-CN" altLang="en-US" smtClean="0"/>
+              <a:t>LOAD</a:t>
+            </a:r>
+            <a:r>
+              <a:rPr lang="zh-CN" altLang="en-US"/>
+              <a:t>_CONST               0 (4)</a:t>
+            </a:r>
+          </a:p>
+          <a:p>
+            <a:r>
+              <a:rPr lang="zh-CN" altLang="en-US" smtClean="0"/>
+              <a:t>STORE</a:t>
+            </a:r>
+            <a:r>
+              <a:rPr lang="zh-CN" altLang="en-US"/>
+              <a:t>_NAME               2 (m_IntSize)</a:t>
+            </a:r>
+          </a:p>
+          <a:p>
+            <a:endParaRPr lang="zh-CN" altLang="en-US"/>
+          </a:p>
+          <a:p>
+            <a:r>
+              <a:rPr lang="zh-CN" altLang="en-US" smtClean="0"/>
+              <a:t>LOAD</a:t>
+            </a:r>
+            <a:r>
+              <a:rPr lang="zh-CN" altLang="en-US"/>
+              <a:t>_CONST               1 (&lt;code object Send at 0000000002A105B0, file "net.py", line 7&gt;)</a:t>
+            </a:r>
+          </a:p>
+          <a:p>
+            <a:r>
+              <a:rPr lang="zh-CN" altLang="en-US" smtClean="0"/>
+              <a:t>MAKE_FUNCTION            0</a:t>
+            </a:r>
+          </a:p>
+          <a:p>
+            <a:r>
+              <a:rPr lang="zh-CN" altLang="en-US" smtClean="0"/>
+              <a:t>STORE_NAME               3 (Send)</a:t>
+            </a:r>
+          </a:p>
+          <a:p>
+            <a:r>
+              <a:rPr lang="zh-CN" altLang="en-US" smtClean="0"/>
+              <a:t>LOAD</a:t>
+            </a:r>
+            <a:r>
+              <a:rPr lang="zh-CN" altLang="en-US"/>
+              <a:t>_LOCALS         </a:t>
+            </a:r>
+          </a:p>
+          <a:p>
+            <a:r>
+              <a:rPr lang="zh-CN" altLang="en-US" smtClean="0"/>
+              <a:t>RETURN</a:t>
+            </a:r>
+            <a:r>
+              <a:rPr lang="zh-CN" altLang="en-US"/>
+              <a:t>_VALUE        </a:t>
+            </a:r>
           </a:p>
         </p:txBody>
       </p:sp>
     </p:spTree>
     <p:extLst>
       <p:ext uri="{BB962C8B-B14F-4D97-AF65-F5344CB8AC3E}">
-        <p14:creationId xmlns:p14="http://schemas.microsoft.com/office/powerpoint/2010/main" val="3639017009"/>
+        <p14:creationId xmlns:p14="http://schemas.microsoft.com/office/powerpoint/2010/main" val="3198667389"/>
       </p:ext>
     </p:extLst>
   </p:cSld>
@@ -6691,152 +7438,83 @@
       </p:grpSpPr>
       <p:sp>
         <p:nvSpPr>
-          <p:cNvPr id="12" name="矩形 11"/>
+          <p:cNvPr id="4" name="流程图: 可选过程 3"/>
           <p:cNvSpPr/>
           <p:nvPr/>
         </p:nvSpPr>
         <p:spPr>
           <a:xfrm>
-            <a:off x="0" y="315091"/>
-            <a:ext cx="5735782" cy="369332"/>
+            <a:off x="403454" y="179133"/>
+            <a:ext cx="1749541" cy="479644"/>
+          </a:xfrm>
+          <a:prstGeom prst="flowChartAlternateProcess">
+            <a:avLst/>
+          </a:prstGeom>
+        </p:spPr>
+        <p:style>
+          <a:lnRef idx="2">
+            <a:schemeClr val="accent1">
+              <a:shade val="50000"/>
+            </a:schemeClr>
+          </a:lnRef>
+          <a:fillRef idx="1">
+            <a:schemeClr val="accent1"/>
+          </a:fillRef>
+          <a:effectRef idx="0">
+            <a:schemeClr val="accent1"/>
+          </a:effectRef>
+          <a:fontRef idx="minor">
+            <a:schemeClr val="lt1"/>
+          </a:fontRef>
+        </p:style>
+        <p:txBody>
+          <a:bodyPr rtlCol="0" anchor="ctr"/>
+          <a:lstStyle/>
+          <a:p>
+            <a:pPr algn="ctr"/>
+            <a:r>
+              <a:rPr lang="en-US" altLang="zh-CN"/>
+              <a:t>add_submodule</a:t>
+            </a:r>
+            <a:endParaRPr lang="zh-CN" altLang="en-US" b="1"/>
+          </a:p>
+        </p:txBody>
+      </p:sp>
+      <p:sp>
+        <p:nvSpPr>
+          <p:cNvPr id="3" name="矩形 2"/>
+          <p:cNvSpPr/>
+          <p:nvPr/>
+        </p:nvSpPr>
+        <p:spPr>
+          <a:xfrm>
+            <a:off x="403454" y="1457098"/>
+            <a:ext cx="4003532" cy="369332"/>
           </a:xfrm>
           <a:prstGeom prst="rect">
             <a:avLst/>
           </a:prstGeom>
         </p:spPr>
         <p:txBody>
-          <a:bodyPr wrap="square">
+          <a:bodyPr wrap="none">
             <a:spAutoFit/>
           </a:bodyPr>
           <a:lstStyle/>
           <a:p>
             <a:r>
-              <a:rPr lang="en-US" altLang="zh-CN"/>
-              <a:t>from </a:t>
-            </a:r>
-            <a:r>
-              <a:rPr lang="en-US" altLang="zh-CN" smtClean="0"/>
-              <a:t>a </a:t>
-            </a:r>
-            <a:r>
-              <a:rPr lang="en-US" altLang="zh-CN"/>
-              <a:t>import </a:t>
-            </a:r>
-            <a:r>
-              <a:rPr lang="en-US" altLang="zh-CN"/>
-              <a:t>*</a:t>
-            </a:r>
-            <a:endParaRPr lang="en-US" altLang="zh-CN"/>
-          </a:p>
-        </p:txBody>
-      </p:sp>
-      <p:sp>
-        <p:nvSpPr>
-          <p:cNvPr id="13" name="矩形 12"/>
-          <p:cNvSpPr/>
-          <p:nvPr/>
-        </p:nvSpPr>
-        <p:spPr>
-          <a:xfrm>
-            <a:off x="0" y="839777"/>
-            <a:ext cx="5735782" cy="369332"/>
-          </a:xfrm>
-          <a:prstGeom prst="rect">
-            <a:avLst/>
-          </a:prstGeom>
-        </p:spPr>
-        <p:txBody>
-          <a:bodyPr wrap="square">
-            <a:spAutoFit/>
-          </a:bodyPr>
-          <a:lstStyle/>
-          <a:p>
-            <a:r>
-              <a:rPr lang="en-US" altLang="zh-CN"/>
-              <a:t>__</a:t>
-            </a:r>
-            <a:r>
-              <a:rPr lang="en-US" altLang="zh-CN"/>
-              <a:t>import</a:t>
-            </a:r>
-            <a:r>
-              <a:rPr lang="en-US" altLang="zh-CN"/>
-              <a:t>__(“a”,globals(),locals(),[‘*’],-1) __all__</a:t>
-            </a:r>
-            <a:endParaRPr lang="en-US" altLang="zh-CN"/>
-          </a:p>
-        </p:txBody>
-      </p:sp>
-      <p:sp>
-        <p:nvSpPr>
-          <p:cNvPr id="14" name="矩形 13"/>
-          <p:cNvSpPr/>
-          <p:nvPr/>
-        </p:nvSpPr>
-        <p:spPr>
-          <a:xfrm>
-            <a:off x="0" y="2454233"/>
-            <a:ext cx="5735782" cy="369332"/>
-          </a:xfrm>
-          <a:prstGeom prst="rect">
-            <a:avLst/>
-          </a:prstGeom>
-        </p:spPr>
-        <p:txBody>
-          <a:bodyPr wrap="square">
-            <a:spAutoFit/>
-          </a:bodyPr>
-          <a:lstStyle/>
-          <a:p>
-            <a:r>
-              <a:rPr lang="en-US" altLang="zh-CN"/>
-              <a:t>from ..a import b</a:t>
-            </a:r>
-            <a:endParaRPr lang="en-US" altLang="zh-CN"/>
-          </a:p>
-        </p:txBody>
-      </p:sp>
-      <p:sp>
-        <p:nvSpPr>
-          <p:cNvPr id="15" name="矩形 14"/>
-          <p:cNvSpPr/>
-          <p:nvPr/>
-        </p:nvSpPr>
-        <p:spPr>
-          <a:xfrm>
-            <a:off x="0" y="2978919"/>
-            <a:ext cx="5735782" cy="369332"/>
-          </a:xfrm>
-          <a:prstGeom prst="rect">
-            <a:avLst/>
-          </a:prstGeom>
-        </p:spPr>
-        <p:txBody>
-          <a:bodyPr wrap="square">
-            <a:spAutoFit/>
-          </a:bodyPr>
-          <a:lstStyle/>
-          <a:p>
-            <a:r>
-              <a:rPr lang="en-US" altLang="zh-CN"/>
-              <a:t>__</a:t>
-            </a:r>
-            <a:r>
-              <a:rPr lang="en-US" altLang="zh-CN"/>
-              <a:t>import</a:t>
-            </a:r>
-            <a:r>
-              <a:rPr lang="en-US" altLang="zh-CN" smtClean="0"/>
-              <a:t>__(“a”,globals(),locals(),[‘b’],2)</a:t>
-            </a:r>
-            <a:endParaRPr lang="en-US" altLang="zh-CN"/>
+              <a:rPr lang="en-US" altLang="zh-CN">
+                <a:latin typeface="Open Sans" panose="020B0606030504020204" pitchFamily="34" charset="0"/>
+              </a:rPr>
+              <a:t>mod.md_dict['submode']=submode</a:t>
+            </a:r>
+            <a:endParaRPr lang="zh-CN" altLang="en-US"/>
           </a:p>
         </p:txBody>
       </p:sp>
     </p:spTree>
     <p:extLst>
       <p:ext uri="{BB962C8B-B14F-4D97-AF65-F5344CB8AC3E}">
-        <p14:creationId xmlns:p14="http://schemas.microsoft.com/office/powerpoint/2010/main" val="2688928861"/>
+        <p14:creationId xmlns:p14="http://schemas.microsoft.com/office/powerpoint/2010/main" val="1656137275"/>
       </p:ext>
     </p:extLst>
   </p:cSld>
@@ -6872,193 +7550,120 @@
       </p:grpSpPr>
       <p:sp>
         <p:nvSpPr>
-          <p:cNvPr id="3" name="矩形 2"/>
+          <p:cNvPr id="2" name="矩形 1"/>
           <p:cNvSpPr/>
           <p:nvPr/>
         </p:nvSpPr>
         <p:spPr>
           <a:xfrm>
-            <a:off x="268000" y="260065"/>
-            <a:ext cx="877163" cy="369332"/>
+            <a:off x="99753" y="406347"/>
+            <a:ext cx="5735782" cy="369332"/>
           </a:xfrm>
           <a:prstGeom prst="rect">
             <a:avLst/>
           </a:prstGeom>
         </p:spPr>
         <p:txBody>
-          <a:bodyPr wrap="none">
+          <a:bodyPr wrap="square">
             <a:spAutoFit/>
           </a:bodyPr>
           <a:lstStyle/>
           <a:p>
             <a:r>
-              <a:rPr lang="zh-CN" altLang="en-US"/>
-              <a:t>热更新</a:t>
-            </a:r>
-            <a:endParaRPr lang="en-US" altLang="zh-CN"/>
-          </a:p>
-        </p:txBody>
-      </p:sp>
-      <p:sp>
-        <p:nvSpPr>
-          <p:cNvPr id="4" name="矩形 3"/>
+              <a:rPr lang="en-US" altLang="zh-CN"/>
+              <a:t>__import__(name[, globals[, locals[, fromlist[, level]]]])</a:t>
+            </a:r>
+          </a:p>
+        </p:txBody>
+      </p:sp>
+      <p:sp>
+        <p:nvSpPr>
+          <p:cNvPr id="6" name="矩形 5"/>
           <p:cNvSpPr/>
           <p:nvPr/>
         </p:nvSpPr>
         <p:spPr>
           <a:xfrm>
-            <a:off x="412426" y="999898"/>
-            <a:ext cx="870944" cy="369332"/>
+            <a:off x="0" y="1115699"/>
+            <a:ext cx="5735782" cy="369332"/>
           </a:xfrm>
           <a:prstGeom prst="rect">
             <a:avLst/>
           </a:prstGeom>
         </p:spPr>
         <p:txBody>
-          <a:bodyPr wrap="none">
+          <a:bodyPr wrap="square">
             <a:spAutoFit/>
           </a:bodyPr>
           <a:lstStyle/>
           <a:p>
             <a:r>
-              <a:rPr lang="en-US" altLang="zh-CN">
-                <a:latin typeface="Open Sans" panose="020B0606030504020204" pitchFamily="34" charset="0"/>
-              </a:rPr>
-              <a:t>reload</a:t>
-            </a:r>
-            <a:endParaRPr lang="zh-CN" altLang="en-US"/>
-          </a:p>
-        </p:txBody>
-      </p:sp>
-      <p:sp>
-        <p:nvSpPr>
-          <p:cNvPr id="6" name="流程图: 可选过程 5"/>
+              <a:rPr lang="en-US" altLang="zh-CN" smtClean="0"/>
+              <a:t>import a</a:t>
+            </a:r>
+            <a:endParaRPr lang="en-US" altLang="zh-CN"/>
+          </a:p>
+        </p:txBody>
+      </p:sp>
+      <p:sp>
+        <p:nvSpPr>
+          <p:cNvPr id="7" name="矩形 6"/>
           <p:cNvSpPr/>
           <p:nvPr/>
         </p:nvSpPr>
         <p:spPr>
           <a:xfrm>
-            <a:off x="594647" y="2124311"/>
-            <a:ext cx="1749541" cy="479644"/>
-          </a:xfrm>
-          <a:prstGeom prst="flowChartAlternateProcess">
-            <a:avLst/>
-          </a:prstGeom>
-        </p:spPr>
-        <p:style>
-          <a:lnRef idx="2">
-            <a:schemeClr val="accent1">
-              <a:shade val="50000"/>
-            </a:schemeClr>
-          </a:lnRef>
-          <a:fillRef idx="1">
-            <a:schemeClr val="accent1"/>
-          </a:fillRef>
-          <a:effectRef idx="0">
-            <a:schemeClr val="accent1"/>
-          </a:effectRef>
-          <a:fontRef idx="minor">
-            <a:schemeClr val="lt1"/>
-          </a:fontRef>
-        </p:style>
-        <p:txBody>
-          <a:bodyPr rtlCol="0" anchor="ctr"/>
-          <a:lstStyle/>
-          <a:p>
-            <a:pPr algn="ctr"/>
+            <a:off x="0" y="1640385"/>
+            <a:ext cx="5735782" cy="369332"/>
+          </a:xfrm>
+          <a:prstGeom prst="rect">
+            <a:avLst/>
+          </a:prstGeom>
+        </p:spPr>
+        <p:txBody>
+          <a:bodyPr wrap="square">
+            <a:spAutoFit/>
+          </a:bodyPr>
+          <a:lstStyle/>
+          <a:p>
             <a:r>
               <a:rPr lang="en-US" altLang="zh-CN"/>
-              <a:t>sys.modules</a:t>
-            </a:r>
-            <a:endParaRPr lang="zh-CN" altLang="en-US" b="1"/>
-          </a:p>
-        </p:txBody>
-      </p:sp>
-      <p:sp>
-        <p:nvSpPr>
-          <p:cNvPr id="7" name="流程图: 可选过程 6"/>
+              <a:t>__import</a:t>
+            </a:r>
+            <a:r>
+              <a:rPr lang="en-US" altLang="zh-CN" smtClean="0"/>
+              <a:t>__(“a”,globals(),locals(),None,-1)      a=moda</a:t>
+            </a:r>
+            <a:endParaRPr lang="en-US" altLang="zh-CN"/>
+          </a:p>
+        </p:txBody>
+      </p:sp>
+      <p:sp>
+        <p:nvSpPr>
+          <p:cNvPr id="8" name="矩形 7"/>
           <p:cNvSpPr/>
           <p:nvPr/>
         </p:nvSpPr>
         <p:spPr>
           <a:xfrm>
-            <a:off x="594647" y="3038711"/>
-            <a:ext cx="1749541" cy="479644"/>
-          </a:xfrm>
-          <a:prstGeom prst="flowChartAlternateProcess">
-            <a:avLst/>
-          </a:prstGeom>
-        </p:spPr>
-        <p:style>
-          <a:lnRef idx="2">
-            <a:schemeClr val="accent1">
-              <a:shade val="50000"/>
-            </a:schemeClr>
-          </a:lnRef>
-          <a:fillRef idx="1">
-            <a:schemeClr val="accent1"/>
-          </a:fillRef>
-          <a:effectRef idx="0">
-            <a:schemeClr val="accent1"/>
-          </a:effectRef>
-          <a:fontRef idx="minor">
-            <a:schemeClr val="lt1"/>
-          </a:fontRef>
-        </p:style>
-        <p:txBody>
-          <a:bodyPr rtlCol="0" anchor="ctr"/>
-          <a:lstStyle/>
-          <a:p>
-            <a:pPr algn="ctr"/>
-            <a:r>
-              <a:rPr lang="en-US" altLang="zh-CN"/>
-              <a:t>find_module</a:t>
-            </a:r>
-            <a:endParaRPr lang="zh-CN" altLang="en-US" b="1"/>
-          </a:p>
-        </p:txBody>
-      </p:sp>
-      <p:sp>
-        <p:nvSpPr>
-          <p:cNvPr id="8" name="流程图: 可选过程 7"/>
-          <p:cNvSpPr/>
-          <p:nvPr/>
-        </p:nvSpPr>
-        <p:spPr>
-          <a:xfrm>
-            <a:off x="594646" y="4202492"/>
-            <a:ext cx="1749541" cy="479644"/>
-          </a:xfrm>
-          <a:prstGeom prst="flowChartAlternateProcess">
-            <a:avLst/>
-          </a:prstGeom>
-        </p:spPr>
-        <p:style>
-          <a:lnRef idx="2">
-            <a:schemeClr val="accent1">
-              <a:shade val="50000"/>
-            </a:schemeClr>
-          </a:lnRef>
-          <a:fillRef idx="1">
-            <a:schemeClr val="accent1"/>
-          </a:fillRef>
-          <a:effectRef idx="0">
-            <a:schemeClr val="accent1"/>
-          </a:effectRef>
-          <a:fontRef idx="minor">
-            <a:schemeClr val="lt1"/>
-          </a:fontRef>
-        </p:style>
-        <p:txBody>
-          <a:bodyPr rtlCol="0" anchor="ctr"/>
-          <a:lstStyle/>
-          <a:p>
-            <a:pPr algn="ctr"/>
-            <a:r>
-              <a:rPr lang="en-US" altLang="zh-CN"/>
-              <a:t>load_module</a:t>
-            </a:r>
-            <a:endParaRPr lang="zh-CN" altLang="en-US" b="1"/>
+            <a:off x="0" y="2465132"/>
+            <a:ext cx="5735782" cy="369332"/>
+          </a:xfrm>
+          <a:prstGeom prst="rect">
+            <a:avLst/>
+          </a:prstGeom>
+        </p:spPr>
+        <p:txBody>
+          <a:bodyPr wrap="square">
+            <a:spAutoFit/>
+          </a:bodyPr>
+          <a:lstStyle/>
+          <a:p>
+            <a:r>
+              <a:rPr lang="en-US" altLang="zh-CN" smtClean="0"/>
+              <a:t>import a.b.c</a:t>
+            </a:r>
+            <a:endParaRPr lang="en-US" altLang="zh-CN"/>
           </a:p>
         </p:txBody>
       </p:sp>
@@ -7070,46 +7675,28 @@
         </p:nvSpPr>
         <p:spPr>
           <a:xfrm>
-            <a:off x="3275214" y="769065"/>
-            <a:ext cx="4572000" cy="1200329"/>
+            <a:off x="0" y="2989818"/>
+            <a:ext cx="5735782" cy="369332"/>
           </a:xfrm>
           <a:prstGeom prst="rect">
             <a:avLst/>
           </a:prstGeom>
         </p:spPr>
         <p:txBody>
-          <a:bodyPr>
+          <a:bodyPr wrap="square">
             <a:spAutoFit/>
           </a:bodyPr>
           <a:lstStyle/>
           <a:p>
             <a:r>
-              <a:rPr lang="zh-CN" altLang="en-US"/>
-              <a:t>typedef struct {</a:t>
-            </a:r>
-          </a:p>
-          <a:p>
-            <a:r>
-              <a:rPr lang="zh-CN" altLang="en-US"/>
-              <a:t>    PyObject_HEAD</a:t>
-            </a:r>
-          </a:p>
-          <a:p>
-            <a:r>
-              <a:rPr lang="zh-CN" altLang="en-US"/>
-              <a:t>    PyObject *md_dict;</a:t>
-            </a:r>
-          </a:p>
-          <a:p>
-            <a:r>
-              <a:rPr lang="zh-CN" altLang="en-US"/>
-              <a:t>} PyModuleObject</a:t>
-            </a:r>
-            <a:r>
-              <a:rPr lang="zh-CN" altLang="en-US" smtClean="0"/>
-              <a:t>;</a:t>
-            </a:r>
-            <a:endParaRPr lang="zh-CN" altLang="en-US"/>
+              <a:rPr lang="en-US" altLang="zh-CN"/>
+              <a:t>__import</a:t>
+            </a:r>
+            <a:r>
+              <a:rPr lang="en-US" altLang="zh-CN" smtClean="0"/>
+              <a:t>__(“a.b.c”,globals(),locals(),None,-1)  a=moda</a:t>
+            </a:r>
+            <a:endParaRPr lang="en-US" altLang="zh-CN"/>
           </a:p>
         </p:txBody>
       </p:sp>
@@ -7121,54 +7708,84 @@
         </p:nvSpPr>
         <p:spPr>
           <a:xfrm>
-            <a:off x="3275214" y="3002163"/>
-            <a:ext cx="4572000" cy="923330"/>
+            <a:off x="99753" y="3864442"/>
+            <a:ext cx="5735782" cy="369332"/>
           </a:xfrm>
           <a:prstGeom prst="rect">
             <a:avLst/>
           </a:prstGeom>
         </p:spPr>
         <p:txBody>
-          <a:bodyPr>
+          <a:bodyPr wrap="square">
             <a:spAutoFit/>
           </a:bodyPr>
           <a:lstStyle/>
           <a:p>
             <a:r>
+              <a:rPr lang="en-US" altLang="zh-CN"/>
+              <a:t>from a.b import c</a:t>
+            </a:r>
+          </a:p>
+        </p:txBody>
+      </p:sp>
+      <p:sp>
+        <p:nvSpPr>
+          <p:cNvPr id="11" name="矩形 10"/>
+          <p:cNvSpPr/>
+          <p:nvPr/>
+        </p:nvSpPr>
+        <p:spPr>
+          <a:xfrm>
+            <a:off x="99753" y="4389128"/>
+            <a:ext cx="5735782" cy="369332"/>
+          </a:xfrm>
+          <a:prstGeom prst="rect">
+            <a:avLst/>
+          </a:prstGeom>
+        </p:spPr>
+        <p:txBody>
+          <a:bodyPr wrap="square">
+            <a:spAutoFit/>
+          </a:bodyPr>
+          <a:lstStyle/>
+          <a:p>
+            <a:r>
+              <a:rPr lang="en-US" altLang="zh-CN"/>
+              <a:t>__import</a:t>
+            </a:r>
+            <a:r>
               <a:rPr lang="en-US" altLang="zh-CN" smtClean="0"/>
-              <a:t>load</a:t>
-            </a:r>
-            <a:r>
-              <a:rPr lang="zh-CN" altLang="en-US" smtClean="0"/>
-              <a:t>就是填充字典的过过程</a:t>
-            </a:r>
-            <a:endParaRPr lang="en-US" altLang="zh-CN" smtClean="0"/>
-          </a:p>
-          <a:p>
-            <a:r>
-              <a:rPr lang="en-US" altLang="zh-CN" smtClean="0"/>
-              <a:t>reload</a:t>
-            </a:r>
-            <a:r>
-              <a:rPr lang="zh-CN" altLang="en-US" smtClean="0"/>
-              <a:t>时</a:t>
-            </a:r>
-            <a:r>
-              <a:rPr lang="en-US" altLang="zh-CN" smtClean="0"/>
-              <a:t>mod</a:t>
-            </a:r>
-            <a:r>
-              <a:rPr lang="zh-CN" altLang="en-US" smtClean="0"/>
-              <a:t>存在，就直接用旧的字典</a:t>
-            </a:r>
-            <a:endParaRPr lang="en-US" altLang="zh-CN" smtClean="0"/>
-          </a:p>
-          <a:p>
-            <a:r>
-              <a:rPr lang="zh-CN" altLang="en-US" smtClean="0"/>
-              <a:t>所以理论上是不会删的</a:t>
-            </a:r>
-            <a:endParaRPr lang="zh-CN" altLang="en-US"/>
+              <a:t>__(“a.b”,globals(),locals(),[‘c’],-1)	c=a.b.c</a:t>
+            </a:r>
+            <a:endParaRPr lang="en-US" altLang="zh-CN"/>
+          </a:p>
+        </p:txBody>
+      </p:sp>
+      <p:sp>
+        <p:nvSpPr>
+          <p:cNvPr id="12" name="矩形 11"/>
+          <p:cNvSpPr/>
+          <p:nvPr/>
+        </p:nvSpPr>
+        <p:spPr>
+          <a:xfrm>
+            <a:off x="0" y="5369229"/>
+            <a:ext cx="5735782" cy="369332"/>
+          </a:xfrm>
+          <a:prstGeom prst="rect">
+            <a:avLst/>
+          </a:prstGeom>
+        </p:spPr>
+        <p:txBody>
+          <a:bodyPr wrap="square">
+            <a:spAutoFit/>
+          </a:bodyPr>
+          <a:lstStyle/>
+          <a:p>
+            <a:r>
+              <a:rPr lang="en-US" altLang="zh-CN"/>
+              <a:t>from a.b import c as x</a:t>
+            </a:r>
           </a:p>
         </p:txBody>
       </p:sp>
@@ -7180,42 +7797,35 @@
         </p:nvSpPr>
         <p:spPr>
           <a:xfrm>
-            <a:off x="1145163" y="160693"/>
-            <a:ext cx="4572000" cy="923330"/>
+            <a:off x="0" y="5893915"/>
+            <a:ext cx="5735782" cy="369332"/>
           </a:xfrm>
           <a:prstGeom prst="rect">
             <a:avLst/>
           </a:prstGeom>
         </p:spPr>
         <p:txBody>
-          <a:bodyPr>
+          <a:bodyPr wrap="square">
             <a:spAutoFit/>
           </a:bodyPr>
           <a:lstStyle/>
           <a:p>
             <a:r>
-              <a:rPr lang="zh-CN" altLang="en-US"/>
-              <a:t>避免重启</a:t>
-            </a:r>
-          </a:p>
-          <a:p>
-            <a:r>
-              <a:rPr lang="zh-CN" altLang="en-US"/>
-              <a:t>开发期，提升效率</a:t>
-            </a:r>
-          </a:p>
-          <a:p>
-            <a:r>
-              <a:rPr lang="zh-CN" altLang="en-US"/>
-              <a:t>运维期，减少损失</a:t>
-            </a:r>
+              <a:rPr lang="en-US" altLang="zh-CN"/>
+              <a:t>__import</a:t>
+            </a:r>
+            <a:r>
+              <a:rPr lang="en-US" altLang="zh-CN" smtClean="0"/>
+              <a:t>__(“a.b”,globals(),locals(),[‘c’],-1)	x=a.b.c</a:t>
+            </a:r>
+            <a:endParaRPr lang="en-US" altLang="zh-CN"/>
           </a:p>
         </p:txBody>
       </p:sp>
     </p:spTree>
     <p:extLst>
       <p:ext uri="{BB962C8B-B14F-4D97-AF65-F5344CB8AC3E}">
-        <p14:creationId xmlns:p14="http://schemas.microsoft.com/office/powerpoint/2010/main" val="369192659"/>
+        <p14:creationId xmlns:p14="http://schemas.microsoft.com/office/powerpoint/2010/main" val="3639017009"/>
       </p:ext>
     </p:extLst>
   </p:cSld>
@@ -7264,28 +7874,33 @@
           <a:bodyPr/>
           <a:lstStyle/>
           <a:p>
-            <a:r>
-              <a:rPr lang="zh-CN" altLang="en-US" smtClean="0"/>
-              <a:t>模块和包</a:t>
-            </a:r>
+            <a:pPr marL="0" indent="0">
+              <a:buNone/>
+            </a:pPr>
             <a:endParaRPr lang="en-US" altLang="zh-CN" smtClean="0"/>
           </a:p>
           <a:p>
             <a:r>
               <a:rPr lang="zh-CN" altLang="en-US" smtClean="0"/>
-              <a:t>模块加载机制</a:t>
+              <a:t>模块加载</a:t>
+            </a:r>
+            <a:r>
+              <a:rPr lang="zh-CN" altLang="en-US" smtClean="0"/>
+              <a:t>机制</a:t>
             </a:r>
             <a:endParaRPr lang="en-US" altLang="zh-CN" smtClean="0"/>
           </a:p>
           <a:p>
-            <a:r>
-              <a:rPr lang="zh-CN" altLang="en-US"/>
-              <a:t>热</a:t>
-            </a:r>
-            <a:r>
-              <a:rPr lang="zh-CN" altLang="en-US" smtClean="0"/>
-              <a:t>更新</a:t>
-            </a:r>
+            <a:endParaRPr lang="en-US" altLang="zh-CN" smtClean="0"/>
+          </a:p>
+          <a:p>
+            <a:r>
+              <a:rPr lang="zh-CN" altLang="en-US" smtClean="0"/>
+              <a:t>热更新</a:t>
+            </a:r>
+            <a:endParaRPr lang="en-US" altLang="zh-CN" smtClean="0"/>
+          </a:p>
+          <a:p>
             <a:endParaRPr lang="en-US" altLang="zh-CN" smtClean="0"/>
           </a:p>
           <a:p>
@@ -7335,6 +7950,168 @@
       </p:grpSpPr>
       <p:sp>
         <p:nvSpPr>
+          <p:cNvPr id="12" name="矩形 11"/>
+          <p:cNvSpPr/>
+          <p:nvPr/>
+        </p:nvSpPr>
+        <p:spPr>
+          <a:xfrm>
+            <a:off x="0" y="315091"/>
+            <a:ext cx="5735782" cy="369332"/>
+          </a:xfrm>
+          <a:prstGeom prst="rect">
+            <a:avLst/>
+          </a:prstGeom>
+        </p:spPr>
+        <p:txBody>
+          <a:bodyPr wrap="square">
+            <a:spAutoFit/>
+          </a:bodyPr>
+          <a:lstStyle/>
+          <a:p>
+            <a:r>
+              <a:rPr lang="en-US" altLang="zh-CN"/>
+              <a:t>from </a:t>
+            </a:r>
+            <a:r>
+              <a:rPr lang="en-US" altLang="zh-CN" smtClean="0"/>
+              <a:t>a </a:t>
+            </a:r>
+            <a:r>
+              <a:rPr lang="en-US" altLang="zh-CN"/>
+              <a:t>import *</a:t>
+            </a:r>
+          </a:p>
+        </p:txBody>
+      </p:sp>
+      <p:sp>
+        <p:nvSpPr>
+          <p:cNvPr id="13" name="矩形 12"/>
+          <p:cNvSpPr/>
+          <p:nvPr/>
+        </p:nvSpPr>
+        <p:spPr>
+          <a:xfrm>
+            <a:off x="0" y="839777"/>
+            <a:ext cx="5735782" cy="369332"/>
+          </a:xfrm>
+          <a:prstGeom prst="rect">
+            <a:avLst/>
+          </a:prstGeom>
+        </p:spPr>
+        <p:txBody>
+          <a:bodyPr wrap="square">
+            <a:spAutoFit/>
+          </a:bodyPr>
+          <a:lstStyle/>
+          <a:p>
+            <a:r>
+              <a:rPr lang="en-US" altLang="zh-CN"/>
+              <a:t>__import__(“a”,globals(),locals(),[‘*’],-1) __all__</a:t>
+            </a:r>
+          </a:p>
+        </p:txBody>
+      </p:sp>
+      <p:sp>
+        <p:nvSpPr>
+          <p:cNvPr id="14" name="矩形 13"/>
+          <p:cNvSpPr/>
+          <p:nvPr/>
+        </p:nvSpPr>
+        <p:spPr>
+          <a:xfrm>
+            <a:off x="0" y="2454233"/>
+            <a:ext cx="5735782" cy="369332"/>
+          </a:xfrm>
+          <a:prstGeom prst="rect">
+            <a:avLst/>
+          </a:prstGeom>
+        </p:spPr>
+        <p:txBody>
+          <a:bodyPr wrap="square">
+            <a:spAutoFit/>
+          </a:bodyPr>
+          <a:lstStyle/>
+          <a:p>
+            <a:r>
+              <a:rPr lang="en-US" altLang="zh-CN"/>
+              <a:t>from ..a import b</a:t>
+            </a:r>
+          </a:p>
+        </p:txBody>
+      </p:sp>
+      <p:sp>
+        <p:nvSpPr>
+          <p:cNvPr id="15" name="矩形 14"/>
+          <p:cNvSpPr/>
+          <p:nvPr/>
+        </p:nvSpPr>
+        <p:spPr>
+          <a:xfrm>
+            <a:off x="0" y="2978919"/>
+            <a:ext cx="5735782" cy="369332"/>
+          </a:xfrm>
+          <a:prstGeom prst="rect">
+            <a:avLst/>
+          </a:prstGeom>
+        </p:spPr>
+        <p:txBody>
+          <a:bodyPr wrap="square">
+            <a:spAutoFit/>
+          </a:bodyPr>
+          <a:lstStyle/>
+          <a:p>
+            <a:r>
+              <a:rPr lang="en-US" altLang="zh-CN"/>
+              <a:t>__import</a:t>
+            </a:r>
+            <a:r>
+              <a:rPr lang="en-US" altLang="zh-CN" smtClean="0"/>
+              <a:t>__(“a”,globals(),locals(),[‘b’],2)</a:t>
+            </a:r>
+            <a:endParaRPr lang="en-US" altLang="zh-CN"/>
+          </a:p>
+        </p:txBody>
+      </p:sp>
+    </p:spTree>
+    <p:extLst>
+      <p:ext uri="{BB962C8B-B14F-4D97-AF65-F5344CB8AC3E}">
+        <p14:creationId xmlns:p14="http://schemas.microsoft.com/office/powerpoint/2010/main" val="2688928861"/>
+      </p:ext>
+    </p:extLst>
+  </p:cSld>
+  <p:clrMapOvr>
+    <a:masterClrMapping/>
+  </p:clrMapOvr>
+  <p:timing>
+    <p:tnLst>
+      <p:par>
+        <p:cTn id="1" dur="indefinite" restart="never" nodeType="tmRoot"/>
+      </p:par>
+    </p:tnLst>
+  </p:timing>
+</p:sld>
+</file>
+
+<file path=ppt/slides/slide21.xml><?xml version="1.0" encoding="utf-8"?>
+<p:sld xmlns:a="http://schemas.openxmlformats.org/drawingml/2006/main" xmlns:r="http://schemas.openxmlformats.org/officeDocument/2006/relationships" xmlns:p="http://schemas.openxmlformats.org/presentationml/2006/main">
+  <p:cSld>
+    <p:spTree>
+      <p:nvGrpSpPr>
+        <p:cNvPr id="1" name=""/>
+        <p:cNvGrpSpPr/>
+        <p:nvPr/>
+      </p:nvGrpSpPr>
+      <p:grpSpPr>
+        <a:xfrm>
+          <a:off x="0" y="0"/>
+          <a:ext cx="0" cy="0"/>
+          <a:chOff x="0" y="0"/>
+          <a:chExt cx="0" cy="0"/>
+        </a:xfrm>
+      </p:grpSpPr>
+      <p:sp>
+        <p:nvSpPr>
           <p:cNvPr id="3" name="矩形 2"/>
           <p:cNvSpPr/>
           <p:nvPr/>
@@ -7342,7 +8119,7 @@
         <p:spPr>
           <a:xfrm>
             <a:off x="268000" y="260065"/>
-            <a:ext cx="19555033" cy="2031325"/>
+            <a:ext cx="877163" cy="369332"/>
           </a:xfrm>
           <a:prstGeom prst="rect">
             <a:avLst/>
@@ -7355,6 +8132,385 @@
           <a:lstStyle/>
           <a:p>
             <a:r>
+              <a:rPr lang="zh-CN" altLang="en-US"/>
+              <a:t>热更新</a:t>
+            </a:r>
+            <a:endParaRPr lang="en-US" altLang="zh-CN"/>
+          </a:p>
+        </p:txBody>
+      </p:sp>
+      <p:sp>
+        <p:nvSpPr>
+          <p:cNvPr id="4" name="矩形 3"/>
+          <p:cNvSpPr/>
+          <p:nvPr/>
+        </p:nvSpPr>
+        <p:spPr>
+          <a:xfrm>
+            <a:off x="412426" y="999898"/>
+            <a:ext cx="870944" cy="369332"/>
+          </a:xfrm>
+          <a:prstGeom prst="rect">
+            <a:avLst/>
+          </a:prstGeom>
+        </p:spPr>
+        <p:txBody>
+          <a:bodyPr wrap="none">
+            <a:spAutoFit/>
+          </a:bodyPr>
+          <a:lstStyle/>
+          <a:p>
+            <a:r>
+              <a:rPr lang="en-US" altLang="zh-CN">
+                <a:latin typeface="Open Sans" panose="020B0606030504020204" pitchFamily="34" charset="0"/>
+              </a:rPr>
+              <a:t>reload</a:t>
+            </a:r>
+            <a:endParaRPr lang="zh-CN" altLang="en-US"/>
+          </a:p>
+        </p:txBody>
+      </p:sp>
+      <p:sp>
+        <p:nvSpPr>
+          <p:cNvPr id="6" name="流程图: 可选过程 5"/>
+          <p:cNvSpPr/>
+          <p:nvPr/>
+        </p:nvSpPr>
+        <p:spPr>
+          <a:xfrm>
+            <a:off x="594647" y="2124311"/>
+            <a:ext cx="1749541" cy="479644"/>
+          </a:xfrm>
+          <a:prstGeom prst="flowChartAlternateProcess">
+            <a:avLst/>
+          </a:prstGeom>
+        </p:spPr>
+        <p:style>
+          <a:lnRef idx="2">
+            <a:schemeClr val="accent1">
+              <a:shade val="50000"/>
+            </a:schemeClr>
+          </a:lnRef>
+          <a:fillRef idx="1">
+            <a:schemeClr val="accent1"/>
+          </a:fillRef>
+          <a:effectRef idx="0">
+            <a:schemeClr val="accent1"/>
+          </a:effectRef>
+          <a:fontRef idx="minor">
+            <a:schemeClr val="lt1"/>
+          </a:fontRef>
+        </p:style>
+        <p:txBody>
+          <a:bodyPr rtlCol="0" anchor="ctr"/>
+          <a:lstStyle/>
+          <a:p>
+            <a:pPr algn="ctr"/>
+            <a:r>
+              <a:rPr lang="en-US" altLang="zh-CN"/>
+              <a:t>sys.modules</a:t>
+            </a:r>
+            <a:endParaRPr lang="zh-CN" altLang="en-US" b="1"/>
+          </a:p>
+        </p:txBody>
+      </p:sp>
+      <p:sp>
+        <p:nvSpPr>
+          <p:cNvPr id="7" name="流程图: 可选过程 6"/>
+          <p:cNvSpPr/>
+          <p:nvPr/>
+        </p:nvSpPr>
+        <p:spPr>
+          <a:xfrm>
+            <a:off x="594647" y="3038711"/>
+            <a:ext cx="1749541" cy="479644"/>
+          </a:xfrm>
+          <a:prstGeom prst="flowChartAlternateProcess">
+            <a:avLst/>
+          </a:prstGeom>
+        </p:spPr>
+        <p:style>
+          <a:lnRef idx="2">
+            <a:schemeClr val="accent1">
+              <a:shade val="50000"/>
+            </a:schemeClr>
+          </a:lnRef>
+          <a:fillRef idx="1">
+            <a:schemeClr val="accent1"/>
+          </a:fillRef>
+          <a:effectRef idx="0">
+            <a:schemeClr val="accent1"/>
+          </a:effectRef>
+          <a:fontRef idx="minor">
+            <a:schemeClr val="lt1"/>
+          </a:fontRef>
+        </p:style>
+        <p:txBody>
+          <a:bodyPr rtlCol="0" anchor="ctr"/>
+          <a:lstStyle/>
+          <a:p>
+            <a:pPr algn="ctr"/>
+            <a:r>
+              <a:rPr lang="en-US" altLang="zh-CN"/>
+              <a:t>find_module</a:t>
+            </a:r>
+            <a:endParaRPr lang="zh-CN" altLang="en-US" b="1"/>
+          </a:p>
+        </p:txBody>
+      </p:sp>
+      <p:sp>
+        <p:nvSpPr>
+          <p:cNvPr id="8" name="流程图: 可选过程 7"/>
+          <p:cNvSpPr/>
+          <p:nvPr/>
+        </p:nvSpPr>
+        <p:spPr>
+          <a:xfrm>
+            <a:off x="594646" y="4202492"/>
+            <a:ext cx="1749541" cy="479644"/>
+          </a:xfrm>
+          <a:prstGeom prst="flowChartAlternateProcess">
+            <a:avLst/>
+          </a:prstGeom>
+        </p:spPr>
+        <p:style>
+          <a:lnRef idx="2">
+            <a:schemeClr val="accent1">
+              <a:shade val="50000"/>
+            </a:schemeClr>
+          </a:lnRef>
+          <a:fillRef idx="1">
+            <a:schemeClr val="accent1"/>
+          </a:fillRef>
+          <a:effectRef idx="0">
+            <a:schemeClr val="accent1"/>
+          </a:effectRef>
+          <a:fontRef idx="minor">
+            <a:schemeClr val="lt1"/>
+          </a:fontRef>
+        </p:style>
+        <p:txBody>
+          <a:bodyPr rtlCol="0" anchor="ctr"/>
+          <a:lstStyle/>
+          <a:p>
+            <a:pPr algn="ctr"/>
+            <a:r>
+              <a:rPr lang="en-US" altLang="zh-CN"/>
+              <a:t>load_module</a:t>
+            </a:r>
+            <a:endParaRPr lang="zh-CN" altLang="en-US" b="1"/>
+          </a:p>
+        </p:txBody>
+      </p:sp>
+      <p:sp>
+        <p:nvSpPr>
+          <p:cNvPr id="9" name="矩形 8"/>
+          <p:cNvSpPr/>
+          <p:nvPr/>
+        </p:nvSpPr>
+        <p:spPr>
+          <a:xfrm>
+            <a:off x="3275214" y="769065"/>
+            <a:ext cx="4572000" cy="1200329"/>
+          </a:xfrm>
+          <a:prstGeom prst="rect">
+            <a:avLst/>
+          </a:prstGeom>
+        </p:spPr>
+        <p:txBody>
+          <a:bodyPr>
+            <a:spAutoFit/>
+          </a:bodyPr>
+          <a:lstStyle/>
+          <a:p>
+            <a:r>
+              <a:rPr lang="zh-CN" altLang="en-US"/>
+              <a:t>typedef struct {</a:t>
+            </a:r>
+          </a:p>
+          <a:p>
+            <a:r>
+              <a:rPr lang="zh-CN" altLang="en-US"/>
+              <a:t>    PyObject_HEAD</a:t>
+            </a:r>
+          </a:p>
+          <a:p>
+            <a:r>
+              <a:rPr lang="zh-CN" altLang="en-US"/>
+              <a:t>    PyObject *md_dict;</a:t>
+            </a:r>
+          </a:p>
+          <a:p>
+            <a:r>
+              <a:rPr lang="zh-CN" altLang="en-US"/>
+              <a:t>} PyModuleObject</a:t>
+            </a:r>
+            <a:r>
+              <a:rPr lang="zh-CN" altLang="en-US" smtClean="0"/>
+              <a:t>;</a:t>
+            </a:r>
+            <a:endParaRPr lang="zh-CN" altLang="en-US"/>
+          </a:p>
+        </p:txBody>
+      </p:sp>
+      <p:sp>
+        <p:nvSpPr>
+          <p:cNvPr id="10" name="矩形 9"/>
+          <p:cNvSpPr/>
+          <p:nvPr/>
+        </p:nvSpPr>
+        <p:spPr>
+          <a:xfrm>
+            <a:off x="3275214" y="3002163"/>
+            <a:ext cx="4572000" cy="923330"/>
+          </a:xfrm>
+          <a:prstGeom prst="rect">
+            <a:avLst/>
+          </a:prstGeom>
+        </p:spPr>
+        <p:txBody>
+          <a:bodyPr>
+            <a:spAutoFit/>
+          </a:bodyPr>
+          <a:lstStyle/>
+          <a:p>
+            <a:r>
+              <a:rPr lang="en-US" altLang="zh-CN" smtClean="0"/>
+              <a:t>load</a:t>
+            </a:r>
+            <a:r>
+              <a:rPr lang="zh-CN" altLang="en-US" smtClean="0"/>
+              <a:t>就是填充字典的过过程</a:t>
+            </a:r>
+            <a:endParaRPr lang="en-US" altLang="zh-CN" smtClean="0"/>
+          </a:p>
+          <a:p>
+            <a:r>
+              <a:rPr lang="en-US" altLang="zh-CN" smtClean="0"/>
+              <a:t>reload</a:t>
+            </a:r>
+            <a:r>
+              <a:rPr lang="zh-CN" altLang="en-US" smtClean="0"/>
+              <a:t>时</a:t>
+            </a:r>
+            <a:r>
+              <a:rPr lang="en-US" altLang="zh-CN" smtClean="0"/>
+              <a:t>mod</a:t>
+            </a:r>
+            <a:r>
+              <a:rPr lang="zh-CN" altLang="en-US" smtClean="0"/>
+              <a:t>存在，就直接用旧的字典</a:t>
+            </a:r>
+            <a:endParaRPr lang="en-US" altLang="zh-CN" smtClean="0"/>
+          </a:p>
+          <a:p>
+            <a:r>
+              <a:rPr lang="zh-CN" altLang="en-US" smtClean="0"/>
+              <a:t>所以理论上是不会删的</a:t>
+            </a:r>
+            <a:endParaRPr lang="zh-CN" altLang="en-US"/>
+          </a:p>
+        </p:txBody>
+      </p:sp>
+      <p:sp>
+        <p:nvSpPr>
+          <p:cNvPr id="13" name="矩形 12"/>
+          <p:cNvSpPr/>
+          <p:nvPr/>
+        </p:nvSpPr>
+        <p:spPr>
+          <a:xfrm>
+            <a:off x="1145163" y="160693"/>
+            <a:ext cx="4572000" cy="923330"/>
+          </a:xfrm>
+          <a:prstGeom prst="rect">
+            <a:avLst/>
+          </a:prstGeom>
+        </p:spPr>
+        <p:txBody>
+          <a:bodyPr>
+            <a:spAutoFit/>
+          </a:bodyPr>
+          <a:lstStyle/>
+          <a:p>
+            <a:r>
+              <a:rPr lang="zh-CN" altLang="en-US"/>
+              <a:t>避免重启</a:t>
+            </a:r>
+          </a:p>
+          <a:p>
+            <a:r>
+              <a:rPr lang="zh-CN" altLang="en-US"/>
+              <a:t>开发期，提升效率</a:t>
+            </a:r>
+          </a:p>
+          <a:p>
+            <a:r>
+              <a:rPr lang="zh-CN" altLang="en-US"/>
+              <a:t>运维期，减少损失</a:t>
+            </a:r>
+          </a:p>
+        </p:txBody>
+      </p:sp>
+    </p:spTree>
+    <p:extLst>
+      <p:ext uri="{BB962C8B-B14F-4D97-AF65-F5344CB8AC3E}">
+        <p14:creationId xmlns:p14="http://schemas.microsoft.com/office/powerpoint/2010/main" val="369192659"/>
+      </p:ext>
+    </p:extLst>
+  </p:cSld>
+  <p:clrMapOvr>
+    <a:masterClrMapping/>
+  </p:clrMapOvr>
+  <p:timing>
+    <p:tnLst>
+      <p:par>
+        <p:cTn id="1" dur="indefinite" restart="never" nodeType="tmRoot"/>
+      </p:par>
+    </p:tnLst>
+  </p:timing>
+</p:sld>
+</file>
+
+<file path=ppt/slides/slide22.xml><?xml version="1.0" encoding="utf-8"?>
+<p:sld xmlns:a="http://schemas.openxmlformats.org/drawingml/2006/main" xmlns:r="http://schemas.openxmlformats.org/officeDocument/2006/relationships" xmlns:p="http://schemas.openxmlformats.org/presentationml/2006/main">
+  <p:cSld>
+    <p:spTree>
+      <p:nvGrpSpPr>
+        <p:cNvPr id="1" name=""/>
+        <p:cNvGrpSpPr/>
+        <p:nvPr/>
+      </p:nvGrpSpPr>
+      <p:grpSpPr>
+        <a:xfrm>
+          <a:off x="0" y="0"/>
+          <a:ext cx="0" cy="0"/>
+          <a:chOff x="0" y="0"/>
+          <a:chExt cx="0" cy="0"/>
+        </a:xfrm>
+      </p:grpSpPr>
+      <p:sp>
+        <p:nvSpPr>
+          <p:cNvPr id="3" name="矩形 2"/>
+          <p:cNvSpPr/>
+          <p:nvPr/>
+        </p:nvSpPr>
+        <p:spPr>
+          <a:xfrm>
+            <a:off x="268000" y="260065"/>
+            <a:ext cx="19555033" cy="2308324"/>
+          </a:xfrm>
+          <a:prstGeom prst="rect">
+            <a:avLst/>
+          </a:prstGeom>
+        </p:spPr>
+        <p:txBody>
+          <a:bodyPr wrap="none">
+            <a:spAutoFit/>
+          </a:bodyPr>
+          <a:lstStyle/>
+          <a:p>
+            <a:r>
               <a:rPr lang="zh-CN" altLang="en-US" smtClean="0"/>
               <a:t>问题</a:t>
             </a:r>
@@ -7370,28 +8526,23 @@
           <a:p>
             <a:r>
               <a:rPr lang="zh-CN" altLang="en-US"/>
-              <a:t>让已经</a:t>
+              <a:t>让已经创建</a:t>
+            </a:r>
+            <a:r>
+              <a:rPr lang="zh-CN" altLang="en-US" smtClean="0"/>
+              <a:t>的实例能够</a:t>
             </a:r>
             <a:r>
               <a:rPr lang="zh-CN" altLang="en-US"/>
-              <a:t>创建</a:t>
-            </a:r>
-            <a:r>
-              <a:rPr lang="zh-CN" altLang="en-US" smtClean="0"/>
-              <a:t>的实例能够</a:t>
-            </a:r>
-            <a:r>
-              <a:rPr lang="zh-CN" altLang="en-US"/>
-              <a:t>执行更新以后</a:t>
-            </a:r>
-            <a:r>
-              <a:rPr lang="zh-CN" altLang="en-US"/>
-              <a:t>的</a:t>
+              <a:t>执行更新以后的</a:t>
             </a:r>
             <a:r>
               <a:rPr lang="zh-CN" altLang="en-US" smtClean="0"/>
               <a:t>代码</a:t>
             </a:r>
+            <a:endParaRPr lang="en-US" altLang="zh-CN" smtClean="0"/>
+          </a:p>
+          <a:p>
             <a:endParaRPr lang="en-US" altLang="zh-CN" smtClean="0"/>
           </a:p>
           <a:p>
@@ -7422,6 +8573,229 @@
     <p:extLst>
       <p:ext uri="{BB962C8B-B14F-4D97-AF65-F5344CB8AC3E}">
         <p14:creationId xmlns:p14="http://schemas.microsoft.com/office/powerpoint/2010/main" val="1502603314"/>
+      </p:ext>
+    </p:extLst>
+  </p:cSld>
+  <p:clrMapOvr>
+    <a:masterClrMapping/>
+  </p:clrMapOvr>
+  <p:timing>
+    <p:tnLst>
+      <p:par>
+        <p:cTn id="1" dur="indefinite" restart="never" nodeType="tmRoot"/>
+      </p:par>
+    </p:tnLst>
+  </p:timing>
+</p:sld>
+</file>
+
+<file path=ppt/slides/slide23.xml><?xml version="1.0" encoding="utf-8"?>
+<p:sld xmlns:a="http://schemas.openxmlformats.org/drawingml/2006/main" xmlns:r="http://schemas.openxmlformats.org/officeDocument/2006/relationships" xmlns:p="http://schemas.openxmlformats.org/presentationml/2006/main">
+  <p:cSld>
+    <p:spTree>
+      <p:nvGrpSpPr>
+        <p:cNvPr id="1" name=""/>
+        <p:cNvGrpSpPr/>
+        <p:nvPr/>
+      </p:nvGrpSpPr>
+      <p:grpSpPr>
+        <a:xfrm>
+          <a:off x="0" y="0"/>
+          <a:ext cx="0" cy="0"/>
+          <a:chOff x="0" y="0"/>
+          <a:chExt cx="0" cy="0"/>
+        </a:xfrm>
+      </p:grpSpPr>
+      <p:sp>
+        <p:nvSpPr>
+          <p:cNvPr id="3" name="矩形 2"/>
+          <p:cNvSpPr/>
+          <p:nvPr/>
+        </p:nvSpPr>
+        <p:spPr>
+          <a:xfrm>
+            <a:off x="268000" y="260065"/>
+            <a:ext cx="1620957" cy="1754326"/>
+          </a:xfrm>
+          <a:prstGeom prst="rect">
+            <a:avLst/>
+          </a:prstGeom>
+        </p:spPr>
+        <p:txBody>
+          <a:bodyPr wrap="none">
+            <a:spAutoFit/>
+          </a:bodyPr>
+          <a:lstStyle/>
+          <a:p>
+            <a:r>
+              <a:rPr lang="en-US" altLang="zh-CN" smtClean="0"/>
+              <a:t>A</a:t>
+            </a:r>
+            <a:r>
+              <a:rPr lang="en-US" altLang="zh-CN"/>
+              <a:t> </a:t>
+            </a:r>
+            <a:r>
+              <a:rPr lang="en-US" altLang="zh-CN" smtClean="0"/>
+              <a:t>  a1 a2</a:t>
+            </a:r>
+          </a:p>
+          <a:p>
+            <a:endParaRPr lang="en-US" altLang="zh-CN"/>
+          </a:p>
+          <a:p>
+            <a:r>
+              <a:rPr lang="en-US" altLang="zh-CN" smtClean="0"/>
+              <a:t>a1.__class__=A</a:t>
+            </a:r>
+          </a:p>
+          <a:p>
+            <a:r>
+              <a:rPr lang="en-US" altLang="zh-CN" smtClean="0"/>
+              <a:t>a2.__class__=A</a:t>
+            </a:r>
+          </a:p>
+          <a:p>
+            <a:endParaRPr lang="en-US" altLang="zh-CN" smtClean="0"/>
+          </a:p>
+          <a:p>
+            <a:r>
+              <a:rPr lang="en-US" altLang="zh-CN" smtClean="0"/>
+              <a:t>A </a:t>
+            </a:r>
+          </a:p>
+        </p:txBody>
+      </p:sp>
+      <p:sp>
+        <p:nvSpPr>
+          <p:cNvPr id="4" name="矩形 3"/>
+          <p:cNvSpPr/>
+          <p:nvPr/>
+        </p:nvSpPr>
+        <p:spPr>
+          <a:xfrm>
+            <a:off x="268000" y="3255418"/>
+            <a:ext cx="1620957" cy="1754326"/>
+          </a:xfrm>
+          <a:prstGeom prst="rect">
+            <a:avLst/>
+          </a:prstGeom>
+        </p:spPr>
+        <p:txBody>
+          <a:bodyPr wrap="none">
+            <a:spAutoFit/>
+          </a:bodyPr>
+          <a:lstStyle/>
+          <a:p>
+            <a:r>
+              <a:rPr lang="en-US" altLang="zh-CN" smtClean="0"/>
+              <a:t>A</a:t>
+            </a:r>
+            <a:r>
+              <a:rPr lang="en-US" altLang="zh-CN"/>
+              <a:t> </a:t>
+            </a:r>
+            <a:r>
+              <a:rPr lang="en-US" altLang="zh-CN" smtClean="0"/>
+              <a:t>  a1 a2</a:t>
+            </a:r>
+          </a:p>
+          <a:p>
+            <a:endParaRPr lang="en-US" altLang="zh-CN"/>
+          </a:p>
+          <a:p>
+            <a:r>
+              <a:rPr lang="en-US" altLang="zh-CN" smtClean="0"/>
+              <a:t>a1.__class__=A</a:t>
+            </a:r>
+          </a:p>
+          <a:p>
+            <a:r>
+              <a:rPr lang="en-US" altLang="zh-CN" smtClean="0"/>
+              <a:t>a2.__class__=A</a:t>
+            </a:r>
+          </a:p>
+          <a:p>
+            <a:endParaRPr lang="en-US" altLang="zh-CN" smtClean="0"/>
+          </a:p>
+          <a:p>
+            <a:r>
+              <a:rPr lang="en-US" altLang="zh-CN" smtClean="0"/>
+              <a:t>A </a:t>
+            </a:r>
+          </a:p>
+        </p:txBody>
+      </p:sp>
+    </p:spTree>
+    <p:extLst>
+      <p:ext uri="{BB962C8B-B14F-4D97-AF65-F5344CB8AC3E}">
+        <p14:creationId xmlns:p14="http://schemas.microsoft.com/office/powerpoint/2010/main" val="3350730174"/>
+      </p:ext>
+    </p:extLst>
+  </p:cSld>
+  <p:clrMapOvr>
+    <a:masterClrMapping/>
+  </p:clrMapOvr>
+  <p:timing>
+    <p:tnLst>
+      <p:par>
+        <p:cTn id="1" dur="indefinite" restart="never" nodeType="tmRoot"/>
+      </p:par>
+    </p:tnLst>
+  </p:timing>
+</p:sld>
+</file>
+
+<file path=ppt/slides/slide24.xml><?xml version="1.0" encoding="utf-8"?>
+<p:sld xmlns:a="http://schemas.openxmlformats.org/drawingml/2006/main" xmlns:r="http://schemas.openxmlformats.org/officeDocument/2006/relationships" xmlns:p="http://schemas.openxmlformats.org/presentationml/2006/main">
+  <p:cSld>
+    <p:spTree>
+      <p:nvGrpSpPr>
+        <p:cNvPr id="1" name=""/>
+        <p:cNvGrpSpPr/>
+        <p:nvPr/>
+      </p:nvGrpSpPr>
+      <p:grpSpPr>
+        <a:xfrm>
+          <a:off x="0" y="0"/>
+          <a:ext cx="0" cy="0"/>
+          <a:chOff x="0" y="0"/>
+          <a:chExt cx="0" cy="0"/>
+        </a:xfrm>
+      </p:grpSpPr>
+      <p:sp>
+        <p:nvSpPr>
+          <p:cNvPr id="3" name="矩形 2"/>
+          <p:cNvSpPr/>
+          <p:nvPr/>
+        </p:nvSpPr>
+        <p:spPr>
+          <a:xfrm>
+            <a:off x="268000" y="260065"/>
+            <a:ext cx="1284326" cy="369332"/>
+          </a:xfrm>
+          <a:prstGeom prst="rect">
+            <a:avLst/>
+          </a:prstGeom>
+        </p:spPr>
+        <p:txBody>
+          <a:bodyPr wrap="none">
+            <a:spAutoFit/>
+          </a:bodyPr>
+          <a:lstStyle/>
+          <a:p>
+            <a:r>
+              <a:rPr lang="en-US" altLang="zh-CN" smtClean="0"/>
+              <a:t>__import__</a:t>
+            </a:r>
+            <a:endParaRPr lang="en-US" altLang="zh-CN" smtClean="0"/>
+          </a:p>
+        </p:txBody>
+      </p:sp>
+    </p:spTree>
+    <p:extLst>
+      <p:ext uri="{BB962C8B-B14F-4D97-AF65-F5344CB8AC3E}">
+        <p14:creationId xmlns:p14="http://schemas.microsoft.com/office/powerpoint/2010/main" val="1320621408"/>
       </p:ext>
     </p:extLst>
   </p:cSld>
@@ -7463,44 +8837,12 @@
         </p:nvSpPr>
         <p:spPr>
           <a:xfrm>
-            <a:off x="268962" y="426319"/>
-            <a:ext cx="1107996" cy="369332"/>
+            <a:off x="1195955" y="4227484"/>
+            <a:ext cx="914400" cy="914400"/>
           </a:xfrm>
           <a:prstGeom prst="rect">
             <a:avLst/>
           </a:prstGeom>
-        </p:spPr>
-        <p:txBody>
-          <a:bodyPr wrap="none">
-            <a:spAutoFit/>
-          </a:bodyPr>
-          <a:lstStyle/>
-          <a:p>
-            <a:r>
-              <a:rPr lang="zh-CN" altLang="en-US"/>
-              <a:t>模块和包</a:t>
-            </a:r>
-            <a:endParaRPr lang="en-US" altLang="zh-CN"/>
-          </a:p>
-        </p:txBody>
-      </p:sp>
-      <p:sp>
-        <p:nvSpPr>
-          <p:cNvPr id="5" name="矩形 4"/>
-          <p:cNvSpPr/>
-          <p:nvPr/>
-        </p:nvSpPr>
-        <p:spPr>
-          <a:xfrm>
-            <a:off x="1743265" y="5669280"/>
-            <a:ext cx="914400" cy="415637"/>
-          </a:xfrm>
-          <a:prstGeom prst="rect">
-            <a:avLst/>
-          </a:prstGeom>
-          <a:ln>
-            <a:noFill/>
-          </a:ln>
         </p:spPr>
         <p:style>
           <a:lnRef idx="2">
@@ -7522,30 +8864,29 @@
           <a:bodyPr rtlCol="0" anchor="ctr"/>
           <a:lstStyle/>
           <a:p>
+            <a:pPr algn="ctr"/>
             <a:r>
               <a:rPr lang="en-US" altLang="zh-CN" smtClean="0"/>
-              <a:t>A=1</a:t>
-            </a:r>
-          </a:p>
-        </p:txBody>
-      </p:sp>
-      <p:sp>
-        <p:nvSpPr>
-          <p:cNvPr id="6" name="矩形 5"/>
+              <a:t>a</a:t>
+            </a:r>
+            <a:endParaRPr lang="zh-CN" altLang="en-US"/>
+          </a:p>
+        </p:txBody>
+      </p:sp>
+      <p:sp>
+        <p:nvSpPr>
+          <p:cNvPr id="5" name="矩形 4"/>
           <p:cNvSpPr/>
           <p:nvPr/>
         </p:nvSpPr>
         <p:spPr>
           <a:xfrm>
-            <a:off x="3703318" y="5669280"/>
-            <a:ext cx="914400" cy="415637"/>
+            <a:off x="1195955" y="4227484"/>
+            <a:ext cx="914400" cy="914400"/>
           </a:xfrm>
           <a:prstGeom prst="rect">
             <a:avLst/>
           </a:prstGeom>
-          <a:ln>
-            <a:noFill/>
-          </a:ln>
         </p:spPr>
         <p:style>
           <a:lnRef idx="2">
@@ -7567,30 +8908,29 @@
           <a:bodyPr rtlCol="0" anchor="ctr"/>
           <a:lstStyle/>
           <a:p>
+            <a:pPr algn="ctr"/>
             <a:r>
               <a:rPr lang="en-US" altLang="zh-CN" smtClean="0"/>
-              <a:t>def F</a:t>
-            </a:r>
-          </a:p>
-        </p:txBody>
-      </p:sp>
-      <p:sp>
-        <p:nvSpPr>
-          <p:cNvPr id="7" name="椭圆 6"/>
+              <a:t>b</a:t>
+            </a:r>
+            <a:endParaRPr lang="zh-CN" altLang="en-US"/>
+          </a:p>
+        </p:txBody>
+      </p:sp>
+      <p:sp>
+        <p:nvSpPr>
+          <p:cNvPr id="6" name="矩形 5"/>
           <p:cNvSpPr/>
           <p:nvPr/>
         </p:nvSpPr>
         <p:spPr>
           <a:xfrm>
-            <a:off x="4811592" y="2103122"/>
-            <a:ext cx="1986742" cy="914400"/>
-          </a:xfrm>
-          <a:prstGeom prst="ellipse">
-            <a:avLst/>
-          </a:prstGeom>
-          <a:ln>
-            <a:noFill/>
-          </a:ln>
+            <a:off x="1195955" y="4227484"/>
+            <a:ext cx="914400" cy="914400"/>
+          </a:xfrm>
+          <a:prstGeom prst="rect">
+            <a:avLst/>
+          </a:prstGeom>
         </p:spPr>
         <p:style>
           <a:lnRef idx="2">
@@ -7615,23 +8955,205 @@
             <a:pPr algn="ctr"/>
             <a:r>
               <a:rPr lang="en-US" altLang="zh-CN" smtClean="0"/>
-              <a:t>package</a:t>
-            </a:r>
-          </a:p>
-        </p:txBody>
-      </p:sp>
-      <p:sp>
-        <p:nvSpPr>
-          <p:cNvPr id="10" name="圆角矩形 9"/>
+              <a:t>c</a:t>
+            </a:r>
+            <a:endParaRPr lang="zh-CN" altLang="en-US"/>
+          </a:p>
+        </p:txBody>
+      </p:sp>
+    </p:spTree>
+    <p:extLst>
+      <p:ext uri="{BB962C8B-B14F-4D97-AF65-F5344CB8AC3E}">
+        <p14:creationId xmlns:p14="http://schemas.microsoft.com/office/powerpoint/2010/main" val="1665081756"/>
+      </p:ext>
+    </p:extLst>
+  </p:cSld>
+  <p:clrMapOvr>
+    <a:masterClrMapping/>
+  </p:clrMapOvr>
+  <p:timing>
+    <p:tnLst>
+      <p:par>
+        <p:cTn id="1" dur="indefinite" restart="never" nodeType="tmRoot">
+          <p:childTnLst>
+            <p:seq concurrent="1" nextAc="seek">
+              <p:cTn id="2" dur="indefinite" nodeType="mainSeq">
+                <p:childTnLst>
+                  <p:par>
+                    <p:cTn id="3" fill="hold">
+                      <p:stCondLst>
+                        <p:cond delay="indefinite"/>
+                      </p:stCondLst>
+                      <p:childTnLst>
+                        <p:par>
+                          <p:cTn id="4" fill="hold">
+                            <p:stCondLst>
+                              <p:cond delay="0"/>
+                            </p:stCondLst>
+                            <p:childTnLst>
+                              <p:par>
+                                <p:cTn id="5" presetID="42" presetClass="path" presetSubtype="0" accel="50000" decel="50000" fill="hold" grpId="0" nodeType="clickEffect">
+                                  <p:stCondLst>
+                                    <p:cond delay="0"/>
+                                  </p:stCondLst>
+                                  <p:childTnLst>
+                                    <p:animMotion origin="layout" path="M 8.33333E-7 -1.85185E-6 L 0.59983 0.00093 " pathEditMode="relative" rAng="0" ptsTypes="AA">
+                                      <p:cBhvr>
+                                        <p:cTn id="6" dur="2000" fill="hold"/>
+                                        <p:tgtEl>
+                                          <p:spTgt spid="6"/>
+                                        </p:tgtEl>
+                                        <p:attrNameLst>
+                                          <p:attrName>ppt_x</p:attrName>
+                                          <p:attrName>ppt_y</p:attrName>
+                                        </p:attrNameLst>
+                                      </p:cBhvr>
+                                      <p:rCtr x="29983" y="46"/>
+                                    </p:animMotion>
+                                  </p:childTnLst>
+                                </p:cTn>
+                              </p:par>
+                            </p:childTnLst>
+                          </p:cTn>
+                        </p:par>
+                      </p:childTnLst>
+                    </p:cTn>
+                  </p:par>
+                  <p:par>
+                    <p:cTn id="7" fill="hold">
+                      <p:stCondLst>
+                        <p:cond delay="indefinite"/>
+                      </p:stCondLst>
+                      <p:childTnLst>
+                        <p:par>
+                          <p:cTn id="8" fill="hold">
+                            <p:stCondLst>
+                              <p:cond delay="0"/>
+                            </p:stCondLst>
+                            <p:childTnLst>
+                              <p:par>
+                                <p:cTn id="9" presetID="42" presetClass="path" presetSubtype="0" accel="50000" decel="50000" fill="hold" grpId="0" nodeType="clickEffect">
+                                  <p:stCondLst>
+                                    <p:cond delay="0"/>
+                                  </p:stCondLst>
+                                  <p:childTnLst>
+                                    <p:animMotion origin="layout" path="M 8.33333E-7 -1.85185E-6 L 0.30087 0.00046 " pathEditMode="relative" rAng="0" ptsTypes="AA">
+                                      <p:cBhvr>
+                                        <p:cTn id="10" dur="1000" fill="hold"/>
+                                        <p:tgtEl>
+                                          <p:spTgt spid="5"/>
+                                        </p:tgtEl>
+                                        <p:attrNameLst>
+                                          <p:attrName>ppt_x</p:attrName>
+                                          <p:attrName>ppt_y</p:attrName>
+                                        </p:attrNameLst>
+                                      </p:cBhvr>
+                                      <p:rCtr x="15035" y="23"/>
+                                    </p:animMotion>
+                                  </p:childTnLst>
+                                </p:cTn>
+                              </p:par>
+                            </p:childTnLst>
+                          </p:cTn>
+                        </p:par>
+                      </p:childTnLst>
+                    </p:cTn>
+                  </p:par>
+                </p:childTnLst>
+              </p:cTn>
+              <p:prevCondLst>
+                <p:cond evt="onPrev" delay="0">
+                  <p:tgtEl>
+                    <p:sldTgt/>
+                  </p:tgtEl>
+                </p:cond>
+              </p:prevCondLst>
+              <p:nextCondLst>
+                <p:cond evt="onNext" delay="0">
+                  <p:tgtEl>
+                    <p:sldTgt/>
+                  </p:tgtEl>
+                </p:cond>
+              </p:nextCondLst>
+            </p:seq>
+          </p:childTnLst>
+        </p:cTn>
+      </p:par>
+    </p:tnLst>
+    <p:bldLst>
+      <p:bldP spid="5" grpId="0" animBg="1"/>
+      <p:bldP spid="6" grpId="0" animBg="1"/>
+    </p:bldLst>
+  </p:timing>
+</p:sld>
+</file>
+
+<file path=ppt/slides/slide4.xml><?xml version="1.0" encoding="utf-8"?>
+<p:sld xmlns:a="http://schemas.openxmlformats.org/drawingml/2006/main" xmlns:r="http://schemas.openxmlformats.org/officeDocument/2006/relationships" xmlns:p="http://schemas.openxmlformats.org/presentationml/2006/main">
+  <p:cSld>
+    <p:spTree>
+      <p:nvGrpSpPr>
+        <p:cNvPr id="1" name=""/>
+        <p:cNvGrpSpPr/>
+        <p:nvPr/>
+      </p:nvGrpSpPr>
+      <p:grpSpPr>
+        <a:xfrm>
+          <a:off x="0" y="0"/>
+          <a:ext cx="0" cy="0"/>
+          <a:chOff x="0" y="0"/>
+          <a:chExt cx="0" cy="0"/>
+        </a:xfrm>
+      </p:grpSpPr>
+      <p:sp>
+        <p:nvSpPr>
+          <p:cNvPr id="4" name="矩形 3"/>
           <p:cNvSpPr/>
           <p:nvPr/>
         </p:nvSpPr>
         <p:spPr>
           <a:xfrm>
-            <a:off x="3596456" y="3884122"/>
-            <a:ext cx="1103188" cy="610986"/>
-          </a:xfrm>
-          <a:prstGeom prst="roundRect">
+            <a:off x="268962" y="426319"/>
+            <a:ext cx="1832553" cy="584775"/>
+          </a:xfrm>
+          <a:prstGeom prst="rect">
+            <a:avLst/>
+          </a:prstGeom>
+        </p:spPr>
+        <p:txBody>
+          <a:bodyPr wrap="none">
+            <a:spAutoFit/>
+          </a:bodyPr>
+          <a:lstStyle/>
+          <a:p>
+            <a:r>
+              <a:rPr lang="zh-CN" altLang="en-US" sz="3200" b="1">
+                <a:solidFill>
+                  <a:srgbClr val="5B9BD5"/>
+                </a:solidFill>
+              </a:rPr>
+              <a:t>模块和包</a:t>
+            </a:r>
+            <a:endParaRPr lang="en-US" altLang="zh-CN" sz="3200" b="1">
+              <a:solidFill>
+                <a:srgbClr val="5B9BD5"/>
+              </a:solidFill>
+            </a:endParaRPr>
+          </a:p>
+        </p:txBody>
+      </p:sp>
+      <p:sp>
+        <p:nvSpPr>
+          <p:cNvPr id="5" name="矩形 4"/>
+          <p:cNvSpPr/>
+          <p:nvPr/>
+        </p:nvSpPr>
+        <p:spPr>
+          <a:xfrm>
+            <a:off x="1743265" y="6888478"/>
+            <a:ext cx="914400" cy="415637"/>
+          </a:xfrm>
+          <a:prstGeom prst="rect">
             <a:avLst/>
           </a:prstGeom>
           <a:ln>
@@ -7660,25 +9182,24 @@
           <a:p>
             <a:pPr algn="ctr"/>
             <a:r>
-              <a:rPr lang="en-US" altLang="zh-CN"/>
-              <a:t>mod_a</a:t>
-            </a:r>
-            <a:endParaRPr lang="zh-CN" altLang="en-US"/>
-          </a:p>
-        </p:txBody>
-      </p:sp>
-      <p:sp>
-        <p:nvSpPr>
-          <p:cNvPr id="12" name="圆角矩形 11"/>
+              <a:rPr lang="en-US" altLang="zh-CN" b="1" smtClean="0"/>
+              <a:t>A=1</a:t>
+            </a:r>
+          </a:p>
+        </p:txBody>
+      </p:sp>
+      <p:sp>
+        <p:nvSpPr>
+          <p:cNvPr id="6" name="矩形 5"/>
           <p:cNvSpPr/>
           <p:nvPr/>
         </p:nvSpPr>
         <p:spPr>
           <a:xfrm>
-            <a:off x="6910281" y="3884122"/>
-            <a:ext cx="1103188" cy="610986"/>
-          </a:xfrm>
-          <a:prstGeom prst="roundRect">
+            <a:off x="3690850" y="6862204"/>
+            <a:ext cx="914400" cy="415637"/>
+          </a:xfrm>
+          <a:prstGeom prst="rect">
             <a:avLst/>
           </a:prstGeom>
           <a:ln>
@@ -7707,25 +9228,24 @@
           <a:p>
             <a:pPr algn="ctr"/>
             <a:r>
-              <a:rPr lang="en-US" altLang="zh-CN"/>
-              <a:t>mod_b</a:t>
-            </a:r>
-            <a:endParaRPr lang="zh-CN" altLang="en-US"/>
-          </a:p>
-        </p:txBody>
-      </p:sp>
-      <p:sp>
-        <p:nvSpPr>
-          <p:cNvPr id="13" name="矩形 12"/>
+              <a:rPr lang="en-US" altLang="zh-CN" b="1" smtClean="0"/>
+              <a:t>def F</a:t>
+            </a:r>
+          </a:p>
+        </p:txBody>
+      </p:sp>
+      <p:sp>
+        <p:nvSpPr>
+          <p:cNvPr id="7" name="椭圆 6"/>
           <p:cNvSpPr/>
           <p:nvPr/>
         </p:nvSpPr>
         <p:spPr>
           <a:xfrm>
-            <a:off x="5663371" y="5669280"/>
-            <a:ext cx="914400" cy="415637"/>
-          </a:xfrm>
-          <a:prstGeom prst="rect">
+            <a:off x="4811592" y="2103122"/>
+            <a:ext cx="1986742" cy="914400"/>
+          </a:xfrm>
+          <a:prstGeom prst="ellipse">
             <a:avLst/>
           </a:prstGeom>
           <a:ln>
@@ -7752,8 +9272,149 @@
           <a:bodyPr rtlCol="0" anchor="ctr"/>
           <a:lstStyle/>
           <a:p>
-            <a:r>
-              <a:rPr lang="en-US" altLang="zh-CN" smtClean="0"/>
+            <a:pPr algn="ctr"/>
+            <a:r>
+              <a:rPr lang="en-US" altLang="zh-CN" b="1" smtClean="0"/>
+              <a:t>package</a:t>
+            </a:r>
+          </a:p>
+        </p:txBody>
+      </p:sp>
+      <p:sp>
+        <p:nvSpPr>
+          <p:cNvPr id="10" name="圆角矩形 9"/>
+          <p:cNvSpPr/>
+          <p:nvPr/>
+        </p:nvSpPr>
+        <p:spPr>
+          <a:xfrm>
+            <a:off x="3596456" y="3884122"/>
+            <a:ext cx="1103188" cy="610986"/>
+          </a:xfrm>
+          <a:prstGeom prst="roundRect">
+            <a:avLst/>
+          </a:prstGeom>
+          <a:ln>
+            <a:noFill/>
+          </a:ln>
+        </p:spPr>
+        <p:style>
+          <a:lnRef idx="2">
+            <a:schemeClr val="accent1">
+              <a:shade val="50000"/>
+            </a:schemeClr>
+          </a:lnRef>
+          <a:fillRef idx="1">
+            <a:schemeClr val="accent1"/>
+          </a:fillRef>
+          <a:effectRef idx="0">
+            <a:schemeClr val="accent1"/>
+          </a:effectRef>
+          <a:fontRef idx="minor">
+            <a:schemeClr val="lt1"/>
+          </a:fontRef>
+        </p:style>
+        <p:txBody>
+          <a:bodyPr rtlCol="0" anchor="ctr"/>
+          <a:lstStyle/>
+          <a:p>
+            <a:pPr algn="ctr"/>
+            <a:r>
+              <a:rPr lang="en-US" altLang="zh-CN" b="1"/>
+              <a:t>mod_a</a:t>
+            </a:r>
+            <a:endParaRPr lang="zh-CN" altLang="en-US" b="1"/>
+          </a:p>
+        </p:txBody>
+      </p:sp>
+      <p:sp>
+        <p:nvSpPr>
+          <p:cNvPr id="12" name="圆角矩形 11"/>
+          <p:cNvSpPr/>
+          <p:nvPr/>
+        </p:nvSpPr>
+        <p:spPr>
+          <a:xfrm>
+            <a:off x="6910281" y="3884122"/>
+            <a:ext cx="1103188" cy="610986"/>
+          </a:xfrm>
+          <a:prstGeom prst="roundRect">
+            <a:avLst/>
+          </a:prstGeom>
+          <a:ln>
+            <a:noFill/>
+          </a:ln>
+        </p:spPr>
+        <p:style>
+          <a:lnRef idx="2">
+            <a:schemeClr val="accent1">
+              <a:shade val="50000"/>
+            </a:schemeClr>
+          </a:lnRef>
+          <a:fillRef idx="1">
+            <a:schemeClr val="accent1"/>
+          </a:fillRef>
+          <a:effectRef idx="0">
+            <a:schemeClr val="accent1"/>
+          </a:effectRef>
+          <a:fontRef idx="minor">
+            <a:schemeClr val="lt1"/>
+          </a:fontRef>
+        </p:style>
+        <p:txBody>
+          <a:bodyPr rtlCol="0" anchor="ctr"/>
+          <a:lstStyle/>
+          <a:p>
+            <a:pPr algn="ctr"/>
+            <a:r>
+              <a:rPr lang="en-US" altLang="zh-CN" b="1"/>
+              <a:t>mod_b</a:t>
+            </a:r>
+            <a:endParaRPr lang="zh-CN" altLang="en-US" b="1"/>
+          </a:p>
+        </p:txBody>
+      </p:sp>
+      <p:sp>
+        <p:nvSpPr>
+          <p:cNvPr id="13" name="矩形 12"/>
+          <p:cNvSpPr/>
+          <p:nvPr/>
+        </p:nvSpPr>
+        <p:spPr>
+          <a:xfrm>
+            <a:off x="5638435" y="6858000"/>
+            <a:ext cx="914400" cy="415637"/>
+          </a:xfrm>
+          <a:prstGeom prst="rect">
+            <a:avLst/>
+          </a:prstGeom>
+          <a:ln>
+            <a:noFill/>
+          </a:ln>
+        </p:spPr>
+        <p:style>
+          <a:lnRef idx="2">
+            <a:schemeClr val="accent1">
+              <a:shade val="50000"/>
+            </a:schemeClr>
+          </a:lnRef>
+          <a:fillRef idx="1">
+            <a:schemeClr val="accent1"/>
+          </a:fillRef>
+          <a:effectRef idx="0">
+            <a:schemeClr val="accent1"/>
+          </a:effectRef>
+          <a:fontRef idx="minor">
+            <a:schemeClr val="lt1"/>
+          </a:fontRef>
+        </p:style>
+        <p:txBody>
+          <a:bodyPr rtlCol="0" anchor="ctr"/>
+          <a:lstStyle/>
+          <a:p>
+            <a:pPr algn="ctr"/>
+            <a:r>
+              <a:rPr lang="en-US" altLang="zh-CN" b="1" smtClean="0"/>
               <a:t>class C</a:t>
             </a:r>
           </a:p>
@@ -7762,14 +9423,12 @@
       <p:cxnSp>
         <p:nvCxnSpPr>
           <p:cNvPr id="15" name="直接箭头连接符 14"/>
-          <p:cNvCxnSpPr>
-            <a:endCxn id="5" idx="0"/>
-          </p:cNvCxnSpPr>
+          <p:cNvCxnSpPr/>
           <p:nvPr/>
         </p:nvCxnSpPr>
         <p:spPr>
           <a:xfrm flipH="1">
-            <a:off x="2200465" y="4495109"/>
+            <a:off x="2238802" y="4466071"/>
             <a:ext cx="1947585" cy="1174171"/>
           </a:xfrm>
           <a:prstGeom prst="straightConnector1">
@@ -7956,10 +9615,14 @@
           <a:lstStyle/>
           <a:p>
             <a:r>
-              <a:rPr lang="zh-CN" altLang="en-US" smtClean="0"/>
-              <a:t>模块组织代码片段</a:t>
-            </a:r>
-            <a:endParaRPr lang="en-US" altLang="zh-CN"/>
+              <a:rPr lang="zh-CN" altLang="en-US" b="1" smtClean="0"/>
+              <a:t>模块</a:t>
+            </a:r>
+            <a:r>
+              <a:rPr lang="zh-CN" altLang="en-US" b="1" smtClean="0"/>
+              <a:t>组织代码片段</a:t>
+            </a:r>
+            <a:endParaRPr lang="en-US" altLang="zh-CN" b="1"/>
           </a:p>
         </p:txBody>
       </p:sp>
@@ -7985,10 +9648,10 @@
           <a:lstStyle/>
           <a:p>
             <a:r>
-              <a:rPr lang="zh-CN" altLang="en-US" smtClean="0"/>
+              <a:rPr lang="zh-CN" altLang="en-US" b="1" smtClean="0"/>
               <a:t>包组织模块</a:t>
             </a:r>
-            <a:endParaRPr lang="en-US" altLang="zh-CN"/>
+            <a:endParaRPr lang="en-US" altLang="zh-CN" b="1"/>
           </a:p>
         </p:txBody>
       </p:sp>
@@ -7996,6 +9659,751 @@
     <p:extLst>
       <p:ext uri="{BB962C8B-B14F-4D97-AF65-F5344CB8AC3E}">
         <p14:creationId xmlns:p14="http://schemas.microsoft.com/office/powerpoint/2010/main" val="1416451546"/>
+      </p:ext>
+    </p:extLst>
+  </p:cSld>
+  <p:clrMapOvr>
+    <a:masterClrMapping/>
+  </p:clrMapOvr>
+  <p:timing>
+    <p:tnLst>
+      <p:par>
+        <p:cTn id="1" dur="indefinite" restart="never" nodeType="tmRoot">
+          <p:childTnLst>
+            <p:seq concurrent="1" nextAc="seek">
+              <p:cTn id="2" dur="indefinite" nodeType="mainSeq">
+                <p:childTnLst>
+                  <p:par>
+                    <p:cTn id="3" fill="hold">
+                      <p:stCondLst>
+                        <p:cond delay="indefinite"/>
+                      </p:stCondLst>
+                      <p:childTnLst>
+                        <p:par>
+                          <p:cTn id="4" fill="hold">
+                            <p:stCondLst>
+                              <p:cond delay="0"/>
+                            </p:stCondLst>
+                            <p:childTnLst>
+                              <p:par>
+                                <p:cTn id="5" presetID="42" presetClass="path" presetSubtype="0" accel="50000" decel="50000" fill="hold" grpId="0" nodeType="clickEffect">
+                                  <p:stCondLst>
+                                    <p:cond delay="0"/>
+                                  </p:stCondLst>
+                                  <p:childTnLst>
+                                    <p:animMotion origin="layout" path="M 5E-6 -2.22222E-6 L 5E-6 -0.14745 " pathEditMode="relative" rAng="0" ptsTypes="AA">
+                                      <p:cBhvr>
+                                        <p:cTn id="6" dur="2000" fill="hold"/>
+                                        <p:tgtEl>
+                                          <p:spTgt spid="5"/>
+                                        </p:tgtEl>
+                                        <p:attrNameLst>
+                                          <p:attrName>ppt_x</p:attrName>
+                                          <p:attrName>ppt_y</p:attrName>
+                                        </p:attrNameLst>
+                                      </p:cBhvr>
+                                      <p:rCtr x="0" y="-7384"/>
+                                    </p:animMotion>
+                                  </p:childTnLst>
+                                </p:cTn>
+                              </p:par>
+                              <p:par>
+                                <p:cTn id="7" presetID="42" presetClass="path" presetSubtype="0" accel="50000" decel="50000" fill="hold" grpId="0" nodeType="withEffect">
+                                  <p:stCondLst>
+                                    <p:cond delay="0"/>
+                                  </p:stCondLst>
+                                  <p:childTnLst>
+                                    <p:animMotion origin="layout" path="M 4.16667E-6 2.96296E-6 L 0.00277 -0.14352 " pathEditMode="relative" rAng="0" ptsTypes="AA">
+                                      <p:cBhvr>
+                                        <p:cTn id="8" dur="2000" fill="hold"/>
+                                        <p:tgtEl>
+                                          <p:spTgt spid="6"/>
+                                        </p:tgtEl>
+                                        <p:attrNameLst>
+                                          <p:attrName>ppt_x</p:attrName>
+                                          <p:attrName>ppt_y</p:attrName>
+                                        </p:attrNameLst>
+                                      </p:cBhvr>
+                                      <p:rCtr x="139" y="-7176"/>
+                                    </p:animMotion>
+                                  </p:childTnLst>
+                                </p:cTn>
+                              </p:par>
+                              <p:par>
+                                <p:cTn id="9" presetID="42" presetClass="path" presetSubtype="0" accel="50000" decel="50000" fill="hold" grpId="0" nodeType="withEffect">
+                                  <p:stCondLst>
+                                    <p:cond delay="0"/>
+                                  </p:stCondLst>
+                                  <p:childTnLst>
+                                    <p:animMotion origin="layout" path="M 3.33333E-6 -4.07407E-6 L 3.33333E-6 -0.12916 " pathEditMode="relative" rAng="0" ptsTypes="AA">
+                                      <p:cBhvr>
+                                        <p:cTn id="10" dur="2000" fill="hold"/>
+                                        <p:tgtEl>
+                                          <p:spTgt spid="13"/>
+                                        </p:tgtEl>
+                                        <p:attrNameLst>
+                                          <p:attrName>ppt_x</p:attrName>
+                                          <p:attrName>ppt_y</p:attrName>
+                                        </p:attrNameLst>
+                                      </p:cBhvr>
+                                      <p:rCtr x="0" y="-6458"/>
+                                    </p:animMotion>
+                                  </p:childTnLst>
+                                </p:cTn>
+                              </p:par>
+                            </p:childTnLst>
+                          </p:cTn>
+                        </p:par>
+                        <p:par>
+                          <p:cTn id="11" fill="hold">
+                            <p:stCondLst>
+                              <p:cond delay="2000"/>
+                            </p:stCondLst>
+                            <p:childTnLst>
+                              <p:par>
+                                <p:cTn id="12" presetID="22" presetClass="entr" presetSubtype="1" fill="hold" nodeType="afterEffect">
+                                  <p:stCondLst>
+                                    <p:cond delay="0"/>
+                                  </p:stCondLst>
+                                  <p:childTnLst>
+                                    <p:set>
+                                      <p:cBhvr>
+                                        <p:cTn id="13" dur="1" fill="hold">
+                                          <p:stCondLst>
+                                            <p:cond delay="0"/>
+                                          </p:stCondLst>
+                                        </p:cTn>
+                                        <p:tgtEl>
+                                          <p:spTgt spid="15"/>
+                                        </p:tgtEl>
+                                        <p:attrNameLst>
+                                          <p:attrName>style.visibility</p:attrName>
+                                        </p:attrNameLst>
+                                      </p:cBhvr>
+                                      <p:to>
+                                        <p:strVal val="visible"/>
+                                      </p:to>
+                                    </p:set>
+                                    <p:animEffect transition="in" filter="wipe(up)">
+                                      <p:cBhvr>
+                                        <p:cTn id="14" dur="500"/>
+                                        <p:tgtEl>
+                                          <p:spTgt spid="15"/>
+                                        </p:tgtEl>
+                                      </p:cBhvr>
+                                    </p:animEffect>
+                                  </p:childTnLst>
+                                </p:cTn>
+                              </p:par>
+                            </p:childTnLst>
+                          </p:cTn>
+                        </p:par>
+                      </p:childTnLst>
+                    </p:cTn>
+                  </p:par>
+                </p:childTnLst>
+              </p:cTn>
+              <p:prevCondLst>
+                <p:cond evt="onPrev" delay="0">
+                  <p:tgtEl>
+                    <p:sldTgt/>
+                  </p:tgtEl>
+                </p:cond>
+              </p:prevCondLst>
+              <p:nextCondLst>
+                <p:cond evt="onNext" delay="0">
+                  <p:tgtEl>
+                    <p:sldTgt/>
+                  </p:tgtEl>
+                </p:cond>
+              </p:nextCondLst>
+            </p:seq>
+          </p:childTnLst>
+        </p:cTn>
+      </p:par>
+    </p:tnLst>
+    <p:bldLst>
+      <p:bldP spid="5" grpId="0" animBg="1"/>
+      <p:bldP spid="6" grpId="0" animBg="1"/>
+      <p:bldP spid="13" grpId="0" animBg="1"/>
+    </p:bldLst>
+  </p:timing>
+</p:sld>
+</file>
+
+<file path=ppt/slides/slide5.xml><?xml version="1.0" encoding="utf-8"?>
+<p:sld xmlns:a="http://schemas.openxmlformats.org/drawingml/2006/main" xmlns:r="http://schemas.openxmlformats.org/officeDocument/2006/relationships" xmlns:p="http://schemas.openxmlformats.org/presentationml/2006/main">
+  <p:cSld>
+    <p:spTree>
+      <p:nvGrpSpPr>
+        <p:cNvPr id="1" name=""/>
+        <p:cNvGrpSpPr/>
+        <p:nvPr/>
+      </p:nvGrpSpPr>
+      <p:grpSpPr>
+        <a:xfrm>
+          <a:off x="0" y="0"/>
+          <a:ext cx="0" cy="0"/>
+          <a:chOff x="0" y="0"/>
+          <a:chExt cx="0" cy="0"/>
+        </a:xfrm>
+      </p:grpSpPr>
+      <p:sp>
+        <p:nvSpPr>
+          <p:cNvPr id="4" name="矩形 3"/>
+          <p:cNvSpPr/>
+          <p:nvPr/>
+        </p:nvSpPr>
+        <p:spPr>
+          <a:xfrm>
+            <a:off x="268962" y="426319"/>
+            <a:ext cx="1832553" cy="584775"/>
+          </a:xfrm>
+          <a:prstGeom prst="rect">
+            <a:avLst/>
+          </a:prstGeom>
+        </p:spPr>
+        <p:txBody>
+          <a:bodyPr wrap="none">
+            <a:spAutoFit/>
+          </a:bodyPr>
+          <a:lstStyle/>
+          <a:p>
+            <a:r>
+              <a:rPr lang="zh-CN" altLang="en-US" sz="3200" b="1">
+                <a:solidFill>
+                  <a:srgbClr val="5B9BD5"/>
+                </a:solidFill>
+              </a:rPr>
+              <a:t>模块和包</a:t>
+            </a:r>
+            <a:endParaRPr lang="en-US" altLang="zh-CN" sz="3200" b="1">
+              <a:solidFill>
+                <a:srgbClr val="5B9BD5"/>
+              </a:solidFill>
+            </a:endParaRPr>
+          </a:p>
+        </p:txBody>
+      </p:sp>
+      <p:sp>
+        <p:nvSpPr>
+          <p:cNvPr id="5" name="矩形 4"/>
+          <p:cNvSpPr/>
+          <p:nvPr/>
+        </p:nvSpPr>
+        <p:spPr>
+          <a:xfrm>
+            <a:off x="1743265" y="5669280"/>
+            <a:ext cx="914400" cy="415637"/>
+          </a:xfrm>
+          <a:prstGeom prst="rect">
+            <a:avLst/>
+          </a:prstGeom>
+          <a:ln>
+            <a:noFill/>
+          </a:ln>
+        </p:spPr>
+        <p:style>
+          <a:lnRef idx="2">
+            <a:schemeClr val="accent1">
+              <a:shade val="50000"/>
+            </a:schemeClr>
+          </a:lnRef>
+          <a:fillRef idx="1">
+            <a:schemeClr val="accent1"/>
+          </a:fillRef>
+          <a:effectRef idx="0">
+            <a:schemeClr val="accent1"/>
+          </a:effectRef>
+          <a:fontRef idx="minor">
+            <a:schemeClr val="lt1"/>
+          </a:fontRef>
+        </p:style>
+        <p:txBody>
+          <a:bodyPr rtlCol="0" anchor="ctr"/>
+          <a:lstStyle/>
+          <a:p>
+            <a:pPr algn="ctr"/>
+            <a:r>
+              <a:rPr lang="en-US" altLang="zh-CN" b="1" smtClean="0"/>
+              <a:t>A=1</a:t>
+            </a:r>
+          </a:p>
+        </p:txBody>
+      </p:sp>
+      <p:sp>
+        <p:nvSpPr>
+          <p:cNvPr id="6" name="矩形 5"/>
+          <p:cNvSpPr/>
+          <p:nvPr/>
+        </p:nvSpPr>
+        <p:spPr>
+          <a:xfrm>
+            <a:off x="3703318" y="5669280"/>
+            <a:ext cx="914400" cy="415637"/>
+          </a:xfrm>
+          <a:prstGeom prst="rect">
+            <a:avLst/>
+          </a:prstGeom>
+          <a:ln>
+            <a:noFill/>
+          </a:ln>
+        </p:spPr>
+        <p:style>
+          <a:lnRef idx="2">
+            <a:schemeClr val="accent1">
+              <a:shade val="50000"/>
+            </a:schemeClr>
+          </a:lnRef>
+          <a:fillRef idx="1">
+            <a:schemeClr val="accent1"/>
+          </a:fillRef>
+          <a:effectRef idx="0">
+            <a:schemeClr val="accent1"/>
+          </a:effectRef>
+          <a:fontRef idx="minor">
+            <a:schemeClr val="lt1"/>
+          </a:fontRef>
+        </p:style>
+        <p:txBody>
+          <a:bodyPr rtlCol="0" anchor="ctr"/>
+          <a:lstStyle/>
+          <a:p>
+            <a:pPr algn="ctr"/>
+            <a:r>
+              <a:rPr lang="en-US" altLang="zh-CN" b="1" smtClean="0"/>
+              <a:t>def F</a:t>
+            </a:r>
+          </a:p>
+        </p:txBody>
+      </p:sp>
+      <p:sp>
+        <p:nvSpPr>
+          <p:cNvPr id="7" name="椭圆 6"/>
+          <p:cNvSpPr/>
+          <p:nvPr/>
+        </p:nvSpPr>
+        <p:spPr>
+          <a:xfrm>
+            <a:off x="4811592" y="2103122"/>
+            <a:ext cx="1986742" cy="914400"/>
+          </a:xfrm>
+          <a:prstGeom prst="ellipse">
+            <a:avLst/>
+          </a:prstGeom>
+          <a:ln>
+            <a:noFill/>
+          </a:ln>
+        </p:spPr>
+        <p:style>
+          <a:lnRef idx="2">
+            <a:schemeClr val="accent1">
+              <a:shade val="50000"/>
+            </a:schemeClr>
+          </a:lnRef>
+          <a:fillRef idx="1">
+            <a:schemeClr val="accent1"/>
+          </a:fillRef>
+          <a:effectRef idx="0">
+            <a:schemeClr val="accent1"/>
+          </a:effectRef>
+          <a:fontRef idx="minor">
+            <a:schemeClr val="lt1"/>
+          </a:fontRef>
+        </p:style>
+        <p:txBody>
+          <a:bodyPr rtlCol="0" anchor="ctr"/>
+          <a:lstStyle/>
+          <a:p>
+            <a:pPr algn="ctr"/>
+            <a:r>
+              <a:rPr lang="en-US" altLang="zh-CN" b="1" smtClean="0"/>
+              <a:t>package</a:t>
+            </a:r>
+          </a:p>
+        </p:txBody>
+      </p:sp>
+      <p:sp>
+        <p:nvSpPr>
+          <p:cNvPr id="10" name="圆角矩形 9"/>
+          <p:cNvSpPr/>
+          <p:nvPr/>
+        </p:nvSpPr>
+        <p:spPr>
+          <a:xfrm>
+            <a:off x="3596456" y="3884122"/>
+            <a:ext cx="1103188" cy="610986"/>
+          </a:xfrm>
+          <a:prstGeom prst="roundRect">
+            <a:avLst/>
+          </a:prstGeom>
+          <a:ln>
+            <a:noFill/>
+          </a:ln>
+        </p:spPr>
+        <p:style>
+          <a:lnRef idx="2">
+            <a:schemeClr val="accent1">
+              <a:shade val="50000"/>
+            </a:schemeClr>
+          </a:lnRef>
+          <a:fillRef idx="1">
+            <a:schemeClr val="accent1"/>
+          </a:fillRef>
+          <a:effectRef idx="0">
+            <a:schemeClr val="accent1"/>
+          </a:effectRef>
+          <a:fontRef idx="minor">
+            <a:schemeClr val="lt1"/>
+          </a:fontRef>
+        </p:style>
+        <p:txBody>
+          <a:bodyPr rtlCol="0" anchor="ctr"/>
+          <a:lstStyle/>
+          <a:p>
+            <a:pPr algn="ctr"/>
+            <a:r>
+              <a:rPr lang="en-US" altLang="zh-CN" b="1"/>
+              <a:t>mod_a</a:t>
+            </a:r>
+            <a:endParaRPr lang="zh-CN" altLang="en-US" b="1"/>
+          </a:p>
+        </p:txBody>
+      </p:sp>
+      <p:sp>
+        <p:nvSpPr>
+          <p:cNvPr id="12" name="圆角矩形 11"/>
+          <p:cNvSpPr/>
+          <p:nvPr/>
+        </p:nvSpPr>
+        <p:spPr>
+          <a:xfrm>
+            <a:off x="6910281" y="3884122"/>
+            <a:ext cx="1103188" cy="610986"/>
+          </a:xfrm>
+          <a:prstGeom prst="roundRect">
+            <a:avLst/>
+          </a:prstGeom>
+          <a:ln>
+            <a:noFill/>
+          </a:ln>
+        </p:spPr>
+        <p:style>
+          <a:lnRef idx="2">
+            <a:schemeClr val="accent1">
+              <a:shade val="50000"/>
+            </a:schemeClr>
+          </a:lnRef>
+          <a:fillRef idx="1">
+            <a:schemeClr val="accent1"/>
+          </a:fillRef>
+          <a:effectRef idx="0">
+            <a:schemeClr val="accent1"/>
+          </a:effectRef>
+          <a:fontRef idx="minor">
+            <a:schemeClr val="lt1"/>
+          </a:fontRef>
+        </p:style>
+        <p:txBody>
+          <a:bodyPr rtlCol="0" anchor="ctr"/>
+          <a:lstStyle/>
+          <a:p>
+            <a:pPr algn="ctr"/>
+            <a:r>
+              <a:rPr lang="en-US" altLang="zh-CN" b="1"/>
+              <a:t>mod_b</a:t>
+            </a:r>
+            <a:endParaRPr lang="zh-CN" altLang="en-US" b="1"/>
+          </a:p>
+        </p:txBody>
+      </p:sp>
+      <p:sp>
+        <p:nvSpPr>
+          <p:cNvPr id="13" name="矩形 12"/>
+          <p:cNvSpPr/>
+          <p:nvPr/>
+        </p:nvSpPr>
+        <p:spPr>
+          <a:xfrm>
+            <a:off x="5663371" y="5669280"/>
+            <a:ext cx="914400" cy="415637"/>
+          </a:xfrm>
+          <a:prstGeom prst="rect">
+            <a:avLst/>
+          </a:prstGeom>
+          <a:ln>
+            <a:noFill/>
+          </a:ln>
+        </p:spPr>
+        <p:style>
+          <a:lnRef idx="2">
+            <a:schemeClr val="accent1">
+              <a:shade val="50000"/>
+            </a:schemeClr>
+          </a:lnRef>
+          <a:fillRef idx="1">
+            <a:schemeClr val="accent1"/>
+          </a:fillRef>
+          <a:effectRef idx="0">
+            <a:schemeClr val="accent1"/>
+          </a:effectRef>
+          <a:fontRef idx="minor">
+            <a:schemeClr val="lt1"/>
+          </a:fontRef>
+        </p:style>
+        <p:txBody>
+          <a:bodyPr rtlCol="0" anchor="ctr"/>
+          <a:lstStyle/>
+          <a:p>
+            <a:pPr algn="ctr"/>
+            <a:r>
+              <a:rPr lang="en-US" altLang="zh-CN" b="1" smtClean="0"/>
+              <a:t>class C</a:t>
+            </a:r>
+          </a:p>
+        </p:txBody>
+      </p:sp>
+      <p:cxnSp>
+        <p:nvCxnSpPr>
+          <p:cNvPr id="15" name="直接箭头连接符 14"/>
+          <p:cNvCxnSpPr>
+            <a:endCxn id="5" idx="0"/>
+          </p:cNvCxnSpPr>
+          <p:nvPr/>
+        </p:nvCxnSpPr>
+        <p:spPr>
+          <a:xfrm flipH="1">
+            <a:off x="2200465" y="4495109"/>
+            <a:ext cx="1947585" cy="1174171"/>
+          </a:xfrm>
+          <a:prstGeom prst="straightConnector1">
+            <a:avLst/>
+          </a:prstGeom>
+          <a:ln>
+            <a:tailEnd type="triangle"/>
+          </a:ln>
+        </p:spPr>
+        <p:style>
+          <a:lnRef idx="1">
+            <a:schemeClr val="accent1"/>
+          </a:lnRef>
+          <a:fillRef idx="0">
+            <a:schemeClr val="accent1"/>
+          </a:fillRef>
+          <a:effectRef idx="0">
+            <a:schemeClr val="accent1"/>
+          </a:effectRef>
+          <a:fontRef idx="minor">
+            <a:schemeClr val="tx1"/>
+          </a:fontRef>
+        </p:style>
+      </p:cxnSp>
+      <p:cxnSp>
+        <p:nvCxnSpPr>
+          <p:cNvPr id="23" name="直接箭头连接符 22"/>
+          <p:cNvCxnSpPr>
+            <a:stCxn id="10" idx="2"/>
+          </p:cNvCxnSpPr>
+          <p:nvPr/>
+        </p:nvCxnSpPr>
+        <p:spPr>
+          <a:xfrm>
+            <a:off x="4148050" y="4495108"/>
+            <a:ext cx="1" cy="1185600"/>
+          </a:xfrm>
+          <a:prstGeom prst="straightConnector1">
+            <a:avLst/>
+          </a:prstGeom>
+          <a:ln>
+            <a:tailEnd type="triangle"/>
+          </a:ln>
+        </p:spPr>
+        <p:style>
+          <a:lnRef idx="1">
+            <a:schemeClr val="accent1"/>
+          </a:lnRef>
+          <a:fillRef idx="0">
+            <a:schemeClr val="accent1"/>
+          </a:fillRef>
+          <a:effectRef idx="0">
+            <a:schemeClr val="accent1"/>
+          </a:effectRef>
+          <a:fontRef idx="minor">
+            <a:schemeClr val="tx1"/>
+          </a:fontRef>
+        </p:style>
+      </p:cxnSp>
+      <p:cxnSp>
+        <p:nvCxnSpPr>
+          <p:cNvPr id="25" name="直接箭头连接符 24"/>
+          <p:cNvCxnSpPr>
+            <a:stCxn id="10" idx="2"/>
+          </p:cNvCxnSpPr>
+          <p:nvPr/>
+        </p:nvCxnSpPr>
+        <p:spPr>
+          <a:xfrm>
+            <a:off x="4148050" y="4495108"/>
+            <a:ext cx="1994508" cy="1185600"/>
+          </a:xfrm>
+          <a:prstGeom prst="straightConnector1">
+            <a:avLst/>
+          </a:prstGeom>
+          <a:ln>
+            <a:tailEnd type="triangle"/>
+          </a:ln>
+        </p:spPr>
+        <p:style>
+          <a:lnRef idx="1">
+            <a:schemeClr val="accent1"/>
+          </a:lnRef>
+          <a:fillRef idx="0">
+            <a:schemeClr val="accent1"/>
+          </a:fillRef>
+          <a:effectRef idx="0">
+            <a:schemeClr val="accent1"/>
+          </a:effectRef>
+          <a:fontRef idx="minor">
+            <a:schemeClr val="tx1"/>
+          </a:fontRef>
+        </p:style>
+      </p:cxnSp>
+      <p:cxnSp>
+        <p:nvCxnSpPr>
+          <p:cNvPr id="27" name="直接箭头连接符 26"/>
+          <p:cNvCxnSpPr>
+            <a:stCxn id="7" idx="4"/>
+          </p:cNvCxnSpPr>
+          <p:nvPr/>
+        </p:nvCxnSpPr>
+        <p:spPr>
+          <a:xfrm flipH="1">
+            <a:off x="4148051" y="3017522"/>
+            <a:ext cx="1656912" cy="855172"/>
+          </a:xfrm>
+          <a:prstGeom prst="straightConnector1">
+            <a:avLst/>
+          </a:prstGeom>
+          <a:ln>
+            <a:tailEnd type="triangle"/>
+          </a:ln>
+        </p:spPr>
+        <p:style>
+          <a:lnRef idx="1">
+            <a:schemeClr val="accent1"/>
+          </a:lnRef>
+          <a:fillRef idx="0">
+            <a:schemeClr val="accent1"/>
+          </a:fillRef>
+          <a:effectRef idx="0">
+            <a:schemeClr val="accent1"/>
+          </a:effectRef>
+          <a:fontRef idx="minor">
+            <a:schemeClr val="tx1"/>
+          </a:fontRef>
+        </p:style>
+      </p:cxnSp>
+      <p:cxnSp>
+        <p:nvCxnSpPr>
+          <p:cNvPr id="29" name="直接箭头连接符 28"/>
+          <p:cNvCxnSpPr>
+            <a:stCxn id="7" idx="4"/>
+          </p:cNvCxnSpPr>
+          <p:nvPr/>
+        </p:nvCxnSpPr>
+        <p:spPr>
+          <a:xfrm>
+            <a:off x="5804963" y="3017522"/>
+            <a:ext cx="1656912" cy="866600"/>
+          </a:xfrm>
+          <a:prstGeom prst="straightConnector1">
+            <a:avLst/>
+          </a:prstGeom>
+          <a:ln>
+            <a:tailEnd type="triangle"/>
+          </a:ln>
+        </p:spPr>
+        <p:style>
+          <a:lnRef idx="1">
+            <a:schemeClr val="accent1"/>
+          </a:lnRef>
+          <a:fillRef idx="0">
+            <a:schemeClr val="accent1"/>
+          </a:fillRef>
+          <a:effectRef idx="0">
+            <a:schemeClr val="accent1"/>
+          </a:effectRef>
+          <a:fontRef idx="minor">
+            <a:schemeClr val="tx1"/>
+          </a:fontRef>
+        </p:style>
+      </p:cxnSp>
+      <p:sp>
+        <p:nvSpPr>
+          <p:cNvPr id="31" name="矩形 30"/>
+          <p:cNvSpPr/>
+          <p:nvPr/>
+        </p:nvSpPr>
+        <p:spPr>
+          <a:xfrm>
+            <a:off x="268962" y="1401679"/>
+            <a:ext cx="2031325" cy="369332"/>
+          </a:xfrm>
+          <a:prstGeom prst="rect">
+            <a:avLst/>
+          </a:prstGeom>
+        </p:spPr>
+        <p:txBody>
+          <a:bodyPr wrap="none">
+            <a:spAutoFit/>
+          </a:bodyPr>
+          <a:lstStyle/>
+          <a:p>
+            <a:r>
+              <a:rPr lang="zh-CN" altLang="en-US" b="1" smtClean="0"/>
+              <a:t>模块</a:t>
+            </a:r>
+            <a:r>
+              <a:rPr lang="zh-CN" altLang="en-US" b="1" smtClean="0"/>
+              <a:t>组织代码片段</a:t>
+            </a:r>
+            <a:endParaRPr lang="en-US" altLang="zh-CN" b="1"/>
+          </a:p>
+        </p:txBody>
+      </p:sp>
+      <p:sp>
+        <p:nvSpPr>
+          <p:cNvPr id="32" name="矩形 31"/>
+          <p:cNvSpPr/>
+          <p:nvPr/>
+        </p:nvSpPr>
+        <p:spPr>
+          <a:xfrm>
+            <a:off x="268962" y="2007707"/>
+            <a:ext cx="1338828" cy="369332"/>
+          </a:xfrm>
+          <a:prstGeom prst="rect">
+            <a:avLst/>
+          </a:prstGeom>
+        </p:spPr>
+        <p:txBody>
+          <a:bodyPr wrap="none">
+            <a:spAutoFit/>
+          </a:bodyPr>
+          <a:lstStyle/>
+          <a:p>
+            <a:r>
+              <a:rPr lang="zh-CN" altLang="en-US" b="1" smtClean="0"/>
+              <a:t>包组织模块</a:t>
+            </a:r>
+            <a:endParaRPr lang="en-US" altLang="zh-CN" b="1"/>
+          </a:p>
+        </p:txBody>
+      </p:sp>
+    </p:spTree>
+    <p:extLst>
+      <p:ext uri="{BB962C8B-B14F-4D97-AF65-F5344CB8AC3E}">
+        <p14:creationId xmlns:p14="http://schemas.microsoft.com/office/powerpoint/2010/main" val="1205768075"/>
       </p:ext>
     </p:extLst>
   </p:cSld>
@@ -8012,7 +10420,7 @@
 </p:sld>
 </file>
 
-<file path=ppt/slides/slide4.xml><?xml version="1.0" encoding="utf-8"?>
+<file path=ppt/slides/slide6.xml><?xml version="1.0" encoding="utf-8"?>
 <p:sld xmlns:a="http://schemas.openxmlformats.org/drawingml/2006/main" xmlns:r="http://schemas.openxmlformats.org/officeDocument/2006/relationships" xmlns:p="http://schemas.openxmlformats.org/presentationml/2006/main">
   <p:cSld>
     <p:bg>
@@ -9279,7 +11687,7 @@
 </p:sld>
 </file>
 
-<file path=ppt/slides/slide5.xml><?xml version="1.0" encoding="utf-8"?>
+<file path=ppt/slides/slide7.xml><?xml version="1.0" encoding="utf-8"?>
 <p:sld xmlns:a="http://schemas.openxmlformats.org/drawingml/2006/main" xmlns:r="http://schemas.openxmlformats.org/officeDocument/2006/relationships" xmlns:p="http://schemas.openxmlformats.org/presentationml/2006/main">
   <p:cSld>
     <p:spTree>
@@ -9988,907 +12396,6 @@
 </p:sld>
 </file>
 
-<file path=ppt/slides/slide6.xml><?xml version="1.0" encoding="utf-8"?>
-<p:sld xmlns:a="http://schemas.openxmlformats.org/drawingml/2006/main" xmlns:r="http://schemas.openxmlformats.org/officeDocument/2006/relationships" xmlns:p="http://schemas.openxmlformats.org/presentationml/2006/main">
-  <p:cSld>
-    <p:spTree>
-      <p:nvGrpSpPr>
-        <p:cNvPr id="1" name=""/>
-        <p:cNvGrpSpPr/>
-        <p:nvPr/>
-      </p:nvGrpSpPr>
-      <p:grpSpPr>
-        <a:xfrm>
-          <a:off x="0" y="0"/>
-          <a:ext cx="0" cy="0"/>
-          <a:chOff x="0" y="0"/>
-          <a:chExt cx="0" cy="0"/>
-        </a:xfrm>
-      </p:grpSpPr>
-      <p:sp>
-        <p:nvSpPr>
-          <p:cNvPr id="29" name="流程图: 可选过程 28"/>
-          <p:cNvSpPr/>
-          <p:nvPr/>
-        </p:nvSpPr>
-        <p:spPr>
-          <a:xfrm>
-            <a:off x="860470" y="179133"/>
-            <a:ext cx="1487978" cy="479644"/>
-          </a:xfrm>
-          <a:prstGeom prst="flowChartAlternateProcess">
-            <a:avLst/>
-          </a:prstGeom>
-        </p:spPr>
-        <p:style>
-          <a:lnRef idx="2">
-            <a:schemeClr val="accent1">
-              <a:shade val="50000"/>
-            </a:schemeClr>
-          </a:lnRef>
-          <a:fillRef idx="1">
-            <a:schemeClr val="accent1"/>
-          </a:fillRef>
-          <a:effectRef idx="0">
-            <a:schemeClr val="accent1"/>
-          </a:effectRef>
-          <a:fontRef idx="minor">
-            <a:schemeClr val="lt1"/>
-          </a:fontRef>
-        </p:style>
-        <p:txBody>
-          <a:bodyPr rtlCol="0" anchor="ctr"/>
-          <a:lstStyle/>
-          <a:p>
-            <a:pPr algn="ctr"/>
-            <a:r>
-              <a:rPr lang="en-US" altLang="zh-CN" b="1"/>
-              <a:t>find_module</a:t>
-            </a:r>
-            <a:endParaRPr lang="zh-CN" altLang="en-US" b="1"/>
-          </a:p>
-        </p:txBody>
-      </p:sp>
-      <p:sp>
-        <p:nvSpPr>
-          <p:cNvPr id="25" name="流程图: 可选过程 24"/>
-          <p:cNvSpPr/>
-          <p:nvPr/>
-        </p:nvSpPr>
-        <p:spPr>
-          <a:xfrm>
-            <a:off x="765129" y="2139658"/>
-            <a:ext cx="1678659" cy="479644"/>
-          </a:xfrm>
-          <a:prstGeom prst="flowChartAlternateProcess">
-            <a:avLst/>
-          </a:prstGeom>
-        </p:spPr>
-        <p:style>
-          <a:lnRef idx="2">
-            <a:schemeClr val="accent1">
-              <a:shade val="50000"/>
-            </a:schemeClr>
-          </a:lnRef>
-          <a:fillRef idx="1">
-            <a:schemeClr val="accent1"/>
-          </a:fillRef>
-          <a:effectRef idx="0">
-            <a:schemeClr val="accent1"/>
-          </a:effectRef>
-          <a:fontRef idx="minor">
-            <a:schemeClr val="lt1"/>
-          </a:fontRef>
-        </p:style>
-        <p:txBody>
-          <a:bodyPr rtlCol="0" anchor="ctr"/>
-          <a:lstStyle/>
-          <a:p>
-            <a:pPr algn="ctr"/>
-            <a:r>
-              <a:rPr lang="en-US" altLang="zh-CN" b="1"/>
-              <a:t>sys. meta_path</a:t>
-            </a:r>
-            <a:endParaRPr lang="zh-CN" altLang="en-US" b="1"/>
-          </a:p>
-        </p:txBody>
-      </p:sp>
-      <p:sp>
-        <p:nvSpPr>
-          <p:cNvPr id="6" name="矩形 5"/>
-          <p:cNvSpPr/>
-          <p:nvPr/>
-        </p:nvSpPr>
-        <p:spPr>
-          <a:xfrm>
-            <a:off x="3732414" y="1507527"/>
-            <a:ext cx="4572000" cy="3693319"/>
-          </a:xfrm>
-          <a:prstGeom prst="rect">
-            <a:avLst/>
-          </a:prstGeom>
-        </p:spPr>
-        <p:txBody>
-          <a:bodyPr>
-            <a:spAutoFit/>
-          </a:bodyPr>
-          <a:lstStyle/>
-          <a:p>
-            <a:r>
-              <a:rPr lang="zh-CN" altLang="en-US"/>
-              <a:t>class CFinder:</a:t>
-            </a:r>
-          </a:p>
-          <a:p>
-            <a:r>
-              <a:rPr lang="zh-CN" altLang="en-US"/>
-              <a:t>	def find_module(self,fullname,path=None):</a:t>
-            </a:r>
-          </a:p>
-          <a:p>
-            <a:r>
-              <a:rPr lang="zh-CN" altLang="en-US"/>
-              <a:t>		if fullname=="xxx":</a:t>
-            </a:r>
-          </a:p>
-          <a:p>
-            <a:r>
-              <a:rPr lang="zh-CN" altLang="en-US"/>
-              <a:t>			return self</a:t>
-            </a:r>
-          </a:p>
-          <a:p>
-            <a:r>
-              <a:rPr lang="zh-CN" altLang="en-US"/>
-              <a:t>	def load_module(self,fullname):</a:t>
-            </a:r>
-          </a:p>
-          <a:p>
-            <a:r>
-              <a:rPr lang="zh-CN" altLang="en-US"/>
-              <a:t>		import sys</a:t>
-            </a:r>
-          </a:p>
-          <a:p>
-            <a:r>
-              <a:rPr lang="zh-CN" altLang="en-US"/>
-              <a:t>		return sys</a:t>
-            </a:r>
-          </a:p>
-          <a:p>
-            <a:r>
-              <a:rPr lang="zh-CN" altLang="en-US"/>
-              <a:t>	</a:t>
-            </a:r>
-          </a:p>
-          <a:p>
-            <a:r>
-              <a:rPr lang="zh-CN" altLang="en-US"/>
-              <a:t>sys.meta_path.append(CFinder())</a:t>
-            </a:r>
-          </a:p>
-          <a:p>
-            <a:r>
-              <a:rPr lang="zh-CN" altLang="en-US"/>
-              <a:t>import xxx</a:t>
-            </a:r>
-          </a:p>
-          <a:p>
-            <a:r>
-              <a:rPr lang="zh-CN" altLang="en-US"/>
-              <a:t>xxx</a:t>
-            </a:r>
-          </a:p>
-          <a:p>
-            <a:r>
-              <a:rPr lang="zh-CN" altLang="en-US"/>
-              <a:t>&lt;module 'sys' (built-in)&gt;</a:t>
-            </a:r>
-          </a:p>
-        </p:txBody>
-      </p:sp>
-    </p:spTree>
-    <p:extLst>
-      <p:ext uri="{BB962C8B-B14F-4D97-AF65-F5344CB8AC3E}">
-        <p14:creationId xmlns:p14="http://schemas.microsoft.com/office/powerpoint/2010/main" val="853786558"/>
-      </p:ext>
-    </p:extLst>
-  </p:cSld>
-  <p:clrMapOvr>
-    <a:masterClrMapping/>
-  </p:clrMapOvr>
-  <p:timing>
-    <p:tnLst>
-      <p:par>
-        <p:cTn id="1" dur="indefinite" restart="never" nodeType="tmRoot"/>
-      </p:par>
-    </p:tnLst>
-  </p:timing>
-</p:sld>
-</file>
-
-<file path=ppt/slides/slide7.xml><?xml version="1.0" encoding="utf-8"?>
-<p:sld xmlns:a="http://schemas.openxmlformats.org/drawingml/2006/main" xmlns:r="http://schemas.openxmlformats.org/officeDocument/2006/relationships" xmlns:p="http://schemas.openxmlformats.org/presentationml/2006/main">
-  <p:cSld>
-    <p:spTree>
-      <p:nvGrpSpPr>
-        <p:cNvPr id="1" name=""/>
-        <p:cNvGrpSpPr/>
-        <p:nvPr/>
-      </p:nvGrpSpPr>
-      <p:grpSpPr>
-        <a:xfrm>
-          <a:off x="0" y="0"/>
-          <a:ext cx="0" cy="0"/>
-          <a:chOff x="0" y="0"/>
-          <a:chExt cx="0" cy="0"/>
-        </a:xfrm>
-      </p:grpSpPr>
-      <p:sp>
-        <p:nvSpPr>
-          <p:cNvPr id="29" name="流程图: 可选过程 28"/>
-          <p:cNvSpPr/>
-          <p:nvPr/>
-        </p:nvSpPr>
-        <p:spPr>
-          <a:xfrm>
-            <a:off x="860470" y="179133"/>
-            <a:ext cx="1487978" cy="479644"/>
-          </a:xfrm>
-          <a:prstGeom prst="flowChartAlternateProcess">
-            <a:avLst/>
-          </a:prstGeom>
-        </p:spPr>
-        <p:style>
-          <a:lnRef idx="2">
-            <a:schemeClr val="accent1">
-              <a:shade val="50000"/>
-            </a:schemeClr>
-          </a:lnRef>
-          <a:fillRef idx="1">
-            <a:schemeClr val="accent1"/>
-          </a:fillRef>
-          <a:effectRef idx="0">
-            <a:schemeClr val="accent1"/>
-          </a:effectRef>
-          <a:fontRef idx="minor">
-            <a:schemeClr val="lt1"/>
-          </a:fontRef>
-        </p:style>
-        <p:txBody>
-          <a:bodyPr rtlCol="0" anchor="ctr"/>
-          <a:lstStyle/>
-          <a:p>
-            <a:pPr algn="ctr"/>
-            <a:r>
-              <a:rPr lang="en-US" altLang="zh-CN" b="1"/>
-              <a:t>find_module</a:t>
-            </a:r>
-            <a:endParaRPr lang="zh-CN" altLang="en-US" b="1"/>
-          </a:p>
-        </p:txBody>
-      </p:sp>
-      <p:sp>
-        <p:nvSpPr>
-          <p:cNvPr id="2" name="流程图: 决策 1"/>
-          <p:cNvSpPr/>
-          <p:nvPr/>
-        </p:nvSpPr>
-        <p:spPr>
-          <a:xfrm>
-            <a:off x="794789" y="683174"/>
-            <a:ext cx="1236753" cy="612648"/>
-          </a:xfrm>
-          <a:prstGeom prst="flowChartDecision">
-            <a:avLst/>
-          </a:prstGeom>
-        </p:spPr>
-        <p:style>
-          <a:lnRef idx="2">
-            <a:schemeClr val="accent1">
-              <a:shade val="50000"/>
-            </a:schemeClr>
-          </a:lnRef>
-          <a:fillRef idx="1">
-            <a:schemeClr val="accent1"/>
-          </a:fillRef>
-          <a:effectRef idx="0">
-            <a:schemeClr val="accent1"/>
-          </a:effectRef>
-          <a:fontRef idx="minor">
-            <a:schemeClr val="lt1"/>
-          </a:fontRef>
-        </p:style>
-        <p:txBody>
-          <a:bodyPr rtlCol="0" anchor="ctr"/>
-          <a:lstStyle/>
-          <a:p>
-            <a:pPr algn="ctr"/>
-            <a:r>
-              <a:rPr lang="en-US" altLang="zh-CN" smtClean="0"/>
-              <a:t>path</a:t>
-            </a:r>
-            <a:endParaRPr lang="zh-CN" altLang="en-US"/>
-          </a:p>
-        </p:txBody>
-      </p:sp>
-      <p:sp>
-        <p:nvSpPr>
-          <p:cNvPr id="17" name="流程图: 决策 16"/>
-          <p:cNvSpPr/>
-          <p:nvPr/>
-        </p:nvSpPr>
-        <p:spPr>
-          <a:xfrm>
-            <a:off x="4376242" y="1673922"/>
-            <a:ext cx="1601530" cy="612648"/>
-          </a:xfrm>
-          <a:prstGeom prst="flowChartDecision">
-            <a:avLst/>
-          </a:prstGeom>
-        </p:spPr>
-        <p:style>
-          <a:lnRef idx="2">
-            <a:schemeClr val="accent1">
-              <a:shade val="50000"/>
-            </a:schemeClr>
-          </a:lnRef>
-          <a:fillRef idx="1">
-            <a:schemeClr val="accent1"/>
-          </a:fillRef>
-          <a:effectRef idx="0">
-            <a:schemeClr val="accent1"/>
-          </a:effectRef>
-          <a:fontRef idx="minor">
-            <a:schemeClr val="lt1"/>
-          </a:fontRef>
-        </p:style>
-        <p:txBody>
-          <a:bodyPr rtlCol="0" anchor="ctr"/>
-          <a:lstStyle/>
-          <a:p>
-            <a:pPr algn="ctr"/>
-            <a:r>
-              <a:rPr lang="en-US" altLang="zh-CN"/>
-              <a:t>builtin</a:t>
-            </a:r>
-            <a:endParaRPr lang="zh-CN" altLang="en-US"/>
-          </a:p>
-        </p:txBody>
-      </p:sp>
-      <p:sp>
-        <p:nvSpPr>
-          <p:cNvPr id="4" name="流程图: 终止 3"/>
-          <p:cNvSpPr/>
-          <p:nvPr/>
-        </p:nvSpPr>
-        <p:spPr>
-          <a:xfrm>
-            <a:off x="6611855" y="2488703"/>
-            <a:ext cx="914400" cy="301752"/>
-          </a:xfrm>
-          <a:prstGeom prst="flowChartTerminator">
-            <a:avLst/>
-          </a:prstGeom>
-        </p:spPr>
-        <p:style>
-          <a:lnRef idx="2">
-            <a:schemeClr val="accent1">
-              <a:shade val="50000"/>
-            </a:schemeClr>
-          </a:lnRef>
-          <a:fillRef idx="1">
-            <a:schemeClr val="accent1"/>
-          </a:fillRef>
-          <a:effectRef idx="0">
-            <a:schemeClr val="accent1"/>
-          </a:effectRef>
-          <a:fontRef idx="minor">
-            <a:schemeClr val="lt1"/>
-          </a:fontRef>
-        </p:style>
-        <p:txBody>
-          <a:bodyPr rtlCol="0" anchor="ctr"/>
-          <a:lstStyle/>
-          <a:p>
-            <a:pPr algn="ctr"/>
-            <a:r>
-              <a:rPr lang="en-US" altLang="zh-CN" smtClean="0"/>
-              <a:t>return</a:t>
-            </a:r>
-            <a:endParaRPr lang="zh-CN" altLang="en-US"/>
-          </a:p>
-        </p:txBody>
-      </p:sp>
-      <p:sp>
-        <p:nvSpPr>
-          <p:cNvPr id="18" name="流程图: 决策 17"/>
-          <p:cNvSpPr/>
-          <p:nvPr/>
-        </p:nvSpPr>
-        <p:spPr>
-          <a:xfrm>
-            <a:off x="4376242" y="3209524"/>
-            <a:ext cx="1601530" cy="612648"/>
-          </a:xfrm>
-          <a:prstGeom prst="flowChartDecision">
-            <a:avLst/>
-          </a:prstGeom>
-        </p:spPr>
-        <p:style>
-          <a:lnRef idx="2">
-            <a:schemeClr val="accent1">
-              <a:shade val="50000"/>
-            </a:schemeClr>
-          </a:lnRef>
-          <a:fillRef idx="1">
-            <a:schemeClr val="accent1"/>
-          </a:fillRef>
-          <a:effectRef idx="0">
-            <a:schemeClr val="accent1"/>
-          </a:effectRef>
-          <a:fontRef idx="minor">
-            <a:schemeClr val="lt1"/>
-          </a:fontRef>
-        </p:style>
-        <p:txBody>
-          <a:bodyPr rtlCol="0" anchor="ctr"/>
-          <a:lstStyle/>
-          <a:p>
-            <a:pPr algn="ctr"/>
-            <a:r>
-              <a:rPr lang="en-US" altLang="zh-CN"/>
-              <a:t>frozen</a:t>
-            </a:r>
-            <a:endParaRPr lang="zh-CN" altLang="en-US"/>
-          </a:p>
-        </p:txBody>
-      </p:sp>
-      <p:sp>
-        <p:nvSpPr>
-          <p:cNvPr id="20" name="流程图: 终止 19"/>
-          <p:cNvSpPr/>
-          <p:nvPr/>
-        </p:nvSpPr>
-        <p:spPr>
-          <a:xfrm>
-            <a:off x="6611855" y="4143306"/>
-            <a:ext cx="914400" cy="301752"/>
-          </a:xfrm>
-          <a:prstGeom prst="flowChartTerminator">
-            <a:avLst/>
-          </a:prstGeom>
-        </p:spPr>
-        <p:style>
-          <a:lnRef idx="2">
-            <a:schemeClr val="accent1">
-              <a:shade val="50000"/>
-            </a:schemeClr>
-          </a:lnRef>
-          <a:fillRef idx="1">
-            <a:schemeClr val="accent1"/>
-          </a:fillRef>
-          <a:effectRef idx="0">
-            <a:schemeClr val="accent1"/>
-          </a:effectRef>
-          <a:fontRef idx="minor">
-            <a:schemeClr val="lt1"/>
-          </a:fontRef>
-        </p:style>
-        <p:txBody>
-          <a:bodyPr rtlCol="0" anchor="ctr"/>
-          <a:lstStyle/>
-          <a:p>
-            <a:pPr algn="ctr"/>
-            <a:r>
-              <a:rPr lang="en-US" altLang="zh-CN" smtClean="0"/>
-              <a:t>return</a:t>
-            </a:r>
-            <a:endParaRPr lang="zh-CN" altLang="en-US"/>
-          </a:p>
-        </p:txBody>
-      </p:sp>
-      <p:sp>
-        <p:nvSpPr>
-          <p:cNvPr id="23" name="流程图: 可选过程 22"/>
-          <p:cNvSpPr/>
-          <p:nvPr/>
-        </p:nvSpPr>
-        <p:spPr>
-          <a:xfrm>
-            <a:off x="3263669" y="4294182"/>
-            <a:ext cx="1487978" cy="479644"/>
-          </a:xfrm>
-          <a:prstGeom prst="flowChartAlternateProcess">
-            <a:avLst/>
-          </a:prstGeom>
-        </p:spPr>
-        <p:style>
-          <a:lnRef idx="2">
-            <a:schemeClr val="accent1">
-              <a:shade val="50000"/>
-            </a:schemeClr>
-          </a:lnRef>
-          <a:fillRef idx="1">
-            <a:schemeClr val="accent1"/>
-          </a:fillRef>
-          <a:effectRef idx="0">
-            <a:schemeClr val="accent1"/>
-          </a:effectRef>
-          <a:fontRef idx="minor">
-            <a:schemeClr val="lt1"/>
-          </a:fontRef>
-        </p:style>
-        <p:txBody>
-          <a:bodyPr rtlCol="0" anchor="ctr"/>
-          <a:lstStyle/>
-          <a:p>
-            <a:pPr algn="ctr"/>
-            <a:r>
-              <a:rPr lang="en-US" altLang="zh-CN" b="1" smtClean="0"/>
-              <a:t>sys.path</a:t>
-            </a:r>
-            <a:endParaRPr lang="zh-CN" altLang="en-US" b="1"/>
-          </a:p>
-        </p:txBody>
-      </p:sp>
-      <p:cxnSp>
-        <p:nvCxnSpPr>
-          <p:cNvPr id="5" name="肘形连接符 4"/>
-          <p:cNvCxnSpPr>
-            <a:stCxn id="17" idx="1"/>
-            <a:endCxn id="23" idx="0"/>
-          </p:cNvCxnSpPr>
-          <p:nvPr/>
-        </p:nvCxnSpPr>
-        <p:spPr>
-          <a:xfrm rot="10800000" flipV="1">
-            <a:off x="4007658" y="1980246"/>
-            <a:ext cx="368584" cy="2313936"/>
-          </a:xfrm>
-          <a:prstGeom prst="bentConnector2">
-            <a:avLst/>
-          </a:prstGeom>
-          <a:ln>
-            <a:tailEnd type="triangle"/>
-          </a:ln>
-        </p:spPr>
-        <p:style>
-          <a:lnRef idx="1">
-            <a:schemeClr val="accent1"/>
-          </a:lnRef>
-          <a:fillRef idx="0">
-            <a:schemeClr val="accent1"/>
-          </a:fillRef>
-          <a:effectRef idx="0">
-            <a:schemeClr val="accent1"/>
-          </a:effectRef>
-          <a:fontRef idx="minor">
-            <a:schemeClr val="tx1"/>
-          </a:fontRef>
-        </p:style>
-      </p:cxnSp>
-      <p:cxnSp>
-        <p:nvCxnSpPr>
-          <p:cNvPr id="19" name="肘形连接符 18"/>
-          <p:cNvCxnSpPr>
-            <a:stCxn id="2" idx="3"/>
-            <a:endCxn id="17" idx="0"/>
-          </p:cNvCxnSpPr>
-          <p:nvPr/>
-        </p:nvCxnSpPr>
-        <p:spPr>
-          <a:xfrm>
-            <a:off x="2031542" y="989498"/>
-            <a:ext cx="3145465" cy="684424"/>
-          </a:xfrm>
-          <a:prstGeom prst="bentConnector2">
-            <a:avLst/>
-          </a:prstGeom>
-          <a:ln>
-            <a:tailEnd type="triangle"/>
-          </a:ln>
-        </p:spPr>
-        <p:style>
-          <a:lnRef idx="1">
-            <a:schemeClr val="accent1"/>
-          </a:lnRef>
-          <a:fillRef idx="0">
-            <a:schemeClr val="accent1"/>
-          </a:fillRef>
-          <a:effectRef idx="0">
-            <a:schemeClr val="accent1"/>
-          </a:effectRef>
-          <a:fontRef idx="minor">
-            <a:schemeClr val="tx1"/>
-          </a:fontRef>
-        </p:style>
-      </p:cxnSp>
-      <p:cxnSp>
-        <p:nvCxnSpPr>
-          <p:cNvPr id="21" name="肘形连接符 20"/>
-          <p:cNvCxnSpPr>
-            <a:stCxn id="17" idx="2"/>
-            <a:endCxn id="18" idx="0"/>
-          </p:cNvCxnSpPr>
-          <p:nvPr/>
-        </p:nvCxnSpPr>
-        <p:spPr>
-          <a:xfrm rot="5400000">
-            <a:off x="4715530" y="2748047"/>
-            <a:ext cx="922954" cy="12700"/>
-          </a:xfrm>
-          <a:prstGeom prst="bentConnector3">
-            <a:avLst>
-              <a:gd name="adj1" fmla="val 50000"/>
-            </a:avLst>
-          </a:prstGeom>
-          <a:ln>
-            <a:tailEnd type="triangle"/>
-          </a:ln>
-        </p:spPr>
-        <p:style>
-          <a:lnRef idx="1">
-            <a:schemeClr val="accent1"/>
-          </a:lnRef>
-          <a:fillRef idx="0">
-            <a:schemeClr val="accent1"/>
-          </a:fillRef>
-          <a:effectRef idx="0">
-            <a:schemeClr val="accent1"/>
-          </a:effectRef>
-          <a:fontRef idx="minor">
-            <a:schemeClr val="tx1"/>
-          </a:fontRef>
-        </p:style>
-      </p:cxnSp>
-      <p:cxnSp>
-        <p:nvCxnSpPr>
-          <p:cNvPr id="30" name="肘形连接符 29"/>
-          <p:cNvCxnSpPr>
-            <a:stCxn id="18" idx="3"/>
-            <a:endCxn id="20" idx="0"/>
-          </p:cNvCxnSpPr>
-          <p:nvPr/>
-        </p:nvCxnSpPr>
-        <p:spPr>
-          <a:xfrm>
-            <a:off x="5977772" y="3515848"/>
-            <a:ext cx="1091283" cy="627458"/>
-          </a:xfrm>
-          <a:prstGeom prst="bentConnector2">
-            <a:avLst/>
-          </a:prstGeom>
-          <a:ln>
-            <a:tailEnd type="triangle"/>
-          </a:ln>
-        </p:spPr>
-        <p:style>
-          <a:lnRef idx="1">
-            <a:schemeClr val="accent1"/>
-          </a:lnRef>
-          <a:fillRef idx="0">
-            <a:schemeClr val="accent1"/>
-          </a:fillRef>
-          <a:effectRef idx="0">
-            <a:schemeClr val="accent1"/>
-          </a:effectRef>
-          <a:fontRef idx="minor">
-            <a:schemeClr val="tx1"/>
-          </a:fontRef>
-        </p:style>
-      </p:cxnSp>
-      <p:cxnSp>
-        <p:nvCxnSpPr>
-          <p:cNvPr id="31" name="肘形连接符 30"/>
-          <p:cNvCxnSpPr>
-            <a:stCxn id="2" idx="1"/>
-            <a:endCxn id="52" idx="0"/>
-          </p:cNvCxnSpPr>
-          <p:nvPr/>
-        </p:nvCxnSpPr>
-        <p:spPr>
-          <a:xfrm rot="10800000" flipH="1" flipV="1">
-            <a:off x="794788" y="989498"/>
-            <a:ext cx="1470431" cy="4618096"/>
-          </a:xfrm>
-          <a:prstGeom prst="bentConnector4">
-            <a:avLst>
-              <a:gd name="adj1" fmla="val -15546"/>
-              <a:gd name="adj2" fmla="val 53317"/>
-            </a:avLst>
-          </a:prstGeom>
-          <a:ln>
-            <a:tailEnd type="triangle"/>
-          </a:ln>
-        </p:spPr>
-        <p:style>
-          <a:lnRef idx="1">
-            <a:schemeClr val="accent1"/>
-          </a:lnRef>
-          <a:fillRef idx="0">
-            <a:schemeClr val="accent1"/>
-          </a:fillRef>
-          <a:effectRef idx="0">
-            <a:schemeClr val="accent1"/>
-          </a:effectRef>
-          <a:fontRef idx="minor">
-            <a:schemeClr val="tx1"/>
-          </a:fontRef>
-        </p:style>
-      </p:cxnSp>
-      <p:cxnSp>
-        <p:nvCxnSpPr>
-          <p:cNvPr id="35" name="肘形连接符 34"/>
-          <p:cNvCxnSpPr>
-            <a:stCxn id="18" idx="1"/>
-            <a:endCxn id="23" idx="0"/>
-          </p:cNvCxnSpPr>
-          <p:nvPr/>
-        </p:nvCxnSpPr>
-        <p:spPr>
-          <a:xfrm rot="10800000" flipV="1">
-            <a:off x="4007658" y="3515848"/>
-            <a:ext cx="368584" cy="778334"/>
-          </a:xfrm>
-          <a:prstGeom prst="bentConnector2">
-            <a:avLst/>
-          </a:prstGeom>
-          <a:ln>
-            <a:tailEnd type="triangle"/>
-          </a:ln>
-        </p:spPr>
-        <p:style>
-          <a:lnRef idx="1">
-            <a:schemeClr val="accent1"/>
-          </a:lnRef>
-          <a:fillRef idx="0">
-            <a:schemeClr val="accent1"/>
-          </a:fillRef>
-          <a:effectRef idx="0">
-            <a:schemeClr val="accent1"/>
-          </a:effectRef>
-          <a:fontRef idx="minor">
-            <a:schemeClr val="tx1"/>
-          </a:fontRef>
-        </p:style>
-      </p:cxnSp>
-      <p:sp>
-        <p:nvSpPr>
-          <p:cNvPr id="52" name="流程图: 可选过程 51"/>
-          <p:cNvSpPr/>
-          <p:nvPr/>
-        </p:nvSpPr>
-        <p:spPr>
-          <a:xfrm>
-            <a:off x="1521231" y="5607594"/>
-            <a:ext cx="1487978" cy="479644"/>
-          </a:xfrm>
-          <a:prstGeom prst="flowChartAlternateProcess">
-            <a:avLst/>
-          </a:prstGeom>
-        </p:spPr>
-        <p:style>
-          <a:lnRef idx="2">
-            <a:schemeClr val="accent1">
-              <a:shade val="50000"/>
-            </a:schemeClr>
-          </a:lnRef>
-          <a:fillRef idx="1">
-            <a:schemeClr val="accent1"/>
-          </a:fillRef>
-          <a:effectRef idx="0">
-            <a:schemeClr val="accent1"/>
-          </a:effectRef>
-          <a:fontRef idx="minor">
-            <a:schemeClr val="lt1"/>
-          </a:fontRef>
-        </p:style>
-        <p:txBody>
-          <a:bodyPr rtlCol="0" anchor="ctr"/>
-          <a:lstStyle/>
-          <a:p>
-            <a:pPr algn="ctr"/>
-            <a:r>
-              <a:rPr lang="en-US" altLang="zh-CN" b="1" smtClean="0"/>
-              <a:t>path…</a:t>
-            </a:r>
-          </a:p>
-        </p:txBody>
-      </p:sp>
-      <p:cxnSp>
-        <p:nvCxnSpPr>
-          <p:cNvPr id="55" name="肘形连接符 54"/>
-          <p:cNvCxnSpPr>
-            <a:stCxn id="23" idx="2"/>
-            <a:endCxn id="52" idx="0"/>
-          </p:cNvCxnSpPr>
-          <p:nvPr/>
-        </p:nvCxnSpPr>
-        <p:spPr>
-          <a:xfrm rot="5400000">
-            <a:off x="2719555" y="4319491"/>
-            <a:ext cx="833768" cy="1742438"/>
-          </a:xfrm>
-          <a:prstGeom prst="bentConnector3">
-            <a:avLst>
-              <a:gd name="adj1" fmla="val 50000"/>
-            </a:avLst>
-          </a:prstGeom>
-          <a:ln>
-            <a:tailEnd type="triangle"/>
-          </a:ln>
-        </p:spPr>
-        <p:style>
-          <a:lnRef idx="1">
-            <a:schemeClr val="accent1"/>
-          </a:lnRef>
-          <a:fillRef idx="0">
-            <a:schemeClr val="accent1"/>
-          </a:fillRef>
-          <a:effectRef idx="0">
-            <a:schemeClr val="accent1"/>
-          </a:effectRef>
-          <a:fontRef idx="minor">
-            <a:schemeClr val="tx1"/>
-          </a:fontRef>
-        </p:style>
-      </p:cxnSp>
-      <p:cxnSp>
-        <p:nvCxnSpPr>
-          <p:cNvPr id="63" name="肘形连接符 62"/>
-          <p:cNvCxnSpPr>
-            <a:endCxn id="4" idx="0"/>
-          </p:cNvCxnSpPr>
-          <p:nvPr/>
-        </p:nvCxnSpPr>
-        <p:spPr>
-          <a:xfrm>
-            <a:off x="5941622" y="1979191"/>
-            <a:ext cx="1127433" cy="509512"/>
-          </a:xfrm>
-          <a:prstGeom prst="bentConnector2">
-            <a:avLst/>
-          </a:prstGeom>
-          <a:ln>
-            <a:tailEnd type="triangle"/>
-          </a:ln>
-        </p:spPr>
-        <p:style>
-          <a:lnRef idx="1">
-            <a:schemeClr val="accent1"/>
-          </a:lnRef>
-          <a:fillRef idx="0">
-            <a:schemeClr val="accent1"/>
-          </a:fillRef>
-          <a:effectRef idx="0">
-            <a:schemeClr val="accent1"/>
-          </a:effectRef>
-          <a:fontRef idx="minor">
-            <a:schemeClr val="tx1"/>
-          </a:fontRef>
-        </p:style>
-      </p:cxnSp>
-    </p:spTree>
-    <p:extLst>
-      <p:ext uri="{BB962C8B-B14F-4D97-AF65-F5344CB8AC3E}">
-        <p14:creationId xmlns:p14="http://schemas.microsoft.com/office/powerpoint/2010/main" val="576511135"/>
-      </p:ext>
-    </p:extLst>
-  </p:cSld>
-  <p:clrMapOvr>
-    <a:masterClrMapping/>
-  </p:clrMapOvr>
-  <p:timing>
-    <p:tnLst>
-      <p:par>
-        <p:cTn id="1" dur="indefinite" restart="never" nodeType="tmRoot"/>
-      </p:par>
-    </p:tnLst>
-  </p:timing>
-</p:sld>
-</file>
-
 <file path=ppt/slides/slide8.xml><?xml version="1.0" encoding="utf-8"?>
 <p:sld xmlns:a="http://schemas.openxmlformats.org/drawingml/2006/main" xmlns:r="http://schemas.openxmlformats.org/officeDocument/2006/relationships" xmlns:p="http://schemas.openxmlformats.org/presentationml/2006/main">
   <p:cSld>
@@ -10958,8 +12465,8 @@
         </p:nvSpPr>
         <p:spPr>
           <a:xfrm>
-            <a:off x="2955277" y="2149031"/>
-            <a:ext cx="1750238" cy="479644"/>
+            <a:off x="765129" y="2139658"/>
+            <a:ext cx="1678659" cy="479644"/>
           </a:xfrm>
           <a:prstGeom prst="flowChartAlternateProcess">
             <a:avLst/>
@@ -10988,7 +12495,7 @@
             <a:pPr algn="ctr"/>
             <a:r>
               <a:rPr lang="en-US" altLang="zh-CN" b="1"/>
-              <a:t>sys. path_hooks</a:t>
+              <a:t>sys. meta_path</a:t>
             </a:r>
             <a:endParaRPr lang="zh-CN" altLang="en-US" b="1"/>
           </a:p>
@@ -10996,373 +12503,102 @@
       </p:sp>
       <p:sp>
         <p:nvSpPr>
-          <p:cNvPr id="33" name="流程图: 可选过程 32"/>
+          <p:cNvPr id="6" name="矩形 5"/>
           <p:cNvSpPr/>
           <p:nvPr/>
         </p:nvSpPr>
         <p:spPr>
           <a:xfrm>
-            <a:off x="2955277" y="3227678"/>
-            <a:ext cx="1798785" cy="479644"/>
-          </a:xfrm>
-          <a:prstGeom prst="flowChartAlternateProcess">
-            <a:avLst/>
-          </a:prstGeom>
-        </p:spPr>
-        <p:style>
-          <a:lnRef idx="2">
-            <a:schemeClr val="accent1">
-              <a:shade val="50000"/>
-            </a:schemeClr>
-          </a:lnRef>
-          <a:fillRef idx="1">
-            <a:schemeClr val="accent1"/>
-          </a:fillRef>
-          <a:effectRef idx="0">
-            <a:schemeClr val="accent1"/>
-          </a:effectRef>
-          <a:fontRef idx="minor">
-            <a:schemeClr val="lt1"/>
-          </a:fontRef>
-        </p:style>
-        <p:txBody>
-          <a:bodyPr rtlCol="0" anchor="ctr"/>
-          <a:lstStyle/>
-          <a:p>
-            <a:pPr algn="ctr"/>
-            <a:r>
-              <a:rPr lang="en-US" altLang="zh-CN" b="1" smtClean="0"/>
-              <a:t>dir</a:t>
-            </a:r>
-          </a:p>
-        </p:txBody>
-      </p:sp>
-      <p:sp>
-        <p:nvSpPr>
-          <p:cNvPr id="36" name="流程图: 可选过程 35"/>
-          <p:cNvSpPr/>
-          <p:nvPr/>
-        </p:nvSpPr>
-        <p:spPr>
-          <a:xfrm>
-            <a:off x="2955277" y="4316979"/>
-            <a:ext cx="1798785" cy="479644"/>
-          </a:xfrm>
-          <a:prstGeom prst="flowChartAlternateProcess">
-            <a:avLst/>
-          </a:prstGeom>
-        </p:spPr>
-        <p:style>
-          <a:lnRef idx="2">
-            <a:schemeClr val="accent1">
-              <a:shade val="50000"/>
-            </a:schemeClr>
-          </a:lnRef>
-          <a:fillRef idx="1">
-            <a:schemeClr val="accent1"/>
-          </a:fillRef>
-          <a:effectRef idx="0">
-            <a:schemeClr val="accent1"/>
-          </a:effectRef>
-          <a:fontRef idx="minor">
-            <a:schemeClr val="lt1"/>
-          </a:fontRef>
-        </p:style>
-        <p:txBody>
-          <a:bodyPr rtlCol="0" anchor="ctr"/>
-          <a:lstStyle/>
-          <a:p>
-            <a:pPr algn="ctr"/>
-            <a:r>
-              <a:rPr lang="en-US" altLang="zh-CN" b="1" smtClean="0"/>
-              <a:t>file</a:t>
-            </a:r>
-            <a:endParaRPr lang="zh-CN" altLang="en-US" b="1"/>
-          </a:p>
-        </p:txBody>
-      </p:sp>
-      <p:sp>
-        <p:nvSpPr>
-          <p:cNvPr id="16" name="流程图: 决策 15"/>
-          <p:cNvSpPr/>
-          <p:nvPr/>
-        </p:nvSpPr>
-        <p:spPr>
-          <a:xfrm>
-            <a:off x="2955277" y="1026026"/>
-            <a:ext cx="1601530" cy="612648"/>
-          </a:xfrm>
-          <a:prstGeom prst="flowChartDecision">
-            <a:avLst/>
-          </a:prstGeom>
-        </p:spPr>
-        <p:style>
-          <a:lnRef idx="2">
-            <a:schemeClr val="accent1">
-              <a:shade val="50000"/>
-            </a:schemeClr>
-          </a:lnRef>
-          <a:fillRef idx="1">
-            <a:schemeClr val="accent1"/>
-          </a:fillRef>
-          <a:effectRef idx="0">
-            <a:schemeClr val="accent1"/>
-          </a:effectRef>
-          <a:fontRef idx="minor">
-            <a:schemeClr val="lt1"/>
-          </a:fontRef>
-        </p:style>
-        <p:txBody>
-          <a:bodyPr rtlCol="0" anchor="ctr"/>
-          <a:lstStyle/>
-          <a:p>
-            <a:pPr algn="ctr"/>
-            <a:r>
-              <a:rPr lang="en-US" altLang="zh-CN" smtClean="0"/>
-              <a:t>path</a:t>
-            </a:r>
-            <a:endParaRPr lang="zh-CN" altLang="en-US"/>
-          </a:p>
-        </p:txBody>
-      </p:sp>
-      <p:cxnSp>
-        <p:nvCxnSpPr>
-          <p:cNvPr id="5" name="直接箭头连接符 4"/>
-          <p:cNvCxnSpPr>
-            <a:stCxn id="16" idx="2"/>
-            <a:endCxn id="25" idx="0"/>
-          </p:cNvCxnSpPr>
-          <p:nvPr/>
-        </p:nvCxnSpPr>
-        <p:spPr>
-          <a:xfrm>
-            <a:off x="3756042" y="1638674"/>
-            <a:ext cx="74354" cy="510357"/>
-          </a:xfrm>
-          <a:prstGeom prst="straightConnector1">
-            <a:avLst/>
-          </a:prstGeom>
-          <a:ln>
-            <a:tailEnd type="triangle"/>
-          </a:ln>
-        </p:spPr>
-        <p:style>
-          <a:lnRef idx="1">
-            <a:schemeClr val="accent1"/>
-          </a:lnRef>
-          <a:fillRef idx="0">
-            <a:schemeClr val="accent1"/>
-          </a:fillRef>
-          <a:effectRef idx="0">
-            <a:schemeClr val="accent1"/>
-          </a:effectRef>
-          <a:fontRef idx="minor">
-            <a:schemeClr val="tx1"/>
-          </a:fontRef>
-        </p:style>
-      </p:cxnSp>
-      <p:cxnSp>
-        <p:nvCxnSpPr>
-          <p:cNvPr id="19" name="直接箭头连接符 18"/>
-          <p:cNvCxnSpPr>
-            <a:stCxn id="25" idx="2"/>
-            <a:endCxn id="33" idx="0"/>
-          </p:cNvCxnSpPr>
-          <p:nvPr/>
-        </p:nvCxnSpPr>
-        <p:spPr>
-          <a:xfrm>
-            <a:off x="3830396" y="2628675"/>
-            <a:ext cx="24274" cy="599003"/>
-          </a:xfrm>
-          <a:prstGeom prst="straightConnector1">
-            <a:avLst/>
-          </a:prstGeom>
-          <a:ln>
-            <a:tailEnd type="triangle"/>
-          </a:ln>
-        </p:spPr>
-        <p:style>
-          <a:lnRef idx="1">
-            <a:schemeClr val="accent1"/>
-          </a:lnRef>
-          <a:fillRef idx="0">
-            <a:schemeClr val="accent1"/>
-          </a:fillRef>
-          <a:effectRef idx="0">
-            <a:schemeClr val="accent1"/>
-          </a:effectRef>
-          <a:fontRef idx="minor">
-            <a:schemeClr val="tx1"/>
-          </a:fontRef>
-        </p:style>
-      </p:cxnSp>
-      <p:cxnSp>
-        <p:nvCxnSpPr>
-          <p:cNvPr id="22" name="直接箭头连接符 21"/>
-          <p:cNvCxnSpPr>
-            <a:stCxn id="33" idx="2"/>
-            <a:endCxn id="36" idx="0"/>
-          </p:cNvCxnSpPr>
-          <p:nvPr/>
-        </p:nvCxnSpPr>
-        <p:spPr>
-          <a:xfrm>
-            <a:off x="3854670" y="3707322"/>
-            <a:ext cx="0" cy="609657"/>
-          </a:xfrm>
-          <a:prstGeom prst="straightConnector1">
-            <a:avLst/>
-          </a:prstGeom>
-          <a:ln>
-            <a:tailEnd type="triangle"/>
-          </a:ln>
-        </p:spPr>
-        <p:style>
-          <a:lnRef idx="1">
-            <a:schemeClr val="accent1"/>
-          </a:lnRef>
-          <a:fillRef idx="0">
-            <a:schemeClr val="accent1"/>
-          </a:fillRef>
-          <a:effectRef idx="0">
-            <a:schemeClr val="accent1"/>
-          </a:effectRef>
-          <a:fontRef idx="minor">
-            <a:schemeClr val="tx1"/>
-          </a:fontRef>
-        </p:style>
-      </p:cxnSp>
-      <p:sp>
-        <p:nvSpPr>
-          <p:cNvPr id="12" name="云形 11"/>
-          <p:cNvSpPr/>
-          <p:nvPr/>
-        </p:nvSpPr>
-        <p:spPr>
-          <a:xfrm>
-            <a:off x="6168043" y="3010300"/>
-            <a:ext cx="2510443" cy="914400"/>
-          </a:xfrm>
-          <a:prstGeom prst="cloud">
-            <a:avLst/>
-          </a:prstGeom>
-        </p:spPr>
-        <p:style>
-          <a:lnRef idx="2">
-            <a:schemeClr val="accent1">
-              <a:shade val="50000"/>
-            </a:schemeClr>
-          </a:lnRef>
-          <a:fillRef idx="1">
-            <a:schemeClr val="accent1"/>
-          </a:fillRef>
-          <a:effectRef idx="0">
-            <a:schemeClr val="accent1"/>
-          </a:effectRef>
-          <a:fontRef idx="minor">
-            <a:schemeClr val="lt1"/>
-          </a:fontRef>
-        </p:style>
-        <p:txBody>
-          <a:bodyPr rtlCol="0" anchor="ctr"/>
-          <a:lstStyle/>
-          <a:p>
-            <a:pPr algn="ctr"/>
-            <a:r>
-              <a:rPr lang="en-US" altLang="zh-CN" b="1"/>
-              <a:t>__init__</a:t>
-            </a:r>
-          </a:p>
-        </p:txBody>
-      </p:sp>
-      <p:sp>
-        <p:nvSpPr>
-          <p:cNvPr id="30" name="云形 29"/>
-          <p:cNvSpPr/>
-          <p:nvPr/>
-        </p:nvSpPr>
-        <p:spPr>
-          <a:xfrm>
-            <a:off x="6350923" y="4339423"/>
-            <a:ext cx="2992581" cy="914400"/>
-          </a:xfrm>
-          <a:prstGeom prst="cloud">
-            <a:avLst/>
-          </a:prstGeom>
-        </p:spPr>
-        <p:style>
-          <a:lnRef idx="2">
-            <a:schemeClr val="accent1">
-              <a:shade val="50000"/>
-            </a:schemeClr>
-          </a:lnRef>
-          <a:fillRef idx="1">
-            <a:schemeClr val="accent1"/>
-          </a:fillRef>
-          <a:effectRef idx="0">
-            <a:schemeClr val="accent1"/>
-          </a:effectRef>
-          <a:fontRef idx="minor">
-            <a:schemeClr val="lt1"/>
-          </a:fontRef>
-        </p:style>
-        <p:txBody>
-          <a:bodyPr rtlCol="0" anchor="ctr"/>
-          <a:lstStyle/>
-          <a:p>
-            <a:pPr algn="ctr"/>
-            <a:r>
-              <a:rPr lang="en-US" altLang="zh-CN"/>
-              <a:t>pyd, py, pyw,pyc</a:t>
-            </a:r>
-            <a:endParaRPr lang="zh-CN" altLang="en-US" b="1"/>
-          </a:p>
-        </p:txBody>
-      </p:sp>
-      <p:cxnSp>
-        <p:nvCxnSpPr>
-          <p:cNvPr id="24" name="肘形连接符 23"/>
-          <p:cNvCxnSpPr>
-            <a:stCxn id="36" idx="2"/>
-            <a:endCxn id="16" idx="1"/>
-          </p:cNvCxnSpPr>
-          <p:nvPr/>
-        </p:nvCxnSpPr>
-        <p:spPr>
-          <a:xfrm rot="5400000" flipH="1">
-            <a:off x="1672837" y="2614791"/>
-            <a:ext cx="3464273" cy="899393"/>
-          </a:xfrm>
-          <a:prstGeom prst="bentConnector4">
-            <a:avLst>
-              <a:gd name="adj1" fmla="val -6599"/>
-              <a:gd name="adj2" fmla="val 264980"/>
-            </a:avLst>
-          </a:prstGeom>
-          <a:ln>
-            <a:tailEnd type="triangle"/>
-          </a:ln>
-        </p:spPr>
-        <p:style>
-          <a:lnRef idx="1">
-            <a:schemeClr val="accent1"/>
-          </a:lnRef>
-          <a:fillRef idx="0">
-            <a:schemeClr val="accent1"/>
-          </a:fillRef>
-          <a:effectRef idx="0">
-            <a:schemeClr val="accent1"/>
-          </a:effectRef>
-          <a:fontRef idx="minor">
-            <a:schemeClr val="tx1"/>
-          </a:fontRef>
-        </p:style>
-      </p:cxnSp>
+            <a:off x="3732414" y="1507527"/>
+            <a:ext cx="4572000" cy="3693319"/>
+          </a:xfrm>
+          <a:prstGeom prst="rect">
+            <a:avLst/>
+          </a:prstGeom>
+        </p:spPr>
+        <p:txBody>
+          <a:bodyPr>
+            <a:spAutoFit/>
+          </a:bodyPr>
+          <a:lstStyle/>
+          <a:p>
+            <a:r>
+              <a:rPr lang="zh-CN" altLang="en-US"/>
+              <a:t>class CFinder:</a:t>
+            </a:r>
+          </a:p>
+          <a:p>
+            <a:r>
+              <a:rPr lang="zh-CN" altLang="en-US"/>
+              <a:t>	def find_module(self,fullname,path=None):</a:t>
+            </a:r>
+          </a:p>
+          <a:p>
+            <a:r>
+              <a:rPr lang="zh-CN" altLang="en-US"/>
+              <a:t>		if fullname=="xxx":</a:t>
+            </a:r>
+          </a:p>
+          <a:p>
+            <a:r>
+              <a:rPr lang="zh-CN" altLang="en-US"/>
+              <a:t>			return self</a:t>
+            </a:r>
+          </a:p>
+          <a:p>
+            <a:r>
+              <a:rPr lang="zh-CN" altLang="en-US"/>
+              <a:t>	def load_module(self,fullname):</a:t>
+            </a:r>
+          </a:p>
+          <a:p>
+            <a:r>
+              <a:rPr lang="zh-CN" altLang="en-US"/>
+              <a:t>		import sys</a:t>
+            </a:r>
+          </a:p>
+          <a:p>
+            <a:r>
+              <a:rPr lang="zh-CN" altLang="en-US"/>
+              <a:t>		return sys</a:t>
+            </a:r>
+          </a:p>
+          <a:p>
+            <a:r>
+              <a:rPr lang="zh-CN" altLang="en-US"/>
+              <a:t>	</a:t>
+            </a:r>
+          </a:p>
+          <a:p>
+            <a:r>
+              <a:rPr lang="zh-CN" altLang="en-US"/>
+              <a:t>sys.meta_path.append(CFinder())</a:t>
+            </a:r>
+          </a:p>
+          <a:p>
+            <a:r>
+              <a:rPr lang="zh-CN" altLang="en-US"/>
+              <a:t>import xxx</a:t>
+            </a:r>
+          </a:p>
+          <a:p>
+            <a:r>
+              <a:rPr lang="zh-CN" altLang="en-US"/>
+              <a:t>xxx</a:t>
+            </a:r>
+          </a:p>
+          <a:p>
+            <a:r>
+              <a:rPr lang="zh-CN" altLang="en-US"/>
+              <a:t>&lt;module 'sys' (built-in)&gt;</a:t>
+            </a:r>
+          </a:p>
+        </p:txBody>
+      </p:sp>
     </p:spTree>
     <p:extLst>
       <p:ext uri="{BB962C8B-B14F-4D97-AF65-F5344CB8AC3E}">
-        <p14:creationId xmlns:p14="http://schemas.microsoft.com/office/powerpoint/2010/main" val="218432207"/>
+        <p14:creationId xmlns:p14="http://schemas.microsoft.com/office/powerpoint/2010/main" val="853786558"/>
       </p:ext>
     </p:extLst>
   </p:cSld>
@@ -11404,7 +12640,7 @@
         </p:nvSpPr>
         <p:spPr>
           <a:xfrm>
-            <a:off x="403455" y="179133"/>
+            <a:off x="860470" y="179133"/>
             <a:ext cx="1487978" cy="479644"/>
           </a:xfrm>
           <a:prstGeom prst="flowChartAlternateProcess">
@@ -11433,8 +12669,8 @@
           <a:p>
             <a:pPr algn="ctr"/>
             <a:r>
-              <a:rPr lang="en-US" altLang="zh-CN" b="1" smtClean="0"/>
-              <a:t>load_module</a:t>
+              <a:rPr lang="en-US" altLang="zh-CN" b="1"/>
+              <a:t>find_module</a:t>
             </a:r>
             <a:endParaRPr lang="zh-CN" altLang="en-US" b="1"/>
           </a:p>
@@ -11442,14 +12678,14 @@
       </p:sp>
       <p:sp>
         <p:nvSpPr>
-          <p:cNvPr id="17" name="流程图: 决策 16"/>
+          <p:cNvPr id="2" name="流程图: 决策 1"/>
           <p:cNvSpPr/>
           <p:nvPr/>
         </p:nvSpPr>
         <p:spPr>
           <a:xfrm>
-            <a:off x="2622257" y="1902657"/>
-            <a:ext cx="1601530" cy="612648"/>
+            <a:off x="794789" y="683174"/>
+            <a:ext cx="1236753" cy="612648"/>
           </a:xfrm>
           <a:prstGeom prst="flowChartDecision">
             <a:avLst/>
@@ -11478,20 +12714,21 @@
             <a:pPr algn="ctr"/>
             <a:r>
               <a:rPr lang="en-US" altLang="zh-CN" smtClean="0"/>
-              <a:t>pyc</a:t>
-            </a:r>
-          </a:p>
-        </p:txBody>
-      </p:sp>
-      <p:sp>
-        <p:nvSpPr>
-          <p:cNvPr id="18" name="流程图: 决策 17"/>
+              <a:t>path</a:t>
+            </a:r>
+            <a:endParaRPr lang="zh-CN" altLang="en-US"/>
+          </a:p>
+        </p:txBody>
+      </p:sp>
+      <p:sp>
+        <p:nvSpPr>
+          <p:cNvPr id="17" name="流程图: 决策 16"/>
           <p:cNvSpPr/>
           <p:nvPr/>
         </p:nvSpPr>
         <p:spPr>
           <a:xfrm>
-            <a:off x="4309740" y="2615030"/>
+            <a:off x="4376242" y="1673922"/>
             <a:ext cx="1601530" cy="612648"/>
           </a:xfrm>
           <a:prstGeom prst="flowChartDecision">
@@ -11521,7 +12758,7 @@
             <a:pPr algn="ctr"/>
             <a:r>
               <a:rPr lang="en-US" altLang="zh-CN"/>
-              <a:t>mtime</a:t>
+              <a:t>builtin</a:t>
             </a:r>
             <a:endParaRPr lang="zh-CN" altLang="en-US"/>
           </a:p>
@@ -11529,16 +12766,16 @@
       </p:sp>
       <p:sp>
         <p:nvSpPr>
-          <p:cNvPr id="23" name="流程图: 可选过程 22"/>
+          <p:cNvPr id="4" name="流程图: 终止 3"/>
           <p:cNvSpPr/>
           <p:nvPr/>
         </p:nvSpPr>
         <p:spPr>
           <a:xfrm>
-            <a:off x="4433017" y="3640842"/>
-            <a:ext cx="2524735" cy="479644"/>
-          </a:xfrm>
-          <a:prstGeom prst="flowChartAlternateProcess">
+            <a:off x="6611855" y="2488703"/>
+            <a:ext cx="914400" cy="301752"/>
+          </a:xfrm>
+          <a:prstGeom prst="flowChartTerminator">
             <a:avLst/>
           </a:prstGeom>
         </p:spPr>
@@ -11564,25 +12801,25 @@
           <a:p>
             <a:pPr algn="ctr"/>
             <a:r>
-              <a:rPr lang="en-US" altLang="zh-CN" b="1" smtClean="0"/>
-              <a:t>read_compiled_module</a:t>
-            </a:r>
-            <a:endParaRPr lang="zh-CN" altLang="en-US" b="1"/>
-          </a:p>
-        </p:txBody>
-      </p:sp>
-      <p:sp>
-        <p:nvSpPr>
-          <p:cNvPr id="25" name="流程图: 可选过程 24"/>
+              <a:rPr lang="en-US" altLang="zh-CN" smtClean="0"/>
+              <a:t>return</a:t>
+            </a:r>
+            <a:endParaRPr lang="zh-CN" altLang="en-US"/>
+          </a:p>
+        </p:txBody>
+      </p:sp>
+      <p:sp>
+        <p:nvSpPr>
+          <p:cNvPr id="18" name="流程图: 决策 17"/>
           <p:cNvSpPr/>
           <p:nvPr/>
         </p:nvSpPr>
         <p:spPr>
           <a:xfrm>
-            <a:off x="2622257" y="768058"/>
-            <a:ext cx="1678659" cy="479644"/>
-          </a:xfrm>
-          <a:prstGeom prst="flowChartAlternateProcess">
+            <a:off x="4376242" y="3209524"/>
+            <a:ext cx="1601530" cy="612648"/>
+          </a:xfrm>
+          <a:prstGeom prst="flowChartDecision">
             <a:avLst/>
           </a:prstGeom>
         </p:spPr>
@@ -11608,25 +12845,25 @@
           <a:p>
             <a:pPr algn="ctr"/>
             <a:r>
-              <a:rPr lang="en-US" altLang="zh-CN" b="1" smtClean="0"/>
-              <a:t>py</a:t>
-            </a:r>
-            <a:endParaRPr lang="zh-CN" altLang="en-US" b="1"/>
-          </a:p>
-        </p:txBody>
-      </p:sp>
-      <p:sp>
-        <p:nvSpPr>
-          <p:cNvPr id="26" name="流程图: 可选过程 25"/>
+              <a:rPr lang="en-US" altLang="zh-CN"/>
+              <a:t>frozen</a:t>
+            </a:r>
+            <a:endParaRPr lang="zh-CN" altLang="en-US"/>
+          </a:p>
+        </p:txBody>
+      </p:sp>
+      <p:sp>
+        <p:nvSpPr>
+          <p:cNvPr id="20" name="流程图: 终止 19"/>
           <p:cNvSpPr/>
           <p:nvPr/>
         </p:nvSpPr>
         <p:spPr>
           <a:xfrm>
-            <a:off x="1147444" y="3561910"/>
-            <a:ext cx="2352214" cy="479644"/>
-          </a:xfrm>
-          <a:prstGeom prst="flowChartAlternateProcess">
+            <a:off x="6611855" y="4143306"/>
+            <a:ext cx="914400" cy="301752"/>
+          </a:xfrm>
+          <a:prstGeom prst="flowChartTerminator">
             <a:avLst/>
           </a:prstGeom>
         </p:spPr>
@@ -11652,22 +12889,22 @@
           <a:p>
             <a:pPr algn="ctr"/>
             <a:r>
-              <a:rPr lang="en-US" altLang="zh-CN" b="1"/>
-              <a:t>parse_source_module</a:t>
-            </a:r>
-            <a:endParaRPr lang="zh-CN" altLang="en-US" b="1"/>
-          </a:p>
-        </p:txBody>
-      </p:sp>
-      <p:sp>
-        <p:nvSpPr>
-          <p:cNvPr id="28" name="流程图: 可选过程 27"/>
+              <a:rPr lang="en-US" altLang="zh-CN" smtClean="0"/>
+              <a:t>return</a:t>
+            </a:r>
+            <a:endParaRPr lang="zh-CN" altLang="en-US"/>
+          </a:p>
+        </p:txBody>
+      </p:sp>
+      <p:sp>
+        <p:nvSpPr>
+          <p:cNvPr id="23" name="流程图: 可选过程 22"/>
           <p:cNvSpPr/>
           <p:nvPr/>
         </p:nvSpPr>
         <p:spPr>
           <a:xfrm>
-            <a:off x="1421253" y="4700190"/>
+            <a:off x="3263669" y="4294182"/>
             <a:ext cx="1487978" cy="479644"/>
           </a:xfrm>
           <a:prstGeom prst="flowChartAlternateProcess">
@@ -11697,21 +12934,243 @@
             <a:pPr algn="ctr"/>
             <a:r>
               <a:rPr lang="en-US" altLang="zh-CN" b="1" smtClean="0"/>
-              <a:t>AST</a:t>
-            </a:r>
-          </a:p>
-        </p:txBody>
-      </p:sp>
-      <p:sp>
-        <p:nvSpPr>
-          <p:cNvPr id="33" name="流程图: 可选过程 32"/>
+              <a:t>sys.path</a:t>
+            </a:r>
+            <a:endParaRPr lang="zh-CN" altLang="en-US" b="1"/>
+          </a:p>
+        </p:txBody>
+      </p:sp>
+      <p:cxnSp>
+        <p:nvCxnSpPr>
+          <p:cNvPr id="5" name="肘形连接符 4"/>
+          <p:cNvCxnSpPr>
+            <a:stCxn id="17" idx="1"/>
+            <a:endCxn id="23" idx="0"/>
+          </p:cNvCxnSpPr>
+          <p:nvPr/>
+        </p:nvCxnSpPr>
+        <p:spPr>
+          <a:xfrm rot="10800000" flipV="1">
+            <a:off x="4007658" y="1980246"/>
+            <a:ext cx="368584" cy="2313936"/>
+          </a:xfrm>
+          <a:prstGeom prst="bentConnector2">
+            <a:avLst/>
+          </a:prstGeom>
+          <a:ln>
+            <a:tailEnd type="triangle"/>
+          </a:ln>
+        </p:spPr>
+        <p:style>
+          <a:lnRef idx="1">
+            <a:schemeClr val="accent1"/>
+          </a:lnRef>
+          <a:fillRef idx="0">
+            <a:schemeClr val="accent1"/>
+          </a:fillRef>
+          <a:effectRef idx="0">
+            <a:schemeClr val="accent1"/>
+          </a:effectRef>
+          <a:fontRef idx="minor">
+            <a:schemeClr val="tx1"/>
+          </a:fontRef>
+        </p:style>
+      </p:cxnSp>
+      <p:cxnSp>
+        <p:nvCxnSpPr>
+          <p:cNvPr id="19" name="肘形连接符 18"/>
+          <p:cNvCxnSpPr>
+            <a:stCxn id="2" idx="3"/>
+            <a:endCxn id="17" idx="0"/>
+          </p:cNvCxnSpPr>
+          <p:nvPr/>
+        </p:nvCxnSpPr>
+        <p:spPr>
+          <a:xfrm>
+            <a:off x="2031542" y="989498"/>
+            <a:ext cx="3145465" cy="684424"/>
+          </a:xfrm>
+          <a:prstGeom prst="bentConnector2">
+            <a:avLst/>
+          </a:prstGeom>
+          <a:ln>
+            <a:tailEnd type="triangle"/>
+          </a:ln>
+        </p:spPr>
+        <p:style>
+          <a:lnRef idx="1">
+            <a:schemeClr val="accent1"/>
+          </a:lnRef>
+          <a:fillRef idx="0">
+            <a:schemeClr val="accent1"/>
+          </a:fillRef>
+          <a:effectRef idx="0">
+            <a:schemeClr val="accent1"/>
+          </a:effectRef>
+          <a:fontRef idx="minor">
+            <a:schemeClr val="tx1"/>
+          </a:fontRef>
+        </p:style>
+      </p:cxnSp>
+      <p:cxnSp>
+        <p:nvCxnSpPr>
+          <p:cNvPr id="21" name="肘形连接符 20"/>
+          <p:cNvCxnSpPr>
+            <a:stCxn id="17" idx="2"/>
+            <a:endCxn id="18" idx="0"/>
+          </p:cNvCxnSpPr>
+          <p:nvPr/>
+        </p:nvCxnSpPr>
+        <p:spPr>
+          <a:xfrm rot="5400000">
+            <a:off x="4715530" y="2748047"/>
+            <a:ext cx="922954" cy="12700"/>
+          </a:xfrm>
+          <a:prstGeom prst="bentConnector3">
+            <a:avLst>
+              <a:gd name="adj1" fmla="val 50000"/>
+            </a:avLst>
+          </a:prstGeom>
+          <a:ln>
+            <a:tailEnd type="triangle"/>
+          </a:ln>
+        </p:spPr>
+        <p:style>
+          <a:lnRef idx="1">
+            <a:schemeClr val="accent1"/>
+          </a:lnRef>
+          <a:fillRef idx="0">
+            <a:schemeClr val="accent1"/>
+          </a:fillRef>
+          <a:effectRef idx="0">
+            <a:schemeClr val="accent1"/>
+          </a:effectRef>
+          <a:fontRef idx="minor">
+            <a:schemeClr val="tx1"/>
+          </a:fontRef>
+        </p:style>
+      </p:cxnSp>
+      <p:cxnSp>
+        <p:nvCxnSpPr>
+          <p:cNvPr id="30" name="肘形连接符 29"/>
+          <p:cNvCxnSpPr>
+            <a:stCxn id="18" idx="3"/>
+            <a:endCxn id="20" idx="0"/>
+          </p:cNvCxnSpPr>
+          <p:nvPr/>
+        </p:nvCxnSpPr>
+        <p:spPr>
+          <a:xfrm>
+            <a:off x="5977772" y="3515848"/>
+            <a:ext cx="1091283" cy="627458"/>
+          </a:xfrm>
+          <a:prstGeom prst="bentConnector2">
+            <a:avLst/>
+          </a:prstGeom>
+          <a:ln>
+            <a:tailEnd type="triangle"/>
+          </a:ln>
+        </p:spPr>
+        <p:style>
+          <a:lnRef idx="1">
+            <a:schemeClr val="accent1"/>
+          </a:lnRef>
+          <a:fillRef idx="0">
+            <a:schemeClr val="accent1"/>
+          </a:fillRef>
+          <a:effectRef idx="0">
+            <a:schemeClr val="accent1"/>
+          </a:effectRef>
+          <a:fontRef idx="minor">
+            <a:schemeClr val="tx1"/>
+          </a:fontRef>
+        </p:style>
+      </p:cxnSp>
+      <p:cxnSp>
+        <p:nvCxnSpPr>
+          <p:cNvPr id="31" name="肘形连接符 30"/>
+          <p:cNvCxnSpPr>
+            <a:stCxn id="2" idx="1"/>
+            <a:endCxn id="52" idx="0"/>
+          </p:cNvCxnSpPr>
+          <p:nvPr/>
+        </p:nvCxnSpPr>
+        <p:spPr>
+          <a:xfrm rot="10800000" flipH="1" flipV="1">
+            <a:off x="794788" y="989498"/>
+            <a:ext cx="1470431" cy="4618096"/>
+          </a:xfrm>
+          <a:prstGeom prst="bentConnector4">
+            <a:avLst>
+              <a:gd name="adj1" fmla="val -15546"/>
+              <a:gd name="adj2" fmla="val 53317"/>
+            </a:avLst>
+          </a:prstGeom>
+          <a:ln>
+            <a:tailEnd type="triangle"/>
+          </a:ln>
+        </p:spPr>
+        <p:style>
+          <a:lnRef idx="1">
+            <a:schemeClr val="accent1"/>
+          </a:lnRef>
+          <a:fillRef idx="0">
+            <a:schemeClr val="accent1"/>
+          </a:fillRef>
+          <a:effectRef idx="0">
+            <a:schemeClr val="accent1"/>
+          </a:effectRef>
+          <a:fontRef idx="minor">
+            <a:schemeClr val="tx1"/>
+          </a:fontRef>
+        </p:style>
+      </p:cxnSp>
+      <p:cxnSp>
+        <p:nvCxnSpPr>
+          <p:cNvPr id="35" name="肘形连接符 34"/>
+          <p:cNvCxnSpPr>
+            <a:stCxn id="18" idx="1"/>
+            <a:endCxn id="23" idx="0"/>
+          </p:cNvCxnSpPr>
+          <p:nvPr/>
+        </p:nvCxnSpPr>
+        <p:spPr>
+          <a:xfrm rot="10800000" flipV="1">
+            <a:off x="4007658" y="3515848"/>
+            <a:ext cx="368584" cy="778334"/>
+          </a:xfrm>
+          <a:prstGeom prst="bentConnector2">
+            <a:avLst/>
+          </a:prstGeom>
+          <a:ln>
+            <a:tailEnd type="triangle"/>
+          </a:ln>
+        </p:spPr>
+        <p:style>
+          <a:lnRef idx="1">
+            <a:schemeClr val="accent1"/>
+          </a:lnRef>
+          <a:fillRef idx="0">
+            <a:schemeClr val="accent1"/>
+          </a:fillRef>
+          <a:effectRef idx="0">
+            <a:schemeClr val="accent1"/>
+          </a:effectRef>
+          <a:fontRef idx="minor">
+            <a:schemeClr val="tx1"/>
+          </a:fontRef>
+        </p:style>
+      </p:cxnSp>
+      <p:sp>
+        <p:nvSpPr>
+          <p:cNvPr id="52" name="流程图: 可选过程 51"/>
           <p:cNvSpPr/>
           <p:nvPr/>
         </p:nvSpPr>
         <p:spPr>
           <a:xfrm>
-            <a:off x="3401523" y="6130811"/>
-            <a:ext cx="1798785" cy="479644"/>
+            <a:off x="1521231" y="5607594"/>
+            <a:ext cx="1487978" cy="479644"/>
           </a:xfrm>
           <a:prstGeom prst="flowChartAlternateProcess">
             <a:avLst/>
@@ -11739,61 +13198,89 @@
           <a:p>
             <a:pPr algn="ctr"/>
             <a:r>
-              <a:rPr lang="en-US" altLang="zh-CN" b="1"/>
-              <a:t>PyCodeObject</a:t>
-            </a:r>
-            <a:endParaRPr lang="zh-CN" altLang="en-US" b="1"/>
-          </a:p>
-        </p:txBody>
-      </p:sp>
-      <p:sp>
-        <p:nvSpPr>
-          <p:cNvPr id="19" name="流程图: 可选过程 18"/>
-          <p:cNvSpPr/>
+              <a:rPr lang="en-US" altLang="zh-CN" b="1" smtClean="0"/>
+              <a:t>path…</a:t>
+            </a:r>
+          </a:p>
+        </p:txBody>
+      </p:sp>
+      <p:cxnSp>
+        <p:nvCxnSpPr>
+          <p:cNvPr id="55" name="肘形连接符 54"/>
+          <p:cNvCxnSpPr>
+            <a:stCxn id="23" idx="2"/>
+            <a:endCxn id="52" idx="0"/>
+          </p:cNvCxnSpPr>
           <p:nvPr/>
-        </p:nvSpPr>
-        <p:spPr>
-          <a:xfrm>
-            <a:off x="846856" y="5548979"/>
-            <a:ext cx="2577987" cy="479644"/>
-          </a:xfrm>
-          <a:prstGeom prst="flowChartAlternateProcess">
-            <a:avLst/>
-          </a:prstGeom>
+        </p:nvCxnSpPr>
+        <p:spPr>
+          <a:xfrm rot="5400000">
+            <a:off x="2719555" y="4319491"/>
+            <a:ext cx="833768" cy="1742438"/>
+          </a:xfrm>
+          <a:prstGeom prst="bentConnector3">
+            <a:avLst>
+              <a:gd name="adj1" fmla="val 50000"/>
+            </a:avLst>
+          </a:prstGeom>
+          <a:ln>
+            <a:tailEnd type="triangle"/>
+          </a:ln>
         </p:spPr>
         <p:style>
-          <a:lnRef idx="2">
-            <a:schemeClr val="accent1">
-              <a:shade val="50000"/>
-            </a:schemeClr>
+          <a:lnRef idx="1">
+            <a:schemeClr val="accent1"/>
           </a:lnRef>
-          <a:fillRef idx="1">
+          <a:fillRef idx="0">
             <a:schemeClr val="accent1"/>
           </a:fillRef>
           <a:effectRef idx="0">
             <a:schemeClr val="accent1"/>
           </a:effectRef>
           <a:fontRef idx="minor">
-            <a:schemeClr val="lt1"/>
+            <a:schemeClr val="tx1"/>
           </a:fontRef>
         </p:style>
-        <p:txBody>
-          <a:bodyPr rtlCol="0" anchor="ctr"/>
-          <a:lstStyle/>
-          <a:p>
-            <a:pPr algn="ctr"/>
-            <a:r>
-              <a:rPr lang="en-US" altLang="zh-CN" b="1"/>
-              <a:t>write_compiled_module</a:t>
-            </a:r>
-            <a:endParaRPr lang="zh-CN" altLang="en-US" b="1"/>
-          </a:p>
-        </p:txBody>
-      </p:sp>
+      </p:cxnSp>
+      <p:cxnSp>
+        <p:nvCxnSpPr>
+          <p:cNvPr id="63" name="肘形连接符 62"/>
+          <p:cNvCxnSpPr>
+            <a:endCxn id="4" idx="0"/>
+          </p:cNvCxnSpPr>
+          <p:nvPr/>
+        </p:nvCxnSpPr>
+        <p:spPr>
+          <a:xfrm>
+            <a:off x="5941622" y="1979191"/>
+            <a:ext cx="1127433" cy="509512"/>
+          </a:xfrm>
+          <a:prstGeom prst="bentConnector2">
+            <a:avLst/>
+          </a:prstGeom>
+          <a:ln>
+            <a:tailEnd type="triangle"/>
+          </a:ln>
+        </p:spPr>
+        <p:style>
+          <a:lnRef idx="1">
+            <a:schemeClr val="accent1"/>
+          </a:lnRef>
+          <a:fillRef idx="0">
+            <a:schemeClr val="accent1"/>
+          </a:fillRef>
+          <a:effectRef idx="0">
+            <a:schemeClr val="accent1"/>
+          </a:effectRef>
+          <a:fontRef idx="minor">
+            <a:schemeClr val="tx1"/>
+          </a:fontRef>
+        </p:style>
+      </p:cxnSp>
     </p:spTree>
     <p:extLst>
       <p:ext uri="{BB962C8B-B14F-4D97-AF65-F5344CB8AC3E}">
-        <p14:creationId xmlns:p14="http://schemas.microsoft.com/office/powerpoint/2010/main" val="3486187261"/>
+        <p14:creationId xmlns:p14="http://schemas.microsoft.com/office/powerpoint/2010/main" val="576511135"/>
       </p:ext>
     </p:extLst>
   </p:cSld>

--- a/python/source code/import/import.pptx
+++ b/python/source code/import/import.pptx
@@ -5,7 +5,7 @@
     <p:sldMasterId id="2147483648" r:id="rId1"/>
   </p:sldMasterIdLst>
   <p:notesMasterIdLst>
-    <p:notesMasterId r:id="rId29"/>
+    <p:notesMasterId r:id="rId28"/>
   </p:notesMasterIdLst>
   <p:sldIdLst>
     <p:sldId id="256" r:id="rId2"/>
@@ -17,24 +17,23 @@
     <p:sldId id="283" r:id="rId8"/>
     <p:sldId id="284" r:id="rId9"/>
     <p:sldId id="285" r:id="rId10"/>
-    <p:sldId id="261" r:id="rId11"/>
-    <p:sldId id="260" r:id="rId12"/>
-    <p:sldId id="262" r:id="rId13"/>
-    <p:sldId id="263" r:id="rId14"/>
-    <p:sldId id="264" r:id="rId15"/>
-    <p:sldId id="265" r:id="rId16"/>
-    <p:sldId id="271" r:id="rId17"/>
-    <p:sldId id="266" r:id="rId18"/>
-    <p:sldId id="267" r:id="rId19"/>
-    <p:sldId id="268" r:id="rId20"/>
-    <p:sldId id="270" r:id="rId21"/>
-    <p:sldId id="275" r:id="rId22"/>
-    <p:sldId id="273" r:id="rId23"/>
-    <p:sldId id="274" r:id="rId24"/>
-    <p:sldId id="272" r:id="rId25"/>
-    <p:sldId id="276" r:id="rId26"/>
-    <p:sldId id="277" r:id="rId27"/>
-    <p:sldId id="278" r:id="rId28"/>
+    <p:sldId id="286" r:id="rId11"/>
+    <p:sldId id="262" r:id="rId12"/>
+    <p:sldId id="289" r:id="rId13"/>
+    <p:sldId id="264" r:id="rId14"/>
+    <p:sldId id="290" r:id="rId15"/>
+    <p:sldId id="291" r:id="rId16"/>
+    <p:sldId id="266" r:id="rId17"/>
+    <p:sldId id="267" r:id="rId18"/>
+    <p:sldId id="268" r:id="rId19"/>
+    <p:sldId id="270" r:id="rId20"/>
+    <p:sldId id="275" r:id="rId21"/>
+    <p:sldId id="273" r:id="rId22"/>
+    <p:sldId id="274" r:id="rId23"/>
+    <p:sldId id="272" r:id="rId24"/>
+    <p:sldId id="276" r:id="rId25"/>
+    <p:sldId id="277" r:id="rId26"/>
+    <p:sldId id="278" r:id="rId27"/>
   </p:sldIdLst>
   <p:sldSz cx="9144000" cy="6858000" type="screen4x3"/>
   <p:notesSz cx="6858000" cy="9144000"/>
@@ -223,7 +222,7 @@
           <a:p>
             <a:fld id="{137CE5D7-7ED0-47A4-97A4-21C1D4343DF0}" type="datetimeFigureOut">
               <a:rPr lang="zh-CN" altLang="en-US" smtClean="0"/>
-              <a:t>2016/11/21</a:t>
+              <a:t>2016/11/22</a:t>
             </a:fld>
             <a:endParaRPr lang="zh-CN" altLang="en-US"/>
           </a:p>
@@ -657,7 +656,7 @@
     </p:spTree>
     <p:extLst>
       <p:ext uri="{BB962C8B-B14F-4D97-AF65-F5344CB8AC3E}">
-        <p14:creationId xmlns:p14="http://schemas.microsoft.com/office/powerpoint/2010/main" val="3211354665"/>
+        <p14:creationId xmlns:p14="http://schemas.microsoft.com/office/powerpoint/2010/main" val="271338271"/>
       </p:ext>
     </p:extLst>
   </p:cSld>
@@ -745,7 +744,7 @@
     </p:spTree>
     <p:extLst>
       <p:ext uri="{BB962C8B-B14F-4D97-AF65-F5344CB8AC3E}">
-        <p14:creationId xmlns:p14="http://schemas.microsoft.com/office/powerpoint/2010/main" val="1827935578"/>
+        <p14:creationId xmlns:p14="http://schemas.microsoft.com/office/powerpoint/2010/main" val="953382004"/>
       </p:ext>
     </p:extLst>
   </p:cSld>
@@ -833,7 +832,7 @@
     </p:spTree>
     <p:extLst>
       <p:ext uri="{BB962C8B-B14F-4D97-AF65-F5344CB8AC3E}">
-        <p14:creationId xmlns:p14="http://schemas.microsoft.com/office/powerpoint/2010/main" val="953382004"/>
+        <p14:creationId xmlns:p14="http://schemas.microsoft.com/office/powerpoint/2010/main" val="509440612"/>
       </p:ext>
     </p:extLst>
   </p:cSld>
@@ -921,7 +920,7 @@
     </p:spTree>
     <p:extLst>
       <p:ext uri="{BB962C8B-B14F-4D97-AF65-F5344CB8AC3E}">
-        <p14:creationId xmlns:p14="http://schemas.microsoft.com/office/powerpoint/2010/main" val="3137796104"/>
+        <p14:creationId xmlns:p14="http://schemas.microsoft.com/office/powerpoint/2010/main" val="1152426028"/>
       </p:ext>
     </p:extLst>
   </p:cSld>
@@ -1009,7 +1008,7 @@
     </p:spTree>
     <p:extLst>
       <p:ext uri="{BB962C8B-B14F-4D97-AF65-F5344CB8AC3E}">
-        <p14:creationId xmlns:p14="http://schemas.microsoft.com/office/powerpoint/2010/main" val="1964142014"/>
+        <p14:creationId xmlns:p14="http://schemas.microsoft.com/office/powerpoint/2010/main" val="1398922481"/>
       </p:ext>
     </p:extLst>
   </p:cSld>
@@ -1097,7 +1096,7 @@
     </p:spTree>
     <p:extLst>
       <p:ext uri="{BB962C8B-B14F-4D97-AF65-F5344CB8AC3E}">
-        <p14:creationId xmlns:p14="http://schemas.microsoft.com/office/powerpoint/2010/main" val="1398922481"/>
+        <p14:creationId xmlns:p14="http://schemas.microsoft.com/office/powerpoint/2010/main" val="1725357011"/>
       </p:ext>
     </p:extLst>
   </p:cSld>
@@ -1185,7 +1184,7 @@
     </p:spTree>
     <p:extLst>
       <p:ext uri="{BB962C8B-B14F-4D97-AF65-F5344CB8AC3E}">
-        <p14:creationId xmlns:p14="http://schemas.microsoft.com/office/powerpoint/2010/main" val="1725357011"/>
+        <p14:creationId xmlns:p14="http://schemas.microsoft.com/office/powerpoint/2010/main" val="1976693893"/>
       </p:ext>
     </p:extLst>
   </p:cSld>
@@ -1273,7 +1272,7 @@
     </p:spTree>
     <p:extLst>
       <p:ext uri="{BB962C8B-B14F-4D97-AF65-F5344CB8AC3E}">
-        <p14:creationId xmlns:p14="http://schemas.microsoft.com/office/powerpoint/2010/main" val="1976693893"/>
+        <p14:creationId xmlns:p14="http://schemas.microsoft.com/office/powerpoint/2010/main" val="4096770836"/>
       </p:ext>
     </p:extLst>
   </p:cSld>
@@ -1361,7 +1360,7 @@
     </p:spTree>
     <p:extLst>
       <p:ext uri="{BB962C8B-B14F-4D97-AF65-F5344CB8AC3E}">
-        <p14:creationId xmlns:p14="http://schemas.microsoft.com/office/powerpoint/2010/main" val="4096770836"/>
+        <p14:creationId xmlns:p14="http://schemas.microsoft.com/office/powerpoint/2010/main" val="1349912146"/>
       </p:ext>
     </p:extLst>
   </p:cSld>
@@ -1449,7 +1448,7 @@
     </p:spTree>
     <p:extLst>
       <p:ext uri="{BB962C8B-B14F-4D97-AF65-F5344CB8AC3E}">
-        <p14:creationId xmlns:p14="http://schemas.microsoft.com/office/powerpoint/2010/main" val="1349912146"/>
+        <p14:creationId xmlns:p14="http://schemas.microsoft.com/office/powerpoint/2010/main" val="425774752"/>
       </p:ext>
     </p:extLst>
   </p:cSld>
@@ -1625,7 +1624,7 @@
     </p:spTree>
     <p:extLst>
       <p:ext uri="{BB962C8B-B14F-4D97-AF65-F5344CB8AC3E}">
-        <p14:creationId xmlns:p14="http://schemas.microsoft.com/office/powerpoint/2010/main" val="425774752"/>
+        <p14:creationId xmlns:p14="http://schemas.microsoft.com/office/powerpoint/2010/main" val="1759690720"/>
       </p:ext>
     </p:extLst>
   </p:cSld>
@@ -1713,7 +1712,7 @@
     </p:spTree>
     <p:extLst>
       <p:ext uri="{BB962C8B-B14F-4D97-AF65-F5344CB8AC3E}">
-        <p14:creationId xmlns:p14="http://schemas.microsoft.com/office/powerpoint/2010/main" val="1759690720"/>
+        <p14:creationId xmlns:p14="http://schemas.microsoft.com/office/powerpoint/2010/main" val="4241520077"/>
       </p:ext>
     </p:extLst>
   </p:cSld>
@@ -1801,7 +1800,7 @@
     </p:spTree>
     <p:extLst>
       <p:ext uri="{BB962C8B-B14F-4D97-AF65-F5344CB8AC3E}">
-        <p14:creationId xmlns:p14="http://schemas.microsoft.com/office/powerpoint/2010/main" val="4241520077"/>
+        <p14:creationId xmlns:p14="http://schemas.microsoft.com/office/powerpoint/2010/main" val="1927755974"/>
       </p:ext>
     </p:extLst>
   </p:cSld>
@@ -1889,7 +1888,7 @@
     </p:spTree>
     <p:extLst>
       <p:ext uri="{BB962C8B-B14F-4D97-AF65-F5344CB8AC3E}">
-        <p14:creationId xmlns:p14="http://schemas.microsoft.com/office/powerpoint/2010/main" val="1927755974"/>
+        <p14:creationId xmlns:p14="http://schemas.microsoft.com/office/powerpoint/2010/main" val="2883339731"/>
       </p:ext>
     </p:extLst>
   </p:cSld>
@@ -1969,94 +1968,6 @@
             <a:fld id="{F91F46E5-662D-490C-B319-1285EF71F969}" type="slidenum">
               <a:rPr lang="zh-CN" altLang="en-US" smtClean="0"/>
               <a:t>26</a:t>
-            </a:fld>
-            <a:endParaRPr lang="zh-CN" altLang="en-US"/>
-          </a:p>
-        </p:txBody>
-      </p:sp>
-    </p:spTree>
-    <p:extLst>
-      <p:ext uri="{BB962C8B-B14F-4D97-AF65-F5344CB8AC3E}">
-        <p14:creationId xmlns:p14="http://schemas.microsoft.com/office/powerpoint/2010/main" val="2883339731"/>
-      </p:ext>
-    </p:extLst>
-  </p:cSld>
-  <p:clrMapOvr>
-    <a:masterClrMapping/>
-  </p:clrMapOvr>
-</p:notes>
-</file>
-
-<file path=ppt/notesSlides/notesSlide25.xml><?xml version="1.0" encoding="utf-8"?>
-<p:notes xmlns:a="http://schemas.openxmlformats.org/drawingml/2006/main" xmlns:r="http://schemas.openxmlformats.org/officeDocument/2006/relationships" xmlns:p="http://schemas.openxmlformats.org/presentationml/2006/main">
-  <p:cSld>
-    <p:spTree>
-      <p:nvGrpSpPr>
-        <p:cNvPr id="1" name=""/>
-        <p:cNvGrpSpPr/>
-        <p:nvPr/>
-      </p:nvGrpSpPr>
-      <p:grpSpPr>
-        <a:xfrm>
-          <a:off x="0" y="0"/>
-          <a:ext cx="0" cy="0"/>
-          <a:chOff x="0" y="0"/>
-          <a:chExt cx="0" cy="0"/>
-        </a:xfrm>
-      </p:grpSpPr>
-      <p:sp>
-        <p:nvSpPr>
-          <p:cNvPr id="2" name="幻灯片图像占位符 1"/>
-          <p:cNvSpPr>
-            <a:spLocks noGrp="1" noRot="1" noChangeAspect="1"/>
-          </p:cNvSpPr>
-          <p:nvPr>
-            <p:ph type="sldImg"/>
-          </p:nvPr>
-        </p:nvSpPr>
-        <p:spPr/>
-      </p:sp>
-      <p:sp>
-        <p:nvSpPr>
-          <p:cNvPr id="3" name="备注占位符 2"/>
-          <p:cNvSpPr>
-            <a:spLocks noGrp="1"/>
-          </p:cNvSpPr>
-          <p:nvPr>
-            <p:ph type="body" idx="1"/>
-          </p:nvPr>
-        </p:nvSpPr>
-        <p:spPr/>
-        <p:txBody>
-          <a:bodyPr/>
-          <a:lstStyle/>
-          <a:p>
-            <a:r>
-              <a:rPr lang="zh-CN" altLang="en-US" smtClean="0"/>
-              <a:t>多发点</a:t>
-            </a:r>
-            <a:endParaRPr lang="zh-CN" altLang="en-US"/>
-          </a:p>
-        </p:txBody>
-      </p:sp>
-      <p:sp>
-        <p:nvSpPr>
-          <p:cNvPr id="4" name="灯片编号占位符 3"/>
-          <p:cNvSpPr>
-            <a:spLocks noGrp="1"/>
-          </p:cNvSpPr>
-          <p:nvPr>
-            <p:ph type="sldNum" sz="quarter" idx="10"/>
-          </p:nvPr>
-        </p:nvSpPr>
-        <p:spPr/>
-        <p:txBody>
-          <a:bodyPr/>
-          <a:lstStyle/>
-          <a:p>
-            <a:fld id="{F91F46E5-662D-490C-B319-1285EF71F969}" type="slidenum">
-              <a:rPr lang="zh-CN" altLang="en-US" smtClean="0"/>
-              <a:t>27</a:t>
             </a:fld>
             <a:endParaRPr lang="zh-CN" altLang="en-US"/>
           </a:p>
@@ -2601,7 +2512,7 @@
     </p:spTree>
     <p:extLst>
       <p:ext uri="{BB962C8B-B14F-4D97-AF65-F5344CB8AC3E}">
-        <p14:creationId xmlns:p14="http://schemas.microsoft.com/office/powerpoint/2010/main" val="1971289296"/>
+        <p14:creationId xmlns:p14="http://schemas.microsoft.com/office/powerpoint/2010/main" val="1135366577"/>
       </p:ext>
     </p:extLst>
   </p:cSld>
@@ -2689,7 +2600,7 @@
     </p:spTree>
     <p:extLst>
       <p:ext uri="{BB962C8B-B14F-4D97-AF65-F5344CB8AC3E}">
-        <p14:creationId xmlns:p14="http://schemas.microsoft.com/office/powerpoint/2010/main" val="1582753271"/>
+        <p14:creationId xmlns:p14="http://schemas.microsoft.com/office/powerpoint/2010/main" val="3211354665"/>
       </p:ext>
     </p:extLst>
   </p:cSld>
@@ -2830,7 +2741,7 @@
           <a:p>
             <a:fld id="{E26C717F-3C9D-465A-8BFA-E9A9E7C863CF}" type="datetimeFigureOut">
               <a:rPr lang="zh-CN" altLang="en-US" smtClean="0"/>
-              <a:t>2016/11/21</a:t>
+              <a:t>2016/11/22</a:t>
             </a:fld>
             <a:endParaRPr lang="zh-CN" altLang="en-US"/>
           </a:p>
@@ -3000,7 +2911,7 @@
           <a:p>
             <a:fld id="{E26C717F-3C9D-465A-8BFA-E9A9E7C863CF}" type="datetimeFigureOut">
               <a:rPr lang="zh-CN" altLang="en-US" smtClean="0"/>
-              <a:t>2016/11/21</a:t>
+              <a:t>2016/11/22</a:t>
             </a:fld>
             <a:endParaRPr lang="zh-CN" altLang="en-US"/>
           </a:p>
@@ -3180,7 +3091,7 @@
           <a:p>
             <a:fld id="{E26C717F-3C9D-465A-8BFA-E9A9E7C863CF}" type="datetimeFigureOut">
               <a:rPr lang="zh-CN" altLang="en-US" smtClean="0"/>
-              <a:t>2016/11/21</a:t>
+              <a:t>2016/11/22</a:t>
             </a:fld>
             <a:endParaRPr lang="zh-CN" altLang="en-US"/>
           </a:p>
@@ -3350,7 +3261,7 @@
           <a:p>
             <a:fld id="{E26C717F-3C9D-465A-8BFA-E9A9E7C863CF}" type="datetimeFigureOut">
               <a:rPr lang="zh-CN" altLang="en-US" smtClean="0"/>
-              <a:t>2016/11/21</a:t>
+              <a:t>2016/11/22</a:t>
             </a:fld>
             <a:endParaRPr lang="zh-CN" altLang="en-US"/>
           </a:p>
@@ -3596,7 +3507,7 @@
           <a:p>
             <a:fld id="{E26C717F-3C9D-465A-8BFA-E9A9E7C863CF}" type="datetimeFigureOut">
               <a:rPr lang="zh-CN" altLang="en-US" smtClean="0"/>
-              <a:t>2016/11/21</a:t>
+              <a:t>2016/11/22</a:t>
             </a:fld>
             <a:endParaRPr lang="zh-CN" altLang="en-US"/>
           </a:p>
@@ -3828,7 +3739,7 @@
           <a:p>
             <a:fld id="{E26C717F-3C9D-465A-8BFA-E9A9E7C863CF}" type="datetimeFigureOut">
               <a:rPr lang="zh-CN" altLang="en-US" smtClean="0"/>
-              <a:t>2016/11/21</a:t>
+              <a:t>2016/11/22</a:t>
             </a:fld>
             <a:endParaRPr lang="zh-CN" altLang="en-US"/>
           </a:p>
@@ -4195,7 +4106,7 @@
           <a:p>
             <a:fld id="{E26C717F-3C9D-465A-8BFA-E9A9E7C863CF}" type="datetimeFigureOut">
               <a:rPr lang="zh-CN" altLang="en-US" smtClean="0"/>
-              <a:t>2016/11/21</a:t>
+              <a:t>2016/11/22</a:t>
             </a:fld>
             <a:endParaRPr lang="zh-CN" altLang="en-US"/>
           </a:p>
@@ -4313,7 +4224,7 @@
           <a:p>
             <a:fld id="{E26C717F-3C9D-465A-8BFA-E9A9E7C863CF}" type="datetimeFigureOut">
               <a:rPr lang="zh-CN" altLang="en-US" smtClean="0"/>
-              <a:t>2016/11/21</a:t>
+              <a:t>2016/11/22</a:t>
             </a:fld>
             <a:endParaRPr lang="zh-CN" altLang="en-US"/>
           </a:p>
@@ -4408,7 +4319,7 @@
           <a:p>
             <a:fld id="{E26C717F-3C9D-465A-8BFA-E9A9E7C863CF}" type="datetimeFigureOut">
               <a:rPr lang="zh-CN" altLang="en-US" smtClean="0"/>
-              <a:t>2016/11/21</a:t>
+              <a:t>2016/11/22</a:t>
             </a:fld>
             <a:endParaRPr lang="zh-CN" altLang="en-US"/>
           </a:p>
@@ -4685,7 +4596,7 @@
           <a:p>
             <a:fld id="{E26C717F-3C9D-465A-8BFA-E9A9E7C863CF}" type="datetimeFigureOut">
               <a:rPr lang="zh-CN" altLang="en-US" smtClean="0"/>
-              <a:t>2016/11/21</a:t>
+              <a:t>2016/11/22</a:t>
             </a:fld>
             <a:endParaRPr lang="zh-CN" altLang="en-US"/>
           </a:p>
@@ -4938,7 +4849,7 @@
           <a:p>
             <a:fld id="{E26C717F-3C9D-465A-8BFA-E9A9E7C863CF}" type="datetimeFigureOut">
               <a:rPr lang="zh-CN" altLang="en-US" smtClean="0"/>
-              <a:t>2016/11/21</a:t>
+              <a:t>2016/11/22</a:t>
             </a:fld>
             <a:endParaRPr lang="zh-CN" altLang="en-US"/>
           </a:p>
@@ -5151,7 +5062,7 @@
           <a:p>
             <a:fld id="{E26C717F-3C9D-465A-8BFA-E9A9E7C863CF}" type="datetimeFigureOut">
               <a:rPr lang="zh-CN" altLang="en-US" smtClean="0"/>
-              <a:t>2016/11/21</a:t>
+              <a:t>2016/11/22</a:t>
             </a:fld>
             <a:endParaRPr lang="zh-CN" altLang="en-US"/>
           </a:p>
@@ -5619,12 +5530,6 @@
 <file path=ppt/slides/slide10.xml><?xml version="1.0" encoding="utf-8"?>
 <p:sld xmlns:a="http://schemas.openxmlformats.org/drawingml/2006/main" xmlns:r="http://schemas.openxmlformats.org/officeDocument/2006/relationships" xmlns:p="http://schemas.openxmlformats.org/presentationml/2006/main">
   <p:cSld>
-    <p:bg>
-      <p:bgPr>
-        <a:noFill/>
-        <a:effectLst/>
-      </p:bgPr>
-    </p:bg>
     <p:spTree>
       <p:nvGrpSpPr>
         <p:cNvPr id="1" name=""/>
@@ -6196,7 +6101,7 @@
     </p:spTree>
     <p:extLst>
       <p:ext uri="{BB962C8B-B14F-4D97-AF65-F5344CB8AC3E}">
-        <p14:creationId xmlns:p14="http://schemas.microsoft.com/office/powerpoint/2010/main" val="853786558"/>
+        <p14:creationId xmlns:p14="http://schemas.microsoft.com/office/powerpoint/2010/main" val="1256943437"/>
       </p:ext>
     </p:extLst>
   </p:cSld>
@@ -6214,447 +6119,6 @@
 </file>
 
 <file path=ppt/slides/slide11.xml><?xml version="1.0" encoding="utf-8"?>
-<p:sld xmlns:a="http://schemas.openxmlformats.org/drawingml/2006/main" xmlns:r="http://schemas.openxmlformats.org/officeDocument/2006/relationships" xmlns:p="http://schemas.openxmlformats.org/presentationml/2006/main">
-  <p:cSld>
-    <p:spTree>
-      <p:nvGrpSpPr>
-        <p:cNvPr id="1" name=""/>
-        <p:cNvGrpSpPr/>
-        <p:nvPr/>
-      </p:nvGrpSpPr>
-      <p:grpSpPr>
-        <a:xfrm>
-          <a:off x="0" y="0"/>
-          <a:ext cx="0" cy="0"/>
-          <a:chOff x="0" y="0"/>
-          <a:chExt cx="0" cy="0"/>
-        </a:xfrm>
-      </p:grpSpPr>
-      <p:sp>
-        <p:nvSpPr>
-          <p:cNvPr id="10" name="流程图: 可选过程 9"/>
-          <p:cNvSpPr/>
-          <p:nvPr/>
-        </p:nvSpPr>
-        <p:spPr>
-          <a:xfrm>
-            <a:off x="2048473" y="1806789"/>
-            <a:ext cx="1487978" cy="479644"/>
-          </a:xfrm>
-          <a:prstGeom prst="flowChartAlternateProcess">
-            <a:avLst/>
-          </a:prstGeom>
-        </p:spPr>
-        <p:style>
-          <a:lnRef idx="2">
-            <a:schemeClr val="accent1">
-              <a:shade val="50000"/>
-            </a:schemeClr>
-          </a:lnRef>
-          <a:fillRef idx="1">
-            <a:schemeClr val="accent1"/>
-          </a:fillRef>
-          <a:effectRef idx="0">
-            <a:schemeClr val="accent1"/>
-          </a:effectRef>
-          <a:fontRef idx="minor">
-            <a:schemeClr val="lt1"/>
-          </a:fontRef>
-        </p:style>
-        <p:txBody>
-          <a:bodyPr rtlCol="0" anchor="ctr"/>
-          <a:lstStyle/>
-          <a:p>
-            <a:pPr algn="ctr"/>
-            <a:r>
-              <a:rPr lang="en-US" altLang="zh-CN" b="1" smtClean="0"/>
-              <a:t>package</a:t>
-            </a:r>
-            <a:endParaRPr lang="zh-CN" altLang="en-US" b="1"/>
-          </a:p>
-        </p:txBody>
-      </p:sp>
-      <p:sp>
-        <p:nvSpPr>
-          <p:cNvPr id="12" name="流程图: 可选过程 11"/>
-          <p:cNvSpPr/>
-          <p:nvPr/>
-        </p:nvSpPr>
-        <p:spPr>
-          <a:xfrm>
-            <a:off x="2048473" y="3046723"/>
-            <a:ext cx="1487978" cy="479644"/>
-          </a:xfrm>
-          <a:prstGeom prst="flowChartAlternateProcess">
-            <a:avLst/>
-          </a:prstGeom>
-        </p:spPr>
-        <p:style>
-          <a:lnRef idx="2">
-            <a:schemeClr val="accent1">
-              <a:shade val="50000"/>
-            </a:schemeClr>
-          </a:lnRef>
-          <a:fillRef idx="1">
-            <a:schemeClr val="accent1"/>
-          </a:fillRef>
-          <a:effectRef idx="0">
-            <a:schemeClr val="accent1"/>
-          </a:effectRef>
-          <a:fontRef idx="minor">
-            <a:schemeClr val="lt1"/>
-          </a:fontRef>
-        </p:style>
-        <p:txBody>
-          <a:bodyPr rtlCol="0" anchor="ctr"/>
-          <a:lstStyle/>
-          <a:p>
-            <a:pPr algn="ctr"/>
-            <a:r>
-              <a:rPr lang="en-US" altLang="zh-CN" b="1" smtClean="0"/>
-              <a:t>net</a:t>
-            </a:r>
-            <a:endParaRPr lang="zh-CN" altLang="en-US" b="1"/>
-          </a:p>
-        </p:txBody>
-      </p:sp>
-      <p:sp>
-        <p:nvSpPr>
-          <p:cNvPr id="5" name="云形 4"/>
-          <p:cNvSpPr/>
-          <p:nvPr/>
-        </p:nvSpPr>
-        <p:spPr>
-          <a:xfrm>
-            <a:off x="5584303" y="441456"/>
-            <a:ext cx="1695798" cy="914400"/>
-          </a:xfrm>
-          <a:prstGeom prst="cloud">
-            <a:avLst/>
-          </a:prstGeom>
-        </p:spPr>
-        <p:style>
-          <a:lnRef idx="2">
-            <a:schemeClr val="accent1">
-              <a:shade val="50000"/>
-            </a:schemeClr>
-          </a:lnRef>
-          <a:fillRef idx="1">
-            <a:schemeClr val="accent1"/>
-          </a:fillRef>
-          <a:effectRef idx="0">
-            <a:schemeClr val="accent1"/>
-          </a:effectRef>
-          <a:fontRef idx="minor">
-            <a:schemeClr val="lt1"/>
-          </a:fontRef>
-        </p:style>
-        <p:txBody>
-          <a:bodyPr rtlCol="0" anchor="ctr"/>
-          <a:lstStyle/>
-          <a:p>
-            <a:pPr algn="ctr"/>
-            <a:r>
-              <a:rPr lang="en-US" altLang="zh-CN" smtClean="0"/>
-              <a:t>player</a:t>
-            </a:r>
-            <a:endParaRPr lang="zh-CN" altLang="en-US"/>
-          </a:p>
-        </p:txBody>
-      </p:sp>
-      <p:cxnSp>
-        <p:nvCxnSpPr>
-          <p:cNvPr id="13" name="直接箭头连接符 12"/>
-          <p:cNvCxnSpPr>
-            <a:stCxn id="10" idx="3"/>
-          </p:cNvCxnSpPr>
-          <p:nvPr/>
-        </p:nvCxnSpPr>
-        <p:spPr>
-          <a:xfrm flipV="1">
-            <a:off x="3536451" y="1746104"/>
-            <a:ext cx="2166567" cy="300507"/>
-          </a:xfrm>
-          <a:prstGeom prst="straightConnector1">
-            <a:avLst/>
-          </a:prstGeom>
-          <a:ln>
-            <a:prstDash val="dash"/>
-            <a:tailEnd type="triangle"/>
-          </a:ln>
-        </p:spPr>
-        <p:style>
-          <a:lnRef idx="1">
-            <a:schemeClr val="accent1"/>
-          </a:lnRef>
-          <a:fillRef idx="0">
-            <a:schemeClr val="accent1"/>
-          </a:fillRef>
-          <a:effectRef idx="0">
-            <a:schemeClr val="accent1"/>
-          </a:effectRef>
-          <a:fontRef idx="minor">
-            <a:schemeClr val="tx1"/>
-          </a:fontRef>
-        </p:style>
-      </p:cxnSp>
-      <p:cxnSp>
-        <p:nvCxnSpPr>
-          <p:cNvPr id="15" name="直接箭头连接符 14"/>
-          <p:cNvCxnSpPr>
-            <a:endCxn id="12" idx="3"/>
-          </p:cNvCxnSpPr>
-          <p:nvPr/>
-        </p:nvCxnSpPr>
-        <p:spPr>
-          <a:xfrm flipH="1">
-            <a:off x="3536451" y="2202330"/>
-            <a:ext cx="3009206" cy="1084215"/>
-          </a:xfrm>
-          <a:prstGeom prst="straightConnector1">
-            <a:avLst/>
-          </a:prstGeom>
-          <a:ln>
-            <a:prstDash val="dash"/>
-            <a:tailEnd type="triangle"/>
-          </a:ln>
-        </p:spPr>
-        <p:style>
-          <a:lnRef idx="1">
-            <a:schemeClr val="accent1"/>
-          </a:lnRef>
-          <a:fillRef idx="0">
-            <a:schemeClr val="accent1"/>
-          </a:fillRef>
-          <a:effectRef idx="0">
-            <a:schemeClr val="accent1"/>
-          </a:effectRef>
-          <a:fontRef idx="minor">
-            <a:schemeClr val="tx1"/>
-          </a:fontRef>
-        </p:style>
-      </p:cxnSp>
-      <p:cxnSp>
-        <p:nvCxnSpPr>
-          <p:cNvPr id="19" name="直接箭头连接符 18"/>
-          <p:cNvCxnSpPr>
-            <a:stCxn id="10" idx="2"/>
-            <a:endCxn id="12" idx="0"/>
-          </p:cNvCxnSpPr>
-          <p:nvPr/>
-        </p:nvCxnSpPr>
-        <p:spPr>
-          <a:xfrm>
-            <a:off x="2792462" y="2286433"/>
-            <a:ext cx="0" cy="760290"/>
-          </a:xfrm>
-          <a:prstGeom prst="straightConnector1">
-            <a:avLst/>
-          </a:prstGeom>
-          <a:ln>
-            <a:tailEnd type="triangle"/>
-          </a:ln>
-        </p:spPr>
-        <p:style>
-          <a:lnRef idx="1">
-            <a:schemeClr val="accent1"/>
-          </a:lnRef>
-          <a:fillRef idx="0">
-            <a:schemeClr val="accent1"/>
-          </a:fillRef>
-          <a:effectRef idx="0">
-            <a:schemeClr val="accent1"/>
-          </a:effectRef>
-          <a:fontRef idx="minor">
-            <a:schemeClr val="tx1"/>
-          </a:fontRef>
-        </p:style>
-      </p:cxnSp>
-      <p:sp>
-        <p:nvSpPr>
-          <p:cNvPr id="29" name="流程图: 可选过程 28"/>
-          <p:cNvSpPr/>
-          <p:nvPr/>
-        </p:nvSpPr>
-        <p:spPr>
-          <a:xfrm>
-            <a:off x="2048473" y="4158622"/>
-            <a:ext cx="1487978" cy="479644"/>
-          </a:xfrm>
-          <a:prstGeom prst="flowChartAlternateProcess">
-            <a:avLst/>
-          </a:prstGeom>
-        </p:spPr>
-        <p:style>
-          <a:lnRef idx="2">
-            <a:schemeClr val="accent1">
-              <a:shade val="50000"/>
-            </a:schemeClr>
-          </a:lnRef>
-          <a:fillRef idx="1">
-            <a:schemeClr val="accent1"/>
-          </a:fillRef>
-          <a:effectRef idx="0">
-            <a:schemeClr val="accent1"/>
-          </a:effectRef>
-          <a:fontRef idx="minor">
-            <a:schemeClr val="lt1"/>
-          </a:fontRef>
-        </p:style>
-        <p:txBody>
-          <a:bodyPr rtlCol="0" anchor="ctr"/>
-          <a:lstStyle/>
-          <a:p>
-            <a:pPr algn="ctr"/>
-            <a:r>
-              <a:rPr lang="en-US" altLang="zh-CN" b="1"/>
-              <a:t>find_module</a:t>
-            </a:r>
-            <a:endParaRPr lang="zh-CN" altLang="en-US" b="1"/>
-          </a:p>
-        </p:txBody>
-      </p:sp>
-      <p:sp>
-        <p:nvSpPr>
-          <p:cNvPr id="30" name="文本框 29"/>
-          <p:cNvSpPr txBox="1"/>
-          <p:nvPr/>
-        </p:nvSpPr>
-        <p:spPr>
-          <a:xfrm>
-            <a:off x="3872392" y="2590705"/>
-            <a:ext cx="1916807" cy="369332"/>
-          </a:xfrm>
-          <a:prstGeom prst="rect">
-            <a:avLst/>
-          </a:prstGeom>
-          <a:noFill/>
-        </p:spPr>
-        <p:txBody>
-          <a:bodyPr wrap="none" rtlCol="0">
-            <a:spAutoFit/>
-          </a:bodyPr>
-          <a:lstStyle/>
-          <a:p>
-            <a:r>
-              <a:rPr lang="en-US" altLang="zh-CN" smtClean="0"/>
-              <a:t>player</a:t>
-            </a:r>
-            <a:r>
-              <a:rPr lang="zh-CN" altLang="en-US" smtClean="0"/>
-              <a:t>目录中去找</a:t>
-            </a:r>
-            <a:endParaRPr lang="zh-CN" altLang="en-US"/>
-          </a:p>
-        </p:txBody>
-      </p:sp>
-      <p:sp>
-        <p:nvSpPr>
-          <p:cNvPr id="31" name="文本框 30"/>
-          <p:cNvSpPr txBox="1"/>
-          <p:nvPr/>
-        </p:nvSpPr>
-        <p:spPr>
-          <a:xfrm rot="21096341">
-            <a:off x="3609814" y="1506282"/>
-            <a:ext cx="2087944" cy="369332"/>
-          </a:xfrm>
-          <a:prstGeom prst="rect">
-            <a:avLst/>
-          </a:prstGeom>
-          <a:noFill/>
-        </p:spPr>
-        <p:txBody>
-          <a:bodyPr wrap="none" rtlCol="0">
-            <a:spAutoFit/>
-          </a:bodyPr>
-          <a:lstStyle/>
-          <a:p>
-            <a:r>
-              <a:rPr lang="en-US" altLang="zh-CN" smtClean="0"/>
-              <a:t>objects</a:t>
-            </a:r>
-            <a:r>
-              <a:rPr lang="zh-CN" altLang="en-US"/>
-              <a:t>的</a:t>
-            </a:r>
-            <a:r>
-              <a:rPr lang="en-US" altLang="zh-CN" smtClean="0"/>
-              <a:t>package</a:t>
-            </a:r>
-            <a:r>
-              <a:rPr lang="zh-CN" altLang="en-US" smtClean="0"/>
-              <a:t>？</a:t>
-            </a:r>
-            <a:endParaRPr lang="zh-CN" altLang="en-US"/>
-          </a:p>
-        </p:txBody>
-      </p:sp>
-      <p:sp>
-        <p:nvSpPr>
-          <p:cNvPr id="14" name="云形 13"/>
-          <p:cNvSpPr/>
-          <p:nvPr/>
-        </p:nvSpPr>
-        <p:spPr>
-          <a:xfrm>
-            <a:off x="6441746" y="2611967"/>
-            <a:ext cx="1695798" cy="914400"/>
-          </a:xfrm>
-          <a:prstGeom prst="cloud">
-            <a:avLst/>
-          </a:prstGeom>
-        </p:spPr>
-        <p:style>
-          <a:lnRef idx="2">
-            <a:schemeClr val="accent1">
-              <a:shade val="50000"/>
-            </a:schemeClr>
-          </a:lnRef>
-          <a:fillRef idx="1">
-            <a:schemeClr val="accent1"/>
-          </a:fillRef>
-          <a:effectRef idx="0">
-            <a:schemeClr val="accent1"/>
-          </a:effectRef>
-          <a:fontRef idx="minor">
-            <a:schemeClr val="lt1"/>
-          </a:fontRef>
-        </p:style>
-        <p:txBody>
-          <a:bodyPr rtlCol="0" anchor="ctr"/>
-          <a:lstStyle/>
-          <a:p>
-            <a:pPr algn="ctr"/>
-            <a:r>
-              <a:rPr lang="en-US" altLang="zh-CN" smtClean="0"/>
-              <a:t>player</a:t>
-            </a:r>
-            <a:endParaRPr lang="zh-CN" altLang="en-US"/>
-          </a:p>
-        </p:txBody>
-      </p:sp>
-    </p:spTree>
-    <p:extLst>
-      <p:ext uri="{BB962C8B-B14F-4D97-AF65-F5344CB8AC3E}">
-        <p14:creationId xmlns:p14="http://schemas.microsoft.com/office/powerpoint/2010/main" val="512041764"/>
-      </p:ext>
-    </p:extLst>
-  </p:cSld>
-  <p:clrMapOvr>
-    <a:masterClrMapping/>
-  </p:clrMapOvr>
-  <p:timing>
-    <p:tnLst>
-      <p:par>
-        <p:cTn id="1" dur="indefinite" restart="never" nodeType="tmRoot"/>
-      </p:par>
-    </p:tnLst>
-  </p:timing>
-</p:sld>
-</file>
-
-<file path=ppt/slides/slide12.xml><?xml version="1.0" encoding="utf-8"?>
 <p:sld xmlns:a="http://schemas.openxmlformats.org/drawingml/2006/main" xmlns:r="http://schemas.openxmlformats.org/officeDocument/2006/relationships" xmlns:p="http://schemas.openxmlformats.org/presentationml/2006/main">
   <p:cSld>
     <p:spTree>
@@ -6995,7 +6459,6 @@
               <a:rPr lang="en-US" altLang="zh-CN" b="1" smtClean="0"/>
               <a:t>pathlist</a:t>
             </a:r>
-            <a:endParaRPr lang="en-US" altLang="zh-CN" b="1" smtClean="0"/>
           </a:p>
         </p:txBody>
       </p:sp>
@@ -7692,7 +7155,7 @@
 </p:sld>
 </file>
 
-<file path=ppt/slides/slide13.xml><?xml version="1.0" encoding="utf-8"?>
+<file path=ppt/slides/slide12.xml><?xml version="1.0" encoding="utf-8"?>
 <p:sld xmlns:a="http://schemas.openxmlformats.org/drawingml/2006/main" xmlns:r="http://schemas.openxmlformats.org/officeDocument/2006/relationships" xmlns:p="http://schemas.openxmlformats.org/presentationml/2006/main">
   <p:cSld>
     <p:spTree>
@@ -7711,14 +7174,1000 @@
       </p:grpSpPr>
       <p:sp>
         <p:nvSpPr>
-          <p:cNvPr id="25" name="流程图: 可选过程 24"/>
+          <p:cNvPr id="3" name="Rectangle 2"/>
+          <p:cNvSpPr>
+            <a:spLocks noChangeArrowheads="1"/>
+          </p:cNvSpPr>
+          <p:nvPr/>
+        </p:nvSpPr>
+        <p:spPr bwMode="auto">
+          <a:xfrm>
+            <a:off x="9144000" y="774577"/>
+            <a:ext cx="4472378" cy="4739759"/>
+          </a:xfrm>
+          <a:prstGeom prst="rect">
+            <a:avLst/>
+          </a:prstGeom>
+          <a:noFill/>
+          <a:ln>
+            <a:noFill/>
+          </a:ln>
+          <a:effectLst/>
+          <a:extLst>
+            <a:ext uri="{909E8E84-426E-40DD-AFC4-6F175D3DCCD1}">
+              <a14:hiddenFill xmlns:a14="http://schemas.microsoft.com/office/drawing/2010/main">
+                <a:solidFill>
+                  <a:schemeClr val="accent1"/>
+                </a:solidFill>
+              </a14:hiddenFill>
+            </a:ext>
+            <a:ext uri="{91240B29-F687-4F45-9708-019B960494DF}">
+              <a14:hiddenLine xmlns:a14="http://schemas.microsoft.com/office/drawing/2010/main" w="9525">
+                <a:solidFill>
+                  <a:schemeClr val="tx1"/>
+                </a:solidFill>
+                <a:miter lim="800000"/>
+                <a:headEnd/>
+                <a:tailEnd/>
+              </a14:hiddenLine>
+            </a:ext>
+            <a:ext uri="{AF507438-7753-43E0-B8FC-AC1667EBCBE1}">
+              <a14:hiddenEffects xmlns:a14="http://schemas.microsoft.com/office/drawing/2010/main">
+                <a:effectLst>
+                  <a:outerShdw dist="35921" dir="2700000" algn="ctr" rotWithShape="0">
+                    <a:schemeClr val="bg2"/>
+                  </a:outerShdw>
+                </a:effectLst>
+              </a14:hiddenEffects>
+            </a:ext>
+          </a:extLst>
+        </p:spPr>
+        <p:txBody>
+          <a:bodyPr vert="horz" wrap="none" lIns="0" tIns="0" rIns="0" bIns="0" numCol="1" anchor="ctr" anchorCtr="0" compatLnSpc="1">
+            <a:prstTxWarp prst="textNoShape">
+              <a:avLst/>
+            </a:prstTxWarp>
+            <a:spAutoFit/>
+          </a:bodyPr>
+          <a:lstStyle>
+            <a:lvl1pPr eaLnBrk="0" fontAlgn="base" hangingPunct="0">
+              <a:spcBef>
+                <a:spcPct val="0"/>
+              </a:spcBef>
+              <a:spcAft>
+                <a:spcPct val="0"/>
+              </a:spcAft>
+              <a:defRPr>
+                <a:solidFill>
+                  <a:schemeClr val="tx1"/>
+                </a:solidFill>
+                <a:latin typeface="Arial" panose="020B0604020202020204" pitchFamily="34" charset="0"/>
+              </a:defRPr>
+            </a:lvl1pPr>
+            <a:lvl2pPr eaLnBrk="0" fontAlgn="base" hangingPunct="0">
+              <a:spcBef>
+                <a:spcPct val="0"/>
+              </a:spcBef>
+              <a:spcAft>
+                <a:spcPct val="0"/>
+              </a:spcAft>
+              <a:defRPr>
+                <a:solidFill>
+                  <a:schemeClr val="tx1"/>
+                </a:solidFill>
+                <a:latin typeface="Arial" panose="020B0604020202020204" pitchFamily="34" charset="0"/>
+              </a:defRPr>
+            </a:lvl2pPr>
+            <a:lvl3pPr eaLnBrk="0" fontAlgn="base" hangingPunct="0">
+              <a:spcBef>
+                <a:spcPct val="0"/>
+              </a:spcBef>
+              <a:spcAft>
+                <a:spcPct val="0"/>
+              </a:spcAft>
+              <a:defRPr>
+                <a:solidFill>
+                  <a:schemeClr val="tx1"/>
+                </a:solidFill>
+                <a:latin typeface="Arial" panose="020B0604020202020204" pitchFamily="34" charset="0"/>
+              </a:defRPr>
+            </a:lvl3pPr>
+            <a:lvl4pPr eaLnBrk="0" fontAlgn="base" hangingPunct="0">
+              <a:spcBef>
+                <a:spcPct val="0"/>
+              </a:spcBef>
+              <a:spcAft>
+                <a:spcPct val="0"/>
+              </a:spcAft>
+              <a:defRPr>
+                <a:solidFill>
+                  <a:schemeClr val="tx1"/>
+                </a:solidFill>
+                <a:latin typeface="Arial" panose="020B0604020202020204" pitchFamily="34" charset="0"/>
+              </a:defRPr>
+            </a:lvl4pPr>
+            <a:lvl5pPr eaLnBrk="0" fontAlgn="base" hangingPunct="0">
+              <a:spcBef>
+                <a:spcPct val="0"/>
+              </a:spcBef>
+              <a:spcAft>
+                <a:spcPct val="0"/>
+              </a:spcAft>
+              <a:defRPr>
+                <a:solidFill>
+                  <a:schemeClr val="tx1"/>
+                </a:solidFill>
+                <a:latin typeface="Arial" panose="020B0604020202020204" pitchFamily="34" charset="0"/>
+              </a:defRPr>
+            </a:lvl5pPr>
+            <a:lvl6pPr eaLnBrk="0" fontAlgn="base" hangingPunct="0">
+              <a:spcBef>
+                <a:spcPct val="0"/>
+              </a:spcBef>
+              <a:spcAft>
+                <a:spcPct val="0"/>
+              </a:spcAft>
+              <a:defRPr>
+                <a:solidFill>
+                  <a:schemeClr val="tx1"/>
+                </a:solidFill>
+                <a:latin typeface="Arial" panose="020B0604020202020204" pitchFamily="34" charset="0"/>
+              </a:defRPr>
+            </a:lvl6pPr>
+            <a:lvl7pPr eaLnBrk="0" fontAlgn="base" hangingPunct="0">
+              <a:spcBef>
+                <a:spcPct val="0"/>
+              </a:spcBef>
+              <a:spcAft>
+                <a:spcPct val="0"/>
+              </a:spcAft>
+              <a:defRPr>
+                <a:solidFill>
+                  <a:schemeClr val="tx1"/>
+                </a:solidFill>
+                <a:latin typeface="Arial" panose="020B0604020202020204" pitchFamily="34" charset="0"/>
+              </a:defRPr>
+            </a:lvl7pPr>
+            <a:lvl8pPr eaLnBrk="0" fontAlgn="base" hangingPunct="0">
+              <a:spcBef>
+                <a:spcPct val="0"/>
+              </a:spcBef>
+              <a:spcAft>
+                <a:spcPct val="0"/>
+              </a:spcAft>
+              <a:defRPr>
+                <a:solidFill>
+                  <a:schemeClr val="tx1"/>
+                </a:solidFill>
+                <a:latin typeface="Arial" panose="020B0604020202020204" pitchFamily="34" charset="0"/>
+              </a:defRPr>
+            </a:lvl8pPr>
+            <a:lvl9pPr eaLnBrk="0" fontAlgn="base" hangingPunct="0">
+              <a:spcBef>
+                <a:spcPct val="0"/>
+              </a:spcBef>
+              <a:spcAft>
+                <a:spcPct val="0"/>
+              </a:spcAft>
+              <a:defRPr>
+                <a:solidFill>
+                  <a:schemeClr val="tx1"/>
+                </a:solidFill>
+                <a:latin typeface="Arial" panose="020B0604020202020204" pitchFamily="34" charset="0"/>
+              </a:defRPr>
+            </a:lvl9pPr>
+          </a:lstStyle>
+          <a:p>
+            <a:pPr lvl="0"/>
+            <a:r>
+              <a:rPr lang="zh-CN" altLang="zh-CN" sz="1400" smtClean="0">
+                <a:solidFill>
+                  <a:srgbClr val="000000"/>
+                </a:solidFill>
+                <a:latin typeface="Consolas" panose="020B0609020204030204" pitchFamily="49" charset="0"/>
+              </a:rPr>
+              <a:t>TEST</a:t>
+            </a:r>
+            <a:r>
+              <a:rPr lang="zh-CN" altLang="zh-CN" sz="1400">
+                <a:solidFill>
+                  <a:srgbClr val="000000"/>
+                </a:solidFill>
+                <a:latin typeface="Consolas" panose="020B0609020204030204" pitchFamily="49" charset="0"/>
+              </a:rPr>
+              <a:t>_PATH</a:t>
+            </a:r>
+            <a:r>
+              <a:rPr lang="zh-CN" altLang="zh-CN" sz="1400" b="1">
+                <a:solidFill>
+                  <a:srgbClr val="7F0055"/>
+                </a:solidFill>
+                <a:latin typeface="Consolas" panose="020B0609020204030204" pitchFamily="49" charset="0"/>
+              </a:rPr>
+              <a:t>=</a:t>
+            </a:r>
+            <a:r>
+              <a:rPr lang="zh-CN" altLang="zh-CN" sz="1400">
+                <a:solidFill>
+                  <a:srgbClr val="000000"/>
+                </a:solidFill>
+                <a:latin typeface="Consolas" panose="020B0609020204030204" pitchFamily="49" charset="0"/>
+              </a:rPr>
+              <a:t>r</a:t>
+            </a:r>
+            <a:r>
+              <a:rPr lang="zh-CN" altLang="zh-CN" sz="1400">
+                <a:solidFill>
+                  <a:srgbClr val="2A00FF"/>
+                </a:solidFill>
+                <a:latin typeface="Consolas" panose="020B0609020204030204" pitchFamily="49" charset="0"/>
+              </a:rPr>
+              <a:t>"E:\work\py"</a:t>
+            </a:r>
+            <a:endParaRPr lang="zh-CN" altLang="zh-CN" sz="1400"/>
+          </a:p>
+          <a:p>
+            <a:pPr lvl="0"/>
+            <a:r>
+              <a:rPr lang="zh-CN" altLang="zh-CN" sz="1400" b="1">
+                <a:solidFill>
+                  <a:srgbClr val="7F0055"/>
+                </a:solidFill>
+                <a:latin typeface="Consolas" panose="020B0609020204030204" pitchFamily="49" charset="0"/>
+              </a:rPr>
+              <a:t>class</a:t>
+            </a:r>
+            <a:r>
+              <a:rPr lang="zh-CN" altLang="zh-CN" sz="1400">
+                <a:solidFill>
+                  <a:srgbClr val="333333"/>
+                </a:solidFill>
+                <a:latin typeface="Consolas" panose="020B0609020204030204" pitchFamily="49" charset="0"/>
+              </a:rPr>
+              <a:t> </a:t>
+            </a:r>
+            <a:r>
+              <a:rPr lang="zh-CN" altLang="zh-CN" sz="1400">
+                <a:solidFill>
+                  <a:srgbClr val="000000"/>
+                </a:solidFill>
+                <a:latin typeface="Consolas" panose="020B0609020204030204" pitchFamily="49" charset="0"/>
+              </a:rPr>
+              <a:t>CFinder:</a:t>
+            </a:r>
+            <a:endParaRPr lang="zh-CN" altLang="zh-CN" sz="1400"/>
+          </a:p>
+          <a:p>
+            <a:pPr lvl="0"/>
+            <a:r>
+              <a:rPr lang="zh-CN" altLang="zh-CN" sz="1400">
+                <a:solidFill>
+                  <a:srgbClr val="DD1144"/>
+                </a:solidFill>
+                <a:latin typeface="Consolas" panose="020B0609020204030204" pitchFamily="49" charset="0"/>
+              </a:rPr>
+              <a:t>    </a:t>
+            </a:r>
+            <a:r>
+              <a:rPr lang="zh-CN" altLang="zh-CN" sz="1400" b="1">
+                <a:solidFill>
+                  <a:srgbClr val="7F0055"/>
+                </a:solidFill>
+                <a:latin typeface="Consolas" panose="020B0609020204030204" pitchFamily="49" charset="0"/>
+              </a:rPr>
+              <a:t>def</a:t>
+            </a:r>
+            <a:r>
+              <a:rPr lang="zh-CN" altLang="zh-CN" sz="1400">
+                <a:solidFill>
+                  <a:srgbClr val="333333"/>
+                </a:solidFill>
+                <a:latin typeface="Consolas" panose="020B0609020204030204" pitchFamily="49" charset="0"/>
+              </a:rPr>
+              <a:t> </a:t>
+            </a:r>
+            <a:r>
+              <a:rPr lang="zh-CN" altLang="zh-CN" sz="1400">
+                <a:solidFill>
+                  <a:srgbClr val="000000"/>
+                </a:solidFill>
+                <a:latin typeface="Consolas" panose="020B0609020204030204" pitchFamily="49" charset="0"/>
+              </a:rPr>
+              <a:t>find_module(</a:t>
+            </a:r>
+            <a:r>
+              <a:rPr lang="zh-CN" altLang="zh-CN" sz="1400">
+                <a:solidFill>
+                  <a:srgbClr val="808080"/>
+                </a:solidFill>
+                <a:latin typeface="Consolas" panose="020B0609020204030204" pitchFamily="49" charset="0"/>
+              </a:rPr>
+              <a:t>self</a:t>
+            </a:r>
+            <a:r>
+              <a:rPr lang="zh-CN" altLang="zh-CN" sz="1400">
+                <a:solidFill>
+                  <a:srgbClr val="000000"/>
+                </a:solidFill>
+                <a:latin typeface="Consolas" panose="020B0609020204030204" pitchFamily="49" charset="0"/>
+              </a:rPr>
+              <a:t>,fullname,path</a:t>
+            </a:r>
+            <a:r>
+              <a:rPr lang="zh-CN" altLang="zh-CN" sz="1400" b="1">
+                <a:solidFill>
+                  <a:srgbClr val="7F0055"/>
+                </a:solidFill>
+                <a:latin typeface="Consolas" panose="020B0609020204030204" pitchFamily="49" charset="0"/>
+              </a:rPr>
+              <a:t>=</a:t>
+            </a:r>
+            <a:r>
+              <a:rPr lang="zh-CN" altLang="zh-CN" sz="1400">
+                <a:solidFill>
+                  <a:srgbClr val="808080"/>
+                </a:solidFill>
+                <a:latin typeface="Consolas" panose="020B0609020204030204" pitchFamily="49" charset="0"/>
+              </a:rPr>
+              <a:t>None</a:t>
+            </a:r>
+            <a:r>
+              <a:rPr lang="zh-CN" altLang="zh-CN" sz="1400">
+                <a:solidFill>
+                  <a:srgbClr val="000000"/>
+                </a:solidFill>
+                <a:latin typeface="Consolas" panose="020B0609020204030204" pitchFamily="49" charset="0"/>
+              </a:rPr>
+              <a:t>):</a:t>
+            </a:r>
+            <a:endParaRPr lang="zh-CN" altLang="zh-CN" sz="1400"/>
+          </a:p>
+          <a:p>
+            <a:pPr lvl="0"/>
+            <a:r>
+              <a:rPr lang="zh-CN" altLang="zh-CN" sz="1400">
+                <a:solidFill>
+                  <a:srgbClr val="DD1144"/>
+                </a:solidFill>
+                <a:latin typeface="Consolas" panose="020B0609020204030204" pitchFamily="49" charset="0"/>
+              </a:rPr>
+              <a:t>        </a:t>
+            </a:r>
+            <a:r>
+              <a:rPr lang="zh-CN" altLang="zh-CN" sz="1400" b="1">
+                <a:solidFill>
+                  <a:srgbClr val="7F0055"/>
+                </a:solidFill>
+                <a:latin typeface="Consolas" panose="020B0609020204030204" pitchFamily="49" charset="0"/>
+              </a:rPr>
+              <a:t>if</a:t>
+            </a:r>
+            <a:r>
+              <a:rPr lang="zh-CN" altLang="zh-CN" sz="1400">
+                <a:solidFill>
+                  <a:srgbClr val="333333"/>
+                </a:solidFill>
+                <a:latin typeface="Consolas" panose="020B0609020204030204" pitchFamily="49" charset="0"/>
+              </a:rPr>
+              <a:t> </a:t>
+            </a:r>
+            <a:r>
+              <a:rPr lang="zh-CN" altLang="zh-CN" sz="1400">
+                <a:solidFill>
+                  <a:srgbClr val="000000"/>
+                </a:solidFill>
+                <a:latin typeface="Consolas" panose="020B0609020204030204" pitchFamily="49" charset="0"/>
+              </a:rPr>
+              <a:t>fullname</a:t>
+            </a:r>
+            <a:r>
+              <a:rPr lang="zh-CN" altLang="zh-CN" sz="1400" b="1">
+                <a:solidFill>
+                  <a:srgbClr val="7F0055"/>
+                </a:solidFill>
+                <a:latin typeface="Consolas" panose="020B0609020204030204" pitchFamily="49" charset="0"/>
+              </a:rPr>
+              <a:t>==</a:t>
+            </a:r>
+            <a:r>
+              <a:rPr lang="zh-CN" altLang="zh-CN" sz="1400">
+                <a:solidFill>
+                  <a:srgbClr val="2A00FF"/>
+                </a:solidFill>
+                <a:latin typeface="Consolas" panose="020B0609020204030204" pitchFamily="49" charset="0"/>
+              </a:rPr>
+              <a:t>"xxx"</a:t>
+            </a:r>
+            <a:r>
+              <a:rPr lang="zh-CN" altLang="zh-CN" sz="1400">
+                <a:solidFill>
+                  <a:srgbClr val="000000"/>
+                </a:solidFill>
+                <a:latin typeface="Consolas" panose="020B0609020204030204" pitchFamily="49" charset="0"/>
+              </a:rPr>
+              <a:t>:</a:t>
+            </a:r>
+            <a:endParaRPr lang="zh-CN" altLang="zh-CN" sz="1400"/>
+          </a:p>
+          <a:p>
+            <a:pPr lvl="0"/>
+            <a:r>
+              <a:rPr lang="zh-CN" altLang="zh-CN" sz="1400">
+                <a:solidFill>
+                  <a:srgbClr val="DD1144"/>
+                </a:solidFill>
+                <a:latin typeface="Consolas" panose="020B0609020204030204" pitchFamily="49" charset="0"/>
+              </a:rPr>
+              <a:t>            </a:t>
+            </a:r>
+            <a:r>
+              <a:rPr lang="zh-CN" altLang="zh-CN" sz="1400" b="1">
+                <a:solidFill>
+                  <a:srgbClr val="7F0055"/>
+                </a:solidFill>
+                <a:latin typeface="Consolas" panose="020B0609020204030204" pitchFamily="49" charset="0"/>
+              </a:rPr>
+              <a:t>return</a:t>
+            </a:r>
+            <a:r>
+              <a:rPr lang="zh-CN" altLang="zh-CN" sz="1400">
+                <a:solidFill>
+                  <a:srgbClr val="333333"/>
+                </a:solidFill>
+                <a:latin typeface="Consolas" panose="020B0609020204030204" pitchFamily="49" charset="0"/>
+              </a:rPr>
+              <a:t> </a:t>
+            </a:r>
+            <a:r>
+              <a:rPr lang="zh-CN" altLang="zh-CN" sz="1400">
+                <a:solidFill>
+                  <a:srgbClr val="808080"/>
+                </a:solidFill>
+                <a:latin typeface="Consolas" panose="020B0609020204030204" pitchFamily="49" charset="0"/>
+              </a:rPr>
+              <a:t>self</a:t>
+            </a:r>
+            <a:endParaRPr lang="zh-CN" altLang="zh-CN" sz="1400"/>
+          </a:p>
+          <a:p>
+            <a:pPr lvl="0"/>
+            <a:r>
+              <a:rPr lang="zh-CN" altLang="zh-CN" sz="1400">
+                <a:solidFill>
+                  <a:srgbClr val="DD1144"/>
+                </a:solidFill>
+                <a:latin typeface="Consolas" panose="020B0609020204030204" pitchFamily="49" charset="0"/>
+              </a:rPr>
+              <a:t>    </a:t>
+            </a:r>
+            <a:r>
+              <a:rPr lang="zh-CN" altLang="zh-CN" sz="1400" b="1">
+                <a:solidFill>
+                  <a:srgbClr val="7F0055"/>
+                </a:solidFill>
+                <a:latin typeface="Consolas" panose="020B0609020204030204" pitchFamily="49" charset="0"/>
+              </a:rPr>
+              <a:t>def</a:t>
+            </a:r>
+            <a:r>
+              <a:rPr lang="zh-CN" altLang="zh-CN" sz="1400">
+                <a:solidFill>
+                  <a:srgbClr val="333333"/>
+                </a:solidFill>
+                <a:latin typeface="Consolas" panose="020B0609020204030204" pitchFamily="49" charset="0"/>
+              </a:rPr>
+              <a:t> </a:t>
+            </a:r>
+            <a:r>
+              <a:rPr lang="zh-CN" altLang="zh-CN" sz="1400">
+                <a:solidFill>
+                  <a:srgbClr val="000000"/>
+                </a:solidFill>
+                <a:latin typeface="Consolas" panose="020B0609020204030204" pitchFamily="49" charset="0"/>
+              </a:rPr>
+              <a:t>load_module(</a:t>
+            </a:r>
+            <a:r>
+              <a:rPr lang="zh-CN" altLang="zh-CN" sz="1400">
+                <a:solidFill>
+                  <a:srgbClr val="808080"/>
+                </a:solidFill>
+                <a:latin typeface="Consolas" panose="020B0609020204030204" pitchFamily="49" charset="0"/>
+              </a:rPr>
+              <a:t>self</a:t>
+            </a:r>
+            <a:r>
+              <a:rPr lang="zh-CN" altLang="zh-CN" sz="1400">
+                <a:solidFill>
+                  <a:srgbClr val="000000"/>
+                </a:solidFill>
+                <a:latin typeface="Consolas" panose="020B0609020204030204" pitchFamily="49" charset="0"/>
+              </a:rPr>
+              <a:t>,fullname):</a:t>
+            </a:r>
+            <a:endParaRPr lang="zh-CN" altLang="zh-CN" sz="1400"/>
+          </a:p>
+          <a:p>
+            <a:pPr lvl="0"/>
+            <a:r>
+              <a:rPr lang="zh-CN" altLang="zh-CN" sz="1400">
+                <a:solidFill>
+                  <a:srgbClr val="DD1144"/>
+                </a:solidFill>
+                <a:latin typeface="Consolas" panose="020B0609020204030204" pitchFamily="49" charset="0"/>
+              </a:rPr>
+              <a:t>        </a:t>
+            </a:r>
+            <a:r>
+              <a:rPr lang="zh-CN" altLang="zh-CN" sz="1400" b="1">
+                <a:solidFill>
+                  <a:srgbClr val="7F0055"/>
+                </a:solidFill>
+                <a:latin typeface="Consolas" panose="020B0609020204030204" pitchFamily="49" charset="0"/>
+              </a:rPr>
+              <a:t>import</a:t>
+            </a:r>
+            <a:r>
+              <a:rPr lang="zh-CN" altLang="zh-CN" sz="1400">
+                <a:solidFill>
+                  <a:srgbClr val="333333"/>
+                </a:solidFill>
+                <a:latin typeface="Consolas" panose="020B0609020204030204" pitchFamily="49" charset="0"/>
+              </a:rPr>
+              <a:t> </a:t>
+            </a:r>
+            <a:r>
+              <a:rPr lang="zh-CN" altLang="zh-CN" sz="1400">
+                <a:solidFill>
+                  <a:srgbClr val="000000"/>
+                </a:solidFill>
+                <a:latin typeface="Consolas" panose="020B0609020204030204" pitchFamily="49" charset="0"/>
+              </a:rPr>
+              <a:t>sys</a:t>
+            </a:r>
+            <a:endParaRPr lang="zh-CN" altLang="zh-CN" sz="1400"/>
+          </a:p>
+          <a:p>
+            <a:pPr lvl="0"/>
+            <a:r>
+              <a:rPr lang="zh-CN" altLang="zh-CN" sz="1400">
+                <a:solidFill>
+                  <a:srgbClr val="DD1144"/>
+                </a:solidFill>
+                <a:latin typeface="Consolas" panose="020B0609020204030204" pitchFamily="49" charset="0"/>
+              </a:rPr>
+              <a:t>        </a:t>
+            </a:r>
+            <a:r>
+              <a:rPr lang="zh-CN" altLang="zh-CN" sz="1400" b="1">
+                <a:solidFill>
+                  <a:srgbClr val="7F0055"/>
+                </a:solidFill>
+                <a:latin typeface="Consolas" panose="020B0609020204030204" pitchFamily="49" charset="0"/>
+              </a:rPr>
+              <a:t>return</a:t>
+            </a:r>
+            <a:r>
+              <a:rPr lang="zh-CN" altLang="zh-CN" sz="1400">
+                <a:solidFill>
+                  <a:srgbClr val="333333"/>
+                </a:solidFill>
+                <a:latin typeface="Consolas" panose="020B0609020204030204" pitchFamily="49" charset="0"/>
+              </a:rPr>
+              <a:t> </a:t>
+            </a:r>
+            <a:r>
+              <a:rPr lang="zh-CN" altLang="zh-CN" sz="1400" smtClean="0">
+                <a:solidFill>
+                  <a:srgbClr val="000000"/>
+                </a:solidFill>
+                <a:latin typeface="Consolas" panose="020B0609020204030204" pitchFamily="49" charset="0"/>
+              </a:rPr>
+              <a:t>sys</a:t>
+            </a:r>
+            <a:endParaRPr lang="en-US" altLang="zh-CN" sz="1400"/>
+          </a:p>
+          <a:p>
+            <a:pPr lvl="0"/>
+            <a:endParaRPr lang="zh-CN" altLang="zh-CN" sz="1400"/>
+          </a:p>
+          <a:p>
+            <a:pPr lvl="0"/>
+            <a:r>
+              <a:rPr lang="zh-CN" altLang="zh-CN" sz="1400" b="1">
+                <a:solidFill>
+                  <a:srgbClr val="7F0055"/>
+                </a:solidFill>
+                <a:latin typeface="Consolas" panose="020B0609020204030204" pitchFamily="49" charset="0"/>
+              </a:rPr>
+              <a:t>def</a:t>
+            </a:r>
+            <a:r>
+              <a:rPr lang="zh-CN" altLang="zh-CN" sz="1400">
+                <a:solidFill>
+                  <a:srgbClr val="333333"/>
+                </a:solidFill>
+                <a:latin typeface="Consolas" panose="020B0609020204030204" pitchFamily="49" charset="0"/>
+              </a:rPr>
+              <a:t> </a:t>
+            </a:r>
+            <a:r>
+              <a:rPr lang="zh-CN" altLang="zh-CN" sz="1400">
+                <a:solidFill>
+                  <a:srgbClr val="000000"/>
+                </a:solidFill>
+                <a:latin typeface="Consolas" panose="020B0609020204030204" pitchFamily="49" charset="0"/>
+              </a:rPr>
+              <a:t>pathhook(path):</a:t>
+            </a:r>
+            <a:endParaRPr lang="zh-CN" altLang="zh-CN" sz="1400"/>
+          </a:p>
+          <a:p>
+            <a:pPr lvl="0"/>
+            <a:r>
+              <a:rPr lang="zh-CN" altLang="zh-CN" sz="1400">
+                <a:solidFill>
+                  <a:srgbClr val="DD1144"/>
+                </a:solidFill>
+                <a:latin typeface="Consolas" panose="020B0609020204030204" pitchFamily="49" charset="0"/>
+              </a:rPr>
+              <a:t>    </a:t>
+            </a:r>
+            <a:r>
+              <a:rPr lang="zh-CN" altLang="zh-CN" sz="1400" b="1">
+                <a:solidFill>
+                  <a:srgbClr val="7F0055"/>
+                </a:solidFill>
+                <a:latin typeface="Consolas" panose="020B0609020204030204" pitchFamily="49" charset="0"/>
+              </a:rPr>
+              <a:t>if</a:t>
+            </a:r>
+            <a:r>
+              <a:rPr lang="zh-CN" altLang="zh-CN" sz="1400">
+                <a:solidFill>
+                  <a:srgbClr val="333333"/>
+                </a:solidFill>
+                <a:latin typeface="Consolas" panose="020B0609020204030204" pitchFamily="49" charset="0"/>
+              </a:rPr>
+              <a:t> </a:t>
+            </a:r>
+            <a:r>
+              <a:rPr lang="zh-CN" altLang="zh-CN" sz="1400">
+                <a:solidFill>
+                  <a:srgbClr val="000000"/>
+                </a:solidFill>
+                <a:latin typeface="Consolas" panose="020B0609020204030204" pitchFamily="49" charset="0"/>
+              </a:rPr>
+              <a:t>path</a:t>
+            </a:r>
+            <a:r>
+              <a:rPr lang="zh-CN" altLang="zh-CN" sz="1400" b="1">
+                <a:solidFill>
+                  <a:srgbClr val="7F0055"/>
+                </a:solidFill>
+                <a:latin typeface="Consolas" panose="020B0609020204030204" pitchFamily="49" charset="0"/>
+              </a:rPr>
+              <a:t>==</a:t>
+            </a:r>
+            <a:r>
+              <a:rPr lang="zh-CN" altLang="zh-CN" sz="1400">
+                <a:solidFill>
+                  <a:srgbClr val="000000"/>
+                </a:solidFill>
+                <a:latin typeface="Consolas" panose="020B0609020204030204" pitchFamily="49" charset="0"/>
+              </a:rPr>
+              <a:t>TEST_PATH:</a:t>
+            </a:r>
+            <a:endParaRPr lang="zh-CN" altLang="zh-CN" sz="1400"/>
+          </a:p>
+          <a:p>
+            <a:pPr lvl="0"/>
+            <a:r>
+              <a:rPr lang="zh-CN" altLang="zh-CN" sz="1400">
+                <a:solidFill>
+                  <a:srgbClr val="DD1144"/>
+                </a:solidFill>
+                <a:latin typeface="Consolas" panose="020B0609020204030204" pitchFamily="49" charset="0"/>
+              </a:rPr>
+              <a:t>        </a:t>
+            </a:r>
+            <a:r>
+              <a:rPr lang="zh-CN" altLang="zh-CN" sz="1400" b="1">
+                <a:solidFill>
+                  <a:srgbClr val="7F0055"/>
+                </a:solidFill>
+                <a:latin typeface="Consolas" panose="020B0609020204030204" pitchFamily="49" charset="0"/>
+              </a:rPr>
+              <a:t>return</a:t>
+            </a:r>
+            <a:r>
+              <a:rPr lang="zh-CN" altLang="zh-CN" sz="1400">
+                <a:solidFill>
+                  <a:srgbClr val="333333"/>
+                </a:solidFill>
+                <a:latin typeface="Consolas" panose="020B0609020204030204" pitchFamily="49" charset="0"/>
+              </a:rPr>
+              <a:t> </a:t>
+            </a:r>
+            <a:r>
+              <a:rPr lang="zh-CN" altLang="zh-CN" sz="1400">
+                <a:solidFill>
+                  <a:srgbClr val="000000"/>
+                </a:solidFill>
+                <a:latin typeface="Consolas" panose="020B0609020204030204" pitchFamily="49" charset="0"/>
+              </a:rPr>
+              <a:t>CFinder()</a:t>
+            </a:r>
+            <a:endParaRPr lang="zh-CN" altLang="zh-CN" sz="1400"/>
+          </a:p>
+          <a:p>
+            <a:pPr lvl="0"/>
+            <a:r>
+              <a:rPr lang="zh-CN" altLang="zh-CN" sz="1400">
+                <a:solidFill>
+                  <a:srgbClr val="DD1144"/>
+                </a:solidFill>
+                <a:latin typeface="Consolas" panose="020B0609020204030204" pitchFamily="49" charset="0"/>
+              </a:rPr>
+              <a:t>    </a:t>
+            </a:r>
+            <a:r>
+              <a:rPr lang="zh-CN" altLang="zh-CN" sz="1400" b="1">
+                <a:solidFill>
+                  <a:srgbClr val="7F0055"/>
+                </a:solidFill>
+                <a:latin typeface="Consolas" panose="020B0609020204030204" pitchFamily="49" charset="0"/>
+              </a:rPr>
+              <a:t>else</a:t>
+            </a:r>
+            <a:r>
+              <a:rPr lang="zh-CN" altLang="zh-CN" sz="1400">
+                <a:solidFill>
+                  <a:srgbClr val="000000"/>
+                </a:solidFill>
+                <a:latin typeface="Consolas" panose="020B0609020204030204" pitchFamily="49" charset="0"/>
+              </a:rPr>
+              <a:t>:</a:t>
+            </a:r>
+            <a:endParaRPr lang="zh-CN" altLang="zh-CN" sz="1400"/>
+          </a:p>
+          <a:p>
+            <a:pPr lvl="0"/>
+            <a:r>
+              <a:rPr lang="zh-CN" altLang="zh-CN" sz="1400">
+                <a:solidFill>
+                  <a:srgbClr val="DD1144"/>
+                </a:solidFill>
+                <a:latin typeface="Consolas" panose="020B0609020204030204" pitchFamily="49" charset="0"/>
+              </a:rPr>
+              <a:t>        </a:t>
+            </a:r>
+            <a:r>
+              <a:rPr lang="zh-CN" altLang="zh-CN" sz="1400" b="1">
+                <a:solidFill>
+                  <a:srgbClr val="7F0055"/>
+                </a:solidFill>
+                <a:latin typeface="Consolas" panose="020B0609020204030204" pitchFamily="49" charset="0"/>
+              </a:rPr>
+              <a:t>raise</a:t>
+            </a:r>
+            <a:r>
+              <a:rPr lang="zh-CN" altLang="zh-CN" sz="1400">
+                <a:solidFill>
+                  <a:srgbClr val="333333"/>
+                </a:solidFill>
+                <a:latin typeface="Consolas" panose="020B0609020204030204" pitchFamily="49" charset="0"/>
+              </a:rPr>
+              <a:t> </a:t>
+            </a:r>
+            <a:r>
+              <a:rPr lang="zh-CN" altLang="zh-CN" sz="1400">
+                <a:solidFill>
+                  <a:srgbClr val="000000"/>
+                </a:solidFill>
+                <a:latin typeface="Consolas" panose="020B0609020204030204" pitchFamily="49" charset="0"/>
+              </a:rPr>
+              <a:t>ImportError</a:t>
+            </a:r>
+            <a:endParaRPr lang="zh-CN" altLang="zh-CN" sz="1400"/>
+          </a:p>
+          <a:p>
+            <a:pPr lvl="0"/>
+            <a:r>
+              <a:rPr lang="zh-CN" altLang="zh-CN" sz="1400">
+                <a:solidFill>
+                  <a:srgbClr val="333333"/>
+                </a:solidFill>
+                <a:latin typeface="Consolas" panose="020B0609020204030204" pitchFamily="49" charset="0"/>
+              </a:rPr>
+              <a:t> </a:t>
+            </a:r>
+            <a:endParaRPr lang="zh-CN" altLang="zh-CN" sz="1400"/>
+          </a:p>
+          <a:p>
+            <a:pPr lvl="0"/>
+            <a:r>
+              <a:rPr lang="zh-CN" altLang="zh-CN" sz="1400">
+                <a:solidFill>
+                  <a:srgbClr val="000000"/>
+                </a:solidFill>
+                <a:latin typeface="Consolas" panose="020B0609020204030204" pitchFamily="49" charset="0"/>
+              </a:rPr>
+              <a:t>sys.path.append(TEST_PATH)</a:t>
+            </a:r>
+            <a:endParaRPr lang="zh-CN" altLang="zh-CN" sz="1400"/>
+          </a:p>
+          <a:p>
+            <a:pPr lvl="0"/>
+            <a:r>
+              <a:rPr lang="zh-CN" altLang="zh-CN" sz="1400">
+                <a:solidFill>
+                  <a:srgbClr val="000000"/>
+                </a:solidFill>
+                <a:latin typeface="Consolas" panose="020B0609020204030204" pitchFamily="49" charset="0"/>
+              </a:rPr>
+              <a:t>sys.path_hooks.append(pathhook)</a:t>
+            </a:r>
+            <a:endParaRPr lang="zh-CN" altLang="zh-CN" sz="1400"/>
+          </a:p>
+          <a:p>
+            <a:pPr lvl="0"/>
+            <a:r>
+              <a:rPr lang="zh-CN" altLang="zh-CN" sz="1400">
+                <a:solidFill>
+                  <a:srgbClr val="333333"/>
+                </a:solidFill>
+                <a:latin typeface="Consolas" panose="020B0609020204030204" pitchFamily="49" charset="0"/>
+              </a:rPr>
+              <a:t> </a:t>
+            </a:r>
+            <a:endParaRPr lang="zh-CN" altLang="zh-CN" sz="1400"/>
+          </a:p>
+          <a:p>
+            <a:pPr lvl="0"/>
+            <a:r>
+              <a:rPr lang="en-US" altLang="zh-CN" sz="1400" smtClean="0">
+                <a:solidFill>
+                  <a:srgbClr val="000000"/>
+                </a:solidFill>
+                <a:latin typeface="Consolas" panose="020B0609020204030204" pitchFamily="49" charset="0"/>
+              </a:rPr>
+              <a:t>print </a:t>
+            </a:r>
+            <a:r>
+              <a:rPr lang="zh-CN" altLang="zh-CN" sz="1400" smtClean="0">
+                <a:solidFill>
+                  <a:srgbClr val="000000"/>
+                </a:solidFill>
+                <a:latin typeface="Consolas" panose="020B0609020204030204" pitchFamily="49" charset="0"/>
+              </a:rPr>
+              <a:t>sys</a:t>
+            </a:r>
+            <a:r>
+              <a:rPr lang="zh-CN" altLang="zh-CN" sz="1400">
+                <a:solidFill>
+                  <a:srgbClr val="000000"/>
+                </a:solidFill>
+                <a:latin typeface="Consolas" panose="020B0609020204030204" pitchFamily="49" charset="0"/>
+              </a:rPr>
+              <a:t>.path_importer_cache.get(TEST_PATH)</a:t>
+            </a:r>
+            <a:endParaRPr lang="zh-CN" altLang="zh-CN" sz="1400"/>
+          </a:p>
+          <a:p>
+            <a:pPr lvl="0"/>
+            <a:r>
+              <a:rPr lang="zh-CN" altLang="zh-CN" sz="1400" b="1">
+                <a:solidFill>
+                  <a:srgbClr val="7F0055"/>
+                </a:solidFill>
+                <a:latin typeface="Consolas" panose="020B0609020204030204" pitchFamily="49" charset="0"/>
+              </a:rPr>
+              <a:t>import</a:t>
+            </a:r>
+            <a:r>
+              <a:rPr lang="zh-CN" altLang="zh-CN" sz="1400">
+                <a:solidFill>
+                  <a:srgbClr val="333333"/>
+                </a:solidFill>
+                <a:latin typeface="Consolas" panose="020B0609020204030204" pitchFamily="49" charset="0"/>
+              </a:rPr>
+              <a:t> </a:t>
+            </a:r>
+            <a:r>
+              <a:rPr lang="zh-CN" altLang="zh-CN" sz="1400">
+                <a:solidFill>
+                  <a:srgbClr val="000000"/>
+                </a:solidFill>
+                <a:latin typeface="Consolas" panose="020B0609020204030204" pitchFamily="49" charset="0"/>
+              </a:rPr>
+              <a:t>xxx</a:t>
+            </a:r>
+            <a:endParaRPr lang="zh-CN" altLang="zh-CN" sz="1400"/>
+          </a:p>
+          <a:p>
+            <a:pPr lvl="0"/>
+            <a:r>
+              <a:rPr lang="zh-CN" altLang="zh-CN" sz="1400">
+                <a:solidFill>
+                  <a:srgbClr val="FF1493"/>
+                </a:solidFill>
+                <a:latin typeface="Consolas" panose="020B0609020204030204" pitchFamily="49" charset="0"/>
+              </a:rPr>
+              <a:t>print</a:t>
+            </a:r>
+            <a:r>
+              <a:rPr lang="zh-CN" altLang="zh-CN" sz="1400">
+                <a:solidFill>
+                  <a:srgbClr val="333333"/>
+                </a:solidFill>
+                <a:latin typeface="Consolas" panose="020B0609020204030204" pitchFamily="49" charset="0"/>
+              </a:rPr>
+              <a:t> </a:t>
+            </a:r>
+            <a:r>
+              <a:rPr lang="zh-CN" altLang="zh-CN" sz="1400">
+                <a:solidFill>
+                  <a:srgbClr val="000000"/>
+                </a:solidFill>
+                <a:latin typeface="Consolas" panose="020B0609020204030204" pitchFamily="49" charset="0"/>
+              </a:rPr>
+              <a:t>xxx</a:t>
+            </a:r>
+            <a:endParaRPr lang="zh-CN" altLang="zh-CN" sz="1400"/>
+          </a:p>
+          <a:p>
+            <a:pPr lvl="0"/>
+            <a:r>
+              <a:rPr lang="zh-CN" altLang="zh-CN" sz="1400">
+                <a:solidFill>
+                  <a:srgbClr val="FF1493"/>
+                </a:solidFill>
+                <a:latin typeface="Consolas" panose="020B0609020204030204" pitchFamily="49" charset="0"/>
+              </a:rPr>
+              <a:t>print</a:t>
+            </a:r>
+            <a:r>
+              <a:rPr lang="zh-CN" altLang="zh-CN" sz="1400">
+                <a:solidFill>
+                  <a:srgbClr val="333333"/>
+                </a:solidFill>
+                <a:latin typeface="Consolas" panose="020B0609020204030204" pitchFamily="49" charset="0"/>
+              </a:rPr>
+              <a:t> </a:t>
+            </a:r>
+            <a:r>
+              <a:rPr lang="zh-CN" altLang="zh-CN" sz="1400" smtClean="0">
+                <a:solidFill>
+                  <a:srgbClr val="000000"/>
+                </a:solidFill>
+                <a:latin typeface="Consolas" panose="020B0609020204030204" pitchFamily="49" charset="0"/>
+              </a:rPr>
+              <a:t>sys</a:t>
+            </a:r>
+            <a:r>
+              <a:rPr lang="zh-CN" altLang="zh-CN" sz="1400">
+                <a:solidFill>
+                  <a:srgbClr val="000000"/>
+                </a:solidFill>
+                <a:latin typeface="Consolas" panose="020B0609020204030204" pitchFamily="49" charset="0"/>
+              </a:rPr>
+              <a:t>.path_importer_cache.get(TEST_PATH)</a:t>
+            </a:r>
+            <a:endParaRPr lang="zh-CN" altLang="zh-CN" sz="1400"/>
+          </a:p>
+        </p:txBody>
+      </p:sp>
+      <p:sp>
+        <p:nvSpPr>
+          <p:cNvPr id="4" name="流程图: 可选过程 3"/>
           <p:cNvSpPr/>
           <p:nvPr/>
         </p:nvSpPr>
         <p:spPr>
           <a:xfrm>
-            <a:off x="4097150" y="2618800"/>
-            <a:ext cx="1750238" cy="479644"/>
+            <a:off x="3435713" y="4471085"/>
+            <a:ext cx="1818744" cy="479644"/>
           </a:xfrm>
           <a:prstGeom prst="flowChartAlternateProcess">
             <a:avLst/>
@@ -7746,23 +8195,22 @@
           <a:p>
             <a:pPr algn="ctr"/>
             <a:r>
-              <a:rPr lang="en-US" altLang="zh-CN" b="1"/>
-              <a:t>sys. path_hooks</a:t>
-            </a:r>
-            <a:endParaRPr lang="zh-CN" altLang="en-US" b="1"/>
-          </a:p>
-        </p:txBody>
-      </p:sp>
-      <p:sp>
-        <p:nvSpPr>
-          <p:cNvPr id="33" name="流程图: 可选过程 32"/>
+              <a:rPr lang="en-US" altLang="zh-CN" b="1" smtClean="0"/>
+              <a:t>package</a:t>
+            </a:r>
+          </a:p>
+        </p:txBody>
+      </p:sp>
+      <p:sp>
+        <p:nvSpPr>
+          <p:cNvPr id="5" name="流程图: 可选过程 4"/>
           <p:cNvSpPr/>
           <p:nvPr/>
         </p:nvSpPr>
         <p:spPr>
           <a:xfrm>
-            <a:off x="4072877" y="4047857"/>
-            <a:ext cx="1798785" cy="479644"/>
+            <a:off x="3435713" y="4471085"/>
+            <a:ext cx="1818744" cy="479644"/>
           </a:xfrm>
           <a:prstGeom prst="flowChartAlternateProcess">
             <a:avLst/>
@@ -7791,21 +8239,22 @@
             <a:pPr algn="ctr"/>
             <a:r>
               <a:rPr lang="en-US" altLang="zh-CN" b="1" smtClean="0"/>
-              <a:t>dir</a:t>
-            </a:r>
-          </a:p>
-        </p:txBody>
-      </p:sp>
-      <p:sp>
-        <p:nvSpPr>
-          <p:cNvPr id="36" name="流程图: 可选过程 35"/>
+              <a:t>file</a:t>
+            </a:r>
+            <a:endParaRPr lang="en-US" altLang="zh-CN" b="1"/>
+          </a:p>
+        </p:txBody>
+      </p:sp>
+      <p:sp>
+        <p:nvSpPr>
+          <p:cNvPr id="6" name="流程图: 可选过程 5"/>
           <p:cNvSpPr/>
           <p:nvPr/>
         </p:nvSpPr>
         <p:spPr>
           <a:xfrm>
-            <a:off x="4072877" y="5476914"/>
-            <a:ext cx="1798785" cy="479644"/>
+            <a:off x="3435713" y="3144457"/>
+            <a:ext cx="1818744" cy="479644"/>
           </a:xfrm>
           <a:prstGeom prst="flowChartAlternateProcess">
             <a:avLst/>
@@ -7833,31 +8282,117 @@
           <a:p>
             <a:pPr algn="ctr"/>
             <a:r>
+              <a:rPr lang="en-US" altLang="zh-CN" b="1"/>
+              <a:t>path_hooks</a:t>
+            </a:r>
+          </a:p>
+        </p:txBody>
+      </p:sp>
+      <p:sp>
+        <p:nvSpPr>
+          <p:cNvPr id="7" name="流程图: 可选过程 6"/>
+          <p:cNvSpPr/>
+          <p:nvPr/>
+        </p:nvSpPr>
+        <p:spPr>
+          <a:xfrm>
+            <a:off x="3435713" y="425931"/>
+            <a:ext cx="1818744" cy="479644"/>
+          </a:xfrm>
+          <a:prstGeom prst="flowChartAlternateProcess">
+            <a:avLst/>
+          </a:prstGeom>
+        </p:spPr>
+        <p:style>
+          <a:lnRef idx="2">
+            <a:schemeClr val="accent1">
+              <a:shade val="50000"/>
+            </a:schemeClr>
+          </a:lnRef>
+          <a:fillRef idx="1">
+            <a:schemeClr val="accent1"/>
+          </a:fillRef>
+          <a:effectRef idx="0">
+            <a:schemeClr val="accent1"/>
+          </a:effectRef>
+          <a:fontRef idx="minor">
+            <a:schemeClr val="lt1"/>
+          </a:fontRef>
+        </p:style>
+        <p:txBody>
+          <a:bodyPr rtlCol="0" anchor="ctr"/>
+          <a:lstStyle/>
+          <a:p>
+            <a:pPr algn="ctr"/>
+            <a:r>
+              <a:rPr lang="en-US" altLang="zh-CN" b="1"/>
+              <a:t>pathlist</a:t>
+            </a:r>
+          </a:p>
+        </p:txBody>
+      </p:sp>
+      <p:sp>
+        <p:nvSpPr>
+          <p:cNvPr id="8" name="流程图: 可选过程 7"/>
+          <p:cNvSpPr/>
+          <p:nvPr/>
+        </p:nvSpPr>
+        <p:spPr>
+          <a:xfrm>
+            <a:off x="3435713" y="1685687"/>
+            <a:ext cx="1818744" cy="479644"/>
+          </a:xfrm>
+          <a:prstGeom prst="flowChartAlternateProcess">
+            <a:avLst/>
+          </a:prstGeom>
+        </p:spPr>
+        <p:style>
+          <a:lnRef idx="2">
+            <a:schemeClr val="accent1">
+              <a:shade val="50000"/>
+            </a:schemeClr>
+          </a:lnRef>
+          <a:fillRef idx="1">
+            <a:schemeClr val="accent1"/>
+          </a:fillRef>
+          <a:effectRef idx="0">
+            <a:schemeClr val="accent1"/>
+          </a:effectRef>
+          <a:fontRef idx="minor">
+            <a:schemeClr val="lt1"/>
+          </a:fontRef>
+        </p:style>
+        <p:txBody>
+          <a:bodyPr rtlCol="0" anchor="ctr"/>
+          <a:lstStyle/>
+          <a:p>
+            <a:pPr algn="ctr"/>
+            <a:r>
               <a:rPr lang="en-US" altLang="zh-CN" b="1" smtClean="0"/>
-              <a:t>file</a:t>
-            </a:r>
-            <a:endParaRPr lang="zh-CN" altLang="en-US" b="1"/>
+              <a:t>path</a:t>
+            </a:r>
+            <a:endParaRPr lang="en-US" altLang="zh-CN" b="1"/>
           </a:p>
         </p:txBody>
       </p:sp>
       <p:cxnSp>
         <p:nvCxnSpPr>
-          <p:cNvPr id="5" name="直接箭头连接符 4"/>
+          <p:cNvPr id="9" name="直接箭头连接符 8"/>
           <p:cNvCxnSpPr>
-            <a:stCxn id="14" idx="2"/>
-            <a:endCxn id="25" idx="0"/>
+            <a:stCxn id="7" idx="2"/>
+            <a:endCxn id="8" idx="0"/>
           </p:cNvCxnSpPr>
           <p:nvPr/>
         </p:nvCxnSpPr>
         <p:spPr>
           <a:xfrm>
-            <a:off x="4972269" y="1669387"/>
-            <a:ext cx="0" cy="949413"/>
+            <a:off x="4345085" y="905575"/>
+            <a:ext cx="0" cy="780112"/>
           </a:xfrm>
           <a:prstGeom prst="straightConnector1">
             <a:avLst/>
           </a:prstGeom>
-          <a:ln>
+          <a:ln w="12700">
             <a:tailEnd type="triangle"/>
           </a:ln>
         </p:spPr>
@@ -7878,22 +8413,22 @@
       </p:cxnSp>
       <p:cxnSp>
         <p:nvCxnSpPr>
-          <p:cNvPr id="19" name="直接箭头连接符 18"/>
+          <p:cNvPr id="12" name="直接箭头连接符 11"/>
           <p:cNvCxnSpPr>
-            <a:stCxn id="25" idx="2"/>
-            <a:endCxn id="33" idx="0"/>
+            <a:stCxn id="8" idx="2"/>
+            <a:endCxn id="6" idx="0"/>
           </p:cNvCxnSpPr>
           <p:nvPr/>
         </p:nvCxnSpPr>
         <p:spPr>
           <a:xfrm>
-            <a:off x="4972269" y="3098444"/>
-            <a:ext cx="1" cy="949413"/>
+            <a:off x="4345085" y="2165331"/>
+            <a:ext cx="0" cy="979126"/>
           </a:xfrm>
           <a:prstGeom prst="straightConnector1">
             <a:avLst/>
           </a:prstGeom>
-          <a:ln>
+          <a:ln w="12700">
             <a:tailEnd type="triangle"/>
           </a:ln>
         </p:spPr>
@@ -7914,22 +8449,22 @@
       </p:cxnSp>
       <p:cxnSp>
         <p:nvCxnSpPr>
-          <p:cNvPr id="22" name="直接箭头连接符 21"/>
+          <p:cNvPr id="16" name="直接箭头连接符 15"/>
           <p:cNvCxnSpPr>
-            <a:stCxn id="33" idx="2"/>
-            <a:endCxn id="36" idx="0"/>
+            <a:stCxn id="6" idx="2"/>
+            <a:endCxn id="4" idx="0"/>
           </p:cNvCxnSpPr>
           <p:nvPr/>
         </p:nvCxnSpPr>
         <p:spPr>
           <a:xfrm>
-            <a:off x="4972270" y="4527501"/>
-            <a:ext cx="0" cy="949413"/>
+            <a:off x="4345085" y="3624101"/>
+            <a:ext cx="0" cy="846984"/>
           </a:xfrm>
           <a:prstGeom prst="straightConnector1">
             <a:avLst/>
           </a:prstGeom>
-          <a:ln>
+          <a:ln w="12700">
             <a:tailEnd type="triangle"/>
           </a:ln>
         </p:spPr>
@@ -7950,14 +8485,14 @@
       </p:cxnSp>
       <p:sp>
         <p:nvSpPr>
-          <p:cNvPr id="12" name="云形 11"/>
+          <p:cNvPr id="26" name="云形 25"/>
           <p:cNvSpPr/>
           <p:nvPr/>
         </p:nvSpPr>
         <p:spPr>
           <a:xfrm>
-            <a:off x="6980844" y="3837445"/>
-            <a:ext cx="1993823" cy="697022"/>
+            <a:off x="2210535" y="3832791"/>
+            <a:ext cx="1389769" cy="914400"/>
           </a:xfrm>
           <a:prstGeom prst="cloud">
             <a:avLst/>
@@ -7985,22 +8520,23 @@
           <a:p>
             <a:pPr algn="ctr"/>
             <a:r>
-              <a:rPr lang="en-US" altLang="zh-CN" b="1"/>
-              <a:t>__init__</a:t>
-            </a:r>
-          </a:p>
-        </p:txBody>
-      </p:sp>
-      <p:sp>
-        <p:nvSpPr>
-          <p:cNvPr id="30" name="云形 29"/>
+              <a:rPr lang="en-US" altLang="zh-CN" b="1" smtClean="0"/>
+              <a:t>net/</a:t>
+            </a:r>
+            <a:endParaRPr lang="zh-CN" altLang="en-US" b="1"/>
+          </a:p>
+        </p:txBody>
+      </p:sp>
+      <p:sp>
+        <p:nvSpPr>
+          <p:cNvPr id="27" name="云形 26"/>
           <p:cNvSpPr/>
           <p:nvPr/>
         </p:nvSpPr>
         <p:spPr>
           <a:xfrm>
-            <a:off x="373457" y="5476914"/>
-            <a:ext cx="2657610" cy="914400"/>
+            <a:off x="5017981" y="3705248"/>
+            <a:ext cx="1514205" cy="914400"/>
           </a:xfrm>
           <a:prstGeom prst="cloud">
             <a:avLst/>
@@ -8028,8 +8564,8 @@
           <a:p>
             <a:pPr algn="ctr"/>
             <a:r>
-              <a:rPr lang="en-US" altLang="zh-CN" b="1"/>
-              <a:t>pyd, py, pyw,pyc</a:t>
+              <a:rPr lang="en-US" altLang="zh-CN" b="1" smtClean="0"/>
+              <a:t>__init__</a:t>
             </a:r>
             <a:endParaRPr lang="zh-CN" altLang="en-US" b="1"/>
           </a:p>
@@ -8037,16 +8573,16 @@
       </p:sp>
       <p:sp>
         <p:nvSpPr>
-          <p:cNvPr id="14" name="流程图: 可选过程 13"/>
+          <p:cNvPr id="29" name="折角形 28"/>
           <p:cNvSpPr/>
           <p:nvPr/>
         </p:nvSpPr>
         <p:spPr>
           <a:xfrm>
-            <a:off x="4097150" y="1189743"/>
-            <a:ext cx="1750238" cy="479644"/>
+            <a:off x="2857297" y="3690571"/>
+            <a:ext cx="704193" cy="795191"/>
           </a:xfrm>
-          <a:prstGeom prst="flowChartAlternateProcess">
+          <a:prstGeom prst="foldedCorner">
             <a:avLst/>
           </a:prstGeom>
         </p:spPr>
@@ -8072,25 +8608,25 @@
           <a:p>
             <a:pPr algn="ctr"/>
             <a:r>
-              <a:rPr lang="en-US" altLang="zh-CN" b="1" smtClean="0"/>
-              <a:t>path</a:t>
-            </a:r>
-            <a:endParaRPr lang="zh-CN" altLang="en-US" b="1"/>
-          </a:p>
-        </p:txBody>
-      </p:sp>
-      <p:sp>
-        <p:nvSpPr>
-          <p:cNvPr id="17" name="流程图: 可选过程 16"/>
+              <a:rPr lang="en-US" altLang="zh-CN" smtClean="0"/>
+              <a:t>pyd</a:t>
+            </a:r>
+            <a:endParaRPr lang="zh-CN" altLang="en-US"/>
+          </a:p>
+        </p:txBody>
+      </p:sp>
+      <p:sp>
+        <p:nvSpPr>
+          <p:cNvPr id="33" name="折角形 32"/>
           <p:cNvSpPr/>
           <p:nvPr/>
         </p:nvSpPr>
         <p:spPr>
           <a:xfrm>
-            <a:off x="292743" y="1189743"/>
-            <a:ext cx="1750238" cy="479644"/>
+            <a:off x="5254457" y="3649997"/>
+            <a:ext cx="704193" cy="795191"/>
           </a:xfrm>
-          <a:prstGeom prst="flowChartAlternateProcess">
+          <a:prstGeom prst="foldedCorner">
             <a:avLst/>
           </a:prstGeom>
         </p:spPr>
@@ -8116,53 +8652,105 @@
           <a:p>
             <a:pPr algn="ctr"/>
             <a:r>
-              <a:rPr lang="en-US" altLang="zh-CN" b="1"/>
-              <a:t>pathlist</a:t>
-            </a:r>
-            <a:endParaRPr lang="zh-CN" altLang="en-US" b="1"/>
-          </a:p>
-        </p:txBody>
-      </p:sp>
-      <p:cxnSp>
-        <p:nvCxnSpPr>
-          <p:cNvPr id="27" name="直接箭头连接符 26"/>
-          <p:cNvCxnSpPr>
-            <a:stCxn id="17" idx="3"/>
-            <a:endCxn id="14" idx="1"/>
-          </p:cNvCxnSpPr>
+              <a:rPr lang="en-US" altLang="zh-CN" smtClean="0"/>
+              <a:t>py</a:t>
+            </a:r>
+            <a:endParaRPr lang="zh-CN" altLang="en-US"/>
+          </a:p>
+        </p:txBody>
+      </p:sp>
+      <p:sp>
+        <p:nvSpPr>
+          <p:cNvPr id="34" name="折角形 33"/>
+          <p:cNvSpPr/>
           <p:nvPr/>
-        </p:nvCxnSpPr>
+        </p:nvSpPr>
         <p:spPr>
           <a:xfrm>
-            <a:off x="2042981" y="1429565"/>
-            <a:ext cx="2054169" cy="0"/>
+            <a:off x="5233437" y="4960482"/>
+            <a:ext cx="704193" cy="795191"/>
           </a:xfrm>
-          <a:prstGeom prst="straightConnector1">
+          <a:prstGeom prst="foldedCorner">
             <a:avLst/>
           </a:prstGeom>
-          <a:ln>
-            <a:tailEnd type="triangle"/>
-          </a:ln>
         </p:spPr>
         <p:style>
-          <a:lnRef idx="1">
-            <a:schemeClr val="accent1"/>
+          <a:lnRef idx="2">
+            <a:schemeClr val="accent1">
+              <a:shade val="50000"/>
+            </a:schemeClr>
           </a:lnRef>
-          <a:fillRef idx="0">
+          <a:fillRef idx="1">
             <a:schemeClr val="accent1"/>
           </a:fillRef>
           <a:effectRef idx="0">
             <a:schemeClr val="accent1"/>
           </a:effectRef>
           <a:fontRef idx="minor">
-            <a:schemeClr val="tx1"/>
+            <a:schemeClr val="lt1"/>
           </a:fontRef>
         </p:style>
-      </p:cxnSp>
+        <p:txBody>
+          <a:bodyPr rtlCol="0" anchor="ctr"/>
+          <a:lstStyle/>
+          <a:p>
+            <a:pPr algn="ctr"/>
+            <a:r>
+              <a:rPr lang="en-US" altLang="zh-CN" smtClean="0"/>
+              <a:t>pyc</a:t>
+            </a:r>
+            <a:endParaRPr lang="zh-CN" altLang="en-US"/>
+          </a:p>
+        </p:txBody>
+      </p:sp>
+      <p:sp>
+        <p:nvSpPr>
+          <p:cNvPr id="35" name="折角形 34"/>
+          <p:cNvSpPr/>
+          <p:nvPr/>
+        </p:nvSpPr>
+        <p:spPr>
+          <a:xfrm>
+            <a:off x="2731520" y="4935150"/>
+            <a:ext cx="704193" cy="795191"/>
+          </a:xfrm>
+          <a:prstGeom prst="foldedCorner">
+            <a:avLst/>
+          </a:prstGeom>
+        </p:spPr>
+        <p:style>
+          <a:lnRef idx="2">
+            <a:schemeClr val="accent1">
+              <a:shade val="50000"/>
+            </a:schemeClr>
+          </a:lnRef>
+          <a:fillRef idx="1">
+            <a:schemeClr val="accent1"/>
+          </a:fillRef>
+          <a:effectRef idx="0">
+            <a:schemeClr val="accent1"/>
+          </a:effectRef>
+          <a:fontRef idx="minor">
+            <a:schemeClr val="lt1"/>
+          </a:fontRef>
+        </p:style>
+        <p:txBody>
+          <a:bodyPr rtlCol="0" anchor="ctr"/>
+          <a:lstStyle/>
+          <a:p>
+            <a:pPr algn="ctr"/>
+            <a:r>
+              <a:rPr lang="en-US" altLang="zh-CN" smtClean="0"/>
+              <a:t>pyw</a:t>
+            </a:r>
+            <a:endParaRPr lang="zh-CN" altLang="en-US"/>
+          </a:p>
+        </p:txBody>
+      </p:sp>
     </p:spTree>
     <p:extLst>
       <p:ext uri="{BB962C8B-B14F-4D97-AF65-F5344CB8AC3E}">
-        <p14:creationId xmlns:p14="http://schemas.microsoft.com/office/powerpoint/2010/main" val="218432207"/>
+        <p14:creationId xmlns:p14="http://schemas.microsoft.com/office/powerpoint/2010/main" val="1768384919"/>
       </p:ext>
     </p:extLst>
   </p:cSld>
@@ -8203,7 +8791,7 @@
                                           </p:stCondLst>
                                         </p:cTn>
                                         <p:tgtEl>
-                                          <p:spTgt spid="17"/>
+                                          <p:spTgt spid="8"/>
                                         </p:tgtEl>
                                         <p:attrNameLst>
                                           <p:attrName>style.visibility</p:attrName>
@@ -8215,9 +8803,44 @@
                                     </p:set>
                                     <p:animEffect transition="in" filter="fade">
                                       <p:cBhvr>
-                                        <p:cTn id="7" dur="2000"/>
+                                        <p:cTn id="7" dur="500"/>
                                         <p:tgtEl>
-                                          <p:spTgt spid="17"/>
+                                          <p:spTgt spid="8"/>
+                                        </p:tgtEl>
+                                      </p:cBhvr>
+                                    </p:animEffect>
+                                  </p:childTnLst>
+                                </p:cTn>
+                              </p:par>
+                              <p:par>
+                                <p:cTn id="8" presetID="22" presetClass="entr" presetSubtype="1" fill="hold" nodeType="withEffect">
+                                  <p:stCondLst>
+                                    <p:cond delay="0"/>
+                                  </p:stCondLst>
+                                  <p:childTnLst>
+                                    <p:set>
+                                      <p:cBhvr>
+                                        <p:cTn id="9" dur="1" fill="hold">
+                                          <p:stCondLst>
+                                            <p:cond delay="0"/>
+                                          </p:stCondLst>
+                                        </p:cTn>
+                                        <p:tgtEl>
+                                          <p:spTgt spid="9"/>
+                                        </p:tgtEl>
+                                        <p:attrNameLst>
+                                          <p:attrName>style.visibility</p:attrName>
+                                        </p:attrNameLst>
+                                      </p:cBhvr>
+                                      <p:to>
+                                        <p:strVal val="visible"/>
+                                      </p:to>
+                                    </p:set>
+                                    <p:animEffect transition="in" filter="wipe(up)">
+                                      <p:cBhvr>
+                                        <p:cTn id="10" dur="500"/>
+                                        <p:tgtEl>
+                                          <p:spTgt spid="9"/>
                                         </p:tgtEl>
                                       </p:cBhvr>
                                     </p:animEffect>
@@ -8231,32 +8854,67 @@
                     </p:cTn>
                   </p:par>
                   <p:par>
-                    <p:cTn id="8" fill="hold">
+                    <p:cTn id="11" fill="hold">
                       <p:stCondLst>
                         <p:cond delay="indefinite"/>
                       </p:stCondLst>
                       <p:childTnLst>
                         <p:par>
-                          <p:cTn id="9" fill="hold">
+                          <p:cTn id="12" fill="hold">
                             <p:stCondLst>
                               <p:cond delay="0"/>
                             </p:stCondLst>
                             <p:childTnLst>
                               <p:par>
-                                <p:cTn id="10" presetID="10" presetClass="entr" presetSubtype="0" fill="hold" grpId="0" nodeType="clickEffect">
+                                <p:cTn id="13" presetID="22" presetClass="entr" presetSubtype="1" fill="hold" nodeType="clickEffect">
                                   <p:stCondLst>
                                     <p:cond delay="0"/>
                                   </p:stCondLst>
                                   <p:childTnLst>
                                     <p:set>
                                       <p:cBhvr>
-                                        <p:cTn id="11" dur="1" fill="hold">
+                                        <p:cTn id="14" dur="1" fill="hold">
                                           <p:stCondLst>
                                             <p:cond delay="0"/>
                                           </p:stCondLst>
                                         </p:cTn>
                                         <p:tgtEl>
-                                          <p:spTgt spid="14"/>
+                                          <p:spTgt spid="12"/>
+                                        </p:tgtEl>
+                                        <p:attrNameLst>
+                                          <p:attrName>style.visibility</p:attrName>
+                                        </p:attrNameLst>
+                                      </p:cBhvr>
+                                      <p:to>
+                                        <p:strVal val="visible"/>
+                                      </p:to>
+                                    </p:set>
+                                    <p:animEffect transition="in" filter="wipe(up)">
+                                      <p:cBhvr>
+                                        <p:cTn id="15" dur="500"/>
+                                        <p:tgtEl>
+                                          <p:spTgt spid="12"/>
+                                        </p:tgtEl>
+                                      </p:cBhvr>
+                                    </p:animEffect>
+                                  </p:childTnLst>
+                                </p:cTn>
+                              </p:par>
+                              <p:par>
+                                <p:cTn id="16" presetID="10" presetClass="entr" presetSubtype="0" fill="hold" grpId="0" nodeType="withEffect">
+                                  <p:stCondLst>
+                                    <p:cond delay="0"/>
+                                  </p:stCondLst>
+                                  <p:childTnLst>
+                                    <p:set>
+                                      <p:cBhvr>
+                                        <p:cTn id="17" dur="1" fill="hold">
+                                          <p:stCondLst>
+                                            <p:cond delay="0"/>
+                                          </p:stCondLst>
+                                        </p:cTn>
+                                        <p:tgtEl>
+                                          <p:spTgt spid="6"/>
                                         </p:tgtEl>
                                         <p:attrNameLst>
                                           <p:attrName>style.visibility</p:attrName>
@@ -8268,9 +8926,281 @@
                                     </p:set>
                                     <p:animEffect transition="in" filter="fade">
                                       <p:cBhvr>
-                                        <p:cTn id="12" dur="2000"/>
+                                        <p:cTn id="18" dur="500"/>
                                         <p:tgtEl>
-                                          <p:spTgt spid="14"/>
+                                          <p:spTgt spid="6"/>
+                                        </p:tgtEl>
+                                      </p:cBhvr>
+                                    </p:animEffect>
+                                  </p:childTnLst>
+                                </p:cTn>
+                              </p:par>
+                            </p:childTnLst>
+                          </p:cTn>
+                        </p:par>
+                      </p:childTnLst>
+                    </p:cTn>
+                  </p:par>
+                  <p:par>
+                    <p:cTn id="19" fill="hold">
+                      <p:stCondLst>
+                        <p:cond delay="indefinite"/>
+                      </p:stCondLst>
+                      <p:childTnLst>
+                        <p:par>
+                          <p:cTn id="20" fill="hold">
+                            <p:stCondLst>
+                              <p:cond delay="0"/>
+                            </p:stCondLst>
+                            <p:childTnLst>
+                              <p:par>
+                                <p:cTn id="21" presetID="1" presetClass="exit" presetSubtype="0" fill="hold" grpId="1" nodeType="clickEffect">
+                                  <p:stCondLst>
+                                    <p:cond delay="0"/>
+                                  </p:stCondLst>
+                                  <p:childTnLst>
+                                    <p:set>
+                                      <p:cBhvr>
+                                        <p:cTn id="22" dur="1" fill="hold">
+                                          <p:stCondLst>
+                                            <p:cond delay="0"/>
+                                          </p:stCondLst>
+                                        </p:cTn>
+                                        <p:tgtEl>
+                                          <p:spTgt spid="8"/>
+                                        </p:tgtEl>
+                                        <p:attrNameLst>
+                                          <p:attrName>style.visibility</p:attrName>
+                                        </p:attrNameLst>
+                                      </p:cBhvr>
+                                      <p:to>
+                                        <p:strVal val="hidden"/>
+                                      </p:to>
+                                    </p:set>
+                                  </p:childTnLst>
+                                </p:cTn>
+                              </p:par>
+                              <p:par>
+                                <p:cTn id="23" presetID="1" presetClass="exit" presetSubtype="0" fill="hold" nodeType="withEffect">
+                                  <p:stCondLst>
+                                    <p:cond delay="0"/>
+                                  </p:stCondLst>
+                                  <p:childTnLst>
+                                    <p:set>
+                                      <p:cBhvr>
+                                        <p:cTn id="24" dur="1" fill="hold">
+                                          <p:stCondLst>
+                                            <p:cond delay="0"/>
+                                          </p:stCondLst>
+                                        </p:cTn>
+                                        <p:tgtEl>
+                                          <p:spTgt spid="9"/>
+                                        </p:tgtEl>
+                                        <p:attrNameLst>
+                                          <p:attrName>style.visibility</p:attrName>
+                                        </p:attrNameLst>
+                                      </p:cBhvr>
+                                      <p:to>
+                                        <p:strVal val="hidden"/>
+                                      </p:to>
+                                    </p:set>
+                                  </p:childTnLst>
+                                </p:cTn>
+                              </p:par>
+                              <p:par>
+                                <p:cTn id="25" presetID="1" presetClass="exit" presetSubtype="0" fill="hold" nodeType="withEffect">
+                                  <p:stCondLst>
+                                    <p:cond delay="0"/>
+                                  </p:stCondLst>
+                                  <p:childTnLst>
+                                    <p:set>
+                                      <p:cBhvr>
+                                        <p:cTn id="26" dur="1" fill="hold">
+                                          <p:stCondLst>
+                                            <p:cond delay="0"/>
+                                          </p:stCondLst>
+                                        </p:cTn>
+                                        <p:tgtEl>
+                                          <p:spTgt spid="12"/>
+                                        </p:tgtEl>
+                                        <p:attrNameLst>
+                                          <p:attrName>style.visibility</p:attrName>
+                                        </p:attrNameLst>
+                                      </p:cBhvr>
+                                      <p:to>
+                                        <p:strVal val="hidden"/>
+                                      </p:to>
+                                    </p:set>
+                                  </p:childTnLst>
+                                </p:cTn>
+                              </p:par>
+                              <p:par>
+                                <p:cTn id="27" presetID="1" presetClass="exit" presetSubtype="0" fill="hold" grpId="1" nodeType="withEffect">
+                                  <p:stCondLst>
+                                    <p:cond delay="0"/>
+                                  </p:stCondLst>
+                                  <p:childTnLst>
+                                    <p:set>
+                                      <p:cBhvr>
+                                        <p:cTn id="28" dur="1" fill="hold">
+                                          <p:stCondLst>
+                                            <p:cond delay="0"/>
+                                          </p:stCondLst>
+                                        </p:cTn>
+                                        <p:tgtEl>
+                                          <p:spTgt spid="6"/>
+                                        </p:tgtEl>
+                                        <p:attrNameLst>
+                                          <p:attrName>style.visibility</p:attrName>
+                                        </p:attrNameLst>
+                                      </p:cBhvr>
+                                      <p:to>
+                                        <p:strVal val="hidden"/>
+                                      </p:to>
+                                    </p:set>
+                                  </p:childTnLst>
+                                </p:cTn>
+                              </p:par>
+                              <p:par>
+                                <p:cTn id="29" presetID="1" presetClass="exit" presetSubtype="0" fill="hold" grpId="0" nodeType="withEffect">
+                                  <p:stCondLst>
+                                    <p:cond delay="0"/>
+                                  </p:stCondLst>
+                                  <p:childTnLst>
+                                    <p:set>
+                                      <p:cBhvr>
+                                        <p:cTn id="30" dur="1" fill="hold">
+                                          <p:stCondLst>
+                                            <p:cond delay="0"/>
+                                          </p:stCondLst>
+                                        </p:cTn>
+                                        <p:tgtEl>
+                                          <p:spTgt spid="7"/>
+                                        </p:tgtEl>
+                                        <p:attrNameLst>
+                                          <p:attrName>style.visibility</p:attrName>
+                                        </p:attrNameLst>
+                                      </p:cBhvr>
+                                      <p:to>
+                                        <p:strVal val="hidden"/>
+                                      </p:to>
+                                    </p:set>
+                                  </p:childTnLst>
+                                </p:cTn>
+                              </p:par>
+                              <p:par>
+                                <p:cTn id="31" presetID="42" presetClass="path" presetSubtype="0" accel="50000" decel="50000" fill="hold" grpId="0" nodeType="withEffect">
+                                  <p:stCondLst>
+                                    <p:cond delay="0"/>
+                                  </p:stCondLst>
+                                  <p:childTnLst>
+                                    <p:animMotion origin="layout" path="M -4.44444E-6 -4.81481E-6 L -0.71579 -4.81481E-6 " pathEditMode="relative" rAng="0" ptsTypes="AA">
+                                      <p:cBhvr>
+                                        <p:cTn id="32" dur="2000" fill="hold"/>
+                                        <p:tgtEl>
+                                          <p:spTgt spid="3"/>
+                                        </p:tgtEl>
+                                        <p:attrNameLst>
+                                          <p:attrName>ppt_x</p:attrName>
+                                          <p:attrName>ppt_y</p:attrName>
+                                        </p:attrNameLst>
+                                      </p:cBhvr>
+                                      <p:rCtr x="-35799" y="0"/>
+                                    </p:animMotion>
+                                  </p:childTnLst>
+                                </p:cTn>
+                              </p:par>
+                            </p:childTnLst>
+                          </p:cTn>
+                        </p:par>
+                      </p:childTnLst>
+                    </p:cTn>
+                  </p:par>
+                  <p:par>
+                    <p:cTn id="33" fill="hold">
+                      <p:stCondLst>
+                        <p:cond delay="indefinite"/>
+                      </p:stCondLst>
+                      <p:childTnLst>
+                        <p:par>
+                          <p:cTn id="34" fill="hold">
+                            <p:stCondLst>
+                              <p:cond delay="0"/>
+                            </p:stCondLst>
+                            <p:childTnLst>
+                              <p:par>
+                                <p:cTn id="35" presetID="10" presetClass="exit" presetSubtype="0" fill="hold" grpId="1" nodeType="clickEffect">
+                                  <p:stCondLst>
+                                    <p:cond delay="0"/>
+                                  </p:stCondLst>
+                                  <p:childTnLst>
+                                    <p:animEffect transition="out" filter="fade">
+                                      <p:cBhvr>
+                                        <p:cTn id="36" dur="500"/>
+                                        <p:tgtEl>
+                                          <p:spTgt spid="3"/>
+                                        </p:tgtEl>
+                                      </p:cBhvr>
+                                    </p:animEffect>
+                                    <p:set>
+                                      <p:cBhvr>
+                                        <p:cTn id="37" dur="1" fill="hold">
+                                          <p:stCondLst>
+                                            <p:cond delay="499"/>
+                                          </p:stCondLst>
+                                        </p:cTn>
+                                        <p:tgtEl>
+                                          <p:spTgt spid="3"/>
+                                        </p:tgtEl>
+                                        <p:attrNameLst>
+                                          <p:attrName>style.visibility</p:attrName>
+                                        </p:attrNameLst>
+                                      </p:cBhvr>
+                                      <p:to>
+                                        <p:strVal val="hidden"/>
+                                      </p:to>
+                                    </p:set>
+                                  </p:childTnLst>
+                                </p:cTn>
+                              </p:par>
+                            </p:childTnLst>
+                          </p:cTn>
+                        </p:par>
+                        <p:par>
+                          <p:cTn id="38" fill="hold">
+                            <p:stCondLst>
+                              <p:cond delay="500"/>
+                            </p:stCondLst>
+                            <p:childTnLst>
+                              <p:par>
+                                <p:cTn id="39" presetID="10" presetClass="entr" presetSubtype="0" fill="hold" grpId="2" nodeType="afterEffect">
+                                  <p:stCondLst>
+                                    <p:cond delay="0"/>
+                                  </p:stCondLst>
+                                  <p:childTnLst>
+                                    <p:set>
+                                      <p:cBhvr>
+                                        <p:cTn id="40" dur="1" fill="hold">
+                                          <p:stCondLst>
+                                            <p:cond delay="0"/>
+                                          </p:stCondLst>
+                                        </p:cTn>
+                                        <p:tgtEl>
+                                          <p:spTgt spid="8"/>
+                                        </p:tgtEl>
+                                        <p:attrNameLst>
+                                          <p:attrName>style.visibility</p:attrName>
+                                        </p:attrNameLst>
+                                      </p:cBhvr>
+                                      <p:to>
+                                        <p:strVal val="visible"/>
+                                      </p:to>
+                                    </p:set>
+                                    <p:animEffect transition="in" filter="fade">
+                                      <p:cBhvr>
+                                        <p:cTn id="41" dur="500"/>
+                                        <p:tgtEl>
+                                          <p:spTgt spid="8"/>
                                         </p:tgtEl>
                                       </p:cBhvr>
                                     </p:animEffect>
@@ -8278,14 +9208,313 @@
                                 </p:cTn>
                               </p:par>
                               <p:par>
-                                <p:cTn id="13" presetID="22" presetClass="entr" presetSubtype="8" fill="hold" nodeType="withEffect">
+                                <p:cTn id="42" presetID="10" presetClass="entr" presetSubtype="0" fill="hold" nodeType="withEffect">
                                   <p:stCondLst>
                                     <p:cond delay="0"/>
                                   </p:stCondLst>
                                   <p:childTnLst>
                                     <p:set>
                                       <p:cBhvr>
-                                        <p:cTn id="14" dur="1" fill="hold">
+                                        <p:cTn id="43" dur="1" fill="hold">
+                                          <p:stCondLst>
+                                            <p:cond delay="0"/>
+                                          </p:stCondLst>
+                                        </p:cTn>
+                                        <p:tgtEl>
+                                          <p:spTgt spid="9"/>
+                                        </p:tgtEl>
+                                        <p:attrNameLst>
+                                          <p:attrName>style.visibility</p:attrName>
+                                        </p:attrNameLst>
+                                      </p:cBhvr>
+                                      <p:to>
+                                        <p:strVal val="visible"/>
+                                      </p:to>
+                                    </p:set>
+                                    <p:animEffect transition="in" filter="fade">
+                                      <p:cBhvr>
+                                        <p:cTn id="44" dur="500"/>
+                                        <p:tgtEl>
+                                          <p:spTgt spid="9"/>
+                                        </p:tgtEl>
+                                      </p:cBhvr>
+                                    </p:animEffect>
+                                  </p:childTnLst>
+                                </p:cTn>
+                              </p:par>
+                              <p:par>
+                                <p:cTn id="45" presetID="10" presetClass="entr" presetSubtype="0" fill="hold" nodeType="withEffect">
+                                  <p:stCondLst>
+                                    <p:cond delay="0"/>
+                                  </p:stCondLst>
+                                  <p:childTnLst>
+                                    <p:set>
+                                      <p:cBhvr>
+                                        <p:cTn id="46" dur="1" fill="hold">
+                                          <p:stCondLst>
+                                            <p:cond delay="0"/>
+                                          </p:stCondLst>
+                                        </p:cTn>
+                                        <p:tgtEl>
+                                          <p:spTgt spid="12"/>
+                                        </p:tgtEl>
+                                        <p:attrNameLst>
+                                          <p:attrName>style.visibility</p:attrName>
+                                        </p:attrNameLst>
+                                      </p:cBhvr>
+                                      <p:to>
+                                        <p:strVal val="visible"/>
+                                      </p:to>
+                                    </p:set>
+                                    <p:animEffect transition="in" filter="fade">
+                                      <p:cBhvr>
+                                        <p:cTn id="47" dur="500"/>
+                                        <p:tgtEl>
+                                          <p:spTgt spid="12"/>
+                                        </p:tgtEl>
+                                      </p:cBhvr>
+                                    </p:animEffect>
+                                  </p:childTnLst>
+                                </p:cTn>
+                              </p:par>
+                              <p:par>
+                                <p:cTn id="48" presetID="10" presetClass="entr" presetSubtype="0" fill="hold" grpId="2" nodeType="withEffect">
+                                  <p:stCondLst>
+                                    <p:cond delay="0"/>
+                                  </p:stCondLst>
+                                  <p:childTnLst>
+                                    <p:set>
+                                      <p:cBhvr>
+                                        <p:cTn id="49" dur="1" fill="hold">
+                                          <p:stCondLst>
+                                            <p:cond delay="0"/>
+                                          </p:stCondLst>
+                                        </p:cTn>
+                                        <p:tgtEl>
+                                          <p:spTgt spid="6"/>
+                                        </p:tgtEl>
+                                        <p:attrNameLst>
+                                          <p:attrName>style.visibility</p:attrName>
+                                        </p:attrNameLst>
+                                      </p:cBhvr>
+                                      <p:to>
+                                        <p:strVal val="visible"/>
+                                      </p:to>
+                                    </p:set>
+                                    <p:animEffect transition="in" filter="fade">
+                                      <p:cBhvr>
+                                        <p:cTn id="50" dur="500"/>
+                                        <p:tgtEl>
+                                          <p:spTgt spid="6"/>
+                                        </p:tgtEl>
+                                      </p:cBhvr>
+                                    </p:animEffect>
+                                  </p:childTnLst>
+                                </p:cTn>
+                              </p:par>
+                              <p:par>
+                                <p:cTn id="51" presetID="10" presetClass="entr" presetSubtype="0" fill="hold" grpId="1" nodeType="withEffect">
+                                  <p:stCondLst>
+                                    <p:cond delay="0"/>
+                                  </p:stCondLst>
+                                  <p:childTnLst>
+                                    <p:set>
+                                      <p:cBhvr>
+                                        <p:cTn id="52" dur="1" fill="hold">
+                                          <p:stCondLst>
+                                            <p:cond delay="0"/>
+                                          </p:stCondLst>
+                                        </p:cTn>
+                                        <p:tgtEl>
+                                          <p:spTgt spid="7"/>
+                                        </p:tgtEl>
+                                        <p:attrNameLst>
+                                          <p:attrName>style.visibility</p:attrName>
+                                        </p:attrNameLst>
+                                      </p:cBhvr>
+                                      <p:to>
+                                        <p:strVal val="visible"/>
+                                      </p:to>
+                                    </p:set>
+                                    <p:animEffect transition="in" filter="fade">
+                                      <p:cBhvr>
+                                        <p:cTn id="53" dur="500"/>
+                                        <p:tgtEl>
+                                          <p:spTgt spid="7"/>
+                                        </p:tgtEl>
+                                      </p:cBhvr>
+                                    </p:animEffect>
+                                  </p:childTnLst>
+                                </p:cTn>
+                              </p:par>
+                            </p:childTnLst>
+                          </p:cTn>
+                        </p:par>
+                      </p:childTnLst>
+                    </p:cTn>
+                  </p:par>
+                  <p:par>
+                    <p:cTn id="54" fill="hold">
+                      <p:stCondLst>
+                        <p:cond delay="indefinite"/>
+                      </p:stCondLst>
+                      <p:childTnLst>
+                        <p:par>
+                          <p:cTn id="55" fill="hold">
+                            <p:stCondLst>
+                              <p:cond delay="0"/>
+                            </p:stCondLst>
+                            <p:childTnLst>
+                              <p:par>
+                                <p:cTn id="56" presetID="22" presetClass="entr" presetSubtype="1" fill="hold" nodeType="clickEffect">
+                                  <p:stCondLst>
+                                    <p:cond delay="0"/>
+                                  </p:stCondLst>
+                                  <p:childTnLst>
+                                    <p:set>
+                                      <p:cBhvr>
+                                        <p:cTn id="57" dur="1" fill="hold">
+                                          <p:stCondLst>
+                                            <p:cond delay="0"/>
+                                          </p:stCondLst>
+                                        </p:cTn>
+                                        <p:tgtEl>
+                                          <p:spTgt spid="16"/>
+                                        </p:tgtEl>
+                                        <p:attrNameLst>
+                                          <p:attrName>style.visibility</p:attrName>
+                                        </p:attrNameLst>
+                                      </p:cBhvr>
+                                      <p:to>
+                                        <p:strVal val="visible"/>
+                                      </p:to>
+                                    </p:set>
+                                    <p:animEffect transition="in" filter="wipe(up)">
+                                      <p:cBhvr>
+                                        <p:cTn id="58" dur="2000"/>
+                                        <p:tgtEl>
+                                          <p:spTgt spid="16"/>
+                                        </p:tgtEl>
+                                      </p:cBhvr>
+                                    </p:animEffect>
+                                  </p:childTnLst>
+                                </p:cTn>
+                              </p:par>
+                              <p:par>
+                                <p:cTn id="59" presetID="10" presetClass="entr" presetSubtype="0" fill="hold" grpId="0" nodeType="withEffect">
+                                  <p:stCondLst>
+                                    <p:cond delay="0"/>
+                                  </p:stCondLst>
+                                  <p:childTnLst>
+                                    <p:set>
+                                      <p:cBhvr>
+                                        <p:cTn id="60" dur="1" fill="hold">
+                                          <p:stCondLst>
+                                            <p:cond delay="0"/>
+                                          </p:stCondLst>
+                                        </p:cTn>
+                                        <p:tgtEl>
+                                          <p:spTgt spid="4"/>
+                                        </p:tgtEl>
+                                        <p:attrNameLst>
+                                          <p:attrName>style.visibility</p:attrName>
+                                        </p:attrNameLst>
+                                      </p:cBhvr>
+                                      <p:to>
+                                        <p:strVal val="visible"/>
+                                      </p:to>
+                                    </p:set>
+                                    <p:animEffect transition="in" filter="fade">
+                                      <p:cBhvr>
+                                        <p:cTn id="61" dur="2000"/>
+                                        <p:tgtEl>
+                                          <p:spTgt spid="4"/>
+                                        </p:tgtEl>
+                                      </p:cBhvr>
+                                    </p:animEffect>
+                                  </p:childTnLst>
+                                </p:cTn>
+                              </p:par>
+                            </p:childTnLst>
+                          </p:cTn>
+                        </p:par>
+                      </p:childTnLst>
+                    </p:cTn>
+                  </p:par>
+                  <p:par>
+                    <p:cTn id="62" fill="hold">
+                      <p:stCondLst>
+                        <p:cond delay="indefinite"/>
+                      </p:stCondLst>
+                      <p:childTnLst>
+                        <p:par>
+                          <p:cTn id="63" fill="hold">
+                            <p:stCondLst>
+                              <p:cond delay="0"/>
+                            </p:stCondLst>
+                            <p:childTnLst>
+                              <p:par>
+                                <p:cTn id="64" presetID="10" presetClass="entr" presetSubtype="0" fill="hold" grpId="0" nodeType="clickEffect">
+                                  <p:stCondLst>
+                                    <p:cond delay="0"/>
+                                  </p:stCondLst>
+                                  <p:childTnLst>
+                                    <p:set>
+                                      <p:cBhvr>
+                                        <p:cTn id="65" dur="1" fill="hold">
+                                          <p:stCondLst>
+                                            <p:cond delay="0"/>
+                                          </p:stCondLst>
+                                        </p:cTn>
+                                        <p:tgtEl>
+                                          <p:spTgt spid="26"/>
+                                        </p:tgtEl>
+                                        <p:attrNameLst>
+                                          <p:attrName>style.visibility</p:attrName>
+                                        </p:attrNameLst>
+                                      </p:cBhvr>
+                                      <p:to>
+                                        <p:strVal val="visible"/>
+                                      </p:to>
+                                    </p:set>
+                                    <p:animEffect transition="in" filter="fade">
+                                      <p:cBhvr>
+                                        <p:cTn id="66" dur="500"/>
+                                        <p:tgtEl>
+                                          <p:spTgt spid="26"/>
+                                        </p:tgtEl>
+                                      </p:cBhvr>
+                                    </p:animEffect>
+                                  </p:childTnLst>
+                                </p:cTn>
+                              </p:par>
+                            </p:childTnLst>
+                          </p:cTn>
+                        </p:par>
+                      </p:childTnLst>
+                    </p:cTn>
+                  </p:par>
+                  <p:par>
+                    <p:cTn id="67" fill="hold">
+                      <p:stCondLst>
+                        <p:cond delay="indefinite"/>
+                      </p:stCondLst>
+                      <p:childTnLst>
+                        <p:par>
+                          <p:cTn id="68" fill="hold">
+                            <p:stCondLst>
+                              <p:cond delay="0"/>
+                            </p:stCondLst>
+                            <p:childTnLst>
+                              <p:par>
+                                <p:cTn id="69" presetID="10" presetClass="entr" presetSubtype="0" fill="hold" grpId="0" nodeType="clickEffect">
+                                  <p:stCondLst>
+                                    <p:cond delay="0"/>
+                                  </p:stCondLst>
+                                  <p:childTnLst>
+                                    <p:set>
+                                      <p:cBhvr>
+                                        <p:cTn id="70" dur="1" fill="hold">
                                           <p:stCondLst>
                                             <p:cond delay="0"/>
                                           </p:stCondLst>
@@ -8301,9 +9530,9 @@
                                         <p:strVal val="visible"/>
                                       </p:to>
                                     </p:set>
-                                    <p:animEffect transition="in" filter="wipe(left)">
+                                    <p:animEffect transition="in" filter="fade">
                                       <p:cBhvr>
-                                        <p:cTn id="15" dur="2000"/>
+                                        <p:cTn id="71" dur="500"/>
                                         <p:tgtEl>
                                           <p:spTgt spid="27"/>
                                         </p:tgtEl>
@@ -8319,26 +9548,131 @@
                     </p:cTn>
                   </p:par>
                   <p:par>
-                    <p:cTn id="16" fill="hold">
+                    <p:cTn id="72" fill="hold">
                       <p:stCondLst>
                         <p:cond delay="indefinite"/>
                       </p:stCondLst>
                       <p:childTnLst>
                         <p:par>
-                          <p:cTn id="17" fill="hold">
+                          <p:cTn id="73" fill="hold">
                             <p:stCondLst>
                               <p:cond delay="0"/>
                             </p:stCondLst>
                             <p:childTnLst>
                               <p:par>
-                                <p:cTn id="18" presetID="22" presetClass="entr" presetSubtype="1" fill="hold" nodeType="clickEffect">
+                                <p:cTn id="74" presetID="10" presetClass="exit" presetSubtype="0" fill="hold" grpId="1" nodeType="clickEffect">
+                                  <p:stCondLst>
+                                    <p:cond delay="0"/>
+                                  </p:stCondLst>
+                                  <p:childTnLst>
+                                    <p:animEffect transition="out" filter="fade">
+                                      <p:cBhvr>
+                                        <p:cTn id="75" dur="500"/>
+                                        <p:tgtEl>
+                                          <p:spTgt spid="4"/>
+                                        </p:tgtEl>
+                                      </p:cBhvr>
+                                    </p:animEffect>
+                                    <p:set>
+                                      <p:cBhvr>
+                                        <p:cTn id="76" dur="1" fill="hold">
+                                          <p:stCondLst>
+                                            <p:cond delay="499"/>
+                                          </p:stCondLst>
+                                        </p:cTn>
+                                        <p:tgtEl>
+                                          <p:spTgt spid="4"/>
+                                        </p:tgtEl>
+                                        <p:attrNameLst>
+                                          <p:attrName>style.visibility</p:attrName>
+                                        </p:attrNameLst>
+                                      </p:cBhvr>
+                                      <p:to>
+                                        <p:strVal val="hidden"/>
+                                      </p:to>
+                                    </p:set>
+                                  </p:childTnLst>
+                                </p:cTn>
+                              </p:par>
+                              <p:par>
+                                <p:cTn id="77" presetID="10" presetClass="exit" presetSubtype="0" fill="hold" grpId="1" nodeType="withEffect">
+                                  <p:stCondLst>
+                                    <p:cond delay="0"/>
+                                  </p:stCondLst>
+                                  <p:childTnLst>
+                                    <p:animEffect transition="out" filter="fade">
+                                      <p:cBhvr>
+                                        <p:cTn id="78" dur="500"/>
+                                        <p:tgtEl>
+                                          <p:spTgt spid="26"/>
+                                        </p:tgtEl>
+                                      </p:cBhvr>
+                                    </p:animEffect>
+                                    <p:set>
+                                      <p:cBhvr>
+                                        <p:cTn id="79" dur="1" fill="hold">
+                                          <p:stCondLst>
+                                            <p:cond delay="499"/>
+                                          </p:stCondLst>
+                                        </p:cTn>
+                                        <p:tgtEl>
+                                          <p:spTgt spid="26"/>
+                                        </p:tgtEl>
+                                        <p:attrNameLst>
+                                          <p:attrName>style.visibility</p:attrName>
+                                        </p:attrNameLst>
+                                      </p:cBhvr>
+                                      <p:to>
+                                        <p:strVal val="hidden"/>
+                                      </p:to>
+                                    </p:set>
+                                  </p:childTnLst>
+                                </p:cTn>
+                              </p:par>
+                              <p:par>
+                                <p:cTn id="80" presetID="10" presetClass="exit" presetSubtype="0" fill="hold" grpId="1" nodeType="withEffect">
+                                  <p:stCondLst>
+                                    <p:cond delay="0"/>
+                                  </p:stCondLst>
+                                  <p:childTnLst>
+                                    <p:animEffect transition="out" filter="fade">
+                                      <p:cBhvr>
+                                        <p:cTn id="81" dur="500"/>
+                                        <p:tgtEl>
+                                          <p:spTgt spid="27"/>
+                                        </p:tgtEl>
+                                      </p:cBhvr>
+                                    </p:animEffect>
+                                    <p:set>
+                                      <p:cBhvr>
+                                        <p:cTn id="82" dur="1" fill="hold">
+                                          <p:stCondLst>
+                                            <p:cond delay="499"/>
+                                          </p:stCondLst>
+                                        </p:cTn>
+                                        <p:tgtEl>
+                                          <p:spTgt spid="27"/>
+                                        </p:tgtEl>
+                                        <p:attrNameLst>
+                                          <p:attrName>style.visibility</p:attrName>
+                                        </p:attrNameLst>
+                                      </p:cBhvr>
+                                      <p:to>
+                                        <p:strVal val="hidden"/>
+                                      </p:to>
+                                    </p:set>
+                                  </p:childTnLst>
+                                </p:cTn>
+                              </p:par>
+                              <p:par>
+                                <p:cTn id="83" presetID="10" presetClass="entr" presetSubtype="0" fill="hold" grpId="0" nodeType="withEffect">
                                   <p:stCondLst>
                                     <p:cond delay="0"/>
                                   </p:stCondLst>
                                   <p:childTnLst>
                                     <p:set>
                                       <p:cBhvr>
-                                        <p:cTn id="19" dur="1" fill="hold">
+                                        <p:cTn id="84" dur="1" fill="hold">
                                           <p:stCondLst>
                                             <p:cond delay="0"/>
                                           </p:stCondLst>
@@ -8354,46 +9688,11 @@
                                         <p:strVal val="visible"/>
                                       </p:to>
                                     </p:set>
-                                    <p:animEffect transition="in" filter="wipe(up)">
+                                    <p:animEffect transition="in" filter="fade">
                                       <p:cBhvr>
-                                        <p:cTn id="20" dur="2000"/>
+                                        <p:cTn id="85" dur="500"/>
                                         <p:tgtEl>
                                           <p:spTgt spid="5"/>
-                                        </p:tgtEl>
-                                      </p:cBhvr>
-                                    </p:animEffect>
-                                  </p:childTnLst>
-                                </p:cTn>
-                              </p:par>
-                              <p:par>
-                                <p:cTn id="21" presetID="10" presetClass="entr" presetSubtype="0" fill="hold" grpId="0" nodeType="withEffect">
-                                  <p:stCondLst>
-                                    <p:cond delay="0"/>
-                                  </p:stCondLst>
-                                  <p:childTnLst>
-                                    <p:set>
-                                      <p:cBhvr>
-                                        <p:cTn id="22" dur="1" fill="hold">
-                                          <p:stCondLst>
-                                            <p:cond delay="0"/>
-                                          </p:stCondLst>
-                                        </p:cTn>
-                                        <p:tgtEl>
-                                          <p:spTgt spid="25"/>
-                                        </p:tgtEl>
-                                        <p:attrNameLst>
-                                          <p:attrName>style.visibility</p:attrName>
-                                        </p:attrNameLst>
-                                      </p:cBhvr>
-                                      <p:to>
-                                        <p:strVal val="visible"/>
-                                      </p:to>
-                                    </p:set>
-                                    <p:animEffect transition="in" filter="fade">
-                                      <p:cBhvr>
-                                        <p:cTn id="23" dur="2000"/>
-                                        <p:tgtEl>
-                                          <p:spTgt spid="25"/>
                                         </p:tgtEl>
                                       </p:cBhvr>
                                     </p:animEffect>
@@ -8407,32 +9706,32 @@
                     </p:cTn>
                   </p:par>
                   <p:par>
-                    <p:cTn id="24" fill="hold">
+                    <p:cTn id="86" fill="hold">
                       <p:stCondLst>
                         <p:cond delay="indefinite"/>
                       </p:stCondLst>
                       <p:childTnLst>
                         <p:par>
-                          <p:cTn id="25" fill="hold">
+                          <p:cTn id="87" fill="hold">
                             <p:stCondLst>
                               <p:cond delay="0"/>
                             </p:stCondLst>
                             <p:childTnLst>
                               <p:par>
-                                <p:cTn id="26" presetID="22" presetClass="entr" presetSubtype="1" fill="hold" nodeType="clickEffect">
+                                <p:cTn id="88" presetID="10" presetClass="entr" presetSubtype="0" fill="hold" grpId="0" nodeType="clickEffect">
                                   <p:stCondLst>
                                     <p:cond delay="0"/>
                                   </p:stCondLst>
                                   <p:childTnLst>
                                     <p:set>
                                       <p:cBhvr>
-                                        <p:cTn id="27" dur="1" fill="hold">
+                                        <p:cTn id="89" dur="1" fill="hold">
                                           <p:stCondLst>
                                             <p:cond delay="0"/>
                                           </p:stCondLst>
                                         </p:cTn>
                                         <p:tgtEl>
-                                          <p:spTgt spid="19"/>
+                                          <p:spTgt spid="29"/>
                                         </p:tgtEl>
                                         <p:attrNameLst>
                                           <p:attrName>style.visibility</p:attrName>
@@ -8442,11 +9741,11 @@
                                         <p:strVal val="visible"/>
                                       </p:to>
                                     </p:set>
-                                    <p:animEffect transition="in" filter="wipe(up)">
+                                    <p:animEffect transition="in" filter="fade">
                                       <p:cBhvr>
-                                        <p:cTn id="28" dur="2000"/>
+                                        <p:cTn id="90" dur="500"/>
                                         <p:tgtEl>
-                                          <p:spTgt spid="19"/>
+                                          <p:spTgt spid="29"/>
                                         </p:tgtEl>
                                       </p:cBhvr>
                                     </p:animEffect>
@@ -8454,14 +9753,14 @@
                                 </p:cTn>
                               </p:par>
                               <p:par>
-                                <p:cTn id="29" presetID="10" presetClass="entr" presetSubtype="0" fill="hold" grpId="0" nodeType="withEffect">
+                                <p:cTn id="91" presetID="10" presetClass="entr" presetSubtype="0" fill="hold" grpId="0" nodeType="withEffect">
                                   <p:stCondLst>
                                     <p:cond delay="0"/>
                                   </p:stCondLst>
                                   <p:childTnLst>
                                     <p:set>
                                       <p:cBhvr>
-                                        <p:cTn id="30" dur="1" fill="hold">
+                                        <p:cTn id="92" dur="1" fill="hold">
                                           <p:stCondLst>
                                             <p:cond delay="0"/>
                                           </p:stCondLst>
@@ -8479,7 +9778,7 @@
                                     </p:set>
                                     <p:animEffect transition="in" filter="fade">
                                       <p:cBhvr>
-                                        <p:cTn id="31" dur="2000"/>
+                                        <p:cTn id="93" dur="500"/>
                                         <p:tgtEl>
                                           <p:spTgt spid="33"/>
                                         </p:tgtEl>
@@ -8488,39 +9787,21 @@
                                   </p:childTnLst>
                                 </p:cTn>
                               </p:par>
-                            </p:childTnLst>
-                          </p:cTn>
-                        </p:par>
-                      </p:childTnLst>
-                    </p:cTn>
-                  </p:par>
-                  <p:par>
-                    <p:cTn id="32" fill="hold">
-                      <p:stCondLst>
-                        <p:cond delay="indefinite"/>
-                      </p:stCondLst>
-                      <p:childTnLst>
-                        <p:par>
-                          <p:cTn id="33" fill="hold">
-                            <p:stCondLst>
-                              <p:cond delay="0"/>
-                            </p:stCondLst>
-                            <p:childTnLst>
                               <p:par>
-                                <p:cTn id="34" presetID="10" presetClass="entr" presetSubtype="0" fill="hold" grpId="0" nodeType="clickEffect">
+                                <p:cTn id="94" presetID="10" presetClass="entr" presetSubtype="0" fill="hold" grpId="0" nodeType="withEffect">
                                   <p:stCondLst>
                                     <p:cond delay="0"/>
                                   </p:stCondLst>
                                   <p:childTnLst>
                                     <p:set>
                                       <p:cBhvr>
-                                        <p:cTn id="35" dur="1" fill="hold">
+                                        <p:cTn id="95" dur="1" fill="hold">
                                           <p:stCondLst>
                                             <p:cond delay="0"/>
                                           </p:stCondLst>
                                         </p:cTn>
                                         <p:tgtEl>
-                                          <p:spTgt spid="12"/>
+                                          <p:spTgt spid="35"/>
                                         </p:tgtEl>
                                         <p:attrNameLst>
                                           <p:attrName>style.visibility</p:attrName>
@@ -8532,62 +9813,9 @@
                                     </p:set>
                                     <p:animEffect transition="in" filter="fade">
                                       <p:cBhvr>
-                                        <p:cTn id="36" dur="500"/>
+                                        <p:cTn id="96" dur="500"/>
                                         <p:tgtEl>
-                                          <p:spTgt spid="12"/>
-                                        </p:tgtEl>
-                                      </p:cBhvr>
-                                    </p:animEffect>
-                                  </p:childTnLst>
-                                </p:cTn>
-                              </p:par>
-                            </p:childTnLst>
-                          </p:cTn>
-                        </p:par>
-                      </p:childTnLst>
-                    </p:cTn>
-                  </p:par>
-                  <p:par>
-                    <p:cTn id="37" fill="hold">
-                      <p:stCondLst>
-                        <p:cond delay="indefinite"/>
-                      </p:stCondLst>
-                      <p:childTnLst>
-                        <p:par>
-                          <p:cTn id="38" fill="hold">
-                            <p:stCondLst>
-                              <p:cond delay="0"/>
-                            </p:stCondLst>
-                            <p:childTnLst>
-                              <p:par>
-                                <p:cTn id="39" presetID="22" presetClass="entr" presetSubtype="1" fill="hold" nodeType="clickEffect">
-                                  <p:stCondLst>
-                                    <p:cond delay="0"/>
-                                  </p:stCondLst>
-                                  <p:childTnLst>
-                                    <p:set>
-                                      <p:cBhvr>
-                                        <p:cTn id="40" dur="1" fill="hold">
-                                          <p:stCondLst>
-                                            <p:cond delay="0"/>
-                                          </p:stCondLst>
-                                        </p:cTn>
-                                        <p:tgtEl>
-                                          <p:spTgt spid="22"/>
-                                        </p:tgtEl>
-                                        <p:attrNameLst>
-                                          <p:attrName>style.visibility</p:attrName>
-                                        </p:attrNameLst>
-                                      </p:cBhvr>
-                                      <p:to>
-                                        <p:strVal val="visible"/>
-                                      </p:to>
-                                    </p:set>
-                                    <p:animEffect transition="in" filter="wipe(up)">
-                                      <p:cBhvr>
-                                        <p:cTn id="41" dur="2000"/>
-                                        <p:tgtEl>
-                                          <p:spTgt spid="22"/>
+                                          <p:spTgt spid="35"/>
                                         </p:tgtEl>
                                       </p:cBhvr>
                                     </p:animEffect>
@@ -8595,20 +9823,20 @@
                                 </p:cTn>
                               </p:par>
                               <p:par>
-                                <p:cTn id="42" presetID="10" presetClass="entr" presetSubtype="0" fill="hold" grpId="0" nodeType="withEffect">
+                                <p:cTn id="97" presetID="10" presetClass="entr" presetSubtype="0" fill="hold" grpId="0" nodeType="withEffect">
                                   <p:stCondLst>
                                     <p:cond delay="0"/>
                                   </p:stCondLst>
                                   <p:childTnLst>
                                     <p:set>
                                       <p:cBhvr>
-                                        <p:cTn id="43" dur="1" fill="hold">
+                                        <p:cTn id="98" dur="1" fill="hold">
                                           <p:stCondLst>
                                             <p:cond delay="0"/>
                                           </p:stCondLst>
                                         </p:cTn>
                                         <p:tgtEl>
-                                          <p:spTgt spid="36"/>
+                                          <p:spTgt spid="34"/>
                                         </p:tgtEl>
                                         <p:attrNameLst>
                                           <p:attrName>style.visibility</p:attrName>
@@ -8620,62 +9848,9 @@
                                     </p:set>
                                     <p:animEffect transition="in" filter="fade">
                                       <p:cBhvr>
-                                        <p:cTn id="44" dur="2000"/>
+                                        <p:cTn id="99" dur="500"/>
                                         <p:tgtEl>
-                                          <p:spTgt spid="36"/>
-                                        </p:tgtEl>
-                                      </p:cBhvr>
-                                    </p:animEffect>
-                                  </p:childTnLst>
-                                </p:cTn>
-                              </p:par>
-                            </p:childTnLst>
-                          </p:cTn>
-                        </p:par>
-                      </p:childTnLst>
-                    </p:cTn>
-                  </p:par>
-                  <p:par>
-                    <p:cTn id="45" fill="hold">
-                      <p:stCondLst>
-                        <p:cond delay="indefinite"/>
-                      </p:stCondLst>
-                      <p:childTnLst>
-                        <p:par>
-                          <p:cTn id="46" fill="hold">
-                            <p:stCondLst>
-                              <p:cond delay="0"/>
-                            </p:stCondLst>
-                            <p:childTnLst>
-                              <p:par>
-                                <p:cTn id="47" presetID="10" presetClass="entr" presetSubtype="0" fill="hold" grpId="0" nodeType="clickEffect">
-                                  <p:stCondLst>
-                                    <p:cond delay="0"/>
-                                  </p:stCondLst>
-                                  <p:childTnLst>
-                                    <p:set>
-                                      <p:cBhvr>
-                                        <p:cTn id="48" dur="1" fill="hold">
-                                          <p:stCondLst>
-                                            <p:cond delay="0"/>
-                                          </p:stCondLst>
-                                        </p:cTn>
-                                        <p:tgtEl>
-                                          <p:spTgt spid="30"/>
-                                        </p:tgtEl>
-                                        <p:attrNameLst>
-                                          <p:attrName>style.visibility</p:attrName>
-                                        </p:attrNameLst>
-                                      </p:cBhvr>
-                                      <p:to>
-                                        <p:strVal val="visible"/>
-                                      </p:to>
-                                    </p:set>
-                                    <p:animEffect transition="in" filter="fade">
-                                      <p:cBhvr>
-                                        <p:cTn id="49" dur="500"/>
-                                        <p:tgtEl>
-                                          <p:spTgt spid="30"/>
+                                          <p:spTgt spid="34"/>
                                         </p:tgtEl>
                                       </p:cBhvr>
                                     </p:animEffect>
@@ -8710,19 +9885,33 @@
       </p:par>
     </p:tnLst>
     <p:bldLst>
-      <p:bldP spid="25" grpId="0" animBg="1"/>
+      <p:bldP spid="3" grpId="0"/>
+      <p:bldP spid="3" grpId="1"/>
+      <p:bldP spid="4" grpId="0" animBg="1"/>
+      <p:bldP spid="4" grpId="1" animBg="1"/>
+      <p:bldP spid="5" grpId="0" animBg="1"/>
+      <p:bldP spid="6" grpId="0" animBg="1"/>
+      <p:bldP spid="6" grpId="1" animBg="1"/>
+      <p:bldP spid="6" grpId="2" animBg="1"/>
+      <p:bldP spid="7" grpId="0" animBg="1"/>
+      <p:bldP spid="7" grpId="1" animBg="1"/>
+      <p:bldP spid="8" grpId="0" animBg="1"/>
+      <p:bldP spid="8" grpId="1" animBg="1"/>
+      <p:bldP spid="8" grpId="2" animBg="1"/>
+      <p:bldP spid="26" grpId="0" animBg="1"/>
+      <p:bldP spid="26" grpId="1" animBg="1"/>
+      <p:bldP spid="27" grpId="0" animBg="1"/>
+      <p:bldP spid="27" grpId="1" animBg="1"/>
+      <p:bldP spid="29" grpId="0" animBg="1"/>
       <p:bldP spid="33" grpId="0" animBg="1"/>
-      <p:bldP spid="36" grpId="0" animBg="1"/>
-      <p:bldP spid="12" grpId="0" animBg="1"/>
-      <p:bldP spid="30" grpId="0" animBg="1"/>
-      <p:bldP spid="14" grpId="0" animBg="1"/>
-      <p:bldP spid="17" grpId="0" animBg="1"/>
+      <p:bldP spid="34" grpId="0" animBg="1"/>
+      <p:bldP spid="35" grpId="0" animBg="1"/>
     </p:bldLst>
   </p:timing>
 </p:sld>
 </file>
 
-<file path=ppt/slides/slide14.xml><?xml version="1.0" encoding="utf-8"?>
+<file path=ppt/slides/slide13.xml><?xml version="1.0" encoding="utf-8"?>
 <p:sld xmlns:a="http://schemas.openxmlformats.org/drawingml/2006/main" xmlns:r="http://schemas.openxmlformats.org/officeDocument/2006/relationships" xmlns:p="http://schemas.openxmlformats.org/presentationml/2006/main">
   <p:cSld>
     <p:spTree>
@@ -8791,7 +9980,7 @@
         </p:nvSpPr>
         <p:spPr>
           <a:xfrm>
-            <a:off x="2622257" y="1902657"/>
+            <a:off x="3594207" y="1371744"/>
             <a:ext cx="1601530" cy="612648"/>
           </a:xfrm>
           <a:prstGeom prst="flowChartDecision">
@@ -8834,7 +10023,7 @@
         </p:nvSpPr>
         <p:spPr>
           <a:xfrm>
-            <a:off x="4309740" y="2615030"/>
+            <a:off x="6527422" y="2814727"/>
             <a:ext cx="1601530" cy="612648"/>
           </a:xfrm>
           <a:prstGeom prst="flowChartDecision">
@@ -8878,7 +10067,7 @@
         </p:nvSpPr>
         <p:spPr>
           <a:xfrm>
-            <a:off x="4433017" y="3640842"/>
+            <a:off x="6065819" y="4145338"/>
             <a:ext cx="2524735" cy="479644"/>
           </a:xfrm>
           <a:prstGeom prst="flowChartAlternateProcess">
@@ -8922,7 +10111,7 @@
         </p:nvSpPr>
         <p:spPr>
           <a:xfrm>
-            <a:off x="2622257" y="768058"/>
+            <a:off x="3555643" y="179748"/>
             <a:ext cx="1678659" cy="479644"/>
           </a:xfrm>
           <a:prstGeom prst="flowChartAlternateProcess">
@@ -8966,7 +10155,7 @@
         </p:nvSpPr>
         <p:spPr>
           <a:xfrm>
-            <a:off x="1147444" y="3561910"/>
+            <a:off x="369206" y="2814727"/>
             <a:ext cx="2352214" cy="479644"/>
           </a:xfrm>
           <a:prstGeom prst="flowChartAlternateProcess">
@@ -9004,56 +10193,13 @@
       </p:sp>
       <p:sp>
         <p:nvSpPr>
-          <p:cNvPr id="28" name="流程图: 可选过程 27"/>
-          <p:cNvSpPr/>
-          <p:nvPr/>
-        </p:nvSpPr>
-        <p:spPr>
-          <a:xfrm>
-            <a:off x="1421253" y="4700190"/>
-            <a:ext cx="1487978" cy="479644"/>
-          </a:xfrm>
-          <a:prstGeom prst="flowChartAlternateProcess">
-            <a:avLst/>
-          </a:prstGeom>
-        </p:spPr>
-        <p:style>
-          <a:lnRef idx="2">
-            <a:schemeClr val="accent1">
-              <a:shade val="50000"/>
-            </a:schemeClr>
-          </a:lnRef>
-          <a:fillRef idx="1">
-            <a:schemeClr val="accent1"/>
-          </a:fillRef>
-          <a:effectRef idx="0">
-            <a:schemeClr val="accent1"/>
-          </a:effectRef>
-          <a:fontRef idx="minor">
-            <a:schemeClr val="lt1"/>
-          </a:fontRef>
-        </p:style>
-        <p:txBody>
-          <a:bodyPr rtlCol="0" anchor="ctr"/>
-          <a:lstStyle/>
-          <a:p>
-            <a:pPr algn="ctr"/>
-            <a:r>
-              <a:rPr lang="en-US" altLang="zh-CN" b="1" smtClean="0"/>
-              <a:t>AST</a:t>
-            </a:r>
-          </a:p>
-        </p:txBody>
-      </p:sp>
-      <p:sp>
-        <p:nvSpPr>
           <p:cNvPr id="33" name="流程图: 可选过程 32"/>
           <p:cNvSpPr/>
           <p:nvPr/>
         </p:nvSpPr>
         <p:spPr>
           <a:xfrm>
-            <a:off x="3401523" y="6130811"/>
+            <a:off x="645921" y="4174275"/>
             <a:ext cx="1798785" cy="479644"/>
           </a:xfrm>
           <a:prstGeom prst="flowChartAlternateProcess">
@@ -9097,7 +10243,7 @@
         </p:nvSpPr>
         <p:spPr>
           <a:xfrm>
-            <a:off x="846856" y="5548979"/>
+            <a:off x="256318" y="5671514"/>
             <a:ext cx="2577987" cy="479644"/>
           </a:xfrm>
           <a:prstGeom prst="flowChartAlternateProcess">
@@ -9133,6 +10279,355 @@
           </a:p>
         </p:txBody>
       </p:sp>
+      <p:cxnSp>
+        <p:nvCxnSpPr>
+          <p:cNvPr id="5" name="肘形连接符 4"/>
+          <p:cNvCxnSpPr>
+            <a:stCxn id="25" idx="2"/>
+            <a:endCxn id="17" idx="0"/>
+          </p:cNvCxnSpPr>
+          <p:nvPr/>
+        </p:nvCxnSpPr>
+        <p:spPr>
+          <a:xfrm rot="5400000">
+            <a:off x="4038797" y="1015568"/>
+            <a:ext cx="712352" cy="1"/>
+          </a:xfrm>
+          <a:prstGeom prst="bentConnector3">
+            <a:avLst/>
+          </a:prstGeom>
+          <a:ln>
+            <a:tailEnd type="triangle"/>
+          </a:ln>
+        </p:spPr>
+        <p:style>
+          <a:lnRef idx="1">
+            <a:schemeClr val="accent1"/>
+          </a:lnRef>
+          <a:fillRef idx="0">
+            <a:schemeClr val="accent1"/>
+          </a:fillRef>
+          <a:effectRef idx="0">
+            <a:schemeClr val="accent1"/>
+          </a:effectRef>
+          <a:fontRef idx="minor">
+            <a:schemeClr val="tx1"/>
+          </a:fontRef>
+        </p:style>
+      </p:cxnSp>
+      <p:cxnSp>
+        <p:nvCxnSpPr>
+          <p:cNvPr id="16" name="肘形连接符 15"/>
+          <p:cNvCxnSpPr>
+            <a:stCxn id="17" idx="3"/>
+            <a:endCxn id="18" idx="0"/>
+          </p:cNvCxnSpPr>
+          <p:nvPr/>
+        </p:nvCxnSpPr>
+        <p:spPr>
+          <a:xfrm>
+            <a:off x="5195737" y="1678068"/>
+            <a:ext cx="2132450" cy="1136659"/>
+          </a:xfrm>
+          <a:prstGeom prst="bentConnector2">
+            <a:avLst/>
+          </a:prstGeom>
+          <a:ln>
+            <a:tailEnd type="triangle"/>
+          </a:ln>
+        </p:spPr>
+        <p:style>
+          <a:lnRef idx="1">
+            <a:schemeClr val="accent1"/>
+          </a:lnRef>
+          <a:fillRef idx="0">
+            <a:schemeClr val="accent1"/>
+          </a:fillRef>
+          <a:effectRef idx="0">
+            <a:schemeClr val="accent1"/>
+          </a:effectRef>
+          <a:fontRef idx="minor">
+            <a:schemeClr val="tx1"/>
+          </a:fontRef>
+        </p:style>
+      </p:cxnSp>
+      <p:cxnSp>
+        <p:nvCxnSpPr>
+          <p:cNvPr id="20" name="肘形连接符 19"/>
+          <p:cNvCxnSpPr>
+            <a:endCxn id="23" idx="0"/>
+          </p:cNvCxnSpPr>
+          <p:nvPr/>
+        </p:nvCxnSpPr>
+        <p:spPr>
+          <a:xfrm rot="16200000" flipH="1">
+            <a:off x="6956627" y="3773777"/>
+            <a:ext cx="743119" cy="1"/>
+          </a:xfrm>
+          <a:prstGeom prst="bentConnector3">
+            <a:avLst>
+              <a:gd name="adj1" fmla="val 50000"/>
+            </a:avLst>
+          </a:prstGeom>
+          <a:ln>
+            <a:tailEnd type="triangle"/>
+          </a:ln>
+        </p:spPr>
+        <p:style>
+          <a:lnRef idx="1">
+            <a:schemeClr val="accent1"/>
+          </a:lnRef>
+          <a:fillRef idx="0">
+            <a:schemeClr val="accent1"/>
+          </a:fillRef>
+          <a:effectRef idx="0">
+            <a:schemeClr val="accent1"/>
+          </a:effectRef>
+          <a:fontRef idx="minor">
+            <a:schemeClr val="tx1"/>
+          </a:fontRef>
+        </p:style>
+      </p:cxnSp>
+      <p:cxnSp>
+        <p:nvCxnSpPr>
+          <p:cNvPr id="24" name="肘形连接符 23"/>
+          <p:cNvCxnSpPr>
+            <a:stCxn id="17" idx="1"/>
+            <a:endCxn id="26" idx="0"/>
+          </p:cNvCxnSpPr>
+          <p:nvPr/>
+        </p:nvCxnSpPr>
+        <p:spPr>
+          <a:xfrm rot="10800000" flipV="1">
+            <a:off x="1545313" y="1678067"/>
+            <a:ext cx="2048894" cy="1136659"/>
+          </a:xfrm>
+          <a:prstGeom prst="bentConnector2">
+            <a:avLst/>
+          </a:prstGeom>
+          <a:ln>
+            <a:tailEnd type="triangle"/>
+          </a:ln>
+        </p:spPr>
+        <p:style>
+          <a:lnRef idx="1">
+            <a:schemeClr val="accent1"/>
+          </a:lnRef>
+          <a:fillRef idx="0">
+            <a:schemeClr val="accent1"/>
+          </a:fillRef>
+          <a:effectRef idx="0">
+            <a:schemeClr val="accent1"/>
+          </a:effectRef>
+          <a:fontRef idx="minor">
+            <a:schemeClr val="tx1"/>
+          </a:fontRef>
+        </p:style>
+      </p:cxnSp>
+      <p:cxnSp>
+        <p:nvCxnSpPr>
+          <p:cNvPr id="27" name="肘形连接符 26"/>
+          <p:cNvCxnSpPr>
+            <a:stCxn id="26" idx="2"/>
+            <a:endCxn id="33" idx="0"/>
+          </p:cNvCxnSpPr>
+          <p:nvPr/>
+        </p:nvCxnSpPr>
+        <p:spPr>
+          <a:xfrm rot="16200000" flipH="1">
+            <a:off x="1105361" y="3734322"/>
+            <a:ext cx="879904" cy="1"/>
+          </a:xfrm>
+          <a:prstGeom prst="bentConnector3">
+            <a:avLst/>
+          </a:prstGeom>
+          <a:ln>
+            <a:tailEnd type="triangle"/>
+          </a:ln>
+        </p:spPr>
+        <p:style>
+          <a:lnRef idx="1">
+            <a:schemeClr val="accent1"/>
+          </a:lnRef>
+          <a:fillRef idx="0">
+            <a:schemeClr val="accent1"/>
+          </a:fillRef>
+          <a:effectRef idx="0">
+            <a:schemeClr val="accent1"/>
+          </a:effectRef>
+          <a:fontRef idx="minor">
+            <a:schemeClr val="tx1"/>
+          </a:fontRef>
+        </p:style>
+      </p:cxnSp>
+      <p:cxnSp>
+        <p:nvCxnSpPr>
+          <p:cNvPr id="48" name="肘形连接符 47"/>
+          <p:cNvCxnSpPr>
+            <a:stCxn id="33" idx="2"/>
+            <a:endCxn id="19" idx="0"/>
+          </p:cNvCxnSpPr>
+          <p:nvPr/>
+        </p:nvCxnSpPr>
+        <p:spPr>
+          <a:xfrm rot="5400000">
+            <a:off x="1036516" y="5162715"/>
+            <a:ext cx="1017595" cy="2"/>
+          </a:xfrm>
+          <a:prstGeom prst="bentConnector3">
+            <a:avLst/>
+          </a:prstGeom>
+          <a:ln>
+            <a:tailEnd type="triangle"/>
+          </a:ln>
+        </p:spPr>
+        <p:style>
+          <a:lnRef idx="1">
+            <a:schemeClr val="accent1"/>
+          </a:lnRef>
+          <a:fillRef idx="0">
+            <a:schemeClr val="accent1"/>
+          </a:fillRef>
+          <a:effectRef idx="0">
+            <a:schemeClr val="accent1"/>
+          </a:effectRef>
+          <a:fontRef idx="minor">
+            <a:schemeClr val="tx1"/>
+          </a:fontRef>
+        </p:style>
+      </p:cxnSp>
+      <p:sp>
+        <p:nvSpPr>
+          <p:cNvPr id="68" name="云形 67"/>
+          <p:cNvSpPr/>
+          <p:nvPr/>
+        </p:nvSpPr>
+        <p:spPr>
+          <a:xfrm>
+            <a:off x="3810556" y="2707857"/>
+            <a:ext cx="1168833" cy="760706"/>
+          </a:xfrm>
+          <a:prstGeom prst="cloud">
+            <a:avLst/>
+          </a:prstGeom>
+        </p:spPr>
+        <p:style>
+          <a:lnRef idx="2">
+            <a:schemeClr val="accent1">
+              <a:shade val="50000"/>
+            </a:schemeClr>
+          </a:lnRef>
+          <a:fillRef idx="1">
+            <a:schemeClr val="accent1"/>
+          </a:fillRef>
+          <a:effectRef idx="0">
+            <a:schemeClr val="accent1"/>
+          </a:effectRef>
+          <a:fontRef idx="minor">
+            <a:schemeClr val="lt1"/>
+          </a:fontRef>
+        </p:style>
+        <p:txBody>
+          <a:bodyPr rtlCol="0" anchor="ctr"/>
+          <a:lstStyle/>
+          <a:p>
+            <a:pPr algn="ctr"/>
+            <a:r>
+              <a:rPr lang="en-US" altLang="zh-CN" smtClean="0"/>
+              <a:t>ast</a:t>
+            </a:r>
+            <a:endParaRPr lang="zh-CN" altLang="en-US"/>
+          </a:p>
+        </p:txBody>
+      </p:sp>
+      <p:sp>
+        <p:nvSpPr>
+          <p:cNvPr id="69" name="云形 68"/>
+          <p:cNvSpPr/>
+          <p:nvPr/>
+        </p:nvSpPr>
+        <p:spPr>
+          <a:xfrm>
+            <a:off x="3810556" y="4145337"/>
+            <a:ext cx="1168833" cy="760706"/>
+          </a:xfrm>
+          <a:prstGeom prst="cloud">
+            <a:avLst/>
+          </a:prstGeom>
+        </p:spPr>
+        <p:style>
+          <a:lnRef idx="2">
+            <a:schemeClr val="accent1">
+              <a:shade val="50000"/>
+            </a:schemeClr>
+          </a:lnRef>
+          <a:fillRef idx="1">
+            <a:schemeClr val="accent1"/>
+          </a:fillRef>
+          <a:effectRef idx="0">
+            <a:schemeClr val="accent1"/>
+          </a:effectRef>
+          <a:fontRef idx="minor">
+            <a:schemeClr val="lt1"/>
+          </a:fontRef>
+        </p:style>
+        <p:txBody>
+          <a:bodyPr rtlCol="0" anchor="ctr"/>
+          <a:lstStyle/>
+          <a:p>
+            <a:pPr algn="ctr"/>
+            <a:r>
+              <a:rPr lang="en-US" altLang="zh-CN" smtClean="0"/>
+              <a:t>exec</a:t>
+            </a:r>
+            <a:endParaRPr lang="zh-CN" altLang="en-US"/>
+          </a:p>
+        </p:txBody>
+      </p:sp>
+      <p:sp>
+        <p:nvSpPr>
+          <p:cNvPr id="70" name="折角形 69"/>
+          <p:cNvSpPr/>
+          <p:nvPr/>
+        </p:nvSpPr>
+        <p:spPr>
+          <a:xfrm>
+            <a:off x="4042876" y="5513740"/>
+            <a:ext cx="704193" cy="795191"/>
+          </a:xfrm>
+          <a:prstGeom prst="foldedCorner">
+            <a:avLst/>
+          </a:prstGeom>
+        </p:spPr>
+        <p:style>
+          <a:lnRef idx="2">
+            <a:schemeClr val="accent1">
+              <a:shade val="50000"/>
+            </a:schemeClr>
+          </a:lnRef>
+          <a:fillRef idx="1">
+            <a:schemeClr val="accent1"/>
+          </a:fillRef>
+          <a:effectRef idx="0">
+            <a:schemeClr val="accent1"/>
+          </a:effectRef>
+          <a:fontRef idx="minor">
+            <a:schemeClr val="lt1"/>
+          </a:fontRef>
+        </p:style>
+        <p:txBody>
+          <a:bodyPr rtlCol="0" anchor="ctr"/>
+          <a:lstStyle/>
+          <a:p>
+            <a:pPr algn="ctr"/>
+            <a:r>
+              <a:rPr lang="en-US" altLang="zh-CN" smtClean="0"/>
+              <a:t>pyc</a:t>
+            </a:r>
+            <a:endParaRPr lang="zh-CN" altLang="en-US"/>
+          </a:p>
+        </p:txBody>
+      </p:sp>
     </p:spTree>
     <p:extLst>
       <p:ext uri="{BB962C8B-B14F-4D97-AF65-F5344CB8AC3E}">
@@ -9146,16 +10641,743 @@
   <p:timing>
     <p:tnLst>
       <p:par>
-        <p:cTn id="1" dur="indefinite" restart="never" nodeType="tmRoot"/>
+        <p:cTn id="1" dur="indefinite" restart="never" nodeType="tmRoot">
+          <p:childTnLst>
+            <p:seq concurrent="1" nextAc="seek">
+              <p:cTn id="2" dur="indefinite" nodeType="mainSeq">
+                <p:childTnLst>
+                  <p:par>
+                    <p:cTn id="3" fill="hold">
+                      <p:stCondLst>
+                        <p:cond delay="indefinite"/>
+                      </p:stCondLst>
+                      <p:childTnLst>
+                        <p:par>
+                          <p:cTn id="4" fill="hold">
+                            <p:stCondLst>
+                              <p:cond delay="0"/>
+                            </p:stCondLst>
+                            <p:childTnLst>
+                              <p:par>
+                                <p:cTn id="5" presetID="22" presetClass="entr" presetSubtype="1" fill="hold" nodeType="clickEffect">
+                                  <p:stCondLst>
+                                    <p:cond delay="0"/>
+                                  </p:stCondLst>
+                                  <p:childTnLst>
+                                    <p:set>
+                                      <p:cBhvr>
+                                        <p:cTn id="6" dur="1" fill="hold">
+                                          <p:stCondLst>
+                                            <p:cond delay="0"/>
+                                          </p:stCondLst>
+                                        </p:cTn>
+                                        <p:tgtEl>
+                                          <p:spTgt spid="5"/>
+                                        </p:tgtEl>
+                                        <p:attrNameLst>
+                                          <p:attrName>style.visibility</p:attrName>
+                                        </p:attrNameLst>
+                                      </p:cBhvr>
+                                      <p:to>
+                                        <p:strVal val="visible"/>
+                                      </p:to>
+                                    </p:set>
+                                    <p:animEffect transition="in" filter="wipe(up)">
+                                      <p:cBhvr>
+                                        <p:cTn id="7" dur="500"/>
+                                        <p:tgtEl>
+                                          <p:spTgt spid="5"/>
+                                        </p:tgtEl>
+                                      </p:cBhvr>
+                                    </p:animEffect>
+                                  </p:childTnLst>
+                                </p:cTn>
+                              </p:par>
+                              <p:par>
+                                <p:cTn id="8" presetID="10" presetClass="entr" presetSubtype="0" fill="hold" grpId="0" nodeType="withEffect">
+                                  <p:stCondLst>
+                                    <p:cond delay="0"/>
+                                  </p:stCondLst>
+                                  <p:childTnLst>
+                                    <p:set>
+                                      <p:cBhvr>
+                                        <p:cTn id="9" dur="1" fill="hold">
+                                          <p:stCondLst>
+                                            <p:cond delay="0"/>
+                                          </p:stCondLst>
+                                        </p:cTn>
+                                        <p:tgtEl>
+                                          <p:spTgt spid="17"/>
+                                        </p:tgtEl>
+                                        <p:attrNameLst>
+                                          <p:attrName>style.visibility</p:attrName>
+                                        </p:attrNameLst>
+                                      </p:cBhvr>
+                                      <p:to>
+                                        <p:strVal val="visible"/>
+                                      </p:to>
+                                    </p:set>
+                                    <p:animEffect transition="in" filter="fade">
+                                      <p:cBhvr>
+                                        <p:cTn id="10" dur="2000"/>
+                                        <p:tgtEl>
+                                          <p:spTgt spid="17"/>
+                                        </p:tgtEl>
+                                      </p:cBhvr>
+                                    </p:animEffect>
+                                  </p:childTnLst>
+                                </p:cTn>
+                              </p:par>
+                            </p:childTnLst>
+                          </p:cTn>
+                        </p:par>
+                      </p:childTnLst>
+                    </p:cTn>
+                  </p:par>
+                  <p:par>
+                    <p:cTn id="11" fill="hold">
+                      <p:stCondLst>
+                        <p:cond delay="indefinite"/>
+                      </p:stCondLst>
+                      <p:childTnLst>
+                        <p:par>
+                          <p:cTn id="12" fill="hold">
+                            <p:stCondLst>
+                              <p:cond delay="0"/>
+                            </p:stCondLst>
+                            <p:childTnLst>
+                              <p:par>
+                                <p:cTn id="13" presetID="22" presetClass="entr" presetSubtype="1" fill="hold" nodeType="clickEffect">
+                                  <p:stCondLst>
+                                    <p:cond delay="0"/>
+                                  </p:stCondLst>
+                                  <p:childTnLst>
+                                    <p:set>
+                                      <p:cBhvr>
+                                        <p:cTn id="14" dur="1" fill="hold">
+                                          <p:stCondLst>
+                                            <p:cond delay="0"/>
+                                          </p:stCondLst>
+                                        </p:cTn>
+                                        <p:tgtEl>
+                                          <p:spTgt spid="16"/>
+                                        </p:tgtEl>
+                                        <p:attrNameLst>
+                                          <p:attrName>style.visibility</p:attrName>
+                                        </p:attrNameLst>
+                                      </p:cBhvr>
+                                      <p:to>
+                                        <p:strVal val="visible"/>
+                                      </p:to>
+                                    </p:set>
+                                    <p:animEffect transition="in" filter="wipe(up)">
+                                      <p:cBhvr>
+                                        <p:cTn id="15" dur="500"/>
+                                        <p:tgtEl>
+                                          <p:spTgt spid="16"/>
+                                        </p:tgtEl>
+                                      </p:cBhvr>
+                                    </p:animEffect>
+                                  </p:childTnLst>
+                                </p:cTn>
+                              </p:par>
+                              <p:par>
+                                <p:cTn id="16" presetID="10" presetClass="entr" presetSubtype="0" fill="hold" grpId="0" nodeType="withEffect">
+                                  <p:stCondLst>
+                                    <p:cond delay="0"/>
+                                  </p:stCondLst>
+                                  <p:childTnLst>
+                                    <p:set>
+                                      <p:cBhvr>
+                                        <p:cTn id="17" dur="1" fill="hold">
+                                          <p:stCondLst>
+                                            <p:cond delay="0"/>
+                                          </p:stCondLst>
+                                        </p:cTn>
+                                        <p:tgtEl>
+                                          <p:spTgt spid="18"/>
+                                        </p:tgtEl>
+                                        <p:attrNameLst>
+                                          <p:attrName>style.visibility</p:attrName>
+                                        </p:attrNameLst>
+                                      </p:cBhvr>
+                                      <p:to>
+                                        <p:strVal val="visible"/>
+                                      </p:to>
+                                    </p:set>
+                                    <p:animEffect transition="in" filter="fade">
+                                      <p:cBhvr>
+                                        <p:cTn id="18" dur="2000"/>
+                                        <p:tgtEl>
+                                          <p:spTgt spid="18"/>
+                                        </p:tgtEl>
+                                      </p:cBhvr>
+                                    </p:animEffect>
+                                  </p:childTnLst>
+                                </p:cTn>
+                              </p:par>
+                            </p:childTnLst>
+                          </p:cTn>
+                        </p:par>
+                      </p:childTnLst>
+                    </p:cTn>
+                  </p:par>
+                  <p:par>
+                    <p:cTn id="19" fill="hold">
+                      <p:stCondLst>
+                        <p:cond delay="indefinite"/>
+                      </p:stCondLst>
+                      <p:childTnLst>
+                        <p:par>
+                          <p:cTn id="20" fill="hold">
+                            <p:stCondLst>
+                              <p:cond delay="0"/>
+                            </p:stCondLst>
+                            <p:childTnLst>
+                              <p:par>
+                                <p:cTn id="21" presetID="22" presetClass="entr" presetSubtype="1" fill="hold" nodeType="clickEffect">
+                                  <p:stCondLst>
+                                    <p:cond delay="0"/>
+                                  </p:stCondLst>
+                                  <p:childTnLst>
+                                    <p:set>
+                                      <p:cBhvr>
+                                        <p:cTn id="22" dur="1" fill="hold">
+                                          <p:stCondLst>
+                                            <p:cond delay="0"/>
+                                          </p:stCondLst>
+                                        </p:cTn>
+                                        <p:tgtEl>
+                                          <p:spTgt spid="20"/>
+                                        </p:tgtEl>
+                                        <p:attrNameLst>
+                                          <p:attrName>style.visibility</p:attrName>
+                                        </p:attrNameLst>
+                                      </p:cBhvr>
+                                      <p:to>
+                                        <p:strVal val="visible"/>
+                                      </p:to>
+                                    </p:set>
+                                    <p:animEffect transition="in" filter="wipe(up)">
+                                      <p:cBhvr>
+                                        <p:cTn id="23" dur="500"/>
+                                        <p:tgtEl>
+                                          <p:spTgt spid="20"/>
+                                        </p:tgtEl>
+                                      </p:cBhvr>
+                                    </p:animEffect>
+                                  </p:childTnLst>
+                                </p:cTn>
+                              </p:par>
+                              <p:par>
+                                <p:cTn id="24" presetID="10" presetClass="entr" presetSubtype="0" fill="hold" grpId="0" nodeType="withEffect">
+                                  <p:stCondLst>
+                                    <p:cond delay="0"/>
+                                  </p:stCondLst>
+                                  <p:childTnLst>
+                                    <p:set>
+                                      <p:cBhvr>
+                                        <p:cTn id="25" dur="1" fill="hold">
+                                          <p:stCondLst>
+                                            <p:cond delay="0"/>
+                                          </p:stCondLst>
+                                        </p:cTn>
+                                        <p:tgtEl>
+                                          <p:spTgt spid="23"/>
+                                        </p:tgtEl>
+                                        <p:attrNameLst>
+                                          <p:attrName>style.visibility</p:attrName>
+                                        </p:attrNameLst>
+                                      </p:cBhvr>
+                                      <p:to>
+                                        <p:strVal val="visible"/>
+                                      </p:to>
+                                    </p:set>
+                                    <p:animEffect transition="in" filter="fade">
+                                      <p:cBhvr>
+                                        <p:cTn id="26" dur="2000"/>
+                                        <p:tgtEl>
+                                          <p:spTgt spid="23"/>
+                                        </p:tgtEl>
+                                      </p:cBhvr>
+                                    </p:animEffect>
+                                  </p:childTnLst>
+                                </p:cTn>
+                              </p:par>
+                            </p:childTnLst>
+                          </p:cTn>
+                        </p:par>
+                      </p:childTnLst>
+                    </p:cTn>
+                  </p:par>
+                  <p:par>
+                    <p:cTn id="27" fill="hold">
+                      <p:stCondLst>
+                        <p:cond delay="indefinite"/>
+                      </p:stCondLst>
+                      <p:childTnLst>
+                        <p:par>
+                          <p:cTn id="28" fill="hold">
+                            <p:stCondLst>
+                              <p:cond delay="0"/>
+                            </p:stCondLst>
+                            <p:childTnLst>
+                              <p:par>
+                                <p:cTn id="29" presetID="22" presetClass="entr" presetSubtype="1" fill="hold" nodeType="clickEffect">
+                                  <p:stCondLst>
+                                    <p:cond delay="0"/>
+                                  </p:stCondLst>
+                                  <p:childTnLst>
+                                    <p:set>
+                                      <p:cBhvr>
+                                        <p:cTn id="30" dur="1" fill="hold">
+                                          <p:stCondLst>
+                                            <p:cond delay="0"/>
+                                          </p:stCondLst>
+                                        </p:cTn>
+                                        <p:tgtEl>
+                                          <p:spTgt spid="24"/>
+                                        </p:tgtEl>
+                                        <p:attrNameLst>
+                                          <p:attrName>style.visibility</p:attrName>
+                                        </p:attrNameLst>
+                                      </p:cBhvr>
+                                      <p:to>
+                                        <p:strVal val="visible"/>
+                                      </p:to>
+                                    </p:set>
+                                    <p:animEffect transition="in" filter="wipe(up)">
+                                      <p:cBhvr>
+                                        <p:cTn id="31" dur="500"/>
+                                        <p:tgtEl>
+                                          <p:spTgt spid="24"/>
+                                        </p:tgtEl>
+                                      </p:cBhvr>
+                                    </p:animEffect>
+                                  </p:childTnLst>
+                                </p:cTn>
+                              </p:par>
+                              <p:par>
+                                <p:cTn id="32" presetID="10" presetClass="entr" presetSubtype="0" fill="hold" grpId="0" nodeType="withEffect">
+                                  <p:stCondLst>
+                                    <p:cond delay="0"/>
+                                  </p:stCondLst>
+                                  <p:childTnLst>
+                                    <p:set>
+                                      <p:cBhvr>
+                                        <p:cTn id="33" dur="1" fill="hold">
+                                          <p:stCondLst>
+                                            <p:cond delay="0"/>
+                                          </p:stCondLst>
+                                        </p:cTn>
+                                        <p:tgtEl>
+                                          <p:spTgt spid="26"/>
+                                        </p:tgtEl>
+                                        <p:attrNameLst>
+                                          <p:attrName>style.visibility</p:attrName>
+                                        </p:attrNameLst>
+                                      </p:cBhvr>
+                                      <p:to>
+                                        <p:strVal val="visible"/>
+                                      </p:to>
+                                    </p:set>
+                                    <p:animEffect transition="in" filter="fade">
+                                      <p:cBhvr>
+                                        <p:cTn id="34" dur="2000"/>
+                                        <p:tgtEl>
+                                          <p:spTgt spid="26"/>
+                                        </p:tgtEl>
+                                      </p:cBhvr>
+                                    </p:animEffect>
+                                  </p:childTnLst>
+                                </p:cTn>
+                              </p:par>
+                            </p:childTnLst>
+                          </p:cTn>
+                        </p:par>
+                      </p:childTnLst>
+                    </p:cTn>
+                  </p:par>
+                  <p:par>
+                    <p:cTn id="35" fill="hold">
+                      <p:stCondLst>
+                        <p:cond delay="indefinite"/>
+                      </p:stCondLst>
+                      <p:childTnLst>
+                        <p:par>
+                          <p:cTn id="36" fill="hold">
+                            <p:stCondLst>
+                              <p:cond delay="0"/>
+                            </p:stCondLst>
+                            <p:childTnLst>
+                              <p:par>
+                                <p:cTn id="37" presetID="10" presetClass="entr" presetSubtype="0" fill="hold" grpId="0" nodeType="clickEffect">
+                                  <p:stCondLst>
+                                    <p:cond delay="0"/>
+                                  </p:stCondLst>
+                                  <p:childTnLst>
+                                    <p:set>
+                                      <p:cBhvr>
+                                        <p:cTn id="38" dur="1" fill="hold">
+                                          <p:stCondLst>
+                                            <p:cond delay="0"/>
+                                          </p:stCondLst>
+                                        </p:cTn>
+                                        <p:tgtEl>
+                                          <p:spTgt spid="68"/>
+                                        </p:tgtEl>
+                                        <p:attrNameLst>
+                                          <p:attrName>style.visibility</p:attrName>
+                                        </p:attrNameLst>
+                                      </p:cBhvr>
+                                      <p:to>
+                                        <p:strVal val="visible"/>
+                                      </p:to>
+                                    </p:set>
+                                    <p:animEffect transition="in" filter="fade">
+                                      <p:cBhvr>
+                                        <p:cTn id="39" dur="2000"/>
+                                        <p:tgtEl>
+                                          <p:spTgt spid="68"/>
+                                        </p:tgtEl>
+                                      </p:cBhvr>
+                                    </p:animEffect>
+                                  </p:childTnLst>
+                                </p:cTn>
+                              </p:par>
+                            </p:childTnLst>
+                          </p:cTn>
+                        </p:par>
+                      </p:childTnLst>
+                    </p:cTn>
+                  </p:par>
+                  <p:par>
+                    <p:cTn id="40" fill="hold">
+                      <p:stCondLst>
+                        <p:cond delay="indefinite"/>
+                      </p:stCondLst>
+                      <p:childTnLst>
+                        <p:par>
+                          <p:cTn id="41" fill="hold">
+                            <p:stCondLst>
+                              <p:cond delay="0"/>
+                            </p:stCondLst>
+                            <p:childTnLst>
+                              <p:par>
+                                <p:cTn id="42" presetID="22" presetClass="entr" presetSubtype="1" fill="hold" nodeType="clickEffect">
+                                  <p:stCondLst>
+                                    <p:cond delay="0"/>
+                                  </p:stCondLst>
+                                  <p:childTnLst>
+                                    <p:set>
+                                      <p:cBhvr>
+                                        <p:cTn id="43" dur="1" fill="hold">
+                                          <p:stCondLst>
+                                            <p:cond delay="0"/>
+                                          </p:stCondLst>
+                                        </p:cTn>
+                                        <p:tgtEl>
+                                          <p:spTgt spid="27"/>
+                                        </p:tgtEl>
+                                        <p:attrNameLst>
+                                          <p:attrName>style.visibility</p:attrName>
+                                        </p:attrNameLst>
+                                      </p:cBhvr>
+                                      <p:to>
+                                        <p:strVal val="visible"/>
+                                      </p:to>
+                                    </p:set>
+                                    <p:animEffect transition="in" filter="wipe(up)">
+                                      <p:cBhvr>
+                                        <p:cTn id="44" dur="500"/>
+                                        <p:tgtEl>
+                                          <p:spTgt spid="27"/>
+                                        </p:tgtEl>
+                                      </p:cBhvr>
+                                    </p:animEffect>
+                                  </p:childTnLst>
+                                </p:cTn>
+                              </p:par>
+                              <p:par>
+                                <p:cTn id="45" presetID="10" presetClass="entr" presetSubtype="0" fill="hold" grpId="0" nodeType="withEffect">
+                                  <p:stCondLst>
+                                    <p:cond delay="0"/>
+                                  </p:stCondLst>
+                                  <p:childTnLst>
+                                    <p:set>
+                                      <p:cBhvr>
+                                        <p:cTn id="46" dur="1" fill="hold">
+                                          <p:stCondLst>
+                                            <p:cond delay="0"/>
+                                          </p:stCondLst>
+                                        </p:cTn>
+                                        <p:tgtEl>
+                                          <p:spTgt spid="33"/>
+                                        </p:tgtEl>
+                                        <p:attrNameLst>
+                                          <p:attrName>style.visibility</p:attrName>
+                                        </p:attrNameLst>
+                                      </p:cBhvr>
+                                      <p:to>
+                                        <p:strVal val="visible"/>
+                                      </p:to>
+                                    </p:set>
+                                    <p:animEffect transition="in" filter="fade">
+                                      <p:cBhvr>
+                                        <p:cTn id="47" dur="2000"/>
+                                        <p:tgtEl>
+                                          <p:spTgt spid="33"/>
+                                        </p:tgtEl>
+                                      </p:cBhvr>
+                                    </p:animEffect>
+                                  </p:childTnLst>
+                                </p:cTn>
+                              </p:par>
+                            </p:childTnLst>
+                          </p:cTn>
+                        </p:par>
+                      </p:childTnLst>
+                    </p:cTn>
+                  </p:par>
+                  <p:par>
+                    <p:cTn id="48" fill="hold">
+                      <p:stCondLst>
+                        <p:cond delay="indefinite"/>
+                      </p:stCondLst>
+                      <p:childTnLst>
+                        <p:par>
+                          <p:cTn id="49" fill="hold">
+                            <p:stCondLst>
+                              <p:cond delay="0"/>
+                            </p:stCondLst>
+                            <p:childTnLst>
+                              <p:par>
+                                <p:cTn id="50" presetID="10" presetClass="entr" presetSubtype="0" fill="hold" grpId="0" nodeType="clickEffect">
+                                  <p:stCondLst>
+                                    <p:cond delay="0"/>
+                                  </p:stCondLst>
+                                  <p:childTnLst>
+                                    <p:set>
+                                      <p:cBhvr>
+                                        <p:cTn id="51" dur="1" fill="hold">
+                                          <p:stCondLst>
+                                            <p:cond delay="0"/>
+                                          </p:stCondLst>
+                                        </p:cTn>
+                                        <p:tgtEl>
+                                          <p:spTgt spid="69"/>
+                                        </p:tgtEl>
+                                        <p:attrNameLst>
+                                          <p:attrName>style.visibility</p:attrName>
+                                        </p:attrNameLst>
+                                      </p:cBhvr>
+                                      <p:to>
+                                        <p:strVal val="visible"/>
+                                      </p:to>
+                                    </p:set>
+                                    <p:animEffect transition="in" filter="fade">
+                                      <p:cBhvr>
+                                        <p:cTn id="52" dur="2000"/>
+                                        <p:tgtEl>
+                                          <p:spTgt spid="69"/>
+                                        </p:tgtEl>
+                                      </p:cBhvr>
+                                    </p:animEffect>
+                                  </p:childTnLst>
+                                </p:cTn>
+                              </p:par>
+                            </p:childTnLst>
+                          </p:cTn>
+                        </p:par>
+                      </p:childTnLst>
+                    </p:cTn>
+                  </p:par>
+                  <p:par>
+                    <p:cTn id="53" fill="hold">
+                      <p:stCondLst>
+                        <p:cond delay="indefinite"/>
+                      </p:stCondLst>
+                      <p:childTnLst>
+                        <p:par>
+                          <p:cTn id="54" fill="hold">
+                            <p:stCondLst>
+                              <p:cond delay="0"/>
+                            </p:stCondLst>
+                            <p:childTnLst>
+                              <p:par>
+                                <p:cTn id="55" presetID="22" presetClass="entr" presetSubtype="1" fill="hold" nodeType="clickEffect">
+                                  <p:stCondLst>
+                                    <p:cond delay="0"/>
+                                  </p:stCondLst>
+                                  <p:childTnLst>
+                                    <p:set>
+                                      <p:cBhvr>
+                                        <p:cTn id="56" dur="1" fill="hold">
+                                          <p:stCondLst>
+                                            <p:cond delay="0"/>
+                                          </p:stCondLst>
+                                        </p:cTn>
+                                        <p:tgtEl>
+                                          <p:spTgt spid="48"/>
+                                        </p:tgtEl>
+                                        <p:attrNameLst>
+                                          <p:attrName>style.visibility</p:attrName>
+                                        </p:attrNameLst>
+                                      </p:cBhvr>
+                                      <p:to>
+                                        <p:strVal val="visible"/>
+                                      </p:to>
+                                    </p:set>
+                                    <p:animEffect transition="in" filter="wipe(up)">
+                                      <p:cBhvr>
+                                        <p:cTn id="57" dur="500"/>
+                                        <p:tgtEl>
+                                          <p:spTgt spid="48"/>
+                                        </p:tgtEl>
+                                      </p:cBhvr>
+                                    </p:animEffect>
+                                  </p:childTnLst>
+                                </p:cTn>
+                              </p:par>
+                              <p:par>
+                                <p:cTn id="58" presetID="10" presetClass="entr" presetSubtype="0" fill="hold" grpId="0" nodeType="withEffect">
+                                  <p:stCondLst>
+                                    <p:cond delay="0"/>
+                                  </p:stCondLst>
+                                  <p:childTnLst>
+                                    <p:set>
+                                      <p:cBhvr>
+                                        <p:cTn id="59" dur="1" fill="hold">
+                                          <p:stCondLst>
+                                            <p:cond delay="0"/>
+                                          </p:stCondLst>
+                                        </p:cTn>
+                                        <p:tgtEl>
+                                          <p:spTgt spid="19"/>
+                                        </p:tgtEl>
+                                        <p:attrNameLst>
+                                          <p:attrName>style.visibility</p:attrName>
+                                        </p:attrNameLst>
+                                      </p:cBhvr>
+                                      <p:to>
+                                        <p:strVal val="visible"/>
+                                      </p:to>
+                                    </p:set>
+                                    <p:animEffect transition="in" filter="fade">
+                                      <p:cBhvr>
+                                        <p:cTn id="60" dur="2000"/>
+                                        <p:tgtEl>
+                                          <p:spTgt spid="19"/>
+                                        </p:tgtEl>
+                                      </p:cBhvr>
+                                    </p:animEffect>
+                                  </p:childTnLst>
+                                </p:cTn>
+                              </p:par>
+                            </p:childTnLst>
+                          </p:cTn>
+                        </p:par>
+                      </p:childTnLst>
+                    </p:cTn>
+                  </p:par>
+                  <p:par>
+                    <p:cTn id="61" fill="hold">
+                      <p:stCondLst>
+                        <p:cond delay="indefinite"/>
+                      </p:stCondLst>
+                      <p:childTnLst>
+                        <p:par>
+                          <p:cTn id="62" fill="hold">
+                            <p:stCondLst>
+                              <p:cond delay="0"/>
+                            </p:stCondLst>
+                            <p:childTnLst>
+                              <p:par>
+                                <p:cTn id="63" presetID="10" presetClass="entr" presetSubtype="0" fill="hold" grpId="0" nodeType="clickEffect">
+                                  <p:stCondLst>
+                                    <p:cond delay="0"/>
+                                  </p:stCondLst>
+                                  <p:childTnLst>
+                                    <p:set>
+                                      <p:cBhvr>
+                                        <p:cTn id="64" dur="1" fill="hold">
+                                          <p:stCondLst>
+                                            <p:cond delay="0"/>
+                                          </p:stCondLst>
+                                        </p:cTn>
+                                        <p:tgtEl>
+                                          <p:spTgt spid="70"/>
+                                        </p:tgtEl>
+                                        <p:attrNameLst>
+                                          <p:attrName>style.visibility</p:attrName>
+                                        </p:attrNameLst>
+                                      </p:cBhvr>
+                                      <p:to>
+                                        <p:strVal val="visible"/>
+                                      </p:to>
+                                    </p:set>
+                                    <p:animEffect transition="in" filter="fade">
+                                      <p:cBhvr>
+                                        <p:cTn id="65" dur="2000"/>
+                                        <p:tgtEl>
+                                          <p:spTgt spid="70"/>
+                                        </p:tgtEl>
+                                      </p:cBhvr>
+                                    </p:animEffect>
+                                  </p:childTnLst>
+                                </p:cTn>
+                              </p:par>
+                            </p:childTnLst>
+                          </p:cTn>
+                        </p:par>
+                      </p:childTnLst>
+                    </p:cTn>
+                  </p:par>
+                </p:childTnLst>
+              </p:cTn>
+              <p:prevCondLst>
+                <p:cond evt="onPrev" delay="0">
+                  <p:tgtEl>
+                    <p:sldTgt/>
+                  </p:tgtEl>
+                </p:cond>
+              </p:prevCondLst>
+              <p:nextCondLst>
+                <p:cond evt="onNext" delay="0">
+                  <p:tgtEl>
+                    <p:sldTgt/>
+                  </p:tgtEl>
+                </p:cond>
+              </p:nextCondLst>
+            </p:seq>
+          </p:childTnLst>
+        </p:cTn>
       </p:par>
     </p:tnLst>
+    <p:bldLst>
+      <p:bldP spid="17" grpId="0" animBg="1"/>
+      <p:bldP spid="18" grpId="0" animBg="1"/>
+      <p:bldP spid="23" grpId="0" animBg="1"/>
+      <p:bldP spid="26" grpId="0" animBg="1"/>
+      <p:bldP spid="33" grpId="0" animBg="1"/>
+      <p:bldP spid="19" grpId="0" animBg="1"/>
+      <p:bldP spid="68" grpId="0" animBg="1"/>
+      <p:bldP spid="69" grpId="0" animBg="1"/>
+      <p:bldP spid="70" grpId="0" animBg="1"/>
+    </p:bldLst>
   </p:timing>
 </p:sld>
 </file>
 
-<file path=ppt/slides/slide15.xml><?xml version="1.0" encoding="utf-8"?>
+<file path=ppt/slides/slide14.xml><?xml version="1.0" encoding="utf-8"?>
 <p:sld xmlns:a="http://schemas.openxmlformats.org/drawingml/2006/main" xmlns:r="http://schemas.openxmlformats.org/officeDocument/2006/relationships" xmlns:p="http://schemas.openxmlformats.org/presentationml/2006/main">
   <p:cSld>
+    <p:bg>
+      <p:bgPr>
+        <a:noFill/>
+        <a:effectLst/>
+      </p:bgPr>
+    </p:bg>
     <p:spTree>
       <p:nvGrpSpPr>
         <p:cNvPr id="1" name=""/>
@@ -9172,7 +11394,705 @@
       </p:grpSpPr>
       <p:sp>
         <p:nvSpPr>
-          <p:cNvPr id="29" name="流程图: 可选过程 28"/>
+          <p:cNvPr id="3" name="Rectangle 2"/>
+          <p:cNvSpPr>
+            <a:spLocks noChangeArrowheads="1"/>
+          </p:cNvSpPr>
+          <p:nvPr/>
+        </p:nvSpPr>
+        <p:spPr bwMode="auto">
+          <a:xfrm>
+            <a:off x="357351" y="1434424"/>
+            <a:ext cx="8191345" cy="3200876"/>
+          </a:xfrm>
+          <a:prstGeom prst="rect">
+            <a:avLst/>
+          </a:prstGeom>
+          <a:noFill/>
+          <a:ln>
+            <a:noFill/>
+          </a:ln>
+          <a:effectLst/>
+          <a:extLst>
+            <a:ext uri="{909E8E84-426E-40DD-AFC4-6F175D3DCCD1}">
+              <a14:hiddenFill xmlns:a14="http://schemas.microsoft.com/office/drawing/2010/main">
+                <a:solidFill>
+                  <a:schemeClr val="accent1"/>
+                </a:solidFill>
+              </a14:hiddenFill>
+            </a:ext>
+            <a:ext uri="{91240B29-F687-4F45-9708-019B960494DF}">
+              <a14:hiddenLine xmlns:a14="http://schemas.microsoft.com/office/drawing/2010/main" w="9525">
+                <a:solidFill>
+                  <a:schemeClr val="tx1"/>
+                </a:solidFill>
+                <a:miter lim="800000"/>
+                <a:headEnd/>
+                <a:tailEnd/>
+              </a14:hiddenLine>
+            </a:ext>
+            <a:ext uri="{AF507438-7753-43E0-B8FC-AC1667EBCBE1}">
+              <a14:hiddenEffects xmlns:a14="http://schemas.microsoft.com/office/drawing/2010/main">
+                <a:effectLst>
+                  <a:outerShdw dist="35921" dir="2700000" algn="ctr" rotWithShape="0">
+                    <a:schemeClr val="bg2"/>
+                  </a:outerShdw>
+                </a:effectLst>
+              </a14:hiddenEffects>
+            </a:ext>
+          </a:extLst>
+        </p:spPr>
+        <p:txBody>
+          <a:bodyPr vert="horz" wrap="none" lIns="0" tIns="0" rIns="0" bIns="0" numCol="1" anchor="ctr" anchorCtr="0" compatLnSpc="1">
+            <a:prstTxWarp prst="textNoShape">
+              <a:avLst/>
+            </a:prstTxWarp>
+            <a:spAutoFit/>
+          </a:bodyPr>
+          <a:lstStyle>
+            <a:lvl1pPr eaLnBrk="0" fontAlgn="base" hangingPunct="0">
+              <a:spcBef>
+                <a:spcPct val="0"/>
+              </a:spcBef>
+              <a:spcAft>
+                <a:spcPct val="0"/>
+              </a:spcAft>
+              <a:defRPr>
+                <a:solidFill>
+                  <a:schemeClr val="tx1"/>
+                </a:solidFill>
+                <a:latin typeface="Arial" panose="020B0604020202020204" pitchFamily="34" charset="0"/>
+              </a:defRPr>
+            </a:lvl1pPr>
+            <a:lvl2pPr eaLnBrk="0" fontAlgn="base" hangingPunct="0">
+              <a:spcBef>
+                <a:spcPct val="0"/>
+              </a:spcBef>
+              <a:spcAft>
+                <a:spcPct val="0"/>
+              </a:spcAft>
+              <a:defRPr>
+                <a:solidFill>
+                  <a:schemeClr val="tx1"/>
+                </a:solidFill>
+                <a:latin typeface="Arial" panose="020B0604020202020204" pitchFamily="34" charset="0"/>
+              </a:defRPr>
+            </a:lvl2pPr>
+            <a:lvl3pPr eaLnBrk="0" fontAlgn="base" hangingPunct="0">
+              <a:spcBef>
+                <a:spcPct val="0"/>
+              </a:spcBef>
+              <a:spcAft>
+                <a:spcPct val="0"/>
+              </a:spcAft>
+              <a:defRPr>
+                <a:solidFill>
+                  <a:schemeClr val="tx1"/>
+                </a:solidFill>
+                <a:latin typeface="Arial" panose="020B0604020202020204" pitchFamily="34" charset="0"/>
+              </a:defRPr>
+            </a:lvl3pPr>
+            <a:lvl4pPr eaLnBrk="0" fontAlgn="base" hangingPunct="0">
+              <a:spcBef>
+                <a:spcPct val="0"/>
+              </a:spcBef>
+              <a:spcAft>
+                <a:spcPct val="0"/>
+              </a:spcAft>
+              <a:defRPr>
+                <a:solidFill>
+                  <a:schemeClr val="tx1"/>
+                </a:solidFill>
+                <a:latin typeface="Arial" panose="020B0604020202020204" pitchFamily="34" charset="0"/>
+              </a:defRPr>
+            </a:lvl4pPr>
+            <a:lvl5pPr eaLnBrk="0" fontAlgn="base" hangingPunct="0">
+              <a:spcBef>
+                <a:spcPct val="0"/>
+              </a:spcBef>
+              <a:spcAft>
+                <a:spcPct val="0"/>
+              </a:spcAft>
+              <a:defRPr>
+                <a:solidFill>
+                  <a:schemeClr val="tx1"/>
+                </a:solidFill>
+                <a:latin typeface="Arial" panose="020B0604020202020204" pitchFamily="34" charset="0"/>
+              </a:defRPr>
+            </a:lvl5pPr>
+            <a:lvl6pPr eaLnBrk="0" fontAlgn="base" hangingPunct="0">
+              <a:spcBef>
+                <a:spcPct val="0"/>
+              </a:spcBef>
+              <a:spcAft>
+                <a:spcPct val="0"/>
+              </a:spcAft>
+              <a:defRPr>
+                <a:solidFill>
+                  <a:schemeClr val="tx1"/>
+                </a:solidFill>
+                <a:latin typeface="Arial" panose="020B0604020202020204" pitchFamily="34" charset="0"/>
+              </a:defRPr>
+            </a:lvl6pPr>
+            <a:lvl7pPr eaLnBrk="0" fontAlgn="base" hangingPunct="0">
+              <a:spcBef>
+                <a:spcPct val="0"/>
+              </a:spcBef>
+              <a:spcAft>
+                <a:spcPct val="0"/>
+              </a:spcAft>
+              <a:defRPr>
+                <a:solidFill>
+                  <a:schemeClr val="tx1"/>
+                </a:solidFill>
+                <a:latin typeface="Arial" panose="020B0604020202020204" pitchFamily="34" charset="0"/>
+              </a:defRPr>
+            </a:lvl7pPr>
+            <a:lvl8pPr eaLnBrk="0" fontAlgn="base" hangingPunct="0">
+              <a:spcBef>
+                <a:spcPct val="0"/>
+              </a:spcBef>
+              <a:spcAft>
+                <a:spcPct val="0"/>
+              </a:spcAft>
+              <a:defRPr>
+                <a:solidFill>
+                  <a:schemeClr val="tx1"/>
+                </a:solidFill>
+                <a:latin typeface="Arial" panose="020B0604020202020204" pitchFamily="34" charset="0"/>
+              </a:defRPr>
+            </a:lvl8pPr>
+            <a:lvl9pPr eaLnBrk="0" fontAlgn="base" hangingPunct="0">
+              <a:spcBef>
+                <a:spcPct val="0"/>
+              </a:spcBef>
+              <a:spcAft>
+                <a:spcPct val="0"/>
+              </a:spcAft>
+              <a:defRPr>
+                <a:solidFill>
+                  <a:schemeClr val="tx1"/>
+                </a:solidFill>
+                <a:latin typeface="Arial" panose="020B0604020202020204" pitchFamily="34" charset="0"/>
+              </a:defRPr>
+            </a:lvl9pPr>
+          </a:lstStyle>
+          <a:p>
+            <a:pPr lvl="0"/>
+            <a:r>
+              <a:rPr lang="zh-CN" altLang="zh-CN" sz="1600" b="1">
+                <a:solidFill>
+                  <a:srgbClr val="7F0055"/>
+                </a:solidFill>
+                <a:latin typeface="Consolas" panose="020B0609020204030204" pitchFamily="49" charset="0"/>
+              </a:rPr>
+              <a:t>typedef</a:t>
+            </a:r>
+            <a:r>
+              <a:rPr lang="zh-CN" altLang="zh-CN" sz="1600">
+                <a:solidFill>
+                  <a:srgbClr val="333333"/>
+                </a:solidFill>
+                <a:latin typeface="Consolas" panose="020B0609020204030204" pitchFamily="49" charset="0"/>
+              </a:rPr>
+              <a:t> </a:t>
+            </a:r>
+            <a:r>
+              <a:rPr lang="zh-CN" altLang="zh-CN" sz="1600" b="1">
+                <a:solidFill>
+                  <a:srgbClr val="7F0055"/>
+                </a:solidFill>
+                <a:latin typeface="Consolas" panose="020B0609020204030204" pitchFamily="49" charset="0"/>
+              </a:rPr>
+              <a:t>struct</a:t>
+            </a:r>
+            <a:r>
+              <a:rPr lang="zh-CN" altLang="zh-CN" sz="1600">
+                <a:solidFill>
+                  <a:srgbClr val="333333"/>
+                </a:solidFill>
+                <a:latin typeface="Consolas" panose="020B0609020204030204" pitchFamily="49" charset="0"/>
+              </a:rPr>
+              <a:t> </a:t>
+            </a:r>
+            <a:r>
+              <a:rPr lang="zh-CN" altLang="zh-CN" sz="1600">
+                <a:solidFill>
+                  <a:srgbClr val="000000"/>
+                </a:solidFill>
+                <a:latin typeface="Consolas" panose="020B0609020204030204" pitchFamily="49" charset="0"/>
+              </a:rPr>
+              <a:t>{</a:t>
+            </a:r>
+            <a:endParaRPr lang="zh-CN" altLang="zh-CN" sz="1600"/>
+          </a:p>
+          <a:p>
+            <a:pPr lvl="0"/>
+            <a:r>
+              <a:rPr lang="zh-CN" altLang="zh-CN" sz="1600">
+                <a:solidFill>
+                  <a:srgbClr val="DD1144"/>
+                </a:solidFill>
+                <a:latin typeface="Consolas" panose="020B0609020204030204" pitchFamily="49" charset="0"/>
+              </a:rPr>
+              <a:t>    </a:t>
+            </a:r>
+            <a:r>
+              <a:rPr lang="zh-CN" altLang="zh-CN" sz="1600">
+                <a:solidFill>
+                  <a:srgbClr val="000000"/>
+                </a:solidFill>
+                <a:latin typeface="Consolas" panose="020B0609020204030204" pitchFamily="49" charset="0"/>
+              </a:rPr>
+              <a:t>PyObject_HEAD</a:t>
+            </a:r>
+            <a:endParaRPr lang="zh-CN" altLang="zh-CN" sz="1600"/>
+          </a:p>
+          <a:p>
+            <a:pPr lvl="0"/>
+            <a:r>
+              <a:rPr lang="zh-CN" altLang="zh-CN" sz="1600">
+                <a:solidFill>
+                  <a:srgbClr val="DD1144"/>
+                </a:solidFill>
+                <a:latin typeface="Consolas" panose="020B0609020204030204" pitchFamily="49" charset="0"/>
+              </a:rPr>
+              <a:t>    </a:t>
+            </a:r>
+            <a:r>
+              <a:rPr lang="zh-CN" altLang="zh-CN" sz="1600" b="1">
+                <a:solidFill>
+                  <a:srgbClr val="808080"/>
+                </a:solidFill>
+                <a:latin typeface="Consolas" panose="020B0609020204030204" pitchFamily="49" charset="0"/>
+              </a:rPr>
+              <a:t>int</a:t>
+            </a:r>
+            <a:r>
+              <a:rPr lang="zh-CN" altLang="zh-CN" sz="1600">
+                <a:solidFill>
+                  <a:srgbClr val="333333"/>
+                </a:solidFill>
+                <a:latin typeface="Consolas" panose="020B0609020204030204" pitchFamily="49" charset="0"/>
+              </a:rPr>
+              <a:t> </a:t>
+            </a:r>
+            <a:r>
+              <a:rPr lang="zh-CN" altLang="zh-CN" sz="1600">
+                <a:solidFill>
+                  <a:srgbClr val="000000"/>
+                </a:solidFill>
+                <a:latin typeface="Consolas" panose="020B0609020204030204" pitchFamily="49" charset="0"/>
+              </a:rPr>
+              <a:t>co_argcount;       </a:t>
+            </a:r>
+            <a:r>
+              <a:rPr lang="zh-CN" altLang="zh-CN" sz="1600">
+                <a:solidFill>
+                  <a:srgbClr val="3F5FBF"/>
+                </a:solidFill>
+                <a:latin typeface="Consolas" panose="020B0609020204030204" pitchFamily="49" charset="0"/>
+              </a:rPr>
+              <a:t>/* #arguments, except *args */</a:t>
+            </a:r>
+            <a:endParaRPr lang="zh-CN" altLang="zh-CN" sz="1600"/>
+          </a:p>
+          <a:p>
+            <a:pPr lvl="0"/>
+            <a:r>
+              <a:rPr lang="zh-CN" altLang="zh-CN" sz="1600">
+                <a:solidFill>
+                  <a:srgbClr val="DD1144"/>
+                </a:solidFill>
+                <a:latin typeface="Consolas" panose="020B0609020204030204" pitchFamily="49" charset="0"/>
+              </a:rPr>
+              <a:t>    </a:t>
+            </a:r>
+            <a:r>
+              <a:rPr lang="zh-CN" altLang="zh-CN" sz="1600" b="1">
+                <a:solidFill>
+                  <a:srgbClr val="808080"/>
+                </a:solidFill>
+                <a:latin typeface="Consolas" panose="020B0609020204030204" pitchFamily="49" charset="0"/>
+              </a:rPr>
+              <a:t>int</a:t>
+            </a:r>
+            <a:r>
+              <a:rPr lang="zh-CN" altLang="zh-CN" sz="1600">
+                <a:solidFill>
+                  <a:srgbClr val="333333"/>
+                </a:solidFill>
+                <a:latin typeface="Consolas" panose="020B0609020204030204" pitchFamily="49" charset="0"/>
+              </a:rPr>
+              <a:t> </a:t>
+            </a:r>
+            <a:r>
+              <a:rPr lang="zh-CN" altLang="zh-CN" sz="1600">
+                <a:solidFill>
+                  <a:srgbClr val="000000"/>
+                </a:solidFill>
+                <a:latin typeface="Consolas" panose="020B0609020204030204" pitchFamily="49" charset="0"/>
+              </a:rPr>
+              <a:t>co_nlocals;        </a:t>
+            </a:r>
+            <a:r>
+              <a:rPr lang="zh-CN" altLang="zh-CN" sz="1600">
+                <a:solidFill>
+                  <a:srgbClr val="3F5FBF"/>
+                </a:solidFill>
+                <a:latin typeface="Consolas" panose="020B0609020204030204" pitchFamily="49" charset="0"/>
+              </a:rPr>
+              <a:t>/* #local variables */</a:t>
+            </a:r>
+            <a:endParaRPr lang="zh-CN" altLang="zh-CN" sz="1600"/>
+          </a:p>
+          <a:p>
+            <a:pPr lvl="0"/>
+            <a:r>
+              <a:rPr lang="zh-CN" altLang="zh-CN" sz="1600">
+                <a:solidFill>
+                  <a:srgbClr val="DD1144"/>
+                </a:solidFill>
+                <a:latin typeface="Consolas" panose="020B0609020204030204" pitchFamily="49" charset="0"/>
+              </a:rPr>
+              <a:t>    </a:t>
+            </a:r>
+            <a:r>
+              <a:rPr lang="zh-CN" altLang="zh-CN" sz="1600" b="1">
+                <a:solidFill>
+                  <a:srgbClr val="808080"/>
+                </a:solidFill>
+                <a:latin typeface="Consolas" panose="020B0609020204030204" pitchFamily="49" charset="0"/>
+              </a:rPr>
+              <a:t>int</a:t>
+            </a:r>
+            <a:r>
+              <a:rPr lang="zh-CN" altLang="zh-CN" sz="1600">
+                <a:solidFill>
+                  <a:srgbClr val="333333"/>
+                </a:solidFill>
+                <a:latin typeface="Consolas" panose="020B0609020204030204" pitchFamily="49" charset="0"/>
+              </a:rPr>
+              <a:t> </a:t>
+            </a:r>
+            <a:r>
+              <a:rPr lang="zh-CN" altLang="zh-CN" sz="1600">
+                <a:solidFill>
+                  <a:srgbClr val="000000"/>
+                </a:solidFill>
+                <a:latin typeface="Consolas" panose="020B0609020204030204" pitchFamily="49" charset="0"/>
+              </a:rPr>
+              <a:t>co_stacksize;      </a:t>
+            </a:r>
+            <a:r>
+              <a:rPr lang="zh-CN" altLang="zh-CN" sz="1600">
+                <a:solidFill>
+                  <a:srgbClr val="3F5FBF"/>
+                </a:solidFill>
+                <a:latin typeface="Consolas" panose="020B0609020204030204" pitchFamily="49" charset="0"/>
+              </a:rPr>
+              <a:t>/* #entries needed for evaluation stack */</a:t>
+            </a:r>
+            <a:endParaRPr lang="zh-CN" altLang="zh-CN" sz="1600"/>
+          </a:p>
+          <a:p>
+            <a:pPr lvl="0"/>
+            <a:r>
+              <a:rPr lang="zh-CN" altLang="zh-CN" sz="1600">
+                <a:solidFill>
+                  <a:srgbClr val="DD1144"/>
+                </a:solidFill>
+                <a:latin typeface="Consolas" panose="020B0609020204030204" pitchFamily="49" charset="0"/>
+              </a:rPr>
+              <a:t>    </a:t>
+            </a:r>
+            <a:r>
+              <a:rPr lang="zh-CN" altLang="zh-CN" sz="1600" b="1">
+                <a:solidFill>
+                  <a:srgbClr val="808080"/>
+                </a:solidFill>
+                <a:latin typeface="Consolas" panose="020B0609020204030204" pitchFamily="49" charset="0"/>
+              </a:rPr>
+              <a:t>int</a:t>
+            </a:r>
+            <a:r>
+              <a:rPr lang="zh-CN" altLang="zh-CN" sz="1600">
+                <a:solidFill>
+                  <a:srgbClr val="333333"/>
+                </a:solidFill>
+                <a:latin typeface="Consolas" panose="020B0609020204030204" pitchFamily="49" charset="0"/>
+              </a:rPr>
+              <a:t> </a:t>
+            </a:r>
+            <a:r>
+              <a:rPr lang="zh-CN" altLang="zh-CN" sz="1600">
+                <a:solidFill>
+                  <a:srgbClr val="000000"/>
+                </a:solidFill>
+                <a:latin typeface="Consolas" panose="020B0609020204030204" pitchFamily="49" charset="0"/>
+              </a:rPr>
+              <a:t>co_flags;      </a:t>
+            </a:r>
+            <a:r>
+              <a:rPr lang="en-US" altLang="zh-CN" sz="1600" smtClean="0">
+                <a:solidFill>
+                  <a:srgbClr val="000000"/>
+                </a:solidFill>
+                <a:latin typeface="Consolas" panose="020B0609020204030204" pitchFamily="49" charset="0"/>
+              </a:rPr>
+              <a:t>	  </a:t>
+            </a:r>
+            <a:r>
+              <a:rPr lang="zh-CN" altLang="zh-CN" sz="1600" smtClean="0">
+                <a:solidFill>
+                  <a:srgbClr val="3F5FBF"/>
+                </a:solidFill>
+                <a:latin typeface="Consolas" panose="020B0609020204030204" pitchFamily="49" charset="0"/>
+              </a:rPr>
+              <a:t>/*</a:t>
+            </a:r>
+            <a:r>
+              <a:rPr lang="zh-CN" altLang="zh-CN" sz="1600">
+                <a:solidFill>
+                  <a:srgbClr val="3F5FBF"/>
+                </a:solidFill>
+                <a:latin typeface="Consolas" panose="020B0609020204030204" pitchFamily="49" charset="0"/>
+              </a:rPr>
+              <a:t> CO_..., see below */</a:t>
+            </a:r>
+            <a:endParaRPr lang="zh-CN" altLang="zh-CN" sz="1600"/>
+          </a:p>
+          <a:p>
+            <a:pPr lvl="0"/>
+            <a:r>
+              <a:rPr lang="zh-CN" altLang="zh-CN" sz="1600">
+                <a:solidFill>
+                  <a:srgbClr val="DD1144"/>
+                </a:solidFill>
+                <a:latin typeface="Consolas" panose="020B0609020204030204" pitchFamily="49" charset="0"/>
+              </a:rPr>
+              <a:t>    </a:t>
+            </a:r>
+            <a:r>
+              <a:rPr lang="zh-CN" altLang="zh-CN" sz="1600" b="1">
+                <a:solidFill>
+                  <a:srgbClr val="000000"/>
+                </a:solidFill>
+                <a:latin typeface="Consolas" panose="020B0609020204030204" pitchFamily="49" charset="0"/>
+              </a:rPr>
+              <a:t>PyObject *co_code; </a:t>
+            </a:r>
+            <a:r>
+              <a:rPr lang="en-US" altLang="zh-CN" sz="1600" b="1" smtClean="0">
+                <a:solidFill>
+                  <a:srgbClr val="000000"/>
+                </a:solidFill>
+                <a:latin typeface="Consolas" panose="020B0609020204030204" pitchFamily="49" charset="0"/>
+              </a:rPr>
+              <a:t>	  </a:t>
+            </a:r>
+            <a:r>
+              <a:rPr lang="zh-CN" altLang="zh-CN" sz="1600" b="1" smtClean="0">
+                <a:solidFill>
+                  <a:srgbClr val="3F5FBF"/>
+                </a:solidFill>
+                <a:latin typeface="Consolas" panose="020B0609020204030204" pitchFamily="49" charset="0"/>
+              </a:rPr>
+              <a:t>/*</a:t>
+            </a:r>
+            <a:r>
+              <a:rPr lang="zh-CN" altLang="zh-CN" sz="1600" b="1">
+                <a:solidFill>
+                  <a:srgbClr val="3F5FBF"/>
+                </a:solidFill>
+                <a:latin typeface="Consolas" panose="020B0609020204030204" pitchFamily="49" charset="0"/>
+              </a:rPr>
+              <a:t> instruction opcodes */</a:t>
+            </a:r>
+            <a:endParaRPr lang="zh-CN" altLang="zh-CN" sz="1600" b="1"/>
+          </a:p>
+          <a:p>
+            <a:pPr lvl="0"/>
+            <a:r>
+              <a:rPr lang="zh-CN" altLang="zh-CN" sz="1600">
+                <a:solidFill>
+                  <a:srgbClr val="DD1144"/>
+                </a:solidFill>
+                <a:latin typeface="Consolas" panose="020B0609020204030204" pitchFamily="49" charset="0"/>
+              </a:rPr>
+              <a:t>    </a:t>
+            </a:r>
+            <a:r>
+              <a:rPr lang="zh-CN" altLang="zh-CN" sz="1600">
+                <a:solidFill>
+                  <a:srgbClr val="000000"/>
+                </a:solidFill>
+                <a:latin typeface="Consolas" panose="020B0609020204030204" pitchFamily="49" charset="0"/>
+              </a:rPr>
+              <a:t>PyObject *co_consts;   </a:t>
+            </a:r>
+            <a:r>
+              <a:rPr lang="zh-CN" altLang="zh-CN" sz="1600">
+                <a:solidFill>
+                  <a:srgbClr val="3F5FBF"/>
+                </a:solidFill>
+                <a:latin typeface="Consolas" panose="020B0609020204030204" pitchFamily="49" charset="0"/>
+              </a:rPr>
+              <a:t>/* list (constants used) */</a:t>
+            </a:r>
+            <a:endParaRPr lang="zh-CN" altLang="zh-CN" sz="1600"/>
+          </a:p>
+          <a:p>
+            <a:pPr lvl="0"/>
+            <a:r>
+              <a:rPr lang="zh-CN" altLang="zh-CN" sz="1600">
+                <a:solidFill>
+                  <a:srgbClr val="DD1144"/>
+                </a:solidFill>
+                <a:latin typeface="Consolas" panose="020B0609020204030204" pitchFamily="49" charset="0"/>
+              </a:rPr>
+              <a:t>    </a:t>
+            </a:r>
+            <a:r>
+              <a:rPr lang="zh-CN" altLang="zh-CN" sz="1600">
+                <a:solidFill>
+                  <a:srgbClr val="000000"/>
+                </a:solidFill>
+                <a:latin typeface="Consolas" panose="020B0609020204030204" pitchFamily="49" charset="0"/>
+              </a:rPr>
+              <a:t>PyObject *co_names;    </a:t>
+            </a:r>
+            <a:r>
+              <a:rPr lang="zh-CN" altLang="zh-CN" sz="1600">
+                <a:solidFill>
+                  <a:srgbClr val="3F5FBF"/>
+                </a:solidFill>
+                <a:latin typeface="Consolas" panose="020B0609020204030204" pitchFamily="49" charset="0"/>
+              </a:rPr>
+              <a:t>/* list of strings (names used) */</a:t>
+            </a:r>
+            <a:endParaRPr lang="zh-CN" altLang="zh-CN" sz="1600"/>
+          </a:p>
+          <a:p>
+            <a:pPr lvl="0"/>
+            <a:r>
+              <a:rPr lang="zh-CN" altLang="zh-CN" sz="1600">
+                <a:solidFill>
+                  <a:srgbClr val="DD1144"/>
+                </a:solidFill>
+                <a:latin typeface="Consolas" panose="020B0609020204030204" pitchFamily="49" charset="0"/>
+              </a:rPr>
+              <a:t>    </a:t>
+            </a:r>
+            <a:r>
+              <a:rPr lang="zh-CN" altLang="zh-CN" sz="1600">
+                <a:solidFill>
+                  <a:srgbClr val="000000"/>
+                </a:solidFill>
+                <a:latin typeface="Consolas" panose="020B0609020204030204" pitchFamily="49" charset="0"/>
+              </a:rPr>
+              <a:t>PyObject *co_varnames; </a:t>
+            </a:r>
+            <a:r>
+              <a:rPr lang="zh-CN" altLang="zh-CN" sz="1600">
+                <a:solidFill>
+                  <a:srgbClr val="3F5FBF"/>
+                </a:solidFill>
+                <a:latin typeface="Consolas" panose="020B0609020204030204" pitchFamily="49" charset="0"/>
+              </a:rPr>
+              <a:t>/* tuple of strings (local variable names) */</a:t>
+            </a:r>
+            <a:endParaRPr lang="zh-CN" altLang="zh-CN" sz="1600"/>
+          </a:p>
+          <a:p>
+            <a:pPr lvl="0"/>
+            <a:r>
+              <a:rPr lang="zh-CN" altLang="zh-CN" sz="1600">
+                <a:solidFill>
+                  <a:srgbClr val="DD1144"/>
+                </a:solidFill>
+                <a:latin typeface="Consolas" panose="020B0609020204030204" pitchFamily="49" charset="0"/>
+              </a:rPr>
+              <a:t>    </a:t>
+            </a:r>
+            <a:r>
+              <a:rPr lang="zh-CN" altLang="zh-CN" sz="1600">
+                <a:solidFill>
+                  <a:srgbClr val="000000"/>
+                </a:solidFill>
+                <a:latin typeface="Consolas" panose="020B0609020204030204" pitchFamily="49" charset="0"/>
+              </a:rPr>
+              <a:t>PyObject *co_freevars; </a:t>
+            </a:r>
+            <a:r>
+              <a:rPr lang="zh-CN" altLang="zh-CN" sz="1600">
+                <a:solidFill>
+                  <a:srgbClr val="3F5FBF"/>
+                </a:solidFill>
+                <a:latin typeface="Consolas" panose="020B0609020204030204" pitchFamily="49" charset="0"/>
+              </a:rPr>
+              <a:t>/* tuple of strings (free variable names) */</a:t>
+            </a:r>
+            <a:endParaRPr lang="zh-CN" altLang="zh-CN" sz="1600"/>
+          </a:p>
+          <a:p>
+            <a:pPr lvl="0"/>
+            <a:r>
+              <a:rPr lang="zh-CN" altLang="zh-CN" sz="1600">
+                <a:solidFill>
+                  <a:srgbClr val="DD1144"/>
+                </a:solidFill>
+                <a:latin typeface="Consolas" panose="020B0609020204030204" pitchFamily="49" charset="0"/>
+              </a:rPr>
+              <a:t>    </a:t>
+            </a:r>
+            <a:r>
+              <a:rPr lang="zh-CN" altLang="zh-CN" sz="1600">
+                <a:solidFill>
+                  <a:srgbClr val="000000"/>
+                </a:solidFill>
+                <a:latin typeface="Consolas" panose="020B0609020204030204" pitchFamily="49" charset="0"/>
+              </a:rPr>
+              <a:t>PyObject *co_cellvars; </a:t>
+            </a:r>
+            <a:r>
+              <a:rPr lang="zh-CN" altLang="zh-CN" sz="1600" smtClean="0">
+                <a:solidFill>
+                  <a:srgbClr val="3F5FBF"/>
+                </a:solidFill>
+                <a:latin typeface="Consolas" panose="020B0609020204030204" pitchFamily="49" charset="0"/>
+              </a:rPr>
+              <a:t>/*</a:t>
+            </a:r>
+            <a:r>
+              <a:rPr lang="zh-CN" altLang="zh-CN" sz="1600">
+                <a:solidFill>
+                  <a:srgbClr val="3F5FBF"/>
+                </a:solidFill>
+                <a:latin typeface="Consolas" panose="020B0609020204030204" pitchFamily="49" charset="0"/>
+              </a:rPr>
+              <a:t> tuple of strings (cell variable names) */</a:t>
+            </a:r>
+            <a:endParaRPr lang="zh-CN" altLang="zh-CN" sz="1600"/>
+          </a:p>
+          <a:p>
+            <a:pPr lvl="0"/>
+            <a:r>
+              <a:rPr lang="zh-CN" altLang="zh-CN" sz="1600">
+                <a:solidFill>
+                  <a:srgbClr val="000000"/>
+                </a:solidFill>
+                <a:latin typeface="Consolas" panose="020B0609020204030204" pitchFamily="49" charset="0"/>
+              </a:rPr>
+              <a:t>} PyCodeObject;</a:t>
+            </a:r>
+            <a:endParaRPr lang="zh-CN" altLang="zh-CN" sz="1600"/>
+          </a:p>
+        </p:txBody>
+      </p:sp>
+      <p:sp>
+        <p:nvSpPr>
+          <p:cNvPr id="9" name="流程图: 可选过程 8"/>
           <p:cNvSpPr/>
           <p:nvPr/>
         </p:nvSpPr>
@@ -9214,15 +12134,159 @@
           </a:p>
         </p:txBody>
       </p:sp>
-      <p:sp>
-        <p:nvSpPr>
-          <p:cNvPr id="11" name="流程图: 可选过程 10"/>
+    </p:spTree>
+    <p:extLst>
+      <p:ext uri="{BB962C8B-B14F-4D97-AF65-F5344CB8AC3E}">
+        <p14:creationId xmlns:p14="http://schemas.microsoft.com/office/powerpoint/2010/main" val="2495741331"/>
+      </p:ext>
+    </p:extLst>
+  </p:cSld>
+  <p:clrMapOvr>
+    <a:masterClrMapping/>
+  </p:clrMapOvr>
+  <p:timing>
+    <p:tnLst>
+      <p:par>
+        <p:cTn id="1" dur="indefinite" restart="never" nodeType="tmRoot">
+          <p:childTnLst>
+            <p:seq concurrent="1" nextAc="seek">
+              <p:cTn id="2" dur="indefinite" nodeType="mainSeq">
+                <p:childTnLst>
+                  <p:par>
+                    <p:cTn id="3" fill="hold">
+                      <p:stCondLst>
+                        <p:cond delay="indefinite"/>
+                      </p:stCondLst>
+                      <p:childTnLst>
+                        <p:par>
+                          <p:cTn id="4" fill="hold">
+                            <p:stCondLst>
+                              <p:cond delay="0"/>
+                            </p:stCondLst>
+                            <p:childTnLst>
+                              <p:par>
+                                <p:cTn id="5" presetID="6" presetClass="emph" presetSubtype="0" fill="hold" nodeType="clickEffect">
+                                  <p:stCondLst>
+                                    <p:cond delay="0"/>
+                                  </p:stCondLst>
+                                  <p:childTnLst>
+                                    <p:animScale>
+                                      <p:cBhvr>
+                                        <p:cTn id="6" dur="2000" fill="hold"/>
+                                        <p:tgtEl>
+                                          <p:spTgt spid="3">
+                                            <p:txEl>
+                                              <p:pRg st="6" end="6"/>
+                                            </p:txEl>
+                                          </p:spTgt>
+                                        </p:tgtEl>
+                                      </p:cBhvr>
+                                      <p:by x="110000" y="110000"/>
+                                    </p:animScale>
+                                  </p:childTnLst>
+                                </p:cTn>
+                              </p:par>
+                            </p:childTnLst>
+                          </p:cTn>
+                        </p:par>
+                      </p:childTnLst>
+                    </p:cTn>
+                  </p:par>
+                </p:childTnLst>
+              </p:cTn>
+              <p:prevCondLst>
+                <p:cond evt="onPrev" delay="0">
+                  <p:tgtEl>
+                    <p:sldTgt/>
+                  </p:tgtEl>
+                </p:cond>
+              </p:prevCondLst>
+              <p:nextCondLst>
+                <p:cond evt="onNext" delay="0">
+                  <p:tgtEl>
+                    <p:sldTgt/>
+                  </p:tgtEl>
+                </p:cond>
+              </p:nextCondLst>
+            </p:seq>
+          </p:childTnLst>
+        </p:cTn>
+      </p:par>
+    </p:tnLst>
+  </p:timing>
+</p:sld>
+</file>
+
+<file path=ppt/slides/slide15.xml><?xml version="1.0" encoding="utf-8"?>
+<p:sld xmlns:a="http://schemas.openxmlformats.org/drawingml/2006/main" xmlns:r="http://schemas.openxmlformats.org/officeDocument/2006/relationships" xmlns:p="http://schemas.openxmlformats.org/presentationml/2006/main">
+  <p:cSld>
+    <p:spTree>
+      <p:nvGrpSpPr>
+        <p:cNvPr id="1" name=""/>
+        <p:cNvGrpSpPr/>
+        <p:nvPr/>
+      </p:nvGrpSpPr>
+      <p:grpSpPr>
+        <a:xfrm>
+          <a:off x="0" y="0"/>
+          <a:ext cx="0" cy="0"/>
+          <a:chOff x="0" y="0"/>
+          <a:chExt cx="0" cy="0"/>
+        </a:xfrm>
+      </p:grpSpPr>
+      <p:sp>
+        <p:nvSpPr>
+          <p:cNvPr id="13" name="流程图: 可选过程 12"/>
           <p:cNvSpPr/>
           <p:nvPr/>
         </p:nvSpPr>
         <p:spPr>
           <a:xfrm>
-            <a:off x="403454" y="988239"/>
+            <a:off x="2544410" y="1089181"/>
+            <a:ext cx="2630691" cy="479644"/>
+          </a:xfrm>
+          <a:prstGeom prst="flowChartAlternateProcess">
+            <a:avLst/>
+          </a:prstGeom>
+        </p:spPr>
+        <p:style>
+          <a:lnRef idx="2">
+            <a:schemeClr val="accent1">
+              <a:shade val="50000"/>
+            </a:schemeClr>
+          </a:lnRef>
+          <a:fillRef idx="1">
+            <a:schemeClr val="accent1"/>
+          </a:fillRef>
+          <a:effectRef idx="0">
+            <a:schemeClr val="accent1"/>
+          </a:effectRef>
+          <a:fontRef idx="minor">
+            <a:schemeClr val="lt1"/>
+          </a:fontRef>
+        </p:style>
+        <p:txBody>
+          <a:bodyPr rtlCol="0" anchor="ctr"/>
+          <a:lstStyle/>
+          <a:p>
+            <a:pPr algn="ctr"/>
+            <a:r>
+              <a:rPr lang="en-US" altLang="zh-CN" b="1" smtClean="0"/>
+              <a:t>sys.modules[name]=mod</a:t>
+            </a:r>
+            <a:endParaRPr lang="zh-CN" altLang="en-US" b="1"/>
+          </a:p>
+        </p:txBody>
+      </p:sp>
+      <p:sp>
+        <p:nvSpPr>
+          <p:cNvPr id="14" name="流程图: 可选过程 13"/>
+          <p:cNvSpPr/>
+          <p:nvPr/>
+        </p:nvSpPr>
+        <p:spPr>
+          <a:xfrm>
+            <a:off x="3076426" y="2743243"/>
             <a:ext cx="1566661" cy="479644"/>
           </a:xfrm>
           <a:prstGeom prst="flowChartAlternateProcess">
@@ -9260,57 +12324,13 @@
       </p:sp>
       <p:sp>
         <p:nvSpPr>
-          <p:cNvPr id="13" name="流程图: 可选过程 12"/>
+          <p:cNvPr id="15" name="流程图: 可选过程 14"/>
           <p:cNvSpPr/>
           <p:nvPr/>
         </p:nvSpPr>
         <p:spPr>
           <a:xfrm>
-            <a:off x="3238094" y="988239"/>
-            <a:ext cx="2630691" cy="479644"/>
-          </a:xfrm>
-          <a:prstGeom prst="flowChartAlternateProcess">
-            <a:avLst/>
-          </a:prstGeom>
-        </p:spPr>
-        <p:style>
-          <a:lnRef idx="2">
-            <a:schemeClr val="accent1">
-              <a:shade val="50000"/>
-            </a:schemeClr>
-          </a:lnRef>
-          <a:fillRef idx="1">
-            <a:schemeClr val="accent1"/>
-          </a:fillRef>
-          <a:effectRef idx="0">
-            <a:schemeClr val="accent1"/>
-          </a:effectRef>
-          <a:fontRef idx="minor">
-            <a:schemeClr val="lt1"/>
-          </a:fontRef>
-        </p:style>
-        <p:txBody>
-          <a:bodyPr rtlCol="0" anchor="ctr"/>
-          <a:lstStyle/>
-          <a:p>
-            <a:pPr algn="ctr"/>
-            <a:r>
-              <a:rPr lang="en-US" altLang="zh-CN" b="1" smtClean="0"/>
-              <a:t>sys.modules[name]=mod</a:t>
-            </a:r>
-            <a:endParaRPr lang="zh-CN" altLang="en-US" b="1"/>
-          </a:p>
-        </p:txBody>
-      </p:sp>
-      <p:sp>
-        <p:nvSpPr>
-          <p:cNvPr id="14" name="流程图: 可选过程 13"/>
-          <p:cNvSpPr/>
-          <p:nvPr/>
-        </p:nvSpPr>
-        <p:spPr>
-          <a:xfrm>
-            <a:off x="3861548" y="1910951"/>
+            <a:off x="3076424" y="4344275"/>
             <a:ext cx="1566661" cy="479644"/>
           </a:xfrm>
           <a:prstGeom prst="flowChartAlternateProcess">
@@ -9339,61 +12359,93 @@
           <a:p>
             <a:pPr algn="ctr"/>
             <a:r>
-              <a:rPr lang="en-US" altLang="zh-CN" b="1" smtClean="0"/>
-              <a:t>exe co_code</a:t>
+              <a:rPr lang="en-US" altLang="zh-CN" b="1"/>
+              <a:t>mod. md_dict</a:t>
             </a:r>
             <a:endParaRPr lang="zh-CN" altLang="en-US" b="1"/>
           </a:p>
         </p:txBody>
       </p:sp>
-      <p:sp>
-        <p:nvSpPr>
-          <p:cNvPr id="15" name="流程图: 可选过程 14"/>
-          <p:cNvSpPr/>
+      <p:cxnSp>
+        <p:nvCxnSpPr>
+          <p:cNvPr id="7" name="肘形连接符 6"/>
+          <p:cNvCxnSpPr>
+            <a:stCxn id="13" idx="2"/>
+            <a:endCxn id="14" idx="0"/>
+          </p:cNvCxnSpPr>
           <p:nvPr/>
-        </p:nvSpPr>
+        </p:nvCxnSpPr>
         <p:spPr>
-          <a:xfrm>
-            <a:off x="3861547" y="2799435"/>
-            <a:ext cx="1566661" cy="479644"/>
+          <a:xfrm rot="16200000" flipH="1">
+            <a:off x="3272547" y="2156033"/>
+            <a:ext cx="1174418" cy="1"/>
           </a:xfrm>
-          <a:prstGeom prst="flowChartAlternateProcess">
-            <a:avLst/>
+          <a:prstGeom prst="bentConnector3">
+            <a:avLst>
+              <a:gd name="adj1" fmla="val 50000"/>
+            </a:avLst>
           </a:prstGeom>
+          <a:ln>
+            <a:tailEnd type="triangle"/>
+          </a:ln>
         </p:spPr>
         <p:style>
-          <a:lnRef idx="2">
-            <a:schemeClr val="accent1">
-              <a:shade val="50000"/>
-            </a:schemeClr>
+          <a:lnRef idx="1">
+            <a:schemeClr val="accent1"/>
           </a:lnRef>
-          <a:fillRef idx="1">
+          <a:fillRef idx="0">
             <a:schemeClr val="accent1"/>
           </a:fillRef>
           <a:effectRef idx="0">
             <a:schemeClr val="accent1"/>
           </a:effectRef>
           <a:fontRef idx="minor">
-            <a:schemeClr val="lt1"/>
+            <a:schemeClr val="tx1"/>
           </a:fontRef>
         </p:style>
-        <p:txBody>
-          <a:bodyPr rtlCol="0" anchor="ctr"/>
-          <a:lstStyle/>
-          <a:p>
-            <a:pPr algn="ctr"/>
-            <a:r>
-              <a:rPr lang="en-US" altLang="zh-CN" b="1"/>
-              <a:t>mod. md_dict</a:t>
-            </a:r>
-            <a:endParaRPr lang="zh-CN" altLang="en-US" b="1"/>
-          </a:p>
-        </p:txBody>
-      </p:sp>
+      </p:cxnSp>
+      <p:cxnSp>
+        <p:nvCxnSpPr>
+          <p:cNvPr id="10" name="肘形连接符 9"/>
+          <p:cNvCxnSpPr>
+            <a:stCxn id="14" idx="2"/>
+            <a:endCxn id="15" idx="0"/>
+          </p:cNvCxnSpPr>
+          <p:nvPr/>
+        </p:nvCxnSpPr>
+        <p:spPr>
+          <a:xfrm rot="5400000">
+            <a:off x="3299062" y="3783580"/>
+            <a:ext cx="1121388" cy="2"/>
+          </a:xfrm>
+          <a:prstGeom prst="bentConnector3">
+            <a:avLst>
+              <a:gd name="adj1" fmla="val 50000"/>
+            </a:avLst>
+          </a:prstGeom>
+          <a:ln>
+            <a:tailEnd type="triangle"/>
+          </a:ln>
+        </p:spPr>
+        <p:style>
+          <a:lnRef idx="1">
+            <a:schemeClr val="accent1"/>
+          </a:lnRef>
+          <a:fillRef idx="0">
+            <a:schemeClr val="accent1"/>
+          </a:fillRef>
+          <a:effectRef idx="0">
+            <a:schemeClr val="accent1"/>
+          </a:effectRef>
+          <a:fontRef idx="minor">
+            <a:schemeClr val="tx1"/>
+          </a:fontRef>
+        </p:style>
+      </p:cxnSp>
     </p:spTree>
     <p:extLst>
       <p:ext uri="{BB962C8B-B14F-4D97-AF65-F5344CB8AC3E}">
-        <p14:creationId xmlns:p14="http://schemas.microsoft.com/office/powerpoint/2010/main" val="1243705041"/>
+        <p14:creationId xmlns:p14="http://schemas.microsoft.com/office/powerpoint/2010/main" val="4100213457"/>
       </p:ext>
     </p:extLst>
   </p:cSld>
@@ -9403,9 +12455,212 @@
   <p:timing>
     <p:tnLst>
       <p:par>
-        <p:cTn id="1" dur="indefinite" restart="never" nodeType="tmRoot"/>
+        <p:cTn id="1" dur="indefinite" restart="never" nodeType="tmRoot">
+          <p:childTnLst>
+            <p:seq concurrent="1" nextAc="seek">
+              <p:cTn id="2" dur="indefinite" nodeType="mainSeq">
+                <p:childTnLst>
+                  <p:par>
+                    <p:cTn id="3" fill="hold">
+                      <p:stCondLst>
+                        <p:cond delay="indefinite"/>
+                      </p:stCondLst>
+                      <p:childTnLst>
+                        <p:par>
+                          <p:cTn id="4" fill="hold">
+                            <p:stCondLst>
+                              <p:cond delay="0"/>
+                            </p:stCondLst>
+                            <p:childTnLst>
+                              <p:par>
+                                <p:cTn id="5" presetID="22" presetClass="entr" presetSubtype="1" fill="hold" nodeType="clickEffect">
+                                  <p:stCondLst>
+                                    <p:cond delay="0"/>
+                                  </p:stCondLst>
+                                  <p:childTnLst>
+                                    <p:set>
+                                      <p:cBhvr>
+                                        <p:cTn id="6" dur="1" fill="hold">
+                                          <p:stCondLst>
+                                            <p:cond delay="0"/>
+                                          </p:stCondLst>
+                                        </p:cTn>
+                                        <p:tgtEl>
+                                          <p:spTgt spid="7"/>
+                                        </p:tgtEl>
+                                        <p:attrNameLst>
+                                          <p:attrName>style.visibility</p:attrName>
+                                        </p:attrNameLst>
+                                      </p:cBhvr>
+                                      <p:to>
+                                        <p:strVal val="visible"/>
+                                      </p:to>
+                                    </p:set>
+                                    <p:animEffect transition="in" filter="wipe(up)">
+                                      <p:cBhvr>
+                                        <p:cTn id="7" dur="1000"/>
+                                        <p:tgtEl>
+                                          <p:spTgt spid="7"/>
+                                        </p:tgtEl>
+                                      </p:cBhvr>
+                                    </p:animEffect>
+                                  </p:childTnLst>
+                                </p:cTn>
+                              </p:par>
+                              <p:par>
+                                <p:cTn id="8" presetID="10" presetClass="entr" presetSubtype="0" fill="hold" grpId="0" nodeType="withEffect">
+                                  <p:stCondLst>
+                                    <p:cond delay="0"/>
+                                  </p:stCondLst>
+                                  <p:childTnLst>
+                                    <p:set>
+                                      <p:cBhvr>
+                                        <p:cTn id="9" dur="1" fill="hold">
+                                          <p:stCondLst>
+                                            <p:cond delay="0"/>
+                                          </p:stCondLst>
+                                        </p:cTn>
+                                        <p:tgtEl>
+                                          <p:spTgt spid="14"/>
+                                        </p:tgtEl>
+                                        <p:attrNameLst>
+                                          <p:attrName>style.visibility</p:attrName>
+                                        </p:attrNameLst>
+                                      </p:cBhvr>
+                                      <p:to>
+                                        <p:strVal val="visible"/>
+                                      </p:to>
+                                    </p:set>
+                                    <p:animEffect transition="in" filter="fade">
+                                      <p:cBhvr>
+                                        <p:cTn id="10" dur="1000"/>
+                                        <p:tgtEl>
+                                          <p:spTgt spid="14"/>
+                                        </p:tgtEl>
+                                      </p:cBhvr>
+                                    </p:animEffect>
+                                  </p:childTnLst>
+                                </p:cTn>
+                              </p:par>
+                            </p:childTnLst>
+                          </p:cTn>
+                        </p:par>
+                      </p:childTnLst>
+                    </p:cTn>
+                  </p:par>
+                  <p:par>
+                    <p:cTn id="11" fill="hold">
+                      <p:stCondLst>
+                        <p:cond delay="indefinite"/>
+                      </p:stCondLst>
+                      <p:childTnLst>
+                        <p:par>
+                          <p:cTn id="12" fill="hold">
+                            <p:stCondLst>
+                              <p:cond delay="0"/>
+                            </p:stCondLst>
+                            <p:childTnLst>
+                              <p:par>
+                                <p:cTn id="13" presetID="22" presetClass="entr" presetSubtype="1" fill="hold" nodeType="clickEffect">
+                                  <p:stCondLst>
+                                    <p:cond delay="0"/>
+                                  </p:stCondLst>
+                                  <p:childTnLst>
+                                    <p:set>
+                                      <p:cBhvr>
+                                        <p:cTn id="14" dur="1" fill="hold">
+                                          <p:stCondLst>
+                                            <p:cond delay="0"/>
+                                          </p:stCondLst>
+                                        </p:cTn>
+                                        <p:tgtEl>
+                                          <p:spTgt spid="10"/>
+                                        </p:tgtEl>
+                                        <p:attrNameLst>
+                                          <p:attrName>style.visibility</p:attrName>
+                                        </p:attrNameLst>
+                                      </p:cBhvr>
+                                      <p:to>
+                                        <p:strVal val="visible"/>
+                                      </p:to>
+                                    </p:set>
+                                    <p:animEffect transition="in" filter="wipe(up)">
+                                      <p:cBhvr>
+                                        <p:cTn id="15" dur="1000"/>
+                                        <p:tgtEl>
+                                          <p:spTgt spid="10"/>
+                                        </p:tgtEl>
+                                      </p:cBhvr>
+                                    </p:animEffect>
+                                  </p:childTnLst>
+                                </p:cTn>
+                              </p:par>
+                              <p:par>
+                                <p:cTn id="16" presetID="10" presetClass="entr" presetSubtype="0" fill="hold" grpId="0" nodeType="withEffect">
+                                  <p:stCondLst>
+                                    <p:cond delay="0"/>
+                                  </p:stCondLst>
+                                  <p:childTnLst>
+                                    <p:set>
+                                      <p:cBhvr>
+                                        <p:cTn id="17" dur="1" fill="hold">
+                                          <p:stCondLst>
+                                            <p:cond delay="0"/>
+                                          </p:stCondLst>
+                                        </p:cTn>
+                                        <p:tgtEl>
+                                          <p:spTgt spid="15"/>
+                                        </p:tgtEl>
+                                        <p:attrNameLst>
+                                          <p:attrName>style.visibility</p:attrName>
+                                        </p:attrNameLst>
+                                      </p:cBhvr>
+                                      <p:to>
+                                        <p:strVal val="visible"/>
+                                      </p:to>
+                                    </p:set>
+                                    <p:animEffect transition="in" filter="fade">
+                                      <p:cBhvr>
+                                        <p:cTn id="18" dur="1000"/>
+                                        <p:tgtEl>
+                                          <p:spTgt spid="15"/>
+                                        </p:tgtEl>
+                                      </p:cBhvr>
+                                    </p:animEffect>
+                                  </p:childTnLst>
+                                </p:cTn>
+                              </p:par>
+                            </p:childTnLst>
+                          </p:cTn>
+                        </p:par>
+                      </p:childTnLst>
+                    </p:cTn>
+                  </p:par>
+                </p:childTnLst>
+              </p:cTn>
+              <p:prevCondLst>
+                <p:cond evt="onPrev" delay="0">
+                  <p:tgtEl>
+                    <p:sldTgt/>
+                  </p:tgtEl>
+                </p:cond>
+              </p:prevCondLst>
+              <p:nextCondLst>
+                <p:cond evt="onNext" delay="0">
+                  <p:tgtEl>
+                    <p:sldTgt/>
+                  </p:tgtEl>
+                </p:cond>
+              </p:nextCondLst>
+            </p:seq>
+          </p:childTnLst>
+        </p:cTn>
       </p:par>
     </p:tnLst>
+    <p:bldLst>
+      <p:bldP spid="14" grpId="0" animBg="1"/>
+      <p:bldP spid="15" grpId="0" animBg="1"/>
+    </p:bldLst>
   </p:timing>
 </p:sld>
 </file>
@@ -9435,8 +12690,8 @@
         </p:nvSpPr>
         <p:spPr>
           <a:xfrm>
-            <a:off x="806334" y="783905"/>
-            <a:ext cx="4572000" cy="1200329"/>
+            <a:off x="124691" y="472849"/>
+            <a:ext cx="4572000" cy="369332"/>
           </a:xfrm>
           <a:prstGeom prst="rect">
             <a:avLst/>
@@ -9450,33 +12705,109 @@
           <a:p>
             <a:r>
               <a:rPr lang="zh-CN" altLang="en-US"/>
-              <a:t>typedef struct {</a:t>
-            </a:r>
-          </a:p>
-          <a:p>
+              <a:t>INT_SIZE</a:t>
+            </a:r>
+            <a:r>
+              <a:rPr lang="zh-CN" altLang="en-US" smtClean="0"/>
+              <a:t>=</a:t>
+            </a:r>
+            <a:r>
+              <a:rPr lang="en-US" altLang="zh-CN"/>
+              <a:t>4</a:t>
+            </a:r>
+            <a:endParaRPr lang="zh-CN" altLang="en-US"/>
+          </a:p>
+        </p:txBody>
+      </p:sp>
+      <p:sp>
+        <p:nvSpPr>
+          <p:cNvPr id="4" name="矩形 3"/>
+          <p:cNvSpPr/>
+          <p:nvPr/>
+        </p:nvSpPr>
+        <p:spPr>
+          <a:xfrm>
+            <a:off x="199505" y="1102467"/>
+            <a:ext cx="4572000" cy="646331"/>
+          </a:xfrm>
+          <a:prstGeom prst="rect">
+            <a:avLst/>
+          </a:prstGeom>
+        </p:spPr>
+        <p:txBody>
+          <a:bodyPr>
+            <a:spAutoFit/>
+          </a:bodyPr>
+          <a:lstStyle/>
+          <a:p>
+            <a:r>
+              <a:rPr lang="zh-CN" altLang="en-US" smtClean="0"/>
+              <a:t>LOAD</a:t>
+            </a:r>
             <a:r>
               <a:rPr lang="zh-CN" altLang="en-US"/>
-              <a:t>    PyObject_HEAD</a:t>
-            </a:r>
-          </a:p>
-          <a:p>
+              <a:t>_CONST               0 (4</a:t>
+            </a:r>
+            <a:r>
+              <a:rPr lang="zh-CN" altLang="en-US" smtClean="0"/>
+              <a:t>)</a:t>
+            </a:r>
+            <a:endParaRPr lang="en-US" altLang="zh-CN" smtClean="0"/>
+          </a:p>
+          <a:p>
+            <a:r>
+              <a:rPr lang="zh-CN" altLang="en-US" smtClean="0"/>
+              <a:t>STORE</a:t>
+            </a:r>
             <a:r>
               <a:rPr lang="zh-CN" altLang="en-US"/>
-              <a:t>    PyObject *md_dict;</a:t>
-            </a:r>
-          </a:p>
-          <a:p>
+              <a:t>_NAME               0 (INT_SIZE)</a:t>
+            </a:r>
+          </a:p>
+        </p:txBody>
+      </p:sp>
+      <p:sp>
+        <p:nvSpPr>
+          <p:cNvPr id="5" name="矩形 4"/>
+          <p:cNvSpPr/>
+          <p:nvPr/>
+        </p:nvSpPr>
+        <p:spPr>
+          <a:xfrm>
+            <a:off x="4696691" y="1379466"/>
+            <a:ext cx="2369559" cy="369332"/>
+          </a:xfrm>
+          <a:prstGeom prst="rect">
+            <a:avLst/>
+          </a:prstGeom>
+        </p:spPr>
+        <p:txBody>
+          <a:bodyPr wrap="none">
+            <a:spAutoFit/>
+          </a:bodyPr>
+          <a:lstStyle/>
+          <a:p>
+            <a:pPr algn="ctr"/>
+            <a:r>
+              <a:rPr lang="en-US" altLang="zh-CN" b="1" smtClean="0"/>
+              <a:t>md_dict[“</a:t>
+            </a:r>
             <a:r>
               <a:rPr lang="zh-CN" altLang="en-US"/>
-              <a:t>} PyModuleObject;</a:t>
-            </a:r>
+              <a:t>INT_SIZE</a:t>
+            </a:r>
+            <a:r>
+              <a:rPr lang="en-US" altLang="zh-CN" b="1" smtClean="0"/>
+              <a:t>”]=4</a:t>
+            </a:r>
+            <a:endParaRPr lang="zh-CN" altLang="en-US" b="1"/>
           </a:p>
         </p:txBody>
       </p:sp>
     </p:spTree>
     <p:extLst>
       <p:ext uri="{BB962C8B-B14F-4D97-AF65-F5344CB8AC3E}">
-        <p14:creationId xmlns:p14="http://schemas.microsoft.com/office/powerpoint/2010/main" val="4277693035"/>
+        <p14:creationId xmlns:p14="http://schemas.microsoft.com/office/powerpoint/2010/main" val="91003756"/>
       </p:ext>
     </p:extLst>
   </p:cSld>
@@ -9518,44 +12849,7 @@
         </p:nvSpPr>
         <p:spPr>
           <a:xfrm>
-            <a:off x="124691" y="472849"/>
-            <a:ext cx="4572000" cy="369332"/>
-          </a:xfrm>
-          <a:prstGeom prst="rect">
-            <a:avLst/>
-          </a:prstGeom>
-        </p:spPr>
-        <p:txBody>
-          <a:bodyPr>
-            <a:spAutoFit/>
-          </a:bodyPr>
-          <a:lstStyle/>
-          <a:p>
-            <a:r>
-              <a:rPr lang="zh-CN" altLang="en-US"/>
-              <a:t>INT_SIZE</a:t>
-            </a:r>
-            <a:r>
-              <a:rPr lang="zh-CN" altLang="en-US" smtClean="0"/>
-              <a:t>=</a:t>
-            </a:r>
-            <a:r>
-              <a:rPr lang="en-US" altLang="zh-CN"/>
-              <a:t>4</a:t>
-            </a:r>
-            <a:endParaRPr lang="zh-CN" altLang="en-US"/>
-          </a:p>
-        </p:txBody>
-      </p:sp>
-      <p:sp>
-        <p:nvSpPr>
-          <p:cNvPr id="4" name="矩形 3"/>
-          <p:cNvSpPr/>
-          <p:nvPr/>
-        </p:nvSpPr>
-        <p:spPr>
-          <a:xfrm>
-            <a:off x="199505" y="1102467"/>
+            <a:off x="99753" y="406347"/>
             <a:ext cx="4572000" cy="646331"/>
           </a:xfrm>
           <a:prstGeom prst="rect">
@@ -9570,63 +12864,248 @@
           <a:p>
             <a:r>
               <a:rPr lang="zh-CN" altLang="en-US" smtClean="0"/>
-              <a:t>LOAD</a:t>
+              <a:t>def </a:t>
             </a:r>
             <a:r>
               <a:rPr lang="zh-CN" altLang="en-US"/>
-              <a:t>_CONST               0 (4</a:t>
+              <a:t>Send():</a:t>
+            </a:r>
+          </a:p>
+          <a:p>
+            <a:r>
+              <a:rPr lang="zh-CN" altLang="en-US"/>
+              <a:t>    print "Send</a:t>
             </a:r>
             <a:r>
               <a:rPr lang="zh-CN" altLang="en-US" smtClean="0"/>
-              <a:t>)</a:t>
-            </a:r>
-            <a:endParaRPr lang="en-US" altLang="zh-CN" smtClean="0"/>
-          </a:p>
-          <a:p>
-            <a:r>
-              <a:rPr lang="zh-CN" altLang="en-US" smtClean="0"/>
-              <a:t>STORE</a:t>
-            </a:r>
-            <a:r>
-              <a:rPr lang="zh-CN" altLang="en-US"/>
-              <a:t>_NAME               0 (INT_SIZE)</a:t>
-            </a:r>
-          </a:p>
-        </p:txBody>
-      </p:sp>
-      <p:sp>
-        <p:nvSpPr>
-          <p:cNvPr id="5" name="矩形 4"/>
+              <a:t>"</a:t>
+            </a:r>
+            <a:endParaRPr lang="zh-CN" altLang="en-US"/>
+          </a:p>
+        </p:txBody>
+      </p:sp>
+      <p:sp>
+        <p:nvSpPr>
+          <p:cNvPr id="3" name="矩形 2"/>
           <p:cNvSpPr/>
           <p:nvPr/>
         </p:nvSpPr>
         <p:spPr>
           <a:xfrm>
-            <a:off x="4696691" y="1379466"/>
-            <a:ext cx="2369559" cy="369332"/>
+            <a:off x="16625" y="2037472"/>
+            <a:ext cx="9310255" cy="923330"/>
           </a:xfrm>
           <a:prstGeom prst="rect">
             <a:avLst/>
           </a:prstGeom>
         </p:spPr>
         <p:txBody>
+          <a:bodyPr wrap="square">
+            <a:spAutoFit/>
+          </a:bodyPr>
+          <a:lstStyle/>
+          <a:p>
+            <a:r>
+              <a:rPr lang="zh-CN" altLang="en-US" smtClean="0"/>
+              <a:t>LOAD</a:t>
+            </a:r>
+            <a:r>
+              <a:rPr lang="zh-CN" altLang="en-US"/>
+              <a:t>_CONST               1 (&lt;code object Send at 00000000025FEB30, file "net.py", line 3&gt;)</a:t>
+            </a:r>
+          </a:p>
+          <a:p>
+            <a:r>
+              <a:rPr lang="zh-CN" altLang="en-US" smtClean="0"/>
+              <a:t>MAKE</a:t>
+            </a:r>
+            <a:r>
+              <a:rPr lang="zh-CN" altLang="en-US"/>
+              <a:t>_FUNCTION        </a:t>
+            </a:r>
+            <a:r>
+              <a:rPr lang="zh-CN" altLang="en-US" smtClean="0"/>
+              <a:t>0</a:t>
+            </a:r>
+            <a:endParaRPr lang="zh-CN" altLang="en-US"/>
+          </a:p>
+          <a:p>
+            <a:r>
+              <a:rPr lang="zh-CN" altLang="en-US" smtClean="0"/>
+              <a:t>STORE</a:t>
+            </a:r>
+            <a:r>
+              <a:rPr lang="zh-CN" altLang="en-US"/>
+              <a:t>_NAME               1 (Send)</a:t>
+            </a:r>
+          </a:p>
+        </p:txBody>
+      </p:sp>
+      <p:sp>
+        <p:nvSpPr>
+          <p:cNvPr id="4" name="矩形 3"/>
+          <p:cNvSpPr/>
+          <p:nvPr/>
+        </p:nvSpPr>
+        <p:spPr>
+          <a:xfrm>
+            <a:off x="0" y="1631665"/>
+            <a:ext cx="1211742" cy="369332"/>
+          </a:xfrm>
+          <a:prstGeom prst="rect">
+            <a:avLst/>
+          </a:prstGeom>
+        </p:spPr>
+        <p:txBody>
           <a:bodyPr wrap="none">
             <a:spAutoFit/>
           </a:bodyPr>
           <a:lstStyle/>
           <a:p>
+            <a:r>
+              <a:rPr lang="zh-CN" altLang="en-US"/>
+              <a:t>def Send():</a:t>
+            </a:r>
+          </a:p>
+        </p:txBody>
+      </p:sp>
+      <p:sp>
+        <p:nvSpPr>
+          <p:cNvPr id="5" name="矩形 4"/>
+          <p:cNvSpPr/>
+          <p:nvPr/>
+        </p:nvSpPr>
+        <p:spPr>
+          <a:xfrm>
+            <a:off x="402382" y="3171979"/>
+            <a:ext cx="1339919" cy="369332"/>
+          </a:xfrm>
+          <a:prstGeom prst="rect">
+            <a:avLst/>
+          </a:prstGeom>
+        </p:spPr>
+        <p:txBody>
+          <a:bodyPr wrap="none">
+            <a:spAutoFit/>
+          </a:bodyPr>
+          <a:lstStyle/>
+          <a:p>
+            <a:r>
+              <a:rPr lang="zh-CN" altLang="en-US"/>
+              <a:t>print "Send"</a:t>
+            </a:r>
+          </a:p>
+        </p:txBody>
+      </p:sp>
+      <p:sp>
+        <p:nvSpPr>
+          <p:cNvPr id="6" name="矩形 5"/>
+          <p:cNvSpPr/>
+          <p:nvPr/>
+        </p:nvSpPr>
+        <p:spPr>
+          <a:xfrm>
+            <a:off x="402382" y="3549579"/>
+            <a:ext cx="4572000" cy="1477328"/>
+          </a:xfrm>
+          <a:prstGeom prst="rect">
+            <a:avLst/>
+          </a:prstGeom>
+        </p:spPr>
+        <p:txBody>
+          <a:bodyPr>
+            <a:spAutoFit/>
+          </a:bodyPr>
+          <a:lstStyle/>
+          <a:p>
+            <a:r>
+              <a:rPr lang="zh-CN" altLang="en-US" smtClean="0"/>
+              <a:t>LOAD</a:t>
+            </a:r>
+            <a:r>
+              <a:rPr lang="zh-CN" altLang="en-US"/>
+              <a:t>_CONST               1 ('Send')</a:t>
+            </a:r>
+          </a:p>
+          <a:p>
+            <a:r>
+              <a:rPr lang="zh-CN" altLang="en-US" smtClean="0"/>
+              <a:t>PRINT</a:t>
+            </a:r>
+            <a:r>
+              <a:rPr lang="zh-CN" altLang="en-US"/>
+              <a:t>_ITEM          </a:t>
+            </a:r>
+          </a:p>
+          <a:p>
+            <a:r>
+              <a:rPr lang="zh-CN" altLang="en-US" smtClean="0"/>
+              <a:t>PRINT</a:t>
+            </a:r>
+            <a:r>
+              <a:rPr lang="zh-CN" altLang="en-US"/>
+              <a:t>_NEWLINE       </a:t>
+            </a:r>
+          </a:p>
+          <a:p>
+            <a:r>
+              <a:rPr lang="zh-CN" altLang="en-US" smtClean="0"/>
+              <a:t>LOAD</a:t>
+            </a:r>
+            <a:r>
+              <a:rPr lang="zh-CN" altLang="en-US"/>
+              <a:t>_CONST               0 (None)</a:t>
+            </a:r>
+          </a:p>
+          <a:p>
+            <a:r>
+              <a:rPr lang="zh-CN" altLang="en-US" smtClean="0"/>
+              <a:t>RETURN</a:t>
+            </a:r>
+            <a:r>
+              <a:rPr lang="zh-CN" altLang="en-US"/>
+              <a:t>_VALUE        </a:t>
+            </a:r>
+          </a:p>
+        </p:txBody>
+      </p:sp>
+      <p:sp>
+        <p:nvSpPr>
+          <p:cNvPr id="7" name="矩形 6"/>
+          <p:cNvSpPr/>
+          <p:nvPr/>
+        </p:nvSpPr>
+        <p:spPr>
+          <a:xfrm>
+            <a:off x="3553924" y="2627945"/>
+            <a:ext cx="3648820" cy="369332"/>
+          </a:xfrm>
+          <a:prstGeom prst="rect">
+            <a:avLst/>
+          </a:prstGeom>
+        </p:spPr>
+        <p:txBody>
+          <a:bodyPr wrap="none">
+            <a:spAutoFit/>
+          </a:bodyPr>
+          <a:lstStyle/>
+          <a:p>
             <a:pPr algn="ctr"/>
             <a:r>
+              <a:rPr lang="en-US" altLang="zh-CN" b="1"/>
+              <a:t>md_dict</a:t>
+            </a:r>
+            <a:r>
               <a:rPr lang="en-US" altLang="zh-CN" b="1" smtClean="0"/>
-              <a:t>md_dict[“</a:t>
+              <a:t>[“</a:t>
             </a:r>
             <a:r>
               <a:rPr lang="zh-CN" altLang="en-US"/>
-              <a:t>INT_SIZE</a:t>
-            </a:r>
-            <a:r>
-              <a:rPr lang="en-US" altLang="zh-CN" b="1" smtClean="0"/>
-              <a:t>”]=4</a:t>
+              <a:t>Send</a:t>
+            </a:r>
+            <a:r>
+              <a:rPr lang="en-US" altLang="zh-CN" b="1"/>
+              <a:t>”]= PyFunctionObject</a:t>
             </a:r>
             <a:endParaRPr lang="zh-CN" altLang="en-US" b="1"/>
           </a:p>
@@ -9635,7 +13114,7 @@
     </p:spTree>
     <p:extLst>
       <p:ext uri="{BB962C8B-B14F-4D97-AF65-F5344CB8AC3E}">
-        <p14:creationId xmlns:p14="http://schemas.microsoft.com/office/powerpoint/2010/main" val="91003756"/>
+        <p14:creationId xmlns:p14="http://schemas.microsoft.com/office/powerpoint/2010/main" val="1919364272"/>
       </p:ext>
     </p:extLst>
   </p:cSld>
@@ -9678,7 +13157,7 @@
         <p:spPr>
           <a:xfrm>
             <a:off x="99753" y="406347"/>
-            <a:ext cx="4572000" cy="646331"/>
+            <a:ext cx="4572000" cy="923330"/>
           </a:xfrm>
           <a:prstGeom prst="rect">
             <a:avLst/>
@@ -9692,23 +13171,24 @@
           <a:p>
             <a:r>
               <a:rPr lang="zh-CN" altLang="en-US" smtClean="0"/>
-              <a:t>def </a:t>
+              <a:t>class </a:t>
             </a:r>
             <a:r>
               <a:rPr lang="zh-CN" altLang="en-US"/>
-              <a:t>Send():</a:t>
+              <a:t>CNet(object):</a:t>
             </a:r>
           </a:p>
           <a:p>
             <a:r>
               <a:rPr lang="zh-CN" altLang="en-US"/>
-              <a:t>    print "Send</a:t>
-            </a:r>
-            <a:r>
-              <a:rPr lang="zh-CN" altLang="en-US" smtClean="0"/>
-              <a:t>"</a:t>
-            </a:r>
-            <a:endParaRPr lang="zh-CN" altLang="en-US"/>
+              <a:t>    def Send(self):</a:t>
+            </a:r>
+          </a:p>
+          <a:p>
+            <a:r>
+              <a:rPr lang="zh-CN" altLang="en-US"/>
+              <a:t>        print "Send"</a:t>
+            </a:r>
           </a:p>
         </p:txBody>
       </p:sp>
@@ -9720,51 +13200,22 @@
         </p:nvSpPr>
         <p:spPr>
           <a:xfrm>
-            <a:off x="16625" y="2037472"/>
-            <a:ext cx="9310255" cy="923330"/>
+            <a:off x="-69189" y="1731417"/>
+            <a:ext cx="1933927" cy="369332"/>
           </a:xfrm>
           <a:prstGeom prst="rect">
             <a:avLst/>
           </a:prstGeom>
         </p:spPr>
         <p:txBody>
-          <a:bodyPr wrap="square">
+          <a:bodyPr wrap="none">
             <a:spAutoFit/>
           </a:bodyPr>
           <a:lstStyle/>
           <a:p>
             <a:r>
-              <a:rPr lang="zh-CN" altLang="en-US" smtClean="0"/>
-              <a:t>LOAD</a:t>
-            </a:r>
-            <a:r>
               <a:rPr lang="zh-CN" altLang="en-US"/>
-              <a:t>_CONST               1 (&lt;code object Send at 00000000025FEB30, file "net.py", line 3&gt;)</a:t>
-            </a:r>
-          </a:p>
-          <a:p>
-            <a:r>
-              <a:rPr lang="zh-CN" altLang="en-US" smtClean="0"/>
-              <a:t>MAKE</a:t>
-            </a:r>
-            <a:r>
-              <a:rPr lang="zh-CN" altLang="en-US"/>
-              <a:t>_FUNCTION        </a:t>
-            </a:r>
-            <a:r>
-              <a:rPr lang="zh-CN" altLang="en-US" smtClean="0"/>
-              <a:t>0</a:t>
-            </a:r>
-            <a:endParaRPr lang="zh-CN" altLang="en-US"/>
-          </a:p>
-          <a:p>
-            <a:r>
-              <a:rPr lang="zh-CN" altLang="en-US" smtClean="0"/>
-              <a:t>STORE</a:t>
-            </a:r>
-            <a:r>
-              <a:rPr lang="zh-CN" altLang="en-US"/>
-              <a:t>_NAME               1 (Send)</a:t>
+              <a:t>class CNet(object):</a:t>
             </a:r>
           </a:p>
         </p:txBody>
@@ -9777,102 +13228,34 @@
         </p:nvSpPr>
         <p:spPr>
           <a:xfrm>
-            <a:off x="0" y="1631665"/>
-            <a:ext cx="1211742" cy="369332"/>
+            <a:off x="-69189" y="2100749"/>
+            <a:ext cx="8672862" cy="2308324"/>
           </a:xfrm>
           <a:prstGeom prst="rect">
             <a:avLst/>
           </a:prstGeom>
         </p:spPr>
         <p:txBody>
-          <a:bodyPr wrap="none">
+          <a:bodyPr wrap="square">
             <a:spAutoFit/>
           </a:bodyPr>
           <a:lstStyle/>
           <a:p>
             <a:r>
-              <a:rPr lang="zh-CN" altLang="en-US"/>
-              <a:t>def Send():</a:t>
-            </a:r>
-          </a:p>
-        </p:txBody>
-      </p:sp>
-      <p:sp>
-        <p:nvSpPr>
-          <p:cNvPr id="5" name="矩形 4"/>
-          <p:cNvSpPr/>
-          <p:nvPr/>
-        </p:nvSpPr>
-        <p:spPr>
-          <a:xfrm>
-            <a:off x="402382" y="3171979"/>
-            <a:ext cx="1339919" cy="369332"/>
-          </a:xfrm>
-          <a:prstGeom prst="rect">
-            <a:avLst/>
-          </a:prstGeom>
-        </p:spPr>
-        <p:txBody>
-          <a:bodyPr wrap="none">
-            <a:spAutoFit/>
-          </a:bodyPr>
-          <a:lstStyle/>
-          <a:p>
-            <a:r>
-              <a:rPr lang="zh-CN" altLang="en-US"/>
-              <a:t>print "Send"</a:t>
-            </a:r>
-          </a:p>
-        </p:txBody>
-      </p:sp>
-      <p:sp>
-        <p:nvSpPr>
-          <p:cNvPr id="6" name="矩形 5"/>
-          <p:cNvSpPr/>
-          <p:nvPr/>
-        </p:nvSpPr>
-        <p:spPr>
-          <a:xfrm>
-            <a:off x="402382" y="3549579"/>
-            <a:ext cx="4572000" cy="1477328"/>
-          </a:xfrm>
-          <a:prstGeom prst="rect">
-            <a:avLst/>
-          </a:prstGeom>
-        </p:spPr>
-        <p:txBody>
-          <a:bodyPr>
-            <a:spAutoFit/>
-          </a:bodyPr>
-          <a:lstStyle/>
-          <a:p>
-            <a:r>
               <a:rPr lang="zh-CN" altLang="en-US" smtClean="0"/>
               <a:t>LOAD</a:t>
             </a:r>
             <a:r>
               <a:rPr lang="zh-CN" altLang="en-US"/>
-              <a:t>_CONST               1 ('Send')</a:t>
-            </a:r>
-          </a:p>
-          <a:p>
+              <a:t>_CONST              </a:t>
+            </a:r>
             <a:r>
               <a:rPr lang="zh-CN" altLang="en-US" smtClean="0"/>
-              <a:t>PRINT</a:t>
+              <a:t>2 </a:t>
             </a:r>
             <a:r>
               <a:rPr lang="zh-CN" altLang="en-US"/>
-              <a:t>_ITEM          </a:t>
-            </a:r>
-          </a:p>
-          <a:p>
-            <a:r>
-              <a:rPr lang="zh-CN" altLang="en-US" smtClean="0"/>
-              <a:t>PRINT</a:t>
-            </a:r>
-            <a:r>
-              <a:rPr lang="zh-CN" altLang="en-US"/>
-              <a:t>_NEWLINE       </a:t>
+              <a:t>('CNet')</a:t>
             </a:r>
           </a:p>
           <a:p>
@@ -9882,67 +13265,114 @@
             </a:r>
             <a:r>
               <a:rPr lang="zh-CN" altLang="en-US"/>
-              <a:t>_CONST               0 (None)</a:t>
-            </a:r>
-          </a:p>
-          <a:p>
+              <a:t>_NAME               </a:t>
+            </a:r>
             <a:r>
               <a:rPr lang="zh-CN" altLang="en-US" smtClean="0"/>
-              <a:t>RETURN</a:t>
+              <a:t>2 </a:t>
             </a:r>
             <a:r>
               <a:rPr lang="zh-CN" altLang="en-US"/>
-              <a:t>_VALUE        </a:t>
-            </a:r>
-          </a:p>
-        </p:txBody>
-      </p:sp>
-      <p:sp>
-        <p:nvSpPr>
-          <p:cNvPr id="7" name="矩形 6"/>
-          <p:cNvSpPr/>
-          <p:nvPr/>
-        </p:nvSpPr>
-        <p:spPr>
-          <a:xfrm>
-            <a:off x="3553924" y="2627945"/>
-            <a:ext cx="3648820" cy="369332"/>
-          </a:xfrm>
-          <a:prstGeom prst="rect">
-            <a:avLst/>
-          </a:prstGeom>
-        </p:spPr>
-        <p:txBody>
-          <a:bodyPr wrap="none">
-            <a:spAutoFit/>
-          </a:bodyPr>
-          <a:lstStyle/>
-          <a:p>
-            <a:pPr algn="ctr"/>
-            <a:r>
-              <a:rPr lang="en-US" altLang="zh-CN" b="1"/>
-              <a:t>md_dict</a:t>
-            </a:r>
-            <a:r>
-              <a:rPr lang="en-US" altLang="zh-CN" b="1" smtClean="0"/>
-              <a:t>[“</a:t>
+              <a:t>(object)</a:t>
+            </a:r>
+          </a:p>
+          <a:p>
+            <a:r>
+              <a:rPr lang="zh-CN" altLang="en-US" smtClean="0"/>
+              <a:t>BUILD</a:t>
             </a:r>
             <a:r>
               <a:rPr lang="zh-CN" altLang="en-US"/>
-              <a:t>Send</a:t>
-            </a:r>
-            <a:r>
-              <a:rPr lang="en-US" altLang="zh-CN" b="1"/>
-              <a:t>”]= PyFunctionObject</a:t>
-            </a:r>
-            <a:endParaRPr lang="zh-CN" altLang="en-US" b="1"/>
+              <a:t>_TUPLE              1</a:t>
+            </a:r>
+          </a:p>
+          <a:p>
+            <a:r>
+              <a:rPr lang="zh-CN" altLang="en-US" smtClean="0"/>
+              <a:t>LOAD</a:t>
+            </a:r>
+            <a:r>
+              <a:rPr lang="zh-CN" altLang="en-US"/>
+              <a:t>_CONST              </a:t>
+            </a:r>
+            <a:r>
+              <a:rPr lang="zh-CN" altLang="en-US" smtClean="0"/>
+              <a:t>3 </a:t>
+            </a:r>
+            <a:r>
+              <a:rPr lang="zh-CN" altLang="en-US"/>
+              <a:t>(&lt;code object CNet at 00000000029D1030, file "net.py", line 5&gt;)</a:t>
+            </a:r>
+          </a:p>
+          <a:p>
+            <a:r>
+              <a:rPr lang="zh-CN" altLang="en-US" smtClean="0"/>
+              <a:t>MAKE</a:t>
+            </a:r>
+            <a:r>
+              <a:rPr lang="zh-CN" altLang="en-US"/>
+              <a:t>_FUNCTION       </a:t>
+            </a:r>
+            <a:r>
+              <a:rPr lang="zh-CN" altLang="en-US" smtClean="0"/>
+              <a:t>0</a:t>
+            </a:r>
+            <a:endParaRPr lang="zh-CN" altLang="en-US"/>
+          </a:p>
+          <a:p>
+            <a:r>
+              <a:rPr lang="zh-CN" altLang="en-US" smtClean="0"/>
+              <a:t>CALL</a:t>
+            </a:r>
+            <a:r>
+              <a:rPr lang="zh-CN" altLang="en-US"/>
+              <a:t>_FUNCTION         </a:t>
+            </a:r>
+            <a:r>
+              <a:rPr lang="zh-CN" altLang="en-US" smtClean="0"/>
+              <a:t>0</a:t>
+            </a:r>
+            <a:endParaRPr lang="zh-CN" altLang="en-US"/>
+          </a:p>
+          <a:p>
+            <a:r>
+              <a:rPr lang="zh-CN" altLang="en-US" smtClean="0"/>
+              <a:t>BUILD</a:t>
+            </a:r>
+            <a:r>
+              <a:rPr lang="zh-CN" altLang="en-US"/>
+              <a:t>_CLASS         </a:t>
+            </a:r>
+          </a:p>
+          <a:p>
+            <a:r>
+              <a:rPr lang="zh-CN" altLang="en-US" smtClean="0"/>
+              <a:t>STORE</a:t>
+            </a:r>
+            <a:r>
+              <a:rPr lang="zh-CN" altLang="en-US"/>
+              <a:t>_NAME              </a:t>
+            </a:r>
+            <a:r>
+              <a:rPr lang="zh-CN" altLang="en-US" smtClean="0"/>
+              <a:t>3 </a:t>
+            </a:r>
+            <a:r>
+              <a:rPr lang="zh-CN" altLang="en-US"/>
+              <a:t>(CNet</a:t>
+            </a:r>
+            <a:r>
+              <a:rPr lang="zh-CN" altLang="en-US" smtClean="0"/>
+              <a:t>)</a:t>
+            </a:r>
+            <a:endParaRPr lang="zh-CN" altLang="en-US"/>
           </a:p>
         </p:txBody>
       </p:sp>
     </p:spTree>
     <p:extLst>
       <p:ext uri="{BB962C8B-B14F-4D97-AF65-F5344CB8AC3E}">
-        <p14:creationId xmlns:p14="http://schemas.microsoft.com/office/powerpoint/2010/main" val="1919364272"/>
+        <p14:creationId xmlns:p14="http://schemas.microsoft.com/office/powerpoint/2010/main" val="3946360125"/>
       </p:ext>
     </p:extLst>
   </p:cSld>
@@ -9998,23 +13428,20 @@
           <a:lstStyle/>
           <a:p>
             <a:r>
-              <a:rPr lang="zh-CN" altLang="en-US" smtClean="0"/>
-              <a:t>class </a:t>
-            </a:r>
-            <a:r>
-              <a:rPr lang="zh-CN" altLang="en-US"/>
-              <a:t>CNet(object):</a:t>
-            </a:r>
-          </a:p>
-          <a:p>
-            <a:r>
-              <a:rPr lang="zh-CN" altLang="en-US"/>
+              <a:rPr lang="en-US" altLang="zh-CN" smtClean="0"/>
+              <a:t>m_IntSize=4</a:t>
+            </a:r>
+            <a:endParaRPr lang="en-US" altLang="zh-CN"/>
+          </a:p>
+          <a:p>
+            <a:r>
+              <a:rPr lang="en-US" altLang="zh-CN"/>
               <a:t>    def Send(self):</a:t>
             </a:r>
           </a:p>
           <a:p>
             <a:r>
-              <a:rPr lang="zh-CN" altLang="en-US"/>
+              <a:rPr lang="en-US" altLang="zh-CN"/>
               <a:t>        print "Send"</a:t>
             </a:r>
           </a:p>
@@ -10022,48 +13449,20 @@
       </p:sp>
       <p:sp>
         <p:nvSpPr>
-          <p:cNvPr id="3" name="矩形 2"/>
+          <p:cNvPr id="5" name="矩形 4"/>
           <p:cNvSpPr/>
           <p:nvPr/>
         </p:nvSpPr>
         <p:spPr>
           <a:xfrm>
-            <a:off x="-69189" y="1731417"/>
-            <a:ext cx="1933927" cy="369332"/>
+            <a:off x="498764" y="1756908"/>
+            <a:ext cx="9376756" cy="3139321"/>
           </a:xfrm>
           <a:prstGeom prst="rect">
             <a:avLst/>
           </a:prstGeom>
         </p:spPr>
         <p:txBody>
-          <a:bodyPr wrap="none">
-            <a:spAutoFit/>
-          </a:bodyPr>
-          <a:lstStyle/>
-          <a:p>
-            <a:r>
-              <a:rPr lang="zh-CN" altLang="en-US"/>
-              <a:t>class CNet(object):</a:t>
-            </a:r>
-          </a:p>
-        </p:txBody>
-      </p:sp>
-      <p:sp>
-        <p:nvSpPr>
-          <p:cNvPr id="4" name="矩形 3"/>
-          <p:cNvSpPr/>
-          <p:nvPr/>
-        </p:nvSpPr>
-        <p:spPr>
-          <a:xfrm>
-            <a:off x="-69189" y="2100749"/>
-            <a:ext cx="8672862" cy="2308324"/>
-          </a:xfrm>
-          <a:prstGeom prst="rect">
-            <a:avLst/>
-          </a:prstGeom>
-        </p:spPr>
-        <p:txBody>
           <a:bodyPr wrap="square">
             <a:spAutoFit/>
           </a:bodyPr>
@@ -10075,16 +13474,21 @@
             </a:r>
             <a:r>
               <a:rPr lang="zh-CN" altLang="en-US"/>
-              <a:t>_CONST              </a:t>
-            </a:r>
+              <a:t>_NAME                0 (__name__)</a:t>
+            </a:r>
+          </a:p>
+          <a:p>
             <a:r>
               <a:rPr lang="zh-CN" altLang="en-US" smtClean="0"/>
-              <a:t>2 </a:t>
+              <a:t>STORE</a:t>
             </a:r>
             <a:r>
               <a:rPr lang="zh-CN" altLang="en-US"/>
-              <a:t>('CNet')</a:t>
-            </a:r>
+              <a:t>_NAME               1 (__module__)</a:t>
+            </a:r>
+          </a:p>
+          <a:p>
+            <a:endParaRPr lang="en-US" altLang="zh-CN"/>
           </a:p>
           <a:p>
             <a:r>
@@ -10093,26 +13497,21 @@
             </a:r>
             <a:r>
               <a:rPr lang="zh-CN" altLang="en-US"/>
-              <a:t>_NAME               </a:t>
-            </a:r>
+              <a:t>_CONST               0 (4)</a:t>
+            </a:r>
+          </a:p>
+          <a:p>
             <a:r>
               <a:rPr lang="zh-CN" altLang="en-US" smtClean="0"/>
-              <a:t>2 </a:t>
+              <a:t>STORE</a:t>
             </a:r>
             <a:r>
               <a:rPr lang="zh-CN" altLang="en-US"/>
-              <a:t>(object)</a:t>
-            </a:r>
-          </a:p>
-          <a:p>
-            <a:r>
-              <a:rPr lang="zh-CN" altLang="en-US" smtClean="0"/>
-              <a:t>BUILD</a:t>
-            </a:r>
-            <a:r>
-              <a:rPr lang="zh-CN" altLang="en-US"/>
-              <a:t>_TUPLE              1</a:t>
-            </a:r>
+              <a:t>_NAME               2 (m_IntSize)</a:t>
+            </a:r>
+          </a:p>
+          <a:p>
+            <a:endParaRPr lang="zh-CN" altLang="en-US"/>
           </a:p>
           <a:p>
             <a:r>
@@ -10121,86 +13520,47 @@
             </a:r>
             <a:r>
               <a:rPr lang="zh-CN" altLang="en-US"/>
-              <a:t>_CONST              </a:t>
-            </a:r>
+              <a:t>_CONST               1 (&lt;code object Send at 0000000002A105B0, file "net.py", line 7&gt;)</a:t>
+            </a:r>
+          </a:p>
+          <a:p>
             <a:r>
               <a:rPr lang="zh-CN" altLang="en-US" smtClean="0"/>
-              <a:t>3 </a:t>
+              <a:t>MAKE_FUNCTION            0</a:t>
+            </a:r>
+          </a:p>
+          <a:p>
+            <a:r>
+              <a:rPr lang="zh-CN" altLang="en-US" smtClean="0"/>
+              <a:t>STORE_NAME               3 (Send)</a:t>
+            </a:r>
+          </a:p>
+          <a:p>
+            <a:r>
+              <a:rPr lang="zh-CN" altLang="en-US" smtClean="0"/>
+              <a:t>LOAD</a:t>
             </a:r>
             <a:r>
               <a:rPr lang="zh-CN" altLang="en-US"/>
-              <a:t>(&lt;code object CNet at 00000000029D1030, file "net.py", line 5&gt;)</a:t>
+              <a:t>_LOCALS         </a:t>
             </a:r>
           </a:p>
           <a:p>
             <a:r>
               <a:rPr lang="zh-CN" altLang="en-US" smtClean="0"/>
-              <a:t>MAKE</a:t>
+              <a:t>RETURN</a:t>
             </a:r>
             <a:r>
               <a:rPr lang="zh-CN" altLang="en-US"/>
-              <a:t>_FUNCTION       </a:t>
-            </a:r>
-            <a:r>
-              <a:rPr lang="zh-CN" altLang="en-US" smtClean="0"/>
-              <a:t>0</a:t>
-            </a:r>
-            <a:endParaRPr lang="zh-CN" altLang="en-US"/>
-          </a:p>
-          <a:p>
-            <a:r>
-              <a:rPr lang="zh-CN" altLang="en-US" smtClean="0"/>
-              <a:t>CALL</a:t>
-            </a:r>
-            <a:r>
-              <a:rPr lang="zh-CN" altLang="en-US"/>
-              <a:t>_FUNCTION         </a:t>
-            </a:r>
-            <a:r>
-              <a:rPr lang="zh-CN" altLang="en-US" smtClean="0"/>
-              <a:t>0</a:t>
-            </a:r>
-            <a:endParaRPr lang="zh-CN" altLang="en-US"/>
-          </a:p>
-          <a:p>
-            <a:r>
-              <a:rPr lang="zh-CN" altLang="en-US" smtClean="0"/>
-              <a:t>BUILD</a:t>
-            </a:r>
-            <a:r>
-              <a:rPr lang="zh-CN" altLang="en-US"/>
-              <a:t>_CLASS         </a:t>
-            </a:r>
-          </a:p>
-          <a:p>
-            <a:r>
-              <a:rPr lang="zh-CN" altLang="en-US" smtClean="0"/>
-              <a:t>STORE</a:t>
-            </a:r>
-            <a:r>
-              <a:rPr lang="zh-CN" altLang="en-US"/>
-              <a:t>_NAME              </a:t>
-            </a:r>
-            <a:r>
-              <a:rPr lang="zh-CN" altLang="en-US" smtClean="0"/>
-              <a:t>3 </a:t>
-            </a:r>
-            <a:r>
-              <a:rPr lang="zh-CN" altLang="en-US"/>
-              <a:t>(CNet</a:t>
-            </a:r>
-            <a:r>
-              <a:rPr lang="zh-CN" altLang="en-US" smtClean="0"/>
-              <a:t>)</a:t>
-            </a:r>
-            <a:endParaRPr lang="zh-CN" altLang="en-US"/>
+              <a:t>_VALUE        </a:t>
+            </a:r>
           </a:p>
         </p:txBody>
       </p:sp>
     </p:spTree>
     <p:extLst>
       <p:ext uri="{BB962C8B-B14F-4D97-AF65-F5344CB8AC3E}">
-        <p14:creationId xmlns:p14="http://schemas.microsoft.com/office/powerpoint/2010/main" val="3946360125"/>
+        <p14:creationId xmlns:p14="http://schemas.microsoft.com/office/powerpoint/2010/main" val="3198667389"/>
       </p:ext>
     </p:extLst>
   </p:cSld>
@@ -10579,159 +13939,83 @@
       </p:grpSpPr>
       <p:sp>
         <p:nvSpPr>
-          <p:cNvPr id="2" name="矩形 1"/>
+          <p:cNvPr id="4" name="流程图: 可选过程 3"/>
           <p:cNvSpPr/>
           <p:nvPr/>
         </p:nvSpPr>
         <p:spPr>
           <a:xfrm>
-            <a:off x="99753" y="406347"/>
-            <a:ext cx="4572000" cy="923330"/>
+            <a:off x="403454" y="179133"/>
+            <a:ext cx="1749541" cy="479644"/>
+          </a:xfrm>
+          <a:prstGeom prst="flowChartAlternateProcess">
+            <a:avLst/>
+          </a:prstGeom>
+        </p:spPr>
+        <p:style>
+          <a:lnRef idx="2">
+            <a:schemeClr val="accent1">
+              <a:shade val="50000"/>
+            </a:schemeClr>
+          </a:lnRef>
+          <a:fillRef idx="1">
+            <a:schemeClr val="accent1"/>
+          </a:fillRef>
+          <a:effectRef idx="0">
+            <a:schemeClr val="accent1"/>
+          </a:effectRef>
+          <a:fontRef idx="minor">
+            <a:schemeClr val="lt1"/>
+          </a:fontRef>
+        </p:style>
+        <p:txBody>
+          <a:bodyPr rtlCol="0" anchor="ctr"/>
+          <a:lstStyle/>
+          <a:p>
+            <a:pPr algn="ctr"/>
+            <a:r>
+              <a:rPr lang="en-US" altLang="zh-CN"/>
+              <a:t>add_submodule</a:t>
+            </a:r>
+            <a:endParaRPr lang="zh-CN" altLang="en-US" b="1"/>
+          </a:p>
+        </p:txBody>
+      </p:sp>
+      <p:sp>
+        <p:nvSpPr>
+          <p:cNvPr id="3" name="矩形 2"/>
+          <p:cNvSpPr/>
+          <p:nvPr/>
+        </p:nvSpPr>
+        <p:spPr>
+          <a:xfrm>
+            <a:off x="403454" y="1457098"/>
+            <a:ext cx="4003532" cy="369332"/>
           </a:xfrm>
           <a:prstGeom prst="rect">
             <a:avLst/>
           </a:prstGeom>
         </p:spPr>
         <p:txBody>
-          <a:bodyPr>
+          <a:bodyPr wrap="none">
             <a:spAutoFit/>
           </a:bodyPr>
           <a:lstStyle/>
           <a:p>
             <a:r>
-              <a:rPr lang="en-US" altLang="zh-CN" smtClean="0"/>
-              <a:t>m_IntSize=4</a:t>
-            </a:r>
-            <a:endParaRPr lang="en-US" altLang="zh-CN"/>
-          </a:p>
-          <a:p>
-            <a:r>
-              <a:rPr lang="en-US" altLang="zh-CN"/>
-              <a:t>    def Send(self):</a:t>
-            </a:r>
-          </a:p>
-          <a:p>
-            <a:r>
-              <a:rPr lang="en-US" altLang="zh-CN"/>
-              <a:t>        print "Send"</a:t>
-            </a:r>
-          </a:p>
-        </p:txBody>
-      </p:sp>
-      <p:sp>
-        <p:nvSpPr>
-          <p:cNvPr id="5" name="矩形 4"/>
-          <p:cNvSpPr/>
-          <p:nvPr/>
-        </p:nvSpPr>
-        <p:spPr>
-          <a:xfrm>
-            <a:off x="498764" y="1756908"/>
-            <a:ext cx="9376756" cy="3139321"/>
-          </a:xfrm>
-          <a:prstGeom prst="rect">
-            <a:avLst/>
-          </a:prstGeom>
-        </p:spPr>
-        <p:txBody>
-          <a:bodyPr wrap="square">
-            <a:spAutoFit/>
-          </a:bodyPr>
-          <a:lstStyle/>
-          <a:p>
-            <a:r>
-              <a:rPr lang="zh-CN" altLang="en-US" smtClean="0"/>
-              <a:t>LOAD</a:t>
-            </a:r>
-            <a:r>
-              <a:rPr lang="zh-CN" altLang="en-US"/>
-              <a:t>_NAME                0 (__name__)</a:t>
-            </a:r>
-          </a:p>
-          <a:p>
-            <a:r>
-              <a:rPr lang="zh-CN" altLang="en-US" smtClean="0"/>
-              <a:t>STORE</a:t>
-            </a:r>
-            <a:r>
-              <a:rPr lang="zh-CN" altLang="en-US"/>
-              <a:t>_NAME               1 (__module__)</a:t>
-            </a:r>
-          </a:p>
-          <a:p>
-            <a:endParaRPr lang="en-US" altLang="zh-CN"/>
-          </a:p>
-          <a:p>
-            <a:r>
-              <a:rPr lang="zh-CN" altLang="en-US" smtClean="0"/>
-              <a:t>LOAD</a:t>
-            </a:r>
-            <a:r>
-              <a:rPr lang="zh-CN" altLang="en-US"/>
-              <a:t>_CONST               0 (4)</a:t>
-            </a:r>
-          </a:p>
-          <a:p>
-            <a:r>
-              <a:rPr lang="zh-CN" altLang="en-US" smtClean="0"/>
-              <a:t>STORE</a:t>
-            </a:r>
-            <a:r>
-              <a:rPr lang="zh-CN" altLang="en-US"/>
-              <a:t>_NAME               2 (m_IntSize)</a:t>
-            </a:r>
-          </a:p>
-          <a:p>
+              <a:rPr lang="en-US" altLang="zh-CN">
+                <a:latin typeface="Open Sans" panose="020B0606030504020204" pitchFamily="34" charset="0"/>
+              </a:rPr>
+              <a:t>mod.md_dict['submode']=submode</a:t>
+            </a:r>
             <a:endParaRPr lang="zh-CN" altLang="en-US"/>
-          </a:p>
-          <a:p>
-            <a:r>
-              <a:rPr lang="zh-CN" altLang="en-US" smtClean="0"/>
-              <a:t>LOAD</a:t>
-            </a:r>
-            <a:r>
-              <a:rPr lang="zh-CN" altLang="en-US"/>
-              <a:t>_CONST               1 (&lt;code object Send at 0000000002A105B0, file "net.py", line 7&gt;)</a:t>
-            </a:r>
-          </a:p>
-          <a:p>
-            <a:r>
-              <a:rPr lang="zh-CN" altLang="en-US" smtClean="0"/>
-              <a:t>MAKE_FUNCTION            0</a:t>
-            </a:r>
-          </a:p>
-          <a:p>
-            <a:r>
-              <a:rPr lang="zh-CN" altLang="en-US" smtClean="0"/>
-              <a:t>STORE_NAME               3 (Send)</a:t>
-            </a:r>
-          </a:p>
-          <a:p>
-            <a:r>
-              <a:rPr lang="zh-CN" altLang="en-US" smtClean="0"/>
-              <a:t>LOAD</a:t>
-            </a:r>
-            <a:r>
-              <a:rPr lang="zh-CN" altLang="en-US"/>
-              <a:t>_LOCALS         </a:t>
-            </a:r>
-          </a:p>
-          <a:p>
-            <a:r>
-              <a:rPr lang="zh-CN" altLang="en-US" smtClean="0"/>
-              <a:t>RETURN</a:t>
-            </a:r>
-            <a:r>
-              <a:rPr lang="zh-CN" altLang="en-US"/>
-              <a:t>_VALUE        </a:t>
-            </a:r>
           </a:p>
         </p:txBody>
       </p:sp>
     </p:spTree>
     <p:extLst>
       <p:ext uri="{BB962C8B-B14F-4D97-AF65-F5344CB8AC3E}">
-        <p14:creationId xmlns:p14="http://schemas.microsoft.com/office/powerpoint/2010/main" val="3198667389"/>
+        <p14:creationId xmlns:p14="http://schemas.microsoft.com/office/powerpoint/2010/main" val="1656137275"/>
       </p:ext>
     </p:extLst>
   </p:cSld>
@@ -10767,83 +14051,282 @@
       </p:grpSpPr>
       <p:sp>
         <p:nvSpPr>
-          <p:cNvPr id="4" name="流程图: 可选过程 3"/>
+          <p:cNvPr id="2" name="矩形 1"/>
           <p:cNvSpPr/>
           <p:nvPr/>
         </p:nvSpPr>
         <p:spPr>
           <a:xfrm>
-            <a:off x="403454" y="179133"/>
-            <a:ext cx="1749541" cy="479644"/>
-          </a:xfrm>
-          <a:prstGeom prst="flowChartAlternateProcess">
-            <a:avLst/>
-          </a:prstGeom>
-        </p:spPr>
-        <p:style>
-          <a:lnRef idx="2">
-            <a:schemeClr val="accent1">
-              <a:shade val="50000"/>
-            </a:schemeClr>
-          </a:lnRef>
-          <a:fillRef idx="1">
-            <a:schemeClr val="accent1"/>
-          </a:fillRef>
-          <a:effectRef idx="0">
-            <a:schemeClr val="accent1"/>
-          </a:effectRef>
-          <a:fontRef idx="minor">
-            <a:schemeClr val="lt1"/>
-          </a:fontRef>
-        </p:style>
-        <p:txBody>
-          <a:bodyPr rtlCol="0" anchor="ctr"/>
-          <a:lstStyle/>
-          <a:p>
-            <a:pPr algn="ctr"/>
-            <a:r>
-              <a:rPr lang="en-US" altLang="zh-CN"/>
-              <a:t>add_submodule</a:t>
-            </a:r>
-            <a:endParaRPr lang="zh-CN" altLang="en-US" b="1"/>
-          </a:p>
-        </p:txBody>
-      </p:sp>
-      <p:sp>
-        <p:nvSpPr>
-          <p:cNvPr id="3" name="矩形 2"/>
-          <p:cNvSpPr/>
-          <p:nvPr/>
-        </p:nvSpPr>
-        <p:spPr>
-          <a:xfrm>
-            <a:off x="403454" y="1457098"/>
-            <a:ext cx="4003532" cy="369332"/>
+            <a:off x="99753" y="406347"/>
+            <a:ext cx="5735782" cy="369332"/>
           </a:xfrm>
           <a:prstGeom prst="rect">
             <a:avLst/>
           </a:prstGeom>
         </p:spPr>
         <p:txBody>
-          <a:bodyPr wrap="none">
+          <a:bodyPr wrap="square">
             <a:spAutoFit/>
           </a:bodyPr>
           <a:lstStyle/>
           <a:p>
             <a:r>
-              <a:rPr lang="en-US" altLang="zh-CN">
-                <a:latin typeface="Open Sans" panose="020B0606030504020204" pitchFamily="34" charset="0"/>
-              </a:rPr>
-              <a:t>mod.md_dict['submode']=submode</a:t>
-            </a:r>
-            <a:endParaRPr lang="zh-CN" altLang="en-US"/>
+              <a:rPr lang="en-US" altLang="zh-CN"/>
+              <a:t>__import__(name[, globals[, locals[, fromlist[, level]]]])</a:t>
+            </a:r>
+          </a:p>
+        </p:txBody>
+      </p:sp>
+      <p:sp>
+        <p:nvSpPr>
+          <p:cNvPr id="6" name="矩形 5"/>
+          <p:cNvSpPr/>
+          <p:nvPr/>
+        </p:nvSpPr>
+        <p:spPr>
+          <a:xfrm>
+            <a:off x="0" y="1115699"/>
+            <a:ext cx="5735782" cy="369332"/>
+          </a:xfrm>
+          <a:prstGeom prst="rect">
+            <a:avLst/>
+          </a:prstGeom>
+        </p:spPr>
+        <p:txBody>
+          <a:bodyPr wrap="square">
+            <a:spAutoFit/>
+          </a:bodyPr>
+          <a:lstStyle/>
+          <a:p>
+            <a:r>
+              <a:rPr lang="en-US" altLang="zh-CN" smtClean="0"/>
+              <a:t>import a</a:t>
+            </a:r>
+            <a:endParaRPr lang="en-US" altLang="zh-CN"/>
+          </a:p>
+        </p:txBody>
+      </p:sp>
+      <p:sp>
+        <p:nvSpPr>
+          <p:cNvPr id="7" name="矩形 6"/>
+          <p:cNvSpPr/>
+          <p:nvPr/>
+        </p:nvSpPr>
+        <p:spPr>
+          <a:xfrm>
+            <a:off x="0" y="1640385"/>
+            <a:ext cx="5735782" cy="369332"/>
+          </a:xfrm>
+          <a:prstGeom prst="rect">
+            <a:avLst/>
+          </a:prstGeom>
+        </p:spPr>
+        <p:txBody>
+          <a:bodyPr wrap="square">
+            <a:spAutoFit/>
+          </a:bodyPr>
+          <a:lstStyle/>
+          <a:p>
+            <a:r>
+              <a:rPr lang="en-US" altLang="zh-CN"/>
+              <a:t>__import</a:t>
+            </a:r>
+            <a:r>
+              <a:rPr lang="en-US" altLang="zh-CN" smtClean="0"/>
+              <a:t>__(“a”,globals(),locals(),None,-1)      a=moda</a:t>
+            </a:r>
+            <a:endParaRPr lang="en-US" altLang="zh-CN"/>
+          </a:p>
+        </p:txBody>
+      </p:sp>
+      <p:sp>
+        <p:nvSpPr>
+          <p:cNvPr id="8" name="矩形 7"/>
+          <p:cNvSpPr/>
+          <p:nvPr/>
+        </p:nvSpPr>
+        <p:spPr>
+          <a:xfrm>
+            <a:off x="0" y="2465132"/>
+            <a:ext cx="5735782" cy="369332"/>
+          </a:xfrm>
+          <a:prstGeom prst="rect">
+            <a:avLst/>
+          </a:prstGeom>
+        </p:spPr>
+        <p:txBody>
+          <a:bodyPr wrap="square">
+            <a:spAutoFit/>
+          </a:bodyPr>
+          <a:lstStyle/>
+          <a:p>
+            <a:r>
+              <a:rPr lang="en-US" altLang="zh-CN" smtClean="0"/>
+              <a:t>import a.b.c</a:t>
+            </a:r>
+            <a:endParaRPr lang="en-US" altLang="zh-CN"/>
+          </a:p>
+        </p:txBody>
+      </p:sp>
+      <p:sp>
+        <p:nvSpPr>
+          <p:cNvPr id="9" name="矩形 8"/>
+          <p:cNvSpPr/>
+          <p:nvPr/>
+        </p:nvSpPr>
+        <p:spPr>
+          <a:xfrm>
+            <a:off x="0" y="2989818"/>
+            <a:ext cx="5735782" cy="369332"/>
+          </a:xfrm>
+          <a:prstGeom prst="rect">
+            <a:avLst/>
+          </a:prstGeom>
+        </p:spPr>
+        <p:txBody>
+          <a:bodyPr wrap="square">
+            <a:spAutoFit/>
+          </a:bodyPr>
+          <a:lstStyle/>
+          <a:p>
+            <a:r>
+              <a:rPr lang="en-US" altLang="zh-CN"/>
+              <a:t>__import</a:t>
+            </a:r>
+            <a:r>
+              <a:rPr lang="en-US" altLang="zh-CN" smtClean="0"/>
+              <a:t>__(“a.b.c”,globals(),locals(),None,-1)  a=moda</a:t>
+            </a:r>
+            <a:endParaRPr lang="en-US" altLang="zh-CN"/>
+          </a:p>
+        </p:txBody>
+      </p:sp>
+      <p:sp>
+        <p:nvSpPr>
+          <p:cNvPr id="10" name="矩形 9"/>
+          <p:cNvSpPr/>
+          <p:nvPr/>
+        </p:nvSpPr>
+        <p:spPr>
+          <a:xfrm>
+            <a:off x="99753" y="3864442"/>
+            <a:ext cx="5735782" cy="369332"/>
+          </a:xfrm>
+          <a:prstGeom prst="rect">
+            <a:avLst/>
+          </a:prstGeom>
+        </p:spPr>
+        <p:txBody>
+          <a:bodyPr wrap="square">
+            <a:spAutoFit/>
+          </a:bodyPr>
+          <a:lstStyle/>
+          <a:p>
+            <a:r>
+              <a:rPr lang="en-US" altLang="zh-CN"/>
+              <a:t>from a.b import c</a:t>
+            </a:r>
+          </a:p>
+        </p:txBody>
+      </p:sp>
+      <p:sp>
+        <p:nvSpPr>
+          <p:cNvPr id="11" name="矩形 10"/>
+          <p:cNvSpPr/>
+          <p:nvPr/>
+        </p:nvSpPr>
+        <p:spPr>
+          <a:xfrm>
+            <a:off x="99753" y="4389128"/>
+            <a:ext cx="5735782" cy="369332"/>
+          </a:xfrm>
+          <a:prstGeom prst="rect">
+            <a:avLst/>
+          </a:prstGeom>
+        </p:spPr>
+        <p:txBody>
+          <a:bodyPr wrap="square">
+            <a:spAutoFit/>
+          </a:bodyPr>
+          <a:lstStyle/>
+          <a:p>
+            <a:r>
+              <a:rPr lang="en-US" altLang="zh-CN"/>
+              <a:t>__import</a:t>
+            </a:r>
+            <a:r>
+              <a:rPr lang="en-US" altLang="zh-CN" smtClean="0"/>
+              <a:t>__(“a.b”,globals(),locals(),[‘c’],-1)	c=a.b.c</a:t>
+            </a:r>
+            <a:endParaRPr lang="en-US" altLang="zh-CN"/>
+          </a:p>
+        </p:txBody>
+      </p:sp>
+      <p:sp>
+        <p:nvSpPr>
+          <p:cNvPr id="12" name="矩形 11"/>
+          <p:cNvSpPr/>
+          <p:nvPr/>
+        </p:nvSpPr>
+        <p:spPr>
+          <a:xfrm>
+            <a:off x="0" y="5369229"/>
+            <a:ext cx="5735782" cy="369332"/>
+          </a:xfrm>
+          <a:prstGeom prst="rect">
+            <a:avLst/>
+          </a:prstGeom>
+        </p:spPr>
+        <p:txBody>
+          <a:bodyPr wrap="square">
+            <a:spAutoFit/>
+          </a:bodyPr>
+          <a:lstStyle/>
+          <a:p>
+            <a:r>
+              <a:rPr lang="en-US" altLang="zh-CN"/>
+              <a:t>from a.b import c as x</a:t>
+            </a:r>
+          </a:p>
+        </p:txBody>
+      </p:sp>
+      <p:sp>
+        <p:nvSpPr>
+          <p:cNvPr id="13" name="矩形 12"/>
+          <p:cNvSpPr/>
+          <p:nvPr/>
+        </p:nvSpPr>
+        <p:spPr>
+          <a:xfrm>
+            <a:off x="0" y="5893915"/>
+            <a:ext cx="5735782" cy="369332"/>
+          </a:xfrm>
+          <a:prstGeom prst="rect">
+            <a:avLst/>
+          </a:prstGeom>
+        </p:spPr>
+        <p:txBody>
+          <a:bodyPr wrap="square">
+            <a:spAutoFit/>
+          </a:bodyPr>
+          <a:lstStyle/>
+          <a:p>
+            <a:r>
+              <a:rPr lang="en-US" altLang="zh-CN"/>
+              <a:t>__import</a:t>
+            </a:r>
+            <a:r>
+              <a:rPr lang="en-US" altLang="zh-CN" smtClean="0"/>
+              <a:t>__(“a.b”,globals(),locals(),[‘c’],-1)	x=a.b.c</a:t>
+            </a:r>
+            <a:endParaRPr lang="en-US" altLang="zh-CN"/>
           </a:p>
         </p:txBody>
       </p:sp>
     </p:spTree>
     <p:extLst>
       <p:ext uri="{BB962C8B-B14F-4D97-AF65-F5344CB8AC3E}">
-        <p14:creationId xmlns:p14="http://schemas.microsoft.com/office/powerpoint/2010/main" val="1656137275"/>
+        <p14:creationId xmlns:p14="http://schemas.microsoft.com/office/powerpoint/2010/main" val="3639017009"/>
       </p:ext>
     </p:extLst>
   </p:cSld>
@@ -10879,13 +14362,13 @@
       </p:grpSpPr>
       <p:sp>
         <p:nvSpPr>
-          <p:cNvPr id="2" name="矩形 1"/>
+          <p:cNvPr id="12" name="矩形 11"/>
           <p:cNvSpPr/>
           <p:nvPr/>
         </p:nvSpPr>
         <p:spPr>
           <a:xfrm>
-            <a:off x="99753" y="406347"/>
+            <a:off x="0" y="315091"/>
             <a:ext cx="5735782" cy="369332"/>
           </a:xfrm>
           <a:prstGeom prst="rect">
@@ -10900,20 +14383,28 @@
           <a:p>
             <a:r>
               <a:rPr lang="en-US" altLang="zh-CN"/>
-              <a:t>__import__(name[, globals[, locals[, fromlist[, level]]]])</a:t>
-            </a:r>
-          </a:p>
-        </p:txBody>
-      </p:sp>
-      <p:sp>
-        <p:nvSpPr>
-          <p:cNvPr id="6" name="矩形 5"/>
+              <a:t>from </a:t>
+            </a:r>
+            <a:r>
+              <a:rPr lang="en-US" altLang="zh-CN" smtClean="0"/>
+              <a:t>a </a:t>
+            </a:r>
+            <a:r>
+              <a:rPr lang="en-US" altLang="zh-CN"/>
+              <a:t>import *</a:t>
+            </a:r>
+          </a:p>
+        </p:txBody>
+      </p:sp>
+      <p:sp>
+        <p:nvSpPr>
+          <p:cNvPr id="13" name="矩形 12"/>
           <p:cNvSpPr/>
           <p:nvPr/>
         </p:nvSpPr>
         <p:spPr>
           <a:xfrm>
-            <a:off x="0" y="1115699"/>
+            <a:off x="0" y="839777"/>
             <a:ext cx="5735782" cy="369332"/>
           </a:xfrm>
           <a:prstGeom prst="rect">
@@ -10927,22 +14418,21 @@
           <a:lstStyle/>
           <a:p>
             <a:r>
-              <a:rPr lang="en-US" altLang="zh-CN" smtClean="0"/>
-              <a:t>import a</a:t>
-            </a:r>
-            <a:endParaRPr lang="en-US" altLang="zh-CN"/>
-          </a:p>
-        </p:txBody>
-      </p:sp>
-      <p:sp>
-        <p:nvSpPr>
-          <p:cNvPr id="7" name="矩形 6"/>
+              <a:rPr lang="en-US" altLang="zh-CN"/>
+              <a:t>__import__(“a”,globals(),locals(),[‘*’],-1) __all__</a:t>
+            </a:r>
+          </a:p>
+        </p:txBody>
+      </p:sp>
+      <p:sp>
+        <p:nvSpPr>
+          <p:cNvPr id="14" name="矩形 13"/>
           <p:cNvSpPr/>
           <p:nvPr/>
         </p:nvSpPr>
         <p:spPr>
           <a:xfrm>
-            <a:off x="0" y="1640385"/>
+            <a:off x="0" y="2454233"/>
             <a:ext cx="5735782" cy="369332"/>
           </a:xfrm>
           <a:prstGeom prst="rect">
@@ -10957,25 +14447,20 @@
           <a:p>
             <a:r>
               <a:rPr lang="en-US" altLang="zh-CN"/>
-              <a:t>__import</a:t>
-            </a:r>
-            <a:r>
-              <a:rPr lang="en-US" altLang="zh-CN" smtClean="0"/>
-              <a:t>__(“a”,globals(),locals(),None,-1)      a=moda</a:t>
-            </a:r>
-            <a:endParaRPr lang="en-US" altLang="zh-CN"/>
-          </a:p>
-        </p:txBody>
-      </p:sp>
-      <p:sp>
-        <p:nvSpPr>
-          <p:cNvPr id="8" name="矩形 7"/>
+              <a:t>from ..a import b</a:t>
+            </a:r>
+          </a:p>
+        </p:txBody>
+      </p:sp>
+      <p:sp>
+        <p:nvSpPr>
+          <p:cNvPr id="15" name="矩形 14"/>
           <p:cNvSpPr/>
           <p:nvPr/>
         </p:nvSpPr>
         <p:spPr>
           <a:xfrm>
-            <a:off x="0" y="2465132"/>
+            <a:off x="0" y="2978919"/>
             <a:ext cx="5735782" cy="369332"/>
           </a:xfrm>
           <a:prstGeom prst="rect">
@@ -10989,163 +14474,12 @@
           <a:lstStyle/>
           <a:p>
             <a:r>
-              <a:rPr lang="en-US" altLang="zh-CN" smtClean="0"/>
-              <a:t>import a.b.c</a:t>
-            </a:r>
-            <a:endParaRPr lang="en-US" altLang="zh-CN"/>
-          </a:p>
-        </p:txBody>
-      </p:sp>
-      <p:sp>
-        <p:nvSpPr>
-          <p:cNvPr id="9" name="矩形 8"/>
-          <p:cNvSpPr/>
-          <p:nvPr/>
-        </p:nvSpPr>
-        <p:spPr>
-          <a:xfrm>
-            <a:off x="0" y="2989818"/>
-            <a:ext cx="5735782" cy="369332"/>
-          </a:xfrm>
-          <a:prstGeom prst="rect">
-            <a:avLst/>
-          </a:prstGeom>
-        </p:spPr>
-        <p:txBody>
-          <a:bodyPr wrap="square">
-            <a:spAutoFit/>
-          </a:bodyPr>
-          <a:lstStyle/>
-          <a:p>
-            <a:r>
               <a:rPr lang="en-US" altLang="zh-CN"/>
               <a:t>__import</a:t>
             </a:r>
             <a:r>
               <a:rPr lang="en-US" altLang="zh-CN" smtClean="0"/>
-              <a:t>__(“a.b.c”,globals(),locals(),None,-1)  a=moda</a:t>
-            </a:r>
-            <a:endParaRPr lang="en-US" altLang="zh-CN"/>
-          </a:p>
-        </p:txBody>
-      </p:sp>
-      <p:sp>
-        <p:nvSpPr>
-          <p:cNvPr id="10" name="矩形 9"/>
-          <p:cNvSpPr/>
-          <p:nvPr/>
-        </p:nvSpPr>
-        <p:spPr>
-          <a:xfrm>
-            <a:off x="99753" y="3864442"/>
-            <a:ext cx="5735782" cy="369332"/>
-          </a:xfrm>
-          <a:prstGeom prst="rect">
-            <a:avLst/>
-          </a:prstGeom>
-        </p:spPr>
-        <p:txBody>
-          <a:bodyPr wrap="square">
-            <a:spAutoFit/>
-          </a:bodyPr>
-          <a:lstStyle/>
-          <a:p>
-            <a:r>
-              <a:rPr lang="en-US" altLang="zh-CN"/>
-              <a:t>from a.b import c</a:t>
-            </a:r>
-          </a:p>
-        </p:txBody>
-      </p:sp>
-      <p:sp>
-        <p:nvSpPr>
-          <p:cNvPr id="11" name="矩形 10"/>
-          <p:cNvSpPr/>
-          <p:nvPr/>
-        </p:nvSpPr>
-        <p:spPr>
-          <a:xfrm>
-            <a:off x="99753" y="4389128"/>
-            <a:ext cx="5735782" cy="369332"/>
-          </a:xfrm>
-          <a:prstGeom prst="rect">
-            <a:avLst/>
-          </a:prstGeom>
-        </p:spPr>
-        <p:txBody>
-          <a:bodyPr wrap="square">
-            <a:spAutoFit/>
-          </a:bodyPr>
-          <a:lstStyle/>
-          <a:p>
-            <a:r>
-              <a:rPr lang="en-US" altLang="zh-CN"/>
-              <a:t>__import</a:t>
-            </a:r>
-            <a:r>
-              <a:rPr lang="en-US" altLang="zh-CN" smtClean="0"/>
-              <a:t>__(“a.b”,globals(),locals(),[‘c’],-1)	c=a.b.c</a:t>
-            </a:r>
-            <a:endParaRPr lang="en-US" altLang="zh-CN"/>
-          </a:p>
-        </p:txBody>
-      </p:sp>
-      <p:sp>
-        <p:nvSpPr>
-          <p:cNvPr id="12" name="矩形 11"/>
-          <p:cNvSpPr/>
-          <p:nvPr/>
-        </p:nvSpPr>
-        <p:spPr>
-          <a:xfrm>
-            <a:off x="0" y="5369229"/>
-            <a:ext cx="5735782" cy="369332"/>
-          </a:xfrm>
-          <a:prstGeom prst="rect">
-            <a:avLst/>
-          </a:prstGeom>
-        </p:spPr>
-        <p:txBody>
-          <a:bodyPr wrap="square">
-            <a:spAutoFit/>
-          </a:bodyPr>
-          <a:lstStyle/>
-          <a:p>
-            <a:r>
-              <a:rPr lang="en-US" altLang="zh-CN"/>
-              <a:t>from a.b import c as x</a:t>
-            </a:r>
-          </a:p>
-        </p:txBody>
-      </p:sp>
-      <p:sp>
-        <p:nvSpPr>
-          <p:cNvPr id="13" name="矩形 12"/>
-          <p:cNvSpPr/>
-          <p:nvPr/>
-        </p:nvSpPr>
-        <p:spPr>
-          <a:xfrm>
-            <a:off x="0" y="5893915"/>
-            <a:ext cx="5735782" cy="369332"/>
-          </a:xfrm>
-          <a:prstGeom prst="rect">
-            <a:avLst/>
-          </a:prstGeom>
-        </p:spPr>
-        <p:txBody>
-          <a:bodyPr wrap="square">
-            <a:spAutoFit/>
-          </a:bodyPr>
-          <a:lstStyle/>
-          <a:p>
-            <a:r>
-              <a:rPr lang="en-US" altLang="zh-CN"/>
-              <a:t>__import</a:t>
-            </a:r>
-            <a:r>
-              <a:rPr lang="en-US" altLang="zh-CN" smtClean="0"/>
-              <a:t>__(“a.b”,globals(),locals(),[‘c’],-1)	x=a.b.c</a:t>
+              <a:t>__(“a”,globals(),locals(),[‘b’],2)</a:t>
             </a:r>
             <a:endParaRPr lang="en-US" altLang="zh-CN"/>
           </a:p>
@@ -11154,7 +14488,7 @@
     </p:spTree>
     <p:extLst>
       <p:ext uri="{BB962C8B-B14F-4D97-AF65-F5344CB8AC3E}">
-        <p14:creationId xmlns:p14="http://schemas.microsoft.com/office/powerpoint/2010/main" val="3639017009"/>
+        <p14:creationId xmlns:p14="http://schemas.microsoft.com/office/powerpoint/2010/main" val="2688928861"/>
       </p:ext>
     </p:extLst>
   </p:cSld>
@@ -11190,133 +14524,350 @@
       </p:grpSpPr>
       <p:sp>
         <p:nvSpPr>
-          <p:cNvPr id="12" name="矩形 11"/>
+          <p:cNvPr id="3" name="矩形 2"/>
           <p:cNvSpPr/>
           <p:nvPr/>
         </p:nvSpPr>
         <p:spPr>
           <a:xfrm>
-            <a:off x="0" y="315091"/>
-            <a:ext cx="5735782" cy="369332"/>
+            <a:off x="268000" y="260065"/>
+            <a:ext cx="877163" cy="369332"/>
           </a:xfrm>
           <a:prstGeom prst="rect">
             <a:avLst/>
           </a:prstGeom>
         </p:spPr>
         <p:txBody>
-          <a:bodyPr wrap="square">
+          <a:bodyPr wrap="none">
             <a:spAutoFit/>
           </a:bodyPr>
           <a:lstStyle/>
           <a:p>
             <a:r>
-              <a:rPr lang="en-US" altLang="zh-CN"/>
-              <a:t>from </a:t>
-            </a:r>
-            <a:r>
-              <a:rPr lang="en-US" altLang="zh-CN" smtClean="0"/>
-              <a:t>a </a:t>
-            </a:r>
-            <a:r>
-              <a:rPr lang="en-US" altLang="zh-CN"/>
-              <a:t>import *</a:t>
-            </a:r>
-          </a:p>
-        </p:txBody>
-      </p:sp>
-      <p:sp>
-        <p:nvSpPr>
-          <p:cNvPr id="13" name="矩形 12"/>
+              <a:rPr lang="zh-CN" altLang="en-US"/>
+              <a:t>热更新</a:t>
+            </a:r>
+            <a:endParaRPr lang="en-US" altLang="zh-CN"/>
+          </a:p>
+        </p:txBody>
+      </p:sp>
+      <p:sp>
+        <p:nvSpPr>
+          <p:cNvPr id="4" name="矩形 3"/>
           <p:cNvSpPr/>
           <p:nvPr/>
         </p:nvSpPr>
         <p:spPr>
           <a:xfrm>
-            <a:off x="0" y="839777"/>
-            <a:ext cx="5735782" cy="369332"/>
+            <a:off x="412426" y="999898"/>
+            <a:ext cx="870944" cy="369332"/>
           </a:xfrm>
           <a:prstGeom prst="rect">
             <a:avLst/>
           </a:prstGeom>
         </p:spPr>
         <p:txBody>
-          <a:bodyPr wrap="square">
+          <a:bodyPr wrap="none">
             <a:spAutoFit/>
           </a:bodyPr>
           <a:lstStyle/>
           <a:p>
             <a:r>
-              <a:rPr lang="en-US" altLang="zh-CN"/>
-              <a:t>__import__(“a”,globals(),locals(),[‘*’],-1) __all__</a:t>
-            </a:r>
-          </a:p>
-        </p:txBody>
-      </p:sp>
-      <p:sp>
-        <p:nvSpPr>
-          <p:cNvPr id="14" name="矩形 13"/>
+              <a:rPr lang="en-US" altLang="zh-CN">
+                <a:latin typeface="Open Sans" panose="020B0606030504020204" pitchFamily="34" charset="0"/>
+              </a:rPr>
+              <a:t>reload</a:t>
+            </a:r>
+            <a:endParaRPr lang="zh-CN" altLang="en-US"/>
+          </a:p>
+        </p:txBody>
+      </p:sp>
+      <p:sp>
+        <p:nvSpPr>
+          <p:cNvPr id="6" name="流程图: 可选过程 5"/>
           <p:cNvSpPr/>
           <p:nvPr/>
         </p:nvSpPr>
         <p:spPr>
           <a:xfrm>
-            <a:off x="0" y="2454233"/>
-            <a:ext cx="5735782" cy="369332"/>
+            <a:off x="594647" y="2124311"/>
+            <a:ext cx="1749541" cy="479644"/>
+          </a:xfrm>
+          <a:prstGeom prst="flowChartAlternateProcess">
+            <a:avLst/>
+          </a:prstGeom>
+        </p:spPr>
+        <p:style>
+          <a:lnRef idx="2">
+            <a:schemeClr val="accent1">
+              <a:shade val="50000"/>
+            </a:schemeClr>
+          </a:lnRef>
+          <a:fillRef idx="1">
+            <a:schemeClr val="accent1"/>
+          </a:fillRef>
+          <a:effectRef idx="0">
+            <a:schemeClr val="accent1"/>
+          </a:effectRef>
+          <a:fontRef idx="minor">
+            <a:schemeClr val="lt1"/>
+          </a:fontRef>
+        </p:style>
+        <p:txBody>
+          <a:bodyPr rtlCol="0" anchor="ctr"/>
+          <a:lstStyle/>
+          <a:p>
+            <a:pPr algn="ctr"/>
+            <a:r>
+              <a:rPr lang="en-US" altLang="zh-CN"/>
+              <a:t>sys.modules</a:t>
+            </a:r>
+            <a:endParaRPr lang="zh-CN" altLang="en-US" b="1"/>
+          </a:p>
+        </p:txBody>
+      </p:sp>
+      <p:sp>
+        <p:nvSpPr>
+          <p:cNvPr id="7" name="流程图: 可选过程 6"/>
+          <p:cNvSpPr/>
+          <p:nvPr/>
+        </p:nvSpPr>
+        <p:spPr>
+          <a:xfrm>
+            <a:off x="594647" y="3038711"/>
+            <a:ext cx="1749541" cy="479644"/>
+          </a:xfrm>
+          <a:prstGeom prst="flowChartAlternateProcess">
+            <a:avLst/>
+          </a:prstGeom>
+        </p:spPr>
+        <p:style>
+          <a:lnRef idx="2">
+            <a:schemeClr val="accent1">
+              <a:shade val="50000"/>
+            </a:schemeClr>
+          </a:lnRef>
+          <a:fillRef idx="1">
+            <a:schemeClr val="accent1"/>
+          </a:fillRef>
+          <a:effectRef idx="0">
+            <a:schemeClr val="accent1"/>
+          </a:effectRef>
+          <a:fontRef idx="minor">
+            <a:schemeClr val="lt1"/>
+          </a:fontRef>
+        </p:style>
+        <p:txBody>
+          <a:bodyPr rtlCol="0" anchor="ctr"/>
+          <a:lstStyle/>
+          <a:p>
+            <a:pPr algn="ctr"/>
+            <a:r>
+              <a:rPr lang="en-US" altLang="zh-CN"/>
+              <a:t>find_module</a:t>
+            </a:r>
+            <a:endParaRPr lang="zh-CN" altLang="en-US" b="1"/>
+          </a:p>
+        </p:txBody>
+      </p:sp>
+      <p:sp>
+        <p:nvSpPr>
+          <p:cNvPr id="8" name="流程图: 可选过程 7"/>
+          <p:cNvSpPr/>
+          <p:nvPr/>
+        </p:nvSpPr>
+        <p:spPr>
+          <a:xfrm>
+            <a:off x="594646" y="4202492"/>
+            <a:ext cx="1749541" cy="479644"/>
+          </a:xfrm>
+          <a:prstGeom prst="flowChartAlternateProcess">
+            <a:avLst/>
+          </a:prstGeom>
+        </p:spPr>
+        <p:style>
+          <a:lnRef idx="2">
+            <a:schemeClr val="accent1">
+              <a:shade val="50000"/>
+            </a:schemeClr>
+          </a:lnRef>
+          <a:fillRef idx="1">
+            <a:schemeClr val="accent1"/>
+          </a:fillRef>
+          <a:effectRef idx="0">
+            <a:schemeClr val="accent1"/>
+          </a:effectRef>
+          <a:fontRef idx="minor">
+            <a:schemeClr val="lt1"/>
+          </a:fontRef>
+        </p:style>
+        <p:txBody>
+          <a:bodyPr rtlCol="0" anchor="ctr"/>
+          <a:lstStyle/>
+          <a:p>
+            <a:pPr algn="ctr"/>
+            <a:r>
+              <a:rPr lang="en-US" altLang="zh-CN"/>
+              <a:t>load_module</a:t>
+            </a:r>
+            <a:endParaRPr lang="zh-CN" altLang="en-US" b="1"/>
+          </a:p>
+        </p:txBody>
+      </p:sp>
+      <p:sp>
+        <p:nvSpPr>
+          <p:cNvPr id="9" name="矩形 8"/>
+          <p:cNvSpPr/>
+          <p:nvPr/>
+        </p:nvSpPr>
+        <p:spPr>
+          <a:xfrm>
+            <a:off x="3275214" y="769065"/>
+            <a:ext cx="4572000" cy="1200329"/>
           </a:xfrm>
           <a:prstGeom prst="rect">
             <a:avLst/>
           </a:prstGeom>
         </p:spPr>
         <p:txBody>
-          <a:bodyPr wrap="square">
+          <a:bodyPr>
             <a:spAutoFit/>
           </a:bodyPr>
           <a:lstStyle/>
           <a:p>
             <a:r>
-              <a:rPr lang="en-US" altLang="zh-CN"/>
-              <a:t>from ..a import b</a:t>
-            </a:r>
-          </a:p>
-        </p:txBody>
-      </p:sp>
-      <p:sp>
-        <p:nvSpPr>
-          <p:cNvPr id="15" name="矩形 14"/>
+              <a:rPr lang="zh-CN" altLang="en-US"/>
+              <a:t>typedef struct {</a:t>
+            </a:r>
+          </a:p>
+          <a:p>
+            <a:r>
+              <a:rPr lang="zh-CN" altLang="en-US"/>
+              <a:t>    PyObject_HEAD</a:t>
+            </a:r>
+          </a:p>
+          <a:p>
+            <a:r>
+              <a:rPr lang="zh-CN" altLang="en-US"/>
+              <a:t>    PyObject *md_dict;</a:t>
+            </a:r>
+          </a:p>
+          <a:p>
+            <a:r>
+              <a:rPr lang="zh-CN" altLang="en-US"/>
+              <a:t>} PyModuleObject</a:t>
+            </a:r>
+            <a:r>
+              <a:rPr lang="zh-CN" altLang="en-US" smtClean="0"/>
+              <a:t>;</a:t>
+            </a:r>
+            <a:endParaRPr lang="zh-CN" altLang="en-US"/>
+          </a:p>
+        </p:txBody>
+      </p:sp>
+      <p:sp>
+        <p:nvSpPr>
+          <p:cNvPr id="10" name="矩形 9"/>
           <p:cNvSpPr/>
           <p:nvPr/>
         </p:nvSpPr>
         <p:spPr>
           <a:xfrm>
-            <a:off x="0" y="2978919"/>
-            <a:ext cx="5735782" cy="369332"/>
+            <a:off x="3275214" y="3002163"/>
+            <a:ext cx="4572000" cy="923330"/>
           </a:xfrm>
           <a:prstGeom prst="rect">
             <a:avLst/>
           </a:prstGeom>
         </p:spPr>
         <p:txBody>
-          <a:bodyPr wrap="square">
+          <a:bodyPr>
             <a:spAutoFit/>
           </a:bodyPr>
           <a:lstStyle/>
           <a:p>
             <a:r>
-              <a:rPr lang="en-US" altLang="zh-CN"/>
-              <a:t>__import</a:t>
-            </a:r>
-            <a:r>
               <a:rPr lang="en-US" altLang="zh-CN" smtClean="0"/>
-              <a:t>__(“a”,globals(),locals(),[‘b’],2)</a:t>
-            </a:r>
-            <a:endParaRPr lang="en-US" altLang="zh-CN"/>
+              <a:t>load</a:t>
+            </a:r>
+            <a:r>
+              <a:rPr lang="zh-CN" altLang="en-US" smtClean="0"/>
+              <a:t>就是填充字典的过过程</a:t>
+            </a:r>
+            <a:endParaRPr lang="en-US" altLang="zh-CN" smtClean="0"/>
+          </a:p>
+          <a:p>
+            <a:r>
+              <a:rPr lang="en-US" altLang="zh-CN" smtClean="0"/>
+              <a:t>reload</a:t>
+            </a:r>
+            <a:r>
+              <a:rPr lang="zh-CN" altLang="en-US" smtClean="0"/>
+              <a:t>时</a:t>
+            </a:r>
+            <a:r>
+              <a:rPr lang="en-US" altLang="zh-CN" smtClean="0"/>
+              <a:t>mod</a:t>
+            </a:r>
+            <a:r>
+              <a:rPr lang="zh-CN" altLang="en-US" smtClean="0"/>
+              <a:t>存在，就直接用旧的字典</a:t>
+            </a:r>
+            <a:endParaRPr lang="en-US" altLang="zh-CN" smtClean="0"/>
+          </a:p>
+          <a:p>
+            <a:r>
+              <a:rPr lang="zh-CN" altLang="en-US" smtClean="0"/>
+              <a:t>所以理论上是不会删的</a:t>
+            </a:r>
+            <a:endParaRPr lang="zh-CN" altLang="en-US"/>
+          </a:p>
+        </p:txBody>
+      </p:sp>
+      <p:sp>
+        <p:nvSpPr>
+          <p:cNvPr id="13" name="矩形 12"/>
+          <p:cNvSpPr/>
+          <p:nvPr/>
+        </p:nvSpPr>
+        <p:spPr>
+          <a:xfrm>
+            <a:off x="1145163" y="160693"/>
+            <a:ext cx="4572000" cy="923330"/>
+          </a:xfrm>
+          <a:prstGeom prst="rect">
+            <a:avLst/>
+          </a:prstGeom>
+        </p:spPr>
+        <p:txBody>
+          <a:bodyPr>
+            <a:spAutoFit/>
+          </a:bodyPr>
+          <a:lstStyle/>
+          <a:p>
+            <a:r>
+              <a:rPr lang="zh-CN" altLang="en-US"/>
+              <a:t>避免重启</a:t>
+            </a:r>
+          </a:p>
+          <a:p>
+            <a:r>
+              <a:rPr lang="zh-CN" altLang="en-US"/>
+              <a:t>开发期，提升效率</a:t>
+            </a:r>
+          </a:p>
+          <a:p>
+            <a:r>
+              <a:rPr lang="zh-CN" altLang="en-US"/>
+              <a:t>运维期，减少损失</a:t>
+            </a:r>
           </a:p>
         </p:txBody>
       </p:sp>
     </p:spTree>
     <p:extLst>
       <p:ext uri="{BB962C8B-B14F-4D97-AF65-F5344CB8AC3E}">
-        <p14:creationId xmlns:p14="http://schemas.microsoft.com/office/powerpoint/2010/main" val="2688928861"/>
+        <p14:creationId xmlns:p14="http://schemas.microsoft.com/office/powerpoint/2010/main" val="369192659"/>
       </p:ext>
     </p:extLst>
   </p:cSld>
@@ -11359,7 +14910,7 @@
         <p:spPr>
           <a:xfrm>
             <a:off x="268000" y="260065"/>
-            <a:ext cx="877163" cy="369332"/>
+            <a:ext cx="4570482" cy="923330"/>
           </a:xfrm>
           <a:prstGeom prst="rect">
             <a:avLst/>
@@ -11372,330 +14923,43 @@
           <a:lstStyle/>
           <a:p>
             <a:r>
+              <a:rPr lang="zh-CN" altLang="en-US" smtClean="0"/>
+              <a:t>问题</a:t>
+            </a:r>
+            <a:endParaRPr lang="en-US" altLang="zh-CN" smtClean="0"/>
+          </a:p>
+          <a:p>
+            <a:r>
+              <a:rPr lang="zh-CN" altLang="en-US" smtClean="0"/>
+              <a:t>新创建的实例是没问题的</a:t>
+            </a:r>
+            <a:endParaRPr lang="en-US" altLang="zh-CN" smtClean="0"/>
+          </a:p>
+          <a:p>
+            <a:r>
               <a:rPr lang="zh-CN" altLang="en-US"/>
-              <a:t>热更新</a:t>
-            </a:r>
-            <a:endParaRPr lang="en-US" altLang="zh-CN"/>
-          </a:p>
-        </p:txBody>
-      </p:sp>
-      <p:sp>
-        <p:nvSpPr>
-          <p:cNvPr id="4" name="矩形 3"/>
-          <p:cNvSpPr/>
-          <p:nvPr/>
-        </p:nvSpPr>
-        <p:spPr>
-          <a:xfrm>
-            <a:off x="412426" y="999898"/>
-            <a:ext cx="870944" cy="369332"/>
-          </a:xfrm>
-          <a:prstGeom prst="rect">
-            <a:avLst/>
-          </a:prstGeom>
-        </p:spPr>
-        <p:txBody>
-          <a:bodyPr wrap="none">
-            <a:spAutoFit/>
-          </a:bodyPr>
-          <a:lstStyle/>
-          <a:p>
-            <a:r>
-              <a:rPr lang="en-US" altLang="zh-CN">
-                <a:latin typeface="Open Sans" panose="020B0606030504020204" pitchFamily="34" charset="0"/>
-              </a:rPr>
-              <a:t>reload</a:t>
-            </a:r>
-            <a:endParaRPr lang="zh-CN" altLang="en-US"/>
-          </a:p>
-        </p:txBody>
-      </p:sp>
-      <p:sp>
-        <p:nvSpPr>
-          <p:cNvPr id="6" name="流程图: 可选过程 5"/>
-          <p:cNvSpPr/>
-          <p:nvPr/>
-        </p:nvSpPr>
-        <p:spPr>
-          <a:xfrm>
-            <a:off x="594647" y="2124311"/>
-            <a:ext cx="1749541" cy="479644"/>
-          </a:xfrm>
-          <a:prstGeom prst="flowChartAlternateProcess">
-            <a:avLst/>
-          </a:prstGeom>
-        </p:spPr>
-        <p:style>
-          <a:lnRef idx="2">
-            <a:schemeClr val="accent1">
-              <a:shade val="50000"/>
-            </a:schemeClr>
-          </a:lnRef>
-          <a:fillRef idx="1">
-            <a:schemeClr val="accent1"/>
-          </a:fillRef>
-          <a:effectRef idx="0">
-            <a:schemeClr val="accent1"/>
-          </a:effectRef>
-          <a:fontRef idx="minor">
-            <a:schemeClr val="lt1"/>
-          </a:fontRef>
-        </p:style>
-        <p:txBody>
-          <a:bodyPr rtlCol="0" anchor="ctr"/>
-          <a:lstStyle/>
-          <a:p>
-            <a:pPr algn="ctr"/>
-            <a:r>
-              <a:rPr lang="en-US" altLang="zh-CN"/>
-              <a:t>sys.modules</a:t>
-            </a:r>
-            <a:endParaRPr lang="zh-CN" altLang="en-US" b="1"/>
-          </a:p>
-        </p:txBody>
-      </p:sp>
-      <p:sp>
-        <p:nvSpPr>
-          <p:cNvPr id="7" name="流程图: 可选过程 6"/>
-          <p:cNvSpPr/>
-          <p:nvPr/>
-        </p:nvSpPr>
-        <p:spPr>
-          <a:xfrm>
-            <a:off x="594647" y="3038711"/>
-            <a:ext cx="1749541" cy="479644"/>
-          </a:xfrm>
-          <a:prstGeom prst="flowChartAlternateProcess">
-            <a:avLst/>
-          </a:prstGeom>
-        </p:spPr>
-        <p:style>
-          <a:lnRef idx="2">
-            <a:schemeClr val="accent1">
-              <a:shade val="50000"/>
-            </a:schemeClr>
-          </a:lnRef>
-          <a:fillRef idx="1">
-            <a:schemeClr val="accent1"/>
-          </a:fillRef>
-          <a:effectRef idx="0">
-            <a:schemeClr val="accent1"/>
-          </a:effectRef>
-          <a:fontRef idx="minor">
-            <a:schemeClr val="lt1"/>
-          </a:fontRef>
-        </p:style>
-        <p:txBody>
-          <a:bodyPr rtlCol="0" anchor="ctr"/>
-          <a:lstStyle/>
-          <a:p>
-            <a:pPr algn="ctr"/>
-            <a:r>
-              <a:rPr lang="en-US" altLang="zh-CN"/>
-              <a:t>find_module</a:t>
-            </a:r>
-            <a:endParaRPr lang="zh-CN" altLang="en-US" b="1"/>
-          </a:p>
-        </p:txBody>
-      </p:sp>
-      <p:sp>
-        <p:nvSpPr>
-          <p:cNvPr id="8" name="流程图: 可选过程 7"/>
-          <p:cNvSpPr/>
-          <p:nvPr/>
-        </p:nvSpPr>
-        <p:spPr>
-          <a:xfrm>
-            <a:off x="594646" y="4202492"/>
-            <a:ext cx="1749541" cy="479644"/>
-          </a:xfrm>
-          <a:prstGeom prst="flowChartAlternateProcess">
-            <a:avLst/>
-          </a:prstGeom>
-        </p:spPr>
-        <p:style>
-          <a:lnRef idx="2">
-            <a:schemeClr val="accent1">
-              <a:shade val="50000"/>
-            </a:schemeClr>
-          </a:lnRef>
-          <a:fillRef idx="1">
-            <a:schemeClr val="accent1"/>
-          </a:fillRef>
-          <a:effectRef idx="0">
-            <a:schemeClr val="accent1"/>
-          </a:effectRef>
-          <a:fontRef idx="minor">
-            <a:schemeClr val="lt1"/>
-          </a:fontRef>
-        </p:style>
-        <p:txBody>
-          <a:bodyPr rtlCol="0" anchor="ctr"/>
-          <a:lstStyle/>
-          <a:p>
-            <a:pPr algn="ctr"/>
-            <a:r>
-              <a:rPr lang="en-US" altLang="zh-CN"/>
-              <a:t>load_module</a:t>
-            </a:r>
-            <a:endParaRPr lang="zh-CN" altLang="en-US" b="1"/>
-          </a:p>
-        </p:txBody>
-      </p:sp>
-      <p:sp>
-        <p:nvSpPr>
-          <p:cNvPr id="9" name="矩形 8"/>
-          <p:cNvSpPr/>
-          <p:nvPr/>
-        </p:nvSpPr>
-        <p:spPr>
-          <a:xfrm>
-            <a:off x="3275214" y="769065"/>
-            <a:ext cx="4572000" cy="1200329"/>
-          </a:xfrm>
-          <a:prstGeom prst="rect">
-            <a:avLst/>
-          </a:prstGeom>
-        </p:spPr>
-        <p:txBody>
-          <a:bodyPr>
-            <a:spAutoFit/>
-          </a:bodyPr>
-          <a:lstStyle/>
-          <a:p>
+              <a:t>让已经创建</a:t>
+            </a:r>
+            <a:r>
+              <a:rPr lang="zh-CN" altLang="en-US" smtClean="0"/>
+              <a:t>的实例能够</a:t>
+            </a:r>
             <a:r>
               <a:rPr lang="zh-CN" altLang="en-US"/>
-              <a:t>typedef struct {</a:t>
-            </a:r>
-          </a:p>
-          <a:p>
-            <a:r>
-              <a:rPr lang="zh-CN" altLang="en-US"/>
-              <a:t>    PyObject_HEAD</a:t>
-            </a:r>
-          </a:p>
-          <a:p>
-            <a:r>
-              <a:rPr lang="zh-CN" altLang="en-US"/>
-              <a:t>    PyObject *md_dict;</a:t>
-            </a:r>
-          </a:p>
-          <a:p>
-            <a:r>
-              <a:rPr lang="zh-CN" altLang="en-US"/>
-              <a:t>} PyModuleObject</a:t>
+              <a:t>执行更新以后的</a:t>
             </a:r>
             <a:r>
               <a:rPr lang="zh-CN" altLang="en-US" smtClean="0"/>
-              <a:t>;</a:t>
-            </a:r>
-            <a:endParaRPr lang="zh-CN" altLang="en-US"/>
-          </a:p>
-        </p:txBody>
-      </p:sp>
-      <p:sp>
-        <p:nvSpPr>
-          <p:cNvPr id="10" name="矩形 9"/>
-          <p:cNvSpPr/>
-          <p:nvPr/>
-        </p:nvSpPr>
-        <p:spPr>
-          <a:xfrm>
-            <a:off x="3275214" y="3002163"/>
-            <a:ext cx="4572000" cy="923330"/>
-          </a:xfrm>
-          <a:prstGeom prst="rect">
-            <a:avLst/>
-          </a:prstGeom>
-        </p:spPr>
-        <p:txBody>
-          <a:bodyPr>
-            <a:spAutoFit/>
-          </a:bodyPr>
-          <a:lstStyle/>
-          <a:p>
-            <a:r>
-              <a:rPr lang="en-US" altLang="zh-CN" smtClean="0"/>
-              <a:t>load</a:t>
-            </a:r>
-            <a:r>
-              <a:rPr lang="zh-CN" altLang="en-US" smtClean="0"/>
-              <a:t>就是填充字典的过过程</a:t>
+              <a:t>代码</a:t>
             </a:r>
             <a:endParaRPr lang="en-US" altLang="zh-CN" smtClean="0"/>
-          </a:p>
-          <a:p>
-            <a:r>
-              <a:rPr lang="en-US" altLang="zh-CN" smtClean="0"/>
-              <a:t>reload</a:t>
-            </a:r>
-            <a:r>
-              <a:rPr lang="zh-CN" altLang="en-US" smtClean="0"/>
-              <a:t>时</a:t>
-            </a:r>
-            <a:r>
-              <a:rPr lang="en-US" altLang="zh-CN" smtClean="0"/>
-              <a:t>mod</a:t>
-            </a:r>
-            <a:r>
-              <a:rPr lang="zh-CN" altLang="en-US" smtClean="0"/>
-              <a:t>存在，就直接用旧的字典</a:t>
-            </a:r>
-            <a:endParaRPr lang="en-US" altLang="zh-CN" smtClean="0"/>
-          </a:p>
-          <a:p>
-            <a:r>
-              <a:rPr lang="zh-CN" altLang="en-US" smtClean="0"/>
-              <a:t>所以理论上是不会删的</a:t>
-            </a:r>
-            <a:endParaRPr lang="zh-CN" altLang="en-US"/>
-          </a:p>
-        </p:txBody>
-      </p:sp>
-      <p:sp>
-        <p:nvSpPr>
-          <p:cNvPr id="13" name="矩形 12"/>
-          <p:cNvSpPr/>
-          <p:nvPr/>
-        </p:nvSpPr>
-        <p:spPr>
-          <a:xfrm>
-            <a:off x="1145163" y="160693"/>
-            <a:ext cx="4572000" cy="923330"/>
-          </a:xfrm>
-          <a:prstGeom prst="rect">
-            <a:avLst/>
-          </a:prstGeom>
-        </p:spPr>
-        <p:txBody>
-          <a:bodyPr>
-            <a:spAutoFit/>
-          </a:bodyPr>
-          <a:lstStyle/>
-          <a:p>
-            <a:r>
-              <a:rPr lang="zh-CN" altLang="en-US"/>
-              <a:t>避免重启</a:t>
-            </a:r>
-          </a:p>
-          <a:p>
-            <a:r>
-              <a:rPr lang="zh-CN" altLang="en-US"/>
-              <a:t>开发期，提升效率</a:t>
-            </a:r>
-          </a:p>
-          <a:p>
-            <a:r>
-              <a:rPr lang="zh-CN" altLang="en-US"/>
-              <a:t>运维期，减少损失</a:t>
-            </a:r>
           </a:p>
         </p:txBody>
       </p:sp>
     </p:spTree>
     <p:extLst>
       <p:ext uri="{BB962C8B-B14F-4D97-AF65-F5344CB8AC3E}">
-        <p14:creationId xmlns:p14="http://schemas.microsoft.com/office/powerpoint/2010/main" val="369192659"/>
+        <p14:creationId xmlns:p14="http://schemas.microsoft.com/office/powerpoint/2010/main" val="1502603314"/>
       </p:ext>
     </p:extLst>
   </p:cSld>
@@ -11738,123 +15002,6 @@
         <p:spPr>
           <a:xfrm>
             <a:off x="268000" y="260065"/>
-            <a:ext cx="19555033" cy="2308324"/>
-          </a:xfrm>
-          <a:prstGeom prst="rect">
-            <a:avLst/>
-          </a:prstGeom>
-        </p:spPr>
-        <p:txBody>
-          <a:bodyPr wrap="none">
-            <a:spAutoFit/>
-          </a:bodyPr>
-          <a:lstStyle/>
-          <a:p>
-            <a:r>
-              <a:rPr lang="zh-CN" altLang="en-US" smtClean="0"/>
-              <a:t>问题</a:t>
-            </a:r>
-            <a:endParaRPr lang="en-US" altLang="zh-CN" smtClean="0"/>
-          </a:p>
-          <a:p>
-            <a:r>
-              <a:rPr lang="zh-CN" altLang="en-US" smtClean="0"/>
-              <a:t>新创建的实例是没问题的</a:t>
-            </a:r>
-            <a:endParaRPr lang="en-US" altLang="zh-CN" smtClean="0"/>
-          </a:p>
-          <a:p>
-            <a:r>
-              <a:rPr lang="zh-CN" altLang="en-US"/>
-              <a:t>让已经创建</a:t>
-            </a:r>
-            <a:r>
-              <a:rPr lang="zh-CN" altLang="en-US" smtClean="0"/>
-              <a:t>的实例能够</a:t>
-            </a:r>
-            <a:r>
-              <a:rPr lang="zh-CN" altLang="en-US"/>
-              <a:t>执行更新以后的</a:t>
-            </a:r>
-            <a:r>
-              <a:rPr lang="zh-CN" altLang="en-US" smtClean="0"/>
-              <a:t>代码</a:t>
-            </a:r>
-            <a:endParaRPr lang="en-US" altLang="zh-CN" smtClean="0"/>
-          </a:p>
-          <a:p>
-            <a:endParaRPr lang="en-US" altLang="zh-CN" smtClean="0"/>
-          </a:p>
-          <a:p>
-            <a:endParaRPr lang="en-US" altLang="zh-CN"/>
-          </a:p>
-          <a:p>
-            <a:endParaRPr lang="en-US" altLang="zh-CN" smtClean="0"/>
-          </a:p>
-          <a:p>
-            <a:r>
-              <a:rPr lang="zh-CN" altLang="en-US" smtClean="0"/>
-              <a:t>看现在的实现，看网上实现</a:t>
-            </a:r>
-            <a:endParaRPr lang="en-US" altLang="zh-CN" smtClean="0"/>
-          </a:p>
-          <a:p>
-            <a:r>
-              <a:rPr lang="en-US" altLang="zh-CN">
-                <a:hlinkClick r:id="rId3"/>
-              </a:rPr>
-              <a:t>http://blog.soliloquize.org/2016/10/23/Python%E4%BB%A3%E7%A0%81%E7%83%AD%E6%9B%B4%E6%96%B0%E5%AE%9E%E7%8E%B0/?hmsr=toutiao.io&amp;utm_medium=toutiao.io&amp;utm_source=toutiao.io</a:t>
-            </a:r>
-            <a:endParaRPr lang="en-US" altLang="zh-CN" smtClean="0"/>
-          </a:p>
-        </p:txBody>
-      </p:sp>
-    </p:spTree>
-    <p:extLst>
-      <p:ext uri="{BB962C8B-B14F-4D97-AF65-F5344CB8AC3E}">
-        <p14:creationId xmlns:p14="http://schemas.microsoft.com/office/powerpoint/2010/main" val="1502603314"/>
-      </p:ext>
-    </p:extLst>
-  </p:cSld>
-  <p:clrMapOvr>
-    <a:masterClrMapping/>
-  </p:clrMapOvr>
-  <p:timing>
-    <p:tnLst>
-      <p:par>
-        <p:cTn id="1" dur="indefinite" restart="never" nodeType="tmRoot"/>
-      </p:par>
-    </p:tnLst>
-  </p:timing>
-</p:sld>
-</file>
-
-<file path=ppt/slides/slide26.xml><?xml version="1.0" encoding="utf-8"?>
-<p:sld xmlns:a="http://schemas.openxmlformats.org/drawingml/2006/main" xmlns:r="http://schemas.openxmlformats.org/officeDocument/2006/relationships" xmlns:p="http://schemas.openxmlformats.org/presentationml/2006/main">
-  <p:cSld>
-    <p:spTree>
-      <p:nvGrpSpPr>
-        <p:cNvPr id="1" name=""/>
-        <p:cNvGrpSpPr/>
-        <p:nvPr/>
-      </p:nvGrpSpPr>
-      <p:grpSpPr>
-        <a:xfrm>
-          <a:off x="0" y="0"/>
-          <a:ext cx="0" cy="0"/>
-          <a:chOff x="0" y="0"/>
-          <a:chExt cx="0" cy="0"/>
-        </a:xfrm>
-      </p:grpSpPr>
-      <p:sp>
-        <p:nvSpPr>
-          <p:cNvPr id="3" name="矩形 2"/>
-          <p:cNvSpPr/>
-          <p:nvPr/>
-        </p:nvSpPr>
-        <p:spPr>
-          <a:xfrm>
-            <a:off x="268000" y="260065"/>
             <a:ext cx="1620957" cy="1754326"/>
           </a:xfrm>
           <a:prstGeom prst="rect">
@@ -11986,7 +15133,7 @@
 </p:sld>
 </file>
 
-<file path=ppt/slides/slide27.xml><?xml version="1.0" encoding="utf-8"?>
+<file path=ppt/slides/slide26.xml><?xml version="1.0" encoding="utf-8"?>
 <p:sld xmlns:a="http://schemas.openxmlformats.org/drawingml/2006/main" xmlns:r="http://schemas.openxmlformats.org/officeDocument/2006/relationships" xmlns:p="http://schemas.openxmlformats.org/presentationml/2006/main">
   <p:cSld>
     <p:spTree>
@@ -13877,15 +17024,7 @@
                   <a:srgbClr val="5B9BD5"/>
                 </a:solidFill>
               </a:rPr>
-              <a:t>模块</a:t>
-            </a:r>
-            <a:r>
-              <a:rPr lang="zh-CN" altLang="en-US" sz="3200" b="1" smtClean="0">
-                <a:solidFill>
-                  <a:srgbClr val="5B9BD5"/>
-                </a:solidFill>
-              </a:rPr>
-              <a:t>加载流程</a:t>
+              <a:t>模块加载流程</a:t>
             </a:r>
             <a:endParaRPr lang="en-US" altLang="zh-CN" sz="3200" b="1">
               <a:solidFill>
@@ -13959,15 +17098,7 @@
                   <a:srgbClr val="5B9BD5"/>
                 </a:solidFill>
               </a:rPr>
-              <a:t>模块</a:t>
-            </a:r>
-            <a:r>
-              <a:rPr lang="zh-CN" altLang="en-US" sz="3200" b="1" smtClean="0">
-                <a:solidFill>
-                  <a:srgbClr val="5B9BD5"/>
-                </a:solidFill>
-              </a:rPr>
-              <a:t>加载流程</a:t>
+              <a:t>模块加载流程</a:t>
             </a:r>
             <a:endParaRPr lang="en-US" altLang="zh-CN" sz="3200" b="1">
               <a:solidFill>
@@ -14142,11 +17273,6 @@
                         </a:rPr>
                         <a:t>    net.py</a:t>
                       </a:r>
-                      <a:endParaRPr lang="en-US" altLang="zh-CN" smtClean="0">
-                        <a:solidFill>
-                          <a:srgbClr val="5B9BD5"/>
-                        </a:solidFill>
-                      </a:endParaRPr>
                     </a:p>
                   </a:txBody>
                   <a:tcPr>
@@ -14247,11 +17373,6 @@
                         </a:rPr>
                         <a:t>net</a:t>
                       </a:r>
-                      <a:endParaRPr lang="en-US" altLang="zh-CN" smtClean="0">
-                        <a:solidFill>
-                          <a:schemeClr val="tx1"/>
-                        </a:solidFill>
-                      </a:endParaRPr>
                     </a:p>
                   </a:txBody>
                   <a:tcPr>
@@ -14371,15 +17492,7 @@
                   <a:srgbClr val="5B9BD5"/>
                 </a:solidFill>
               </a:rPr>
-              <a:t>模块</a:t>
-            </a:r>
-            <a:r>
-              <a:rPr lang="zh-CN" altLang="en-US" sz="3200" b="1" smtClean="0">
-                <a:solidFill>
-                  <a:srgbClr val="5B9BD5"/>
-                </a:solidFill>
-              </a:rPr>
-              <a:t>加载流程</a:t>
+              <a:t>模块加载流程</a:t>
             </a:r>
             <a:endParaRPr lang="en-US" altLang="zh-CN" sz="3200" b="1">
               <a:solidFill>
@@ -14562,11 +17675,6 @@
                         </a:rPr>
                         <a:t>net.py</a:t>
                       </a:r>
-                      <a:endParaRPr lang="en-US" altLang="zh-CN" smtClean="0">
-                        <a:solidFill>
-                          <a:srgbClr val="173207"/>
-                        </a:solidFill>
-                      </a:endParaRPr>
                     </a:p>
                   </a:txBody>
                   <a:tcPr>
@@ -15204,15 +18312,7 @@
                   <a:srgbClr val="5B9BD5"/>
                 </a:solidFill>
               </a:rPr>
-              <a:t>模块</a:t>
-            </a:r>
-            <a:r>
-              <a:rPr lang="zh-CN" altLang="en-US" sz="3200" b="1" smtClean="0">
-                <a:solidFill>
-                  <a:srgbClr val="5B9BD5"/>
-                </a:solidFill>
-              </a:rPr>
-              <a:t>加载流程</a:t>
+              <a:t>模块加载流程</a:t>
             </a:r>
             <a:endParaRPr lang="en-US" altLang="zh-CN" sz="3200" b="1">
               <a:solidFill>
@@ -15294,7 +18394,6 @@
               <a:rPr lang="en-US" altLang="zh-CN"/>
               <a:t>__import__(name[, globals[, locals[, fromlist[, level]]]])</a:t>
             </a:r>
-            <a:endParaRPr lang="en-US" altLang="zh-CN"/>
           </a:p>
         </p:txBody>
       </p:sp>
@@ -15321,11 +18420,7 @@
           <a:p>
             <a:r>
               <a:rPr lang="en-US" altLang="zh-CN"/>
-              <a:t>__import__(“a”,globals(),locals(),None</a:t>
-            </a:r>
-            <a:r>
-              <a:rPr lang="en-US" altLang="zh-CN"/>
-              <a:t>,-</a:t>
+              <a:t>__import__(“a”,globals(),locals(),None,-</a:t>
             </a:r>
             <a:r>
               <a:rPr lang="en-US" altLang="zh-CN" smtClean="0"/>
@@ -15399,15 +18494,7 @@
                   <a:srgbClr val="5B9BD5"/>
                 </a:solidFill>
               </a:rPr>
-              <a:t>模块</a:t>
-            </a:r>
-            <a:r>
-              <a:rPr lang="zh-CN" altLang="en-US" sz="3200" b="1" smtClean="0">
-                <a:solidFill>
-                  <a:srgbClr val="5B9BD5"/>
-                </a:solidFill>
-              </a:rPr>
-              <a:t>加载流程</a:t>
+              <a:t>模块加载流程</a:t>
             </a:r>
             <a:endParaRPr lang="en-US" altLang="zh-CN" sz="3200" b="1">
               <a:solidFill>

--- a/python/source code/import/import.pptx
+++ b/python/source code/import/import.pptx
@@ -5,7 +5,7 @@
     <p:sldMasterId id="2147483648" r:id="rId1"/>
   </p:sldMasterIdLst>
   <p:notesMasterIdLst>
-    <p:notesMasterId r:id="rId28"/>
+    <p:notesMasterId r:id="rId33"/>
   </p:notesMasterIdLst>
   <p:sldIdLst>
     <p:sldId id="256" r:id="rId2"/>
@@ -30,10 +30,15 @@
     <p:sldId id="308" r:id="rId21"/>
     <p:sldId id="273" r:id="rId22"/>
     <p:sldId id="274" r:id="rId23"/>
-    <p:sldId id="272" r:id="rId24"/>
-    <p:sldId id="276" r:id="rId25"/>
-    <p:sldId id="277" r:id="rId26"/>
-    <p:sldId id="278" r:id="rId27"/>
+    <p:sldId id="309" r:id="rId24"/>
+    <p:sldId id="310" r:id="rId25"/>
+    <p:sldId id="311" r:id="rId26"/>
+    <p:sldId id="272" r:id="rId27"/>
+    <p:sldId id="276" r:id="rId28"/>
+    <p:sldId id="313" r:id="rId29"/>
+    <p:sldId id="316" r:id="rId30"/>
+    <p:sldId id="317" r:id="rId31"/>
+    <p:sldId id="318" r:id="rId32"/>
   </p:sldIdLst>
   <p:sldSz cx="9144000" cy="6858000" type="screen4x3"/>
   <p:notesSz cx="6858000" cy="9144000"/>
@@ -222,7 +227,7 @@
           <a:p>
             <a:fld id="{137CE5D7-7ED0-47A4-97A4-21C1D4343DF0}" type="datetimeFigureOut">
               <a:rPr lang="zh-CN" altLang="en-US" smtClean="0"/>
-              <a:t>2016/11/23</a:t>
+              <a:t>2016/11/24</a:t>
             </a:fld>
             <a:endParaRPr lang="zh-CN" altLang="en-US"/>
           </a:p>
@@ -1735,7 +1740,7 @@
     </p:spTree>
     <p:extLst>
       <p:ext uri="{BB962C8B-B14F-4D97-AF65-F5344CB8AC3E}">
-        <p14:creationId xmlns:p14="http://schemas.microsoft.com/office/powerpoint/2010/main" val="4241520077"/>
+        <p14:creationId xmlns:p14="http://schemas.microsoft.com/office/powerpoint/2010/main" val="1460530627"/>
       </p:ext>
     </p:extLst>
   </p:cSld>
@@ -1823,7 +1828,7 @@
     </p:spTree>
     <p:extLst>
       <p:ext uri="{BB962C8B-B14F-4D97-AF65-F5344CB8AC3E}">
-        <p14:creationId xmlns:p14="http://schemas.microsoft.com/office/powerpoint/2010/main" val="1927755974"/>
+        <p14:creationId xmlns:p14="http://schemas.microsoft.com/office/powerpoint/2010/main" val="3879999281"/>
       </p:ext>
     </p:extLst>
   </p:cSld>
@@ -1911,7 +1916,7 @@
     </p:spTree>
     <p:extLst>
       <p:ext uri="{BB962C8B-B14F-4D97-AF65-F5344CB8AC3E}">
-        <p14:creationId xmlns:p14="http://schemas.microsoft.com/office/powerpoint/2010/main" val="2883339731"/>
+        <p14:creationId xmlns:p14="http://schemas.microsoft.com/office/powerpoint/2010/main" val="579117553"/>
       </p:ext>
     </p:extLst>
   </p:cSld>
@@ -1999,7 +2004,455 @@
     </p:spTree>
     <p:extLst>
       <p:ext uri="{BB962C8B-B14F-4D97-AF65-F5344CB8AC3E}">
-        <p14:creationId xmlns:p14="http://schemas.microsoft.com/office/powerpoint/2010/main" val="1609003846"/>
+        <p14:creationId xmlns:p14="http://schemas.microsoft.com/office/powerpoint/2010/main" val="4241520077"/>
+      </p:ext>
+    </p:extLst>
+  </p:cSld>
+  <p:clrMapOvr>
+    <a:masterClrMapping/>
+  </p:clrMapOvr>
+</p:notes>
+</file>
+
+<file path=ppt/notesSlides/notesSlide25.xml><?xml version="1.0" encoding="utf-8"?>
+<p:notes xmlns:a="http://schemas.openxmlformats.org/drawingml/2006/main" xmlns:r="http://schemas.openxmlformats.org/officeDocument/2006/relationships" xmlns:p="http://schemas.openxmlformats.org/presentationml/2006/main">
+  <p:cSld>
+    <p:spTree>
+      <p:nvGrpSpPr>
+        <p:cNvPr id="1" name=""/>
+        <p:cNvGrpSpPr/>
+        <p:nvPr/>
+      </p:nvGrpSpPr>
+      <p:grpSpPr>
+        <a:xfrm>
+          <a:off x="0" y="0"/>
+          <a:ext cx="0" cy="0"/>
+          <a:chOff x="0" y="0"/>
+          <a:chExt cx="0" cy="0"/>
+        </a:xfrm>
+      </p:grpSpPr>
+      <p:sp>
+        <p:nvSpPr>
+          <p:cNvPr id="2" name="幻灯片图像占位符 1"/>
+          <p:cNvSpPr>
+            <a:spLocks noGrp="1" noRot="1" noChangeAspect="1"/>
+          </p:cNvSpPr>
+          <p:nvPr>
+            <p:ph type="sldImg"/>
+          </p:nvPr>
+        </p:nvSpPr>
+        <p:spPr/>
+      </p:sp>
+      <p:sp>
+        <p:nvSpPr>
+          <p:cNvPr id="3" name="备注占位符 2"/>
+          <p:cNvSpPr>
+            <a:spLocks noGrp="1"/>
+          </p:cNvSpPr>
+          <p:nvPr>
+            <p:ph type="body" idx="1"/>
+          </p:nvPr>
+        </p:nvSpPr>
+        <p:spPr/>
+        <p:txBody>
+          <a:bodyPr/>
+          <a:lstStyle/>
+          <a:p>
+            <a:r>
+              <a:rPr lang="zh-CN" altLang="en-US" smtClean="0"/>
+              <a:t>多发点</a:t>
+            </a:r>
+            <a:endParaRPr lang="zh-CN" altLang="en-US"/>
+          </a:p>
+        </p:txBody>
+      </p:sp>
+      <p:sp>
+        <p:nvSpPr>
+          <p:cNvPr id="4" name="灯片编号占位符 3"/>
+          <p:cNvSpPr>
+            <a:spLocks noGrp="1"/>
+          </p:cNvSpPr>
+          <p:nvPr>
+            <p:ph type="sldNum" sz="quarter" idx="10"/>
+          </p:nvPr>
+        </p:nvSpPr>
+        <p:spPr/>
+        <p:txBody>
+          <a:bodyPr/>
+          <a:lstStyle/>
+          <a:p>
+            <a:fld id="{F91F46E5-662D-490C-B319-1285EF71F969}" type="slidenum">
+              <a:rPr lang="zh-CN" altLang="en-US" smtClean="0"/>
+              <a:t>27</a:t>
+            </a:fld>
+            <a:endParaRPr lang="zh-CN" altLang="en-US"/>
+          </a:p>
+        </p:txBody>
+      </p:sp>
+    </p:spTree>
+    <p:extLst>
+      <p:ext uri="{BB962C8B-B14F-4D97-AF65-F5344CB8AC3E}">
+        <p14:creationId xmlns:p14="http://schemas.microsoft.com/office/powerpoint/2010/main" val="1927755974"/>
+      </p:ext>
+    </p:extLst>
+  </p:cSld>
+  <p:clrMapOvr>
+    <a:masterClrMapping/>
+  </p:clrMapOvr>
+</p:notes>
+</file>
+
+<file path=ppt/notesSlides/notesSlide26.xml><?xml version="1.0" encoding="utf-8"?>
+<p:notes xmlns:a="http://schemas.openxmlformats.org/drawingml/2006/main" xmlns:r="http://schemas.openxmlformats.org/officeDocument/2006/relationships" xmlns:p="http://schemas.openxmlformats.org/presentationml/2006/main">
+  <p:cSld>
+    <p:spTree>
+      <p:nvGrpSpPr>
+        <p:cNvPr id="1" name=""/>
+        <p:cNvGrpSpPr/>
+        <p:nvPr/>
+      </p:nvGrpSpPr>
+      <p:grpSpPr>
+        <a:xfrm>
+          <a:off x="0" y="0"/>
+          <a:ext cx="0" cy="0"/>
+          <a:chOff x="0" y="0"/>
+          <a:chExt cx="0" cy="0"/>
+        </a:xfrm>
+      </p:grpSpPr>
+      <p:sp>
+        <p:nvSpPr>
+          <p:cNvPr id="2" name="幻灯片图像占位符 1"/>
+          <p:cNvSpPr>
+            <a:spLocks noGrp="1" noRot="1" noChangeAspect="1"/>
+          </p:cNvSpPr>
+          <p:nvPr>
+            <p:ph type="sldImg"/>
+          </p:nvPr>
+        </p:nvSpPr>
+        <p:spPr/>
+      </p:sp>
+      <p:sp>
+        <p:nvSpPr>
+          <p:cNvPr id="3" name="备注占位符 2"/>
+          <p:cNvSpPr>
+            <a:spLocks noGrp="1"/>
+          </p:cNvSpPr>
+          <p:nvPr>
+            <p:ph type="body" idx="1"/>
+          </p:nvPr>
+        </p:nvSpPr>
+        <p:spPr/>
+        <p:txBody>
+          <a:bodyPr/>
+          <a:lstStyle/>
+          <a:p>
+            <a:r>
+              <a:rPr lang="en-US" altLang="zh-CN" smtClean="0">
+                <a:hlinkClick r:id="rId3"/>
+              </a:rPr>
+              <a:t>http://tool.oschina.net/highlight</a:t>
+            </a:r>
+            <a:endParaRPr lang="zh-CN" altLang="en-US"/>
+          </a:p>
+        </p:txBody>
+      </p:sp>
+      <p:sp>
+        <p:nvSpPr>
+          <p:cNvPr id="4" name="灯片编号占位符 3"/>
+          <p:cNvSpPr>
+            <a:spLocks noGrp="1"/>
+          </p:cNvSpPr>
+          <p:nvPr>
+            <p:ph type="sldNum" sz="quarter" idx="10"/>
+          </p:nvPr>
+        </p:nvSpPr>
+        <p:spPr/>
+        <p:txBody>
+          <a:bodyPr/>
+          <a:lstStyle/>
+          <a:p>
+            <a:fld id="{F91F46E5-662D-490C-B319-1285EF71F969}" type="slidenum">
+              <a:rPr lang="zh-CN" altLang="en-US" smtClean="0"/>
+              <a:t>28</a:t>
+            </a:fld>
+            <a:endParaRPr lang="zh-CN" altLang="en-US"/>
+          </a:p>
+        </p:txBody>
+      </p:sp>
+    </p:spTree>
+    <p:extLst>
+      <p:ext uri="{BB962C8B-B14F-4D97-AF65-F5344CB8AC3E}">
+        <p14:creationId xmlns:p14="http://schemas.microsoft.com/office/powerpoint/2010/main" val="1612334039"/>
+      </p:ext>
+    </p:extLst>
+  </p:cSld>
+  <p:clrMapOvr>
+    <a:masterClrMapping/>
+  </p:clrMapOvr>
+</p:notes>
+</file>
+
+<file path=ppt/notesSlides/notesSlide27.xml><?xml version="1.0" encoding="utf-8"?>
+<p:notes xmlns:a="http://schemas.openxmlformats.org/drawingml/2006/main" xmlns:r="http://schemas.openxmlformats.org/officeDocument/2006/relationships" xmlns:p="http://schemas.openxmlformats.org/presentationml/2006/main">
+  <p:cSld>
+    <p:spTree>
+      <p:nvGrpSpPr>
+        <p:cNvPr id="1" name=""/>
+        <p:cNvGrpSpPr/>
+        <p:nvPr/>
+      </p:nvGrpSpPr>
+      <p:grpSpPr>
+        <a:xfrm>
+          <a:off x="0" y="0"/>
+          <a:ext cx="0" cy="0"/>
+          <a:chOff x="0" y="0"/>
+          <a:chExt cx="0" cy="0"/>
+        </a:xfrm>
+      </p:grpSpPr>
+      <p:sp>
+        <p:nvSpPr>
+          <p:cNvPr id="2" name="幻灯片图像占位符 1"/>
+          <p:cNvSpPr>
+            <a:spLocks noGrp="1" noRot="1" noChangeAspect="1"/>
+          </p:cNvSpPr>
+          <p:nvPr>
+            <p:ph type="sldImg"/>
+          </p:nvPr>
+        </p:nvSpPr>
+        <p:spPr/>
+      </p:sp>
+      <p:sp>
+        <p:nvSpPr>
+          <p:cNvPr id="3" name="备注占位符 2"/>
+          <p:cNvSpPr>
+            <a:spLocks noGrp="1"/>
+          </p:cNvSpPr>
+          <p:nvPr>
+            <p:ph type="body" idx="1"/>
+          </p:nvPr>
+        </p:nvSpPr>
+        <p:spPr/>
+        <p:txBody>
+          <a:bodyPr/>
+          <a:lstStyle/>
+          <a:p>
+            <a:r>
+              <a:rPr lang="en-US" altLang="zh-CN" smtClean="0">
+                <a:hlinkClick r:id="rId3"/>
+              </a:rPr>
+              <a:t>http://tool.oschina.net/highlight</a:t>
+            </a:r>
+            <a:endParaRPr lang="zh-CN" altLang="en-US"/>
+          </a:p>
+        </p:txBody>
+      </p:sp>
+      <p:sp>
+        <p:nvSpPr>
+          <p:cNvPr id="4" name="灯片编号占位符 3"/>
+          <p:cNvSpPr>
+            <a:spLocks noGrp="1"/>
+          </p:cNvSpPr>
+          <p:nvPr>
+            <p:ph type="sldNum" sz="quarter" idx="10"/>
+          </p:nvPr>
+        </p:nvSpPr>
+        <p:spPr/>
+        <p:txBody>
+          <a:bodyPr/>
+          <a:lstStyle/>
+          <a:p>
+            <a:fld id="{F91F46E5-662D-490C-B319-1285EF71F969}" type="slidenum">
+              <a:rPr lang="zh-CN" altLang="en-US" smtClean="0"/>
+              <a:t>29</a:t>
+            </a:fld>
+            <a:endParaRPr lang="zh-CN" altLang="en-US"/>
+          </a:p>
+        </p:txBody>
+      </p:sp>
+    </p:spTree>
+    <p:extLst>
+      <p:ext uri="{BB962C8B-B14F-4D97-AF65-F5344CB8AC3E}">
+        <p14:creationId xmlns:p14="http://schemas.microsoft.com/office/powerpoint/2010/main" val="2963628577"/>
+      </p:ext>
+    </p:extLst>
+  </p:cSld>
+  <p:clrMapOvr>
+    <a:masterClrMapping/>
+  </p:clrMapOvr>
+</p:notes>
+</file>
+
+<file path=ppt/notesSlides/notesSlide28.xml><?xml version="1.0" encoding="utf-8"?>
+<p:notes xmlns:a="http://schemas.openxmlformats.org/drawingml/2006/main" xmlns:r="http://schemas.openxmlformats.org/officeDocument/2006/relationships" xmlns:p="http://schemas.openxmlformats.org/presentationml/2006/main">
+  <p:cSld>
+    <p:spTree>
+      <p:nvGrpSpPr>
+        <p:cNvPr id="1" name=""/>
+        <p:cNvGrpSpPr/>
+        <p:nvPr/>
+      </p:nvGrpSpPr>
+      <p:grpSpPr>
+        <a:xfrm>
+          <a:off x="0" y="0"/>
+          <a:ext cx="0" cy="0"/>
+          <a:chOff x="0" y="0"/>
+          <a:chExt cx="0" cy="0"/>
+        </a:xfrm>
+      </p:grpSpPr>
+      <p:sp>
+        <p:nvSpPr>
+          <p:cNvPr id="2" name="幻灯片图像占位符 1"/>
+          <p:cNvSpPr>
+            <a:spLocks noGrp="1" noRot="1" noChangeAspect="1"/>
+          </p:cNvSpPr>
+          <p:nvPr>
+            <p:ph type="sldImg"/>
+          </p:nvPr>
+        </p:nvSpPr>
+        <p:spPr/>
+      </p:sp>
+      <p:sp>
+        <p:nvSpPr>
+          <p:cNvPr id="3" name="备注占位符 2"/>
+          <p:cNvSpPr>
+            <a:spLocks noGrp="1"/>
+          </p:cNvSpPr>
+          <p:nvPr>
+            <p:ph type="body" idx="1"/>
+          </p:nvPr>
+        </p:nvSpPr>
+        <p:spPr/>
+        <p:txBody>
+          <a:bodyPr/>
+          <a:lstStyle/>
+          <a:p>
+            <a:r>
+              <a:rPr lang="en-US" altLang="zh-CN" smtClean="0">
+                <a:hlinkClick r:id="rId3"/>
+              </a:rPr>
+              <a:t>http://tool.oschina.net/highlight</a:t>
+            </a:r>
+            <a:endParaRPr lang="zh-CN" altLang="en-US"/>
+          </a:p>
+        </p:txBody>
+      </p:sp>
+      <p:sp>
+        <p:nvSpPr>
+          <p:cNvPr id="4" name="灯片编号占位符 3"/>
+          <p:cNvSpPr>
+            <a:spLocks noGrp="1"/>
+          </p:cNvSpPr>
+          <p:nvPr>
+            <p:ph type="sldNum" sz="quarter" idx="10"/>
+          </p:nvPr>
+        </p:nvSpPr>
+        <p:spPr/>
+        <p:txBody>
+          <a:bodyPr/>
+          <a:lstStyle/>
+          <a:p>
+            <a:fld id="{F91F46E5-662D-490C-B319-1285EF71F969}" type="slidenum">
+              <a:rPr lang="zh-CN" altLang="en-US" smtClean="0"/>
+              <a:t>30</a:t>
+            </a:fld>
+            <a:endParaRPr lang="zh-CN" altLang="en-US"/>
+          </a:p>
+        </p:txBody>
+      </p:sp>
+    </p:spTree>
+    <p:extLst>
+      <p:ext uri="{BB962C8B-B14F-4D97-AF65-F5344CB8AC3E}">
+        <p14:creationId xmlns:p14="http://schemas.microsoft.com/office/powerpoint/2010/main" val="797061828"/>
+      </p:ext>
+    </p:extLst>
+  </p:cSld>
+  <p:clrMapOvr>
+    <a:masterClrMapping/>
+  </p:clrMapOvr>
+</p:notes>
+</file>
+
+<file path=ppt/notesSlides/notesSlide29.xml><?xml version="1.0" encoding="utf-8"?>
+<p:notes xmlns:a="http://schemas.openxmlformats.org/drawingml/2006/main" xmlns:r="http://schemas.openxmlformats.org/officeDocument/2006/relationships" xmlns:p="http://schemas.openxmlformats.org/presentationml/2006/main">
+  <p:cSld>
+    <p:spTree>
+      <p:nvGrpSpPr>
+        <p:cNvPr id="1" name=""/>
+        <p:cNvGrpSpPr/>
+        <p:nvPr/>
+      </p:nvGrpSpPr>
+      <p:grpSpPr>
+        <a:xfrm>
+          <a:off x="0" y="0"/>
+          <a:ext cx="0" cy="0"/>
+          <a:chOff x="0" y="0"/>
+          <a:chExt cx="0" cy="0"/>
+        </a:xfrm>
+      </p:grpSpPr>
+      <p:sp>
+        <p:nvSpPr>
+          <p:cNvPr id="2" name="幻灯片图像占位符 1"/>
+          <p:cNvSpPr>
+            <a:spLocks noGrp="1" noRot="1" noChangeAspect="1"/>
+          </p:cNvSpPr>
+          <p:nvPr>
+            <p:ph type="sldImg"/>
+          </p:nvPr>
+        </p:nvSpPr>
+        <p:spPr/>
+      </p:sp>
+      <p:sp>
+        <p:nvSpPr>
+          <p:cNvPr id="3" name="备注占位符 2"/>
+          <p:cNvSpPr>
+            <a:spLocks noGrp="1"/>
+          </p:cNvSpPr>
+          <p:nvPr>
+            <p:ph type="body" idx="1"/>
+          </p:nvPr>
+        </p:nvSpPr>
+        <p:spPr/>
+        <p:txBody>
+          <a:bodyPr/>
+          <a:lstStyle/>
+          <a:p>
+            <a:r>
+              <a:rPr lang="en-US" altLang="zh-CN" smtClean="0">
+                <a:hlinkClick r:id="rId3"/>
+              </a:rPr>
+              <a:t>http://tool.oschina.net/highlight</a:t>
+            </a:r>
+            <a:endParaRPr lang="zh-CN" altLang="en-US"/>
+          </a:p>
+        </p:txBody>
+      </p:sp>
+      <p:sp>
+        <p:nvSpPr>
+          <p:cNvPr id="4" name="灯片编号占位符 3"/>
+          <p:cNvSpPr>
+            <a:spLocks noGrp="1"/>
+          </p:cNvSpPr>
+          <p:nvPr>
+            <p:ph type="sldNum" sz="quarter" idx="10"/>
+          </p:nvPr>
+        </p:nvSpPr>
+        <p:spPr/>
+        <p:txBody>
+          <a:bodyPr/>
+          <a:lstStyle/>
+          <a:p>
+            <a:fld id="{F91F46E5-662D-490C-B319-1285EF71F969}" type="slidenum">
+              <a:rPr lang="zh-CN" altLang="en-US" smtClean="0"/>
+              <a:t>31</a:t>
+            </a:fld>
+            <a:endParaRPr lang="zh-CN" altLang="en-US"/>
+          </a:p>
+        </p:txBody>
+      </p:sp>
+    </p:spTree>
+    <p:extLst>
+      <p:ext uri="{BB962C8B-B14F-4D97-AF65-F5344CB8AC3E}">
+        <p14:creationId xmlns:p14="http://schemas.microsoft.com/office/powerpoint/2010/main" val="17918090"/>
       </p:ext>
     </p:extLst>
   </p:cSld>
@@ -2796,7 +3249,7 @@
           <a:p>
             <a:fld id="{E26C717F-3C9D-465A-8BFA-E9A9E7C863CF}" type="datetimeFigureOut">
               <a:rPr lang="zh-CN" altLang="en-US" smtClean="0"/>
-              <a:t>2016/11/23</a:t>
+              <a:t>2016/11/24</a:t>
             </a:fld>
             <a:endParaRPr lang="zh-CN" altLang="en-US"/>
           </a:p>
@@ -2966,7 +3419,7 @@
           <a:p>
             <a:fld id="{E26C717F-3C9D-465A-8BFA-E9A9E7C863CF}" type="datetimeFigureOut">
               <a:rPr lang="zh-CN" altLang="en-US" smtClean="0"/>
-              <a:t>2016/11/23</a:t>
+              <a:t>2016/11/24</a:t>
             </a:fld>
             <a:endParaRPr lang="zh-CN" altLang="en-US"/>
           </a:p>
@@ -3146,7 +3599,7 @@
           <a:p>
             <a:fld id="{E26C717F-3C9D-465A-8BFA-E9A9E7C863CF}" type="datetimeFigureOut">
               <a:rPr lang="zh-CN" altLang="en-US" smtClean="0"/>
-              <a:t>2016/11/23</a:t>
+              <a:t>2016/11/24</a:t>
             </a:fld>
             <a:endParaRPr lang="zh-CN" altLang="en-US"/>
           </a:p>
@@ -3316,7 +3769,7 @@
           <a:p>
             <a:fld id="{E26C717F-3C9D-465A-8BFA-E9A9E7C863CF}" type="datetimeFigureOut">
               <a:rPr lang="zh-CN" altLang="en-US" smtClean="0"/>
-              <a:t>2016/11/23</a:t>
+              <a:t>2016/11/24</a:t>
             </a:fld>
             <a:endParaRPr lang="zh-CN" altLang="en-US"/>
           </a:p>
@@ -3562,7 +4015,7 @@
           <a:p>
             <a:fld id="{E26C717F-3C9D-465A-8BFA-E9A9E7C863CF}" type="datetimeFigureOut">
               <a:rPr lang="zh-CN" altLang="en-US" smtClean="0"/>
-              <a:t>2016/11/23</a:t>
+              <a:t>2016/11/24</a:t>
             </a:fld>
             <a:endParaRPr lang="zh-CN" altLang="en-US"/>
           </a:p>
@@ -3794,7 +4247,7 @@
           <a:p>
             <a:fld id="{E26C717F-3C9D-465A-8BFA-E9A9E7C863CF}" type="datetimeFigureOut">
               <a:rPr lang="zh-CN" altLang="en-US" smtClean="0"/>
-              <a:t>2016/11/23</a:t>
+              <a:t>2016/11/24</a:t>
             </a:fld>
             <a:endParaRPr lang="zh-CN" altLang="en-US"/>
           </a:p>
@@ -4161,7 +4614,7 @@
           <a:p>
             <a:fld id="{E26C717F-3C9D-465A-8BFA-E9A9E7C863CF}" type="datetimeFigureOut">
               <a:rPr lang="zh-CN" altLang="en-US" smtClean="0"/>
-              <a:t>2016/11/23</a:t>
+              <a:t>2016/11/24</a:t>
             </a:fld>
             <a:endParaRPr lang="zh-CN" altLang="en-US"/>
           </a:p>
@@ -4279,7 +4732,7 @@
           <a:p>
             <a:fld id="{E26C717F-3C9D-465A-8BFA-E9A9E7C863CF}" type="datetimeFigureOut">
               <a:rPr lang="zh-CN" altLang="en-US" smtClean="0"/>
-              <a:t>2016/11/23</a:t>
+              <a:t>2016/11/24</a:t>
             </a:fld>
             <a:endParaRPr lang="zh-CN" altLang="en-US"/>
           </a:p>
@@ -4374,7 +4827,7 @@
           <a:p>
             <a:fld id="{E26C717F-3C9D-465A-8BFA-E9A9E7C863CF}" type="datetimeFigureOut">
               <a:rPr lang="zh-CN" altLang="en-US" smtClean="0"/>
-              <a:t>2016/11/23</a:t>
+              <a:t>2016/11/24</a:t>
             </a:fld>
             <a:endParaRPr lang="zh-CN" altLang="en-US"/>
           </a:p>
@@ -4651,7 +5104,7 @@
           <a:p>
             <a:fld id="{E26C717F-3C9D-465A-8BFA-E9A9E7C863CF}" type="datetimeFigureOut">
               <a:rPr lang="zh-CN" altLang="en-US" smtClean="0"/>
-              <a:t>2016/11/23</a:t>
+              <a:t>2016/11/24</a:t>
             </a:fld>
             <a:endParaRPr lang="zh-CN" altLang="en-US"/>
           </a:p>
@@ -4904,7 +5357,7 @@
           <a:p>
             <a:fld id="{E26C717F-3C9D-465A-8BFA-E9A9E7C863CF}" type="datetimeFigureOut">
               <a:rPr lang="zh-CN" altLang="en-US" smtClean="0"/>
-              <a:t>2016/11/23</a:t>
+              <a:t>2016/11/24</a:t>
             </a:fld>
             <a:endParaRPr lang="zh-CN" altLang="en-US"/>
           </a:p>
@@ -5117,7 +5570,7 @@
           <a:p>
             <a:fld id="{E26C717F-3C9D-465A-8BFA-E9A9E7C863CF}" type="datetimeFigureOut">
               <a:rPr lang="zh-CN" altLang="en-US" smtClean="0"/>
-              <a:t>2016/11/23</a:t>
+              <a:t>2016/11/24</a:t>
             </a:fld>
             <a:endParaRPr lang="zh-CN" altLang="en-US"/>
           </a:p>
@@ -11695,6 +12148,44 @@
           </a:graphicData>
         </a:graphic>
       </p:graphicFrame>
+      <p:sp>
+        <p:nvSpPr>
+          <p:cNvPr id="4" name="矩形 3"/>
+          <p:cNvSpPr/>
+          <p:nvPr/>
+        </p:nvSpPr>
+        <p:spPr>
+          <a:xfrm>
+            <a:off x="370245" y="554703"/>
+            <a:ext cx="2435282" cy="584775"/>
+          </a:xfrm>
+          <a:prstGeom prst="rect">
+            <a:avLst/>
+          </a:prstGeom>
+        </p:spPr>
+        <p:txBody>
+          <a:bodyPr wrap="none">
+            <a:spAutoFit/>
+          </a:bodyPr>
+          <a:lstStyle/>
+          <a:p>
+            <a:pPr algn="ctr"/>
+            <a:r>
+              <a:rPr lang="en-US" altLang="zh-CN" sz="3200" b="1">
+                <a:solidFill>
+                  <a:srgbClr val="5B9BD5"/>
+                </a:solidFill>
+              </a:rPr>
+              <a:t>exec co_code</a:t>
+            </a:r>
+            <a:endParaRPr lang="zh-CN" altLang="en-US" sz="3200" b="1">
+              <a:solidFill>
+                <a:srgbClr val="5B9BD5"/>
+              </a:solidFill>
+            </a:endParaRPr>
+          </a:p>
+        </p:txBody>
+      </p:sp>
     </p:spTree>
     <p:extLst>
       <p:ext uri="{BB962C8B-B14F-4D97-AF65-F5344CB8AC3E}">
@@ -12266,6 +12757,44 @@
           </a:graphicData>
         </a:graphic>
       </p:graphicFrame>
+      <p:sp>
+        <p:nvSpPr>
+          <p:cNvPr id="4" name="矩形 3"/>
+          <p:cNvSpPr/>
+          <p:nvPr/>
+        </p:nvSpPr>
+        <p:spPr>
+          <a:xfrm>
+            <a:off x="370245" y="554703"/>
+            <a:ext cx="2435282" cy="584775"/>
+          </a:xfrm>
+          <a:prstGeom prst="rect">
+            <a:avLst/>
+          </a:prstGeom>
+        </p:spPr>
+        <p:txBody>
+          <a:bodyPr wrap="none">
+            <a:spAutoFit/>
+          </a:bodyPr>
+          <a:lstStyle/>
+          <a:p>
+            <a:pPr algn="ctr"/>
+            <a:r>
+              <a:rPr lang="en-US" altLang="zh-CN" sz="3200" b="1">
+                <a:solidFill>
+                  <a:srgbClr val="5B9BD5"/>
+                </a:solidFill>
+              </a:rPr>
+              <a:t>exec co_code</a:t>
+            </a:r>
+            <a:endParaRPr lang="zh-CN" altLang="en-US" sz="3200" b="1">
+              <a:solidFill>
+                <a:srgbClr val="5B9BD5"/>
+              </a:solidFill>
+            </a:endParaRPr>
+          </a:p>
+        </p:txBody>
+      </p:sp>
     </p:spTree>
     <p:extLst>
       <p:ext uri="{BB962C8B-B14F-4D97-AF65-F5344CB8AC3E}">
@@ -12877,6 +13406,44 @@
           </a:graphicData>
         </a:graphic>
       </p:graphicFrame>
+      <p:sp>
+        <p:nvSpPr>
+          <p:cNvPr id="4" name="矩形 3"/>
+          <p:cNvSpPr/>
+          <p:nvPr/>
+        </p:nvSpPr>
+        <p:spPr>
+          <a:xfrm>
+            <a:off x="370245" y="554703"/>
+            <a:ext cx="2435282" cy="584775"/>
+          </a:xfrm>
+          <a:prstGeom prst="rect">
+            <a:avLst/>
+          </a:prstGeom>
+        </p:spPr>
+        <p:txBody>
+          <a:bodyPr wrap="none">
+            <a:spAutoFit/>
+          </a:bodyPr>
+          <a:lstStyle/>
+          <a:p>
+            <a:pPr algn="ctr"/>
+            <a:r>
+              <a:rPr lang="en-US" altLang="zh-CN" sz="3200" b="1">
+                <a:solidFill>
+                  <a:srgbClr val="5B9BD5"/>
+                </a:solidFill>
+              </a:rPr>
+              <a:t>exec co_code</a:t>
+            </a:r>
+            <a:endParaRPr lang="zh-CN" altLang="en-US" sz="3200" b="1">
+              <a:solidFill>
+                <a:srgbClr val="5B9BD5"/>
+              </a:solidFill>
+            </a:endParaRPr>
+          </a:p>
+        </p:txBody>
+      </p:sp>
     </p:spTree>
     <p:extLst>
       <p:ext uri="{BB962C8B-B14F-4D97-AF65-F5344CB8AC3E}">
@@ -13449,6 +14016,44 @@
           </a:graphicData>
         </a:graphic>
       </p:graphicFrame>
+      <p:sp>
+        <p:nvSpPr>
+          <p:cNvPr id="4" name="矩形 3"/>
+          <p:cNvSpPr/>
+          <p:nvPr/>
+        </p:nvSpPr>
+        <p:spPr>
+          <a:xfrm>
+            <a:off x="370245" y="554703"/>
+            <a:ext cx="2435282" cy="584775"/>
+          </a:xfrm>
+          <a:prstGeom prst="rect">
+            <a:avLst/>
+          </a:prstGeom>
+        </p:spPr>
+        <p:txBody>
+          <a:bodyPr wrap="none">
+            <a:spAutoFit/>
+          </a:bodyPr>
+          <a:lstStyle/>
+          <a:p>
+            <a:pPr algn="ctr"/>
+            <a:r>
+              <a:rPr lang="en-US" altLang="zh-CN" sz="3200" b="1">
+                <a:solidFill>
+                  <a:srgbClr val="5B9BD5"/>
+                </a:solidFill>
+              </a:rPr>
+              <a:t>exec co_code</a:t>
+            </a:r>
+            <a:endParaRPr lang="zh-CN" altLang="en-US" sz="3200" b="1">
+              <a:solidFill>
+                <a:srgbClr val="5B9BD5"/>
+              </a:solidFill>
+            </a:endParaRPr>
+          </a:p>
+        </p:txBody>
+      </p:sp>
     </p:spTree>
     <p:extLst>
       <p:ext uri="{BB962C8B-B14F-4D97-AF65-F5344CB8AC3E}">
@@ -14300,6 +14905,44 @@
               <a:t>members</a:t>
             </a:r>
             <a:endParaRPr lang="zh-CN" altLang="en-US"/>
+          </a:p>
+        </p:txBody>
+      </p:sp>
+      <p:sp>
+        <p:nvSpPr>
+          <p:cNvPr id="6" name="矩形 5"/>
+          <p:cNvSpPr/>
+          <p:nvPr/>
+        </p:nvSpPr>
+        <p:spPr>
+          <a:xfrm>
+            <a:off x="370245" y="554703"/>
+            <a:ext cx="2435282" cy="584775"/>
+          </a:xfrm>
+          <a:prstGeom prst="rect">
+            <a:avLst/>
+          </a:prstGeom>
+        </p:spPr>
+        <p:txBody>
+          <a:bodyPr wrap="none">
+            <a:spAutoFit/>
+          </a:bodyPr>
+          <a:lstStyle/>
+          <a:p>
+            <a:pPr algn="ctr"/>
+            <a:r>
+              <a:rPr lang="en-US" altLang="zh-CN" sz="3200" b="1">
+                <a:solidFill>
+                  <a:srgbClr val="5B9BD5"/>
+                </a:solidFill>
+              </a:rPr>
+              <a:t>exec co_code</a:t>
+            </a:r>
+            <a:endParaRPr lang="zh-CN" altLang="en-US" sz="3200" b="1">
+              <a:solidFill>
+                <a:srgbClr val="5B9BD5"/>
+              </a:solidFill>
+            </a:endParaRPr>
           </a:p>
         </p:txBody>
       </p:sp>
@@ -15237,6 +15880,44 @@
           </a:graphicData>
         </a:graphic>
       </p:graphicFrame>
+      <p:sp>
+        <p:nvSpPr>
+          <p:cNvPr id="4" name="矩形 3"/>
+          <p:cNvSpPr/>
+          <p:nvPr/>
+        </p:nvSpPr>
+        <p:spPr>
+          <a:xfrm>
+            <a:off x="370245" y="554703"/>
+            <a:ext cx="2435282" cy="584775"/>
+          </a:xfrm>
+          <a:prstGeom prst="rect">
+            <a:avLst/>
+          </a:prstGeom>
+        </p:spPr>
+        <p:txBody>
+          <a:bodyPr wrap="none">
+            <a:spAutoFit/>
+          </a:bodyPr>
+          <a:lstStyle/>
+          <a:p>
+            <a:pPr algn="ctr"/>
+            <a:r>
+              <a:rPr lang="en-US" altLang="zh-CN" sz="3200" b="1">
+                <a:solidFill>
+                  <a:srgbClr val="5B9BD5"/>
+                </a:solidFill>
+              </a:rPr>
+              <a:t>exec co_code</a:t>
+            </a:r>
+            <a:endParaRPr lang="zh-CN" altLang="en-US" sz="3200" b="1">
+              <a:solidFill>
+                <a:srgbClr val="5B9BD5"/>
+              </a:solidFill>
+            </a:endParaRPr>
+          </a:p>
+        </p:txBody>
+      </p:sp>
     </p:spTree>
     <p:extLst>
       <p:ext uri="{BB962C8B-B14F-4D97-AF65-F5344CB8AC3E}">
@@ -15619,14 +16300,14 @@
       </p:grpSpPr>
       <p:sp>
         <p:nvSpPr>
-          <p:cNvPr id="6" name="矩形 5"/>
+          <p:cNvPr id="2" name="矩形 1"/>
           <p:cNvSpPr/>
           <p:nvPr/>
         </p:nvSpPr>
         <p:spPr>
           <a:xfrm>
-            <a:off x="259637" y="554703"/>
-            <a:ext cx="2656496" cy="584775"/>
+            <a:off x="963602" y="3233386"/>
+            <a:ext cx="1322670" cy="400110"/>
           </a:xfrm>
           <a:prstGeom prst="rect">
             <a:avLst/>
@@ -15638,65 +16319,16 @@
           </a:bodyPr>
           <a:lstStyle/>
           <a:p>
-            <a:r>
-              <a:rPr lang="zh-CN" altLang="en-US" sz="3200" b="1" smtClean="0">
-                <a:solidFill>
-                  <a:srgbClr val="5B9BD5"/>
-                </a:solidFill>
-              </a:rPr>
-              <a:t>模块加载流程</a:t>
-            </a:r>
-            <a:endParaRPr lang="en-US" altLang="zh-CN" sz="3200" b="1">
-              <a:solidFill>
-                <a:srgbClr val="5B9BD5"/>
-              </a:solidFill>
-            </a:endParaRPr>
-          </a:p>
-        </p:txBody>
-      </p:sp>
-      <p:sp>
-        <p:nvSpPr>
-          <p:cNvPr id="2" name="矩形 1"/>
-          <p:cNvSpPr/>
-          <p:nvPr/>
-        </p:nvSpPr>
-        <p:spPr>
-          <a:xfrm>
-            <a:off x="963602" y="3111954"/>
-            <a:ext cx="1300612" cy="400110"/>
-          </a:xfrm>
-          <a:prstGeom prst="rect">
-            <a:avLst/>
-          </a:prstGeom>
-        </p:spPr>
-        <p:txBody>
-          <a:bodyPr wrap="none">
-            <a:spAutoFit/>
-          </a:bodyPr>
-          <a:lstStyle/>
-          <a:p>
             <a:pPr lvl="0">
               <a:defRPr/>
             </a:pPr>
             <a:r>
-              <a:rPr lang="en-US" altLang="zh-CN" sz="2000">
-                <a:solidFill>
-                  <a:srgbClr val="7F0055"/>
-                </a:solidFill>
-              </a:rPr>
-              <a:t>import</a:t>
-            </a:r>
-            <a:r>
-              <a:rPr lang="en-US" altLang="zh-CN" sz="2000">
-                <a:solidFill>
-                  <a:schemeClr val="lt1"/>
-                </a:solidFill>
-              </a:rPr>
-              <a:t> </a:t>
-            </a:r>
-            <a:r>
-              <a:rPr lang="en-US" altLang="zh-CN" sz="2000"/>
-              <a:t>net</a:t>
+              <a:rPr lang="en-US" altLang="zh-CN" sz="2000" b="1">
+                <a:solidFill>
+                  <a:srgbClr val="5B9BD5"/>
+                </a:solidFill>
+              </a:rPr>
+              <a:t>import net</a:t>
             </a:r>
           </a:p>
         </p:txBody>
@@ -15709,7 +16341,7 @@
         </p:nvSpPr>
         <p:spPr>
           <a:xfrm>
-            <a:off x="963602" y="1744568"/>
+            <a:off x="963602" y="2201821"/>
             <a:ext cx="6326198" cy="369332"/>
           </a:xfrm>
           <a:prstGeom prst="rect">
@@ -15723,7 +16355,11 @@
           <a:lstStyle/>
           <a:p>
             <a:r>
-              <a:rPr lang="en-US" altLang="zh-CN" b="1"/>
+              <a:rPr lang="en-US" altLang="zh-CN" b="1">
+                <a:solidFill>
+                  <a:srgbClr val="5B9BD5"/>
+                </a:solidFill>
+              </a:rPr>
               <a:t>__import__(name[, globals[, locals[, fromlist[, level]]]])</a:t>
             </a:r>
           </a:p>
@@ -15737,7 +16373,7 @@
         </p:nvSpPr>
         <p:spPr>
           <a:xfrm>
-            <a:off x="963602" y="3633497"/>
+            <a:off x="963602" y="4111063"/>
             <a:ext cx="5936731" cy="369332"/>
           </a:xfrm>
           <a:prstGeom prst="rect">
@@ -15751,22 +16387,80 @@
           <a:lstStyle/>
           <a:p>
             <a:r>
-              <a:rPr lang="en-US" altLang="zh-CN"/>
+              <a:rPr lang="en-US" altLang="zh-CN" b="1">
+                <a:solidFill>
+                  <a:srgbClr val="5B9BD5"/>
+                </a:solidFill>
+              </a:rPr>
               <a:t>__import</a:t>
             </a:r>
             <a:r>
-              <a:rPr lang="en-US" altLang="zh-CN" smtClean="0"/>
+              <a:rPr lang="en-US" altLang="zh-CN" b="1" smtClean="0">
+                <a:solidFill>
+                  <a:srgbClr val="5B9BD5"/>
+                </a:solidFill>
+              </a:rPr>
               <a:t>__(“net”,</a:t>
             </a:r>
             <a:r>
-              <a:rPr lang="en-US" altLang="zh-CN"/>
+              <a:rPr lang="en-US" altLang="zh-CN" b="1">
+                <a:solidFill>
+                  <a:srgbClr val="5B9BD5"/>
+                </a:solidFill>
+              </a:rPr>
               <a:t>globals(),locals(),None,-</a:t>
             </a:r>
             <a:r>
-              <a:rPr lang="en-US" altLang="zh-CN" smtClean="0"/>
+              <a:rPr lang="en-US" altLang="zh-CN" b="1" smtClean="0">
+                <a:solidFill>
+                  <a:srgbClr val="5B9BD5"/>
+                </a:solidFill>
+              </a:rPr>
               <a:t>1) </a:t>
             </a:r>
-            <a:endParaRPr lang="en-US" altLang="zh-CN"/>
+            <a:endParaRPr lang="en-US" altLang="zh-CN" b="1">
+              <a:solidFill>
+                <a:srgbClr val="5B9BD5"/>
+              </a:solidFill>
+            </a:endParaRPr>
+          </a:p>
+        </p:txBody>
+      </p:sp>
+      <p:sp>
+        <p:nvSpPr>
+          <p:cNvPr id="8" name="矩形 7"/>
+          <p:cNvSpPr/>
+          <p:nvPr/>
+        </p:nvSpPr>
+        <p:spPr>
+          <a:xfrm>
+            <a:off x="503296" y="554703"/>
+            <a:ext cx="2169184" cy="584775"/>
+          </a:xfrm>
+          <a:prstGeom prst="rect">
+            <a:avLst/>
+          </a:prstGeom>
+        </p:spPr>
+        <p:txBody>
+          <a:bodyPr wrap="none">
+            <a:spAutoFit/>
+          </a:bodyPr>
+          <a:lstStyle/>
+          <a:p>
+            <a:pPr algn="ctr"/>
+            <a:r>
+              <a:rPr lang="en-US" altLang="zh-CN" sz="3200" b="1" smtClean="0">
+                <a:solidFill>
+                  <a:srgbClr val="5B9BD5"/>
+                </a:solidFill>
+              </a:rPr>
+              <a:t>__import__</a:t>
+            </a:r>
+            <a:endParaRPr lang="zh-CN" altLang="en-US" sz="3200" b="1">
+              <a:solidFill>
+                <a:srgbClr val="5B9BD5"/>
+              </a:solidFill>
+            </a:endParaRPr>
           </a:p>
         </p:txBody>
       </p:sp>
@@ -15815,54 +16509,7 @@
         </p:nvSpPr>
         <p:spPr>
           <a:xfrm>
-            <a:off x="612119" y="846046"/>
-            <a:ext cx="5735782" cy="646331"/>
-          </a:xfrm>
-          <a:prstGeom prst="rect">
-            <a:avLst/>
-          </a:prstGeom>
-        </p:spPr>
-        <p:txBody>
-          <a:bodyPr wrap="square">
-            <a:spAutoFit/>
-          </a:bodyPr>
-          <a:lstStyle/>
-          <a:p>
-            <a:r>
-              <a:rPr lang="en-US" altLang="zh-CN" smtClean="0"/>
-              <a:t>import </a:t>
-            </a:r>
-            <a:r>
-              <a:rPr lang="en-US" altLang="zh-CN" smtClean="0"/>
-              <a:t>a.b.c</a:t>
-            </a:r>
-          </a:p>
-          <a:p>
-            <a:r>
-              <a:rPr lang="en-US" altLang="zh-CN" smtClean="0"/>
-              <a:t>a=__</a:t>
-            </a:r>
-            <a:r>
-              <a:rPr lang="en-US" altLang="zh-CN"/>
-              <a:t>import__(“a.b.c”,globals(),locals(),None,-1</a:t>
-            </a:r>
-            <a:r>
-              <a:rPr lang="en-US" altLang="zh-CN"/>
-              <a:t>) </a:t>
-            </a:r>
-            <a:endParaRPr lang="en-US" altLang="zh-CN" smtClean="0"/>
-          </a:p>
-        </p:txBody>
-      </p:sp>
-      <p:sp>
-        <p:nvSpPr>
-          <p:cNvPr id="10" name="矩形 9"/>
-          <p:cNvSpPr/>
-          <p:nvPr/>
-        </p:nvSpPr>
-        <p:spPr>
-          <a:xfrm>
-            <a:off x="612119" y="2019022"/>
+            <a:off x="1254464" y="1717783"/>
             <a:ext cx="5735782" cy="923330"/>
           </a:xfrm>
           <a:prstGeom prst="rect">
@@ -15876,49 +16523,103 @@
           <a:lstStyle/>
           <a:p>
             <a:r>
-              <a:rPr lang="en-US" altLang="zh-CN"/>
-              <a:t>from a.b import </a:t>
-            </a:r>
-            <a:r>
-              <a:rPr lang="en-US" altLang="zh-CN" smtClean="0"/>
-              <a:t>c</a:t>
-            </a:r>
-          </a:p>
-          <a:p>
-            <a:r>
-              <a:rPr lang="en-US" altLang="zh-CN" smtClean="0"/>
-              <a:t>b=__</a:t>
-            </a:r>
-            <a:r>
-              <a:rPr lang="en-US" altLang="zh-CN"/>
-              <a:t>import__(“a.b”,globals(),locals(),[‘c</a:t>
-            </a:r>
-            <a:r>
-              <a:rPr lang="en-US" altLang="zh-CN"/>
-              <a:t>’],-</a:t>
-            </a:r>
-            <a:r>
-              <a:rPr lang="en-US" altLang="zh-CN" smtClean="0"/>
-              <a:t>1)</a:t>
-            </a:r>
-          </a:p>
-          <a:p>
-            <a:r>
-              <a:rPr lang="en-US" altLang="zh-CN" smtClean="0"/>
-              <a:t>c=b.c</a:t>
-            </a:r>
+              <a:rPr lang="en-US" altLang="zh-CN" b="1" smtClean="0">
+                <a:solidFill>
+                  <a:srgbClr val="5B9BD5"/>
+                </a:solidFill>
+              </a:rPr>
+              <a:t>import </a:t>
+            </a:r>
+            <a:r>
+              <a:rPr lang="en-US" altLang="zh-CN" b="1" smtClean="0">
+                <a:solidFill>
+                  <a:srgbClr val="5B9BD5"/>
+                </a:solidFill>
+              </a:rPr>
+              <a:t>a.b</a:t>
+            </a:r>
+            <a:endParaRPr lang="en-US" altLang="zh-CN" b="1" smtClean="0">
+              <a:solidFill>
+                <a:srgbClr val="5B9BD5"/>
+              </a:solidFill>
+            </a:endParaRPr>
+          </a:p>
+          <a:p>
+            <a:r>
+              <a:rPr lang="en-US" altLang="zh-CN" b="1" smtClean="0">
+                <a:solidFill>
+                  <a:srgbClr val="5B9BD5"/>
+                </a:solidFill>
+              </a:rPr>
+              <a:t>a=__</a:t>
+            </a:r>
+            <a:r>
+              <a:rPr lang="en-US" altLang="zh-CN" b="1">
+                <a:solidFill>
+                  <a:srgbClr val="5B9BD5"/>
+                </a:solidFill>
+              </a:rPr>
+              <a:t>import__(“</a:t>
+            </a:r>
+            <a:r>
+              <a:rPr lang="en-US" altLang="zh-CN" b="1" smtClean="0">
+                <a:solidFill>
+                  <a:srgbClr val="5B9BD5"/>
+                </a:solidFill>
+              </a:rPr>
+              <a:t>a.b”,</a:t>
+            </a:r>
+            <a:r>
+              <a:rPr lang="en-US" altLang="zh-CN" b="1">
+                <a:solidFill>
+                  <a:srgbClr val="5B9BD5"/>
+                </a:solidFill>
+              </a:rPr>
+              <a:t>globals(),locals(),None,-1</a:t>
+            </a:r>
+            <a:r>
+              <a:rPr lang="en-US" altLang="zh-CN" b="1" smtClean="0">
+                <a:solidFill>
+                  <a:srgbClr val="5B9BD5"/>
+                </a:solidFill>
+              </a:rPr>
+              <a:t>)</a:t>
+            </a:r>
+          </a:p>
+          <a:p>
+            <a:r>
+              <a:rPr lang="en-US" altLang="zh-CN" b="1" smtClean="0">
+                <a:solidFill>
+                  <a:srgbClr val="5B9BD5"/>
+                </a:solidFill>
+              </a:rPr>
+              <a:t>a.b=b</a:t>
+            </a:r>
+            <a:r>
+              <a:rPr lang="en-US" altLang="zh-CN" b="1" smtClean="0">
+                <a:solidFill>
+                  <a:srgbClr val="5B9BD5"/>
+                </a:solidFill>
+              </a:rPr>
+              <a:t> </a:t>
+            </a:r>
+            <a:endParaRPr lang="en-US" altLang="zh-CN" b="1" smtClean="0">
+              <a:solidFill>
+                <a:srgbClr val="5B9BD5"/>
+              </a:solidFill>
+            </a:endParaRPr>
           </a:p>
         </p:txBody>
       </p:sp>
       <p:sp>
         <p:nvSpPr>
-          <p:cNvPr id="12" name="矩形 11"/>
+          <p:cNvPr id="10" name="矩形 9"/>
           <p:cNvSpPr/>
           <p:nvPr/>
         </p:nvSpPr>
         <p:spPr>
           <a:xfrm>
-            <a:off x="612119" y="3411964"/>
+            <a:off x="1254464" y="3356614"/>
             <a:ext cx="5735782" cy="923330"/>
           </a:xfrm>
           <a:prstGeom prst="rect">
@@ -15932,38 +16633,176 @@
           <a:lstStyle/>
           <a:p>
             <a:r>
-              <a:rPr lang="en-US" altLang="zh-CN"/>
+              <a:rPr lang="en-US" altLang="zh-CN" b="1">
+                <a:solidFill>
+                  <a:srgbClr val="5B9BD5"/>
+                </a:solidFill>
+              </a:rPr>
+              <a:t>from a.b import </a:t>
+            </a:r>
+            <a:r>
+              <a:rPr lang="en-US" altLang="zh-CN" b="1" smtClean="0">
+                <a:solidFill>
+                  <a:srgbClr val="5B9BD5"/>
+                </a:solidFill>
+              </a:rPr>
+              <a:t>c</a:t>
+            </a:r>
+          </a:p>
+          <a:p>
+            <a:r>
+              <a:rPr lang="en-US" altLang="zh-CN" b="1" smtClean="0">
+                <a:solidFill>
+                  <a:srgbClr val="5B9BD5"/>
+                </a:solidFill>
+              </a:rPr>
+              <a:t>b=__</a:t>
+            </a:r>
+            <a:r>
+              <a:rPr lang="en-US" altLang="zh-CN" b="1">
+                <a:solidFill>
+                  <a:srgbClr val="5B9BD5"/>
+                </a:solidFill>
+              </a:rPr>
+              <a:t>import__(“a.b”,globals(),locals(),[‘c’],-</a:t>
+            </a:r>
+            <a:r>
+              <a:rPr lang="en-US" altLang="zh-CN" b="1" smtClean="0">
+                <a:solidFill>
+                  <a:srgbClr val="5B9BD5"/>
+                </a:solidFill>
+              </a:rPr>
+              <a:t>1)</a:t>
+            </a:r>
+          </a:p>
+          <a:p>
+            <a:r>
+              <a:rPr lang="en-US" altLang="zh-CN" b="1" smtClean="0">
+                <a:solidFill>
+                  <a:srgbClr val="5B9BD5"/>
+                </a:solidFill>
+              </a:rPr>
+              <a:t>c=b.c</a:t>
+            </a:r>
+          </a:p>
+        </p:txBody>
+      </p:sp>
+      <p:sp>
+        <p:nvSpPr>
+          <p:cNvPr id="12" name="矩形 11"/>
+          <p:cNvSpPr/>
+          <p:nvPr/>
+        </p:nvSpPr>
+        <p:spPr>
+          <a:xfrm>
+            <a:off x="1254464" y="4938480"/>
+            <a:ext cx="5735782" cy="923330"/>
+          </a:xfrm>
+          <a:prstGeom prst="rect">
+            <a:avLst/>
+          </a:prstGeom>
+        </p:spPr>
+        <p:txBody>
+          <a:bodyPr wrap="square">
+            <a:spAutoFit/>
+          </a:bodyPr>
+          <a:lstStyle/>
+          <a:p>
+            <a:r>
+              <a:rPr lang="en-US" altLang="zh-CN" b="1">
+                <a:solidFill>
+                  <a:srgbClr val="5B9BD5"/>
+                </a:solidFill>
+              </a:rPr>
               <a:t>from a.b import c as </a:t>
             </a:r>
             <a:r>
-              <a:rPr lang="en-US" altLang="zh-CN" smtClean="0"/>
+              <a:rPr lang="en-US" altLang="zh-CN" b="1" smtClean="0">
+                <a:solidFill>
+                  <a:srgbClr val="5B9BD5"/>
+                </a:solidFill>
+              </a:rPr>
               <a:t>x</a:t>
             </a:r>
           </a:p>
           <a:p>
             <a:r>
-              <a:rPr lang="en-US" altLang="zh-CN" smtClean="0"/>
+              <a:rPr lang="en-US" altLang="zh-CN" b="1" smtClean="0">
+                <a:solidFill>
+                  <a:srgbClr val="5B9BD5"/>
+                </a:solidFill>
+              </a:rPr>
               <a:t>b=__</a:t>
             </a:r>
             <a:r>
-              <a:rPr lang="en-US" altLang="zh-CN"/>
-              <a:t>import__(“a.b”,globals(),locals(),[‘c</a:t>
-            </a:r>
-            <a:r>
-              <a:rPr lang="en-US" altLang="zh-CN"/>
-              <a:t>’],-</a:t>
-            </a:r>
-            <a:r>
-              <a:rPr lang="en-US" altLang="zh-CN" smtClean="0"/>
+              <a:rPr lang="en-US" altLang="zh-CN" b="1">
+                <a:solidFill>
+                  <a:srgbClr val="5B9BD5"/>
+                </a:solidFill>
+              </a:rPr>
+              <a:t>import__(“a.b”,globals(),locals(),[‘c’],-</a:t>
+            </a:r>
+            <a:r>
+              <a:rPr lang="en-US" altLang="zh-CN" b="1" smtClean="0">
+                <a:solidFill>
+                  <a:srgbClr val="5B9BD5"/>
+                </a:solidFill>
+              </a:rPr>
               <a:t>1)</a:t>
             </a:r>
           </a:p>
           <a:p>
             <a:r>
-              <a:rPr lang="en-US" altLang="zh-CN" smtClean="0"/>
+              <a:rPr lang="en-US" altLang="zh-CN" b="1" smtClean="0">
+                <a:solidFill>
+                  <a:srgbClr val="5B9BD5"/>
+                </a:solidFill>
+              </a:rPr>
               <a:t>x=b.c</a:t>
             </a:r>
-            <a:endParaRPr lang="en-US" altLang="zh-CN"/>
+            <a:endParaRPr lang="en-US" altLang="zh-CN" b="1">
+              <a:solidFill>
+                <a:srgbClr val="5B9BD5"/>
+              </a:solidFill>
+            </a:endParaRPr>
+          </a:p>
+        </p:txBody>
+      </p:sp>
+      <p:sp>
+        <p:nvSpPr>
+          <p:cNvPr id="5" name="矩形 4"/>
+          <p:cNvSpPr/>
+          <p:nvPr/>
+        </p:nvSpPr>
+        <p:spPr>
+          <a:xfrm>
+            <a:off x="503296" y="554703"/>
+            <a:ext cx="2169184" cy="584775"/>
+          </a:xfrm>
+          <a:prstGeom prst="rect">
+            <a:avLst/>
+          </a:prstGeom>
+        </p:spPr>
+        <p:txBody>
+          <a:bodyPr wrap="none">
+            <a:spAutoFit/>
+          </a:bodyPr>
+          <a:lstStyle/>
+          <a:p>
+            <a:pPr algn="ctr"/>
+            <a:r>
+              <a:rPr lang="en-US" altLang="zh-CN" sz="3200" b="1" smtClean="0">
+                <a:solidFill>
+                  <a:srgbClr val="5B9BD5"/>
+                </a:solidFill>
+              </a:rPr>
+              <a:t>__import__</a:t>
+            </a:r>
+            <a:endParaRPr lang="zh-CN" altLang="en-US" sz="3200" b="1">
+              <a:solidFill>
+                <a:srgbClr val="5B9BD5"/>
+              </a:solidFill>
+            </a:endParaRPr>
           </a:p>
         </p:txBody>
       </p:sp>
@@ -16012,7 +16851,7 @@
         </p:nvSpPr>
         <p:spPr>
           <a:xfrm>
-            <a:off x="521435" y="473788"/>
+            <a:off x="1042868" y="1734589"/>
             <a:ext cx="5735782" cy="1200329"/>
           </a:xfrm>
           <a:prstGeom prst="rect">
@@ -16026,46 +16865,78 @@
           <a:lstStyle/>
           <a:p>
             <a:r>
-              <a:rPr lang="en-US" altLang="zh-CN"/>
+              <a:rPr lang="en-US" altLang="zh-CN" b="1">
+                <a:solidFill>
+                  <a:srgbClr val="5B9BD5"/>
+                </a:solidFill>
+              </a:rPr>
               <a:t>from </a:t>
             </a:r>
             <a:r>
-              <a:rPr lang="en-US" altLang="zh-CN" smtClean="0"/>
+              <a:rPr lang="en-US" altLang="zh-CN" b="1" smtClean="0">
+                <a:solidFill>
+                  <a:srgbClr val="5B9BD5"/>
+                </a:solidFill>
+              </a:rPr>
               <a:t>a </a:t>
             </a:r>
             <a:r>
-              <a:rPr lang="en-US" altLang="zh-CN"/>
+              <a:rPr lang="en-US" altLang="zh-CN" b="1">
+                <a:solidFill>
+                  <a:srgbClr val="5B9BD5"/>
+                </a:solidFill>
+              </a:rPr>
               <a:t>import </a:t>
             </a:r>
             <a:r>
-              <a:rPr lang="en-US" altLang="zh-CN" smtClean="0"/>
+              <a:rPr lang="en-US" altLang="zh-CN" b="1" smtClean="0">
+                <a:solidFill>
+                  <a:srgbClr val="5B9BD5"/>
+                </a:solidFill>
+              </a:rPr>
               <a:t>*</a:t>
             </a:r>
           </a:p>
           <a:p>
             <a:r>
-              <a:rPr lang="en-US" altLang="zh-CN" smtClean="0"/>
+              <a:rPr lang="en-US" altLang="zh-CN" b="1" smtClean="0">
+                <a:solidFill>
+                  <a:srgbClr val="5B9BD5"/>
+                </a:solidFill>
+              </a:rPr>
               <a:t>a=__</a:t>
             </a:r>
             <a:r>
-              <a:rPr lang="en-US" altLang="zh-CN"/>
-              <a:t>import__(“a”,globals(),locals(),[‘*’],-1</a:t>
-            </a:r>
-            <a:r>
-              <a:rPr lang="en-US" altLang="zh-CN"/>
-              <a:t>) </a:t>
-            </a:r>
-            <a:endParaRPr lang="en-US" altLang="zh-CN" smtClean="0"/>
-          </a:p>
-          <a:p>
-            <a:r>
-              <a:rPr lang="en-US" altLang="zh-CN" smtClean="0"/>
+              <a:rPr lang="en-US" altLang="zh-CN" b="1">
+                <a:solidFill>
+                  <a:srgbClr val="5B9BD5"/>
+                </a:solidFill>
+              </a:rPr>
+              <a:t>import__(“a”,globals(),locals(),[‘*’],-1) </a:t>
+            </a:r>
+            <a:endParaRPr lang="en-US" altLang="zh-CN" b="1" smtClean="0">
+              <a:solidFill>
+                <a:srgbClr val="5B9BD5"/>
+              </a:solidFill>
+            </a:endParaRPr>
+          </a:p>
+          <a:p>
+            <a:r>
+              <a:rPr lang="en-US" altLang="zh-CN" b="1" smtClean="0">
+                <a:solidFill>
+                  <a:srgbClr val="5B9BD5"/>
+                </a:solidFill>
+              </a:rPr>
               <a:t>a1=a.a1</a:t>
             </a:r>
           </a:p>
           <a:p>
             <a:r>
-              <a:rPr lang="en-US" altLang="zh-CN" smtClean="0"/>
+              <a:rPr lang="en-US" altLang="zh-CN" b="1" smtClean="0">
+                <a:solidFill>
+                  <a:srgbClr val="5B9BD5"/>
+                </a:solidFill>
+              </a:rPr>
               <a:t>a2=a.a2 ……</a:t>
             </a:r>
           </a:p>
@@ -16079,7 +16950,7 @@
         </p:nvSpPr>
         <p:spPr>
           <a:xfrm>
-            <a:off x="702803" y="2229400"/>
+            <a:off x="1042868" y="4745809"/>
             <a:ext cx="5735782" cy="923330"/>
           </a:xfrm>
           <a:prstGeom prst="rect">
@@ -16093,59 +16964,99 @@
           <a:lstStyle/>
           <a:p>
             <a:r>
-              <a:rPr lang="en-US" altLang="zh-CN"/>
+              <a:rPr lang="en-US" altLang="zh-CN" b="1">
+                <a:solidFill>
+                  <a:srgbClr val="5B9BD5"/>
+                </a:solidFill>
+              </a:rPr>
               <a:t>from </a:t>
             </a:r>
             <a:r>
-              <a:rPr lang="en-US" altLang="zh-CN" smtClean="0"/>
+              <a:rPr lang="en-US" altLang="zh-CN" b="1" smtClean="0">
+                <a:solidFill>
+                  <a:srgbClr val="5B9BD5"/>
+                </a:solidFill>
+              </a:rPr>
               <a:t>..a </a:t>
             </a:r>
             <a:r>
-              <a:rPr lang="en-US" altLang="zh-CN"/>
-              <a:t>import </a:t>
-            </a:r>
-            <a:r>
-              <a:rPr lang="en-US" altLang="zh-CN"/>
+              <a:rPr lang="en-US" altLang="zh-CN" b="1">
+                <a:solidFill>
+                  <a:srgbClr val="5B9BD5"/>
+                </a:solidFill>
+              </a:rPr>
+              <a:t>import b</a:t>
+            </a:r>
+            <a:endParaRPr lang="en-US" altLang="zh-CN" b="1" smtClean="0">
+              <a:solidFill>
+                <a:srgbClr val="5B9BD5"/>
+              </a:solidFill>
+            </a:endParaRPr>
+          </a:p>
+          <a:p>
+            <a:r>
+              <a:rPr lang="en-US" altLang="zh-CN" b="1" smtClean="0">
+                <a:solidFill>
+                  <a:srgbClr val="5B9BD5"/>
+                </a:solidFill>
+              </a:rPr>
+              <a:t>a=__</a:t>
+            </a:r>
+            <a:r>
+              <a:rPr lang="en-US" altLang="zh-CN" b="1">
+                <a:solidFill>
+                  <a:srgbClr val="5B9BD5"/>
+                </a:solidFill>
+              </a:rPr>
+              <a:t>import</a:t>
+            </a:r>
+            <a:r>
+              <a:rPr lang="en-US" altLang="zh-CN" b="1" smtClean="0">
+                <a:solidFill>
+                  <a:srgbClr val="5B9BD5"/>
+                </a:solidFill>
+              </a:rPr>
+              <a:t>__(“a”,</a:t>
+            </a:r>
+            <a:r>
+              <a:rPr lang="en-US" altLang="zh-CN" b="1">
+                <a:solidFill>
+                  <a:srgbClr val="5B9BD5"/>
+                </a:solidFill>
+              </a:rPr>
+              <a:t>globals(),locals</a:t>
+            </a:r>
+            <a:r>
+              <a:rPr lang="en-US" altLang="zh-CN" b="1" smtClean="0">
+                <a:solidFill>
+                  <a:srgbClr val="5B9BD5"/>
+                </a:solidFill>
+              </a:rPr>
+              <a:t>(),[‘b’],2)</a:t>
+            </a:r>
+          </a:p>
+          <a:p>
+            <a:r>
+              <a:rPr lang="en-US" altLang="zh-CN" b="1">
+                <a:solidFill>
+                  <a:srgbClr val="5B9BD5"/>
+                </a:solidFill>
+              </a:rPr>
               <a:t>b</a:t>
             </a:r>
-            <a:endParaRPr lang="en-US" altLang="zh-CN" smtClean="0"/>
-          </a:p>
-          <a:p>
-            <a:r>
-              <a:rPr lang="en-US" altLang="zh-CN" smtClean="0"/>
-              <a:t>a=__</a:t>
-            </a:r>
-            <a:r>
-              <a:rPr lang="en-US" altLang="zh-CN"/>
-              <a:t>import</a:t>
-            </a:r>
-            <a:r>
-              <a:rPr lang="en-US" altLang="zh-CN" smtClean="0"/>
-              <a:t>__(“a”,</a:t>
-            </a:r>
-            <a:r>
-              <a:rPr lang="en-US" altLang="zh-CN"/>
-              <a:t>globals(),</a:t>
-            </a:r>
-            <a:r>
-              <a:rPr lang="en-US" altLang="zh-CN"/>
-              <a:t>locals</a:t>
-            </a:r>
-            <a:r>
-              <a:rPr lang="en-US" altLang="zh-CN" smtClean="0"/>
-              <a:t>(),[‘b’],2)</a:t>
-            </a:r>
-          </a:p>
-          <a:p>
-            <a:r>
-              <a:rPr lang="en-US" altLang="zh-CN"/>
-              <a:t>b</a:t>
-            </a:r>
-            <a:r>
-              <a:rPr lang="en-US" altLang="zh-CN" smtClean="0"/>
+            <a:r>
+              <a:rPr lang="en-US" altLang="zh-CN" b="1" smtClean="0">
+                <a:solidFill>
+                  <a:srgbClr val="5B9BD5"/>
+                </a:solidFill>
+              </a:rPr>
               <a:t>=a.b</a:t>
             </a:r>
-            <a:endParaRPr lang="en-US" altLang="zh-CN"/>
+            <a:endParaRPr lang="en-US" altLang="zh-CN" b="1">
+              <a:solidFill>
+                <a:srgbClr val="5B9BD5"/>
+              </a:solidFill>
+            </a:endParaRPr>
           </a:p>
         </p:txBody>
       </p:sp>
@@ -16157,7 +17068,7 @@
         </p:nvSpPr>
         <p:spPr>
           <a:xfrm>
-            <a:off x="5735782" y="788792"/>
+            <a:off x="5463726" y="1830811"/>
             <a:ext cx="1405607" cy="570319"/>
           </a:xfrm>
           <a:prstGeom prst="cloud">
@@ -16201,7 +17112,7 @@
         </p:nvSpPr>
         <p:spPr>
           <a:xfrm>
-            <a:off x="6257217" y="1629234"/>
+            <a:off x="4247045" y="2631493"/>
             <a:ext cx="1617203" cy="570319"/>
           </a:xfrm>
           <a:prstGeom prst="cloud">
@@ -16245,8 +17156,8 @@
         </p:nvSpPr>
         <p:spPr>
           <a:xfrm>
-            <a:off x="4821382" y="3152730"/>
-            <a:ext cx="1617203" cy="570319"/>
+            <a:off x="5108548" y="5149157"/>
+            <a:ext cx="1617203" cy="807151"/>
           </a:xfrm>
           <a:prstGeom prst="cloud">
             <a:avLst/>
@@ -16282,21 +17193,34 @@
             <a:pPr algn="ctr"/>
             <a:r>
               <a:rPr lang="en-US" altLang="zh-CN" smtClean="0"/>
-              <a:t>c/d</a:t>
-            </a:r>
+              <a:t>c/</a:t>
+            </a:r>
+            <a:r>
+              <a:rPr lang="en-US" altLang="zh-CN" sz="2000" b="1" smtClean="0">
+                <a:solidFill>
+                  <a:schemeClr val="bg1"/>
+                </a:solidFill>
+              </a:rPr>
+              <a:t>d</a:t>
+            </a:r>
+            <a:endParaRPr lang="en-US" altLang="zh-CN" sz="2000" b="1" smtClean="0">
+              <a:solidFill>
+                <a:schemeClr val="bg1"/>
+              </a:solidFill>
+            </a:endParaRPr>
           </a:p>
         </p:txBody>
       </p:sp>
       <p:sp>
         <p:nvSpPr>
-          <p:cNvPr id="3" name="矩形 2"/>
+          <p:cNvPr id="9" name="矩形 8"/>
           <p:cNvSpPr/>
           <p:nvPr/>
         </p:nvSpPr>
         <p:spPr>
           <a:xfrm>
-            <a:off x="3389326" y="3891394"/>
-            <a:ext cx="2290820" cy="369332"/>
+            <a:off x="503296" y="554703"/>
+            <a:ext cx="2169184" cy="584775"/>
           </a:xfrm>
           <a:prstGeom prst="rect">
             <a:avLst/>
@@ -16308,15 +17232,20 @@
           </a:bodyPr>
           <a:lstStyle/>
           <a:p>
-            <a:r>
-              <a:rPr lang="en-US" altLang="zh-CN" smtClean="0"/>
-              <a:t>level </a:t>
-            </a:r>
-            <a:r>
-              <a:rPr lang="zh-CN" altLang="en-US" smtClean="0"/>
-              <a:t>相对当前多少层</a:t>
-            </a:r>
-            <a:endParaRPr lang="en-US" altLang="zh-CN"/>
+            <a:pPr algn="ctr"/>
+            <a:r>
+              <a:rPr lang="en-US" altLang="zh-CN" sz="3200" b="1" smtClean="0">
+                <a:solidFill>
+                  <a:srgbClr val="5B9BD5"/>
+                </a:solidFill>
+              </a:rPr>
+              <a:t>__import__</a:t>
+            </a:r>
+            <a:endParaRPr lang="zh-CN" altLang="en-US" sz="3200" b="1">
+              <a:solidFill>
+                <a:srgbClr val="5B9BD5"/>
+              </a:solidFill>
+            </a:endParaRPr>
           </a:p>
         </p:txBody>
       </p:sp>
@@ -16359,14 +17288,14 @@
       </p:grpSpPr>
       <p:sp>
         <p:nvSpPr>
-          <p:cNvPr id="3" name="矩形 2"/>
+          <p:cNvPr id="9" name="矩形 8"/>
           <p:cNvSpPr/>
           <p:nvPr/>
         </p:nvSpPr>
         <p:spPr>
           <a:xfrm>
-            <a:off x="268000" y="260065"/>
-            <a:ext cx="877163" cy="369332"/>
+            <a:off x="503296" y="554703"/>
+            <a:ext cx="2169184" cy="584775"/>
           </a:xfrm>
           <a:prstGeom prst="rect">
             <a:avLst/>
@@ -16378,24 +17307,204 @@
           </a:bodyPr>
           <a:lstStyle/>
           <a:p>
-            <a:r>
-              <a:rPr lang="zh-CN" altLang="en-US"/>
-              <a:t>热更新</a:t>
-            </a:r>
-            <a:endParaRPr lang="en-US" altLang="zh-CN"/>
+            <a:pPr algn="ctr"/>
+            <a:r>
+              <a:rPr lang="en-US" altLang="zh-CN" sz="3200" b="1" smtClean="0">
+                <a:solidFill>
+                  <a:srgbClr val="5B9BD5"/>
+                </a:solidFill>
+              </a:rPr>
+              <a:t>__import__</a:t>
+            </a:r>
+            <a:endParaRPr lang="zh-CN" altLang="en-US" sz="3200" b="1">
+              <a:solidFill>
+                <a:srgbClr val="5B9BD5"/>
+              </a:solidFill>
+            </a:endParaRPr>
           </a:p>
         </p:txBody>
       </p:sp>
       <p:sp>
         <p:nvSpPr>
-          <p:cNvPr id="4" name="矩形 3"/>
+          <p:cNvPr id="15" name="矩形 14"/>
           <p:cNvSpPr/>
           <p:nvPr/>
         </p:nvSpPr>
         <p:spPr>
           <a:xfrm>
-            <a:off x="412426" y="999898"/>
-            <a:ext cx="870944" cy="369332"/>
+            <a:off x="503296" y="2660003"/>
+            <a:ext cx="6257218" cy="369332"/>
+          </a:xfrm>
+          <a:prstGeom prst="rect">
+            <a:avLst/>
+          </a:prstGeom>
+        </p:spPr>
+        <p:txBody>
+          <a:bodyPr wrap="square">
+            <a:spAutoFit/>
+          </a:bodyPr>
+          <a:lstStyle/>
+          <a:p>
+            <a:r>
+              <a:rPr lang="en-US" altLang="zh-CN" b="1" smtClean="0">
+                <a:solidFill>
+                  <a:srgbClr val="5B9BD5"/>
+                </a:solidFill>
+              </a:rPr>
+              <a:t>mod=MyImport(sMod)</a:t>
+            </a:r>
+            <a:endParaRPr lang="en-US" altLang="zh-CN" b="1">
+              <a:solidFill>
+                <a:srgbClr val="5B9BD5"/>
+              </a:solidFill>
+            </a:endParaRPr>
+          </a:p>
+        </p:txBody>
+      </p:sp>
+    </p:spTree>
+    <p:extLst>
+      <p:ext uri="{BB962C8B-B14F-4D97-AF65-F5344CB8AC3E}">
+        <p14:creationId xmlns:p14="http://schemas.microsoft.com/office/powerpoint/2010/main" val="2417493599"/>
+      </p:ext>
+    </p:extLst>
+  </p:cSld>
+  <p:clrMapOvr>
+    <a:masterClrMapping/>
+  </p:clrMapOvr>
+  <p:timing>
+    <p:tnLst>
+      <p:par>
+        <p:cTn id="1" dur="indefinite" restart="never" nodeType="tmRoot"/>
+      </p:par>
+    </p:tnLst>
+  </p:timing>
+</p:sld>
+</file>
+
+<file path=ppt/slides/slide24.xml><?xml version="1.0" encoding="utf-8"?>
+<p:sld xmlns:a="http://schemas.openxmlformats.org/drawingml/2006/main" xmlns:r="http://schemas.openxmlformats.org/officeDocument/2006/relationships" xmlns:p="http://schemas.openxmlformats.org/presentationml/2006/main">
+  <p:cSld>
+    <p:spTree>
+      <p:nvGrpSpPr>
+        <p:cNvPr id="1" name=""/>
+        <p:cNvGrpSpPr/>
+        <p:nvPr/>
+      </p:nvGrpSpPr>
+      <p:grpSpPr>
+        <a:xfrm>
+          <a:off x="0" y="0"/>
+          <a:ext cx="0" cy="0"/>
+          <a:chOff x="0" y="0"/>
+          <a:chExt cx="0" cy="0"/>
+        </a:xfrm>
+      </p:grpSpPr>
+      <p:sp>
+        <p:nvSpPr>
+          <p:cNvPr id="12" name="矩形 11"/>
+          <p:cNvSpPr/>
+          <p:nvPr/>
+        </p:nvSpPr>
+        <p:spPr>
+          <a:xfrm>
+            <a:off x="503296" y="1712558"/>
+            <a:ext cx="6257218" cy="923330"/>
+          </a:xfrm>
+          <a:prstGeom prst="rect">
+            <a:avLst/>
+          </a:prstGeom>
+        </p:spPr>
+        <p:txBody>
+          <a:bodyPr wrap="square">
+            <a:spAutoFit/>
+          </a:bodyPr>
+          <a:lstStyle/>
+          <a:p>
+            <a:r>
+              <a:rPr lang="en-US" altLang="zh-CN" b="1" smtClean="0">
+                <a:solidFill>
+                  <a:srgbClr val="5B9BD5"/>
+                </a:solidFill>
+              </a:rPr>
+              <a:t>def MyImport(sMod):</a:t>
+            </a:r>
+          </a:p>
+          <a:p>
+            <a:r>
+              <a:rPr lang="en-US" altLang="zh-CN" b="1">
+                <a:solidFill>
+                  <a:srgbClr val="5B9BD5"/>
+                </a:solidFill>
+              </a:rPr>
+              <a:t> </a:t>
+            </a:r>
+            <a:r>
+              <a:rPr lang="en-US" altLang="zh-CN" b="1" smtClean="0">
+                <a:solidFill>
+                  <a:srgbClr val="5B9BD5"/>
+                </a:solidFill>
+              </a:rPr>
+              <a:t>   </a:t>
+            </a:r>
+            <a:r>
+              <a:rPr lang="en-US" altLang="zh-CN" b="1">
+                <a:solidFill>
+                  <a:srgbClr val="5B9BD5"/>
+                </a:solidFill>
+              </a:rPr>
+              <a:t>exec(“import %s”%</a:t>
+            </a:r>
+            <a:r>
+              <a:rPr lang="en-US" altLang="zh-CN" b="1">
+                <a:solidFill>
+                  <a:srgbClr val="5B9BD5"/>
+                </a:solidFill>
+              </a:rPr>
+              <a:t>sMod</a:t>
+            </a:r>
+            <a:r>
+              <a:rPr lang="en-US" altLang="zh-CN" b="1" smtClean="0">
+                <a:solidFill>
+                  <a:srgbClr val="5B9BD5"/>
+                </a:solidFill>
+              </a:rPr>
+              <a:t>)</a:t>
+            </a:r>
+          </a:p>
+          <a:p>
+            <a:r>
+              <a:rPr lang="en-US" altLang="zh-CN" b="1">
+                <a:solidFill>
+                  <a:srgbClr val="5B9BD5"/>
+                </a:solidFill>
+              </a:rPr>
+              <a:t> </a:t>
+            </a:r>
+            <a:r>
+              <a:rPr lang="en-US" altLang="zh-CN" b="1" smtClean="0">
+                <a:solidFill>
+                  <a:srgbClr val="5B9BD5"/>
+                </a:solidFill>
+              </a:rPr>
+              <a:t>   return eval(sMod)</a:t>
+            </a:r>
+            <a:endParaRPr lang="en-US" altLang="zh-CN" b="1">
+              <a:solidFill>
+                <a:srgbClr val="5B9BD5"/>
+              </a:solidFill>
+            </a:endParaRPr>
+          </a:p>
+        </p:txBody>
+      </p:sp>
+      <p:sp>
+        <p:nvSpPr>
+          <p:cNvPr id="9" name="矩形 8"/>
+          <p:cNvSpPr/>
+          <p:nvPr/>
+        </p:nvSpPr>
+        <p:spPr>
+          <a:xfrm>
+            <a:off x="503296" y="554703"/>
+            <a:ext cx="2169184" cy="584775"/>
           </a:xfrm>
           <a:prstGeom prst="rect">
             <a:avLst/>
@@ -16407,26 +17516,568 @@
           </a:bodyPr>
           <a:lstStyle/>
           <a:p>
-            <a:r>
-              <a:rPr lang="en-US" altLang="zh-CN">
-                <a:latin typeface="Open Sans" panose="020B0606030504020204" pitchFamily="34" charset="0"/>
-              </a:rPr>
-              <a:t>reload</a:t>
-            </a:r>
-            <a:endParaRPr lang="zh-CN" altLang="en-US"/>
+            <a:pPr algn="ctr"/>
+            <a:r>
+              <a:rPr lang="en-US" altLang="zh-CN" sz="3200" b="1" smtClean="0">
+                <a:solidFill>
+                  <a:srgbClr val="5B9BD5"/>
+                </a:solidFill>
+              </a:rPr>
+              <a:t>__import__</a:t>
+            </a:r>
+            <a:endParaRPr lang="zh-CN" altLang="en-US" sz="3200" b="1">
+              <a:solidFill>
+                <a:srgbClr val="5B9BD5"/>
+              </a:solidFill>
+            </a:endParaRPr>
           </a:p>
         </p:txBody>
       </p:sp>
       <p:sp>
         <p:nvSpPr>
-          <p:cNvPr id="6" name="流程图: 可选过程 5"/>
+          <p:cNvPr id="10" name="矩形 9"/>
           <p:cNvSpPr/>
           <p:nvPr/>
         </p:nvSpPr>
         <p:spPr>
           <a:xfrm>
-            <a:off x="594647" y="2124311"/>
-            <a:ext cx="1749541" cy="479644"/>
+            <a:off x="503296" y="4146713"/>
+            <a:ext cx="6257218" cy="923330"/>
+          </a:xfrm>
+          <a:prstGeom prst="rect">
+            <a:avLst/>
+          </a:prstGeom>
+        </p:spPr>
+        <p:txBody>
+          <a:bodyPr wrap="square">
+            <a:spAutoFit/>
+          </a:bodyPr>
+          <a:lstStyle/>
+          <a:p>
+            <a:r>
+              <a:rPr lang="en-US" altLang="zh-CN" b="1" smtClean="0">
+                <a:solidFill>
+                  <a:srgbClr val="5B9BD5"/>
+                </a:solidFill>
+              </a:rPr>
+              <a:t>def MyImport(sMod):</a:t>
+            </a:r>
+          </a:p>
+          <a:p>
+            <a:r>
+              <a:rPr lang="en-US" altLang="zh-CN" b="1">
+                <a:solidFill>
+                  <a:srgbClr val="5B9BD5"/>
+                </a:solidFill>
+              </a:rPr>
+              <a:t> </a:t>
+            </a:r>
+            <a:r>
+              <a:rPr lang="en-US" altLang="zh-CN" b="1" smtClean="0">
+                <a:solidFill>
+                  <a:srgbClr val="5B9BD5"/>
+                </a:solidFill>
+              </a:rPr>
+              <a:t>   __</a:t>
+            </a:r>
+            <a:r>
+              <a:rPr lang="en-US" altLang="zh-CN" b="1">
+                <a:solidFill>
+                  <a:srgbClr val="5B9BD5"/>
+                </a:solidFill>
+              </a:rPr>
+              <a:t>import__(sMod,globals(),</a:t>
+            </a:r>
+            <a:r>
+              <a:rPr lang="en-US" altLang="zh-CN" b="1">
+                <a:solidFill>
+                  <a:srgbClr val="5B9BD5"/>
+                </a:solidFill>
+              </a:rPr>
+              <a:t>locals</a:t>
+            </a:r>
+            <a:r>
+              <a:rPr lang="en-US" altLang="zh-CN" b="1" smtClean="0">
+                <a:solidFill>
+                  <a:srgbClr val="5B9BD5"/>
+                </a:solidFill>
+              </a:rPr>
+              <a:t>(),None,-</a:t>
+            </a:r>
+            <a:r>
+              <a:rPr lang="en-US" altLang="zh-CN" b="1">
+                <a:solidFill>
+                  <a:srgbClr val="5B9BD5"/>
+                </a:solidFill>
+              </a:rPr>
+              <a:t>1</a:t>
+            </a:r>
+            <a:r>
+              <a:rPr lang="en-US" altLang="zh-CN" b="1" smtClean="0">
+                <a:solidFill>
+                  <a:srgbClr val="5B9BD5"/>
+                </a:solidFill>
+              </a:rPr>
+              <a:t>)</a:t>
+            </a:r>
+          </a:p>
+          <a:p>
+            <a:r>
+              <a:rPr lang="en-US" altLang="zh-CN" b="1">
+                <a:solidFill>
+                  <a:srgbClr val="5B9BD5"/>
+                </a:solidFill>
+              </a:rPr>
+              <a:t> </a:t>
+            </a:r>
+            <a:r>
+              <a:rPr lang="en-US" altLang="zh-CN" b="1" smtClean="0">
+                <a:solidFill>
+                  <a:srgbClr val="5B9BD5"/>
+                </a:solidFill>
+              </a:rPr>
+              <a:t>   return sys.modules[sMod]</a:t>
+            </a:r>
+            <a:endParaRPr lang="en-US" altLang="zh-CN" b="1">
+              <a:solidFill>
+                <a:srgbClr val="5B9BD5"/>
+              </a:solidFill>
+            </a:endParaRPr>
+          </a:p>
+        </p:txBody>
+      </p:sp>
+      <p:sp>
+        <p:nvSpPr>
+          <p:cNvPr id="16" name="矩形 15"/>
+          <p:cNvSpPr/>
+          <p:nvPr/>
+        </p:nvSpPr>
+        <p:spPr>
+          <a:xfrm>
+            <a:off x="503296" y="5456653"/>
+            <a:ext cx="6257218" cy="646331"/>
+          </a:xfrm>
+          <a:prstGeom prst="rect">
+            <a:avLst/>
+          </a:prstGeom>
+        </p:spPr>
+        <p:txBody>
+          <a:bodyPr wrap="square">
+            <a:spAutoFit/>
+          </a:bodyPr>
+          <a:lstStyle/>
+          <a:p>
+            <a:r>
+              <a:rPr lang="en-US" altLang="zh-CN" b="1" smtClean="0">
+                <a:solidFill>
+                  <a:srgbClr val="5B9BD5"/>
+                </a:solidFill>
+              </a:rPr>
+              <a:t>def MyImport(sMod):</a:t>
+            </a:r>
+          </a:p>
+          <a:p>
+            <a:r>
+              <a:rPr lang="en-US" altLang="zh-CN" b="1">
+                <a:solidFill>
+                  <a:srgbClr val="5B9BD5"/>
+                </a:solidFill>
+              </a:rPr>
+              <a:t> </a:t>
+            </a:r>
+            <a:r>
+              <a:rPr lang="en-US" altLang="zh-CN" b="1" smtClean="0">
+                <a:solidFill>
+                  <a:srgbClr val="5B9BD5"/>
+                </a:solidFill>
+              </a:rPr>
+              <a:t>   return __import__(sMod,globals(),locals(),[‘__name__’],-1) </a:t>
+            </a:r>
+            <a:endParaRPr lang="en-US" altLang="zh-CN" b="1">
+              <a:solidFill>
+                <a:srgbClr val="5B9BD5"/>
+              </a:solidFill>
+            </a:endParaRPr>
+          </a:p>
+        </p:txBody>
+      </p:sp>
+      <p:sp>
+        <p:nvSpPr>
+          <p:cNvPr id="17" name="矩形 16"/>
+          <p:cNvSpPr/>
+          <p:nvPr/>
+        </p:nvSpPr>
+        <p:spPr>
+          <a:xfrm>
+            <a:off x="503296" y="3113772"/>
+            <a:ext cx="6257218" cy="646331"/>
+          </a:xfrm>
+          <a:prstGeom prst="rect">
+            <a:avLst/>
+          </a:prstGeom>
+        </p:spPr>
+        <p:txBody>
+          <a:bodyPr wrap="square">
+            <a:spAutoFit/>
+          </a:bodyPr>
+          <a:lstStyle/>
+          <a:p>
+            <a:r>
+              <a:rPr lang="en-US" altLang="zh-CN" b="1" smtClean="0">
+                <a:solidFill>
+                  <a:srgbClr val="5B9BD5"/>
+                </a:solidFill>
+              </a:rPr>
+              <a:t>def MyImport(sMod):</a:t>
+            </a:r>
+          </a:p>
+          <a:p>
+            <a:r>
+              <a:rPr lang="en-US" altLang="zh-CN" b="1">
+                <a:solidFill>
+                  <a:srgbClr val="5B9BD5"/>
+                </a:solidFill>
+              </a:rPr>
+              <a:t> </a:t>
+            </a:r>
+            <a:r>
+              <a:rPr lang="en-US" altLang="zh-CN" b="1" smtClean="0">
+                <a:solidFill>
+                  <a:srgbClr val="5B9BD5"/>
+                </a:solidFill>
+              </a:rPr>
+              <a:t>   importlib.import_module(sMod</a:t>
+            </a:r>
+            <a:r>
+              <a:rPr lang="en-US" altLang="zh-CN" b="1">
+                <a:solidFill>
+                  <a:srgbClr val="5B9BD5"/>
+                </a:solidFill>
+              </a:rPr>
+              <a:t>)</a:t>
+            </a:r>
+          </a:p>
+        </p:txBody>
+      </p:sp>
+    </p:spTree>
+    <p:extLst>
+      <p:ext uri="{BB962C8B-B14F-4D97-AF65-F5344CB8AC3E}">
+        <p14:creationId xmlns:p14="http://schemas.microsoft.com/office/powerpoint/2010/main" val="328626302"/>
+      </p:ext>
+    </p:extLst>
+  </p:cSld>
+  <p:clrMapOvr>
+    <a:masterClrMapping/>
+  </p:clrMapOvr>
+  <p:timing>
+    <p:tnLst>
+      <p:par>
+        <p:cTn id="1" dur="indefinite" restart="never" nodeType="tmRoot"/>
+      </p:par>
+    </p:tnLst>
+  </p:timing>
+</p:sld>
+</file>
+
+<file path=ppt/slides/slide25.xml><?xml version="1.0" encoding="utf-8"?>
+<p:sld xmlns:a="http://schemas.openxmlformats.org/drawingml/2006/main" xmlns:r="http://schemas.openxmlformats.org/officeDocument/2006/relationships" xmlns:p="http://schemas.openxmlformats.org/presentationml/2006/main">
+  <p:cSld>
+    <p:spTree>
+      <p:nvGrpSpPr>
+        <p:cNvPr id="1" name=""/>
+        <p:cNvGrpSpPr/>
+        <p:nvPr/>
+      </p:nvGrpSpPr>
+      <p:grpSpPr>
+        <a:xfrm>
+          <a:off x="0" y="0"/>
+          <a:ext cx="0" cy="0"/>
+          <a:chOff x="0" y="0"/>
+          <a:chExt cx="0" cy="0"/>
+        </a:xfrm>
+      </p:grpSpPr>
+      <p:sp>
+        <p:nvSpPr>
+          <p:cNvPr id="9" name="矩形 8"/>
+          <p:cNvSpPr/>
+          <p:nvPr/>
+        </p:nvSpPr>
+        <p:spPr>
+          <a:xfrm>
+            <a:off x="877593" y="554703"/>
+            <a:ext cx="1420582" cy="584775"/>
+          </a:xfrm>
+          <a:prstGeom prst="rect">
+            <a:avLst/>
+          </a:prstGeom>
+        </p:spPr>
+        <p:txBody>
+          <a:bodyPr wrap="none">
+            <a:spAutoFit/>
+          </a:bodyPr>
+          <a:lstStyle/>
+          <a:p>
+            <a:pPr algn="ctr"/>
+            <a:r>
+              <a:rPr lang="zh-CN" altLang="en-US" sz="3200" b="1">
+                <a:solidFill>
+                  <a:srgbClr val="5B9BD5"/>
+                </a:solidFill>
+              </a:rPr>
+              <a:t>热</a:t>
+            </a:r>
+            <a:r>
+              <a:rPr lang="zh-CN" altLang="en-US" sz="3200" b="1" smtClean="0">
+                <a:solidFill>
+                  <a:srgbClr val="5B9BD5"/>
+                </a:solidFill>
+              </a:rPr>
+              <a:t>更新</a:t>
+            </a:r>
+            <a:endParaRPr lang="zh-CN" altLang="en-US" sz="3200" b="1">
+              <a:solidFill>
+                <a:srgbClr val="5B9BD5"/>
+              </a:solidFill>
+            </a:endParaRPr>
+          </a:p>
+        </p:txBody>
+      </p:sp>
+      <p:sp>
+        <p:nvSpPr>
+          <p:cNvPr id="7" name="矩形 6"/>
+          <p:cNvSpPr/>
+          <p:nvPr/>
+        </p:nvSpPr>
+        <p:spPr>
+          <a:xfrm>
+            <a:off x="877592" y="1614316"/>
+            <a:ext cx="6257218" cy="369332"/>
+          </a:xfrm>
+          <a:prstGeom prst="rect">
+            <a:avLst/>
+          </a:prstGeom>
+        </p:spPr>
+        <p:txBody>
+          <a:bodyPr wrap="square">
+            <a:spAutoFit/>
+          </a:bodyPr>
+          <a:lstStyle/>
+          <a:p>
+            <a:r>
+              <a:rPr lang="zh-CN" altLang="en-US" b="1" smtClean="0">
+                <a:solidFill>
+                  <a:srgbClr val="5B9BD5"/>
+                </a:solidFill>
+              </a:rPr>
+              <a:t>进程</a:t>
+            </a:r>
+            <a:r>
+              <a:rPr lang="zh-CN" altLang="en-US" b="1">
+                <a:solidFill>
+                  <a:srgbClr val="5B9BD5"/>
+                </a:solidFill>
+              </a:rPr>
+              <a:t>不</a:t>
+            </a:r>
+            <a:r>
+              <a:rPr lang="zh-CN" altLang="en-US" b="1">
+                <a:solidFill>
+                  <a:srgbClr val="5B9BD5"/>
+                </a:solidFill>
+              </a:rPr>
+              <a:t>重</a:t>
+            </a:r>
+            <a:r>
+              <a:rPr lang="zh-CN" altLang="en-US" b="1" smtClean="0">
+                <a:solidFill>
+                  <a:srgbClr val="5B9BD5"/>
+                </a:solidFill>
+              </a:rPr>
+              <a:t>启，代码更新</a:t>
+            </a:r>
+            <a:endParaRPr lang="en-US" altLang="zh-CN" b="1" smtClean="0">
+              <a:solidFill>
+                <a:srgbClr val="5B9BD5"/>
+              </a:solidFill>
+            </a:endParaRPr>
+          </a:p>
+        </p:txBody>
+      </p:sp>
+      <p:sp>
+        <p:nvSpPr>
+          <p:cNvPr id="2" name="矩形 1"/>
+          <p:cNvSpPr/>
+          <p:nvPr/>
+        </p:nvSpPr>
+        <p:spPr>
+          <a:xfrm>
+            <a:off x="877592" y="2620879"/>
+            <a:ext cx="2044149" cy="369332"/>
+          </a:xfrm>
+          <a:prstGeom prst="rect">
+            <a:avLst/>
+          </a:prstGeom>
+        </p:spPr>
+        <p:txBody>
+          <a:bodyPr wrap="none">
+            <a:spAutoFit/>
+          </a:bodyPr>
+          <a:lstStyle/>
+          <a:p>
+            <a:r>
+              <a:rPr lang="zh-CN" altLang="en-US" b="1">
+                <a:solidFill>
+                  <a:srgbClr val="5B9BD5"/>
+                </a:solidFill>
+              </a:rPr>
+              <a:t>开发期，提升效率</a:t>
+            </a:r>
+            <a:endParaRPr lang="zh-CN" altLang="en-US" b="1">
+              <a:solidFill>
+                <a:srgbClr val="5B9BD5"/>
+              </a:solidFill>
+            </a:endParaRPr>
+          </a:p>
+        </p:txBody>
+      </p:sp>
+      <p:sp>
+        <p:nvSpPr>
+          <p:cNvPr id="3" name="矩形 2"/>
+          <p:cNvSpPr/>
+          <p:nvPr/>
+        </p:nvSpPr>
+        <p:spPr>
+          <a:xfrm>
+            <a:off x="877592" y="3627442"/>
+            <a:ext cx="2044149" cy="369332"/>
+          </a:xfrm>
+          <a:prstGeom prst="rect">
+            <a:avLst/>
+          </a:prstGeom>
+        </p:spPr>
+        <p:txBody>
+          <a:bodyPr wrap="none">
+            <a:spAutoFit/>
+          </a:bodyPr>
+          <a:lstStyle/>
+          <a:p>
+            <a:r>
+              <a:rPr lang="zh-CN" altLang="en-US" b="1">
+                <a:solidFill>
+                  <a:srgbClr val="5B9BD5"/>
+                </a:solidFill>
+              </a:rPr>
+              <a:t>运维</a:t>
+            </a:r>
+            <a:r>
+              <a:rPr lang="zh-CN" altLang="en-US" b="1">
+                <a:solidFill>
+                  <a:srgbClr val="5B9BD5"/>
+                </a:solidFill>
+              </a:rPr>
+              <a:t>期</a:t>
+            </a:r>
+            <a:r>
+              <a:rPr lang="zh-CN" altLang="en-US" b="1" smtClean="0">
+                <a:solidFill>
+                  <a:srgbClr val="5B9BD5"/>
+                </a:solidFill>
+              </a:rPr>
+              <a:t>，维护成本</a:t>
+            </a:r>
+            <a:endParaRPr lang="zh-CN" altLang="en-US" b="1">
+              <a:solidFill>
+                <a:srgbClr val="5B9BD5"/>
+              </a:solidFill>
+            </a:endParaRPr>
+          </a:p>
+        </p:txBody>
+      </p:sp>
+    </p:spTree>
+    <p:extLst>
+      <p:ext uri="{BB962C8B-B14F-4D97-AF65-F5344CB8AC3E}">
+        <p14:creationId xmlns:p14="http://schemas.microsoft.com/office/powerpoint/2010/main" val="3037815770"/>
+      </p:ext>
+    </p:extLst>
+  </p:cSld>
+  <p:clrMapOvr>
+    <a:masterClrMapping/>
+  </p:clrMapOvr>
+  <p:timing>
+    <p:tnLst>
+      <p:par>
+        <p:cTn id="1" dur="indefinite" restart="never" nodeType="tmRoot"/>
+      </p:par>
+    </p:tnLst>
+  </p:timing>
+</p:sld>
+</file>
+
+<file path=ppt/slides/slide26.xml><?xml version="1.0" encoding="utf-8"?>
+<p:sld xmlns:a="http://schemas.openxmlformats.org/drawingml/2006/main" xmlns:r="http://schemas.openxmlformats.org/officeDocument/2006/relationships" xmlns:p="http://schemas.openxmlformats.org/presentationml/2006/main">
+  <p:cSld>
+    <p:spTree>
+      <p:nvGrpSpPr>
+        <p:cNvPr id="1" name=""/>
+        <p:cNvGrpSpPr/>
+        <p:nvPr/>
+      </p:nvGrpSpPr>
+      <p:grpSpPr>
+        <a:xfrm>
+          <a:off x="0" y="0"/>
+          <a:ext cx="0" cy="0"/>
+          <a:chOff x="0" y="0"/>
+          <a:chExt cx="0" cy="0"/>
+        </a:xfrm>
+      </p:grpSpPr>
+      <p:sp>
+        <p:nvSpPr>
+          <p:cNvPr id="12" name="矩形 11"/>
+          <p:cNvSpPr/>
+          <p:nvPr/>
+        </p:nvSpPr>
+        <p:spPr>
+          <a:xfrm>
+            <a:off x="949634" y="554703"/>
+            <a:ext cx="1276504" cy="584775"/>
+          </a:xfrm>
+          <a:prstGeom prst="rect">
+            <a:avLst/>
+          </a:prstGeom>
+        </p:spPr>
+        <p:txBody>
+          <a:bodyPr wrap="none">
+            <a:spAutoFit/>
+          </a:bodyPr>
+          <a:lstStyle/>
+          <a:p>
+            <a:pPr algn="ctr"/>
+            <a:r>
+              <a:rPr lang="en-US" altLang="zh-CN" sz="3200" b="1">
+                <a:solidFill>
+                  <a:srgbClr val="5B9BD5"/>
+                </a:solidFill>
+              </a:rPr>
+              <a:t>reload</a:t>
+            </a:r>
+            <a:endParaRPr lang="zh-CN" altLang="en-US" sz="3200" b="1">
+              <a:solidFill>
+                <a:srgbClr val="5B9BD5"/>
+              </a:solidFill>
+            </a:endParaRPr>
+          </a:p>
+        </p:txBody>
+      </p:sp>
+      <p:sp>
+        <p:nvSpPr>
+          <p:cNvPr id="14" name="流程图: 可选过程 13"/>
+          <p:cNvSpPr/>
+          <p:nvPr/>
+        </p:nvSpPr>
+        <p:spPr>
+          <a:xfrm>
+            <a:off x="3477030" y="2109533"/>
+            <a:ext cx="1487978" cy="479644"/>
           </a:xfrm>
           <a:prstGeom prst="flowChartAlternateProcess">
             <a:avLst/>
@@ -16454,8 +18105,8 @@
           <a:p>
             <a:pPr algn="ctr"/>
             <a:r>
-              <a:rPr lang="en-US" altLang="zh-CN"/>
-              <a:t>sys.modules</a:t>
+              <a:rPr lang="en-US" altLang="zh-CN" b="1"/>
+              <a:t>find_module</a:t>
             </a:r>
             <a:endParaRPr lang="zh-CN" altLang="en-US" b="1"/>
           </a:p>
@@ -16463,14 +18114,14 @@
       </p:sp>
       <p:sp>
         <p:nvSpPr>
-          <p:cNvPr id="7" name="流程图: 可选过程 6"/>
+          <p:cNvPr id="15" name="流程图: 可选过程 14"/>
           <p:cNvSpPr/>
           <p:nvPr/>
         </p:nvSpPr>
         <p:spPr>
           <a:xfrm>
-            <a:off x="594647" y="3038711"/>
-            <a:ext cx="1749541" cy="479644"/>
+            <a:off x="3477030" y="4065333"/>
+            <a:ext cx="1487978" cy="479644"/>
           </a:xfrm>
           <a:prstGeom prst="flowChartAlternateProcess">
             <a:avLst/>
@@ -16498,23 +18149,59 @@
           <a:p>
             <a:pPr algn="ctr"/>
             <a:r>
-              <a:rPr lang="en-US" altLang="zh-CN"/>
-              <a:t>find_module</a:t>
+              <a:rPr lang="en-US" altLang="zh-CN" b="1" smtClean="0"/>
+              <a:t>load_module</a:t>
             </a:r>
             <a:endParaRPr lang="zh-CN" altLang="en-US" b="1"/>
           </a:p>
         </p:txBody>
       </p:sp>
+      <p:cxnSp>
+        <p:nvCxnSpPr>
+          <p:cNvPr id="16" name="直接箭头连接符 15"/>
+          <p:cNvCxnSpPr>
+            <a:stCxn id="14" idx="2"/>
+            <a:endCxn id="15" idx="0"/>
+          </p:cNvCxnSpPr>
+          <p:nvPr/>
+        </p:nvCxnSpPr>
+        <p:spPr>
+          <a:xfrm>
+            <a:off x="4221019" y="2589177"/>
+            <a:ext cx="0" cy="1476156"/>
+          </a:xfrm>
+          <a:prstGeom prst="straightConnector1">
+            <a:avLst/>
+          </a:prstGeom>
+          <a:ln w="12700">
+            <a:tailEnd type="triangle"/>
+          </a:ln>
+        </p:spPr>
+        <p:style>
+          <a:lnRef idx="1">
+            <a:schemeClr val="accent1"/>
+          </a:lnRef>
+          <a:fillRef idx="0">
+            <a:schemeClr val="accent1"/>
+          </a:fillRef>
+          <a:effectRef idx="0">
+            <a:schemeClr val="accent1"/>
+          </a:effectRef>
+          <a:fontRef idx="minor">
+            <a:schemeClr val="tx1"/>
+          </a:fontRef>
+        </p:style>
+      </p:cxnSp>
       <p:sp>
         <p:nvSpPr>
-          <p:cNvPr id="8" name="流程图: 可选过程 7"/>
+          <p:cNvPr id="17" name="流程图: 可选过程 16"/>
           <p:cNvSpPr/>
           <p:nvPr/>
         </p:nvSpPr>
         <p:spPr>
           <a:xfrm>
-            <a:off x="594646" y="4202492"/>
-            <a:ext cx="1749541" cy="479644"/>
+            <a:off x="6001076" y="4065333"/>
+            <a:ext cx="1487978" cy="479644"/>
           </a:xfrm>
           <a:prstGeom prst="flowChartAlternateProcess">
             <a:avLst/>
@@ -16542,163 +18229,49 @@
           <a:p>
             <a:pPr algn="ctr"/>
             <a:r>
-              <a:rPr lang="en-US" altLang="zh-CN"/>
-              <a:t>load_module</a:t>
+              <a:rPr lang="en-US" altLang="zh-CN" b="1"/>
+              <a:t>md_dict</a:t>
             </a:r>
             <a:endParaRPr lang="zh-CN" altLang="en-US" b="1"/>
           </a:p>
         </p:txBody>
       </p:sp>
-      <p:sp>
-        <p:nvSpPr>
-          <p:cNvPr id="9" name="矩形 8"/>
-          <p:cNvSpPr/>
+      <p:cxnSp>
+        <p:nvCxnSpPr>
+          <p:cNvPr id="18" name="直接箭头连接符 17"/>
+          <p:cNvCxnSpPr>
+            <a:stCxn id="15" idx="3"/>
+            <a:endCxn id="17" idx="1"/>
+          </p:cNvCxnSpPr>
           <p:nvPr/>
-        </p:nvSpPr>
+        </p:nvCxnSpPr>
         <p:spPr>
           <a:xfrm>
-            <a:off x="3275214" y="769065"/>
-            <a:ext cx="4572000" cy="1200329"/>
+            <a:off x="4965008" y="4305155"/>
+            <a:ext cx="1036068" cy="0"/>
           </a:xfrm>
-          <a:prstGeom prst="rect">
+          <a:prstGeom prst="straightConnector1">
             <a:avLst/>
           </a:prstGeom>
+          <a:ln w="12700">
+            <a:tailEnd type="triangle"/>
+          </a:ln>
         </p:spPr>
-        <p:txBody>
-          <a:bodyPr>
-            <a:spAutoFit/>
-          </a:bodyPr>
-          <a:lstStyle/>
-          <a:p>
-            <a:r>
-              <a:rPr lang="zh-CN" altLang="en-US"/>
-              <a:t>typedef struct {</a:t>
-            </a:r>
-          </a:p>
-          <a:p>
-            <a:r>
-              <a:rPr lang="zh-CN" altLang="en-US"/>
-              <a:t>    PyObject_HEAD</a:t>
-            </a:r>
-          </a:p>
-          <a:p>
-            <a:r>
-              <a:rPr lang="zh-CN" altLang="en-US"/>
-              <a:t>    PyObject *md_dict;</a:t>
-            </a:r>
-          </a:p>
-          <a:p>
-            <a:r>
-              <a:rPr lang="zh-CN" altLang="en-US"/>
-              <a:t>} PyModuleObject</a:t>
-            </a:r>
-            <a:r>
-              <a:rPr lang="zh-CN" altLang="en-US" smtClean="0"/>
-              <a:t>;</a:t>
-            </a:r>
-            <a:endParaRPr lang="zh-CN" altLang="en-US"/>
-          </a:p>
-        </p:txBody>
-      </p:sp>
-      <p:sp>
-        <p:nvSpPr>
-          <p:cNvPr id="10" name="矩形 9"/>
-          <p:cNvSpPr/>
-          <p:nvPr/>
-        </p:nvSpPr>
-        <p:spPr>
-          <a:xfrm>
-            <a:off x="3275214" y="3002163"/>
-            <a:ext cx="4572000" cy="923330"/>
-          </a:xfrm>
-          <a:prstGeom prst="rect">
-            <a:avLst/>
-          </a:prstGeom>
-        </p:spPr>
-        <p:txBody>
-          <a:bodyPr>
-            <a:spAutoFit/>
-          </a:bodyPr>
-          <a:lstStyle/>
-          <a:p>
-            <a:r>
-              <a:rPr lang="en-US" altLang="zh-CN" smtClean="0"/>
-              <a:t>load</a:t>
-            </a:r>
-            <a:r>
-              <a:rPr lang="zh-CN" altLang="en-US" smtClean="0"/>
-              <a:t>就是填充字典的过过程</a:t>
-            </a:r>
-            <a:endParaRPr lang="en-US" altLang="zh-CN" smtClean="0"/>
-          </a:p>
-          <a:p>
-            <a:r>
-              <a:rPr lang="en-US" altLang="zh-CN" smtClean="0"/>
-              <a:t>reload</a:t>
-            </a:r>
-            <a:r>
-              <a:rPr lang="zh-CN" altLang="en-US" smtClean="0"/>
-              <a:t>时</a:t>
-            </a:r>
-            <a:r>
-              <a:rPr lang="en-US" altLang="zh-CN" smtClean="0"/>
-              <a:t>mod</a:t>
-            </a:r>
-            <a:r>
-              <a:rPr lang="zh-CN" altLang="en-US" smtClean="0"/>
-              <a:t>存在，就直接用旧的字典</a:t>
-            </a:r>
-            <a:endParaRPr lang="en-US" altLang="zh-CN" smtClean="0"/>
-          </a:p>
-          <a:p>
-            <a:r>
-              <a:rPr lang="zh-CN" altLang="en-US" smtClean="0"/>
-              <a:t>所以理论上是不会删的</a:t>
-            </a:r>
-            <a:endParaRPr lang="zh-CN" altLang="en-US"/>
-          </a:p>
-        </p:txBody>
-      </p:sp>
-      <p:sp>
-        <p:nvSpPr>
-          <p:cNvPr id="13" name="矩形 12"/>
-          <p:cNvSpPr/>
-          <p:nvPr/>
-        </p:nvSpPr>
-        <p:spPr>
-          <a:xfrm>
-            <a:off x="1145163" y="160693"/>
-            <a:ext cx="4572000" cy="923330"/>
-          </a:xfrm>
-          <a:prstGeom prst="rect">
-            <a:avLst/>
-          </a:prstGeom>
-        </p:spPr>
-        <p:txBody>
-          <a:bodyPr>
-            <a:spAutoFit/>
-          </a:bodyPr>
-          <a:lstStyle/>
-          <a:p>
-            <a:r>
-              <a:rPr lang="zh-CN" altLang="en-US"/>
-              <a:t>避免重启</a:t>
-            </a:r>
-          </a:p>
-          <a:p>
-            <a:r>
-              <a:rPr lang="zh-CN" altLang="en-US"/>
-              <a:t>开发期，提升效率</a:t>
-            </a:r>
-          </a:p>
-          <a:p>
-            <a:r>
-              <a:rPr lang="zh-CN" altLang="en-US"/>
-              <a:t>运维期，减少损失</a:t>
-            </a:r>
-          </a:p>
-        </p:txBody>
-      </p:sp>
+        <p:style>
+          <a:lnRef idx="1">
+            <a:schemeClr val="accent1"/>
+          </a:lnRef>
+          <a:fillRef idx="0">
+            <a:schemeClr val="accent1"/>
+          </a:fillRef>
+          <a:effectRef idx="0">
+            <a:schemeClr val="accent1"/>
+          </a:effectRef>
+          <a:fontRef idx="minor">
+            <a:schemeClr val="tx1"/>
+          </a:fontRef>
+        </p:style>
+      </p:cxnSp>
     </p:spTree>
     <p:extLst>
       <p:ext uri="{BB962C8B-B14F-4D97-AF65-F5344CB8AC3E}">
@@ -16712,14 +18285,307 @@
   <p:timing>
     <p:tnLst>
       <p:par>
-        <p:cTn id="1" dur="indefinite" restart="never" nodeType="tmRoot"/>
+        <p:cTn id="1" dur="indefinite" restart="never" nodeType="tmRoot">
+          <p:childTnLst>
+            <p:seq concurrent="1" nextAc="seek">
+              <p:cTn id="2" dur="indefinite" nodeType="mainSeq">
+                <p:childTnLst>
+                  <p:par>
+                    <p:cTn id="3" fill="hold">
+                      <p:stCondLst>
+                        <p:cond delay="indefinite"/>
+                      </p:stCondLst>
+                      <p:childTnLst>
+                        <p:par>
+                          <p:cTn id="4" fill="hold">
+                            <p:stCondLst>
+                              <p:cond delay="0"/>
+                            </p:stCondLst>
+                            <p:childTnLst>
+                              <p:par>
+                                <p:cTn id="5" presetID="22" presetClass="entr" presetSubtype="1" fill="hold" grpId="0" nodeType="clickEffect">
+                                  <p:stCondLst>
+                                    <p:cond delay="0"/>
+                                  </p:stCondLst>
+                                  <p:childTnLst>
+                                    <p:set>
+                                      <p:cBhvr>
+                                        <p:cTn id="6" dur="1" fill="hold">
+                                          <p:stCondLst>
+                                            <p:cond delay="0"/>
+                                          </p:stCondLst>
+                                        </p:cTn>
+                                        <p:tgtEl>
+                                          <p:spTgt spid="14"/>
+                                        </p:tgtEl>
+                                        <p:attrNameLst>
+                                          <p:attrName>style.visibility</p:attrName>
+                                        </p:attrNameLst>
+                                      </p:cBhvr>
+                                      <p:to>
+                                        <p:strVal val="visible"/>
+                                      </p:to>
+                                    </p:set>
+                                    <p:animEffect transition="in" filter="wipe(up)">
+                                      <p:cBhvr>
+                                        <p:cTn id="7" dur="500"/>
+                                        <p:tgtEl>
+                                          <p:spTgt spid="14"/>
+                                        </p:tgtEl>
+                                      </p:cBhvr>
+                                    </p:animEffect>
+                                  </p:childTnLst>
+                                </p:cTn>
+                              </p:par>
+                            </p:childTnLst>
+                          </p:cTn>
+                        </p:par>
+                      </p:childTnLst>
+                    </p:cTn>
+                  </p:par>
+                  <p:par>
+                    <p:cTn id="8" fill="hold">
+                      <p:stCondLst>
+                        <p:cond delay="indefinite"/>
+                      </p:stCondLst>
+                      <p:childTnLst>
+                        <p:par>
+                          <p:cTn id="9" fill="hold">
+                            <p:stCondLst>
+                              <p:cond delay="0"/>
+                            </p:stCondLst>
+                            <p:childTnLst>
+                              <p:par>
+                                <p:cTn id="10" presetID="22" presetClass="entr" presetSubtype="1" fill="hold" nodeType="clickEffect">
+                                  <p:stCondLst>
+                                    <p:cond delay="0"/>
+                                  </p:stCondLst>
+                                  <p:childTnLst>
+                                    <p:set>
+                                      <p:cBhvr>
+                                        <p:cTn id="11" dur="1" fill="hold">
+                                          <p:stCondLst>
+                                            <p:cond delay="0"/>
+                                          </p:stCondLst>
+                                        </p:cTn>
+                                        <p:tgtEl>
+                                          <p:spTgt spid="16"/>
+                                        </p:tgtEl>
+                                        <p:attrNameLst>
+                                          <p:attrName>style.visibility</p:attrName>
+                                        </p:attrNameLst>
+                                      </p:cBhvr>
+                                      <p:to>
+                                        <p:strVal val="visible"/>
+                                      </p:to>
+                                    </p:set>
+                                    <p:animEffect transition="in" filter="wipe(up)">
+                                      <p:cBhvr>
+                                        <p:cTn id="12" dur="500"/>
+                                        <p:tgtEl>
+                                          <p:spTgt spid="16"/>
+                                        </p:tgtEl>
+                                      </p:cBhvr>
+                                    </p:animEffect>
+                                  </p:childTnLst>
+                                </p:cTn>
+                              </p:par>
+                            </p:childTnLst>
+                          </p:cTn>
+                        </p:par>
+                      </p:childTnLst>
+                    </p:cTn>
+                  </p:par>
+                  <p:par>
+                    <p:cTn id="13" fill="hold">
+                      <p:stCondLst>
+                        <p:cond delay="indefinite"/>
+                      </p:stCondLst>
+                      <p:childTnLst>
+                        <p:par>
+                          <p:cTn id="14" fill="hold">
+                            <p:stCondLst>
+                              <p:cond delay="0"/>
+                            </p:stCondLst>
+                            <p:childTnLst>
+                              <p:par>
+                                <p:cTn id="15" presetID="22" presetClass="entr" presetSubtype="1" fill="hold" grpId="0" nodeType="clickEffect">
+                                  <p:stCondLst>
+                                    <p:cond delay="0"/>
+                                  </p:stCondLst>
+                                  <p:childTnLst>
+                                    <p:set>
+                                      <p:cBhvr>
+                                        <p:cTn id="16" dur="1" fill="hold">
+                                          <p:stCondLst>
+                                            <p:cond delay="0"/>
+                                          </p:stCondLst>
+                                        </p:cTn>
+                                        <p:tgtEl>
+                                          <p:spTgt spid="15"/>
+                                        </p:tgtEl>
+                                        <p:attrNameLst>
+                                          <p:attrName>style.visibility</p:attrName>
+                                        </p:attrNameLst>
+                                      </p:cBhvr>
+                                      <p:to>
+                                        <p:strVal val="visible"/>
+                                      </p:to>
+                                    </p:set>
+                                    <p:animEffect transition="in" filter="wipe(up)">
+                                      <p:cBhvr>
+                                        <p:cTn id="17" dur="500"/>
+                                        <p:tgtEl>
+                                          <p:spTgt spid="15"/>
+                                        </p:tgtEl>
+                                      </p:cBhvr>
+                                    </p:animEffect>
+                                  </p:childTnLst>
+                                </p:cTn>
+                              </p:par>
+                            </p:childTnLst>
+                          </p:cTn>
+                        </p:par>
+                      </p:childTnLst>
+                    </p:cTn>
+                  </p:par>
+                  <p:par>
+                    <p:cTn id="18" fill="hold">
+                      <p:stCondLst>
+                        <p:cond delay="indefinite"/>
+                      </p:stCondLst>
+                      <p:childTnLst>
+                        <p:par>
+                          <p:cTn id="19" fill="hold">
+                            <p:stCondLst>
+                              <p:cond delay="0"/>
+                            </p:stCondLst>
+                            <p:childTnLst>
+                              <p:par>
+                                <p:cTn id="20" presetID="22" presetClass="entr" presetSubtype="1" fill="hold" grpId="0" nodeType="clickEffect">
+                                  <p:stCondLst>
+                                    <p:cond delay="0"/>
+                                  </p:stCondLst>
+                                  <p:childTnLst>
+                                    <p:set>
+                                      <p:cBhvr>
+                                        <p:cTn id="21" dur="1" fill="hold">
+                                          <p:stCondLst>
+                                            <p:cond delay="0"/>
+                                          </p:stCondLst>
+                                        </p:cTn>
+                                        <p:tgtEl>
+                                          <p:spTgt spid="17"/>
+                                        </p:tgtEl>
+                                        <p:attrNameLst>
+                                          <p:attrName>style.visibility</p:attrName>
+                                        </p:attrNameLst>
+                                      </p:cBhvr>
+                                      <p:to>
+                                        <p:strVal val="visible"/>
+                                      </p:to>
+                                    </p:set>
+                                    <p:animEffect transition="in" filter="wipe(up)">
+                                      <p:cBhvr>
+                                        <p:cTn id="22" dur="500"/>
+                                        <p:tgtEl>
+                                          <p:spTgt spid="17"/>
+                                        </p:tgtEl>
+                                      </p:cBhvr>
+                                    </p:animEffect>
+                                  </p:childTnLst>
+                                </p:cTn>
+                              </p:par>
+                            </p:childTnLst>
+                          </p:cTn>
+                        </p:par>
+                      </p:childTnLst>
+                    </p:cTn>
+                  </p:par>
+                  <p:par>
+                    <p:cTn id="23" fill="hold">
+                      <p:stCondLst>
+                        <p:cond delay="indefinite"/>
+                      </p:stCondLst>
+                      <p:childTnLst>
+                        <p:par>
+                          <p:cTn id="24" fill="hold">
+                            <p:stCondLst>
+                              <p:cond delay="0"/>
+                            </p:stCondLst>
+                            <p:childTnLst>
+                              <p:par>
+                                <p:cTn id="25" presetID="22" presetClass="entr" presetSubtype="1" fill="hold" nodeType="clickEffect">
+                                  <p:stCondLst>
+                                    <p:cond delay="0"/>
+                                  </p:stCondLst>
+                                  <p:childTnLst>
+                                    <p:set>
+                                      <p:cBhvr>
+                                        <p:cTn id="26" dur="1" fill="hold">
+                                          <p:stCondLst>
+                                            <p:cond delay="0"/>
+                                          </p:stCondLst>
+                                        </p:cTn>
+                                        <p:tgtEl>
+                                          <p:spTgt spid="18"/>
+                                        </p:tgtEl>
+                                        <p:attrNameLst>
+                                          <p:attrName>style.visibility</p:attrName>
+                                        </p:attrNameLst>
+                                      </p:cBhvr>
+                                      <p:to>
+                                        <p:strVal val="visible"/>
+                                      </p:to>
+                                    </p:set>
+                                    <p:animEffect transition="in" filter="wipe(up)">
+                                      <p:cBhvr>
+                                        <p:cTn id="27" dur="500"/>
+                                        <p:tgtEl>
+                                          <p:spTgt spid="18"/>
+                                        </p:tgtEl>
+                                      </p:cBhvr>
+                                    </p:animEffect>
+                                  </p:childTnLst>
+                                </p:cTn>
+                              </p:par>
+                            </p:childTnLst>
+                          </p:cTn>
+                        </p:par>
+                      </p:childTnLst>
+                    </p:cTn>
+                  </p:par>
+                </p:childTnLst>
+              </p:cTn>
+              <p:prevCondLst>
+                <p:cond evt="onPrev" delay="0">
+                  <p:tgtEl>
+                    <p:sldTgt/>
+                  </p:tgtEl>
+                </p:cond>
+              </p:prevCondLst>
+              <p:nextCondLst>
+                <p:cond evt="onNext" delay="0">
+                  <p:tgtEl>
+                    <p:sldTgt/>
+                  </p:tgtEl>
+                </p:cond>
+              </p:nextCondLst>
+            </p:seq>
+          </p:childTnLst>
+        </p:cTn>
       </p:par>
     </p:tnLst>
+    <p:bldLst>
+      <p:bldP spid="14" grpId="0" animBg="1"/>
+      <p:bldP spid="15" grpId="0" animBg="1"/>
+      <p:bldP spid="17" grpId="0" animBg="1"/>
+    </p:bldLst>
   </p:timing>
 </p:sld>
 </file>
 
-<file path=ppt/slides/slide24.xml><?xml version="1.0" encoding="utf-8"?>
+<file path=ppt/slides/slide27.xml><?xml version="1.0" encoding="utf-8"?>
 <p:sld xmlns:a="http://schemas.openxmlformats.org/drawingml/2006/main" xmlns:r="http://schemas.openxmlformats.org/officeDocument/2006/relationships" xmlns:p="http://schemas.openxmlformats.org/presentationml/2006/main">
   <p:cSld>
     <p:spTree>
@@ -16811,7 +18677,7 @@
 </p:sld>
 </file>
 
-<file path=ppt/slides/slide25.xml><?xml version="1.0" encoding="utf-8"?>
+<file path=ppt/slides/slide28.xml><?xml version="1.0" encoding="utf-8"?>
 <p:sld xmlns:a="http://schemas.openxmlformats.org/drawingml/2006/main" xmlns:r="http://schemas.openxmlformats.org/officeDocument/2006/relationships" xmlns:p="http://schemas.openxmlformats.org/presentationml/2006/main">
   <p:cSld>
     <p:spTree>
@@ -16828,130 +18694,672 @@
           <a:chExt cx="0" cy="0"/>
         </a:xfrm>
       </p:grpSpPr>
+      <p:graphicFrame>
+        <p:nvGraphicFramePr>
+          <p:cNvPr id="3" name="表格 2"/>
+          <p:cNvGraphicFramePr>
+            <a:graphicFrameLocks noGrp="1"/>
+          </p:cNvGraphicFramePr>
+          <p:nvPr>
+            <p:extLst>
+              <p:ext uri="{D42A27DB-BD31-4B8C-83A1-F6EECF244321}">
+                <p14:modId xmlns:p14="http://schemas.microsoft.com/office/powerpoint/2010/main" val="3786320669"/>
+              </p:ext>
+            </p:extLst>
+          </p:nvPr>
+        </p:nvGraphicFramePr>
+        <p:xfrm>
+          <a:off x="487428" y="1375379"/>
+          <a:ext cx="7609505" cy="4726093"/>
+        </p:xfrm>
+        <a:graphic>
+          <a:graphicData uri="http://schemas.openxmlformats.org/drawingml/2006/table">
+            <a:tbl>
+              <a:tblPr firstRow="1" bandRow="1">
+                <a:tableStyleId>{5C22544A-7EE6-4342-B048-85BDC9FD1C3A}</a:tableStyleId>
+              </a:tblPr>
+              <a:tblGrid>
+                <a:gridCol w="2697439"/>
+                <a:gridCol w="4912066"/>
+              </a:tblGrid>
+              <a:tr h="332508">
+                <a:tc>
+                  <a:txBody>
+                    <a:bodyPr/>
+                    <a:lstStyle/>
+                    <a:p>
+                      <a:pPr marL="0" marR="0" lvl="0" indent="0" algn="l" defTabSz="914400" rtl="0" eaLnBrk="0" fontAlgn="base" latinLnBrk="0" hangingPunct="0">
+                        <a:lnSpc>
+                          <a:spcPct val="100000"/>
+                        </a:lnSpc>
+                        <a:spcBef>
+                          <a:spcPct val="0"/>
+                        </a:spcBef>
+                        <a:spcAft>
+                          <a:spcPct val="0"/>
+                        </a:spcAft>
+                        <a:buClrTx/>
+                        <a:buSzTx/>
+                        <a:buFontTx/>
+                        <a:buNone/>
+                        <a:tabLst/>
+                      </a:pPr>
+                      <a:r>
+                        <a:rPr kumimoji="0" lang="en-US" altLang="zh-CN" sz="1800" b="0" i="0" u="none" strike="noStrike" cap="none" normalizeH="0" baseline="0" smtClean="0">
+                          <a:ln>
+                            <a:noFill/>
+                          </a:ln>
+                          <a:solidFill>
+                            <a:schemeClr val="tx1"/>
+                          </a:solidFill>
+                          <a:effectLst/>
+                        </a:rPr>
+                        <a:t>net.py</a:t>
+                      </a:r>
+                      <a:endParaRPr kumimoji="0" lang="zh-CN" altLang="zh-CN" sz="1800" b="0" i="0" u="none" strike="noStrike" cap="none" normalizeH="0" baseline="0" smtClean="0">
+                        <a:ln>
+                          <a:noFill/>
+                        </a:ln>
+                        <a:solidFill>
+                          <a:schemeClr val="tx1"/>
+                        </a:solidFill>
+                        <a:effectLst/>
+                      </a:endParaRPr>
+                    </a:p>
+                  </a:txBody>
+                  <a:tcPr>
+                    <a:lnL w="12700" cap="flat" cmpd="sng" algn="ctr">
+                      <a:solidFill>
+                        <a:srgbClr val="5B9BD5"/>
+                      </a:solidFill>
+                      <a:prstDash val="solid"/>
+                      <a:round/>
+                      <a:headEnd type="none" w="med" len="med"/>
+                      <a:tailEnd type="none" w="med" len="med"/>
+                    </a:lnL>
+                    <a:lnR w="12700" cap="flat" cmpd="sng" algn="ctr">
+                      <a:solidFill>
+                        <a:srgbClr val="5B9BD5"/>
+                      </a:solidFill>
+                      <a:prstDash val="solid"/>
+                      <a:round/>
+                      <a:headEnd type="none" w="med" len="med"/>
+                      <a:tailEnd type="none" w="med" len="med"/>
+                    </a:lnR>
+                    <a:lnT w="12700" cap="flat" cmpd="sng" algn="ctr">
+                      <a:solidFill>
+                        <a:srgbClr val="5B9BD5"/>
+                      </a:solidFill>
+                      <a:prstDash val="solid"/>
+                      <a:round/>
+                      <a:headEnd type="none" w="med" len="med"/>
+                      <a:tailEnd type="none" w="med" len="med"/>
+                    </a:lnT>
+                    <a:lnB w="12700" cap="flat" cmpd="sng" algn="ctr">
+                      <a:solidFill>
+                        <a:srgbClr val="5B9BD5"/>
+                      </a:solidFill>
+                      <a:prstDash val="solid"/>
+                      <a:round/>
+                      <a:headEnd type="none" w="med" len="med"/>
+                      <a:tailEnd type="none" w="med" len="med"/>
+                    </a:lnB>
+                    <a:lnTlToBr w="12700" cmpd="sng">
+                      <a:noFill/>
+                      <a:prstDash val="solid"/>
+                    </a:lnTlToBr>
+                    <a:lnBlToTr w="12700" cmpd="sng">
+                      <a:noFill/>
+                      <a:prstDash val="solid"/>
+                    </a:lnBlToTr>
+                    <a:noFill/>
+                  </a:tcPr>
+                </a:tc>
+                <a:tc>
+                  <a:txBody>
+                    <a:bodyPr/>
+                    <a:lstStyle/>
+                    <a:p>
+                      <a:r>
+                        <a:rPr kumimoji="0" lang="en-US" altLang="zh-CN" sz="1800" b="0" i="0" u="none" strike="noStrike" cap="none" normalizeH="0" baseline="0" smtClean="0">
+                          <a:ln>
+                            <a:noFill/>
+                          </a:ln>
+                          <a:solidFill>
+                            <a:schemeClr val="tx1"/>
+                          </a:solidFill>
+                          <a:effectLst/>
+                          <a:latin typeface="Consolas" panose="020B0609020204030204" pitchFamily="49" charset="0"/>
+                        </a:rPr>
+                        <a:t>objects.py</a:t>
+                      </a:r>
+                      <a:endParaRPr kumimoji="0" lang="en-US" altLang="zh-CN" sz="1800" b="0" i="0" u="none" strike="noStrike" cap="none" normalizeH="0" baseline="0" smtClean="0">
+                        <a:ln>
+                          <a:noFill/>
+                        </a:ln>
+                        <a:solidFill>
+                          <a:schemeClr val="tx1"/>
+                        </a:solidFill>
+                        <a:effectLst/>
+                        <a:latin typeface="Consolas" panose="020B0609020204030204" pitchFamily="49" charset="0"/>
+                      </a:endParaRPr>
+                    </a:p>
+                  </a:txBody>
+                  <a:tcPr>
+                    <a:lnL w="12700" cap="flat" cmpd="sng" algn="ctr">
+                      <a:solidFill>
+                        <a:srgbClr val="5B9BD5"/>
+                      </a:solidFill>
+                      <a:prstDash val="solid"/>
+                      <a:round/>
+                      <a:headEnd type="none" w="med" len="med"/>
+                      <a:tailEnd type="none" w="med" len="med"/>
+                    </a:lnL>
+                    <a:lnR w="12700" cap="flat" cmpd="sng" algn="ctr">
+                      <a:solidFill>
+                        <a:srgbClr val="5B9BD5"/>
+                      </a:solidFill>
+                      <a:prstDash val="solid"/>
+                      <a:round/>
+                      <a:headEnd type="none" w="med" len="med"/>
+                      <a:tailEnd type="none" w="med" len="med"/>
+                    </a:lnR>
+                    <a:lnT w="12700" cap="flat" cmpd="sng" algn="ctr">
+                      <a:solidFill>
+                        <a:srgbClr val="5B9BD5"/>
+                      </a:solidFill>
+                      <a:prstDash val="solid"/>
+                      <a:round/>
+                      <a:headEnd type="none" w="med" len="med"/>
+                      <a:tailEnd type="none" w="med" len="med"/>
+                    </a:lnT>
+                    <a:lnB w="12700" cap="flat" cmpd="sng" algn="ctr">
+                      <a:solidFill>
+                        <a:srgbClr val="5B9BD5"/>
+                      </a:solidFill>
+                      <a:prstDash val="solid"/>
+                      <a:round/>
+                      <a:headEnd type="none" w="med" len="med"/>
+                      <a:tailEnd type="none" w="med" len="med"/>
+                    </a:lnB>
+                    <a:lnTlToBr w="12700" cmpd="sng">
+                      <a:noFill/>
+                      <a:prstDash val="solid"/>
+                    </a:lnTlToBr>
+                    <a:lnBlToTr w="12700" cmpd="sng">
+                      <a:noFill/>
+                      <a:prstDash val="solid"/>
+                    </a:lnBlToTr>
+                    <a:noFill/>
+                  </a:tcPr>
+                </a:tc>
+              </a:tr>
+              <a:tr h="4360333">
+                <a:tc>
+                  <a:txBody>
+                    <a:bodyPr/>
+                    <a:lstStyle/>
+                    <a:p>
+                      <a:pPr marL="0" marR="0" lvl="0" indent="0" algn="l" defTabSz="914400" rtl="0" eaLnBrk="0" fontAlgn="base" latinLnBrk="0" hangingPunct="0">
+                        <a:lnSpc>
+                          <a:spcPct val="100000"/>
+                        </a:lnSpc>
+                        <a:spcBef>
+                          <a:spcPct val="0"/>
+                        </a:spcBef>
+                        <a:spcAft>
+                          <a:spcPct val="0"/>
+                        </a:spcAft>
+                        <a:buClrTx/>
+                        <a:buSzTx/>
+                        <a:buFontTx/>
+                        <a:buNone/>
+                        <a:tabLst/>
+                      </a:pPr>
+                      <a:endParaRPr kumimoji="0" lang="zh-CN" altLang="zh-CN" sz="1800" b="0" i="0" u="none" strike="noStrike" cap="none" normalizeH="0" baseline="0" smtClean="0">
+                        <a:ln>
+                          <a:noFill/>
+                        </a:ln>
+                        <a:solidFill>
+                          <a:schemeClr val="tx1"/>
+                        </a:solidFill>
+                        <a:effectLst/>
+                      </a:endParaRPr>
+                    </a:p>
+                  </a:txBody>
+                  <a:tcPr>
+                    <a:lnL w="12700" cap="flat" cmpd="sng" algn="ctr">
+                      <a:solidFill>
+                        <a:srgbClr val="5B9BD5"/>
+                      </a:solidFill>
+                      <a:prstDash val="solid"/>
+                      <a:round/>
+                      <a:headEnd type="none" w="med" len="med"/>
+                      <a:tailEnd type="none" w="med" len="med"/>
+                    </a:lnL>
+                    <a:lnR w="12700" cap="flat" cmpd="sng" algn="ctr">
+                      <a:solidFill>
+                        <a:srgbClr val="5B9BD5"/>
+                      </a:solidFill>
+                      <a:prstDash val="solid"/>
+                      <a:round/>
+                      <a:headEnd type="none" w="med" len="med"/>
+                      <a:tailEnd type="none" w="med" len="med"/>
+                    </a:lnR>
+                    <a:lnT w="12700" cap="flat" cmpd="sng" algn="ctr">
+                      <a:solidFill>
+                        <a:srgbClr val="5B9BD5"/>
+                      </a:solidFill>
+                      <a:prstDash val="solid"/>
+                      <a:round/>
+                      <a:headEnd type="none" w="med" len="med"/>
+                      <a:tailEnd type="none" w="med" len="med"/>
+                    </a:lnT>
+                    <a:lnB w="12700" cap="flat" cmpd="sng" algn="ctr">
+                      <a:solidFill>
+                        <a:srgbClr val="5B9BD5"/>
+                      </a:solidFill>
+                      <a:prstDash val="solid"/>
+                      <a:round/>
+                      <a:headEnd type="none" w="med" len="med"/>
+                      <a:tailEnd type="none" w="med" len="med"/>
+                    </a:lnB>
+                    <a:lnTlToBr w="12700" cmpd="sng">
+                      <a:noFill/>
+                      <a:prstDash val="solid"/>
+                    </a:lnTlToBr>
+                    <a:lnBlToTr w="12700" cmpd="sng">
+                      <a:noFill/>
+                      <a:prstDash val="solid"/>
+                    </a:lnBlToTr>
+                    <a:noFill/>
+                  </a:tcPr>
+                </a:tc>
+                <a:tc>
+                  <a:txBody>
+                    <a:bodyPr/>
+                    <a:lstStyle/>
+                    <a:p>
+                      <a:endParaRPr kumimoji="0" lang="en-US" altLang="zh-CN" sz="1800" b="0" i="0" u="none" strike="noStrike" cap="none" normalizeH="0" baseline="0" smtClean="0">
+                        <a:ln>
+                          <a:noFill/>
+                        </a:ln>
+                        <a:solidFill>
+                          <a:schemeClr val="tx1"/>
+                        </a:solidFill>
+                        <a:effectLst/>
+                        <a:latin typeface="Consolas" panose="020B0609020204030204" pitchFamily="49" charset="0"/>
+                      </a:endParaRPr>
+                    </a:p>
+                  </a:txBody>
+                  <a:tcPr>
+                    <a:lnL w="12700" cap="flat" cmpd="sng" algn="ctr">
+                      <a:solidFill>
+                        <a:srgbClr val="5B9BD5"/>
+                      </a:solidFill>
+                      <a:prstDash val="solid"/>
+                      <a:round/>
+                      <a:headEnd type="none" w="med" len="med"/>
+                      <a:tailEnd type="none" w="med" len="med"/>
+                    </a:lnL>
+                    <a:lnR w="12700" cap="flat" cmpd="sng" algn="ctr">
+                      <a:solidFill>
+                        <a:srgbClr val="5B9BD5"/>
+                      </a:solidFill>
+                      <a:prstDash val="solid"/>
+                      <a:round/>
+                      <a:headEnd type="none" w="med" len="med"/>
+                      <a:tailEnd type="none" w="med" len="med"/>
+                    </a:lnR>
+                    <a:lnT w="12700" cap="flat" cmpd="sng" algn="ctr">
+                      <a:solidFill>
+                        <a:srgbClr val="5B9BD5"/>
+                      </a:solidFill>
+                      <a:prstDash val="solid"/>
+                      <a:round/>
+                      <a:headEnd type="none" w="med" len="med"/>
+                      <a:tailEnd type="none" w="med" len="med"/>
+                    </a:lnT>
+                    <a:lnB w="12700" cap="flat" cmpd="sng" algn="ctr">
+                      <a:solidFill>
+                        <a:srgbClr val="5B9BD5"/>
+                      </a:solidFill>
+                      <a:prstDash val="solid"/>
+                      <a:round/>
+                      <a:headEnd type="none" w="med" len="med"/>
+                      <a:tailEnd type="none" w="med" len="med"/>
+                    </a:lnB>
+                    <a:lnTlToBr w="12700" cmpd="sng">
+                      <a:noFill/>
+                      <a:prstDash val="solid"/>
+                    </a:lnTlToBr>
+                    <a:lnBlToTr w="12700" cmpd="sng">
+                      <a:noFill/>
+                      <a:prstDash val="solid"/>
+                    </a:lnBlToTr>
+                    <a:noFill/>
+                  </a:tcPr>
+                </a:tc>
+              </a:tr>
+            </a:tbl>
+          </a:graphicData>
+        </a:graphic>
+      </p:graphicFrame>
       <p:sp>
         <p:nvSpPr>
-          <p:cNvPr id="3" name="矩形 2"/>
+          <p:cNvPr id="2" name="矩形 1"/>
           <p:cNvSpPr/>
           <p:nvPr/>
         </p:nvSpPr>
         <p:spPr>
           <a:xfrm>
-            <a:off x="268000" y="260065"/>
-            <a:ext cx="1620957" cy="1754326"/>
+            <a:off x="487428" y="1818667"/>
+            <a:ext cx="4572000" cy="923330"/>
           </a:xfrm>
           <a:prstGeom prst="rect">
             <a:avLst/>
           </a:prstGeom>
         </p:spPr>
         <p:txBody>
-          <a:bodyPr wrap="none">
+          <a:bodyPr>
             <a:spAutoFit/>
           </a:bodyPr>
           <a:lstStyle/>
           <a:p>
-            <a:r>
-              <a:rPr lang="en-US" altLang="zh-CN" smtClean="0"/>
-              <a:t>A</a:t>
-            </a:r>
-            <a:r>
-              <a:rPr lang="en-US" altLang="zh-CN"/>
-              <a:t> </a:t>
-            </a:r>
-            <a:r>
-              <a:rPr lang="en-US" altLang="zh-CN" smtClean="0"/>
-              <a:t>  a1 a2</a:t>
-            </a:r>
-          </a:p>
-          <a:p>
-            <a:endParaRPr lang="en-US" altLang="zh-CN"/>
-          </a:p>
-          <a:p>
-            <a:r>
-              <a:rPr lang="en-US" altLang="zh-CN" smtClean="0"/>
-              <a:t>a1.__class__=A</a:t>
-            </a:r>
-          </a:p>
-          <a:p>
-            <a:r>
-              <a:rPr lang="en-US" altLang="zh-CN" smtClean="0"/>
-              <a:t>a2.__class__=A</a:t>
-            </a:r>
-          </a:p>
-          <a:p>
-            <a:endParaRPr lang="en-US" altLang="zh-CN" smtClean="0"/>
-          </a:p>
-          <a:p>
-            <a:r>
-              <a:rPr lang="en-US" altLang="zh-CN" smtClean="0"/>
-              <a:t>A </a:t>
-            </a:r>
+            <a:pPr lvl="0"/>
+            <a:r>
+              <a:rPr lang="zh-CN" altLang="zh-CN" b="1">
+                <a:solidFill>
+                  <a:srgbClr val="7F0055"/>
+                </a:solidFill>
+                <a:latin typeface="Consolas" panose="020B0609020204030204" pitchFamily="49" charset="0"/>
+              </a:rPr>
+              <a:t>class</a:t>
+            </a:r>
+            <a:r>
+              <a:rPr lang="zh-CN" altLang="zh-CN" sz="1600">
+                <a:solidFill>
+                  <a:srgbClr val="333333"/>
+                </a:solidFill>
+                <a:latin typeface="Consolas" panose="020B0609020204030204" pitchFamily="49" charset="0"/>
+              </a:rPr>
+              <a:t> </a:t>
+            </a:r>
+            <a:r>
+              <a:rPr lang="zh-CN" altLang="zh-CN">
+                <a:solidFill>
+                  <a:srgbClr val="000000"/>
+                </a:solidFill>
+                <a:latin typeface="Consolas" panose="020B0609020204030204" pitchFamily="49" charset="0"/>
+              </a:rPr>
+              <a:t>CNet(</a:t>
+            </a:r>
+            <a:r>
+              <a:rPr lang="zh-CN" altLang="zh-CN">
+                <a:solidFill>
+                  <a:srgbClr val="FF1493"/>
+                </a:solidFill>
+                <a:latin typeface="Consolas" panose="020B0609020204030204" pitchFamily="49" charset="0"/>
+              </a:rPr>
+              <a:t>object</a:t>
+            </a:r>
+            <a:r>
+              <a:rPr lang="zh-CN" altLang="zh-CN">
+                <a:solidFill>
+                  <a:srgbClr val="000000"/>
+                </a:solidFill>
+                <a:latin typeface="Consolas" panose="020B0609020204030204" pitchFamily="49" charset="0"/>
+              </a:rPr>
+              <a:t>):</a:t>
+            </a:r>
+            <a:endParaRPr lang="zh-CN" altLang="zh-CN" sz="800"/>
+          </a:p>
+          <a:p>
+            <a:pPr lvl="0"/>
+            <a:r>
+              <a:rPr lang="zh-CN" altLang="zh-CN">
+                <a:solidFill>
+                  <a:srgbClr val="DD1144"/>
+                </a:solidFill>
+                <a:latin typeface="Consolas" panose="020B0609020204030204" pitchFamily="49" charset="0"/>
+              </a:rPr>
+              <a:t>    </a:t>
+            </a:r>
+            <a:r>
+              <a:rPr lang="zh-CN" altLang="zh-CN" b="1">
+                <a:solidFill>
+                  <a:srgbClr val="7F0055"/>
+                </a:solidFill>
+                <a:latin typeface="Consolas" panose="020B0609020204030204" pitchFamily="49" charset="0"/>
+              </a:rPr>
+              <a:t>def</a:t>
+            </a:r>
+            <a:r>
+              <a:rPr lang="zh-CN" altLang="zh-CN" sz="1600">
+                <a:solidFill>
+                  <a:srgbClr val="333333"/>
+                </a:solidFill>
+                <a:latin typeface="Consolas" panose="020B0609020204030204" pitchFamily="49" charset="0"/>
+              </a:rPr>
+              <a:t> </a:t>
+            </a:r>
+            <a:r>
+              <a:rPr lang="zh-CN" altLang="zh-CN">
+                <a:solidFill>
+                  <a:srgbClr val="000000"/>
+                </a:solidFill>
+                <a:latin typeface="Consolas" panose="020B0609020204030204" pitchFamily="49" charset="0"/>
+              </a:rPr>
+              <a:t>Send(</a:t>
+            </a:r>
+            <a:r>
+              <a:rPr lang="zh-CN" altLang="zh-CN">
+                <a:solidFill>
+                  <a:srgbClr val="808080"/>
+                </a:solidFill>
+                <a:latin typeface="Consolas" panose="020B0609020204030204" pitchFamily="49" charset="0"/>
+              </a:rPr>
+              <a:t>self</a:t>
+            </a:r>
+            <a:r>
+              <a:rPr lang="zh-CN" altLang="zh-CN">
+                <a:solidFill>
+                  <a:srgbClr val="000000"/>
+                </a:solidFill>
+                <a:latin typeface="Consolas" panose="020B0609020204030204" pitchFamily="49" charset="0"/>
+              </a:rPr>
+              <a:t>):</a:t>
+            </a:r>
+            <a:endParaRPr lang="zh-CN" altLang="zh-CN" sz="800"/>
+          </a:p>
+          <a:p>
+            <a:pPr lvl="0"/>
+            <a:r>
+              <a:rPr lang="zh-CN" altLang="zh-CN">
+                <a:solidFill>
+                  <a:srgbClr val="DD1144"/>
+                </a:solidFill>
+                <a:latin typeface="Consolas" panose="020B0609020204030204" pitchFamily="49" charset="0"/>
+              </a:rPr>
+              <a:t>        </a:t>
+            </a:r>
+            <a:r>
+              <a:rPr lang="zh-CN" altLang="zh-CN">
+                <a:solidFill>
+                  <a:srgbClr val="FF1493"/>
+                </a:solidFill>
+                <a:latin typeface="Consolas" panose="020B0609020204030204" pitchFamily="49" charset="0"/>
+              </a:rPr>
+              <a:t>print</a:t>
+            </a:r>
+            <a:r>
+              <a:rPr lang="zh-CN" altLang="zh-CN" sz="1600">
+                <a:solidFill>
+                  <a:srgbClr val="333333"/>
+                </a:solidFill>
+                <a:latin typeface="Consolas" panose="020B0609020204030204" pitchFamily="49" charset="0"/>
+              </a:rPr>
+              <a:t> </a:t>
+            </a:r>
+            <a:r>
+              <a:rPr lang="zh-CN" altLang="zh-CN">
+                <a:solidFill>
+                  <a:srgbClr val="2A00FF"/>
+                </a:solidFill>
+                <a:latin typeface="Consolas" panose="020B0609020204030204" pitchFamily="49" charset="0"/>
+              </a:rPr>
+              <a:t>"Send"</a:t>
+            </a:r>
+            <a:endParaRPr lang="zh-CN" altLang="zh-CN"/>
           </a:p>
         </p:txBody>
       </p:sp>
       <p:sp>
         <p:nvSpPr>
-          <p:cNvPr id="4" name="矩形 3"/>
+          <p:cNvPr id="5" name="矩形 4"/>
           <p:cNvSpPr/>
           <p:nvPr/>
         </p:nvSpPr>
         <p:spPr>
           <a:xfrm>
-            <a:off x="268000" y="3255418"/>
-            <a:ext cx="1620957" cy="1754326"/>
+            <a:off x="3162615" y="1818667"/>
+            <a:ext cx="4572000" cy="923330"/>
           </a:xfrm>
           <a:prstGeom prst="rect">
             <a:avLst/>
           </a:prstGeom>
         </p:spPr>
         <p:txBody>
-          <a:bodyPr wrap="none">
+          <a:bodyPr>
             <a:spAutoFit/>
           </a:bodyPr>
           <a:lstStyle/>
           <a:p>
             <a:r>
-              <a:rPr lang="en-US" altLang="zh-CN" smtClean="0"/>
-              <a:t>A</a:t>
-            </a:r>
-            <a:r>
-              <a:rPr lang="en-US" altLang="zh-CN"/>
-              <a:t> </a:t>
-            </a:r>
-            <a:r>
-              <a:rPr lang="en-US" altLang="zh-CN" smtClean="0"/>
-              <a:t>  a1 a2</a:t>
-            </a:r>
-          </a:p>
-          <a:p>
-            <a:endParaRPr lang="en-US" altLang="zh-CN"/>
-          </a:p>
-          <a:p>
-            <a:r>
-              <a:rPr lang="en-US" altLang="zh-CN" smtClean="0"/>
-              <a:t>a1.__class__=A</a:t>
-            </a:r>
-          </a:p>
-          <a:p>
-            <a:r>
-              <a:rPr lang="en-US" altLang="zh-CN" smtClean="0"/>
-              <a:t>a2.__class__=A</a:t>
-            </a:r>
-          </a:p>
-          <a:p>
-            <a:endParaRPr lang="en-US" altLang="zh-CN" smtClean="0"/>
-          </a:p>
-          <a:p>
-            <a:r>
-              <a:rPr lang="en-US" altLang="zh-CN" smtClean="0"/>
-              <a:t>A </a:t>
-            </a:r>
+              <a:rPr lang="en-US" altLang="zh-CN">
+                <a:latin typeface="Consolas" panose="020B0609020204030204" pitchFamily="49" charset="0"/>
+              </a:rPr>
+              <a:t>import net </a:t>
+            </a:r>
+          </a:p>
+          <a:p>
+            <a:r>
+              <a:rPr lang="en-US" altLang="zh-CN">
+                <a:latin typeface="Consolas" panose="020B0609020204030204" pitchFamily="49" charset="0"/>
+              </a:rPr>
+              <a:t>oNet=net.CNet()</a:t>
+            </a:r>
+          </a:p>
+          <a:p>
+            <a:r>
+              <a:rPr lang="en-US" altLang="zh-CN">
+                <a:latin typeface="Consolas" panose="020B0609020204030204" pitchFamily="49" charset="0"/>
+              </a:rPr>
+              <a:t>oNet.Send()------------------&gt;Send</a:t>
+            </a:r>
+          </a:p>
+        </p:txBody>
+      </p:sp>
+      <p:sp>
+        <p:nvSpPr>
+          <p:cNvPr id="14" name="任意多边形 13"/>
+          <p:cNvSpPr/>
+          <p:nvPr/>
+        </p:nvSpPr>
+        <p:spPr>
+          <a:xfrm rot="989981" flipH="1">
+            <a:off x="1614956" y="1140052"/>
+            <a:ext cx="2042068" cy="1069950"/>
+          </a:xfrm>
+          <a:custGeom>
+            <a:avLst/>
+            <a:gdLst>
+              <a:gd name="connsiteX0" fmla="*/ 2133815 w 2133815"/>
+              <a:gd name="connsiteY0" fmla="*/ 1342003 h 1342003"/>
+              <a:gd name="connsiteX1" fmla="*/ 1347884 w 2133815"/>
+              <a:gd name="connsiteY1" fmla="*/ 4410 h 1342003"/>
+              <a:gd name="connsiteX2" fmla="*/ 116089 w 2133815"/>
+              <a:gd name="connsiteY2" fmla="*/ 911253 h 1342003"/>
+              <a:gd name="connsiteX3" fmla="*/ 123646 w 2133815"/>
+              <a:gd name="connsiteY3" fmla="*/ 918810 h 1342003"/>
+            </a:gdLst>
+            <a:ahLst/>
+            <a:cxnLst>
+              <a:cxn ang="0">
+                <a:pos x="connsiteX0" y="connsiteY0"/>
+              </a:cxn>
+              <a:cxn ang="0">
+                <a:pos x="connsiteX1" y="connsiteY1"/>
+              </a:cxn>
+              <a:cxn ang="0">
+                <a:pos x="connsiteX2" y="connsiteY2"/>
+              </a:cxn>
+              <a:cxn ang="0">
+                <a:pos x="connsiteX3" y="connsiteY3"/>
+              </a:cxn>
+            </a:cxnLst>
+            <a:rect l="l" t="t" r="r" b="b"/>
+            <a:pathLst>
+              <a:path w="2133815" h="1342003">
+                <a:moveTo>
+                  <a:pt x="2133815" y="1342003"/>
+                </a:moveTo>
+                <a:cubicBezTo>
+                  <a:pt x="1908993" y="709102"/>
+                  <a:pt x="1684171" y="76202"/>
+                  <a:pt x="1347884" y="4410"/>
+                </a:cubicBezTo>
+                <a:cubicBezTo>
+                  <a:pt x="1011597" y="-67382"/>
+                  <a:pt x="320129" y="758853"/>
+                  <a:pt x="116089" y="911253"/>
+                </a:cubicBezTo>
+                <a:cubicBezTo>
+                  <a:pt x="-87951" y="1063653"/>
+                  <a:pt x="17847" y="991231"/>
+                  <a:pt x="123646" y="918810"/>
+                </a:cubicBezTo>
+              </a:path>
+            </a:pathLst>
+          </a:custGeom>
+          <a:noFill/>
+          <a:ln w="25400">
+            <a:solidFill>
+              <a:srgbClr val="ADAD01"/>
+            </a:solidFill>
+            <a:headEnd type="stealth" w="lg" len="med"/>
+            <a:tailEnd type="none"/>
+          </a:ln>
+        </p:spPr>
+        <p:style>
+          <a:lnRef idx="2">
+            <a:schemeClr val="accent1">
+              <a:shade val="50000"/>
+            </a:schemeClr>
+          </a:lnRef>
+          <a:fillRef idx="1">
+            <a:schemeClr val="accent1"/>
+          </a:fillRef>
+          <a:effectRef idx="0">
+            <a:schemeClr val="accent1"/>
+          </a:effectRef>
+          <a:fontRef idx="minor">
+            <a:schemeClr val="lt1"/>
+          </a:fontRef>
+        </p:style>
+        <p:txBody>
+          <a:bodyPr rtlCol="0" anchor="ctr"/>
+          <a:lstStyle/>
+          <a:p>
+            <a:pPr algn="ctr"/>
+            <a:endParaRPr lang="zh-CN" altLang="en-US"/>
           </a:p>
         </p:txBody>
       </p:sp>
     </p:spTree>
     <p:extLst>
       <p:ext uri="{BB962C8B-B14F-4D97-AF65-F5344CB8AC3E}">
-        <p14:creationId xmlns:p14="http://schemas.microsoft.com/office/powerpoint/2010/main" val="3350730174"/>
+        <p14:creationId xmlns:p14="http://schemas.microsoft.com/office/powerpoint/2010/main" val="3152271880"/>
       </p:ext>
     </p:extLst>
   </p:cSld>
@@ -16968,7 +19376,7 @@
 </p:sld>
 </file>
 
-<file path=ppt/slides/slide26.xml><?xml version="1.0" encoding="utf-8"?>
+<file path=ppt/slides/slide29.xml><?xml version="1.0" encoding="utf-8"?>
 <p:sld xmlns:a="http://schemas.openxmlformats.org/drawingml/2006/main" xmlns:r="http://schemas.openxmlformats.org/officeDocument/2006/relationships" xmlns:p="http://schemas.openxmlformats.org/presentationml/2006/main">
   <p:cSld>
     <p:spTree>
@@ -16985,38 +19393,935 @@
           <a:chExt cx="0" cy="0"/>
         </a:xfrm>
       </p:grpSpPr>
+      <p:graphicFrame>
+        <p:nvGraphicFramePr>
+          <p:cNvPr id="3" name="表格 2"/>
+          <p:cNvGraphicFramePr>
+            <a:graphicFrameLocks noGrp="1"/>
+          </p:cNvGraphicFramePr>
+          <p:nvPr>
+            <p:extLst/>
+          </p:nvPr>
+        </p:nvGraphicFramePr>
+        <p:xfrm>
+          <a:off x="487428" y="1375379"/>
+          <a:ext cx="7609505" cy="4726093"/>
+        </p:xfrm>
+        <a:graphic>
+          <a:graphicData uri="http://schemas.openxmlformats.org/drawingml/2006/table">
+            <a:tbl>
+              <a:tblPr firstRow="1" bandRow="1">
+                <a:tableStyleId>{5C22544A-7EE6-4342-B048-85BDC9FD1C3A}</a:tableStyleId>
+              </a:tblPr>
+              <a:tblGrid>
+                <a:gridCol w="2697439"/>
+                <a:gridCol w="4912066"/>
+              </a:tblGrid>
+              <a:tr h="332508">
+                <a:tc>
+                  <a:txBody>
+                    <a:bodyPr/>
+                    <a:lstStyle/>
+                    <a:p>
+                      <a:pPr marL="0" marR="0" lvl="0" indent="0" algn="l" defTabSz="914400" rtl="0" eaLnBrk="0" fontAlgn="base" latinLnBrk="0" hangingPunct="0">
+                        <a:lnSpc>
+                          <a:spcPct val="100000"/>
+                        </a:lnSpc>
+                        <a:spcBef>
+                          <a:spcPct val="0"/>
+                        </a:spcBef>
+                        <a:spcAft>
+                          <a:spcPct val="0"/>
+                        </a:spcAft>
+                        <a:buClrTx/>
+                        <a:buSzTx/>
+                        <a:buFontTx/>
+                        <a:buNone/>
+                        <a:tabLst/>
+                      </a:pPr>
+                      <a:r>
+                        <a:rPr kumimoji="0" lang="en-US" altLang="zh-CN" sz="1800" b="0" i="0" u="none" strike="noStrike" cap="none" normalizeH="0" baseline="0" smtClean="0">
+                          <a:ln>
+                            <a:noFill/>
+                          </a:ln>
+                          <a:solidFill>
+                            <a:schemeClr val="tx1"/>
+                          </a:solidFill>
+                          <a:effectLst/>
+                        </a:rPr>
+                        <a:t>net.py</a:t>
+                      </a:r>
+                      <a:endParaRPr kumimoji="0" lang="zh-CN" altLang="zh-CN" sz="1800" b="0" i="0" u="none" strike="noStrike" cap="none" normalizeH="0" baseline="0" smtClean="0">
+                        <a:ln>
+                          <a:noFill/>
+                        </a:ln>
+                        <a:solidFill>
+                          <a:schemeClr val="tx1"/>
+                        </a:solidFill>
+                        <a:effectLst/>
+                      </a:endParaRPr>
+                    </a:p>
+                  </a:txBody>
+                  <a:tcPr>
+                    <a:lnL w="12700" cap="flat" cmpd="sng" algn="ctr">
+                      <a:solidFill>
+                        <a:srgbClr val="5B9BD5"/>
+                      </a:solidFill>
+                      <a:prstDash val="solid"/>
+                      <a:round/>
+                      <a:headEnd type="none" w="med" len="med"/>
+                      <a:tailEnd type="none" w="med" len="med"/>
+                    </a:lnL>
+                    <a:lnR w="12700" cap="flat" cmpd="sng" algn="ctr">
+                      <a:solidFill>
+                        <a:srgbClr val="5B9BD5"/>
+                      </a:solidFill>
+                      <a:prstDash val="solid"/>
+                      <a:round/>
+                      <a:headEnd type="none" w="med" len="med"/>
+                      <a:tailEnd type="none" w="med" len="med"/>
+                    </a:lnR>
+                    <a:lnT w="12700" cap="flat" cmpd="sng" algn="ctr">
+                      <a:solidFill>
+                        <a:srgbClr val="5B9BD5"/>
+                      </a:solidFill>
+                      <a:prstDash val="solid"/>
+                      <a:round/>
+                      <a:headEnd type="none" w="med" len="med"/>
+                      <a:tailEnd type="none" w="med" len="med"/>
+                    </a:lnT>
+                    <a:lnB w="12700" cap="flat" cmpd="sng" algn="ctr">
+                      <a:solidFill>
+                        <a:srgbClr val="5B9BD5"/>
+                      </a:solidFill>
+                      <a:prstDash val="solid"/>
+                      <a:round/>
+                      <a:headEnd type="none" w="med" len="med"/>
+                      <a:tailEnd type="none" w="med" len="med"/>
+                    </a:lnB>
+                    <a:lnTlToBr w="12700" cmpd="sng">
+                      <a:noFill/>
+                      <a:prstDash val="solid"/>
+                    </a:lnTlToBr>
+                    <a:lnBlToTr w="12700" cmpd="sng">
+                      <a:noFill/>
+                      <a:prstDash val="solid"/>
+                    </a:lnBlToTr>
+                    <a:noFill/>
+                  </a:tcPr>
+                </a:tc>
+                <a:tc>
+                  <a:txBody>
+                    <a:bodyPr/>
+                    <a:lstStyle/>
+                    <a:p>
+                      <a:r>
+                        <a:rPr kumimoji="0" lang="en-US" altLang="zh-CN" sz="1800" b="0" i="0" u="none" strike="noStrike" cap="none" normalizeH="0" baseline="0" smtClean="0">
+                          <a:ln>
+                            <a:noFill/>
+                          </a:ln>
+                          <a:solidFill>
+                            <a:schemeClr val="tx1"/>
+                          </a:solidFill>
+                          <a:effectLst/>
+                          <a:latin typeface="Consolas" panose="020B0609020204030204" pitchFamily="49" charset="0"/>
+                        </a:rPr>
+                        <a:t>objects.py</a:t>
+                      </a:r>
+                      <a:endParaRPr kumimoji="0" lang="en-US" altLang="zh-CN" sz="1800" b="0" i="0" u="none" strike="noStrike" cap="none" normalizeH="0" baseline="0" smtClean="0">
+                        <a:ln>
+                          <a:noFill/>
+                        </a:ln>
+                        <a:solidFill>
+                          <a:schemeClr val="tx1"/>
+                        </a:solidFill>
+                        <a:effectLst/>
+                        <a:latin typeface="Consolas" panose="020B0609020204030204" pitchFamily="49" charset="0"/>
+                      </a:endParaRPr>
+                    </a:p>
+                  </a:txBody>
+                  <a:tcPr>
+                    <a:lnL w="12700" cap="flat" cmpd="sng" algn="ctr">
+                      <a:solidFill>
+                        <a:srgbClr val="5B9BD5"/>
+                      </a:solidFill>
+                      <a:prstDash val="solid"/>
+                      <a:round/>
+                      <a:headEnd type="none" w="med" len="med"/>
+                      <a:tailEnd type="none" w="med" len="med"/>
+                    </a:lnL>
+                    <a:lnR w="12700" cap="flat" cmpd="sng" algn="ctr">
+                      <a:solidFill>
+                        <a:srgbClr val="5B9BD5"/>
+                      </a:solidFill>
+                      <a:prstDash val="solid"/>
+                      <a:round/>
+                      <a:headEnd type="none" w="med" len="med"/>
+                      <a:tailEnd type="none" w="med" len="med"/>
+                    </a:lnR>
+                    <a:lnT w="12700" cap="flat" cmpd="sng" algn="ctr">
+                      <a:solidFill>
+                        <a:srgbClr val="5B9BD5"/>
+                      </a:solidFill>
+                      <a:prstDash val="solid"/>
+                      <a:round/>
+                      <a:headEnd type="none" w="med" len="med"/>
+                      <a:tailEnd type="none" w="med" len="med"/>
+                    </a:lnT>
+                    <a:lnB w="12700" cap="flat" cmpd="sng" algn="ctr">
+                      <a:solidFill>
+                        <a:srgbClr val="5B9BD5"/>
+                      </a:solidFill>
+                      <a:prstDash val="solid"/>
+                      <a:round/>
+                      <a:headEnd type="none" w="med" len="med"/>
+                      <a:tailEnd type="none" w="med" len="med"/>
+                    </a:lnB>
+                    <a:lnTlToBr w="12700" cmpd="sng">
+                      <a:noFill/>
+                      <a:prstDash val="solid"/>
+                    </a:lnTlToBr>
+                    <a:lnBlToTr w="12700" cmpd="sng">
+                      <a:noFill/>
+                      <a:prstDash val="solid"/>
+                    </a:lnBlToTr>
+                    <a:noFill/>
+                  </a:tcPr>
+                </a:tc>
+              </a:tr>
+              <a:tr h="4360333">
+                <a:tc>
+                  <a:txBody>
+                    <a:bodyPr/>
+                    <a:lstStyle/>
+                    <a:p>
+                      <a:pPr marL="0" marR="0" lvl="0" indent="0" algn="l" defTabSz="914400" rtl="0" eaLnBrk="0" fontAlgn="base" latinLnBrk="0" hangingPunct="0">
+                        <a:lnSpc>
+                          <a:spcPct val="100000"/>
+                        </a:lnSpc>
+                        <a:spcBef>
+                          <a:spcPct val="0"/>
+                        </a:spcBef>
+                        <a:spcAft>
+                          <a:spcPct val="0"/>
+                        </a:spcAft>
+                        <a:buClrTx/>
+                        <a:buSzTx/>
+                        <a:buFontTx/>
+                        <a:buNone/>
+                        <a:tabLst/>
+                      </a:pPr>
+                      <a:endParaRPr kumimoji="0" lang="zh-CN" altLang="zh-CN" sz="1800" b="0" i="0" u="none" strike="noStrike" cap="none" normalizeH="0" baseline="0" smtClean="0">
+                        <a:ln>
+                          <a:noFill/>
+                        </a:ln>
+                        <a:solidFill>
+                          <a:schemeClr val="tx1"/>
+                        </a:solidFill>
+                        <a:effectLst/>
+                      </a:endParaRPr>
+                    </a:p>
+                  </a:txBody>
+                  <a:tcPr>
+                    <a:lnL w="12700" cap="flat" cmpd="sng" algn="ctr">
+                      <a:solidFill>
+                        <a:srgbClr val="5B9BD5"/>
+                      </a:solidFill>
+                      <a:prstDash val="solid"/>
+                      <a:round/>
+                      <a:headEnd type="none" w="med" len="med"/>
+                      <a:tailEnd type="none" w="med" len="med"/>
+                    </a:lnL>
+                    <a:lnR w="12700" cap="flat" cmpd="sng" algn="ctr">
+                      <a:solidFill>
+                        <a:srgbClr val="5B9BD5"/>
+                      </a:solidFill>
+                      <a:prstDash val="solid"/>
+                      <a:round/>
+                      <a:headEnd type="none" w="med" len="med"/>
+                      <a:tailEnd type="none" w="med" len="med"/>
+                    </a:lnR>
+                    <a:lnT w="12700" cap="flat" cmpd="sng" algn="ctr">
+                      <a:solidFill>
+                        <a:srgbClr val="5B9BD5"/>
+                      </a:solidFill>
+                      <a:prstDash val="solid"/>
+                      <a:round/>
+                      <a:headEnd type="none" w="med" len="med"/>
+                      <a:tailEnd type="none" w="med" len="med"/>
+                    </a:lnT>
+                    <a:lnB w="12700" cap="flat" cmpd="sng" algn="ctr">
+                      <a:solidFill>
+                        <a:srgbClr val="5B9BD5"/>
+                      </a:solidFill>
+                      <a:prstDash val="solid"/>
+                      <a:round/>
+                      <a:headEnd type="none" w="med" len="med"/>
+                      <a:tailEnd type="none" w="med" len="med"/>
+                    </a:lnB>
+                    <a:lnTlToBr w="12700" cmpd="sng">
+                      <a:noFill/>
+                      <a:prstDash val="solid"/>
+                    </a:lnTlToBr>
+                    <a:lnBlToTr w="12700" cmpd="sng">
+                      <a:noFill/>
+                      <a:prstDash val="solid"/>
+                    </a:lnBlToTr>
+                    <a:noFill/>
+                  </a:tcPr>
+                </a:tc>
+                <a:tc>
+                  <a:txBody>
+                    <a:bodyPr/>
+                    <a:lstStyle/>
+                    <a:p>
+                      <a:endParaRPr kumimoji="0" lang="en-US" altLang="zh-CN" sz="1800" b="0" i="0" u="none" strike="noStrike" cap="none" normalizeH="0" baseline="0" smtClean="0">
+                        <a:ln>
+                          <a:noFill/>
+                        </a:ln>
+                        <a:solidFill>
+                          <a:schemeClr val="tx1"/>
+                        </a:solidFill>
+                        <a:effectLst/>
+                        <a:latin typeface="Consolas" panose="020B0609020204030204" pitchFamily="49" charset="0"/>
+                      </a:endParaRPr>
+                    </a:p>
+                  </a:txBody>
+                  <a:tcPr>
+                    <a:lnL w="12700" cap="flat" cmpd="sng" algn="ctr">
+                      <a:solidFill>
+                        <a:srgbClr val="5B9BD5"/>
+                      </a:solidFill>
+                      <a:prstDash val="solid"/>
+                      <a:round/>
+                      <a:headEnd type="none" w="med" len="med"/>
+                      <a:tailEnd type="none" w="med" len="med"/>
+                    </a:lnL>
+                    <a:lnR w="12700" cap="flat" cmpd="sng" algn="ctr">
+                      <a:solidFill>
+                        <a:srgbClr val="5B9BD5"/>
+                      </a:solidFill>
+                      <a:prstDash val="solid"/>
+                      <a:round/>
+                      <a:headEnd type="none" w="med" len="med"/>
+                      <a:tailEnd type="none" w="med" len="med"/>
+                    </a:lnR>
+                    <a:lnT w="12700" cap="flat" cmpd="sng" algn="ctr">
+                      <a:solidFill>
+                        <a:srgbClr val="5B9BD5"/>
+                      </a:solidFill>
+                      <a:prstDash val="solid"/>
+                      <a:round/>
+                      <a:headEnd type="none" w="med" len="med"/>
+                      <a:tailEnd type="none" w="med" len="med"/>
+                    </a:lnT>
+                    <a:lnB w="12700" cap="flat" cmpd="sng" algn="ctr">
+                      <a:solidFill>
+                        <a:srgbClr val="5B9BD5"/>
+                      </a:solidFill>
+                      <a:prstDash val="solid"/>
+                      <a:round/>
+                      <a:headEnd type="none" w="med" len="med"/>
+                      <a:tailEnd type="none" w="med" len="med"/>
+                    </a:lnB>
+                    <a:lnTlToBr w="12700" cmpd="sng">
+                      <a:noFill/>
+                      <a:prstDash val="solid"/>
+                    </a:lnTlToBr>
+                    <a:lnBlToTr w="12700" cmpd="sng">
+                      <a:noFill/>
+                      <a:prstDash val="solid"/>
+                    </a:lnBlToTr>
+                    <a:noFill/>
+                  </a:tcPr>
+                </a:tc>
+              </a:tr>
+            </a:tbl>
+          </a:graphicData>
+        </a:graphic>
+      </p:graphicFrame>
       <p:sp>
         <p:nvSpPr>
-          <p:cNvPr id="3" name="矩形 2"/>
+          <p:cNvPr id="5" name="矩形 4"/>
           <p:cNvSpPr/>
           <p:nvPr/>
         </p:nvSpPr>
         <p:spPr>
           <a:xfrm>
-            <a:off x="268000" y="260065"/>
-            <a:ext cx="1284326" cy="369332"/>
+            <a:off x="3162615" y="1818667"/>
+            <a:ext cx="4572000" cy="923330"/>
           </a:xfrm>
           <a:prstGeom prst="rect">
             <a:avLst/>
           </a:prstGeom>
         </p:spPr>
         <p:txBody>
-          <a:bodyPr wrap="none">
+          <a:bodyPr>
             <a:spAutoFit/>
           </a:bodyPr>
           <a:lstStyle/>
           <a:p>
             <a:r>
-              <a:rPr lang="en-US" altLang="zh-CN" smtClean="0"/>
-              <a:t>__import__</a:t>
-            </a:r>
+              <a:rPr lang="en-US" altLang="zh-CN">
+                <a:latin typeface="Consolas" panose="020B0609020204030204" pitchFamily="49" charset="0"/>
+              </a:rPr>
+              <a:t>import net </a:t>
+            </a:r>
+          </a:p>
+          <a:p>
+            <a:r>
+              <a:rPr lang="en-US" altLang="zh-CN">
+                <a:latin typeface="Consolas" panose="020B0609020204030204" pitchFamily="49" charset="0"/>
+              </a:rPr>
+              <a:t>oNet=net.CNet()</a:t>
+            </a:r>
+          </a:p>
+          <a:p>
+            <a:r>
+              <a:rPr lang="en-US" altLang="zh-CN">
+                <a:latin typeface="Consolas" panose="020B0609020204030204" pitchFamily="49" charset="0"/>
+              </a:rPr>
+              <a:t>oNet.Send()------------------&gt;Send</a:t>
+            </a:r>
+          </a:p>
+        </p:txBody>
+      </p:sp>
+      <p:sp>
+        <p:nvSpPr>
+          <p:cNvPr id="4" name="矩形 3"/>
+          <p:cNvSpPr/>
+          <p:nvPr/>
+        </p:nvSpPr>
+        <p:spPr>
+          <a:xfrm>
+            <a:off x="3162615" y="3063104"/>
+            <a:ext cx="4572000" cy="646331"/>
+          </a:xfrm>
+          <a:prstGeom prst="rect">
+            <a:avLst/>
+          </a:prstGeom>
+        </p:spPr>
+        <p:txBody>
+          <a:bodyPr>
+            <a:spAutoFit/>
+          </a:bodyPr>
+          <a:lstStyle/>
+          <a:p>
+            <a:r>
+              <a:rPr lang="en-US" altLang="zh-CN">
+                <a:latin typeface="Consolas" panose="020B0609020204030204" pitchFamily="49" charset="0"/>
+              </a:rPr>
+              <a:t>reload(net</a:t>
+            </a:r>
+            <a:r>
+              <a:rPr lang="en-US" altLang="zh-CN" smtClean="0">
+                <a:latin typeface="Consolas" panose="020B0609020204030204" pitchFamily="49" charset="0"/>
+              </a:rPr>
+              <a:t>)</a:t>
+            </a:r>
+            <a:endParaRPr lang="en-US" altLang="zh-CN">
+              <a:latin typeface="Consolas" panose="020B0609020204030204" pitchFamily="49" charset="0"/>
+            </a:endParaRPr>
+          </a:p>
+          <a:p>
+            <a:pPr>
+              <a:defRPr/>
+            </a:pPr>
+            <a:r>
+              <a:rPr lang="en-US" altLang="zh-CN">
+                <a:latin typeface="Consolas" panose="020B0609020204030204" pitchFamily="49" charset="0"/>
+              </a:rPr>
+              <a:t>oNet.Send</a:t>
+            </a:r>
+            <a:r>
+              <a:rPr lang="en-US" altLang="zh-CN">
+                <a:latin typeface="Consolas" panose="020B0609020204030204" pitchFamily="49" charset="0"/>
+              </a:rPr>
+              <a:t>()------------------&gt;</a:t>
+            </a:r>
+            <a:r>
+              <a:rPr lang="en-US" altLang="zh-CN" smtClean="0">
+                <a:latin typeface="Consolas" panose="020B0609020204030204" pitchFamily="49" charset="0"/>
+              </a:rPr>
+              <a:t>Send</a:t>
+            </a:r>
+            <a:endParaRPr lang="en-US" altLang="zh-CN">
+              <a:latin typeface="Consolas" panose="020B0609020204030204" pitchFamily="49" charset="0"/>
+            </a:endParaRPr>
+          </a:p>
+        </p:txBody>
+      </p:sp>
+      <p:sp>
+        <p:nvSpPr>
+          <p:cNvPr id="6" name="矩形 5"/>
+          <p:cNvSpPr/>
+          <p:nvPr/>
+        </p:nvSpPr>
+        <p:spPr>
+          <a:xfrm>
+            <a:off x="487428" y="1818667"/>
+            <a:ext cx="4572000" cy="923330"/>
+          </a:xfrm>
+          <a:prstGeom prst="rect">
+            <a:avLst/>
+          </a:prstGeom>
+        </p:spPr>
+        <p:txBody>
+          <a:bodyPr>
+            <a:spAutoFit/>
+          </a:bodyPr>
+          <a:lstStyle/>
+          <a:p>
+            <a:pPr lvl="0"/>
+            <a:r>
+              <a:rPr lang="zh-CN" altLang="zh-CN" b="1">
+                <a:solidFill>
+                  <a:srgbClr val="7F0055"/>
+                </a:solidFill>
+                <a:latin typeface="Consolas" panose="020B0609020204030204" pitchFamily="49" charset="0"/>
+              </a:rPr>
+              <a:t>class</a:t>
+            </a:r>
+            <a:r>
+              <a:rPr lang="zh-CN" altLang="zh-CN" sz="1600">
+                <a:solidFill>
+                  <a:srgbClr val="333333"/>
+                </a:solidFill>
+                <a:latin typeface="Consolas" panose="020B0609020204030204" pitchFamily="49" charset="0"/>
+              </a:rPr>
+              <a:t> </a:t>
+            </a:r>
+            <a:r>
+              <a:rPr lang="zh-CN" altLang="zh-CN">
+                <a:solidFill>
+                  <a:srgbClr val="000000"/>
+                </a:solidFill>
+                <a:latin typeface="Consolas" panose="020B0609020204030204" pitchFamily="49" charset="0"/>
+              </a:rPr>
+              <a:t>CNet(</a:t>
+            </a:r>
+            <a:r>
+              <a:rPr lang="zh-CN" altLang="zh-CN">
+                <a:solidFill>
+                  <a:srgbClr val="FF1493"/>
+                </a:solidFill>
+                <a:latin typeface="Consolas" panose="020B0609020204030204" pitchFamily="49" charset="0"/>
+              </a:rPr>
+              <a:t>object</a:t>
+            </a:r>
+            <a:r>
+              <a:rPr lang="zh-CN" altLang="zh-CN">
+                <a:solidFill>
+                  <a:srgbClr val="000000"/>
+                </a:solidFill>
+                <a:latin typeface="Consolas" panose="020B0609020204030204" pitchFamily="49" charset="0"/>
+              </a:rPr>
+              <a:t>):</a:t>
+            </a:r>
+            <a:endParaRPr lang="zh-CN" altLang="zh-CN" sz="800"/>
+          </a:p>
+          <a:p>
+            <a:pPr lvl="0"/>
+            <a:r>
+              <a:rPr lang="zh-CN" altLang="zh-CN">
+                <a:solidFill>
+                  <a:srgbClr val="DD1144"/>
+                </a:solidFill>
+                <a:latin typeface="Consolas" panose="020B0609020204030204" pitchFamily="49" charset="0"/>
+              </a:rPr>
+              <a:t>    </a:t>
+            </a:r>
+            <a:r>
+              <a:rPr lang="zh-CN" altLang="zh-CN" b="1">
+                <a:solidFill>
+                  <a:srgbClr val="7F0055"/>
+                </a:solidFill>
+                <a:latin typeface="Consolas" panose="020B0609020204030204" pitchFamily="49" charset="0"/>
+              </a:rPr>
+              <a:t>def</a:t>
+            </a:r>
+            <a:r>
+              <a:rPr lang="zh-CN" altLang="zh-CN" sz="1600">
+                <a:solidFill>
+                  <a:srgbClr val="333333"/>
+                </a:solidFill>
+                <a:latin typeface="Consolas" panose="020B0609020204030204" pitchFamily="49" charset="0"/>
+              </a:rPr>
+              <a:t> </a:t>
+            </a:r>
+            <a:r>
+              <a:rPr lang="zh-CN" altLang="zh-CN">
+                <a:solidFill>
+                  <a:srgbClr val="000000"/>
+                </a:solidFill>
+                <a:latin typeface="Consolas" panose="020B0609020204030204" pitchFamily="49" charset="0"/>
+              </a:rPr>
+              <a:t>Send(</a:t>
+            </a:r>
+            <a:r>
+              <a:rPr lang="zh-CN" altLang="zh-CN">
+                <a:solidFill>
+                  <a:srgbClr val="808080"/>
+                </a:solidFill>
+                <a:latin typeface="Consolas" panose="020B0609020204030204" pitchFamily="49" charset="0"/>
+              </a:rPr>
+              <a:t>self</a:t>
+            </a:r>
+            <a:r>
+              <a:rPr lang="zh-CN" altLang="zh-CN">
+                <a:solidFill>
+                  <a:srgbClr val="000000"/>
+                </a:solidFill>
+                <a:latin typeface="Consolas" panose="020B0609020204030204" pitchFamily="49" charset="0"/>
+              </a:rPr>
+              <a:t>):</a:t>
+            </a:r>
+            <a:endParaRPr lang="zh-CN" altLang="zh-CN" sz="800"/>
+          </a:p>
+          <a:p>
+            <a:pPr lvl="0"/>
+            <a:r>
+              <a:rPr lang="zh-CN" altLang="zh-CN">
+                <a:solidFill>
+                  <a:srgbClr val="DD1144"/>
+                </a:solidFill>
+                <a:latin typeface="Consolas" panose="020B0609020204030204" pitchFamily="49" charset="0"/>
+              </a:rPr>
+              <a:t>        </a:t>
+            </a:r>
+            <a:r>
+              <a:rPr lang="zh-CN" altLang="zh-CN">
+                <a:solidFill>
+                  <a:srgbClr val="FF1493"/>
+                </a:solidFill>
+                <a:latin typeface="Consolas" panose="020B0609020204030204" pitchFamily="49" charset="0"/>
+              </a:rPr>
+              <a:t>print</a:t>
+            </a:r>
+            <a:r>
+              <a:rPr lang="zh-CN" altLang="zh-CN" sz="1600">
+                <a:solidFill>
+                  <a:srgbClr val="333333"/>
+                </a:solidFill>
+                <a:latin typeface="Consolas" panose="020B0609020204030204" pitchFamily="49" charset="0"/>
+              </a:rPr>
+              <a:t> </a:t>
+            </a:r>
+            <a:r>
+              <a:rPr lang="zh-CN" altLang="zh-CN" smtClean="0">
+                <a:solidFill>
+                  <a:srgbClr val="2A00FF"/>
+                </a:solidFill>
+                <a:latin typeface="Consolas" panose="020B0609020204030204" pitchFamily="49" charset="0"/>
+              </a:rPr>
+              <a:t>"</a:t>
+            </a:r>
+            <a:r>
+              <a:rPr lang="en-US" altLang="zh-CN" smtClean="0">
+                <a:solidFill>
+                  <a:srgbClr val="2A00FF"/>
+                </a:solidFill>
+                <a:latin typeface="Consolas" panose="020B0609020204030204" pitchFamily="49" charset="0"/>
+              </a:rPr>
+              <a:t>Recv</a:t>
+            </a:r>
+            <a:r>
+              <a:rPr lang="zh-CN" altLang="zh-CN" smtClean="0">
+                <a:solidFill>
+                  <a:srgbClr val="2A00FF"/>
+                </a:solidFill>
+                <a:latin typeface="Consolas" panose="020B0609020204030204" pitchFamily="49" charset="0"/>
+              </a:rPr>
+              <a:t>"</a:t>
+            </a:r>
+            <a:endParaRPr lang="zh-CN" altLang="zh-CN"/>
+          </a:p>
+        </p:txBody>
+      </p:sp>
+      <p:sp>
+        <p:nvSpPr>
+          <p:cNvPr id="7" name="矩形 6"/>
+          <p:cNvSpPr/>
+          <p:nvPr/>
+        </p:nvSpPr>
+        <p:spPr>
+          <a:xfrm>
+            <a:off x="487428" y="273119"/>
+            <a:ext cx="4572000" cy="923330"/>
+          </a:xfrm>
+          <a:prstGeom prst="rect">
+            <a:avLst/>
+          </a:prstGeom>
+        </p:spPr>
+        <p:txBody>
+          <a:bodyPr>
+            <a:spAutoFit/>
+          </a:bodyPr>
+          <a:lstStyle/>
+          <a:p>
+            <a:pPr lvl="0"/>
+            <a:r>
+              <a:rPr lang="zh-CN" altLang="zh-CN" b="1">
+                <a:solidFill>
+                  <a:schemeClr val="bg1">
+                    <a:lumMod val="50000"/>
+                  </a:schemeClr>
+                </a:solidFill>
+                <a:latin typeface="Consolas" panose="020B0609020204030204" pitchFamily="49" charset="0"/>
+              </a:rPr>
+              <a:t>class</a:t>
+            </a:r>
+            <a:r>
+              <a:rPr lang="zh-CN" altLang="zh-CN" sz="1600">
+                <a:solidFill>
+                  <a:schemeClr val="bg1">
+                    <a:lumMod val="50000"/>
+                  </a:schemeClr>
+                </a:solidFill>
+                <a:latin typeface="Consolas" panose="020B0609020204030204" pitchFamily="49" charset="0"/>
+              </a:rPr>
+              <a:t> </a:t>
+            </a:r>
+            <a:r>
+              <a:rPr lang="zh-CN" altLang="zh-CN">
+                <a:solidFill>
+                  <a:schemeClr val="bg1">
+                    <a:lumMod val="50000"/>
+                  </a:schemeClr>
+                </a:solidFill>
+                <a:latin typeface="Consolas" panose="020B0609020204030204" pitchFamily="49" charset="0"/>
+              </a:rPr>
+              <a:t>CNet(object):</a:t>
+            </a:r>
+            <a:endParaRPr lang="zh-CN" altLang="zh-CN" sz="800">
+              <a:solidFill>
+                <a:schemeClr val="bg1">
+                  <a:lumMod val="50000"/>
+                </a:schemeClr>
+              </a:solidFill>
+            </a:endParaRPr>
+          </a:p>
+          <a:p>
+            <a:pPr lvl="0"/>
+            <a:r>
+              <a:rPr lang="zh-CN" altLang="zh-CN">
+                <a:solidFill>
+                  <a:schemeClr val="bg1">
+                    <a:lumMod val="50000"/>
+                  </a:schemeClr>
+                </a:solidFill>
+                <a:latin typeface="Consolas" panose="020B0609020204030204" pitchFamily="49" charset="0"/>
+              </a:rPr>
+              <a:t>    </a:t>
+            </a:r>
+            <a:r>
+              <a:rPr lang="zh-CN" altLang="zh-CN" b="1">
+                <a:solidFill>
+                  <a:schemeClr val="bg1">
+                    <a:lumMod val="50000"/>
+                  </a:schemeClr>
+                </a:solidFill>
+                <a:latin typeface="Consolas" panose="020B0609020204030204" pitchFamily="49" charset="0"/>
+              </a:rPr>
+              <a:t>def</a:t>
+            </a:r>
+            <a:r>
+              <a:rPr lang="zh-CN" altLang="zh-CN" sz="1600">
+                <a:solidFill>
+                  <a:schemeClr val="bg1">
+                    <a:lumMod val="50000"/>
+                  </a:schemeClr>
+                </a:solidFill>
+                <a:latin typeface="Consolas" panose="020B0609020204030204" pitchFamily="49" charset="0"/>
+              </a:rPr>
+              <a:t> </a:t>
+            </a:r>
+            <a:r>
+              <a:rPr lang="zh-CN" altLang="zh-CN">
+                <a:solidFill>
+                  <a:schemeClr val="bg1">
+                    <a:lumMod val="50000"/>
+                  </a:schemeClr>
+                </a:solidFill>
+                <a:latin typeface="Consolas" panose="020B0609020204030204" pitchFamily="49" charset="0"/>
+              </a:rPr>
+              <a:t>Send(self):</a:t>
+            </a:r>
+            <a:endParaRPr lang="zh-CN" altLang="zh-CN" sz="800">
+              <a:solidFill>
+                <a:schemeClr val="bg1">
+                  <a:lumMod val="50000"/>
+                </a:schemeClr>
+              </a:solidFill>
+            </a:endParaRPr>
+          </a:p>
+          <a:p>
+            <a:pPr lvl="0"/>
+            <a:r>
+              <a:rPr lang="zh-CN" altLang="zh-CN">
+                <a:solidFill>
+                  <a:schemeClr val="bg1">
+                    <a:lumMod val="50000"/>
+                  </a:schemeClr>
+                </a:solidFill>
+                <a:latin typeface="Consolas" panose="020B0609020204030204" pitchFamily="49" charset="0"/>
+              </a:rPr>
+              <a:t>        print</a:t>
+            </a:r>
+            <a:r>
+              <a:rPr lang="zh-CN" altLang="zh-CN" sz="1600">
+                <a:solidFill>
+                  <a:schemeClr val="bg1">
+                    <a:lumMod val="50000"/>
+                  </a:schemeClr>
+                </a:solidFill>
+                <a:latin typeface="Consolas" panose="020B0609020204030204" pitchFamily="49" charset="0"/>
+              </a:rPr>
+              <a:t> </a:t>
+            </a:r>
+            <a:r>
+              <a:rPr lang="zh-CN" altLang="zh-CN" smtClean="0">
+                <a:solidFill>
+                  <a:schemeClr val="bg1">
+                    <a:lumMod val="50000"/>
+                  </a:schemeClr>
+                </a:solidFill>
+                <a:latin typeface="Consolas" panose="020B0609020204030204" pitchFamily="49" charset="0"/>
+              </a:rPr>
+              <a:t>"</a:t>
+            </a:r>
+            <a:r>
+              <a:rPr lang="en-US" altLang="zh-CN" smtClean="0">
+                <a:solidFill>
+                  <a:schemeClr val="bg1">
+                    <a:lumMod val="50000"/>
+                  </a:schemeClr>
+                </a:solidFill>
+                <a:latin typeface="Consolas" panose="020B0609020204030204" pitchFamily="49" charset="0"/>
+              </a:rPr>
+              <a:t>Recv</a:t>
+            </a:r>
+            <a:r>
+              <a:rPr lang="zh-CN" altLang="zh-CN" smtClean="0">
+                <a:solidFill>
+                  <a:schemeClr val="bg1">
+                    <a:lumMod val="50000"/>
+                  </a:schemeClr>
+                </a:solidFill>
+                <a:latin typeface="Consolas" panose="020B0609020204030204" pitchFamily="49" charset="0"/>
+              </a:rPr>
+              <a:t>"</a:t>
+            </a:r>
+            <a:endParaRPr lang="zh-CN" altLang="zh-CN">
+              <a:solidFill>
+                <a:schemeClr val="bg1">
+                  <a:lumMod val="50000"/>
+                </a:schemeClr>
+              </a:solidFill>
+            </a:endParaRPr>
+          </a:p>
+        </p:txBody>
+      </p:sp>
+      <p:sp>
+        <p:nvSpPr>
+          <p:cNvPr id="8" name="任意多边形 7"/>
+          <p:cNvSpPr/>
+          <p:nvPr/>
+        </p:nvSpPr>
+        <p:spPr>
+          <a:xfrm rot="2985298" flipH="1">
+            <a:off x="1580997" y="497600"/>
+            <a:ext cx="2666110" cy="1069950"/>
+          </a:xfrm>
+          <a:custGeom>
+            <a:avLst/>
+            <a:gdLst>
+              <a:gd name="connsiteX0" fmla="*/ 2133815 w 2133815"/>
+              <a:gd name="connsiteY0" fmla="*/ 1342003 h 1342003"/>
+              <a:gd name="connsiteX1" fmla="*/ 1347884 w 2133815"/>
+              <a:gd name="connsiteY1" fmla="*/ 4410 h 1342003"/>
+              <a:gd name="connsiteX2" fmla="*/ 116089 w 2133815"/>
+              <a:gd name="connsiteY2" fmla="*/ 911253 h 1342003"/>
+              <a:gd name="connsiteX3" fmla="*/ 123646 w 2133815"/>
+              <a:gd name="connsiteY3" fmla="*/ 918810 h 1342003"/>
+            </a:gdLst>
+            <a:ahLst/>
+            <a:cxnLst>
+              <a:cxn ang="0">
+                <a:pos x="connsiteX0" y="connsiteY0"/>
+              </a:cxn>
+              <a:cxn ang="0">
+                <a:pos x="connsiteX1" y="connsiteY1"/>
+              </a:cxn>
+              <a:cxn ang="0">
+                <a:pos x="connsiteX2" y="connsiteY2"/>
+              </a:cxn>
+              <a:cxn ang="0">
+                <a:pos x="connsiteX3" y="connsiteY3"/>
+              </a:cxn>
+            </a:cxnLst>
+            <a:rect l="l" t="t" r="r" b="b"/>
+            <a:pathLst>
+              <a:path w="2133815" h="1342003">
+                <a:moveTo>
+                  <a:pt x="2133815" y="1342003"/>
+                </a:moveTo>
+                <a:cubicBezTo>
+                  <a:pt x="1908993" y="709102"/>
+                  <a:pt x="1684171" y="76202"/>
+                  <a:pt x="1347884" y="4410"/>
+                </a:cubicBezTo>
+                <a:cubicBezTo>
+                  <a:pt x="1011597" y="-67382"/>
+                  <a:pt x="320129" y="758853"/>
+                  <a:pt x="116089" y="911253"/>
+                </a:cubicBezTo>
+                <a:cubicBezTo>
+                  <a:pt x="-87951" y="1063653"/>
+                  <a:pt x="17847" y="991231"/>
+                  <a:pt x="123646" y="918810"/>
+                </a:cubicBezTo>
+              </a:path>
+            </a:pathLst>
+          </a:custGeom>
+          <a:noFill/>
+          <a:ln w="25400">
+            <a:solidFill>
+              <a:srgbClr val="ADAD01"/>
+            </a:solidFill>
+            <a:headEnd type="stealth" w="lg" len="med"/>
+            <a:tailEnd type="none"/>
+          </a:ln>
+        </p:spPr>
+        <p:style>
+          <a:lnRef idx="2">
+            <a:schemeClr val="accent1">
+              <a:shade val="50000"/>
+            </a:schemeClr>
+          </a:lnRef>
+          <a:fillRef idx="1">
+            <a:schemeClr val="accent1"/>
+          </a:fillRef>
+          <a:effectRef idx="0">
+            <a:schemeClr val="accent1"/>
+          </a:effectRef>
+          <a:fontRef idx="minor">
+            <a:schemeClr val="lt1"/>
+          </a:fontRef>
+        </p:style>
+        <p:txBody>
+          <a:bodyPr rtlCol="0" anchor="ctr"/>
+          <a:lstStyle/>
+          <a:p>
+            <a:pPr algn="ctr"/>
+            <a:endParaRPr lang="zh-CN" altLang="en-US"/>
           </a:p>
         </p:txBody>
       </p:sp>
     </p:spTree>
     <p:extLst>
       <p:ext uri="{BB962C8B-B14F-4D97-AF65-F5344CB8AC3E}">
-        <p14:creationId xmlns:p14="http://schemas.microsoft.com/office/powerpoint/2010/main" val="1320621408"/>
+        <p14:creationId xmlns:p14="http://schemas.microsoft.com/office/powerpoint/2010/main" val="3521049633"/>
       </p:ext>
     </p:extLst>
   </p:cSld>
@@ -17026,9 +20331,88 @@
   <p:timing>
     <p:tnLst>
       <p:par>
-        <p:cTn id="1" dur="indefinite" restart="never" nodeType="tmRoot"/>
+        <p:cTn id="1" dur="indefinite" restart="never" nodeType="tmRoot">
+          <p:childTnLst>
+            <p:seq concurrent="1" nextAc="seek">
+              <p:cTn id="2" dur="indefinite" nodeType="mainSeq">
+                <p:childTnLst>
+                  <p:par>
+                    <p:cTn id="3" fill="hold">
+                      <p:stCondLst>
+                        <p:cond delay="indefinite"/>
+                      </p:stCondLst>
+                      <p:childTnLst>
+                        <p:par>
+                          <p:cTn id="4" fill="hold">
+                            <p:stCondLst>
+                              <p:cond delay="0"/>
+                            </p:stCondLst>
+                            <p:childTnLst>
+                              <p:par>
+                                <p:cTn id="5" presetID="22" presetClass="entr" presetSubtype="4" fill="hold" grpId="0" nodeType="clickEffect">
+                                  <p:stCondLst>
+                                    <p:cond delay="0"/>
+                                  </p:stCondLst>
+                                  <p:childTnLst>
+                                    <p:set>
+                                      <p:cBhvr>
+                                        <p:cTn id="6" dur="1" fill="hold">
+                                          <p:stCondLst>
+                                            <p:cond delay="0"/>
+                                          </p:stCondLst>
+                                        </p:cTn>
+                                        <p:tgtEl>
+                                          <p:spTgt spid="8"/>
+                                        </p:tgtEl>
+                                        <p:attrNameLst>
+                                          <p:attrName>style.visibility</p:attrName>
+                                        </p:attrNameLst>
+                                      </p:cBhvr>
+                                      <p:to>
+                                        <p:strVal val="visible"/>
+                                      </p:to>
+                                    </p:set>
+                                    <p:animEffect transition="in" filter="wipe(down)">
+                                      <p:cBhvr>
+                                        <p:cTn id="7" dur="500"/>
+                                        <p:tgtEl>
+                                          <p:spTgt spid="8"/>
+                                        </p:tgtEl>
+                                      </p:cBhvr>
+                                    </p:animEffect>
+                                  </p:childTnLst>
+                                </p:cTn>
+                              </p:par>
+                            </p:childTnLst>
+                          </p:cTn>
+                        </p:par>
+                      </p:childTnLst>
+                    </p:cTn>
+                  </p:par>
+                </p:childTnLst>
+              </p:cTn>
+              <p:prevCondLst>
+                <p:cond evt="onPrev" delay="0">
+                  <p:tgtEl>
+                    <p:sldTgt/>
+                  </p:tgtEl>
+                </p:cond>
+              </p:prevCondLst>
+              <p:nextCondLst>
+                <p:cond evt="onNext" delay="0">
+                  <p:tgtEl>
+                    <p:sldTgt/>
+                  </p:tgtEl>
+                </p:cond>
+              </p:nextCondLst>
+            </p:seq>
+          </p:childTnLst>
+        </p:cTn>
       </p:par>
     </p:tnLst>
+    <p:bldLst>
+      <p:bldP spid="8" grpId="0" animBg="1"/>
+    </p:bldLst>
   </p:timing>
 </p:sld>
 </file>
@@ -18437,6 +21821,2124 @@
       <p:bldP spid="21" grpId="0"/>
       <p:bldP spid="24" grpId="0"/>
       <p:bldP spid="30" grpId="0"/>
+    </p:bldLst>
+  </p:timing>
+</p:sld>
+</file>
+
+<file path=ppt/slides/slide30.xml><?xml version="1.0" encoding="utf-8"?>
+<p:sld xmlns:a="http://schemas.openxmlformats.org/drawingml/2006/main" xmlns:r="http://schemas.openxmlformats.org/officeDocument/2006/relationships" xmlns:p="http://schemas.openxmlformats.org/presentationml/2006/main">
+  <p:cSld>
+    <p:spTree>
+      <p:nvGrpSpPr>
+        <p:cNvPr id="1" name=""/>
+        <p:cNvGrpSpPr/>
+        <p:nvPr/>
+      </p:nvGrpSpPr>
+      <p:grpSpPr>
+        <a:xfrm>
+          <a:off x="0" y="0"/>
+          <a:ext cx="0" cy="0"/>
+          <a:chOff x="0" y="0"/>
+          <a:chExt cx="0" cy="0"/>
+        </a:xfrm>
+      </p:grpSpPr>
+      <p:graphicFrame>
+        <p:nvGraphicFramePr>
+          <p:cNvPr id="3" name="表格 2"/>
+          <p:cNvGraphicFramePr>
+            <a:graphicFrameLocks noGrp="1"/>
+          </p:cNvGraphicFramePr>
+          <p:nvPr>
+            <p:extLst/>
+          </p:nvPr>
+        </p:nvGraphicFramePr>
+        <p:xfrm>
+          <a:off x="487428" y="1375379"/>
+          <a:ext cx="7609505" cy="4726093"/>
+        </p:xfrm>
+        <a:graphic>
+          <a:graphicData uri="http://schemas.openxmlformats.org/drawingml/2006/table">
+            <a:tbl>
+              <a:tblPr firstRow="1" bandRow="1">
+                <a:tableStyleId>{5C22544A-7EE6-4342-B048-85BDC9FD1C3A}</a:tableStyleId>
+              </a:tblPr>
+              <a:tblGrid>
+                <a:gridCol w="2697439"/>
+                <a:gridCol w="4912066"/>
+              </a:tblGrid>
+              <a:tr h="332508">
+                <a:tc>
+                  <a:txBody>
+                    <a:bodyPr/>
+                    <a:lstStyle/>
+                    <a:p>
+                      <a:pPr marL="0" marR="0" lvl="0" indent="0" algn="l" defTabSz="914400" rtl="0" eaLnBrk="0" fontAlgn="base" latinLnBrk="0" hangingPunct="0">
+                        <a:lnSpc>
+                          <a:spcPct val="100000"/>
+                        </a:lnSpc>
+                        <a:spcBef>
+                          <a:spcPct val="0"/>
+                        </a:spcBef>
+                        <a:spcAft>
+                          <a:spcPct val="0"/>
+                        </a:spcAft>
+                        <a:buClrTx/>
+                        <a:buSzTx/>
+                        <a:buFontTx/>
+                        <a:buNone/>
+                        <a:tabLst/>
+                      </a:pPr>
+                      <a:r>
+                        <a:rPr kumimoji="0" lang="en-US" altLang="zh-CN" sz="1800" b="0" i="0" u="none" strike="noStrike" cap="none" normalizeH="0" baseline="0" smtClean="0">
+                          <a:ln>
+                            <a:noFill/>
+                          </a:ln>
+                          <a:solidFill>
+                            <a:schemeClr val="tx1"/>
+                          </a:solidFill>
+                          <a:effectLst/>
+                        </a:rPr>
+                        <a:t>net.py</a:t>
+                      </a:r>
+                      <a:endParaRPr kumimoji="0" lang="zh-CN" altLang="zh-CN" sz="1800" b="0" i="0" u="none" strike="noStrike" cap="none" normalizeH="0" baseline="0" smtClean="0">
+                        <a:ln>
+                          <a:noFill/>
+                        </a:ln>
+                        <a:solidFill>
+                          <a:schemeClr val="tx1"/>
+                        </a:solidFill>
+                        <a:effectLst/>
+                      </a:endParaRPr>
+                    </a:p>
+                  </a:txBody>
+                  <a:tcPr>
+                    <a:lnL w="12700" cap="flat" cmpd="sng" algn="ctr">
+                      <a:solidFill>
+                        <a:srgbClr val="5B9BD5"/>
+                      </a:solidFill>
+                      <a:prstDash val="solid"/>
+                      <a:round/>
+                      <a:headEnd type="none" w="med" len="med"/>
+                      <a:tailEnd type="none" w="med" len="med"/>
+                    </a:lnL>
+                    <a:lnR w="12700" cap="flat" cmpd="sng" algn="ctr">
+                      <a:solidFill>
+                        <a:srgbClr val="5B9BD5"/>
+                      </a:solidFill>
+                      <a:prstDash val="solid"/>
+                      <a:round/>
+                      <a:headEnd type="none" w="med" len="med"/>
+                      <a:tailEnd type="none" w="med" len="med"/>
+                    </a:lnR>
+                    <a:lnT w="12700" cap="flat" cmpd="sng" algn="ctr">
+                      <a:solidFill>
+                        <a:srgbClr val="5B9BD5"/>
+                      </a:solidFill>
+                      <a:prstDash val="solid"/>
+                      <a:round/>
+                      <a:headEnd type="none" w="med" len="med"/>
+                      <a:tailEnd type="none" w="med" len="med"/>
+                    </a:lnT>
+                    <a:lnB w="12700" cap="flat" cmpd="sng" algn="ctr">
+                      <a:solidFill>
+                        <a:srgbClr val="5B9BD5"/>
+                      </a:solidFill>
+                      <a:prstDash val="solid"/>
+                      <a:round/>
+                      <a:headEnd type="none" w="med" len="med"/>
+                      <a:tailEnd type="none" w="med" len="med"/>
+                    </a:lnB>
+                    <a:lnTlToBr w="12700" cmpd="sng">
+                      <a:noFill/>
+                      <a:prstDash val="solid"/>
+                    </a:lnTlToBr>
+                    <a:lnBlToTr w="12700" cmpd="sng">
+                      <a:noFill/>
+                      <a:prstDash val="solid"/>
+                    </a:lnBlToTr>
+                    <a:noFill/>
+                  </a:tcPr>
+                </a:tc>
+                <a:tc>
+                  <a:txBody>
+                    <a:bodyPr/>
+                    <a:lstStyle/>
+                    <a:p>
+                      <a:r>
+                        <a:rPr kumimoji="0" lang="en-US" altLang="zh-CN" sz="1800" b="0" i="0" u="none" strike="noStrike" cap="none" normalizeH="0" baseline="0" smtClean="0">
+                          <a:ln>
+                            <a:noFill/>
+                          </a:ln>
+                          <a:solidFill>
+                            <a:schemeClr val="tx1"/>
+                          </a:solidFill>
+                          <a:effectLst/>
+                          <a:latin typeface="Consolas" panose="020B0609020204030204" pitchFamily="49" charset="0"/>
+                        </a:rPr>
+                        <a:t>objects.py</a:t>
+                      </a:r>
+                      <a:endParaRPr kumimoji="0" lang="en-US" altLang="zh-CN" sz="1800" b="0" i="0" u="none" strike="noStrike" cap="none" normalizeH="0" baseline="0" smtClean="0">
+                        <a:ln>
+                          <a:noFill/>
+                        </a:ln>
+                        <a:solidFill>
+                          <a:schemeClr val="tx1"/>
+                        </a:solidFill>
+                        <a:effectLst/>
+                        <a:latin typeface="Consolas" panose="020B0609020204030204" pitchFamily="49" charset="0"/>
+                      </a:endParaRPr>
+                    </a:p>
+                  </a:txBody>
+                  <a:tcPr>
+                    <a:lnL w="12700" cap="flat" cmpd="sng" algn="ctr">
+                      <a:solidFill>
+                        <a:srgbClr val="5B9BD5"/>
+                      </a:solidFill>
+                      <a:prstDash val="solid"/>
+                      <a:round/>
+                      <a:headEnd type="none" w="med" len="med"/>
+                      <a:tailEnd type="none" w="med" len="med"/>
+                    </a:lnL>
+                    <a:lnR w="12700" cap="flat" cmpd="sng" algn="ctr">
+                      <a:solidFill>
+                        <a:srgbClr val="5B9BD5"/>
+                      </a:solidFill>
+                      <a:prstDash val="solid"/>
+                      <a:round/>
+                      <a:headEnd type="none" w="med" len="med"/>
+                      <a:tailEnd type="none" w="med" len="med"/>
+                    </a:lnR>
+                    <a:lnT w="12700" cap="flat" cmpd="sng" algn="ctr">
+                      <a:solidFill>
+                        <a:srgbClr val="5B9BD5"/>
+                      </a:solidFill>
+                      <a:prstDash val="solid"/>
+                      <a:round/>
+                      <a:headEnd type="none" w="med" len="med"/>
+                      <a:tailEnd type="none" w="med" len="med"/>
+                    </a:lnT>
+                    <a:lnB w="12700" cap="flat" cmpd="sng" algn="ctr">
+                      <a:solidFill>
+                        <a:srgbClr val="5B9BD5"/>
+                      </a:solidFill>
+                      <a:prstDash val="solid"/>
+                      <a:round/>
+                      <a:headEnd type="none" w="med" len="med"/>
+                      <a:tailEnd type="none" w="med" len="med"/>
+                    </a:lnB>
+                    <a:lnTlToBr w="12700" cmpd="sng">
+                      <a:noFill/>
+                      <a:prstDash val="solid"/>
+                    </a:lnTlToBr>
+                    <a:lnBlToTr w="12700" cmpd="sng">
+                      <a:noFill/>
+                      <a:prstDash val="solid"/>
+                    </a:lnBlToTr>
+                    <a:noFill/>
+                  </a:tcPr>
+                </a:tc>
+              </a:tr>
+              <a:tr h="4360333">
+                <a:tc>
+                  <a:txBody>
+                    <a:bodyPr/>
+                    <a:lstStyle/>
+                    <a:p>
+                      <a:pPr marL="0" marR="0" lvl="0" indent="0" algn="l" defTabSz="914400" rtl="0" eaLnBrk="0" fontAlgn="base" latinLnBrk="0" hangingPunct="0">
+                        <a:lnSpc>
+                          <a:spcPct val="100000"/>
+                        </a:lnSpc>
+                        <a:spcBef>
+                          <a:spcPct val="0"/>
+                        </a:spcBef>
+                        <a:spcAft>
+                          <a:spcPct val="0"/>
+                        </a:spcAft>
+                        <a:buClrTx/>
+                        <a:buSzTx/>
+                        <a:buFontTx/>
+                        <a:buNone/>
+                        <a:tabLst/>
+                      </a:pPr>
+                      <a:endParaRPr kumimoji="0" lang="zh-CN" altLang="zh-CN" sz="1800" b="0" i="0" u="none" strike="noStrike" cap="none" normalizeH="0" baseline="0" smtClean="0">
+                        <a:ln>
+                          <a:noFill/>
+                        </a:ln>
+                        <a:solidFill>
+                          <a:schemeClr val="tx1"/>
+                        </a:solidFill>
+                        <a:effectLst/>
+                      </a:endParaRPr>
+                    </a:p>
+                  </a:txBody>
+                  <a:tcPr>
+                    <a:lnL w="12700" cap="flat" cmpd="sng" algn="ctr">
+                      <a:solidFill>
+                        <a:srgbClr val="5B9BD5"/>
+                      </a:solidFill>
+                      <a:prstDash val="solid"/>
+                      <a:round/>
+                      <a:headEnd type="none" w="med" len="med"/>
+                      <a:tailEnd type="none" w="med" len="med"/>
+                    </a:lnL>
+                    <a:lnR w="12700" cap="flat" cmpd="sng" algn="ctr">
+                      <a:solidFill>
+                        <a:srgbClr val="5B9BD5"/>
+                      </a:solidFill>
+                      <a:prstDash val="solid"/>
+                      <a:round/>
+                      <a:headEnd type="none" w="med" len="med"/>
+                      <a:tailEnd type="none" w="med" len="med"/>
+                    </a:lnR>
+                    <a:lnT w="12700" cap="flat" cmpd="sng" algn="ctr">
+                      <a:solidFill>
+                        <a:srgbClr val="5B9BD5"/>
+                      </a:solidFill>
+                      <a:prstDash val="solid"/>
+                      <a:round/>
+                      <a:headEnd type="none" w="med" len="med"/>
+                      <a:tailEnd type="none" w="med" len="med"/>
+                    </a:lnT>
+                    <a:lnB w="12700" cap="flat" cmpd="sng" algn="ctr">
+                      <a:solidFill>
+                        <a:srgbClr val="5B9BD5"/>
+                      </a:solidFill>
+                      <a:prstDash val="solid"/>
+                      <a:round/>
+                      <a:headEnd type="none" w="med" len="med"/>
+                      <a:tailEnd type="none" w="med" len="med"/>
+                    </a:lnB>
+                    <a:lnTlToBr w="12700" cmpd="sng">
+                      <a:noFill/>
+                      <a:prstDash val="solid"/>
+                    </a:lnTlToBr>
+                    <a:lnBlToTr w="12700" cmpd="sng">
+                      <a:noFill/>
+                      <a:prstDash val="solid"/>
+                    </a:lnBlToTr>
+                    <a:noFill/>
+                  </a:tcPr>
+                </a:tc>
+                <a:tc>
+                  <a:txBody>
+                    <a:bodyPr/>
+                    <a:lstStyle/>
+                    <a:p>
+                      <a:endParaRPr kumimoji="0" lang="en-US" altLang="zh-CN" sz="1800" b="0" i="0" u="none" strike="noStrike" cap="none" normalizeH="0" baseline="0" smtClean="0">
+                        <a:ln>
+                          <a:noFill/>
+                        </a:ln>
+                        <a:solidFill>
+                          <a:schemeClr val="tx1"/>
+                        </a:solidFill>
+                        <a:effectLst/>
+                        <a:latin typeface="Consolas" panose="020B0609020204030204" pitchFamily="49" charset="0"/>
+                      </a:endParaRPr>
+                    </a:p>
+                  </a:txBody>
+                  <a:tcPr>
+                    <a:lnL w="12700" cap="flat" cmpd="sng" algn="ctr">
+                      <a:solidFill>
+                        <a:srgbClr val="5B9BD5"/>
+                      </a:solidFill>
+                      <a:prstDash val="solid"/>
+                      <a:round/>
+                      <a:headEnd type="none" w="med" len="med"/>
+                      <a:tailEnd type="none" w="med" len="med"/>
+                    </a:lnL>
+                    <a:lnR w="12700" cap="flat" cmpd="sng" algn="ctr">
+                      <a:solidFill>
+                        <a:srgbClr val="5B9BD5"/>
+                      </a:solidFill>
+                      <a:prstDash val="solid"/>
+                      <a:round/>
+                      <a:headEnd type="none" w="med" len="med"/>
+                      <a:tailEnd type="none" w="med" len="med"/>
+                    </a:lnR>
+                    <a:lnT w="12700" cap="flat" cmpd="sng" algn="ctr">
+                      <a:solidFill>
+                        <a:srgbClr val="5B9BD5"/>
+                      </a:solidFill>
+                      <a:prstDash val="solid"/>
+                      <a:round/>
+                      <a:headEnd type="none" w="med" len="med"/>
+                      <a:tailEnd type="none" w="med" len="med"/>
+                    </a:lnT>
+                    <a:lnB w="12700" cap="flat" cmpd="sng" algn="ctr">
+                      <a:solidFill>
+                        <a:srgbClr val="5B9BD5"/>
+                      </a:solidFill>
+                      <a:prstDash val="solid"/>
+                      <a:round/>
+                      <a:headEnd type="none" w="med" len="med"/>
+                      <a:tailEnd type="none" w="med" len="med"/>
+                    </a:lnB>
+                    <a:lnTlToBr w="12700" cmpd="sng">
+                      <a:noFill/>
+                      <a:prstDash val="solid"/>
+                    </a:lnTlToBr>
+                    <a:lnBlToTr w="12700" cmpd="sng">
+                      <a:noFill/>
+                      <a:prstDash val="solid"/>
+                    </a:lnBlToTr>
+                    <a:noFill/>
+                  </a:tcPr>
+                </a:tc>
+              </a:tr>
+            </a:tbl>
+          </a:graphicData>
+        </a:graphic>
+      </p:graphicFrame>
+      <p:sp>
+        <p:nvSpPr>
+          <p:cNvPr id="5" name="矩形 4"/>
+          <p:cNvSpPr/>
+          <p:nvPr/>
+        </p:nvSpPr>
+        <p:spPr>
+          <a:xfrm>
+            <a:off x="3162615" y="1818667"/>
+            <a:ext cx="4572000" cy="923330"/>
+          </a:xfrm>
+          <a:prstGeom prst="rect">
+            <a:avLst/>
+          </a:prstGeom>
+        </p:spPr>
+        <p:txBody>
+          <a:bodyPr>
+            <a:spAutoFit/>
+          </a:bodyPr>
+          <a:lstStyle/>
+          <a:p>
+            <a:r>
+              <a:rPr lang="en-US" altLang="zh-CN">
+                <a:latin typeface="Consolas" panose="020B0609020204030204" pitchFamily="49" charset="0"/>
+              </a:rPr>
+              <a:t>import net </a:t>
+            </a:r>
+          </a:p>
+          <a:p>
+            <a:r>
+              <a:rPr lang="en-US" altLang="zh-CN">
+                <a:latin typeface="Consolas" panose="020B0609020204030204" pitchFamily="49" charset="0"/>
+              </a:rPr>
+              <a:t>oNet=net.CNet()</a:t>
+            </a:r>
+          </a:p>
+          <a:p>
+            <a:r>
+              <a:rPr lang="en-US" altLang="zh-CN">
+                <a:latin typeface="Consolas" panose="020B0609020204030204" pitchFamily="49" charset="0"/>
+              </a:rPr>
+              <a:t>oNet.Send()------------------&gt;Send</a:t>
+            </a:r>
+          </a:p>
+        </p:txBody>
+      </p:sp>
+      <p:sp>
+        <p:nvSpPr>
+          <p:cNvPr id="4" name="矩形 3"/>
+          <p:cNvSpPr/>
+          <p:nvPr/>
+        </p:nvSpPr>
+        <p:spPr>
+          <a:xfrm>
+            <a:off x="3162615" y="3063104"/>
+            <a:ext cx="4572000" cy="1477328"/>
+          </a:xfrm>
+          <a:prstGeom prst="rect">
+            <a:avLst/>
+          </a:prstGeom>
+        </p:spPr>
+        <p:txBody>
+          <a:bodyPr>
+            <a:spAutoFit/>
+          </a:bodyPr>
+          <a:lstStyle/>
+          <a:p>
+            <a:r>
+              <a:rPr lang="en-US" altLang="zh-CN">
+                <a:latin typeface="Consolas" panose="020B0609020204030204" pitchFamily="49" charset="0"/>
+              </a:rPr>
+              <a:t>reload(net</a:t>
+            </a:r>
+            <a:r>
+              <a:rPr lang="en-US" altLang="zh-CN" smtClean="0">
+                <a:latin typeface="Consolas" panose="020B0609020204030204" pitchFamily="49" charset="0"/>
+              </a:rPr>
+              <a:t>)</a:t>
+            </a:r>
+            <a:endParaRPr lang="en-US" altLang="zh-CN">
+              <a:latin typeface="Consolas" panose="020B0609020204030204" pitchFamily="49" charset="0"/>
+            </a:endParaRPr>
+          </a:p>
+          <a:p>
+            <a:pPr>
+              <a:defRPr/>
+            </a:pPr>
+            <a:r>
+              <a:rPr lang="en-US" altLang="zh-CN">
+                <a:latin typeface="Consolas" panose="020B0609020204030204" pitchFamily="49" charset="0"/>
+              </a:rPr>
+              <a:t>oNet.Send</a:t>
+            </a:r>
+            <a:r>
+              <a:rPr lang="en-US" altLang="zh-CN">
+                <a:latin typeface="Consolas" panose="020B0609020204030204" pitchFamily="49" charset="0"/>
+              </a:rPr>
+              <a:t>()------------------&gt;</a:t>
+            </a:r>
+            <a:r>
+              <a:rPr lang="en-US" altLang="zh-CN" smtClean="0">
+                <a:latin typeface="Consolas" panose="020B0609020204030204" pitchFamily="49" charset="0"/>
+              </a:rPr>
+              <a:t>Send</a:t>
+            </a:r>
+          </a:p>
+          <a:p>
+            <a:pPr>
+              <a:defRPr/>
+            </a:pPr>
+            <a:endParaRPr lang="en-US" altLang="zh-CN">
+              <a:latin typeface="Consolas" panose="020B0609020204030204" pitchFamily="49" charset="0"/>
+            </a:endParaRPr>
+          </a:p>
+          <a:p>
+            <a:pPr>
+              <a:defRPr/>
+            </a:pPr>
+            <a:r>
+              <a:rPr lang="en-US" altLang="zh-CN" smtClean="0">
+                <a:latin typeface="Consolas" panose="020B0609020204030204" pitchFamily="49" charset="0"/>
+              </a:rPr>
+              <a:t>oNet.__class__=net.CNet</a:t>
+            </a:r>
+          </a:p>
+          <a:p>
+            <a:pPr>
+              <a:defRPr/>
+            </a:pPr>
+            <a:r>
+              <a:rPr lang="en-US" altLang="zh-CN" smtClean="0">
+                <a:latin typeface="Consolas" panose="020B0609020204030204" pitchFamily="49" charset="0"/>
+              </a:rPr>
+              <a:t>oNet.Send()------------------&gt;Recv</a:t>
+            </a:r>
+            <a:endParaRPr lang="en-US" altLang="zh-CN">
+              <a:latin typeface="Consolas" panose="020B0609020204030204" pitchFamily="49" charset="0"/>
+            </a:endParaRPr>
+          </a:p>
+        </p:txBody>
+      </p:sp>
+      <p:sp>
+        <p:nvSpPr>
+          <p:cNvPr id="6" name="矩形 5"/>
+          <p:cNvSpPr/>
+          <p:nvPr/>
+        </p:nvSpPr>
+        <p:spPr>
+          <a:xfrm>
+            <a:off x="487428" y="1818667"/>
+            <a:ext cx="4572000" cy="923330"/>
+          </a:xfrm>
+          <a:prstGeom prst="rect">
+            <a:avLst/>
+          </a:prstGeom>
+        </p:spPr>
+        <p:txBody>
+          <a:bodyPr>
+            <a:spAutoFit/>
+          </a:bodyPr>
+          <a:lstStyle/>
+          <a:p>
+            <a:pPr lvl="0"/>
+            <a:r>
+              <a:rPr lang="zh-CN" altLang="zh-CN" b="1">
+                <a:solidFill>
+                  <a:srgbClr val="7F0055"/>
+                </a:solidFill>
+                <a:latin typeface="Consolas" panose="020B0609020204030204" pitchFamily="49" charset="0"/>
+              </a:rPr>
+              <a:t>class</a:t>
+            </a:r>
+            <a:r>
+              <a:rPr lang="zh-CN" altLang="zh-CN" sz="1600">
+                <a:solidFill>
+                  <a:srgbClr val="333333"/>
+                </a:solidFill>
+                <a:latin typeface="Consolas" panose="020B0609020204030204" pitchFamily="49" charset="0"/>
+              </a:rPr>
+              <a:t> </a:t>
+            </a:r>
+            <a:r>
+              <a:rPr lang="zh-CN" altLang="zh-CN">
+                <a:solidFill>
+                  <a:srgbClr val="000000"/>
+                </a:solidFill>
+                <a:latin typeface="Consolas" panose="020B0609020204030204" pitchFamily="49" charset="0"/>
+              </a:rPr>
+              <a:t>CNet(</a:t>
+            </a:r>
+            <a:r>
+              <a:rPr lang="zh-CN" altLang="zh-CN">
+                <a:solidFill>
+                  <a:srgbClr val="FF1493"/>
+                </a:solidFill>
+                <a:latin typeface="Consolas" panose="020B0609020204030204" pitchFamily="49" charset="0"/>
+              </a:rPr>
+              <a:t>object</a:t>
+            </a:r>
+            <a:r>
+              <a:rPr lang="zh-CN" altLang="zh-CN">
+                <a:solidFill>
+                  <a:srgbClr val="000000"/>
+                </a:solidFill>
+                <a:latin typeface="Consolas" panose="020B0609020204030204" pitchFamily="49" charset="0"/>
+              </a:rPr>
+              <a:t>):</a:t>
+            </a:r>
+            <a:endParaRPr lang="zh-CN" altLang="zh-CN" sz="800"/>
+          </a:p>
+          <a:p>
+            <a:pPr lvl="0"/>
+            <a:r>
+              <a:rPr lang="zh-CN" altLang="zh-CN">
+                <a:solidFill>
+                  <a:srgbClr val="DD1144"/>
+                </a:solidFill>
+                <a:latin typeface="Consolas" panose="020B0609020204030204" pitchFamily="49" charset="0"/>
+              </a:rPr>
+              <a:t>    </a:t>
+            </a:r>
+            <a:r>
+              <a:rPr lang="zh-CN" altLang="zh-CN" b="1">
+                <a:solidFill>
+                  <a:srgbClr val="7F0055"/>
+                </a:solidFill>
+                <a:latin typeface="Consolas" panose="020B0609020204030204" pitchFamily="49" charset="0"/>
+              </a:rPr>
+              <a:t>def</a:t>
+            </a:r>
+            <a:r>
+              <a:rPr lang="zh-CN" altLang="zh-CN" sz="1600">
+                <a:solidFill>
+                  <a:srgbClr val="333333"/>
+                </a:solidFill>
+                <a:latin typeface="Consolas" panose="020B0609020204030204" pitchFamily="49" charset="0"/>
+              </a:rPr>
+              <a:t> </a:t>
+            </a:r>
+            <a:r>
+              <a:rPr lang="zh-CN" altLang="zh-CN">
+                <a:solidFill>
+                  <a:srgbClr val="000000"/>
+                </a:solidFill>
+                <a:latin typeface="Consolas" panose="020B0609020204030204" pitchFamily="49" charset="0"/>
+              </a:rPr>
+              <a:t>Send(</a:t>
+            </a:r>
+            <a:r>
+              <a:rPr lang="zh-CN" altLang="zh-CN">
+                <a:solidFill>
+                  <a:srgbClr val="808080"/>
+                </a:solidFill>
+                <a:latin typeface="Consolas" panose="020B0609020204030204" pitchFamily="49" charset="0"/>
+              </a:rPr>
+              <a:t>self</a:t>
+            </a:r>
+            <a:r>
+              <a:rPr lang="zh-CN" altLang="zh-CN">
+                <a:solidFill>
+                  <a:srgbClr val="000000"/>
+                </a:solidFill>
+                <a:latin typeface="Consolas" panose="020B0609020204030204" pitchFamily="49" charset="0"/>
+              </a:rPr>
+              <a:t>):</a:t>
+            </a:r>
+            <a:endParaRPr lang="zh-CN" altLang="zh-CN" sz="800"/>
+          </a:p>
+          <a:p>
+            <a:pPr lvl="0"/>
+            <a:r>
+              <a:rPr lang="zh-CN" altLang="zh-CN">
+                <a:solidFill>
+                  <a:srgbClr val="DD1144"/>
+                </a:solidFill>
+                <a:latin typeface="Consolas" panose="020B0609020204030204" pitchFamily="49" charset="0"/>
+              </a:rPr>
+              <a:t>        </a:t>
+            </a:r>
+            <a:r>
+              <a:rPr lang="zh-CN" altLang="zh-CN">
+                <a:solidFill>
+                  <a:srgbClr val="FF1493"/>
+                </a:solidFill>
+                <a:latin typeface="Consolas" panose="020B0609020204030204" pitchFamily="49" charset="0"/>
+              </a:rPr>
+              <a:t>print</a:t>
+            </a:r>
+            <a:r>
+              <a:rPr lang="zh-CN" altLang="zh-CN" sz="1600">
+                <a:solidFill>
+                  <a:srgbClr val="333333"/>
+                </a:solidFill>
+                <a:latin typeface="Consolas" panose="020B0609020204030204" pitchFamily="49" charset="0"/>
+              </a:rPr>
+              <a:t> </a:t>
+            </a:r>
+            <a:r>
+              <a:rPr lang="zh-CN" altLang="zh-CN" smtClean="0">
+                <a:solidFill>
+                  <a:srgbClr val="2A00FF"/>
+                </a:solidFill>
+                <a:latin typeface="Consolas" panose="020B0609020204030204" pitchFamily="49" charset="0"/>
+              </a:rPr>
+              <a:t>"</a:t>
+            </a:r>
+            <a:r>
+              <a:rPr lang="en-US" altLang="zh-CN" smtClean="0">
+                <a:solidFill>
+                  <a:srgbClr val="2A00FF"/>
+                </a:solidFill>
+                <a:latin typeface="Consolas" panose="020B0609020204030204" pitchFamily="49" charset="0"/>
+              </a:rPr>
+              <a:t>Recv</a:t>
+            </a:r>
+            <a:r>
+              <a:rPr lang="zh-CN" altLang="zh-CN" smtClean="0">
+                <a:solidFill>
+                  <a:srgbClr val="2A00FF"/>
+                </a:solidFill>
+                <a:latin typeface="Consolas" panose="020B0609020204030204" pitchFamily="49" charset="0"/>
+              </a:rPr>
+              <a:t>"</a:t>
+            </a:r>
+            <a:endParaRPr lang="zh-CN" altLang="zh-CN"/>
+          </a:p>
+        </p:txBody>
+      </p:sp>
+      <p:sp>
+        <p:nvSpPr>
+          <p:cNvPr id="7" name="矩形 6"/>
+          <p:cNvSpPr/>
+          <p:nvPr/>
+        </p:nvSpPr>
+        <p:spPr>
+          <a:xfrm>
+            <a:off x="487428" y="273119"/>
+            <a:ext cx="4572000" cy="923330"/>
+          </a:xfrm>
+          <a:prstGeom prst="rect">
+            <a:avLst/>
+          </a:prstGeom>
+        </p:spPr>
+        <p:txBody>
+          <a:bodyPr>
+            <a:spAutoFit/>
+          </a:bodyPr>
+          <a:lstStyle/>
+          <a:p>
+            <a:pPr lvl="0"/>
+            <a:r>
+              <a:rPr lang="zh-CN" altLang="zh-CN" b="1">
+                <a:solidFill>
+                  <a:schemeClr val="bg1">
+                    <a:lumMod val="50000"/>
+                  </a:schemeClr>
+                </a:solidFill>
+                <a:latin typeface="Consolas" panose="020B0609020204030204" pitchFamily="49" charset="0"/>
+              </a:rPr>
+              <a:t>class</a:t>
+            </a:r>
+            <a:r>
+              <a:rPr lang="zh-CN" altLang="zh-CN" sz="1600">
+                <a:solidFill>
+                  <a:schemeClr val="bg1">
+                    <a:lumMod val="50000"/>
+                  </a:schemeClr>
+                </a:solidFill>
+                <a:latin typeface="Consolas" panose="020B0609020204030204" pitchFamily="49" charset="0"/>
+              </a:rPr>
+              <a:t> </a:t>
+            </a:r>
+            <a:r>
+              <a:rPr lang="zh-CN" altLang="zh-CN">
+                <a:solidFill>
+                  <a:schemeClr val="bg1">
+                    <a:lumMod val="50000"/>
+                  </a:schemeClr>
+                </a:solidFill>
+                <a:latin typeface="Consolas" panose="020B0609020204030204" pitchFamily="49" charset="0"/>
+              </a:rPr>
+              <a:t>CNet(object):</a:t>
+            </a:r>
+            <a:endParaRPr lang="zh-CN" altLang="zh-CN" sz="800">
+              <a:solidFill>
+                <a:schemeClr val="bg1">
+                  <a:lumMod val="50000"/>
+                </a:schemeClr>
+              </a:solidFill>
+            </a:endParaRPr>
+          </a:p>
+          <a:p>
+            <a:pPr lvl="0"/>
+            <a:r>
+              <a:rPr lang="zh-CN" altLang="zh-CN">
+                <a:solidFill>
+                  <a:schemeClr val="bg1">
+                    <a:lumMod val="50000"/>
+                  </a:schemeClr>
+                </a:solidFill>
+                <a:latin typeface="Consolas" panose="020B0609020204030204" pitchFamily="49" charset="0"/>
+              </a:rPr>
+              <a:t>    </a:t>
+            </a:r>
+            <a:r>
+              <a:rPr lang="zh-CN" altLang="zh-CN" b="1">
+                <a:solidFill>
+                  <a:schemeClr val="bg1">
+                    <a:lumMod val="50000"/>
+                  </a:schemeClr>
+                </a:solidFill>
+                <a:latin typeface="Consolas" panose="020B0609020204030204" pitchFamily="49" charset="0"/>
+              </a:rPr>
+              <a:t>def</a:t>
+            </a:r>
+            <a:r>
+              <a:rPr lang="zh-CN" altLang="zh-CN" sz="1600">
+                <a:solidFill>
+                  <a:schemeClr val="bg1">
+                    <a:lumMod val="50000"/>
+                  </a:schemeClr>
+                </a:solidFill>
+                <a:latin typeface="Consolas" panose="020B0609020204030204" pitchFamily="49" charset="0"/>
+              </a:rPr>
+              <a:t> </a:t>
+            </a:r>
+            <a:r>
+              <a:rPr lang="zh-CN" altLang="zh-CN">
+                <a:solidFill>
+                  <a:schemeClr val="bg1">
+                    <a:lumMod val="50000"/>
+                  </a:schemeClr>
+                </a:solidFill>
+                <a:latin typeface="Consolas" panose="020B0609020204030204" pitchFamily="49" charset="0"/>
+              </a:rPr>
+              <a:t>Send(self):</a:t>
+            </a:r>
+            <a:endParaRPr lang="zh-CN" altLang="zh-CN" sz="800">
+              <a:solidFill>
+                <a:schemeClr val="bg1">
+                  <a:lumMod val="50000"/>
+                </a:schemeClr>
+              </a:solidFill>
+            </a:endParaRPr>
+          </a:p>
+          <a:p>
+            <a:pPr lvl="0"/>
+            <a:r>
+              <a:rPr lang="zh-CN" altLang="zh-CN">
+                <a:solidFill>
+                  <a:schemeClr val="bg1">
+                    <a:lumMod val="50000"/>
+                  </a:schemeClr>
+                </a:solidFill>
+                <a:latin typeface="Consolas" panose="020B0609020204030204" pitchFamily="49" charset="0"/>
+              </a:rPr>
+              <a:t>        print</a:t>
+            </a:r>
+            <a:r>
+              <a:rPr lang="zh-CN" altLang="zh-CN" sz="1600">
+                <a:solidFill>
+                  <a:schemeClr val="bg1">
+                    <a:lumMod val="50000"/>
+                  </a:schemeClr>
+                </a:solidFill>
+                <a:latin typeface="Consolas" panose="020B0609020204030204" pitchFamily="49" charset="0"/>
+              </a:rPr>
+              <a:t> </a:t>
+            </a:r>
+            <a:r>
+              <a:rPr lang="zh-CN" altLang="zh-CN" smtClean="0">
+                <a:solidFill>
+                  <a:schemeClr val="bg1">
+                    <a:lumMod val="50000"/>
+                  </a:schemeClr>
+                </a:solidFill>
+                <a:latin typeface="Consolas" panose="020B0609020204030204" pitchFamily="49" charset="0"/>
+              </a:rPr>
+              <a:t>"</a:t>
+            </a:r>
+            <a:r>
+              <a:rPr lang="en-US" altLang="zh-CN" smtClean="0">
+                <a:solidFill>
+                  <a:schemeClr val="bg1">
+                    <a:lumMod val="50000"/>
+                  </a:schemeClr>
+                </a:solidFill>
+                <a:latin typeface="Consolas" panose="020B0609020204030204" pitchFamily="49" charset="0"/>
+              </a:rPr>
+              <a:t>Recv</a:t>
+            </a:r>
+            <a:r>
+              <a:rPr lang="zh-CN" altLang="zh-CN" smtClean="0">
+                <a:solidFill>
+                  <a:schemeClr val="bg1">
+                    <a:lumMod val="50000"/>
+                  </a:schemeClr>
+                </a:solidFill>
+                <a:latin typeface="Consolas" panose="020B0609020204030204" pitchFamily="49" charset="0"/>
+              </a:rPr>
+              <a:t>"</a:t>
+            </a:r>
+            <a:endParaRPr lang="zh-CN" altLang="zh-CN">
+              <a:solidFill>
+                <a:schemeClr val="bg1">
+                  <a:lumMod val="50000"/>
+                </a:schemeClr>
+              </a:solidFill>
+            </a:endParaRPr>
+          </a:p>
+        </p:txBody>
+      </p:sp>
+      <p:sp>
+        <p:nvSpPr>
+          <p:cNvPr id="9" name="任意多边形 8"/>
+          <p:cNvSpPr/>
+          <p:nvPr/>
+        </p:nvSpPr>
+        <p:spPr>
+          <a:xfrm rot="989981" flipH="1">
+            <a:off x="1614956" y="1140052"/>
+            <a:ext cx="2042068" cy="1069950"/>
+          </a:xfrm>
+          <a:custGeom>
+            <a:avLst/>
+            <a:gdLst>
+              <a:gd name="connsiteX0" fmla="*/ 2133815 w 2133815"/>
+              <a:gd name="connsiteY0" fmla="*/ 1342003 h 1342003"/>
+              <a:gd name="connsiteX1" fmla="*/ 1347884 w 2133815"/>
+              <a:gd name="connsiteY1" fmla="*/ 4410 h 1342003"/>
+              <a:gd name="connsiteX2" fmla="*/ 116089 w 2133815"/>
+              <a:gd name="connsiteY2" fmla="*/ 911253 h 1342003"/>
+              <a:gd name="connsiteX3" fmla="*/ 123646 w 2133815"/>
+              <a:gd name="connsiteY3" fmla="*/ 918810 h 1342003"/>
+            </a:gdLst>
+            <a:ahLst/>
+            <a:cxnLst>
+              <a:cxn ang="0">
+                <a:pos x="connsiteX0" y="connsiteY0"/>
+              </a:cxn>
+              <a:cxn ang="0">
+                <a:pos x="connsiteX1" y="connsiteY1"/>
+              </a:cxn>
+              <a:cxn ang="0">
+                <a:pos x="connsiteX2" y="connsiteY2"/>
+              </a:cxn>
+              <a:cxn ang="0">
+                <a:pos x="connsiteX3" y="connsiteY3"/>
+              </a:cxn>
+            </a:cxnLst>
+            <a:rect l="l" t="t" r="r" b="b"/>
+            <a:pathLst>
+              <a:path w="2133815" h="1342003">
+                <a:moveTo>
+                  <a:pt x="2133815" y="1342003"/>
+                </a:moveTo>
+                <a:cubicBezTo>
+                  <a:pt x="1908993" y="709102"/>
+                  <a:pt x="1684171" y="76202"/>
+                  <a:pt x="1347884" y="4410"/>
+                </a:cubicBezTo>
+                <a:cubicBezTo>
+                  <a:pt x="1011597" y="-67382"/>
+                  <a:pt x="320129" y="758853"/>
+                  <a:pt x="116089" y="911253"/>
+                </a:cubicBezTo>
+                <a:cubicBezTo>
+                  <a:pt x="-87951" y="1063653"/>
+                  <a:pt x="17847" y="991231"/>
+                  <a:pt x="123646" y="918810"/>
+                </a:cubicBezTo>
+              </a:path>
+            </a:pathLst>
+          </a:custGeom>
+          <a:noFill/>
+          <a:ln w="25400">
+            <a:solidFill>
+              <a:srgbClr val="ADAD01"/>
+            </a:solidFill>
+            <a:headEnd type="stealth" w="lg" len="med"/>
+            <a:tailEnd type="none"/>
+          </a:ln>
+        </p:spPr>
+        <p:style>
+          <a:lnRef idx="2">
+            <a:schemeClr val="accent1">
+              <a:shade val="50000"/>
+            </a:schemeClr>
+          </a:lnRef>
+          <a:fillRef idx="1">
+            <a:schemeClr val="accent1"/>
+          </a:fillRef>
+          <a:effectRef idx="0">
+            <a:schemeClr val="accent1"/>
+          </a:effectRef>
+          <a:fontRef idx="minor">
+            <a:schemeClr val="lt1"/>
+          </a:fontRef>
+        </p:style>
+        <p:txBody>
+          <a:bodyPr rtlCol="0" anchor="ctr"/>
+          <a:lstStyle/>
+          <a:p>
+            <a:pPr algn="ctr"/>
+            <a:endParaRPr lang="zh-CN" altLang="en-US"/>
+          </a:p>
+        </p:txBody>
+      </p:sp>
+    </p:spTree>
+    <p:extLst>
+      <p:ext uri="{BB962C8B-B14F-4D97-AF65-F5344CB8AC3E}">
+        <p14:creationId xmlns:p14="http://schemas.microsoft.com/office/powerpoint/2010/main" val="1994281380"/>
+      </p:ext>
+    </p:extLst>
+  </p:cSld>
+  <p:clrMapOvr>
+    <a:masterClrMapping/>
+  </p:clrMapOvr>
+  <p:timing>
+    <p:tnLst>
+      <p:par>
+        <p:cTn id="1" dur="indefinite" restart="never" nodeType="tmRoot"/>
+      </p:par>
+    </p:tnLst>
+  </p:timing>
+</p:sld>
+</file>
+
+<file path=ppt/slides/slide31.xml><?xml version="1.0" encoding="utf-8"?>
+<p:sld xmlns:a="http://schemas.openxmlformats.org/drawingml/2006/main" xmlns:r="http://schemas.openxmlformats.org/officeDocument/2006/relationships" xmlns:p="http://schemas.openxmlformats.org/presentationml/2006/main">
+  <p:cSld>
+    <p:spTree>
+      <p:nvGrpSpPr>
+        <p:cNvPr id="1" name=""/>
+        <p:cNvGrpSpPr/>
+        <p:nvPr/>
+      </p:nvGrpSpPr>
+      <p:grpSpPr>
+        <a:xfrm>
+          <a:off x="0" y="0"/>
+          <a:ext cx="0" cy="0"/>
+          <a:chOff x="0" y="0"/>
+          <a:chExt cx="0" cy="0"/>
+        </a:xfrm>
+      </p:grpSpPr>
+      <p:graphicFrame>
+        <p:nvGraphicFramePr>
+          <p:cNvPr id="3" name="表格 2"/>
+          <p:cNvGraphicFramePr>
+            <a:graphicFrameLocks noGrp="1"/>
+          </p:cNvGraphicFramePr>
+          <p:nvPr>
+            <p:extLst/>
+          </p:nvPr>
+        </p:nvGraphicFramePr>
+        <p:xfrm>
+          <a:off x="487428" y="1375379"/>
+          <a:ext cx="7609505" cy="4726093"/>
+        </p:xfrm>
+        <a:graphic>
+          <a:graphicData uri="http://schemas.openxmlformats.org/drawingml/2006/table">
+            <a:tbl>
+              <a:tblPr firstRow="1" bandRow="1">
+                <a:tableStyleId>{5C22544A-7EE6-4342-B048-85BDC9FD1C3A}</a:tableStyleId>
+              </a:tblPr>
+              <a:tblGrid>
+                <a:gridCol w="2697439"/>
+                <a:gridCol w="4912066"/>
+              </a:tblGrid>
+              <a:tr h="332508">
+                <a:tc>
+                  <a:txBody>
+                    <a:bodyPr/>
+                    <a:lstStyle/>
+                    <a:p>
+                      <a:pPr marL="0" marR="0" lvl="0" indent="0" algn="l" defTabSz="914400" rtl="0" eaLnBrk="0" fontAlgn="base" latinLnBrk="0" hangingPunct="0">
+                        <a:lnSpc>
+                          <a:spcPct val="100000"/>
+                        </a:lnSpc>
+                        <a:spcBef>
+                          <a:spcPct val="0"/>
+                        </a:spcBef>
+                        <a:spcAft>
+                          <a:spcPct val="0"/>
+                        </a:spcAft>
+                        <a:buClrTx/>
+                        <a:buSzTx/>
+                        <a:buFontTx/>
+                        <a:buNone/>
+                        <a:tabLst/>
+                      </a:pPr>
+                      <a:r>
+                        <a:rPr kumimoji="0" lang="en-US" altLang="zh-CN" sz="1800" b="0" i="0" u="none" strike="noStrike" cap="none" normalizeH="0" baseline="0" smtClean="0">
+                          <a:ln>
+                            <a:noFill/>
+                          </a:ln>
+                          <a:solidFill>
+                            <a:schemeClr val="tx1"/>
+                          </a:solidFill>
+                          <a:effectLst/>
+                        </a:rPr>
+                        <a:t>net.py</a:t>
+                      </a:r>
+                      <a:endParaRPr kumimoji="0" lang="zh-CN" altLang="zh-CN" sz="1800" b="0" i="0" u="none" strike="noStrike" cap="none" normalizeH="0" baseline="0" smtClean="0">
+                        <a:ln>
+                          <a:noFill/>
+                        </a:ln>
+                        <a:solidFill>
+                          <a:schemeClr val="tx1"/>
+                        </a:solidFill>
+                        <a:effectLst/>
+                      </a:endParaRPr>
+                    </a:p>
+                  </a:txBody>
+                  <a:tcPr>
+                    <a:lnL w="12700" cap="flat" cmpd="sng" algn="ctr">
+                      <a:solidFill>
+                        <a:srgbClr val="5B9BD5"/>
+                      </a:solidFill>
+                      <a:prstDash val="solid"/>
+                      <a:round/>
+                      <a:headEnd type="none" w="med" len="med"/>
+                      <a:tailEnd type="none" w="med" len="med"/>
+                    </a:lnL>
+                    <a:lnR w="12700" cap="flat" cmpd="sng" algn="ctr">
+                      <a:solidFill>
+                        <a:srgbClr val="5B9BD5"/>
+                      </a:solidFill>
+                      <a:prstDash val="solid"/>
+                      <a:round/>
+                      <a:headEnd type="none" w="med" len="med"/>
+                      <a:tailEnd type="none" w="med" len="med"/>
+                    </a:lnR>
+                    <a:lnT w="12700" cap="flat" cmpd="sng" algn="ctr">
+                      <a:solidFill>
+                        <a:srgbClr val="5B9BD5"/>
+                      </a:solidFill>
+                      <a:prstDash val="solid"/>
+                      <a:round/>
+                      <a:headEnd type="none" w="med" len="med"/>
+                      <a:tailEnd type="none" w="med" len="med"/>
+                    </a:lnT>
+                    <a:lnB w="12700" cap="flat" cmpd="sng" algn="ctr">
+                      <a:solidFill>
+                        <a:srgbClr val="5B9BD5"/>
+                      </a:solidFill>
+                      <a:prstDash val="solid"/>
+                      <a:round/>
+                      <a:headEnd type="none" w="med" len="med"/>
+                      <a:tailEnd type="none" w="med" len="med"/>
+                    </a:lnB>
+                    <a:lnTlToBr w="12700" cmpd="sng">
+                      <a:noFill/>
+                      <a:prstDash val="solid"/>
+                    </a:lnTlToBr>
+                    <a:lnBlToTr w="12700" cmpd="sng">
+                      <a:noFill/>
+                      <a:prstDash val="solid"/>
+                    </a:lnBlToTr>
+                    <a:noFill/>
+                  </a:tcPr>
+                </a:tc>
+                <a:tc>
+                  <a:txBody>
+                    <a:bodyPr/>
+                    <a:lstStyle/>
+                    <a:p>
+                      <a:r>
+                        <a:rPr kumimoji="0" lang="en-US" altLang="zh-CN" sz="1800" b="0" i="0" u="none" strike="noStrike" cap="none" normalizeH="0" baseline="0" smtClean="0">
+                          <a:ln>
+                            <a:noFill/>
+                          </a:ln>
+                          <a:solidFill>
+                            <a:schemeClr val="tx1"/>
+                          </a:solidFill>
+                          <a:effectLst/>
+                          <a:latin typeface="Consolas" panose="020B0609020204030204" pitchFamily="49" charset="0"/>
+                        </a:rPr>
+                        <a:t>objects.py</a:t>
+                      </a:r>
+                      <a:endParaRPr kumimoji="0" lang="en-US" altLang="zh-CN" sz="1800" b="0" i="0" u="none" strike="noStrike" cap="none" normalizeH="0" baseline="0" smtClean="0">
+                        <a:ln>
+                          <a:noFill/>
+                        </a:ln>
+                        <a:solidFill>
+                          <a:schemeClr val="tx1"/>
+                        </a:solidFill>
+                        <a:effectLst/>
+                        <a:latin typeface="Consolas" panose="020B0609020204030204" pitchFamily="49" charset="0"/>
+                      </a:endParaRPr>
+                    </a:p>
+                  </a:txBody>
+                  <a:tcPr>
+                    <a:lnL w="12700" cap="flat" cmpd="sng" algn="ctr">
+                      <a:solidFill>
+                        <a:srgbClr val="5B9BD5"/>
+                      </a:solidFill>
+                      <a:prstDash val="solid"/>
+                      <a:round/>
+                      <a:headEnd type="none" w="med" len="med"/>
+                      <a:tailEnd type="none" w="med" len="med"/>
+                    </a:lnL>
+                    <a:lnR w="12700" cap="flat" cmpd="sng" algn="ctr">
+                      <a:solidFill>
+                        <a:srgbClr val="5B9BD5"/>
+                      </a:solidFill>
+                      <a:prstDash val="solid"/>
+                      <a:round/>
+                      <a:headEnd type="none" w="med" len="med"/>
+                      <a:tailEnd type="none" w="med" len="med"/>
+                    </a:lnR>
+                    <a:lnT w="12700" cap="flat" cmpd="sng" algn="ctr">
+                      <a:solidFill>
+                        <a:srgbClr val="5B9BD5"/>
+                      </a:solidFill>
+                      <a:prstDash val="solid"/>
+                      <a:round/>
+                      <a:headEnd type="none" w="med" len="med"/>
+                      <a:tailEnd type="none" w="med" len="med"/>
+                    </a:lnT>
+                    <a:lnB w="12700" cap="flat" cmpd="sng" algn="ctr">
+                      <a:solidFill>
+                        <a:srgbClr val="5B9BD5"/>
+                      </a:solidFill>
+                      <a:prstDash val="solid"/>
+                      <a:round/>
+                      <a:headEnd type="none" w="med" len="med"/>
+                      <a:tailEnd type="none" w="med" len="med"/>
+                    </a:lnB>
+                    <a:lnTlToBr w="12700" cmpd="sng">
+                      <a:noFill/>
+                      <a:prstDash val="solid"/>
+                    </a:lnTlToBr>
+                    <a:lnBlToTr w="12700" cmpd="sng">
+                      <a:noFill/>
+                      <a:prstDash val="solid"/>
+                    </a:lnBlToTr>
+                    <a:noFill/>
+                  </a:tcPr>
+                </a:tc>
+              </a:tr>
+              <a:tr h="4360333">
+                <a:tc>
+                  <a:txBody>
+                    <a:bodyPr/>
+                    <a:lstStyle/>
+                    <a:p>
+                      <a:pPr marL="0" marR="0" lvl="0" indent="0" algn="l" defTabSz="914400" rtl="0" eaLnBrk="0" fontAlgn="base" latinLnBrk="0" hangingPunct="0">
+                        <a:lnSpc>
+                          <a:spcPct val="100000"/>
+                        </a:lnSpc>
+                        <a:spcBef>
+                          <a:spcPct val="0"/>
+                        </a:spcBef>
+                        <a:spcAft>
+                          <a:spcPct val="0"/>
+                        </a:spcAft>
+                        <a:buClrTx/>
+                        <a:buSzTx/>
+                        <a:buFontTx/>
+                        <a:buNone/>
+                        <a:tabLst/>
+                      </a:pPr>
+                      <a:endParaRPr kumimoji="0" lang="zh-CN" altLang="zh-CN" sz="1800" b="0" i="0" u="none" strike="noStrike" cap="none" normalizeH="0" baseline="0" smtClean="0">
+                        <a:ln>
+                          <a:noFill/>
+                        </a:ln>
+                        <a:solidFill>
+                          <a:schemeClr val="tx1"/>
+                        </a:solidFill>
+                        <a:effectLst/>
+                      </a:endParaRPr>
+                    </a:p>
+                  </a:txBody>
+                  <a:tcPr>
+                    <a:lnL w="12700" cap="flat" cmpd="sng" algn="ctr">
+                      <a:solidFill>
+                        <a:srgbClr val="5B9BD5"/>
+                      </a:solidFill>
+                      <a:prstDash val="solid"/>
+                      <a:round/>
+                      <a:headEnd type="none" w="med" len="med"/>
+                      <a:tailEnd type="none" w="med" len="med"/>
+                    </a:lnL>
+                    <a:lnR w="12700" cap="flat" cmpd="sng" algn="ctr">
+                      <a:solidFill>
+                        <a:srgbClr val="5B9BD5"/>
+                      </a:solidFill>
+                      <a:prstDash val="solid"/>
+                      <a:round/>
+                      <a:headEnd type="none" w="med" len="med"/>
+                      <a:tailEnd type="none" w="med" len="med"/>
+                    </a:lnR>
+                    <a:lnT w="12700" cap="flat" cmpd="sng" algn="ctr">
+                      <a:solidFill>
+                        <a:srgbClr val="5B9BD5"/>
+                      </a:solidFill>
+                      <a:prstDash val="solid"/>
+                      <a:round/>
+                      <a:headEnd type="none" w="med" len="med"/>
+                      <a:tailEnd type="none" w="med" len="med"/>
+                    </a:lnT>
+                    <a:lnB w="12700" cap="flat" cmpd="sng" algn="ctr">
+                      <a:solidFill>
+                        <a:srgbClr val="5B9BD5"/>
+                      </a:solidFill>
+                      <a:prstDash val="solid"/>
+                      <a:round/>
+                      <a:headEnd type="none" w="med" len="med"/>
+                      <a:tailEnd type="none" w="med" len="med"/>
+                    </a:lnB>
+                    <a:lnTlToBr w="12700" cmpd="sng">
+                      <a:noFill/>
+                      <a:prstDash val="solid"/>
+                    </a:lnTlToBr>
+                    <a:lnBlToTr w="12700" cmpd="sng">
+                      <a:noFill/>
+                      <a:prstDash val="solid"/>
+                    </a:lnBlToTr>
+                    <a:noFill/>
+                  </a:tcPr>
+                </a:tc>
+                <a:tc>
+                  <a:txBody>
+                    <a:bodyPr/>
+                    <a:lstStyle/>
+                    <a:p>
+                      <a:endParaRPr kumimoji="0" lang="en-US" altLang="zh-CN" sz="1800" b="0" i="0" u="none" strike="noStrike" cap="none" normalizeH="0" baseline="0" smtClean="0">
+                        <a:ln>
+                          <a:noFill/>
+                        </a:ln>
+                        <a:solidFill>
+                          <a:schemeClr val="tx1"/>
+                        </a:solidFill>
+                        <a:effectLst/>
+                        <a:latin typeface="Consolas" panose="020B0609020204030204" pitchFamily="49" charset="0"/>
+                      </a:endParaRPr>
+                    </a:p>
+                  </a:txBody>
+                  <a:tcPr>
+                    <a:lnL w="12700" cap="flat" cmpd="sng" algn="ctr">
+                      <a:solidFill>
+                        <a:srgbClr val="5B9BD5"/>
+                      </a:solidFill>
+                      <a:prstDash val="solid"/>
+                      <a:round/>
+                      <a:headEnd type="none" w="med" len="med"/>
+                      <a:tailEnd type="none" w="med" len="med"/>
+                    </a:lnL>
+                    <a:lnR w="12700" cap="flat" cmpd="sng" algn="ctr">
+                      <a:solidFill>
+                        <a:srgbClr val="5B9BD5"/>
+                      </a:solidFill>
+                      <a:prstDash val="solid"/>
+                      <a:round/>
+                      <a:headEnd type="none" w="med" len="med"/>
+                      <a:tailEnd type="none" w="med" len="med"/>
+                    </a:lnR>
+                    <a:lnT w="12700" cap="flat" cmpd="sng" algn="ctr">
+                      <a:solidFill>
+                        <a:srgbClr val="5B9BD5"/>
+                      </a:solidFill>
+                      <a:prstDash val="solid"/>
+                      <a:round/>
+                      <a:headEnd type="none" w="med" len="med"/>
+                      <a:tailEnd type="none" w="med" len="med"/>
+                    </a:lnT>
+                    <a:lnB w="12700" cap="flat" cmpd="sng" algn="ctr">
+                      <a:solidFill>
+                        <a:srgbClr val="5B9BD5"/>
+                      </a:solidFill>
+                      <a:prstDash val="solid"/>
+                      <a:round/>
+                      <a:headEnd type="none" w="med" len="med"/>
+                      <a:tailEnd type="none" w="med" len="med"/>
+                    </a:lnB>
+                    <a:lnTlToBr w="12700" cmpd="sng">
+                      <a:noFill/>
+                      <a:prstDash val="solid"/>
+                    </a:lnTlToBr>
+                    <a:lnBlToTr w="12700" cmpd="sng">
+                      <a:noFill/>
+                      <a:prstDash val="solid"/>
+                    </a:lnBlToTr>
+                    <a:noFill/>
+                  </a:tcPr>
+                </a:tc>
+              </a:tr>
+            </a:tbl>
+          </a:graphicData>
+        </a:graphic>
+      </p:graphicFrame>
+      <p:sp>
+        <p:nvSpPr>
+          <p:cNvPr id="5" name="矩形 4"/>
+          <p:cNvSpPr/>
+          <p:nvPr/>
+        </p:nvSpPr>
+        <p:spPr>
+          <a:xfrm>
+            <a:off x="3162615" y="1818667"/>
+            <a:ext cx="4572000" cy="923330"/>
+          </a:xfrm>
+          <a:prstGeom prst="rect">
+            <a:avLst/>
+          </a:prstGeom>
+        </p:spPr>
+        <p:txBody>
+          <a:bodyPr>
+            <a:spAutoFit/>
+          </a:bodyPr>
+          <a:lstStyle/>
+          <a:p>
+            <a:r>
+              <a:rPr lang="en-US" altLang="zh-CN">
+                <a:latin typeface="Consolas" panose="020B0609020204030204" pitchFamily="49" charset="0"/>
+              </a:rPr>
+              <a:t>import net </a:t>
+            </a:r>
+          </a:p>
+          <a:p>
+            <a:r>
+              <a:rPr lang="en-US" altLang="zh-CN">
+                <a:latin typeface="Consolas" panose="020B0609020204030204" pitchFamily="49" charset="0"/>
+              </a:rPr>
+              <a:t>oNet=net.CNet()</a:t>
+            </a:r>
+          </a:p>
+          <a:p>
+            <a:r>
+              <a:rPr lang="en-US" altLang="zh-CN">
+                <a:latin typeface="Consolas" panose="020B0609020204030204" pitchFamily="49" charset="0"/>
+              </a:rPr>
+              <a:t>oNet.Send()------------------&gt;Send</a:t>
+            </a:r>
+          </a:p>
+        </p:txBody>
+      </p:sp>
+      <p:sp>
+        <p:nvSpPr>
+          <p:cNvPr id="4" name="矩形 3"/>
+          <p:cNvSpPr/>
+          <p:nvPr/>
+        </p:nvSpPr>
+        <p:spPr>
+          <a:xfrm>
+            <a:off x="3162615" y="3063104"/>
+            <a:ext cx="4572000" cy="646331"/>
+          </a:xfrm>
+          <a:prstGeom prst="rect">
+            <a:avLst/>
+          </a:prstGeom>
+        </p:spPr>
+        <p:txBody>
+          <a:bodyPr>
+            <a:spAutoFit/>
+          </a:bodyPr>
+          <a:lstStyle/>
+          <a:p>
+            <a:r>
+              <a:rPr lang="en-US" altLang="zh-CN">
+                <a:latin typeface="Consolas" panose="020B0609020204030204" pitchFamily="49" charset="0"/>
+              </a:rPr>
+              <a:t>reload(net</a:t>
+            </a:r>
+            <a:r>
+              <a:rPr lang="en-US" altLang="zh-CN" smtClean="0">
+                <a:latin typeface="Consolas" panose="020B0609020204030204" pitchFamily="49" charset="0"/>
+              </a:rPr>
+              <a:t>)</a:t>
+            </a:r>
+            <a:endParaRPr lang="en-US" altLang="zh-CN">
+              <a:latin typeface="Consolas" panose="020B0609020204030204" pitchFamily="49" charset="0"/>
+            </a:endParaRPr>
+          </a:p>
+          <a:p>
+            <a:pPr>
+              <a:defRPr/>
+            </a:pPr>
+            <a:r>
+              <a:rPr lang="en-US" altLang="zh-CN">
+                <a:latin typeface="Consolas" panose="020B0609020204030204" pitchFamily="49" charset="0"/>
+              </a:rPr>
+              <a:t>oNet.Send</a:t>
+            </a:r>
+            <a:r>
+              <a:rPr lang="en-US" altLang="zh-CN">
+                <a:latin typeface="Consolas" panose="020B0609020204030204" pitchFamily="49" charset="0"/>
+              </a:rPr>
+              <a:t>()------------------&gt;</a:t>
+            </a:r>
+            <a:r>
+              <a:rPr lang="en-US" altLang="zh-CN" smtClean="0">
+                <a:latin typeface="Consolas" panose="020B0609020204030204" pitchFamily="49" charset="0"/>
+              </a:rPr>
+              <a:t>Send</a:t>
+            </a:r>
+            <a:endParaRPr lang="en-US" altLang="zh-CN">
+              <a:latin typeface="Consolas" panose="020B0609020204030204" pitchFamily="49" charset="0"/>
+            </a:endParaRPr>
+          </a:p>
+        </p:txBody>
+      </p:sp>
+      <p:sp>
+        <p:nvSpPr>
+          <p:cNvPr id="6" name="矩形 5"/>
+          <p:cNvSpPr/>
+          <p:nvPr/>
+        </p:nvSpPr>
+        <p:spPr>
+          <a:xfrm>
+            <a:off x="487428" y="1818667"/>
+            <a:ext cx="4572000" cy="923330"/>
+          </a:xfrm>
+          <a:prstGeom prst="rect">
+            <a:avLst/>
+          </a:prstGeom>
+        </p:spPr>
+        <p:txBody>
+          <a:bodyPr>
+            <a:spAutoFit/>
+          </a:bodyPr>
+          <a:lstStyle/>
+          <a:p>
+            <a:pPr lvl="0"/>
+            <a:r>
+              <a:rPr lang="zh-CN" altLang="zh-CN" b="1">
+                <a:solidFill>
+                  <a:srgbClr val="7F0055"/>
+                </a:solidFill>
+                <a:latin typeface="Consolas" panose="020B0609020204030204" pitchFamily="49" charset="0"/>
+              </a:rPr>
+              <a:t>class</a:t>
+            </a:r>
+            <a:r>
+              <a:rPr lang="zh-CN" altLang="zh-CN" sz="1600">
+                <a:solidFill>
+                  <a:srgbClr val="333333"/>
+                </a:solidFill>
+                <a:latin typeface="Consolas" panose="020B0609020204030204" pitchFamily="49" charset="0"/>
+              </a:rPr>
+              <a:t> </a:t>
+            </a:r>
+            <a:r>
+              <a:rPr lang="zh-CN" altLang="zh-CN">
+                <a:solidFill>
+                  <a:srgbClr val="000000"/>
+                </a:solidFill>
+                <a:latin typeface="Consolas" panose="020B0609020204030204" pitchFamily="49" charset="0"/>
+              </a:rPr>
+              <a:t>CNet(</a:t>
+            </a:r>
+            <a:r>
+              <a:rPr lang="zh-CN" altLang="zh-CN">
+                <a:solidFill>
+                  <a:srgbClr val="FF1493"/>
+                </a:solidFill>
+                <a:latin typeface="Consolas" panose="020B0609020204030204" pitchFamily="49" charset="0"/>
+              </a:rPr>
+              <a:t>object</a:t>
+            </a:r>
+            <a:r>
+              <a:rPr lang="zh-CN" altLang="zh-CN">
+                <a:solidFill>
+                  <a:srgbClr val="000000"/>
+                </a:solidFill>
+                <a:latin typeface="Consolas" panose="020B0609020204030204" pitchFamily="49" charset="0"/>
+              </a:rPr>
+              <a:t>):</a:t>
+            </a:r>
+            <a:endParaRPr lang="zh-CN" altLang="zh-CN" sz="800"/>
+          </a:p>
+          <a:p>
+            <a:pPr lvl="0"/>
+            <a:r>
+              <a:rPr lang="zh-CN" altLang="zh-CN">
+                <a:solidFill>
+                  <a:srgbClr val="DD1144"/>
+                </a:solidFill>
+                <a:latin typeface="Consolas" panose="020B0609020204030204" pitchFamily="49" charset="0"/>
+              </a:rPr>
+              <a:t>    </a:t>
+            </a:r>
+            <a:r>
+              <a:rPr lang="zh-CN" altLang="zh-CN" b="1">
+                <a:solidFill>
+                  <a:srgbClr val="7F0055"/>
+                </a:solidFill>
+                <a:latin typeface="Consolas" panose="020B0609020204030204" pitchFamily="49" charset="0"/>
+              </a:rPr>
+              <a:t>def</a:t>
+            </a:r>
+            <a:r>
+              <a:rPr lang="zh-CN" altLang="zh-CN" sz="1600">
+                <a:solidFill>
+                  <a:srgbClr val="333333"/>
+                </a:solidFill>
+                <a:latin typeface="Consolas" panose="020B0609020204030204" pitchFamily="49" charset="0"/>
+              </a:rPr>
+              <a:t> </a:t>
+            </a:r>
+            <a:r>
+              <a:rPr lang="zh-CN" altLang="zh-CN">
+                <a:solidFill>
+                  <a:srgbClr val="000000"/>
+                </a:solidFill>
+                <a:latin typeface="Consolas" panose="020B0609020204030204" pitchFamily="49" charset="0"/>
+              </a:rPr>
+              <a:t>Send(</a:t>
+            </a:r>
+            <a:r>
+              <a:rPr lang="zh-CN" altLang="zh-CN">
+                <a:solidFill>
+                  <a:srgbClr val="808080"/>
+                </a:solidFill>
+                <a:latin typeface="Consolas" panose="020B0609020204030204" pitchFamily="49" charset="0"/>
+              </a:rPr>
+              <a:t>self</a:t>
+            </a:r>
+            <a:r>
+              <a:rPr lang="zh-CN" altLang="zh-CN">
+                <a:solidFill>
+                  <a:srgbClr val="000000"/>
+                </a:solidFill>
+                <a:latin typeface="Consolas" panose="020B0609020204030204" pitchFamily="49" charset="0"/>
+              </a:rPr>
+              <a:t>):</a:t>
+            </a:r>
+            <a:endParaRPr lang="zh-CN" altLang="zh-CN" sz="800"/>
+          </a:p>
+          <a:p>
+            <a:pPr lvl="0"/>
+            <a:r>
+              <a:rPr lang="zh-CN" altLang="zh-CN">
+                <a:solidFill>
+                  <a:srgbClr val="DD1144"/>
+                </a:solidFill>
+                <a:latin typeface="Consolas" panose="020B0609020204030204" pitchFamily="49" charset="0"/>
+              </a:rPr>
+              <a:t>        </a:t>
+            </a:r>
+            <a:r>
+              <a:rPr lang="zh-CN" altLang="zh-CN">
+                <a:solidFill>
+                  <a:srgbClr val="FF1493"/>
+                </a:solidFill>
+                <a:latin typeface="Consolas" panose="020B0609020204030204" pitchFamily="49" charset="0"/>
+              </a:rPr>
+              <a:t>print</a:t>
+            </a:r>
+            <a:r>
+              <a:rPr lang="zh-CN" altLang="zh-CN" sz="1600">
+                <a:solidFill>
+                  <a:srgbClr val="333333"/>
+                </a:solidFill>
+                <a:latin typeface="Consolas" panose="020B0609020204030204" pitchFamily="49" charset="0"/>
+              </a:rPr>
+              <a:t> </a:t>
+            </a:r>
+            <a:r>
+              <a:rPr lang="zh-CN" altLang="zh-CN" smtClean="0">
+                <a:solidFill>
+                  <a:srgbClr val="2A00FF"/>
+                </a:solidFill>
+                <a:latin typeface="Consolas" panose="020B0609020204030204" pitchFamily="49" charset="0"/>
+              </a:rPr>
+              <a:t>"</a:t>
+            </a:r>
+            <a:r>
+              <a:rPr lang="en-US" altLang="zh-CN" smtClean="0">
+                <a:solidFill>
+                  <a:srgbClr val="2A00FF"/>
+                </a:solidFill>
+                <a:latin typeface="Consolas" panose="020B0609020204030204" pitchFamily="49" charset="0"/>
+              </a:rPr>
+              <a:t>Recv</a:t>
+            </a:r>
+            <a:r>
+              <a:rPr lang="zh-CN" altLang="zh-CN" smtClean="0">
+                <a:solidFill>
+                  <a:srgbClr val="2A00FF"/>
+                </a:solidFill>
+                <a:latin typeface="Consolas" panose="020B0609020204030204" pitchFamily="49" charset="0"/>
+              </a:rPr>
+              <a:t>"</a:t>
+            </a:r>
+            <a:endParaRPr lang="zh-CN" altLang="zh-CN"/>
+          </a:p>
+        </p:txBody>
+      </p:sp>
+      <p:sp>
+        <p:nvSpPr>
+          <p:cNvPr id="7" name="矩形 6"/>
+          <p:cNvSpPr/>
+          <p:nvPr/>
+        </p:nvSpPr>
+        <p:spPr>
+          <a:xfrm>
+            <a:off x="487428" y="273119"/>
+            <a:ext cx="4572000" cy="923330"/>
+          </a:xfrm>
+          <a:prstGeom prst="rect">
+            <a:avLst/>
+          </a:prstGeom>
+        </p:spPr>
+        <p:txBody>
+          <a:bodyPr>
+            <a:spAutoFit/>
+          </a:bodyPr>
+          <a:lstStyle/>
+          <a:p>
+            <a:pPr lvl="0"/>
+            <a:r>
+              <a:rPr lang="zh-CN" altLang="zh-CN" b="1">
+                <a:solidFill>
+                  <a:schemeClr val="bg1">
+                    <a:lumMod val="50000"/>
+                  </a:schemeClr>
+                </a:solidFill>
+                <a:latin typeface="Consolas" panose="020B0609020204030204" pitchFamily="49" charset="0"/>
+              </a:rPr>
+              <a:t>class</a:t>
+            </a:r>
+            <a:r>
+              <a:rPr lang="zh-CN" altLang="zh-CN" sz="1600">
+                <a:solidFill>
+                  <a:schemeClr val="bg1">
+                    <a:lumMod val="50000"/>
+                  </a:schemeClr>
+                </a:solidFill>
+                <a:latin typeface="Consolas" panose="020B0609020204030204" pitchFamily="49" charset="0"/>
+              </a:rPr>
+              <a:t> </a:t>
+            </a:r>
+            <a:r>
+              <a:rPr lang="zh-CN" altLang="zh-CN">
+                <a:solidFill>
+                  <a:schemeClr val="bg1">
+                    <a:lumMod val="50000"/>
+                  </a:schemeClr>
+                </a:solidFill>
+                <a:latin typeface="Consolas" panose="020B0609020204030204" pitchFamily="49" charset="0"/>
+              </a:rPr>
+              <a:t>CNet(object):</a:t>
+            </a:r>
+            <a:endParaRPr lang="zh-CN" altLang="zh-CN" sz="800">
+              <a:solidFill>
+                <a:schemeClr val="bg1">
+                  <a:lumMod val="50000"/>
+                </a:schemeClr>
+              </a:solidFill>
+            </a:endParaRPr>
+          </a:p>
+          <a:p>
+            <a:pPr lvl="0"/>
+            <a:r>
+              <a:rPr lang="zh-CN" altLang="zh-CN">
+                <a:solidFill>
+                  <a:schemeClr val="bg1">
+                    <a:lumMod val="50000"/>
+                  </a:schemeClr>
+                </a:solidFill>
+                <a:latin typeface="Consolas" panose="020B0609020204030204" pitchFamily="49" charset="0"/>
+              </a:rPr>
+              <a:t>    </a:t>
+            </a:r>
+            <a:r>
+              <a:rPr lang="zh-CN" altLang="zh-CN" b="1">
+                <a:solidFill>
+                  <a:schemeClr val="bg1">
+                    <a:lumMod val="50000"/>
+                  </a:schemeClr>
+                </a:solidFill>
+                <a:latin typeface="Consolas" panose="020B0609020204030204" pitchFamily="49" charset="0"/>
+              </a:rPr>
+              <a:t>def</a:t>
+            </a:r>
+            <a:r>
+              <a:rPr lang="zh-CN" altLang="zh-CN" sz="1600">
+                <a:solidFill>
+                  <a:schemeClr val="bg1">
+                    <a:lumMod val="50000"/>
+                  </a:schemeClr>
+                </a:solidFill>
+                <a:latin typeface="Consolas" panose="020B0609020204030204" pitchFamily="49" charset="0"/>
+              </a:rPr>
+              <a:t> </a:t>
+            </a:r>
+            <a:r>
+              <a:rPr lang="zh-CN" altLang="zh-CN">
+                <a:solidFill>
+                  <a:schemeClr val="bg1">
+                    <a:lumMod val="50000"/>
+                  </a:schemeClr>
+                </a:solidFill>
+                <a:latin typeface="Consolas" panose="020B0609020204030204" pitchFamily="49" charset="0"/>
+              </a:rPr>
+              <a:t>Send(self):</a:t>
+            </a:r>
+            <a:endParaRPr lang="zh-CN" altLang="zh-CN" sz="800">
+              <a:solidFill>
+                <a:schemeClr val="bg1">
+                  <a:lumMod val="50000"/>
+                </a:schemeClr>
+              </a:solidFill>
+            </a:endParaRPr>
+          </a:p>
+          <a:p>
+            <a:pPr lvl="0"/>
+            <a:r>
+              <a:rPr lang="zh-CN" altLang="zh-CN">
+                <a:solidFill>
+                  <a:schemeClr val="bg1">
+                    <a:lumMod val="50000"/>
+                  </a:schemeClr>
+                </a:solidFill>
+                <a:latin typeface="Consolas" panose="020B0609020204030204" pitchFamily="49" charset="0"/>
+              </a:rPr>
+              <a:t>        print</a:t>
+            </a:r>
+            <a:r>
+              <a:rPr lang="zh-CN" altLang="zh-CN" sz="1600">
+                <a:solidFill>
+                  <a:schemeClr val="bg1">
+                    <a:lumMod val="50000"/>
+                  </a:schemeClr>
+                </a:solidFill>
+                <a:latin typeface="Consolas" panose="020B0609020204030204" pitchFamily="49" charset="0"/>
+              </a:rPr>
+              <a:t> </a:t>
+            </a:r>
+            <a:r>
+              <a:rPr lang="zh-CN" altLang="zh-CN" smtClean="0">
+                <a:solidFill>
+                  <a:schemeClr val="bg1">
+                    <a:lumMod val="50000"/>
+                  </a:schemeClr>
+                </a:solidFill>
+                <a:latin typeface="Consolas" panose="020B0609020204030204" pitchFamily="49" charset="0"/>
+              </a:rPr>
+              <a:t>"</a:t>
+            </a:r>
+            <a:r>
+              <a:rPr lang="en-US" altLang="zh-CN" smtClean="0">
+                <a:solidFill>
+                  <a:schemeClr val="bg1">
+                    <a:lumMod val="50000"/>
+                  </a:schemeClr>
+                </a:solidFill>
+                <a:latin typeface="Consolas" panose="020B0609020204030204" pitchFamily="49" charset="0"/>
+              </a:rPr>
+              <a:t>Recv</a:t>
+            </a:r>
+            <a:r>
+              <a:rPr lang="zh-CN" altLang="zh-CN" smtClean="0">
+                <a:solidFill>
+                  <a:schemeClr val="bg1">
+                    <a:lumMod val="50000"/>
+                  </a:schemeClr>
+                </a:solidFill>
+                <a:latin typeface="Consolas" panose="020B0609020204030204" pitchFamily="49" charset="0"/>
+              </a:rPr>
+              <a:t>"</a:t>
+            </a:r>
+            <a:endParaRPr lang="zh-CN" altLang="zh-CN">
+              <a:solidFill>
+                <a:schemeClr val="bg1">
+                  <a:lumMod val="50000"/>
+                </a:schemeClr>
+              </a:solidFill>
+            </a:endParaRPr>
+          </a:p>
+        </p:txBody>
+      </p:sp>
+      <p:sp>
+        <p:nvSpPr>
+          <p:cNvPr id="8" name="任意多边形 7"/>
+          <p:cNvSpPr/>
+          <p:nvPr/>
+        </p:nvSpPr>
+        <p:spPr>
+          <a:xfrm rot="2985298" flipH="1">
+            <a:off x="1580997" y="497600"/>
+            <a:ext cx="2666110" cy="1069950"/>
+          </a:xfrm>
+          <a:custGeom>
+            <a:avLst/>
+            <a:gdLst>
+              <a:gd name="connsiteX0" fmla="*/ 2133815 w 2133815"/>
+              <a:gd name="connsiteY0" fmla="*/ 1342003 h 1342003"/>
+              <a:gd name="connsiteX1" fmla="*/ 1347884 w 2133815"/>
+              <a:gd name="connsiteY1" fmla="*/ 4410 h 1342003"/>
+              <a:gd name="connsiteX2" fmla="*/ 116089 w 2133815"/>
+              <a:gd name="connsiteY2" fmla="*/ 911253 h 1342003"/>
+              <a:gd name="connsiteX3" fmla="*/ 123646 w 2133815"/>
+              <a:gd name="connsiteY3" fmla="*/ 918810 h 1342003"/>
+            </a:gdLst>
+            <a:ahLst/>
+            <a:cxnLst>
+              <a:cxn ang="0">
+                <a:pos x="connsiteX0" y="connsiteY0"/>
+              </a:cxn>
+              <a:cxn ang="0">
+                <a:pos x="connsiteX1" y="connsiteY1"/>
+              </a:cxn>
+              <a:cxn ang="0">
+                <a:pos x="connsiteX2" y="connsiteY2"/>
+              </a:cxn>
+              <a:cxn ang="0">
+                <a:pos x="connsiteX3" y="connsiteY3"/>
+              </a:cxn>
+            </a:cxnLst>
+            <a:rect l="l" t="t" r="r" b="b"/>
+            <a:pathLst>
+              <a:path w="2133815" h="1342003">
+                <a:moveTo>
+                  <a:pt x="2133815" y="1342003"/>
+                </a:moveTo>
+                <a:cubicBezTo>
+                  <a:pt x="1908993" y="709102"/>
+                  <a:pt x="1684171" y="76202"/>
+                  <a:pt x="1347884" y="4410"/>
+                </a:cubicBezTo>
+                <a:cubicBezTo>
+                  <a:pt x="1011597" y="-67382"/>
+                  <a:pt x="320129" y="758853"/>
+                  <a:pt x="116089" y="911253"/>
+                </a:cubicBezTo>
+                <a:cubicBezTo>
+                  <a:pt x="-87951" y="1063653"/>
+                  <a:pt x="17847" y="991231"/>
+                  <a:pt x="123646" y="918810"/>
+                </a:cubicBezTo>
+              </a:path>
+            </a:pathLst>
+          </a:custGeom>
+          <a:noFill/>
+          <a:ln w="25400">
+            <a:solidFill>
+              <a:srgbClr val="ADAD01"/>
+            </a:solidFill>
+            <a:headEnd type="stealth" w="lg" len="med"/>
+            <a:tailEnd type="none"/>
+          </a:ln>
+        </p:spPr>
+        <p:style>
+          <a:lnRef idx="2">
+            <a:schemeClr val="accent1">
+              <a:shade val="50000"/>
+            </a:schemeClr>
+          </a:lnRef>
+          <a:fillRef idx="1">
+            <a:schemeClr val="accent1"/>
+          </a:fillRef>
+          <a:effectRef idx="0">
+            <a:schemeClr val="accent1"/>
+          </a:effectRef>
+          <a:fontRef idx="minor">
+            <a:schemeClr val="lt1"/>
+          </a:fontRef>
+        </p:style>
+        <p:txBody>
+          <a:bodyPr rtlCol="0" anchor="ctr"/>
+          <a:lstStyle/>
+          <a:p>
+            <a:pPr algn="ctr"/>
+            <a:endParaRPr lang="zh-CN" altLang="en-US"/>
+          </a:p>
+        </p:txBody>
+      </p:sp>
+      <p:sp>
+        <p:nvSpPr>
+          <p:cNvPr id="10" name="任意多边形 9"/>
+          <p:cNvSpPr/>
+          <p:nvPr/>
+        </p:nvSpPr>
+        <p:spPr>
+          <a:xfrm>
+            <a:off x="1209017" y="733031"/>
+            <a:ext cx="574441" cy="1473620"/>
+          </a:xfrm>
+          <a:custGeom>
+            <a:avLst/>
+            <a:gdLst>
+              <a:gd name="connsiteX0" fmla="*/ 574441 w 574441"/>
+              <a:gd name="connsiteY0" fmla="*/ 0 h 1473620"/>
+              <a:gd name="connsiteX1" fmla="*/ 107 w 574441"/>
+              <a:gd name="connsiteY1" fmla="*/ 657461 h 1473620"/>
+              <a:gd name="connsiteX2" fmla="*/ 536656 w 574441"/>
+              <a:gd name="connsiteY2" fmla="*/ 1473620 h 1473620"/>
+            </a:gdLst>
+            <a:ahLst/>
+            <a:cxnLst>
+              <a:cxn ang="0">
+                <a:pos x="connsiteX0" y="connsiteY0"/>
+              </a:cxn>
+              <a:cxn ang="0">
+                <a:pos x="connsiteX1" y="connsiteY1"/>
+              </a:cxn>
+              <a:cxn ang="0">
+                <a:pos x="connsiteX2" y="connsiteY2"/>
+              </a:cxn>
+            </a:cxnLst>
+            <a:rect l="l" t="t" r="r" b="b"/>
+            <a:pathLst>
+              <a:path w="574441" h="1473620">
+                <a:moveTo>
+                  <a:pt x="574441" y="0"/>
+                </a:moveTo>
+                <a:cubicBezTo>
+                  <a:pt x="290423" y="205929"/>
+                  <a:pt x="6405" y="411858"/>
+                  <a:pt x="107" y="657461"/>
+                </a:cubicBezTo>
+                <a:cubicBezTo>
+                  <a:pt x="-6191" y="903064"/>
+                  <a:pt x="265232" y="1188342"/>
+                  <a:pt x="536656" y="1473620"/>
+                </a:cubicBezTo>
+              </a:path>
+            </a:pathLst>
+          </a:custGeom>
+          <a:noFill/>
+          <a:ln w="25400">
+            <a:solidFill>
+              <a:srgbClr val="ADAD01"/>
+            </a:solidFill>
+            <a:tailEnd type="stealth"/>
+          </a:ln>
+        </p:spPr>
+        <p:style>
+          <a:lnRef idx="2">
+            <a:schemeClr val="accent1">
+              <a:shade val="50000"/>
+            </a:schemeClr>
+          </a:lnRef>
+          <a:fillRef idx="1">
+            <a:schemeClr val="accent1"/>
+          </a:fillRef>
+          <a:effectRef idx="0">
+            <a:schemeClr val="accent1"/>
+          </a:effectRef>
+          <a:fontRef idx="minor">
+            <a:schemeClr val="lt1"/>
+          </a:fontRef>
+        </p:style>
+        <p:txBody>
+          <a:bodyPr rtlCol="0" anchor="ctr"/>
+          <a:lstStyle/>
+          <a:p>
+            <a:pPr algn="ctr"/>
+            <a:endParaRPr lang="zh-CN" altLang="en-US"/>
+          </a:p>
+        </p:txBody>
+      </p:sp>
+    </p:spTree>
+    <p:extLst>
+      <p:ext uri="{BB962C8B-B14F-4D97-AF65-F5344CB8AC3E}">
+        <p14:creationId xmlns:p14="http://schemas.microsoft.com/office/powerpoint/2010/main" val="2986319285"/>
+      </p:ext>
+    </p:extLst>
+  </p:cSld>
+  <p:clrMapOvr>
+    <a:masterClrMapping/>
+  </p:clrMapOvr>
+  <p:timing>
+    <p:tnLst>
+      <p:par>
+        <p:cTn id="1" dur="indefinite" restart="never" nodeType="tmRoot">
+          <p:childTnLst>
+            <p:seq concurrent="1" nextAc="seek">
+              <p:cTn id="2" dur="indefinite" nodeType="mainSeq">
+                <p:childTnLst>
+                  <p:par>
+                    <p:cTn id="3" fill="hold">
+                      <p:stCondLst>
+                        <p:cond delay="indefinite"/>
+                      </p:stCondLst>
+                      <p:childTnLst>
+                        <p:par>
+                          <p:cTn id="4" fill="hold">
+                            <p:stCondLst>
+                              <p:cond delay="0"/>
+                            </p:stCondLst>
+                            <p:childTnLst>
+                              <p:par>
+                                <p:cTn id="5" presetID="22" presetClass="entr" presetSubtype="4" fill="hold" grpId="0" nodeType="clickEffect">
+                                  <p:stCondLst>
+                                    <p:cond delay="0"/>
+                                  </p:stCondLst>
+                                  <p:childTnLst>
+                                    <p:set>
+                                      <p:cBhvr>
+                                        <p:cTn id="6" dur="1" fill="hold">
+                                          <p:stCondLst>
+                                            <p:cond delay="0"/>
+                                          </p:stCondLst>
+                                        </p:cTn>
+                                        <p:tgtEl>
+                                          <p:spTgt spid="8"/>
+                                        </p:tgtEl>
+                                        <p:attrNameLst>
+                                          <p:attrName>style.visibility</p:attrName>
+                                        </p:attrNameLst>
+                                      </p:cBhvr>
+                                      <p:to>
+                                        <p:strVal val="visible"/>
+                                      </p:to>
+                                    </p:set>
+                                    <p:animEffect transition="in" filter="wipe(down)">
+                                      <p:cBhvr>
+                                        <p:cTn id="7" dur="500"/>
+                                        <p:tgtEl>
+                                          <p:spTgt spid="8"/>
+                                        </p:tgtEl>
+                                      </p:cBhvr>
+                                    </p:animEffect>
+                                  </p:childTnLst>
+                                </p:cTn>
+                              </p:par>
+                            </p:childTnLst>
+                          </p:cTn>
+                        </p:par>
+                      </p:childTnLst>
+                    </p:cTn>
+                  </p:par>
+                </p:childTnLst>
+              </p:cTn>
+              <p:prevCondLst>
+                <p:cond evt="onPrev" delay="0">
+                  <p:tgtEl>
+                    <p:sldTgt/>
+                  </p:tgtEl>
+                </p:cond>
+              </p:prevCondLst>
+              <p:nextCondLst>
+                <p:cond evt="onNext" delay="0">
+                  <p:tgtEl>
+                    <p:sldTgt/>
+                  </p:tgtEl>
+                </p:cond>
+              </p:nextCondLst>
+            </p:seq>
+          </p:childTnLst>
+        </p:cTn>
+      </p:par>
+    </p:tnLst>
+    <p:bldLst>
+      <p:bldP spid="8" grpId="0" animBg="1"/>
     </p:bldLst>
   </p:timing>
 </p:sld>
